--- a/figures/fig4.pptx
+++ b/figures/fig4.pptx
@@ -257,7 +257,7 @@
       </p15:sldGuideLst>
     </p:ext>
     <p:ext uri="http://customooxmlschemas.google.com/">
-      <go:slidesCustomData xmlns="" xmlns:mc="http://schemas.openxmlformats.org/markup-compatibility/2006" xmlns:mv="urn:schemas-microsoft-com:mac:vml" xmlns:c="http://schemas.openxmlformats.org/drawingml/2006/chart" xmlns:dgm="http://schemas.openxmlformats.org/drawingml/2006/diagram" xmlns:o="urn:schemas-microsoft-com:office:office" xmlns:v="urn:schemas-microsoft-com:vml" xmlns:pvml="urn:schemas-microsoft-com:office:powerpoint" xmlns:com="http://schemas.openxmlformats.org/drawingml/2006/compatibility" xmlns:p14="http://schemas.microsoft.com/office/powerpoint/2010/main" xmlns:p15="http://schemas.microsoft.com/office/powerpoint/2012/main" xmlns:ahyp="http://schemas.microsoft.com/office/drawing/2018/hyperlinkcolor" xmlns:go="http://customooxmlschemas.google.com/" r:id="rId10" roundtripDataSignature="AMtx7mhiytGPk8UOxiAGs9KaAxakDbg4SQ=="/>
+      <go:slidesCustomData xmlns:go="http://customooxmlschemas.google.com/" xmlns:ahyp="http://schemas.microsoft.com/office/drawing/2018/hyperlinkcolor" xmlns:p15="http://schemas.microsoft.com/office/powerpoint/2012/main" xmlns:p14="http://schemas.microsoft.com/office/powerpoint/2010/main" xmlns:com="http://schemas.openxmlformats.org/drawingml/2006/compatibility" xmlns:pvml="urn:schemas-microsoft-com:office:powerpoint" xmlns:v="urn:schemas-microsoft-com:vml" xmlns:o="urn:schemas-microsoft-com:office:office" xmlns:dgm="http://schemas.openxmlformats.org/drawingml/2006/diagram" xmlns:c="http://schemas.openxmlformats.org/drawingml/2006/chart" xmlns:mv="urn:schemas-microsoft-com:mac:vml" xmlns:mc="http://schemas.openxmlformats.org/markup-compatibility/2006" xmlns="" r:id="rId10" roundtripDataSignature="AMtx7mhiytGPk8UOxiAGs9KaAxakDbg4SQ=="/>
     </p:ext>
   </p:extLst>
 </p:presentation>
@@ -12626,41 +12626,12 @@
           <a:chExt cx="0" cy="0"/>
         </a:xfrm>
       </p:grpSpPr>
-      <p:pic>
-        <p:nvPicPr>
-          <p:cNvPr id="50" name="Picture 49">
+      <p:grpSp>
+        <p:nvGrpSpPr>
+          <p:cNvPr id="59" name="Group 58">
             <a:extLst>
               <a:ext uri="{FF2B5EF4-FFF2-40B4-BE49-F238E27FC236}">
-                <a16:creationId xmlns:a16="http://schemas.microsoft.com/office/drawing/2014/main" id="{E14C7C57-CAC7-7F13-0ACE-2CF86C0845CD}"/>
-              </a:ext>
-            </a:extLst>
-          </p:cNvPr>
-          <p:cNvPicPr>
-            <a:picLocks noChangeAspect="1"/>
-          </p:cNvPicPr>
-          <p:nvPr/>
-        </p:nvPicPr>
-        <p:blipFill>
-          <a:blip r:embed="rId3"/>
-          <a:srcRect t="12441"/>
-          <a:stretch/>
-        </p:blipFill>
-        <p:spPr>
-          <a:xfrm>
-            <a:off x="19249697" y="8540884"/>
-            <a:ext cx="8844210" cy="6721461"/>
-          </a:xfrm>
-          <a:prstGeom prst="rect">
-            <a:avLst/>
-          </a:prstGeom>
-        </p:spPr>
-      </p:pic>
-      <p:grpSp>
-        <p:nvGrpSpPr>
-          <p:cNvPr id="3" name="Group 2">
-            <a:extLst>
-              <a:ext uri="{FF2B5EF4-FFF2-40B4-BE49-F238E27FC236}">
-                <a16:creationId xmlns:a16="http://schemas.microsoft.com/office/drawing/2014/main" id="{73E28D5A-EDEC-A39F-3A01-DB165A3AC89F}"/>
+                <a16:creationId xmlns:a16="http://schemas.microsoft.com/office/drawing/2014/main" id="{A946B165-18C3-79F2-0D0C-C1FB5CB1A83C}"/>
               </a:ext>
             </a:extLst>
           </p:cNvPr>
@@ -12669,1260 +12640,652 @@
         </p:nvGrpSpPr>
         <p:grpSpPr>
           <a:xfrm>
-            <a:off x="2248626" y="4598762"/>
-            <a:ext cx="9741035" cy="7241702"/>
-            <a:chOff x="13450026" y="13194122"/>
-            <a:chExt cx="9741035" cy="7241702"/>
+            <a:off x="14058847" y="11766697"/>
+            <a:ext cx="10700329" cy="7942276"/>
+            <a:chOff x="5646367" y="14520057"/>
+            <a:chExt cx="10700329" cy="7942276"/>
           </a:xfrm>
         </p:grpSpPr>
-        <p:grpSp>
-          <p:nvGrpSpPr>
-            <p:cNvPr id="32" name="Group 31">
+        <p:pic>
+          <p:nvPicPr>
+            <p:cNvPr id="47" name="Picture 46" descr="A comparison of a comparison of a model&#10;&#10;AI-generated content may be incorrect.">
               <a:extLst>
                 <a:ext uri="{FF2B5EF4-FFF2-40B4-BE49-F238E27FC236}">
-                  <a16:creationId xmlns:a16="http://schemas.microsoft.com/office/drawing/2014/main" id="{196CCA7C-ECEA-0C27-8308-35FB512F2864}"/>
+                  <a16:creationId xmlns:a16="http://schemas.microsoft.com/office/drawing/2014/main" id="{800D97E8-AFFB-95B1-6DF5-A8B29BE40239}"/>
                 </a:ext>
               </a:extLst>
             </p:cNvPr>
-            <p:cNvGrpSpPr/>
+            <p:cNvPicPr>
+              <a:picLocks noChangeAspect="1"/>
+            </p:cNvPicPr>
             <p:nvPr/>
-          </p:nvGrpSpPr>
-          <p:grpSpPr>
+          </p:nvPicPr>
+          <p:blipFill>
+            <a:blip r:embed="rId3"/>
+            <a:srcRect t="16391"/>
+            <a:stretch/>
+          </p:blipFill>
+          <p:spPr>
             <a:xfrm>
-              <a:off x="13812257" y="13194122"/>
-              <a:ext cx="9378804" cy="7241702"/>
-              <a:chOff x="13812257" y="13194122"/>
-              <a:chExt cx="9378804" cy="7241702"/>
+              <a:off x="5646367" y="15602353"/>
+              <a:ext cx="10700329" cy="6859980"/>
             </a:xfrm>
-          </p:grpSpPr>
-          <p:grpSp>
-            <p:nvGrpSpPr>
-              <p:cNvPr id="10" name="Group 9">
-                <a:extLst>
-                  <a:ext uri="{FF2B5EF4-FFF2-40B4-BE49-F238E27FC236}">
-                    <a16:creationId xmlns:a16="http://schemas.microsoft.com/office/drawing/2014/main" id="{43CB4572-C9E1-5CB4-B03F-7D480E4171CA}"/>
-                  </a:ext>
-                </a:extLst>
-              </p:cNvPr>
-              <p:cNvGrpSpPr/>
-              <p:nvPr/>
-            </p:nvGrpSpPr>
-            <p:grpSpPr>
-              <a:xfrm>
-                <a:off x="13812257" y="14046221"/>
-                <a:ext cx="9378804" cy="6389603"/>
-                <a:chOff x="25485208" y="13254529"/>
-                <a:chExt cx="10493731" cy="6784376"/>
-              </a:xfrm>
-            </p:grpSpPr>
-            <p:grpSp>
-              <p:nvGrpSpPr>
-                <p:cNvPr id="18" name="Group 17">
-                  <a:extLst>
-                    <a:ext uri="{FF2B5EF4-FFF2-40B4-BE49-F238E27FC236}">
-                      <a16:creationId xmlns:a16="http://schemas.microsoft.com/office/drawing/2014/main" id="{872ECFCD-C5D6-D086-80E5-7C7FB653513A}"/>
-                    </a:ext>
-                  </a:extLst>
-                </p:cNvPr>
-                <p:cNvGrpSpPr/>
-                <p:nvPr/>
-              </p:nvGrpSpPr>
-              <p:grpSpPr>
-                <a:xfrm>
-                  <a:off x="25485208" y="13495595"/>
-                  <a:ext cx="10493731" cy="6543310"/>
-                  <a:chOff x="24148721" y="11553231"/>
-                  <a:chExt cx="9575073" cy="5658509"/>
-                </a:xfrm>
-              </p:grpSpPr>
-              <p:pic>
-                <p:nvPicPr>
-                  <p:cNvPr id="23" name="Graphic 24">
-                    <a:extLst>
-                      <a:ext uri="{FF2B5EF4-FFF2-40B4-BE49-F238E27FC236}">
-                        <a16:creationId xmlns:a16="http://schemas.microsoft.com/office/drawing/2014/main" id="{A7533A2B-5990-7FAA-22C4-DBA88E3C4661}"/>
-                      </a:ext>
-                    </a:extLst>
-                  </p:cNvPr>
-                  <p:cNvPicPr>
-                    <a:picLocks noChangeAspect="1"/>
-                  </p:cNvPicPr>
-                  <p:nvPr/>
-                </p:nvPicPr>
-                <p:blipFill>
-                  <a:blip r:embed="rId4">
-                    <a:extLst>
-                      <a:ext uri="{96DAC541-7B7A-43D3-8B79-37D633B846F1}">
-                        <asvg:svgBlip xmlns:asvg="http://schemas.microsoft.com/office/drawing/2016/SVG/main" r:embed="rId5"/>
-                      </a:ext>
-                    </a:extLst>
-                  </a:blip>
-                  <a:srcRect l="4247" t="15279" r="19121" b="8214"/>
-                  <a:stretch/>
-                </p:blipFill>
-                <p:spPr>
-                  <a:xfrm>
-                    <a:off x="24148721" y="11553231"/>
-                    <a:ext cx="7870912" cy="5658509"/>
-                  </a:xfrm>
-                  <a:prstGeom prst="rect">
-                    <a:avLst/>
-                  </a:prstGeom>
-                </p:spPr>
-              </p:pic>
-              <p:grpSp>
-                <p:nvGrpSpPr>
-                  <p:cNvPr id="24" name="Group 23">
-                    <a:extLst>
-                      <a:ext uri="{FF2B5EF4-FFF2-40B4-BE49-F238E27FC236}">
-                        <a16:creationId xmlns:a16="http://schemas.microsoft.com/office/drawing/2014/main" id="{111557DD-E23F-FAA7-C6E7-3517720BF86B}"/>
-                      </a:ext>
-                    </a:extLst>
-                  </p:cNvPr>
-                  <p:cNvGrpSpPr/>
-                  <p:nvPr/>
-                </p:nvGrpSpPr>
-                <p:grpSpPr>
-                  <a:xfrm>
-                    <a:off x="32319353" y="11571416"/>
-                    <a:ext cx="1370600" cy="3864349"/>
-                    <a:chOff x="32775529" y="12615312"/>
-                    <a:chExt cx="1370600" cy="3864349"/>
-                  </a:xfrm>
-                </p:grpSpPr>
-                <p:pic>
-                  <p:nvPicPr>
-                    <p:cNvPr id="26" name="Graphic 32">
-                      <a:extLst>
-                        <a:ext uri="{FF2B5EF4-FFF2-40B4-BE49-F238E27FC236}">
-                          <a16:creationId xmlns:a16="http://schemas.microsoft.com/office/drawing/2014/main" id="{EE7D39CD-37BF-8631-ACE7-2DF8E42E673D}"/>
-                        </a:ext>
-                      </a:extLst>
-                    </p:cNvPr>
-                    <p:cNvPicPr>
-                      <a:picLocks noChangeAspect="1"/>
-                    </p:cNvPicPr>
-                    <p:nvPr/>
-                  </p:nvPicPr>
-                  <p:blipFill>
-                    <a:blip r:embed="rId4">
-                      <a:extLst>
-                        <a:ext uri="{96DAC541-7B7A-43D3-8B79-37D633B846F1}">
-                          <asvg:svgBlip xmlns:asvg="http://schemas.microsoft.com/office/drawing/2016/SVG/main" r:embed="rId5"/>
-                        </a:ext>
-                      </a:extLst>
-                    </a:blip>
-                    <a:srcRect l="85778" t="16358" r="3980" b="31393"/>
-                    <a:stretch/>
-                  </p:blipFill>
-                  <p:spPr>
-                    <a:xfrm>
-                      <a:off x="33094160" y="12615312"/>
-                      <a:ext cx="1051969" cy="3864349"/>
-                    </a:xfrm>
-                    <a:prstGeom prst="rect">
-                      <a:avLst/>
-                    </a:prstGeom>
-                  </p:spPr>
-                </p:pic>
-                <p:pic>
-                  <p:nvPicPr>
-                    <p:cNvPr id="27" name="Picture 26" descr="A screen shot of a computer&#10;&#10;AI-generated content may be incorrect.">
-                      <a:extLst>
-                        <a:ext uri="{FF2B5EF4-FFF2-40B4-BE49-F238E27FC236}">
-                          <a16:creationId xmlns:a16="http://schemas.microsoft.com/office/drawing/2014/main" id="{4AFEDC0B-DD37-0220-D706-C7BB500A6FAB}"/>
-                        </a:ext>
-                      </a:extLst>
-                    </p:cNvPr>
-                    <p:cNvPicPr>
-                      <a:picLocks noChangeAspect="1"/>
-                    </p:cNvPicPr>
-                    <p:nvPr/>
-                  </p:nvPicPr>
-                  <p:blipFill>
-                    <a:blip r:embed="rId6"/>
-                    <a:srcRect l="81388" t="2038" r="2872" b="3913"/>
-                    <a:stretch/>
-                  </p:blipFill>
-                  <p:spPr>
-                    <a:xfrm>
-                      <a:off x="32775529" y="12741656"/>
-                      <a:ext cx="431801" cy="3388439"/>
-                    </a:xfrm>
-                    <a:prstGeom prst="rect">
-                      <a:avLst/>
-                    </a:prstGeom>
-                  </p:spPr>
-                </p:pic>
-              </p:grpSp>
-              <p:sp>
-                <p:nvSpPr>
-                  <p:cNvPr id="25" name="TextBox 36">
-                    <a:extLst>
-                      <a:ext uri="{FF2B5EF4-FFF2-40B4-BE49-F238E27FC236}">
-                        <a16:creationId xmlns:a16="http://schemas.microsoft.com/office/drawing/2014/main" id="{566E5102-FEB7-2398-A7C2-DE8392E35ED7}"/>
-                      </a:ext>
-                    </a:extLst>
-                  </p:cNvPr>
-                  <p:cNvSpPr txBox="1"/>
-                  <p:nvPr/>
-                </p:nvSpPr>
-                <p:spPr>
-                  <a:xfrm>
-                    <a:off x="32084948" y="15328969"/>
-                    <a:ext cx="1638846" cy="706506"/>
-                  </a:xfrm>
-                  <a:prstGeom prst="rect">
-                    <a:avLst/>
-                  </a:prstGeom>
-                  <a:noFill/>
-                </p:spPr>
-                <p:txBody>
-                  <a:bodyPr wrap="square" rtlCol="0">
-                    <a:spAutoFit/>
-                  </a:bodyPr>
-                  <a:lstStyle>
-                    <a:defPPr marR="0" lvl="0" algn="l" rtl="0">
-                      <a:lnSpc>
-                        <a:spcPct val="100000"/>
-                      </a:lnSpc>
-                      <a:spcBef>
-                        <a:spcPts val="0"/>
-                      </a:spcBef>
-                      <a:spcAft>
-                        <a:spcPts val="0"/>
-                      </a:spcAft>
-                    </a:defPPr>
-                    <a:lvl1pPr marR="0" lvl="0" algn="l" rtl="0">
-                      <a:lnSpc>
-                        <a:spcPct val="100000"/>
-                      </a:lnSpc>
-                      <a:spcBef>
-                        <a:spcPts val="0"/>
-                      </a:spcBef>
-                      <a:spcAft>
-                        <a:spcPts val="0"/>
-                      </a:spcAft>
-                      <a:buClr>
-                        <a:srgbClr val="000000"/>
-                      </a:buClr>
-                      <a:buFont typeface="Arial"/>
-                      <a:defRPr sz="1400" b="0" i="0" u="none" strike="noStrike" cap="none">
-                        <a:solidFill>
-                          <a:srgbClr val="000000"/>
-                        </a:solidFill>
-                        <a:latin typeface="Arial"/>
-                        <a:ea typeface="Arial"/>
-                        <a:cs typeface="Arial"/>
-                        <a:sym typeface="Arial"/>
-                      </a:defRPr>
-                    </a:lvl1pPr>
-                    <a:lvl2pPr marR="0" lvl="1" algn="l" rtl="0">
-                      <a:lnSpc>
-                        <a:spcPct val="100000"/>
-                      </a:lnSpc>
-                      <a:spcBef>
-                        <a:spcPts val="0"/>
-                      </a:spcBef>
-                      <a:spcAft>
-                        <a:spcPts val="0"/>
-                      </a:spcAft>
-                      <a:buClr>
-                        <a:srgbClr val="000000"/>
-                      </a:buClr>
-                      <a:buFont typeface="Arial"/>
-                      <a:defRPr sz="1400" b="0" i="0" u="none" strike="noStrike" cap="none">
-                        <a:solidFill>
-                          <a:srgbClr val="000000"/>
-                        </a:solidFill>
-                        <a:latin typeface="Arial"/>
-                        <a:ea typeface="Arial"/>
-                        <a:cs typeface="Arial"/>
-                        <a:sym typeface="Arial"/>
-                      </a:defRPr>
-                    </a:lvl2pPr>
-                    <a:lvl3pPr marR="0" lvl="2" algn="l" rtl="0">
-                      <a:lnSpc>
-                        <a:spcPct val="100000"/>
-                      </a:lnSpc>
-                      <a:spcBef>
-                        <a:spcPts val="0"/>
-                      </a:spcBef>
-                      <a:spcAft>
-                        <a:spcPts val="0"/>
-                      </a:spcAft>
-                      <a:buClr>
-                        <a:srgbClr val="000000"/>
-                      </a:buClr>
-                      <a:buFont typeface="Arial"/>
-                      <a:defRPr sz="1400" b="0" i="0" u="none" strike="noStrike" cap="none">
-                        <a:solidFill>
-                          <a:srgbClr val="000000"/>
-                        </a:solidFill>
-                        <a:latin typeface="Arial"/>
-                        <a:ea typeface="Arial"/>
-                        <a:cs typeface="Arial"/>
-                        <a:sym typeface="Arial"/>
-                      </a:defRPr>
-                    </a:lvl3pPr>
-                    <a:lvl4pPr marR="0" lvl="3" algn="l" rtl="0">
-                      <a:lnSpc>
-                        <a:spcPct val="100000"/>
-                      </a:lnSpc>
-                      <a:spcBef>
-                        <a:spcPts val="0"/>
-                      </a:spcBef>
-                      <a:spcAft>
-                        <a:spcPts val="0"/>
-                      </a:spcAft>
-                      <a:buClr>
-                        <a:srgbClr val="000000"/>
-                      </a:buClr>
-                      <a:buFont typeface="Arial"/>
-                      <a:defRPr sz="1400" b="0" i="0" u="none" strike="noStrike" cap="none">
-                        <a:solidFill>
-                          <a:srgbClr val="000000"/>
-                        </a:solidFill>
-                        <a:latin typeface="Arial"/>
-                        <a:ea typeface="Arial"/>
-                        <a:cs typeface="Arial"/>
-                        <a:sym typeface="Arial"/>
-                      </a:defRPr>
-                    </a:lvl4pPr>
-                    <a:lvl5pPr marR="0" lvl="4" algn="l" rtl="0">
-                      <a:lnSpc>
-                        <a:spcPct val="100000"/>
-                      </a:lnSpc>
-                      <a:spcBef>
-                        <a:spcPts val="0"/>
-                      </a:spcBef>
-                      <a:spcAft>
-                        <a:spcPts val="0"/>
-                      </a:spcAft>
-                      <a:buClr>
-                        <a:srgbClr val="000000"/>
-                      </a:buClr>
-                      <a:buFont typeface="Arial"/>
-                      <a:defRPr sz="1400" b="0" i="0" u="none" strike="noStrike" cap="none">
-                        <a:solidFill>
-                          <a:srgbClr val="000000"/>
-                        </a:solidFill>
-                        <a:latin typeface="Arial"/>
-                        <a:ea typeface="Arial"/>
-                        <a:cs typeface="Arial"/>
-                        <a:sym typeface="Arial"/>
-                      </a:defRPr>
-                    </a:lvl5pPr>
-                    <a:lvl6pPr marR="0" lvl="5" algn="l" rtl="0">
-                      <a:lnSpc>
-                        <a:spcPct val="100000"/>
-                      </a:lnSpc>
-                      <a:spcBef>
-                        <a:spcPts val="0"/>
-                      </a:spcBef>
-                      <a:spcAft>
-                        <a:spcPts val="0"/>
-                      </a:spcAft>
-                      <a:buClr>
-                        <a:srgbClr val="000000"/>
-                      </a:buClr>
-                      <a:buFont typeface="Arial"/>
-                      <a:defRPr sz="1400" b="0" i="0" u="none" strike="noStrike" cap="none">
-                        <a:solidFill>
-                          <a:srgbClr val="000000"/>
-                        </a:solidFill>
-                        <a:latin typeface="Arial"/>
-                        <a:ea typeface="Arial"/>
-                        <a:cs typeface="Arial"/>
-                        <a:sym typeface="Arial"/>
-                      </a:defRPr>
-                    </a:lvl6pPr>
-                    <a:lvl7pPr marR="0" lvl="6" algn="l" rtl="0">
-                      <a:lnSpc>
-                        <a:spcPct val="100000"/>
-                      </a:lnSpc>
-                      <a:spcBef>
-                        <a:spcPts val="0"/>
-                      </a:spcBef>
-                      <a:spcAft>
-                        <a:spcPts val="0"/>
-                      </a:spcAft>
-                      <a:buClr>
-                        <a:srgbClr val="000000"/>
-                      </a:buClr>
-                      <a:buFont typeface="Arial"/>
-                      <a:defRPr sz="1400" b="0" i="0" u="none" strike="noStrike" cap="none">
-                        <a:solidFill>
-                          <a:srgbClr val="000000"/>
-                        </a:solidFill>
-                        <a:latin typeface="Arial"/>
-                        <a:ea typeface="Arial"/>
-                        <a:cs typeface="Arial"/>
-                        <a:sym typeface="Arial"/>
-                      </a:defRPr>
-                    </a:lvl7pPr>
-                    <a:lvl8pPr marR="0" lvl="7" algn="l" rtl="0">
-                      <a:lnSpc>
-                        <a:spcPct val="100000"/>
-                      </a:lnSpc>
-                      <a:spcBef>
-                        <a:spcPts val="0"/>
-                      </a:spcBef>
-                      <a:spcAft>
-                        <a:spcPts val="0"/>
-                      </a:spcAft>
-                      <a:buClr>
-                        <a:srgbClr val="000000"/>
-                      </a:buClr>
-                      <a:buFont typeface="Arial"/>
-                      <a:defRPr sz="1400" b="0" i="0" u="none" strike="noStrike" cap="none">
-                        <a:solidFill>
-                          <a:srgbClr val="000000"/>
-                        </a:solidFill>
-                        <a:latin typeface="Arial"/>
-                        <a:ea typeface="Arial"/>
-                        <a:cs typeface="Arial"/>
-                        <a:sym typeface="Arial"/>
-                      </a:defRPr>
-                    </a:lvl8pPr>
-                    <a:lvl9pPr marR="0" lvl="8" algn="l" rtl="0">
-                      <a:lnSpc>
-                        <a:spcPct val="100000"/>
-                      </a:lnSpc>
-                      <a:spcBef>
-                        <a:spcPts val="0"/>
-                      </a:spcBef>
-                      <a:spcAft>
-                        <a:spcPts val="0"/>
-                      </a:spcAft>
-                      <a:buClr>
-                        <a:srgbClr val="000000"/>
-                      </a:buClr>
-                      <a:buFont typeface="Arial"/>
-                      <a:defRPr sz="1400" b="0" i="0" u="none" strike="noStrike" cap="none">
-                        <a:solidFill>
-                          <a:srgbClr val="000000"/>
-                        </a:solidFill>
-                        <a:latin typeface="Arial"/>
-                        <a:ea typeface="Arial"/>
-                        <a:cs typeface="Arial"/>
-                        <a:sym typeface="Arial"/>
-                      </a:defRPr>
-                    </a:lvl9pPr>
-                  </a:lstStyle>
-                  <a:p>
-                    <a:pPr algn="ctr"/>
-                    <a:r>
-                      <a:rPr lang="en-US" sz="2200" dirty="0"/>
-                      <a:t>Variable importance</a:t>
-                    </a:r>
-                  </a:p>
-                </p:txBody>
-              </p:sp>
-            </p:grpSp>
-            <p:sp>
-              <p:nvSpPr>
-                <p:cNvPr id="19" name="Left Brace 18">
-                  <a:extLst>
-                    <a:ext uri="{FF2B5EF4-FFF2-40B4-BE49-F238E27FC236}">
-                      <a16:creationId xmlns:a16="http://schemas.microsoft.com/office/drawing/2014/main" id="{3591D5A3-64FF-A175-5CB1-E91FD9CA6A12}"/>
-                    </a:ext>
-                  </a:extLst>
-                </p:cNvPr>
-                <p:cNvSpPr/>
-                <p:nvPr/>
-              </p:nvSpPr>
-              <p:spPr>
-                <a:xfrm rot="5400000">
-                  <a:off x="27617538" y="12600112"/>
-                  <a:ext cx="251224" cy="1625600"/>
-                </a:xfrm>
-                <a:prstGeom prst="leftBrace">
-                  <a:avLst>
-                    <a:gd name="adj1" fmla="val 35744"/>
-                    <a:gd name="adj2" fmla="val 50000"/>
-                  </a:avLst>
-                </a:prstGeom>
-                <a:ln/>
-                <a:effectLst/>
-              </p:spPr>
-              <p:style>
-                <a:lnRef idx="2">
-                  <a:schemeClr val="dk1"/>
-                </a:lnRef>
-                <a:fillRef idx="0">
-                  <a:schemeClr val="dk1"/>
-                </a:fillRef>
-                <a:effectRef idx="1">
-                  <a:schemeClr val="dk1"/>
-                </a:effectRef>
-                <a:fontRef idx="minor">
-                  <a:schemeClr val="tx1"/>
-                </a:fontRef>
-              </p:style>
-              <p:txBody>
-                <a:bodyPr rtlCol="0" anchor="ctr"/>
-                <a:lstStyle>
-                  <a:defPPr marR="0" lvl="0" algn="l" rtl="0">
-                    <a:lnSpc>
-                      <a:spcPct val="100000"/>
-                    </a:lnSpc>
-                    <a:spcBef>
-                      <a:spcPts val="0"/>
-                    </a:spcBef>
-                    <a:spcAft>
-                      <a:spcPts val="0"/>
-                    </a:spcAft>
-                  </a:defPPr>
-                  <a:lvl1pPr marR="0" lvl="0" algn="l" rtl="0">
-                    <a:lnSpc>
-                      <a:spcPct val="100000"/>
-                    </a:lnSpc>
-                    <a:spcBef>
-                      <a:spcPts val="0"/>
-                    </a:spcBef>
-                    <a:spcAft>
-                      <a:spcPts val="0"/>
-                    </a:spcAft>
-                    <a:buClr>
-                      <a:srgbClr val="000000"/>
-                    </a:buClr>
-                    <a:buFont typeface="Arial"/>
-                    <a:defRPr sz="1400" b="0" i="0" u="none" strike="noStrike" cap="none">
-                      <a:solidFill>
-                        <a:schemeClr val="tx1"/>
-                      </a:solidFill>
-                      <a:latin typeface="+mn-lt"/>
-                      <a:ea typeface="+mn-ea"/>
-                      <a:cs typeface="+mn-cs"/>
-                      <a:sym typeface="Arial"/>
-                    </a:defRPr>
-                  </a:lvl1pPr>
-                  <a:lvl2pPr marR="0" lvl="1" algn="l" rtl="0">
-                    <a:lnSpc>
-                      <a:spcPct val="100000"/>
-                    </a:lnSpc>
-                    <a:spcBef>
-                      <a:spcPts val="0"/>
-                    </a:spcBef>
-                    <a:spcAft>
-                      <a:spcPts val="0"/>
-                    </a:spcAft>
-                    <a:buClr>
-                      <a:srgbClr val="000000"/>
-                    </a:buClr>
-                    <a:buFont typeface="Arial"/>
-                    <a:defRPr sz="1400" b="0" i="0" u="none" strike="noStrike" cap="none">
-                      <a:solidFill>
-                        <a:schemeClr val="tx1"/>
-                      </a:solidFill>
-                      <a:latin typeface="+mn-lt"/>
-                      <a:ea typeface="+mn-ea"/>
-                      <a:cs typeface="+mn-cs"/>
-                      <a:sym typeface="Arial"/>
-                    </a:defRPr>
-                  </a:lvl2pPr>
-                  <a:lvl3pPr marR="0" lvl="2" algn="l" rtl="0">
-                    <a:lnSpc>
-                      <a:spcPct val="100000"/>
-                    </a:lnSpc>
-                    <a:spcBef>
-                      <a:spcPts val="0"/>
-                    </a:spcBef>
-                    <a:spcAft>
-                      <a:spcPts val="0"/>
-                    </a:spcAft>
-                    <a:buClr>
-                      <a:srgbClr val="000000"/>
-                    </a:buClr>
-                    <a:buFont typeface="Arial"/>
-                    <a:defRPr sz="1400" b="0" i="0" u="none" strike="noStrike" cap="none">
-                      <a:solidFill>
-                        <a:schemeClr val="tx1"/>
-                      </a:solidFill>
-                      <a:latin typeface="+mn-lt"/>
-                      <a:ea typeface="+mn-ea"/>
-                      <a:cs typeface="+mn-cs"/>
-                      <a:sym typeface="Arial"/>
-                    </a:defRPr>
-                  </a:lvl3pPr>
-                  <a:lvl4pPr marR="0" lvl="3" algn="l" rtl="0">
-                    <a:lnSpc>
-                      <a:spcPct val="100000"/>
-                    </a:lnSpc>
-                    <a:spcBef>
-                      <a:spcPts val="0"/>
-                    </a:spcBef>
-                    <a:spcAft>
-                      <a:spcPts val="0"/>
-                    </a:spcAft>
-                    <a:buClr>
-                      <a:srgbClr val="000000"/>
-                    </a:buClr>
-                    <a:buFont typeface="Arial"/>
-                    <a:defRPr sz="1400" b="0" i="0" u="none" strike="noStrike" cap="none">
-                      <a:solidFill>
-                        <a:schemeClr val="tx1"/>
-                      </a:solidFill>
-                      <a:latin typeface="+mn-lt"/>
-                      <a:ea typeface="+mn-ea"/>
-                      <a:cs typeface="+mn-cs"/>
-                      <a:sym typeface="Arial"/>
-                    </a:defRPr>
-                  </a:lvl4pPr>
-                  <a:lvl5pPr marR="0" lvl="4" algn="l" rtl="0">
-                    <a:lnSpc>
-                      <a:spcPct val="100000"/>
-                    </a:lnSpc>
-                    <a:spcBef>
-                      <a:spcPts val="0"/>
-                    </a:spcBef>
-                    <a:spcAft>
-                      <a:spcPts val="0"/>
-                    </a:spcAft>
-                    <a:buClr>
-                      <a:srgbClr val="000000"/>
-                    </a:buClr>
-                    <a:buFont typeface="Arial"/>
-                    <a:defRPr sz="1400" b="0" i="0" u="none" strike="noStrike" cap="none">
-                      <a:solidFill>
-                        <a:schemeClr val="tx1"/>
-                      </a:solidFill>
-                      <a:latin typeface="+mn-lt"/>
-                      <a:ea typeface="+mn-ea"/>
-                      <a:cs typeface="+mn-cs"/>
-                      <a:sym typeface="Arial"/>
-                    </a:defRPr>
-                  </a:lvl5pPr>
-                  <a:lvl6pPr marR="0" lvl="5" algn="l" rtl="0">
-                    <a:lnSpc>
-                      <a:spcPct val="100000"/>
-                    </a:lnSpc>
-                    <a:spcBef>
-                      <a:spcPts val="0"/>
-                    </a:spcBef>
-                    <a:spcAft>
-                      <a:spcPts val="0"/>
-                    </a:spcAft>
-                    <a:buClr>
-                      <a:srgbClr val="000000"/>
-                    </a:buClr>
-                    <a:buFont typeface="Arial"/>
-                    <a:defRPr sz="1400" b="0" i="0" u="none" strike="noStrike" cap="none">
-                      <a:solidFill>
-                        <a:schemeClr val="tx1"/>
-                      </a:solidFill>
-                      <a:latin typeface="+mn-lt"/>
-                      <a:ea typeface="+mn-ea"/>
-                      <a:cs typeface="+mn-cs"/>
-                      <a:sym typeface="Arial"/>
-                    </a:defRPr>
-                  </a:lvl6pPr>
-                  <a:lvl7pPr marR="0" lvl="6" algn="l" rtl="0">
-                    <a:lnSpc>
-                      <a:spcPct val="100000"/>
-                    </a:lnSpc>
-                    <a:spcBef>
-                      <a:spcPts val="0"/>
-                    </a:spcBef>
-                    <a:spcAft>
-                      <a:spcPts val="0"/>
-                    </a:spcAft>
-                    <a:buClr>
-                      <a:srgbClr val="000000"/>
-                    </a:buClr>
-                    <a:buFont typeface="Arial"/>
-                    <a:defRPr sz="1400" b="0" i="0" u="none" strike="noStrike" cap="none">
-                      <a:solidFill>
-                        <a:schemeClr val="tx1"/>
-                      </a:solidFill>
-                      <a:latin typeface="+mn-lt"/>
-                      <a:ea typeface="+mn-ea"/>
-                      <a:cs typeface="+mn-cs"/>
-                      <a:sym typeface="Arial"/>
-                    </a:defRPr>
-                  </a:lvl7pPr>
-                  <a:lvl8pPr marR="0" lvl="7" algn="l" rtl="0">
-                    <a:lnSpc>
-                      <a:spcPct val="100000"/>
-                    </a:lnSpc>
-                    <a:spcBef>
-                      <a:spcPts val="0"/>
-                    </a:spcBef>
-                    <a:spcAft>
-                      <a:spcPts val="0"/>
-                    </a:spcAft>
-                    <a:buClr>
-                      <a:srgbClr val="000000"/>
-                    </a:buClr>
-                    <a:buFont typeface="Arial"/>
-                    <a:defRPr sz="1400" b="0" i="0" u="none" strike="noStrike" cap="none">
-                      <a:solidFill>
-                        <a:schemeClr val="tx1"/>
-                      </a:solidFill>
-                      <a:latin typeface="+mn-lt"/>
-                      <a:ea typeface="+mn-ea"/>
-                      <a:cs typeface="+mn-cs"/>
-                      <a:sym typeface="Arial"/>
-                    </a:defRPr>
-                  </a:lvl8pPr>
-                  <a:lvl9pPr marR="0" lvl="8" algn="l" rtl="0">
-                    <a:lnSpc>
-                      <a:spcPct val="100000"/>
-                    </a:lnSpc>
-                    <a:spcBef>
-                      <a:spcPts val="0"/>
-                    </a:spcBef>
-                    <a:spcAft>
-                      <a:spcPts val="0"/>
-                    </a:spcAft>
-                    <a:buClr>
-                      <a:srgbClr val="000000"/>
-                    </a:buClr>
-                    <a:buFont typeface="Arial"/>
-                    <a:defRPr sz="1400" b="0" i="0" u="none" strike="noStrike" cap="none">
-                      <a:solidFill>
-                        <a:schemeClr val="tx1"/>
-                      </a:solidFill>
-                      <a:latin typeface="+mn-lt"/>
-                      <a:ea typeface="+mn-ea"/>
-                      <a:cs typeface="+mn-cs"/>
-                      <a:sym typeface="Arial"/>
-                    </a:defRPr>
-                  </a:lvl9pPr>
-                </a:lstStyle>
-                <a:p>
-                  <a:pPr algn="ctr"/>
-                  <a:endParaRPr lang="en-US">
-                    <a:ln>
-                      <a:solidFill>
-                        <a:schemeClr val="tx1"/>
-                      </a:solidFill>
-                    </a:ln>
-                  </a:endParaRPr>
-                </a:p>
-              </p:txBody>
-            </p:sp>
-            <p:sp>
-              <p:nvSpPr>
-                <p:cNvPr id="20" name="Left Brace 19">
-                  <a:extLst>
-                    <a:ext uri="{FF2B5EF4-FFF2-40B4-BE49-F238E27FC236}">
-                      <a16:creationId xmlns:a16="http://schemas.microsoft.com/office/drawing/2014/main" id="{8498B2F5-EE00-4736-3456-FCAD571A5E50}"/>
-                    </a:ext>
-                  </a:extLst>
-                </p:cNvPr>
-                <p:cNvSpPr/>
-                <p:nvPr/>
-              </p:nvSpPr>
-              <p:spPr>
-                <a:xfrm rot="5400000">
-                  <a:off x="30153729" y="12600114"/>
-                  <a:ext cx="251222" cy="1625600"/>
-                </a:xfrm>
-                <a:prstGeom prst="leftBrace">
-                  <a:avLst>
-                    <a:gd name="adj1" fmla="val 35744"/>
-                    <a:gd name="adj2" fmla="val 50000"/>
-                  </a:avLst>
-                </a:prstGeom>
-                <a:ln/>
-                <a:effectLst/>
-              </p:spPr>
-              <p:style>
-                <a:lnRef idx="2">
-                  <a:schemeClr val="dk1"/>
-                </a:lnRef>
-                <a:fillRef idx="0">
-                  <a:schemeClr val="dk1"/>
-                </a:fillRef>
-                <a:effectRef idx="1">
-                  <a:schemeClr val="dk1"/>
-                </a:effectRef>
-                <a:fontRef idx="minor">
-                  <a:schemeClr val="tx1"/>
-                </a:fontRef>
-              </p:style>
-              <p:txBody>
-                <a:bodyPr rtlCol="0" anchor="ctr"/>
-                <a:lstStyle>
-                  <a:defPPr marR="0" lvl="0" algn="l" rtl="0">
-                    <a:lnSpc>
-                      <a:spcPct val="100000"/>
-                    </a:lnSpc>
-                    <a:spcBef>
-                      <a:spcPts val="0"/>
-                    </a:spcBef>
-                    <a:spcAft>
-                      <a:spcPts val="0"/>
-                    </a:spcAft>
-                  </a:defPPr>
-                  <a:lvl1pPr marR="0" lvl="0" algn="l" rtl="0">
-                    <a:lnSpc>
-                      <a:spcPct val="100000"/>
-                    </a:lnSpc>
-                    <a:spcBef>
-                      <a:spcPts val="0"/>
-                    </a:spcBef>
-                    <a:spcAft>
-                      <a:spcPts val="0"/>
-                    </a:spcAft>
-                    <a:buClr>
-                      <a:srgbClr val="000000"/>
-                    </a:buClr>
-                    <a:buFont typeface="Arial"/>
-                    <a:defRPr sz="1400" b="0" i="0" u="none" strike="noStrike" cap="none">
-                      <a:solidFill>
-                        <a:schemeClr val="tx1"/>
-                      </a:solidFill>
-                      <a:latin typeface="+mn-lt"/>
-                      <a:ea typeface="+mn-ea"/>
-                      <a:cs typeface="+mn-cs"/>
-                      <a:sym typeface="Arial"/>
-                    </a:defRPr>
-                  </a:lvl1pPr>
-                  <a:lvl2pPr marR="0" lvl="1" algn="l" rtl="0">
-                    <a:lnSpc>
-                      <a:spcPct val="100000"/>
-                    </a:lnSpc>
-                    <a:spcBef>
-                      <a:spcPts val="0"/>
-                    </a:spcBef>
-                    <a:spcAft>
-                      <a:spcPts val="0"/>
-                    </a:spcAft>
-                    <a:buClr>
-                      <a:srgbClr val="000000"/>
-                    </a:buClr>
-                    <a:buFont typeface="Arial"/>
-                    <a:defRPr sz="1400" b="0" i="0" u="none" strike="noStrike" cap="none">
-                      <a:solidFill>
-                        <a:schemeClr val="tx1"/>
-                      </a:solidFill>
-                      <a:latin typeface="+mn-lt"/>
-                      <a:ea typeface="+mn-ea"/>
-                      <a:cs typeface="+mn-cs"/>
-                      <a:sym typeface="Arial"/>
-                    </a:defRPr>
-                  </a:lvl2pPr>
-                  <a:lvl3pPr marR="0" lvl="2" algn="l" rtl="0">
-                    <a:lnSpc>
-                      <a:spcPct val="100000"/>
-                    </a:lnSpc>
-                    <a:spcBef>
-                      <a:spcPts val="0"/>
-                    </a:spcBef>
-                    <a:spcAft>
-                      <a:spcPts val="0"/>
-                    </a:spcAft>
-                    <a:buClr>
-                      <a:srgbClr val="000000"/>
-                    </a:buClr>
-                    <a:buFont typeface="Arial"/>
-                    <a:defRPr sz="1400" b="0" i="0" u="none" strike="noStrike" cap="none">
-                      <a:solidFill>
-                        <a:schemeClr val="tx1"/>
-                      </a:solidFill>
-                      <a:latin typeface="+mn-lt"/>
-                      <a:ea typeface="+mn-ea"/>
-                      <a:cs typeface="+mn-cs"/>
-                      <a:sym typeface="Arial"/>
-                    </a:defRPr>
-                  </a:lvl3pPr>
-                  <a:lvl4pPr marR="0" lvl="3" algn="l" rtl="0">
-                    <a:lnSpc>
-                      <a:spcPct val="100000"/>
-                    </a:lnSpc>
-                    <a:spcBef>
-                      <a:spcPts val="0"/>
-                    </a:spcBef>
-                    <a:spcAft>
-                      <a:spcPts val="0"/>
-                    </a:spcAft>
-                    <a:buClr>
-                      <a:srgbClr val="000000"/>
-                    </a:buClr>
-                    <a:buFont typeface="Arial"/>
-                    <a:defRPr sz="1400" b="0" i="0" u="none" strike="noStrike" cap="none">
-                      <a:solidFill>
-                        <a:schemeClr val="tx1"/>
-                      </a:solidFill>
-                      <a:latin typeface="+mn-lt"/>
-                      <a:ea typeface="+mn-ea"/>
-                      <a:cs typeface="+mn-cs"/>
-                      <a:sym typeface="Arial"/>
-                    </a:defRPr>
-                  </a:lvl4pPr>
-                  <a:lvl5pPr marR="0" lvl="4" algn="l" rtl="0">
-                    <a:lnSpc>
-                      <a:spcPct val="100000"/>
-                    </a:lnSpc>
-                    <a:spcBef>
-                      <a:spcPts val="0"/>
-                    </a:spcBef>
-                    <a:spcAft>
-                      <a:spcPts val="0"/>
-                    </a:spcAft>
-                    <a:buClr>
-                      <a:srgbClr val="000000"/>
-                    </a:buClr>
-                    <a:buFont typeface="Arial"/>
-                    <a:defRPr sz="1400" b="0" i="0" u="none" strike="noStrike" cap="none">
-                      <a:solidFill>
-                        <a:schemeClr val="tx1"/>
-                      </a:solidFill>
-                      <a:latin typeface="+mn-lt"/>
-                      <a:ea typeface="+mn-ea"/>
-                      <a:cs typeface="+mn-cs"/>
-                      <a:sym typeface="Arial"/>
-                    </a:defRPr>
-                  </a:lvl5pPr>
-                  <a:lvl6pPr marR="0" lvl="5" algn="l" rtl="0">
-                    <a:lnSpc>
-                      <a:spcPct val="100000"/>
-                    </a:lnSpc>
-                    <a:spcBef>
-                      <a:spcPts val="0"/>
-                    </a:spcBef>
-                    <a:spcAft>
-                      <a:spcPts val="0"/>
-                    </a:spcAft>
-                    <a:buClr>
-                      <a:srgbClr val="000000"/>
-                    </a:buClr>
-                    <a:buFont typeface="Arial"/>
-                    <a:defRPr sz="1400" b="0" i="0" u="none" strike="noStrike" cap="none">
-                      <a:solidFill>
-                        <a:schemeClr val="tx1"/>
-                      </a:solidFill>
-                      <a:latin typeface="+mn-lt"/>
-                      <a:ea typeface="+mn-ea"/>
-                      <a:cs typeface="+mn-cs"/>
-                      <a:sym typeface="Arial"/>
-                    </a:defRPr>
-                  </a:lvl6pPr>
-                  <a:lvl7pPr marR="0" lvl="6" algn="l" rtl="0">
-                    <a:lnSpc>
-                      <a:spcPct val="100000"/>
-                    </a:lnSpc>
-                    <a:spcBef>
-                      <a:spcPts val="0"/>
-                    </a:spcBef>
-                    <a:spcAft>
-                      <a:spcPts val="0"/>
-                    </a:spcAft>
-                    <a:buClr>
-                      <a:srgbClr val="000000"/>
-                    </a:buClr>
-                    <a:buFont typeface="Arial"/>
-                    <a:defRPr sz="1400" b="0" i="0" u="none" strike="noStrike" cap="none">
-                      <a:solidFill>
-                        <a:schemeClr val="tx1"/>
-                      </a:solidFill>
-                      <a:latin typeface="+mn-lt"/>
-                      <a:ea typeface="+mn-ea"/>
-                      <a:cs typeface="+mn-cs"/>
-                      <a:sym typeface="Arial"/>
-                    </a:defRPr>
-                  </a:lvl7pPr>
-                  <a:lvl8pPr marR="0" lvl="7" algn="l" rtl="0">
-                    <a:lnSpc>
-                      <a:spcPct val="100000"/>
-                    </a:lnSpc>
-                    <a:spcBef>
-                      <a:spcPts val="0"/>
-                    </a:spcBef>
-                    <a:spcAft>
-                      <a:spcPts val="0"/>
-                    </a:spcAft>
-                    <a:buClr>
-                      <a:srgbClr val="000000"/>
-                    </a:buClr>
-                    <a:buFont typeface="Arial"/>
-                    <a:defRPr sz="1400" b="0" i="0" u="none" strike="noStrike" cap="none">
-                      <a:solidFill>
-                        <a:schemeClr val="tx1"/>
-                      </a:solidFill>
-                      <a:latin typeface="+mn-lt"/>
-                      <a:ea typeface="+mn-ea"/>
-                      <a:cs typeface="+mn-cs"/>
-                      <a:sym typeface="Arial"/>
-                    </a:defRPr>
-                  </a:lvl8pPr>
-                  <a:lvl9pPr marR="0" lvl="8" algn="l" rtl="0">
-                    <a:lnSpc>
-                      <a:spcPct val="100000"/>
-                    </a:lnSpc>
-                    <a:spcBef>
-                      <a:spcPts val="0"/>
-                    </a:spcBef>
-                    <a:spcAft>
-                      <a:spcPts val="0"/>
-                    </a:spcAft>
-                    <a:buClr>
-                      <a:srgbClr val="000000"/>
-                    </a:buClr>
-                    <a:buFont typeface="Arial"/>
-                    <a:defRPr sz="1400" b="0" i="0" u="none" strike="noStrike" cap="none">
-                      <a:solidFill>
-                        <a:schemeClr val="tx1"/>
-                      </a:solidFill>
-                      <a:latin typeface="+mn-lt"/>
-                      <a:ea typeface="+mn-ea"/>
-                      <a:cs typeface="+mn-cs"/>
-                      <a:sym typeface="Arial"/>
-                    </a:defRPr>
-                  </a:lvl9pPr>
-                </a:lstStyle>
-                <a:p>
-                  <a:pPr algn="ctr"/>
-                  <a:endParaRPr lang="en-US">
-                    <a:ln>
-                      <a:solidFill>
-                        <a:schemeClr val="tx1"/>
-                      </a:solidFill>
-                    </a:ln>
-                  </a:endParaRPr>
-                </a:p>
-              </p:txBody>
-            </p:sp>
-            <p:cxnSp>
-              <p:nvCxnSpPr>
-                <p:cNvPr id="21" name="Straight Connector 20">
-                  <a:extLst>
-                    <a:ext uri="{FF2B5EF4-FFF2-40B4-BE49-F238E27FC236}">
-                      <a16:creationId xmlns:a16="http://schemas.microsoft.com/office/drawing/2014/main" id="{C3D3B884-C38A-4B1E-72AD-F864BCDDC405}"/>
-                    </a:ext>
-                  </a:extLst>
-                </p:cNvPr>
-                <p:cNvCxnSpPr>
-                  <a:cxnSpLocks/>
-                </p:cNvCxnSpPr>
-                <p:nvPr/>
-              </p:nvCxnSpPr>
-              <p:spPr>
-                <a:xfrm>
-                  <a:off x="32178792" y="13254529"/>
-                  <a:ext cx="0" cy="283995"/>
-                </a:xfrm>
-                <a:prstGeom prst="line">
-                  <a:avLst/>
-                </a:prstGeom>
-                <a:effectLst/>
-              </p:spPr>
-              <p:style>
-                <a:lnRef idx="2">
-                  <a:schemeClr val="dk1"/>
-                </a:lnRef>
-                <a:fillRef idx="0">
-                  <a:schemeClr val="dk1"/>
-                </a:fillRef>
-                <a:effectRef idx="1">
-                  <a:schemeClr val="dk1"/>
-                </a:effectRef>
-                <a:fontRef idx="minor">
-                  <a:schemeClr val="tx1"/>
-                </a:fontRef>
-              </p:style>
-            </p:cxnSp>
-            <p:cxnSp>
-              <p:nvCxnSpPr>
-                <p:cNvPr id="22" name="Straight Connector 21">
-                  <a:extLst>
-                    <a:ext uri="{FF2B5EF4-FFF2-40B4-BE49-F238E27FC236}">
-                      <a16:creationId xmlns:a16="http://schemas.microsoft.com/office/drawing/2014/main" id="{5DBFECB8-B848-E713-EFDC-7E617F17017F}"/>
-                    </a:ext>
-                  </a:extLst>
-                </p:cNvPr>
-                <p:cNvCxnSpPr>
-                  <a:cxnSpLocks/>
-                </p:cNvCxnSpPr>
-                <p:nvPr/>
-              </p:nvCxnSpPr>
-              <p:spPr>
-                <a:xfrm>
-                  <a:off x="33403203" y="13254529"/>
-                  <a:ext cx="0" cy="287801"/>
-                </a:xfrm>
-                <a:prstGeom prst="line">
-                  <a:avLst/>
-                </a:prstGeom>
-                <a:effectLst/>
-              </p:spPr>
-              <p:style>
-                <a:lnRef idx="2">
-                  <a:schemeClr val="dk1"/>
-                </a:lnRef>
-                <a:fillRef idx="0">
-                  <a:schemeClr val="dk1"/>
-                </a:fillRef>
-                <a:effectRef idx="1">
-                  <a:schemeClr val="dk1"/>
-                </a:effectRef>
-                <a:fontRef idx="minor">
-                  <a:schemeClr val="tx1"/>
-                </a:fontRef>
-              </p:style>
-            </p:cxnSp>
-          </p:grpSp>
-          <p:sp>
-            <p:nvSpPr>
-              <p:cNvPr id="28" name="TextBox 27">
-                <a:extLst>
-                  <a:ext uri="{FF2B5EF4-FFF2-40B4-BE49-F238E27FC236}">
-                    <a16:creationId xmlns:a16="http://schemas.microsoft.com/office/drawing/2014/main" id="{01936E46-7383-C1A8-F6DE-F1984C6923E8}"/>
-                  </a:ext>
-                </a:extLst>
-              </p:cNvPr>
-              <p:cNvSpPr txBox="1"/>
-              <p:nvPr/>
-            </p:nvSpPr>
-            <p:spPr>
-              <a:xfrm>
-                <a:off x="14392166" y="13564310"/>
-                <a:ext cx="3035300" cy="461665"/>
-              </a:xfrm>
-              <a:prstGeom prst="rect">
-                <a:avLst/>
-              </a:prstGeom>
-              <a:noFill/>
-            </p:spPr>
-            <p:txBody>
-              <a:bodyPr wrap="square" rtlCol="0">
-                <a:spAutoFit/>
-              </a:bodyPr>
-              <a:lstStyle/>
-              <a:p>
-                <a:pPr algn="ctr"/>
-                <a:r>
-                  <a:rPr lang="en-US" sz="2400" dirty="0"/>
-                  <a:t>All clades</a:t>
-                </a:r>
-              </a:p>
-            </p:txBody>
-          </p:sp>
-          <p:sp>
-            <p:nvSpPr>
-              <p:cNvPr id="29" name="TextBox 28">
-                <a:extLst>
-                  <a:ext uri="{FF2B5EF4-FFF2-40B4-BE49-F238E27FC236}">
-                    <a16:creationId xmlns:a16="http://schemas.microsoft.com/office/drawing/2014/main" id="{462A6017-0829-149D-2675-34C6C6A972EE}"/>
-                  </a:ext>
-                </a:extLst>
-              </p:cNvPr>
-              <p:cNvSpPr txBox="1"/>
-              <p:nvPr/>
-            </p:nvSpPr>
-            <p:spPr>
-              <a:xfrm>
-                <a:off x="16556743" y="13563455"/>
-                <a:ext cx="3035300" cy="461665"/>
-              </a:xfrm>
-              <a:prstGeom prst="rect">
-                <a:avLst/>
-              </a:prstGeom>
-              <a:noFill/>
-            </p:spPr>
-            <p:txBody>
-              <a:bodyPr wrap="square" rtlCol="0">
-                <a:spAutoFit/>
-              </a:bodyPr>
-              <a:lstStyle/>
-              <a:p>
-                <a:pPr algn="ctr"/>
-                <a:r>
-                  <a:rPr lang="en-US" sz="2400" dirty="0"/>
-                  <a:t>Mammals</a:t>
-                </a:r>
-              </a:p>
-            </p:txBody>
-          </p:sp>
-          <p:sp>
-            <p:nvSpPr>
-              <p:cNvPr id="30" name="TextBox 29">
-                <a:extLst>
-                  <a:ext uri="{FF2B5EF4-FFF2-40B4-BE49-F238E27FC236}">
-                    <a16:creationId xmlns:a16="http://schemas.microsoft.com/office/drawing/2014/main" id="{C82E3C40-1D0D-C312-DEB4-04B811D7EB9C}"/>
-                  </a:ext>
-                </a:extLst>
-              </p:cNvPr>
-              <p:cNvSpPr txBox="1"/>
-              <p:nvPr/>
-            </p:nvSpPr>
-            <p:spPr>
-              <a:xfrm>
-                <a:off x="18277018" y="13194122"/>
-                <a:ext cx="3035300" cy="830997"/>
-              </a:xfrm>
-              <a:prstGeom prst="rect">
-                <a:avLst/>
-              </a:prstGeom>
-              <a:noFill/>
-            </p:spPr>
-            <p:txBody>
-              <a:bodyPr wrap="square" rtlCol="0">
-                <a:spAutoFit/>
-              </a:bodyPr>
-              <a:lstStyle/>
-              <a:p>
-                <a:pPr algn="ctr"/>
-                <a:r>
-                  <a:rPr lang="en-US" sz="2400" dirty="0"/>
-                  <a:t>Ray-finned</a:t>
-                </a:r>
-              </a:p>
-              <a:p>
-                <a:pPr algn="ctr"/>
-                <a:r>
-                  <a:rPr lang="en-US" sz="2400" dirty="0"/>
-                  <a:t>fish</a:t>
-                </a:r>
-              </a:p>
-            </p:txBody>
-          </p:sp>
-          <p:sp>
-            <p:nvSpPr>
-              <p:cNvPr id="31" name="TextBox 30">
-                <a:extLst>
-                  <a:ext uri="{FF2B5EF4-FFF2-40B4-BE49-F238E27FC236}">
-                    <a16:creationId xmlns:a16="http://schemas.microsoft.com/office/drawing/2014/main" id="{932C259E-A119-1654-CA44-34293D23E00E}"/>
-                  </a:ext>
-                </a:extLst>
-              </p:cNvPr>
-              <p:cNvSpPr txBox="1"/>
-              <p:nvPr/>
-            </p:nvSpPr>
-            <p:spPr>
-              <a:xfrm>
-                <a:off x="19820402" y="13563454"/>
-                <a:ext cx="3035300" cy="461665"/>
-              </a:xfrm>
-              <a:prstGeom prst="rect">
-                <a:avLst/>
-              </a:prstGeom>
-              <a:noFill/>
-            </p:spPr>
-            <p:txBody>
-              <a:bodyPr wrap="square" rtlCol="0">
-                <a:spAutoFit/>
-              </a:bodyPr>
-              <a:lstStyle/>
-              <a:p>
-                <a:pPr algn="ctr"/>
-                <a:r>
-                  <a:rPr lang="en-US" sz="2400" dirty="0"/>
-                  <a:t>Reptiles</a:t>
-                </a:r>
-              </a:p>
-            </p:txBody>
-          </p:sp>
-        </p:grpSp>
+            <a:prstGeom prst="rect">
+              <a:avLst/>
+            </a:prstGeom>
+          </p:spPr>
+        </p:pic>
         <p:sp>
           <p:nvSpPr>
-            <p:cNvPr id="2" name="TextBox 1">
+            <p:cNvPr id="49" name="Left Brace 48">
               <a:extLst>
                 <a:ext uri="{FF2B5EF4-FFF2-40B4-BE49-F238E27FC236}">
-                  <a16:creationId xmlns:a16="http://schemas.microsoft.com/office/drawing/2014/main" id="{993B610E-BF2E-5BC1-0324-AB37B14B8B24}"/>
+                  <a16:creationId xmlns:a16="http://schemas.microsoft.com/office/drawing/2014/main" id="{A152576C-F75B-00FD-FD94-D561C534BB76}"/>
+                </a:ext>
+              </a:extLst>
+            </p:cNvPr>
+            <p:cNvSpPr/>
+            <p:nvPr/>
+          </p:nvSpPr>
+          <p:spPr>
+            <a:xfrm rot="5400000">
+              <a:off x="8155833" y="14743692"/>
+              <a:ext cx="236606" cy="1519591"/>
+            </a:xfrm>
+            <a:prstGeom prst="leftBrace">
+              <a:avLst>
+                <a:gd name="adj1" fmla="val 35744"/>
+                <a:gd name="adj2" fmla="val 50000"/>
+              </a:avLst>
+            </a:prstGeom>
+            <a:ln/>
+            <a:effectLst/>
+          </p:spPr>
+          <p:style>
+            <a:lnRef idx="2">
+              <a:schemeClr val="dk1"/>
+            </a:lnRef>
+            <a:fillRef idx="0">
+              <a:schemeClr val="dk1"/>
+            </a:fillRef>
+            <a:effectRef idx="1">
+              <a:schemeClr val="dk1"/>
+            </a:effectRef>
+            <a:fontRef idx="minor">
+              <a:schemeClr val="tx1"/>
+            </a:fontRef>
+          </p:style>
+          <p:txBody>
+            <a:bodyPr rtlCol="0" anchor="ctr"/>
+            <a:lstStyle>
+              <a:defPPr marR="0" lvl="0" algn="l" rtl="0">
+                <a:lnSpc>
+                  <a:spcPct val="100000"/>
+                </a:lnSpc>
+                <a:spcBef>
+                  <a:spcPts val="0"/>
+                </a:spcBef>
+                <a:spcAft>
+                  <a:spcPts val="0"/>
+                </a:spcAft>
+              </a:defPPr>
+              <a:lvl1pPr marR="0" lvl="0" algn="l" rtl="0">
+                <a:lnSpc>
+                  <a:spcPct val="100000"/>
+                </a:lnSpc>
+                <a:spcBef>
+                  <a:spcPts val="0"/>
+                </a:spcBef>
+                <a:spcAft>
+                  <a:spcPts val="0"/>
+                </a:spcAft>
+                <a:buClr>
+                  <a:srgbClr val="000000"/>
+                </a:buClr>
+                <a:buFont typeface="Arial"/>
+                <a:defRPr sz="1400" b="0" i="0" u="none" strike="noStrike" cap="none">
+                  <a:solidFill>
+                    <a:schemeClr val="tx1"/>
+                  </a:solidFill>
+                  <a:latin typeface="+mn-lt"/>
+                  <a:ea typeface="+mn-ea"/>
+                  <a:cs typeface="+mn-cs"/>
+                  <a:sym typeface="Arial"/>
+                </a:defRPr>
+              </a:lvl1pPr>
+              <a:lvl2pPr marR="0" lvl="1" algn="l" rtl="0">
+                <a:lnSpc>
+                  <a:spcPct val="100000"/>
+                </a:lnSpc>
+                <a:spcBef>
+                  <a:spcPts val="0"/>
+                </a:spcBef>
+                <a:spcAft>
+                  <a:spcPts val="0"/>
+                </a:spcAft>
+                <a:buClr>
+                  <a:srgbClr val="000000"/>
+                </a:buClr>
+                <a:buFont typeface="Arial"/>
+                <a:defRPr sz="1400" b="0" i="0" u="none" strike="noStrike" cap="none">
+                  <a:solidFill>
+                    <a:schemeClr val="tx1"/>
+                  </a:solidFill>
+                  <a:latin typeface="+mn-lt"/>
+                  <a:ea typeface="+mn-ea"/>
+                  <a:cs typeface="+mn-cs"/>
+                  <a:sym typeface="Arial"/>
+                </a:defRPr>
+              </a:lvl2pPr>
+              <a:lvl3pPr marR="0" lvl="2" algn="l" rtl="0">
+                <a:lnSpc>
+                  <a:spcPct val="100000"/>
+                </a:lnSpc>
+                <a:spcBef>
+                  <a:spcPts val="0"/>
+                </a:spcBef>
+                <a:spcAft>
+                  <a:spcPts val="0"/>
+                </a:spcAft>
+                <a:buClr>
+                  <a:srgbClr val="000000"/>
+                </a:buClr>
+                <a:buFont typeface="Arial"/>
+                <a:defRPr sz="1400" b="0" i="0" u="none" strike="noStrike" cap="none">
+                  <a:solidFill>
+                    <a:schemeClr val="tx1"/>
+                  </a:solidFill>
+                  <a:latin typeface="+mn-lt"/>
+                  <a:ea typeface="+mn-ea"/>
+                  <a:cs typeface="+mn-cs"/>
+                  <a:sym typeface="Arial"/>
+                </a:defRPr>
+              </a:lvl3pPr>
+              <a:lvl4pPr marR="0" lvl="3" algn="l" rtl="0">
+                <a:lnSpc>
+                  <a:spcPct val="100000"/>
+                </a:lnSpc>
+                <a:spcBef>
+                  <a:spcPts val="0"/>
+                </a:spcBef>
+                <a:spcAft>
+                  <a:spcPts val="0"/>
+                </a:spcAft>
+                <a:buClr>
+                  <a:srgbClr val="000000"/>
+                </a:buClr>
+                <a:buFont typeface="Arial"/>
+                <a:defRPr sz="1400" b="0" i="0" u="none" strike="noStrike" cap="none">
+                  <a:solidFill>
+                    <a:schemeClr val="tx1"/>
+                  </a:solidFill>
+                  <a:latin typeface="+mn-lt"/>
+                  <a:ea typeface="+mn-ea"/>
+                  <a:cs typeface="+mn-cs"/>
+                  <a:sym typeface="Arial"/>
+                </a:defRPr>
+              </a:lvl4pPr>
+              <a:lvl5pPr marR="0" lvl="4" algn="l" rtl="0">
+                <a:lnSpc>
+                  <a:spcPct val="100000"/>
+                </a:lnSpc>
+                <a:spcBef>
+                  <a:spcPts val="0"/>
+                </a:spcBef>
+                <a:spcAft>
+                  <a:spcPts val="0"/>
+                </a:spcAft>
+                <a:buClr>
+                  <a:srgbClr val="000000"/>
+                </a:buClr>
+                <a:buFont typeface="Arial"/>
+                <a:defRPr sz="1400" b="0" i="0" u="none" strike="noStrike" cap="none">
+                  <a:solidFill>
+                    <a:schemeClr val="tx1"/>
+                  </a:solidFill>
+                  <a:latin typeface="+mn-lt"/>
+                  <a:ea typeface="+mn-ea"/>
+                  <a:cs typeface="+mn-cs"/>
+                  <a:sym typeface="Arial"/>
+                </a:defRPr>
+              </a:lvl5pPr>
+              <a:lvl6pPr marR="0" lvl="5" algn="l" rtl="0">
+                <a:lnSpc>
+                  <a:spcPct val="100000"/>
+                </a:lnSpc>
+                <a:spcBef>
+                  <a:spcPts val="0"/>
+                </a:spcBef>
+                <a:spcAft>
+                  <a:spcPts val="0"/>
+                </a:spcAft>
+                <a:buClr>
+                  <a:srgbClr val="000000"/>
+                </a:buClr>
+                <a:buFont typeface="Arial"/>
+                <a:defRPr sz="1400" b="0" i="0" u="none" strike="noStrike" cap="none">
+                  <a:solidFill>
+                    <a:schemeClr val="tx1"/>
+                  </a:solidFill>
+                  <a:latin typeface="+mn-lt"/>
+                  <a:ea typeface="+mn-ea"/>
+                  <a:cs typeface="+mn-cs"/>
+                  <a:sym typeface="Arial"/>
+                </a:defRPr>
+              </a:lvl6pPr>
+              <a:lvl7pPr marR="0" lvl="6" algn="l" rtl="0">
+                <a:lnSpc>
+                  <a:spcPct val="100000"/>
+                </a:lnSpc>
+                <a:spcBef>
+                  <a:spcPts val="0"/>
+                </a:spcBef>
+                <a:spcAft>
+                  <a:spcPts val="0"/>
+                </a:spcAft>
+                <a:buClr>
+                  <a:srgbClr val="000000"/>
+                </a:buClr>
+                <a:buFont typeface="Arial"/>
+                <a:defRPr sz="1400" b="0" i="0" u="none" strike="noStrike" cap="none">
+                  <a:solidFill>
+                    <a:schemeClr val="tx1"/>
+                  </a:solidFill>
+                  <a:latin typeface="+mn-lt"/>
+                  <a:ea typeface="+mn-ea"/>
+                  <a:cs typeface="+mn-cs"/>
+                  <a:sym typeface="Arial"/>
+                </a:defRPr>
+              </a:lvl7pPr>
+              <a:lvl8pPr marR="0" lvl="7" algn="l" rtl="0">
+                <a:lnSpc>
+                  <a:spcPct val="100000"/>
+                </a:lnSpc>
+                <a:spcBef>
+                  <a:spcPts val="0"/>
+                </a:spcBef>
+                <a:spcAft>
+                  <a:spcPts val="0"/>
+                </a:spcAft>
+                <a:buClr>
+                  <a:srgbClr val="000000"/>
+                </a:buClr>
+                <a:buFont typeface="Arial"/>
+                <a:defRPr sz="1400" b="0" i="0" u="none" strike="noStrike" cap="none">
+                  <a:solidFill>
+                    <a:schemeClr val="tx1"/>
+                  </a:solidFill>
+                  <a:latin typeface="+mn-lt"/>
+                  <a:ea typeface="+mn-ea"/>
+                  <a:cs typeface="+mn-cs"/>
+                  <a:sym typeface="Arial"/>
+                </a:defRPr>
+              </a:lvl8pPr>
+              <a:lvl9pPr marR="0" lvl="8" algn="l" rtl="0">
+                <a:lnSpc>
+                  <a:spcPct val="100000"/>
+                </a:lnSpc>
+                <a:spcBef>
+                  <a:spcPts val="0"/>
+                </a:spcBef>
+                <a:spcAft>
+                  <a:spcPts val="0"/>
+                </a:spcAft>
+                <a:buClr>
+                  <a:srgbClr val="000000"/>
+                </a:buClr>
+                <a:buFont typeface="Arial"/>
+                <a:defRPr sz="1400" b="0" i="0" u="none" strike="noStrike" cap="none">
+                  <a:solidFill>
+                    <a:schemeClr val="tx1"/>
+                  </a:solidFill>
+                  <a:latin typeface="+mn-lt"/>
+                  <a:ea typeface="+mn-ea"/>
+                  <a:cs typeface="+mn-cs"/>
+                  <a:sym typeface="Arial"/>
+                </a:defRPr>
+              </a:lvl9pPr>
+            </a:lstStyle>
+            <a:p>
+              <a:pPr algn="ctr"/>
+              <a:endParaRPr lang="en-US">
+                <a:ln>
+                  <a:solidFill>
+                    <a:schemeClr val="tx1"/>
+                  </a:solidFill>
+                </a:ln>
+              </a:endParaRPr>
+            </a:p>
+          </p:txBody>
+        </p:sp>
+        <p:sp>
+          <p:nvSpPr>
+            <p:cNvPr id="51" name="Left Brace 50">
+              <a:extLst>
+                <a:ext uri="{FF2B5EF4-FFF2-40B4-BE49-F238E27FC236}">
+                  <a16:creationId xmlns:a16="http://schemas.microsoft.com/office/drawing/2014/main" id="{EF32D247-5165-5D77-9141-42289F3160EA}"/>
+                </a:ext>
+              </a:extLst>
+            </p:cNvPr>
+            <p:cNvSpPr/>
+            <p:nvPr/>
+          </p:nvSpPr>
+          <p:spPr>
+            <a:xfrm rot="5400000">
+              <a:off x="13204502" y="15053144"/>
+              <a:ext cx="236604" cy="900692"/>
+            </a:xfrm>
+            <a:prstGeom prst="leftBrace">
+              <a:avLst>
+                <a:gd name="adj1" fmla="val 35744"/>
+                <a:gd name="adj2" fmla="val 50000"/>
+              </a:avLst>
+            </a:prstGeom>
+            <a:ln/>
+            <a:effectLst/>
+          </p:spPr>
+          <p:style>
+            <a:lnRef idx="2">
+              <a:schemeClr val="dk1"/>
+            </a:lnRef>
+            <a:fillRef idx="0">
+              <a:schemeClr val="dk1"/>
+            </a:fillRef>
+            <a:effectRef idx="1">
+              <a:schemeClr val="dk1"/>
+            </a:effectRef>
+            <a:fontRef idx="minor">
+              <a:schemeClr val="tx1"/>
+            </a:fontRef>
+          </p:style>
+          <p:txBody>
+            <a:bodyPr rtlCol="0" anchor="ctr"/>
+            <a:lstStyle>
+              <a:defPPr marR="0" lvl="0" algn="l" rtl="0">
+                <a:lnSpc>
+                  <a:spcPct val="100000"/>
+                </a:lnSpc>
+                <a:spcBef>
+                  <a:spcPts val="0"/>
+                </a:spcBef>
+                <a:spcAft>
+                  <a:spcPts val="0"/>
+                </a:spcAft>
+              </a:defPPr>
+              <a:lvl1pPr marR="0" lvl="0" algn="l" rtl="0">
+                <a:lnSpc>
+                  <a:spcPct val="100000"/>
+                </a:lnSpc>
+                <a:spcBef>
+                  <a:spcPts val="0"/>
+                </a:spcBef>
+                <a:spcAft>
+                  <a:spcPts val="0"/>
+                </a:spcAft>
+                <a:buClr>
+                  <a:srgbClr val="000000"/>
+                </a:buClr>
+                <a:buFont typeface="Arial"/>
+                <a:defRPr sz="1400" b="0" i="0" u="none" strike="noStrike" cap="none">
+                  <a:solidFill>
+                    <a:schemeClr val="tx1"/>
+                  </a:solidFill>
+                  <a:latin typeface="+mn-lt"/>
+                  <a:ea typeface="+mn-ea"/>
+                  <a:cs typeface="+mn-cs"/>
+                  <a:sym typeface="Arial"/>
+                </a:defRPr>
+              </a:lvl1pPr>
+              <a:lvl2pPr marR="0" lvl="1" algn="l" rtl="0">
+                <a:lnSpc>
+                  <a:spcPct val="100000"/>
+                </a:lnSpc>
+                <a:spcBef>
+                  <a:spcPts val="0"/>
+                </a:spcBef>
+                <a:spcAft>
+                  <a:spcPts val="0"/>
+                </a:spcAft>
+                <a:buClr>
+                  <a:srgbClr val="000000"/>
+                </a:buClr>
+                <a:buFont typeface="Arial"/>
+                <a:defRPr sz="1400" b="0" i="0" u="none" strike="noStrike" cap="none">
+                  <a:solidFill>
+                    <a:schemeClr val="tx1"/>
+                  </a:solidFill>
+                  <a:latin typeface="+mn-lt"/>
+                  <a:ea typeface="+mn-ea"/>
+                  <a:cs typeface="+mn-cs"/>
+                  <a:sym typeface="Arial"/>
+                </a:defRPr>
+              </a:lvl2pPr>
+              <a:lvl3pPr marR="0" lvl="2" algn="l" rtl="0">
+                <a:lnSpc>
+                  <a:spcPct val="100000"/>
+                </a:lnSpc>
+                <a:spcBef>
+                  <a:spcPts val="0"/>
+                </a:spcBef>
+                <a:spcAft>
+                  <a:spcPts val="0"/>
+                </a:spcAft>
+                <a:buClr>
+                  <a:srgbClr val="000000"/>
+                </a:buClr>
+                <a:buFont typeface="Arial"/>
+                <a:defRPr sz="1400" b="0" i="0" u="none" strike="noStrike" cap="none">
+                  <a:solidFill>
+                    <a:schemeClr val="tx1"/>
+                  </a:solidFill>
+                  <a:latin typeface="+mn-lt"/>
+                  <a:ea typeface="+mn-ea"/>
+                  <a:cs typeface="+mn-cs"/>
+                  <a:sym typeface="Arial"/>
+                </a:defRPr>
+              </a:lvl3pPr>
+              <a:lvl4pPr marR="0" lvl="3" algn="l" rtl="0">
+                <a:lnSpc>
+                  <a:spcPct val="100000"/>
+                </a:lnSpc>
+                <a:spcBef>
+                  <a:spcPts val="0"/>
+                </a:spcBef>
+                <a:spcAft>
+                  <a:spcPts val="0"/>
+                </a:spcAft>
+                <a:buClr>
+                  <a:srgbClr val="000000"/>
+                </a:buClr>
+                <a:buFont typeface="Arial"/>
+                <a:defRPr sz="1400" b="0" i="0" u="none" strike="noStrike" cap="none">
+                  <a:solidFill>
+                    <a:schemeClr val="tx1"/>
+                  </a:solidFill>
+                  <a:latin typeface="+mn-lt"/>
+                  <a:ea typeface="+mn-ea"/>
+                  <a:cs typeface="+mn-cs"/>
+                  <a:sym typeface="Arial"/>
+                </a:defRPr>
+              </a:lvl4pPr>
+              <a:lvl5pPr marR="0" lvl="4" algn="l" rtl="0">
+                <a:lnSpc>
+                  <a:spcPct val="100000"/>
+                </a:lnSpc>
+                <a:spcBef>
+                  <a:spcPts val="0"/>
+                </a:spcBef>
+                <a:spcAft>
+                  <a:spcPts val="0"/>
+                </a:spcAft>
+                <a:buClr>
+                  <a:srgbClr val="000000"/>
+                </a:buClr>
+                <a:buFont typeface="Arial"/>
+                <a:defRPr sz="1400" b="0" i="0" u="none" strike="noStrike" cap="none">
+                  <a:solidFill>
+                    <a:schemeClr val="tx1"/>
+                  </a:solidFill>
+                  <a:latin typeface="+mn-lt"/>
+                  <a:ea typeface="+mn-ea"/>
+                  <a:cs typeface="+mn-cs"/>
+                  <a:sym typeface="Arial"/>
+                </a:defRPr>
+              </a:lvl5pPr>
+              <a:lvl6pPr marR="0" lvl="5" algn="l" rtl="0">
+                <a:lnSpc>
+                  <a:spcPct val="100000"/>
+                </a:lnSpc>
+                <a:spcBef>
+                  <a:spcPts val="0"/>
+                </a:spcBef>
+                <a:spcAft>
+                  <a:spcPts val="0"/>
+                </a:spcAft>
+                <a:buClr>
+                  <a:srgbClr val="000000"/>
+                </a:buClr>
+                <a:buFont typeface="Arial"/>
+                <a:defRPr sz="1400" b="0" i="0" u="none" strike="noStrike" cap="none">
+                  <a:solidFill>
+                    <a:schemeClr val="tx1"/>
+                  </a:solidFill>
+                  <a:latin typeface="+mn-lt"/>
+                  <a:ea typeface="+mn-ea"/>
+                  <a:cs typeface="+mn-cs"/>
+                  <a:sym typeface="Arial"/>
+                </a:defRPr>
+              </a:lvl6pPr>
+              <a:lvl7pPr marR="0" lvl="6" algn="l" rtl="0">
+                <a:lnSpc>
+                  <a:spcPct val="100000"/>
+                </a:lnSpc>
+                <a:spcBef>
+                  <a:spcPts val="0"/>
+                </a:spcBef>
+                <a:spcAft>
+                  <a:spcPts val="0"/>
+                </a:spcAft>
+                <a:buClr>
+                  <a:srgbClr val="000000"/>
+                </a:buClr>
+                <a:buFont typeface="Arial"/>
+                <a:defRPr sz="1400" b="0" i="0" u="none" strike="noStrike" cap="none">
+                  <a:solidFill>
+                    <a:schemeClr val="tx1"/>
+                  </a:solidFill>
+                  <a:latin typeface="+mn-lt"/>
+                  <a:ea typeface="+mn-ea"/>
+                  <a:cs typeface="+mn-cs"/>
+                  <a:sym typeface="Arial"/>
+                </a:defRPr>
+              </a:lvl7pPr>
+              <a:lvl8pPr marR="0" lvl="7" algn="l" rtl="0">
+                <a:lnSpc>
+                  <a:spcPct val="100000"/>
+                </a:lnSpc>
+                <a:spcBef>
+                  <a:spcPts val="0"/>
+                </a:spcBef>
+                <a:spcAft>
+                  <a:spcPts val="0"/>
+                </a:spcAft>
+                <a:buClr>
+                  <a:srgbClr val="000000"/>
+                </a:buClr>
+                <a:buFont typeface="Arial"/>
+                <a:defRPr sz="1400" b="0" i="0" u="none" strike="noStrike" cap="none">
+                  <a:solidFill>
+                    <a:schemeClr val="tx1"/>
+                  </a:solidFill>
+                  <a:latin typeface="+mn-lt"/>
+                  <a:ea typeface="+mn-ea"/>
+                  <a:cs typeface="+mn-cs"/>
+                  <a:sym typeface="Arial"/>
+                </a:defRPr>
+              </a:lvl8pPr>
+              <a:lvl9pPr marR="0" lvl="8" algn="l" rtl="0">
+                <a:lnSpc>
+                  <a:spcPct val="100000"/>
+                </a:lnSpc>
+                <a:spcBef>
+                  <a:spcPts val="0"/>
+                </a:spcBef>
+                <a:spcAft>
+                  <a:spcPts val="0"/>
+                </a:spcAft>
+                <a:buClr>
+                  <a:srgbClr val="000000"/>
+                </a:buClr>
+                <a:buFont typeface="Arial"/>
+                <a:defRPr sz="1400" b="0" i="0" u="none" strike="noStrike" cap="none">
+                  <a:solidFill>
+                    <a:schemeClr val="tx1"/>
+                  </a:solidFill>
+                  <a:latin typeface="+mn-lt"/>
+                  <a:ea typeface="+mn-ea"/>
+                  <a:cs typeface="+mn-cs"/>
+                  <a:sym typeface="Arial"/>
+                </a:defRPr>
+              </a:lvl9pPr>
+            </a:lstStyle>
+            <a:p>
+              <a:pPr algn="ctr"/>
+              <a:endParaRPr lang="en-US">
+                <a:ln>
+                  <a:solidFill>
+                    <a:schemeClr val="tx1"/>
+                  </a:solidFill>
+                </a:ln>
+              </a:endParaRPr>
+            </a:p>
+          </p:txBody>
+        </p:sp>
+        <p:cxnSp>
+          <p:nvCxnSpPr>
+            <p:cNvPr id="52" name="Straight Connector 51">
+              <a:extLst>
+                <a:ext uri="{FF2B5EF4-FFF2-40B4-BE49-F238E27FC236}">
+                  <a16:creationId xmlns:a16="http://schemas.microsoft.com/office/drawing/2014/main" id="{92C5FB0B-15C3-7441-7A71-26D3CE0909A0}"/>
+                </a:ext>
+              </a:extLst>
+            </p:cNvPr>
+            <p:cNvCxnSpPr>
+              <a:cxnSpLocks/>
+            </p:cNvCxnSpPr>
+            <p:nvPr/>
+          </p:nvCxnSpPr>
+          <p:spPr>
+            <a:xfrm>
+              <a:off x="10071545" y="15354321"/>
+              <a:ext cx="0" cy="267470"/>
+            </a:xfrm>
+            <a:prstGeom prst="line">
+              <a:avLst/>
+            </a:prstGeom>
+            <a:effectLst/>
+          </p:spPr>
+          <p:style>
+            <a:lnRef idx="2">
+              <a:schemeClr val="dk1"/>
+            </a:lnRef>
+            <a:fillRef idx="0">
+              <a:schemeClr val="dk1"/>
+            </a:fillRef>
+            <a:effectRef idx="1">
+              <a:schemeClr val="dk1"/>
+            </a:effectRef>
+            <a:fontRef idx="minor">
+              <a:schemeClr val="tx1"/>
+            </a:fontRef>
+          </p:style>
+        </p:cxnSp>
+        <p:sp>
+          <p:nvSpPr>
+            <p:cNvPr id="54" name="TextBox 53">
+              <a:extLst>
+                <a:ext uri="{FF2B5EF4-FFF2-40B4-BE49-F238E27FC236}">
+                  <a16:creationId xmlns:a16="http://schemas.microsoft.com/office/drawing/2014/main" id="{E23C93D1-3BD0-7EC3-0205-AF180D86EC7F}"/>
                 </a:ext>
               </a:extLst>
             </p:cNvPr>
@@ -13930,9 +13293,9 @@
             <p:nvPr/>
           </p:nvSpPr>
           <p:spPr>
-            <a:xfrm rot="16200000">
-              <a:off x="12322803" y="16181912"/>
-              <a:ext cx="2685333" cy="430887"/>
+            <a:xfrm>
+              <a:off x="6739146" y="14845795"/>
+              <a:ext cx="3035300" cy="461665"/>
             </a:xfrm>
             <a:prstGeom prst="rect">
               <a:avLst/>
@@ -13947,1285 +13310,18 @@
             <a:p>
               <a:pPr algn="ctr"/>
               <a:r>
-                <a:rPr lang="el-GR" sz="2200" dirty="0"/>
-                <a:t>Β</a:t>
-              </a:r>
-              <a:r>
-                <a:rPr lang="en-US" sz="2200" dirty="0"/>
-                <a:t>-coefficient</a:t>
+                <a:rPr lang="en-US" sz="2400" dirty="0"/>
+                <a:t>All clades</a:t>
               </a:r>
             </a:p>
           </p:txBody>
         </p:sp>
-      </p:grpSp>
-      <p:grpSp>
-        <p:nvGrpSpPr>
-          <p:cNvPr id="4" name="Group 3">
-            <a:extLst>
-              <a:ext uri="{FF2B5EF4-FFF2-40B4-BE49-F238E27FC236}">
-                <a16:creationId xmlns:a16="http://schemas.microsoft.com/office/drawing/2014/main" id="{0B5C31F5-C25D-11EB-918D-8E6FC11CEAF3}"/>
-              </a:ext>
-            </a:extLst>
-          </p:cNvPr>
-          <p:cNvGrpSpPr/>
-          <p:nvPr/>
-        </p:nvGrpSpPr>
-        <p:grpSpPr>
-          <a:xfrm>
-            <a:off x="20643306" y="17689922"/>
-            <a:ext cx="9741035" cy="7241702"/>
-            <a:chOff x="13450026" y="13194122"/>
-            <a:chExt cx="9741035" cy="7241702"/>
-          </a:xfrm>
-        </p:grpSpPr>
-        <p:grpSp>
-          <p:nvGrpSpPr>
-            <p:cNvPr id="5" name="Group 4">
+        <p:sp>
+          <p:nvSpPr>
+            <p:cNvPr id="55" name="TextBox 54">
               <a:extLst>
                 <a:ext uri="{FF2B5EF4-FFF2-40B4-BE49-F238E27FC236}">
-                  <a16:creationId xmlns:a16="http://schemas.microsoft.com/office/drawing/2014/main" id="{3094AF62-7281-F203-BCBE-872B7D1F508F}"/>
-                </a:ext>
-              </a:extLst>
-            </p:cNvPr>
-            <p:cNvGrpSpPr/>
-            <p:nvPr/>
-          </p:nvGrpSpPr>
-          <p:grpSpPr>
-            <a:xfrm>
-              <a:off x="13812257" y="13194122"/>
-              <a:ext cx="9378804" cy="7241702"/>
-              <a:chOff x="13812257" y="13194122"/>
-              <a:chExt cx="9378804" cy="7241702"/>
-            </a:xfrm>
-          </p:grpSpPr>
-          <p:grpSp>
-            <p:nvGrpSpPr>
-              <p:cNvPr id="7" name="Group 6">
-                <a:extLst>
-                  <a:ext uri="{FF2B5EF4-FFF2-40B4-BE49-F238E27FC236}">
-                    <a16:creationId xmlns:a16="http://schemas.microsoft.com/office/drawing/2014/main" id="{EF2F8B84-81F7-6D2B-0E1D-5D28E565A23C}"/>
-                  </a:ext>
-                </a:extLst>
-              </p:cNvPr>
-              <p:cNvGrpSpPr/>
-              <p:nvPr/>
-            </p:nvGrpSpPr>
-            <p:grpSpPr>
-              <a:xfrm>
-                <a:off x="13812257" y="14046221"/>
-                <a:ext cx="9378804" cy="6389603"/>
-                <a:chOff x="25485208" y="13254529"/>
-                <a:chExt cx="10493731" cy="6784376"/>
-              </a:xfrm>
-            </p:grpSpPr>
-            <p:grpSp>
-              <p:nvGrpSpPr>
-                <p:cNvPr id="13" name="Group 12">
-                  <a:extLst>
-                    <a:ext uri="{FF2B5EF4-FFF2-40B4-BE49-F238E27FC236}">
-                      <a16:creationId xmlns:a16="http://schemas.microsoft.com/office/drawing/2014/main" id="{9F07570F-93B7-3D07-A119-A4A96F342D22}"/>
-                    </a:ext>
-                  </a:extLst>
-                </p:cNvPr>
-                <p:cNvGrpSpPr/>
-                <p:nvPr/>
-              </p:nvGrpSpPr>
-              <p:grpSpPr>
-                <a:xfrm>
-                  <a:off x="25485208" y="13495595"/>
-                  <a:ext cx="10493731" cy="6543310"/>
-                  <a:chOff x="24148721" y="11553231"/>
-                  <a:chExt cx="9575073" cy="5658509"/>
-                </a:xfrm>
-              </p:grpSpPr>
-              <p:pic>
-                <p:nvPicPr>
-                  <p:cNvPr id="33" name="Graphic 24">
-                    <a:extLst>
-                      <a:ext uri="{FF2B5EF4-FFF2-40B4-BE49-F238E27FC236}">
-                        <a16:creationId xmlns:a16="http://schemas.microsoft.com/office/drawing/2014/main" id="{C6C4F543-81D1-8AE8-93C0-93BE5F44DE59}"/>
-                      </a:ext>
-                    </a:extLst>
-                  </p:cNvPr>
-                  <p:cNvPicPr>
-                    <a:picLocks noChangeAspect="1"/>
-                  </p:cNvPicPr>
-                  <p:nvPr/>
-                </p:nvPicPr>
-                <p:blipFill>
-                  <a:blip r:embed="rId4">
-                    <a:extLst>
-                      <a:ext uri="{96DAC541-7B7A-43D3-8B79-37D633B846F1}">
-                        <asvg:svgBlip xmlns:asvg="http://schemas.microsoft.com/office/drawing/2016/SVG/main" r:embed="rId5"/>
-                      </a:ext>
-                    </a:extLst>
-                  </a:blip>
-                  <a:srcRect l="4247" t="15279" r="19121" b="8214"/>
-                  <a:stretch/>
-                </p:blipFill>
-                <p:spPr>
-                  <a:xfrm>
-                    <a:off x="24148721" y="11553231"/>
-                    <a:ext cx="7870912" cy="5658509"/>
-                  </a:xfrm>
-                  <a:prstGeom prst="rect">
-                    <a:avLst/>
-                  </a:prstGeom>
-                </p:spPr>
-              </p:pic>
-              <p:grpSp>
-                <p:nvGrpSpPr>
-                  <p:cNvPr id="34" name="Group 33">
-                    <a:extLst>
-                      <a:ext uri="{FF2B5EF4-FFF2-40B4-BE49-F238E27FC236}">
-                        <a16:creationId xmlns:a16="http://schemas.microsoft.com/office/drawing/2014/main" id="{D4328338-58F9-D539-1902-9385F277B016}"/>
-                      </a:ext>
-                    </a:extLst>
-                  </p:cNvPr>
-                  <p:cNvGrpSpPr/>
-                  <p:nvPr/>
-                </p:nvGrpSpPr>
-                <p:grpSpPr>
-                  <a:xfrm>
-                    <a:off x="32319353" y="11571416"/>
-                    <a:ext cx="1370600" cy="3864349"/>
-                    <a:chOff x="32775529" y="12615312"/>
-                    <a:chExt cx="1370600" cy="3864349"/>
-                  </a:xfrm>
-                </p:grpSpPr>
-                <p:pic>
-                  <p:nvPicPr>
-                    <p:cNvPr id="36" name="Graphic 32">
-                      <a:extLst>
-                        <a:ext uri="{FF2B5EF4-FFF2-40B4-BE49-F238E27FC236}">
-                          <a16:creationId xmlns:a16="http://schemas.microsoft.com/office/drawing/2014/main" id="{36614DE6-2E79-220E-120D-4CAE7AA730F3}"/>
-                        </a:ext>
-                      </a:extLst>
-                    </p:cNvPr>
-                    <p:cNvPicPr>
-                      <a:picLocks noChangeAspect="1"/>
-                    </p:cNvPicPr>
-                    <p:nvPr/>
-                  </p:nvPicPr>
-                  <p:blipFill>
-                    <a:blip r:embed="rId4">
-                      <a:extLst>
-                        <a:ext uri="{96DAC541-7B7A-43D3-8B79-37D633B846F1}">
-                          <asvg:svgBlip xmlns:asvg="http://schemas.microsoft.com/office/drawing/2016/SVG/main" r:embed="rId5"/>
-                        </a:ext>
-                      </a:extLst>
-                    </a:blip>
-                    <a:srcRect l="85778" t="16358" r="3980" b="31393"/>
-                    <a:stretch/>
-                  </p:blipFill>
-                  <p:spPr>
-                    <a:xfrm>
-                      <a:off x="33094160" y="12615312"/>
-                      <a:ext cx="1051969" cy="3864349"/>
-                    </a:xfrm>
-                    <a:prstGeom prst="rect">
-                      <a:avLst/>
-                    </a:prstGeom>
-                  </p:spPr>
-                </p:pic>
-                <p:pic>
-                  <p:nvPicPr>
-                    <p:cNvPr id="37" name="Picture 36" descr="A screen shot of a computer&#10;&#10;AI-generated content may be incorrect.">
-                      <a:extLst>
-                        <a:ext uri="{FF2B5EF4-FFF2-40B4-BE49-F238E27FC236}">
-                          <a16:creationId xmlns:a16="http://schemas.microsoft.com/office/drawing/2014/main" id="{AC4F1CCB-6BBF-AF09-813E-371A058A1C20}"/>
-                        </a:ext>
-                      </a:extLst>
-                    </p:cNvPr>
-                    <p:cNvPicPr>
-                      <a:picLocks noChangeAspect="1"/>
-                    </p:cNvPicPr>
-                    <p:nvPr/>
-                  </p:nvPicPr>
-                  <p:blipFill>
-                    <a:blip r:embed="rId6"/>
-                    <a:srcRect l="81388" t="2038" r="2872" b="3913"/>
-                    <a:stretch/>
-                  </p:blipFill>
-                  <p:spPr>
-                    <a:xfrm>
-                      <a:off x="32775529" y="12741656"/>
-                      <a:ext cx="431801" cy="3388439"/>
-                    </a:xfrm>
-                    <a:prstGeom prst="rect">
-                      <a:avLst/>
-                    </a:prstGeom>
-                  </p:spPr>
-                </p:pic>
-              </p:grpSp>
-              <p:sp>
-                <p:nvSpPr>
-                  <p:cNvPr id="35" name="TextBox 36">
-                    <a:extLst>
-                      <a:ext uri="{FF2B5EF4-FFF2-40B4-BE49-F238E27FC236}">
-                        <a16:creationId xmlns:a16="http://schemas.microsoft.com/office/drawing/2014/main" id="{29307F4F-DCB3-CFAE-4237-DA1569C02DE2}"/>
-                      </a:ext>
-                    </a:extLst>
-                  </p:cNvPr>
-                  <p:cNvSpPr txBox="1"/>
-                  <p:nvPr/>
-                </p:nvSpPr>
-                <p:spPr>
-                  <a:xfrm>
-                    <a:off x="32084948" y="15328969"/>
-                    <a:ext cx="1638846" cy="706506"/>
-                  </a:xfrm>
-                  <a:prstGeom prst="rect">
-                    <a:avLst/>
-                  </a:prstGeom>
-                  <a:noFill/>
-                </p:spPr>
-                <p:txBody>
-                  <a:bodyPr wrap="square" rtlCol="0">
-                    <a:spAutoFit/>
-                  </a:bodyPr>
-                  <a:lstStyle>
-                    <a:defPPr marR="0" lvl="0" algn="l" rtl="0">
-                      <a:lnSpc>
-                        <a:spcPct val="100000"/>
-                      </a:lnSpc>
-                      <a:spcBef>
-                        <a:spcPts val="0"/>
-                      </a:spcBef>
-                      <a:spcAft>
-                        <a:spcPts val="0"/>
-                      </a:spcAft>
-                    </a:defPPr>
-                    <a:lvl1pPr marR="0" lvl="0" algn="l" rtl="0">
-                      <a:lnSpc>
-                        <a:spcPct val="100000"/>
-                      </a:lnSpc>
-                      <a:spcBef>
-                        <a:spcPts val="0"/>
-                      </a:spcBef>
-                      <a:spcAft>
-                        <a:spcPts val="0"/>
-                      </a:spcAft>
-                      <a:buClr>
-                        <a:srgbClr val="000000"/>
-                      </a:buClr>
-                      <a:buFont typeface="Arial"/>
-                      <a:defRPr sz="1400" b="0" i="0" u="none" strike="noStrike" cap="none">
-                        <a:solidFill>
-                          <a:srgbClr val="000000"/>
-                        </a:solidFill>
-                        <a:latin typeface="Arial"/>
-                        <a:ea typeface="Arial"/>
-                        <a:cs typeface="Arial"/>
-                        <a:sym typeface="Arial"/>
-                      </a:defRPr>
-                    </a:lvl1pPr>
-                    <a:lvl2pPr marR="0" lvl="1" algn="l" rtl="0">
-                      <a:lnSpc>
-                        <a:spcPct val="100000"/>
-                      </a:lnSpc>
-                      <a:spcBef>
-                        <a:spcPts val="0"/>
-                      </a:spcBef>
-                      <a:spcAft>
-                        <a:spcPts val="0"/>
-                      </a:spcAft>
-                      <a:buClr>
-                        <a:srgbClr val="000000"/>
-                      </a:buClr>
-                      <a:buFont typeface="Arial"/>
-                      <a:defRPr sz="1400" b="0" i="0" u="none" strike="noStrike" cap="none">
-                        <a:solidFill>
-                          <a:srgbClr val="000000"/>
-                        </a:solidFill>
-                        <a:latin typeface="Arial"/>
-                        <a:ea typeface="Arial"/>
-                        <a:cs typeface="Arial"/>
-                        <a:sym typeface="Arial"/>
-                      </a:defRPr>
-                    </a:lvl2pPr>
-                    <a:lvl3pPr marR="0" lvl="2" algn="l" rtl="0">
-                      <a:lnSpc>
-                        <a:spcPct val="100000"/>
-                      </a:lnSpc>
-                      <a:spcBef>
-                        <a:spcPts val="0"/>
-                      </a:spcBef>
-                      <a:spcAft>
-                        <a:spcPts val="0"/>
-                      </a:spcAft>
-                      <a:buClr>
-                        <a:srgbClr val="000000"/>
-                      </a:buClr>
-                      <a:buFont typeface="Arial"/>
-                      <a:defRPr sz="1400" b="0" i="0" u="none" strike="noStrike" cap="none">
-                        <a:solidFill>
-                          <a:srgbClr val="000000"/>
-                        </a:solidFill>
-                        <a:latin typeface="Arial"/>
-                        <a:ea typeface="Arial"/>
-                        <a:cs typeface="Arial"/>
-                        <a:sym typeface="Arial"/>
-                      </a:defRPr>
-                    </a:lvl3pPr>
-                    <a:lvl4pPr marR="0" lvl="3" algn="l" rtl="0">
-                      <a:lnSpc>
-                        <a:spcPct val="100000"/>
-                      </a:lnSpc>
-                      <a:spcBef>
-                        <a:spcPts val="0"/>
-                      </a:spcBef>
-                      <a:spcAft>
-                        <a:spcPts val="0"/>
-                      </a:spcAft>
-                      <a:buClr>
-                        <a:srgbClr val="000000"/>
-                      </a:buClr>
-                      <a:buFont typeface="Arial"/>
-                      <a:defRPr sz="1400" b="0" i="0" u="none" strike="noStrike" cap="none">
-                        <a:solidFill>
-                          <a:srgbClr val="000000"/>
-                        </a:solidFill>
-                        <a:latin typeface="Arial"/>
-                        <a:ea typeface="Arial"/>
-                        <a:cs typeface="Arial"/>
-                        <a:sym typeface="Arial"/>
-                      </a:defRPr>
-                    </a:lvl4pPr>
-                    <a:lvl5pPr marR="0" lvl="4" algn="l" rtl="0">
-                      <a:lnSpc>
-                        <a:spcPct val="100000"/>
-                      </a:lnSpc>
-                      <a:spcBef>
-                        <a:spcPts val="0"/>
-                      </a:spcBef>
-                      <a:spcAft>
-                        <a:spcPts val="0"/>
-                      </a:spcAft>
-                      <a:buClr>
-                        <a:srgbClr val="000000"/>
-                      </a:buClr>
-                      <a:buFont typeface="Arial"/>
-                      <a:defRPr sz="1400" b="0" i="0" u="none" strike="noStrike" cap="none">
-                        <a:solidFill>
-                          <a:srgbClr val="000000"/>
-                        </a:solidFill>
-                        <a:latin typeface="Arial"/>
-                        <a:ea typeface="Arial"/>
-                        <a:cs typeface="Arial"/>
-                        <a:sym typeface="Arial"/>
-                      </a:defRPr>
-                    </a:lvl5pPr>
-                    <a:lvl6pPr marR="0" lvl="5" algn="l" rtl="0">
-                      <a:lnSpc>
-                        <a:spcPct val="100000"/>
-                      </a:lnSpc>
-                      <a:spcBef>
-                        <a:spcPts val="0"/>
-                      </a:spcBef>
-                      <a:spcAft>
-                        <a:spcPts val="0"/>
-                      </a:spcAft>
-                      <a:buClr>
-                        <a:srgbClr val="000000"/>
-                      </a:buClr>
-                      <a:buFont typeface="Arial"/>
-                      <a:defRPr sz="1400" b="0" i="0" u="none" strike="noStrike" cap="none">
-                        <a:solidFill>
-                          <a:srgbClr val="000000"/>
-                        </a:solidFill>
-                        <a:latin typeface="Arial"/>
-                        <a:ea typeface="Arial"/>
-                        <a:cs typeface="Arial"/>
-                        <a:sym typeface="Arial"/>
-                      </a:defRPr>
-                    </a:lvl6pPr>
-                    <a:lvl7pPr marR="0" lvl="6" algn="l" rtl="0">
-                      <a:lnSpc>
-                        <a:spcPct val="100000"/>
-                      </a:lnSpc>
-                      <a:spcBef>
-                        <a:spcPts val="0"/>
-                      </a:spcBef>
-                      <a:spcAft>
-                        <a:spcPts val="0"/>
-                      </a:spcAft>
-                      <a:buClr>
-                        <a:srgbClr val="000000"/>
-                      </a:buClr>
-                      <a:buFont typeface="Arial"/>
-                      <a:defRPr sz="1400" b="0" i="0" u="none" strike="noStrike" cap="none">
-                        <a:solidFill>
-                          <a:srgbClr val="000000"/>
-                        </a:solidFill>
-                        <a:latin typeface="Arial"/>
-                        <a:ea typeface="Arial"/>
-                        <a:cs typeface="Arial"/>
-                        <a:sym typeface="Arial"/>
-                      </a:defRPr>
-                    </a:lvl7pPr>
-                    <a:lvl8pPr marR="0" lvl="7" algn="l" rtl="0">
-                      <a:lnSpc>
-                        <a:spcPct val="100000"/>
-                      </a:lnSpc>
-                      <a:spcBef>
-                        <a:spcPts val="0"/>
-                      </a:spcBef>
-                      <a:spcAft>
-                        <a:spcPts val="0"/>
-                      </a:spcAft>
-                      <a:buClr>
-                        <a:srgbClr val="000000"/>
-                      </a:buClr>
-                      <a:buFont typeface="Arial"/>
-                      <a:defRPr sz="1400" b="0" i="0" u="none" strike="noStrike" cap="none">
-                        <a:solidFill>
-                          <a:srgbClr val="000000"/>
-                        </a:solidFill>
-                        <a:latin typeface="Arial"/>
-                        <a:ea typeface="Arial"/>
-                        <a:cs typeface="Arial"/>
-                        <a:sym typeface="Arial"/>
-                      </a:defRPr>
-                    </a:lvl8pPr>
-                    <a:lvl9pPr marR="0" lvl="8" algn="l" rtl="0">
-                      <a:lnSpc>
-                        <a:spcPct val="100000"/>
-                      </a:lnSpc>
-                      <a:spcBef>
-                        <a:spcPts val="0"/>
-                      </a:spcBef>
-                      <a:spcAft>
-                        <a:spcPts val="0"/>
-                      </a:spcAft>
-                      <a:buClr>
-                        <a:srgbClr val="000000"/>
-                      </a:buClr>
-                      <a:buFont typeface="Arial"/>
-                      <a:defRPr sz="1400" b="0" i="0" u="none" strike="noStrike" cap="none">
-                        <a:solidFill>
-                          <a:srgbClr val="000000"/>
-                        </a:solidFill>
-                        <a:latin typeface="Arial"/>
-                        <a:ea typeface="Arial"/>
-                        <a:cs typeface="Arial"/>
-                        <a:sym typeface="Arial"/>
-                      </a:defRPr>
-                    </a:lvl9pPr>
-                  </a:lstStyle>
-                  <a:p>
-                    <a:pPr algn="ctr"/>
-                    <a:r>
-                      <a:rPr lang="en-US" sz="2200" dirty="0"/>
-                      <a:t>Variable importance</a:t>
-                    </a:r>
-                  </a:p>
-                </p:txBody>
-              </p:sp>
-            </p:grpSp>
-            <p:sp>
-              <p:nvSpPr>
-                <p:cNvPr id="14" name="Left Brace 13">
-                  <a:extLst>
-                    <a:ext uri="{FF2B5EF4-FFF2-40B4-BE49-F238E27FC236}">
-                      <a16:creationId xmlns:a16="http://schemas.microsoft.com/office/drawing/2014/main" id="{291F6C17-B29D-DBCE-29EB-29C3C44559BF}"/>
-                    </a:ext>
-                  </a:extLst>
-                </p:cNvPr>
-                <p:cNvSpPr/>
-                <p:nvPr/>
-              </p:nvSpPr>
-              <p:spPr>
-                <a:xfrm rot="5400000">
-                  <a:off x="27617538" y="12600112"/>
-                  <a:ext cx="251224" cy="1625600"/>
-                </a:xfrm>
-                <a:prstGeom prst="leftBrace">
-                  <a:avLst>
-                    <a:gd name="adj1" fmla="val 35744"/>
-                    <a:gd name="adj2" fmla="val 50000"/>
-                  </a:avLst>
-                </a:prstGeom>
-                <a:ln/>
-                <a:effectLst/>
-              </p:spPr>
-              <p:style>
-                <a:lnRef idx="2">
-                  <a:schemeClr val="dk1"/>
-                </a:lnRef>
-                <a:fillRef idx="0">
-                  <a:schemeClr val="dk1"/>
-                </a:fillRef>
-                <a:effectRef idx="1">
-                  <a:schemeClr val="dk1"/>
-                </a:effectRef>
-                <a:fontRef idx="minor">
-                  <a:schemeClr val="tx1"/>
-                </a:fontRef>
-              </p:style>
-              <p:txBody>
-                <a:bodyPr rtlCol="0" anchor="ctr"/>
-                <a:lstStyle>
-                  <a:defPPr marR="0" lvl="0" algn="l" rtl="0">
-                    <a:lnSpc>
-                      <a:spcPct val="100000"/>
-                    </a:lnSpc>
-                    <a:spcBef>
-                      <a:spcPts val="0"/>
-                    </a:spcBef>
-                    <a:spcAft>
-                      <a:spcPts val="0"/>
-                    </a:spcAft>
-                  </a:defPPr>
-                  <a:lvl1pPr marR="0" lvl="0" algn="l" rtl="0">
-                    <a:lnSpc>
-                      <a:spcPct val="100000"/>
-                    </a:lnSpc>
-                    <a:spcBef>
-                      <a:spcPts val="0"/>
-                    </a:spcBef>
-                    <a:spcAft>
-                      <a:spcPts val="0"/>
-                    </a:spcAft>
-                    <a:buClr>
-                      <a:srgbClr val="000000"/>
-                    </a:buClr>
-                    <a:buFont typeface="Arial"/>
-                    <a:defRPr sz="1400" b="0" i="0" u="none" strike="noStrike" cap="none">
-                      <a:solidFill>
-                        <a:schemeClr val="tx1"/>
-                      </a:solidFill>
-                      <a:latin typeface="+mn-lt"/>
-                      <a:ea typeface="+mn-ea"/>
-                      <a:cs typeface="+mn-cs"/>
-                      <a:sym typeface="Arial"/>
-                    </a:defRPr>
-                  </a:lvl1pPr>
-                  <a:lvl2pPr marR="0" lvl="1" algn="l" rtl="0">
-                    <a:lnSpc>
-                      <a:spcPct val="100000"/>
-                    </a:lnSpc>
-                    <a:spcBef>
-                      <a:spcPts val="0"/>
-                    </a:spcBef>
-                    <a:spcAft>
-                      <a:spcPts val="0"/>
-                    </a:spcAft>
-                    <a:buClr>
-                      <a:srgbClr val="000000"/>
-                    </a:buClr>
-                    <a:buFont typeface="Arial"/>
-                    <a:defRPr sz="1400" b="0" i="0" u="none" strike="noStrike" cap="none">
-                      <a:solidFill>
-                        <a:schemeClr val="tx1"/>
-                      </a:solidFill>
-                      <a:latin typeface="+mn-lt"/>
-                      <a:ea typeface="+mn-ea"/>
-                      <a:cs typeface="+mn-cs"/>
-                      <a:sym typeface="Arial"/>
-                    </a:defRPr>
-                  </a:lvl2pPr>
-                  <a:lvl3pPr marR="0" lvl="2" algn="l" rtl="0">
-                    <a:lnSpc>
-                      <a:spcPct val="100000"/>
-                    </a:lnSpc>
-                    <a:spcBef>
-                      <a:spcPts val="0"/>
-                    </a:spcBef>
-                    <a:spcAft>
-                      <a:spcPts val="0"/>
-                    </a:spcAft>
-                    <a:buClr>
-                      <a:srgbClr val="000000"/>
-                    </a:buClr>
-                    <a:buFont typeface="Arial"/>
-                    <a:defRPr sz="1400" b="0" i="0" u="none" strike="noStrike" cap="none">
-                      <a:solidFill>
-                        <a:schemeClr val="tx1"/>
-                      </a:solidFill>
-                      <a:latin typeface="+mn-lt"/>
-                      <a:ea typeface="+mn-ea"/>
-                      <a:cs typeface="+mn-cs"/>
-                      <a:sym typeface="Arial"/>
-                    </a:defRPr>
-                  </a:lvl3pPr>
-                  <a:lvl4pPr marR="0" lvl="3" algn="l" rtl="0">
-                    <a:lnSpc>
-                      <a:spcPct val="100000"/>
-                    </a:lnSpc>
-                    <a:spcBef>
-                      <a:spcPts val="0"/>
-                    </a:spcBef>
-                    <a:spcAft>
-                      <a:spcPts val="0"/>
-                    </a:spcAft>
-                    <a:buClr>
-                      <a:srgbClr val="000000"/>
-                    </a:buClr>
-                    <a:buFont typeface="Arial"/>
-                    <a:defRPr sz="1400" b="0" i="0" u="none" strike="noStrike" cap="none">
-                      <a:solidFill>
-                        <a:schemeClr val="tx1"/>
-                      </a:solidFill>
-                      <a:latin typeface="+mn-lt"/>
-                      <a:ea typeface="+mn-ea"/>
-                      <a:cs typeface="+mn-cs"/>
-                      <a:sym typeface="Arial"/>
-                    </a:defRPr>
-                  </a:lvl4pPr>
-                  <a:lvl5pPr marR="0" lvl="4" algn="l" rtl="0">
-                    <a:lnSpc>
-                      <a:spcPct val="100000"/>
-                    </a:lnSpc>
-                    <a:spcBef>
-                      <a:spcPts val="0"/>
-                    </a:spcBef>
-                    <a:spcAft>
-                      <a:spcPts val="0"/>
-                    </a:spcAft>
-                    <a:buClr>
-                      <a:srgbClr val="000000"/>
-                    </a:buClr>
-                    <a:buFont typeface="Arial"/>
-                    <a:defRPr sz="1400" b="0" i="0" u="none" strike="noStrike" cap="none">
-                      <a:solidFill>
-                        <a:schemeClr val="tx1"/>
-                      </a:solidFill>
-                      <a:latin typeface="+mn-lt"/>
-                      <a:ea typeface="+mn-ea"/>
-                      <a:cs typeface="+mn-cs"/>
-                      <a:sym typeface="Arial"/>
-                    </a:defRPr>
-                  </a:lvl5pPr>
-                  <a:lvl6pPr marR="0" lvl="5" algn="l" rtl="0">
-                    <a:lnSpc>
-                      <a:spcPct val="100000"/>
-                    </a:lnSpc>
-                    <a:spcBef>
-                      <a:spcPts val="0"/>
-                    </a:spcBef>
-                    <a:spcAft>
-                      <a:spcPts val="0"/>
-                    </a:spcAft>
-                    <a:buClr>
-                      <a:srgbClr val="000000"/>
-                    </a:buClr>
-                    <a:buFont typeface="Arial"/>
-                    <a:defRPr sz="1400" b="0" i="0" u="none" strike="noStrike" cap="none">
-                      <a:solidFill>
-                        <a:schemeClr val="tx1"/>
-                      </a:solidFill>
-                      <a:latin typeface="+mn-lt"/>
-                      <a:ea typeface="+mn-ea"/>
-                      <a:cs typeface="+mn-cs"/>
-                      <a:sym typeface="Arial"/>
-                    </a:defRPr>
-                  </a:lvl6pPr>
-                  <a:lvl7pPr marR="0" lvl="6" algn="l" rtl="0">
-                    <a:lnSpc>
-                      <a:spcPct val="100000"/>
-                    </a:lnSpc>
-                    <a:spcBef>
-                      <a:spcPts val="0"/>
-                    </a:spcBef>
-                    <a:spcAft>
-                      <a:spcPts val="0"/>
-                    </a:spcAft>
-                    <a:buClr>
-                      <a:srgbClr val="000000"/>
-                    </a:buClr>
-                    <a:buFont typeface="Arial"/>
-                    <a:defRPr sz="1400" b="0" i="0" u="none" strike="noStrike" cap="none">
-                      <a:solidFill>
-                        <a:schemeClr val="tx1"/>
-                      </a:solidFill>
-                      <a:latin typeface="+mn-lt"/>
-                      <a:ea typeface="+mn-ea"/>
-                      <a:cs typeface="+mn-cs"/>
-                      <a:sym typeface="Arial"/>
-                    </a:defRPr>
-                  </a:lvl7pPr>
-                  <a:lvl8pPr marR="0" lvl="7" algn="l" rtl="0">
-                    <a:lnSpc>
-                      <a:spcPct val="100000"/>
-                    </a:lnSpc>
-                    <a:spcBef>
-                      <a:spcPts val="0"/>
-                    </a:spcBef>
-                    <a:spcAft>
-                      <a:spcPts val="0"/>
-                    </a:spcAft>
-                    <a:buClr>
-                      <a:srgbClr val="000000"/>
-                    </a:buClr>
-                    <a:buFont typeface="Arial"/>
-                    <a:defRPr sz="1400" b="0" i="0" u="none" strike="noStrike" cap="none">
-                      <a:solidFill>
-                        <a:schemeClr val="tx1"/>
-                      </a:solidFill>
-                      <a:latin typeface="+mn-lt"/>
-                      <a:ea typeface="+mn-ea"/>
-                      <a:cs typeface="+mn-cs"/>
-                      <a:sym typeface="Arial"/>
-                    </a:defRPr>
-                  </a:lvl8pPr>
-                  <a:lvl9pPr marR="0" lvl="8" algn="l" rtl="0">
-                    <a:lnSpc>
-                      <a:spcPct val="100000"/>
-                    </a:lnSpc>
-                    <a:spcBef>
-                      <a:spcPts val="0"/>
-                    </a:spcBef>
-                    <a:spcAft>
-                      <a:spcPts val="0"/>
-                    </a:spcAft>
-                    <a:buClr>
-                      <a:srgbClr val="000000"/>
-                    </a:buClr>
-                    <a:buFont typeface="Arial"/>
-                    <a:defRPr sz="1400" b="0" i="0" u="none" strike="noStrike" cap="none">
-                      <a:solidFill>
-                        <a:schemeClr val="tx1"/>
-                      </a:solidFill>
-                      <a:latin typeface="+mn-lt"/>
-                      <a:ea typeface="+mn-ea"/>
-                      <a:cs typeface="+mn-cs"/>
-                      <a:sym typeface="Arial"/>
-                    </a:defRPr>
-                  </a:lvl9pPr>
-                </a:lstStyle>
-                <a:p>
-                  <a:pPr algn="ctr"/>
-                  <a:endParaRPr lang="en-US">
-                    <a:ln>
-                      <a:solidFill>
-                        <a:schemeClr val="tx1"/>
-                      </a:solidFill>
-                    </a:ln>
-                  </a:endParaRPr>
-                </a:p>
-              </p:txBody>
-            </p:sp>
-            <p:sp>
-              <p:nvSpPr>
-                <p:cNvPr id="15" name="Left Brace 14">
-                  <a:extLst>
-                    <a:ext uri="{FF2B5EF4-FFF2-40B4-BE49-F238E27FC236}">
-                      <a16:creationId xmlns:a16="http://schemas.microsoft.com/office/drawing/2014/main" id="{96E6BF04-4AB4-8796-7094-3D1D831F12F6}"/>
-                    </a:ext>
-                  </a:extLst>
-                </p:cNvPr>
-                <p:cNvSpPr/>
-                <p:nvPr/>
-              </p:nvSpPr>
-              <p:spPr>
-                <a:xfrm rot="5400000">
-                  <a:off x="30153729" y="12600114"/>
-                  <a:ext cx="251222" cy="1625600"/>
-                </a:xfrm>
-                <a:prstGeom prst="leftBrace">
-                  <a:avLst>
-                    <a:gd name="adj1" fmla="val 35744"/>
-                    <a:gd name="adj2" fmla="val 50000"/>
-                  </a:avLst>
-                </a:prstGeom>
-                <a:ln/>
-                <a:effectLst/>
-              </p:spPr>
-              <p:style>
-                <a:lnRef idx="2">
-                  <a:schemeClr val="dk1"/>
-                </a:lnRef>
-                <a:fillRef idx="0">
-                  <a:schemeClr val="dk1"/>
-                </a:fillRef>
-                <a:effectRef idx="1">
-                  <a:schemeClr val="dk1"/>
-                </a:effectRef>
-                <a:fontRef idx="minor">
-                  <a:schemeClr val="tx1"/>
-                </a:fontRef>
-              </p:style>
-              <p:txBody>
-                <a:bodyPr rtlCol="0" anchor="ctr"/>
-                <a:lstStyle>
-                  <a:defPPr marR="0" lvl="0" algn="l" rtl="0">
-                    <a:lnSpc>
-                      <a:spcPct val="100000"/>
-                    </a:lnSpc>
-                    <a:spcBef>
-                      <a:spcPts val="0"/>
-                    </a:spcBef>
-                    <a:spcAft>
-                      <a:spcPts val="0"/>
-                    </a:spcAft>
-                  </a:defPPr>
-                  <a:lvl1pPr marR="0" lvl="0" algn="l" rtl="0">
-                    <a:lnSpc>
-                      <a:spcPct val="100000"/>
-                    </a:lnSpc>
-                    <a:spcBef>
-                      <a:spcPts val="0"/>
-                    </a:spcBef>
-                    <a:spcAft>
-                      <a:spcPts val="0"/>
-                    </a:spcAft>
-                    <a:buClr>
-                      <a:srgbClr val="000000"/>
-                    </a:buClr>
-                    <a:buFont typeface="Arial"/>
-                    <a:defRPr sz="1400" b="0" i="0" u="none" strike="noStrike" cap="none">
-                      <a:solidFill>
-                        <a:schemeClr val="tx1"/>
-                      </a:solidFill>
-                      <a:latin typeface="+mn-lt"/>
-                      <a:ea typeface="+mn-ea"/>
-                      <a:cs typeface="+mn-cs"/>
-                      <a:sym typeface="Arial"/>
-                    </a:defRPr>
-                  </a:lvl1pPr>
-                  <a:lvl2pPr marR="0" lvl="1" algn="l" rtl="0">
-                    <a:lnSpc>
-                      <a:spcPct val="100000"/>
-                    </a:lnSpc>
-                    <a:spcBef>
-                      <a:spcPts val="0"/>
-                    </a:spcBef>
-                    <a:spcAft>
-                      <a:spcPts val="0"/>
-                    </a:spcAft>
-                    <a:buClr>
-                      <a:srgbClr val="000000"/>
-                    </a:buClr>
-                    <a:buFont typeface="Arial"/>
-                    <a:defRPr sz="1400" b="0" i="0" u="none" strike="noStrike" cap="none">
-                      <a:solidFill>
-                        <a:schemeClr val="tx1"/>
-                      </a:solidFill>
-                      <a:latin typeface="+mn-lt"/>
-                      <a:ea typeface="+mn-ea"/>
-                      <a:cs typeface="+mn-cs"/>
-                      <a:sym typeface="Arial"/>
-                    </a:defRPr>
-                  </a:lvl2pPr>
-                  <a:lvl3pPr marR="0" lvl="2" algn="l" rtl="0">
-                    <a:lnSpc>
-                      <a:spcPct val="100000"/>
-                    </a:lnSpc>
-                    <a:spcBef>
-                      <a:spcPts val="0"/>
-                    </a:spcBef>
-                    <a:spcAft>
-                      <a:spcPts val="0"/>
-                    </a:spcAft>
-                    <a:buClr>
-                      <a:srgbClr val="000000"/>
-                    </a:buClr>
-                    <a:buFont typeface="Arial"/>
-                    <a:defRPr sz="1400" b="0" i="0" u="none" strike="noStrike" cap="none">
-                      <a:solidFill>
-                        <a:schemeClr val="tx1"/>
-                      </a:solidFill>
-                      <a:latin typeface="+mn-lt"/>
-                      <a:ea typeface="+mn-ea"/>
-                      <a:cs typeface="+mn-cs"/>
-                      <a:sym typeface="Arial"/>
-                    </a:defRPr>
-                  </a:lvl3pPr>
-                  <a:lvl4pPr marR="0" lvl="3" algn="l" rtl="0">
-                    <a:lnSpc>
-                      <a:spcPct val="100000"/>
-                    </a:lnSpc>
-                    <a:spcBef>
-                      <a:spcPts val="0"/>
-                    </a:spcBef>
-                    <a:spcAft>
-                      <a:spcPts val="0"/>
-                    </a:spcAft>
-                    <a:buClr>
-                      <a:srgbClr val="000000"/>
-                    </a:buClr>
-                    <a:buFont typeface="Arial"/>
-                    <a:defRPr sz="1400" b="0" i="0" u="none" strike="noStrike" cap="none">
-                      <a:solidFill>
-                        <a:schemeClr val="tx1"/>
-                      </a:solidFill>
-                      <a:latin typeface="+mn-lt"/>
-                      <a:ea typeface="+mn-ea"/>
-                      <a:cs typeface="+mn-cs"/>
-                      <a:sym typeface="Arial"/>
-                    </a:defRPr>
-                  </a:lvl4pPr>
-                  <a:lvl5pPr marR="0" lvl="4" algn="l" rtl="0">
-                    <a:lnSpc>
-                      <a:spcPct val="100000"/>
-                    </a:lnSpc>
-                    <a:spcBef>
-                      <a:spcPts val="0"/>
-                    </a:spcBef>
-                    <a:spcAft>
-                      <a:spcPts val="0"/>
-                    </a:spcAft>
-                    <a:buClr>
-                      <a:srgbClr val="000000"/>
-                    </a:buClr>
-                    <a:buFont typeface="Arial"/>
-                    <a:defRPr sz="1400" b="0" i="0" u="none" strike="noStrike" cap="none">
-                      <a:solidFill>
-                        <a:schemeClr val="tx1"/>
-                      </a:solidFill>
-                      <a:latin typeface="+mn-lt"/>
-                      <a:ea typeface="+mn-ea"/>
-                      <a:cs typeface="+mn-cs"/>
-                      <a:sym typeface="Arial"/>
-                    </a:defRPr>
-                  </a:lvl5pPr>
-                  <a:lvl6pPr marR="0" lvl="5" algn="l" rtl="0">
-                    <a:lnSpc>
-                      <a:spcPct val="100000"/>
-                    </a:lnSpc>
-                    <a:spcBef>
-                      <a:spcPts val="0"/>
-                    </a:spcBef>
-                    <a:spcAft>
-                      <a:spcPts val="0"/>
-                    </a:spcAft>
-                    <a:buClr>
-                      <a:srgbClr val="000000"/>
-                    </a:buClr>
-                    <a:buFont typeface="Arial"/>
-                    <a:defRPr sz="1400" b="0" i="0" u="none" strike="noStrike" cap="none">
-                      <a:solidFill>
-                        <a:schemeClr val="tx1"/>
-                      </a:solidFill>
-                      <a:latin typeface="+mn-lt"/>
-                      <a:ea typeface="+mn-ea"/>
-                      <a:cs typeface="+mn-cs"/>
-                      <a:sym typeface="Arial"/>
-                    </a:defRPr>
-                  </a:lvl6pPr>
-                  <a:lvl7pPr marR="0" lvl="6" algn="l" rtl="0">
-                    <a:lnSpc>
-                      <a:spcPct val="100000"/>
-                    </a:lnSpc>
-                    <a:spcBef>
-                      <a:spcPts val="0"/>
-                    </a:spcBef>
-                    <a:spcAft>
-                      <a:spcPts val="0"/>
-                    </a:spcAft>
-                    <a:buClr>
-                      <a:srgbClr val="000000"/>
-                    </a:buClr>
-                    <a:buFont typeface="Arial"/>
-                    <a:defRPr sz="1400" b="0" i="0" u="none" strike="noStrike" cap="none">
-                      <a:solidFill>
-                        <a:schemeClr val="tx1"/>
-                      </a:solidFill>
-                      <a:latin typeface="+mn-lt"/>
-                      <a:ea typeface="+mn-ea"/>
-                      <a:cs typeface="+mn-cs"/>
-                      <a:sym typeface="Arial"/>
-                    </a:defRPr>
-                  </a:lvl7pPr>
-                  <a:lvl8pPr marR="0" lvl="7" algn="l" rtl="0">
-                    <a:lnSpc>
-                      <a:spcPct val="100000"/>
-                    </a:lnSpc>
-                    <a:spcBef>
-                      <a:spcPts val="0"/>
-                    </a:spcBef>
-                    <a:spcAft>
-                      <a:spcPts val="0"/>
-                    </a:spcAft>
-                    <a:buClr>
-                      <a:srgbClr val="000000"/>
-                    </a:buClr>
-                    <a:buFont typeface="Arial"/>
-                    <a:defRPr sz="1400" b="0" i="0" u="none" strike="noStrike" cap="none">
-                      <a:solidFill>
-                        <a:schemeClr val="tx1"/>
-                      </a:solidFill>
-                      <a:latin typeface="+mn-lt"/>
-                      <a:ea typeface="+mn-ea"/>
-                      <a:cs typeface="+mn-cs"/>
-                      <a:sym typeface="Arial"/>
-                    </a:defRPr>
-                  </a:lvl8pPr>
-                  <a:lvl9pPr marR="0" lvl="8" algn="l" rtl="0">
-                    <a:lnSpc>
-                      <a:spcPct val="100000"/>
-                    </a:lnSpc>
-                    <a:spcBef>
-                      <a:spcPts val="0"/>
-                    </a:spcBef>
-                    <a:spcAft>
-                      <a:spcPts val="0"/>
-                    </a:spcAft>
-                    <a:buClr>
-                      <a:srgbClr val="000000"/>
-                    </a:buClr>
-                    <a:buFont typeface="Arial"/>
-                    <a:defRPr sz="1400" b="0" i="0" u="none" strike="noStrike" cap="none">
-                      <a:solidFill>
-                        <a:schemeClr val="tx1"/>
-                      </a:solidFill>
-                      <a:latin typeface="+mn-lt"/>
-                      <a:ea typeface="+mn-ea"/>
-                      <a:cs typeface="+mn-cs"/>
-                      <a:sym typeface="Arial"/>
-                    </a:defRPr>
-                  </a:lvl9pPr>
-                </a:lstStyle>
-                <a:p>
-                  <a:pPr algn="ctr"/>
-                  <a:endParaRPr lang="en-US">
-                    <a:ln>
-                      <a:solidFill>
-                        <a:schemeClr val="tx1"/>
-                      </a:solidFill>
-                    </a:ln>
-                  </a:endParaRPr>
-                </a:p>
-              </p:txBody>
-            </p:sp>
-            <p:cxnSp>
-              <p:nvCxnSpPr>
-                <p:cNvPr id="16" name="Straight Connector 15">
-                  <a:extLst>
-                    <a:ext uri="{FF2B5EF4-FFF2-40B4-BE49-F238E27FC236}">
-                      <a16:creationId xmlns:a16="http://schemas.microsoft.com/office/drawing/2014/main" id="{C0EB8AE1-7052-DB61-5018-1A420C76F371}"/>
-                    </a:ext>
-                  </a:extLst>
-                </p:cNvPr>
-                <p:cNvCxnSpPr>
-                  <a:cxnSpLocks/>
-                </p:cNvCxnSpPr>
-                <p:nvPr/>
-              </p:nvCxnSpPr>
-              <p:spPr>
-                <a:xfrm>
-                  <a:off x="32178792" y="13254529"/>
-                  <a:ext cx="0" cy="283995"/>
-                </a:xfrm>
-                <a:prstGeom prst="line">
-                  <a:avLst/>
-                </a:prstGeom>
-                <a:effectLst/>
-              </p:spPr>
-              <p:style>
-                <a:lnRef idx="2">
-                  <a:schemeClr val="dk1"/>
-                </a:lnRef>
-                <a:fillRef idx="0">
-                  <a:schemeClr val="dk1"/>
-                </a:fillRef>
-                <a:effectRef idx="1">
-                  <a:schemeClr val="dk1"/>
-                </a:effectRef>
-                <a:fontRef idx="minor">
-                  <a:schemeClr val="tx1"/>
-                </a:fontRef>
-              </p:style>
-            </p:cxnSp>
-            <p:cxnSp>
-              <p:nvCxnSpPr>
-                <p:cNvPr id="17" name="Straight Connector 16">
-                  <a:extLst>
-                    <a:ext uri="{FF2B5EF4-FFF2-40B4-BE49-F238E27FC236}">
-                      <a16:creationId xmlns:a16="http://schemas.microsoft.com/office/drawing/2014/main" id="{47651E5A-88B4-FB29-A3E7-48C28468D3C8}"/>
-                    </a:ext>
-                  </a:extLst>
-                </p:cNvPr>
-                <p:cNvCxnSpPr>
-                  <a:cxnSpLocks/>
-                </p:cNvCxnSpPr>
-                <p:nvPr/>
-              </p:nvCxnSpPr>
-              <p:spPr>
-                <a:xfrm>
-                  <a:off x="33403203" y="13254529"/>
-                  <a:ext cx="0" cy="287801"/>
-                </a:xfrm>
-                <a:prstGeom prst="line">
-                  <a:avLst/>
-                </a:prstGeom>
-                <a:effectLst/>
-              </p:spPr>
-              <p:style>
-                <a:lnRef idx="2">
-                  <a:schemeClr val="dk1"/>
-                </a:lnRef>
-                <a:fillRef idx="0">
-                  <a:schemeClr val="dk1"/>
-                </a:fillRef>
-                <a:effectRef idx="1">
-                  <a:schemeClr val="dk1"/>
-                </a:effectRef>
-                <a:fontRef idx="minor">
-                  <a:schemeClr val="tx1"/>
-                </a:fontRef>
-              </p:style>
-            </p:cxnSp>
-          </p:grpSp>
-          <p:sp>
-            <p:nvSpPr>
-              <p:cNvPr id="8" name="TextBox 7">
-                <a:extLst>
-                  <a:ext uri="{FF2B5EF4-FFF2-40B4-BE49-F238E27FC236}">
-                    <a16:creationId xmlns:a16="http://schemas.microsoft.com/office/drawing/2014/main" id="{7D047B2C-5B2D-10DD-C700-EB01D675758B}"/>
-                  </a:ext>
-                </a:extLst>
-              </p:cNvPr>
-              <p:cNvSpPr txBox="1"/>
-              <p:nvPr/>
-            </p:nvSpPr>
-            <p:spPr>
-              <a:xfrm>
-                <a:off x="14392166" y="13564310"/>
-                <a:ext cx="3035300" cy="461665"/>
-              </a:xfrm>
-              <a:prstGeom prst="rect">
-                <a:avLst/>
-              </a:prstGeom>
-              <a:noFill/>
-            </p:spPr>
-            <p:txBody>
-              <a:bodyPr wrap="square" rtlCol="0">
-                <a:spAutoFit/>
-              </a:bodyPr>
-              <a:lstStyle/>
-              <a:p>
-                <a:pPr algn="ctr"/>
-                <a:r>
-                  <a:rPr lang="en-US" sz="2400" dirty="0"/>
-                  <a:t>All clades</a:t>
-                </a:r>
-              </a:p>
-            </p:txBody>
-          </p:sp>
-          <p:sp>
-            <p:nvSpPr>
-              <p:cNvPr id="9" name="TextBox 8">
-                <a:extLst>
-                  <a:ext uri="{FF2B5EF4-FFF2-40B4-BE49-F238E27FC236}">
-                    <a16:creationId xmlns:a16="http://schemas.microsoft.com/office/drawing/2014/main" id="{9E91098B-75C4-6B02-3415-345B12B81781}"/>
-                  </a:ext>
-                </a:extLst>
-              </p:cNvPr>
-              <p:cNvSpPr txBox="1"/>
-              <p:nvPr/>
-            </p:nvSpPr>
-            <p:spPr>
-              <a:xfrm>
-                <a:off x="16556743" y="13563455"/>
-                <a:ext cx="3035300" cy="461665"/>
-              </a:xfrm>
-              <a:prstGeom prst="rect">
-                <a:avLst/>
-              </a:prstGeom>
-              <a:noFill/>
-            </p:spPr>
-            <p:txBody>
-              <a:bodyPr wrap="square" rtlCol="0">
-                <a:spAutoFit/>
-              </a:bodyPr>
-              <a:lstStyle/>
-              <a:p>
-                <a:pPr algn="ctr"/>
-                <a:r>
-                  <a:rPr lang="en-US" sz="2400" dirty="0"/>
-                  <a:t>Mammals</a:t>
-                </a:r>
-              </a:p>
-            </p:txBody>
-          </p:sp>
-          <p:sp>
-            <p:nvSpPr>
-              <p:cNvPr id="11" name="TextBox 10">
-                <a:extLst>
-                  <a:ext uri="{FF2B5EF4-FFF2-40B4-BE49-F238E27FC236}">
-                    <a16:creationId xmlns:a16="http://schemas.microsoft.com/office/drawing/2014/main" id="{903CF4BE-B0EA-1939-8774-64B19856915D}"/>
-                  </a:ext>
-                </a:extLst>
-              </p:cNvPr>
-              <p:cNvSpPr txBox="1"/>
-              <p:nvPr/>
-            </p:nvSpPr>
-            <p:spPr>
-              <a:xfrm>
-                <a:off x="18277018" y="13194122"/>
-                <a:ext cx="3035300" cy="830997"/>
-              </a:xfrm>
-              <a:prstGeom prst="rect">
-                <a:avLst/>
-              </a:prstGeom>
-              <a:noFill/>
-            </p:spPr>
-            <p:txBody>
-              <a:bodyPr wrap="square" rtlCol="0">
-                <a:spAutoFit/>
-              </a:bodyPr>
-              <a:lstStyle/>
-              <a:p>
-                <a:pPr algn="ctr"/>
-                <a:r>
-                  <a:rPr lang="en-US" sz="2400" dirty="0"/>
-                  <a:t>Ray-finned</a:t>
-                </a:r>
-              </a:p>
-              <a:p>
-                <a:pPr algn="ctr"/>
-                <a:r>
-                  <a:rPr lang="en-US" sz="2400" dirty="0"/>
-                  <a:t>fish</a:t>
-                </a:r>
-              </a:p>
-            </p:txBody>
-          </p:sp>
-          <p:sp>
-            <p:nvSpPr>
-              <p:cNvPr id="12" name="TextBox 11">
-                <a:extLst>
-                  <a:ext uri="{FF2B5EF4-FFF2-40B4-BE49-F238E27FC236}">
-                    <a16:creationId xmlns:a16="http://schemas.microsoft.com/office/drawing/2014/main" id="{E8B47631-333E-8368-4DC5-93DCCA86C8B2}"/>
-                  </a:ext>
-                </a:extLst>
-              </p:cNvPr>
-              <p:cNvSpPr txBox="1"/>
-              <p:nvPr/>
-            </p:nvSpPr>
-            <p:spPr>
-              <a:xfrm>
-                <a:off x="19820402" y="13563454"/>
-                <a:ext cx="3035300" cy="461665"/>
-              </a:xfrm>
-              <a:prstGeom prst="rect">
-                <a:avLst/>
-              </a:prstGeom>
-              <a:noFill/>
-            </p:spPr>
-            <p:txBody>
-              <a:bodyPr wrap="square" rtlCol="0">
-                <a:spAutoFit/>
-              </a:bodyPr>
-              <a:lstStyle/>
-              <a:p>
-                <a:pPr algn="ctr"/>
-                <a:r>
-                  <a:rPr lang="en-US" sz="2400" dirty="0"/>
-                  <a:t>Reptiles</a:t>
-                </a:r>
-              </a:p>
-            </p:txBody>
-          </p:sp>
-        </p:grpSp>
-        <p:sp>
-          <p:nvSpPr>
-            <p:cNvPr id="6" name="TextBox 5">
-              <a:extLst>
-                <a:ext uri="{FF2B5EF4-FFF2-40B4-BE49-F238E27FC236}">
-                  <a16:creationId xmlns:a16="http://schemas.microsoft.com/office/drawing/2014/main" id="{83915455-ED7D-BA62-F9CD-EE10772B5EDD}"/>
+                  <a16:creationId xmlns:a16="http://schemas.microsoft.com/office/drawing/2014/main" id="{B5E417E1-8757-6B95-4812-2137C912B799}"/>
                 </a:ext>
               </a:extLst>
             </p:cNvPr>
@@ -15233,9 +13329,9 @@
             <p:nvPr/>
           </p:nvSpPr>
           <p:spPr>
-            <a:xfrm rot="16200000">
-              <a:off x="12322803" y="16181912"/>
-              <a:ext cx="2685333" cy="430887"/>
+            <a:xfrm>
+              <a:off x="8554473" y="14844940"/>
+              <a:ext cx="3035300" cy="461665"/>
             </a:xfrm>
             <a:prstGeom prst="rect">
               <a:avLst/>
@@ -15250,675 +13346,373 @@
             <a:p>
               <a:pPr algn="ctr"/>
               <a:r>
-                <a:rPr lang="el-GR" sz="2200" dirty="0"/>
-                <a:t>Β</a:t>
-              </a:r>
-              <a:r>
-                <a:rPr lang="en-US" sz="2200" dirty="0"/>
-                <a:t>-coefficient</a:t>
+                <a:rPr lang="en-US" sz="2400" dirty="0"/>
+                <a:t>Mammals</a:t>
               </a:r>
             </a:p>
           </p:txBody>
         </p:sp>
+        <p:sp>
+          <p:nvSpPr>
+            <p:cNvPr id="56" name="TextBox 55">
+              <a:extLst>
+                <a:ext uri="{FF2B5EF4-FFF2-40B4-BE49-F238E27FC236}">
+                  <a16:creationId xmlns:a16="http://schemas.microsoft.com/office/drawing/2014/main" id="{C6117BF5-AD0E-1A08-F90C-8D69C58F36E4}"/>
+                </a:ext>
+              </a:extLst>
+            </p:cNvPr>
+            <p:cNvSpPr txBox="1"/>
+            <p:nvPr/>
+          </p:nvSpPr>
+          <p:spPr>
+            <a:xfrm>
+              <a:off x="10931358" y="14520057"/>
+              <a:ext cx="1908789" cy="830997"/>
+            </a:xfrm>
+            <a:prstGeom prst="rect">
+              <a:avLst/>
+            </a:prstGeom>
+            <a:noFill/>
+          </p:spPr>
+          <p:txBody>
+            <a:bodyPr wrap="square" rtlCol="0">
+              <a:spAutoFit/>
+            </a:bodyPr>
+            <a:lstStyle/>
+            <a:p>
+              <a:r>
+                <a:rPr lang="en-US" sz="2400" dirty="0"/>
+                <a:t>Ray-finned</a:t>
+              </a:r>
+            </a:p>
+            <a:p>
+              <a:r>
+                <a:rPr lang="en-US" sz="2400" dirty="0"/>
+                <a:t>fish</a:t>
+              </a:r>
+            </a:p>
+          </p:txBody>
+        </p:sp>
+        <p:sp>
+          <p:nvSpPr>
+            <p:cNvPr id="57" name="TextBox 56">
+              <a:extLst>
+                <a:ext uri="{FF2B5EF4-FFF2-40B4-BE49-F238E27FC236}">
+                  <a16:creationId xmlns:a16="http://schemas.microsoft.com/office/drawing/2014/main" id="{BEFBD81A-940F-4CFE-495A-57FD54DA434C}"/>
+                </a:ext>
+              </a:extLst>
+            </p:cNvPr>
+            <p:cNvSpPr txBox="1"/>
+            <p:nvPr/>
+          </p:nvSpPr>
+          <p:spPr>
+            <a:xfrm>
+              <a:off x="11767332" y="14844939"/>
+              <a:ext cx="3035300" cy="461665"/>
+            </a:xfrm>
+            <a:prstGeom prst="rect">
+              <a:avLst/>
+            </a:prstGeom>
+            <a:noFill/>
+          </p:spPr>
+          <p:txBody>
+            <a:bodyPr wrap="square" rtlCol="0">
+              <a:spAutoFit/>
+            </a:bodyPr>
+            <a:lstStyle/>
+            <a:p>
+              <a:pPr algn="ctr"/>
+              <a:r>
+                <a:rPr lang="en-US" sz="2400" dirty="0"/>
+                <a:t>Reptiles</a:t>
+              </a:r>
+            </a:p>
+          </p:txBody>
+        </p:sp>
+        <p:sp>
+          <p:nvSpPr>
+            <p:cNvPr id="58" name="Left Brace 57">
+              <a:extLst>
+                <a:ext uri="{FF2B5EF4-FFF2-40B4-BE49-F238E27FC236}">
+                  <a16:creationId xmlns:a16="http://schemas.microsoft.com/office/drawing/2014/main" id="{890432E8-D333-71DA-6E0D-47EB31FBEFC2}"/>
+                </a:ext>
+              </a:extLst>
+            </p:cNvPr>
+            <p:cNvSpPr/>
+            <p:nvPr/>
+          </p:nvSpPr>
+          <p:spPr>
+            <a:xfrm rot="5400000">
+              <a:off x="11401888" y="15067163"/>
+              <a:ext cx="236604" cy="872648"/>
+            </a:xfrm>
+            <a:prstGeom prst="leftBrace">
+              <a:avLst>
+                <a:gd name="adj1" fmla="val 35744"/>
+                <a:gd name="adj2" fmla="val 50000"/>
+              </a:avLst>
+            </a:prstGeom>
+            <a:ln/>
+            <a:effectLst/>
+          </p:spPr>
+          <p:style>
+            <a:lnRef idx="2">
+              <a:schemeClr val="dk1"/>
+            </a:lnRef>
+            <a:fillRef idx="0">
+              <a:schemeClr val="dk1"/>
+            </a:fillRef>
+            <a:effectRef idx="1">
+              <a:schemeClr val="dk1"/>
+            </a:effectRef>
+            <a:fontRef idx="minor">
+              <a:schemeClr val="tx1"/>
+            </a:fontRef>
+          </p:style>
+          <p:txBody>
+            <a:bodyPr rtlCol="0" anchor="ctr"/>
+            <a:lstStyle>
+              <a:defPPr marR="0" lvl="0" algn="l" rtl="0">
+                <a:lnSpc>
+                  <a:spcPct val="100000"/>
+                </a:lnSpc>
+                <a:spcBef>
+                  <a:spcPts val="0"/>
+                </a:spcBef>
+                <a:spcAft>
+                  <a:spcPts val="0"/>
+                </a:spcAft>
+              </a:defPPr>
+              <a:lvl1pPr marR="0" lvl="0" algn="l" rtl="0">
+                <a:lnSpc>
+                  <a:spcPct val="100000"/>
+                </a:lnSpc>
+                <a:spcBef>
+                  <a:spcPts val="0"/>
+                </a:spcBef>
+                <a:spcAft>
+                  <a:spcPts val="0"/>
+                </a:spcAft>
+                <a:buClr>
+                  <a:srgbClr val="000000"/>
+                </a:buClr>
+                <a:buFont typeface="Arial"/>
+                <a:defRPr sz="1400" b="0" i="0" u="none" strike="noStrike" cap="none">
+                  <a:solidFill>
+                    <a:schemeClr val="tx1"/>
+                  </a:solidFill>
+                  <a:latin typeface="+mn-lt"/>
+                  <a:ea typeface="+mn-ea"/>
+                  <a:cs typeface="+mn-cs"/>
+                  <a:sym typeface="Arial"/>
+                </a:defRPr>
+              </a:lvl1pPr>
+              <a:lvl2pPr marR="0" lvl="1" algn="l" rtl="0">
+                <a:lnSpc>
+                  <a:spcPct val="100000"/>
+                </a:lnSpc>
+                <a:spcBef>
+                  <a:spcPts val="0"/>
+                </a:spcBef>
+                <a:spcAft>
+                  <a:spcPts val="0"/>
+                </a:spcAft>
+                <a:buClr>
+                  <a:srgbClr val="000000"/>
+                </a:buClr>
+                <a:buFont typeface="Arial"/>
+                <a:defRPr sz="1400" b="0" i="0" u="none" strike="noStrike" cap="none">
+                  <a:solidFill>
+                    <a:schemeClr val="tx1"/>
+                  </a:solidFill>
+                  <a:latin typeface="+mn-lt"/>
+                  <a:ea typeface="+mn-ea"/>
+                  <a:cs typeface="+mn-cs"/>
+                  <a:sym typeface="Arial"/>
+                </a:defRPr>
+              </a:lvl2pPr>
+              <a:lvl3pPr marR="0" lvl="2" algn="l" rtl="0">
+                <a:lnSpc>
+                  <a:spcPct val="100000"/>
+                </a:lnSpc>
+                <a:spcBef>
+                  <a:spcPts val="0"/>
+                </a:spcBef>
+                <a:spcAft>
+                  <a:spcPts val="0"/>
+                </a:spcAft>
+                <a:buClr>
+                  <a:srgbClr val="000000"/>
+                </a:buClr>
+                <a:buFont typeface="Arial"/>
+                <a:defRPr sz="1400" b="0" i="0" u="none" strike="noStrike" cap="none">
+                  <a:solidFill>
+                    <a:schemeClr val="tx1"/>
+                  </a:solidFill>
+                  <a:latin typeface="+mn-lt"/>
+                  <a:ea typeface="+mn-ea"/>
+                  <a:cs typeface="+mn-cs"/>
+                  <a:sym typeface="Arial"/>
+                </a:defRPr>
+              </a:lvl3pPr>
+              <a:lvl4pPr marR="0" lvl="3" algn="l" rtl="0">
+                <a:lnSpc>
+                  <a:spcPct val="100000"/>
+                </a:lnSpc>
+                <a:spcBef>
+                  <a:spcPts val="0"/>
+                </a:spcBef>
+                <a:spcAft>
+                  <a:spcPts val="0"/>
+                </a:spcAft>
+                <a:buClr>
+                  <a:srgbClr val="000000"/>
+                </a:buClr>
+                <a:buFont typeface="Arial"/>
+                <a:defRPr sz="1400" b="0" i="0" u="none" strike="noStrike" cap="none">
+                  <a:solidFill>
+                    <a:schemeClr val="tx1"/>
+                  </a:solidFill>
+                  <a:latin typeface="+mn-lt"/>
+                  <a:ea typeface="+mn-ea"/>
+                  <a:cs typeface="+mn-cs"/>
+                  <a:sym typeface="Arial"/>
+                </a:defRPr>
+              </a:lvl4pPr>
+              <a:lvl5pPr marR="0" lvl="4" algn="l" rtl="0">
+                <a:lnSpc>
+                  <a:spcPct val="100000"/>
+                </a:lnSpc>
+                <a:spcBef>
+                  <a:spcPts val="0"/>
+                </a:spcBef>
+                <a:spcAft>
+                  <a:spcPts val="0"/>
+                </a:spcAft>
+                <a:buClr>
+                  <a:srgbClr val="000000"/>
+                </a:buClr>
+                <a:buFont typeface="Arial"/>
+                <a:defRPr sz="1400" b="0" i="0" u="none" strike="noStrike" cap="none">
+                  <a:solidFill>
+                    <a:schemeClr val="tx1"/>
+                  </a:solidFill>
+                  <a:latin typeface="+mn-lt"/>
+                  <a:ea typeface="+mn-ea"/>
+                  <a:cs typeface="+mn-cs"/>
+                  <a:sym typeface="Arial"/>
+                </a:defRPr>
+              </a:lvl5pPr>
+              <a:lvl6pPr marR="0" lvl="5" algn="l" rtl="0">
+                <a:lnSpc>
+                  <a:spcPct val="100000"/>
+                </a:lnSpc>
+                <a:spcBef>
+                  <a:spcPts val="0"/>
+                </a:spcBef>
+                <a:spcAft>
+                  <a:spcPts val="0"/>
+                </a:spcAft>
+                <a:buClr>
+                  <a:srgbClr val="000000"/>
+                </a:buClr>
+                <a:buFont typeface="Arial"/>
+                <a:defRPr sz="1400" b="0" i="0" u="none" strike="noStrike" cap="none">
+                  <a:solidFill>
+                    <a:schemeClr val="tx1"/>
+                  </a:solidFill>
+                  <a:latin typeface="+mn-lt"/>
+                  <a:ea typeface="+mn-ea"/>
+                  <a:cs typeface="+mn-cs"/>
+                  <a:sym typeface="Arial"/>
+                </a:defRPr>
+              </a:lvl6pPr>
+              <a:lvl7pPr marR="0" lvl="6" algn="l" rtl="0">
+                <a:lnSpc>
+                  <a:spcPct val="100000"/>
+                </a:lnSpc>
+                <a:spcBef>
+                  <a:spcPts val="0"/>
+                </a:spcBef>
+                <a:spcAft>
+                  <a:spcPts val="0"/>
+                </a:spcAft>
+                <a:buClr>
+                  <a:srgbClr val="000000"/>
+                </a:buClr>
+                <a:buFont typeface="Arial"/>
+                <a:defRPr sz="1400" b="0" i="0" u="none" strike="noStrike" cap="none">
+                  <a:solidFill>
+                    <a:schemeClr val="tx1"/>
+                  </a:solidFill>
+                  <a:latin typeface="+mn-lt"/>
+                  <a:ea typeface="+mn-ea"/>
+                  <a:cs typeface="+mn-cs"/>
+                  <a:sym typeface="Arial"/>
+                </a:defRPr>
+              </a:lvl7pPr>
+              <a:lvl8pPr marR="0" lvl="7" algn="l" rtl="0">
+                <a:lnSpc>
+                  <a:spcPct val="100000"/>
+                </a:lnSpc>
+                <a:spcBef>
+                  <a:spcPts val="0"/>
+                </a:spcBef>
+                <a:spcAft>
+                  <a:spcPts val="0"/>
+                </a:spcAft>
+                <a:buClr>
+                  <a:srgbClr val="000000"/>
+                </a:buClr>
+                <a:buFont typeface="Arial"/>
+                <a:defRPr sz="1400" b="0" i="0" u="none" strike="noStrike" cap="none">
+                  <a:solidFill>
+                    <a:schemeClr val="tx1"/>
+                  </a:solidFill>
+                  <a:latin typeface="+mn-lt"/>
+                  <a:ea typeface="+mn-ea"/>
+                  <a:cs typeface="+mn-cs"/>
+                  <a:sym typeface="Arial"/>
+                </a:defRPr>
+              </a:lvl8pPr>
+              <a:lvl9pPr marR="0" lvl="8" algn="l" rtl="0">
+                <a:lnSpc>
+                  <a:spcPct val="100000"/>
+                </a:lnSpc>
+                <a:spcBef>
+                  <a:spcPts val="0"/>
+                </a:spcBef>
+                <a:spcAft>
+                  <a:spcPts val="0"/>
+                </a:spcAft>
+                <a:buClr>
+                  <a:srgbClr val="000000"/>
+                </a:buClr>
+                <a:buFont typeface="Arial"/>
+                <a:defRPr sz="1400" b="0" i="0" u="none" strike="noStrike" cap="none">
+                  <a:solidFill>
+                    <a:schemeClr val="tx1"/>
+                  </a:solidFill>
+                  <a:latin typeface="+mn-lt"/>
+                  <a:ea typeface="+mn-ea"/>
+                  <a:cs typeface="+mn-cs"/>
+                  <a:sym typeface="Arial"/>
+                </a:defRPr>
+              </a:lvl9pPr>
+            </a:lstStyle>
+            <a:p>
+              <a:pPr algn="ctr"/>
+              <a:endParaRPr lang="en-US">
+                <a:ln>
+                  <a:solidFill>
+                    <a:schemeClr val="tx1"/>
+                  </a:solidFill>
+                </a:ln>
+              </a:endParaRPr>
+            </a:p>
+          </p:txBody>
+        </p:sp>
       </p:grpSp>
-      <p:sp>
-        <p:nvSpPr>
-          <p:cNvPr id="40" name="Left Brace 39">
-            <a:extLst>
-              <a:ext uri="{FF2B5EF4-FFF2-40B4-BE49-F238E27FC236}">
-                <a16:creationId xmlns:a16="http://schemas.microsoft.com/office/drawing/2014/main" id="{3AF7C9C7-57AC-0446-E86F-9D97FD275D34}"/>
-              </a:ext>
-            </a:extLst>
-          </p:cNvPr>
-          <p:cNvSpPr/>
-          <p:nvPr/>
-        </p:nvSpPr>
-        <p:spPr>
-          <a:xfrm rot="16200000">
-            <a:off x="22086461" y="13553018"/>
-            <a:ext cx="461665" cy="2486200"/>
-          </a:xfrm>
-          <a:prstGeom prst="leftBrace">
-            <a:avLst>
-              <a:gd name="adj1" fmla="val 35744"/>
-              <a:gd name="adj2" fmla="val 50000"/>
-            </a:avLst>
-          </a:prstGeom>
-          <a:ln/>
-          <a:effectLst/>
-        </p:spPr>
-        <p:style>
-          <a:lnRef idx="2">
-            <a:schemeClr val="dk1"/>
-          </a:lnRef>
-          <a:fillRef idx="0">
-            <a:schemeClr val="dk1"/>
-          </a:fillRef>
-          <a:effectRef idx="1">
-            <a:schemeClr val="dk1"/>
-          </a:effectRef>
-          <a:fontRef idx="minor">
-            <a:schemeClr val="tx1"/>
-          </a:fontRef>
-        </p:style>
-        <p:txBody>
-          <a:bodyPr rtlCol="0" anchor="ctr"/>
-          <a:lstStyle>
-            <a:defPPr marR="0" lvl="0" algn="l" rtl="0">
-              <a:lnSpc>
-                <a:spcPct val="100000"/>
-              </a:lnSpc>
-              <a:spcBef>
-                <a:spcPts val="0"/>
-              </a:spcBef>
-              <a:spcAft>
-                <a:spcPts val="0"/>
-              </a:spcAft>
-            </a:defPPr>
-            <a:lvl1pPr marR="0" lvl="0" algn="l" rtl="0">
-              <a:lnSpc>
-                <a:spcPct val="100000"/>
-              </a:lnSpc>
-              <a:spcBef>
-                <a:spcPts val="0"/>
-              </a:spcBef>
-              <a:spcAft>
-                <a:spcPts val="0"/>
-              </a:spcAft>
-              <a:buClr>
-                <a:srgbClr val="000000"/>
-              </a:buClr>
-              <a:buFont typeface="Arial"/>
-              <a:defRPr sz="1400" b="0" i="0" u="none" strike="noStrike" cap="none">
-                <a:solidFill>
-                  <a:schemeClr val="tx1"/>
-                </a:solidFill>
-                <a:latin typeface="+mn-lt"/>
-                <a:ea typeface="+mn-ea"/>
-                <a:cs typeface="+mn-cs"/>
-                <a:sym typeface="Arial"/>
-              </a:defRPr>
-            </a:lvl1pPr>
-            <a:lvl2pPr marR="0" lvl="1" algn="l" rtl="0">
-              <a:lnSpc>
-                <a:spcPct val="100000"/>
-              </a:lnSpc>
-              <a:spcBef>
-                <a:spcPts val="0"/>
-              </a:spcBef>
-              <a:spcAft>
-                <a:spcPts val="0"/>
-              </a:spcAft>
-              <a:buClr>
-                <a:srgbClr val="000000"/>
-              </a:buClr>
-              <a:buFont typeface="Arial"/>
-              <a:defRPr sz="1400" b="0" i="0" u="none" strike="noStrike" cap="none">
-                <a:solidFill>
-                  <a:schemeClr val="tx1"/>
-                </a:solidFill>
-                <a:latin typeface="+mn-lt"/>
-                <a:ea typeface="+mn-ea"/>
-                <a:cs typeface="+mn-cs"/>
-                <a:sym typeface="Arial"/>
-              </a:defRPr>
-            </a:lvl2pPr>
-            <a:lvl3pPr marR="0" lvl="2" algn="l" rtl="0">
-              <a:lnSpc>
-                <a:spcPct val="100000"/>
-              </a:lnSpc>
-              <a:spcBef>
-                <a:spcPts val="0"/>
-              </a:spcBef>
-              <a:spcAft>
-                <a:spcPts val="0"/>
-              </a:spcAft>
-              <a:buClr>
-                <a:srgbClr val="000000"/>
-              </a:buClr>
-              <a:buFont typeface="Arial"/>
-              <a:defRPr sz="1400" b="0" i="0" u="none" strike="noStrike" cap="none">
-                <a:solidFill>
-                  <a:schemeClr val="tx1"/>
-                </a:solidFill>
-                <a:latin typeface="+mn-lt"/>
-                <a:ea typeface="+mn-ea"/>
-                <a:cs typeface="+mn-cs"/>
-                <a:sym typeface="Arial"/>
-              </a:defRPr>
-            </a:lvl3pPr>
-            <a:lvl4pPr marR="0" lvl="3" algn="l" rtl="0">
-              <a:lnSpc>
-                <a:spcPct val="100000"/>
-              </a:lnSpc>
-              <a:spcBef>
-                <a:spcPts val="0"/>
-              </a:spcBef>
-              <a:spcAft>
-                <a:spcPts val="0"/>
-              </a:spcAft>
-              <a:buClr>
-                <a:srgbClr val="000000"/>
-              </a:buClr>
-              <a:buFont typeface="Arial"/>
-              <a:defRPr sz="1400" b="0" i="0" u="none" strike="noStrike" cap="none">
-                <a:solidFill>
-                  <a:schemeClr val="tx1"/>
-                </a:solidFill>
-                <a:latin typeface="+mn-lt"/>
-                <a:ea typeface="+mn-ea"/>
-                <a:cs typeface="+mn-cs"/>
-                <a:sym typeface="Arial"/>
-              </a:defRPr>
-            </a:lvl4pPr>
-            <a:lvl5pPr marR="0" lvl="4" algn="l" rtl="0">
-              <a:lnSpc>
-                <a:spcPct val="100000"/>
-              </a:lnSpc>
-              <a:spcBef>
-                <a:spcPts val="0"/>
-              </a:spcBef>
-              <a:spcAft>
-                <a:spcPts val="0"/>
-              </a:spcAft>
-              <a:buClr>
-                <a:srgbClr val="000000"/>
-              </a:buClr>
-              <a:buFont typeface="Arial"/>
-              <a:defRPr sz="1400" b="0" i="0" u="none" strike="noStrike" cap="none">
-                <a:solidFill>
-                  <a:schemeClr val="tx1"/>
-                </a:solidFill>
-                <a:latin typeface="+mn-lt"/>
-                <a:ea typeface="+mn-ea"/>
-                <a:cs typeface="+mn-cs"/>
-                <a:sym typeface="Arial"/>
-              </a:defRPr>
-            </a:lvl5pPr>
-            <a:lvl6pPr marR="0" lvl="5" algn="l" rtl="0">
-              <a:lnSpc>
-                <a:spcPct val="100000"/>
-              </a:lnSpc>
-              <a:spcBef>
-                <a:spcPts val="0"/>
-              </a:spcBef>
-              <a:spcAft>
-                <a:spcPts val="0"/>
-              </a:spcAft>
-              <a:buClr>
-                <a:srgbClr val="000000"/>
-              </a:buClr>
-              <a:buFont typeface="Arial"/>
-              <a:defRPr sz="1400" b="0" i="0" u="none" strike="noStrike" cap="none">
-                <a:solidFill>
-                  <a:schemeClr val="tx1"/>
-                </a:solidFill>
-                <a:latin typeface="+mn-lt"/>
-                <a:ea typeface="+mn-ea"/>
-                <a:cs typeface="+mn-cs"/>
-                <a:sym typeface="Arial"/>
-              </a:defRPr>
-            </a:lvl6pPr>
-            <a:lvl7pPr marR="0" lvl="6" algn="l" rtl="0">
-              <a:lnSpc>
-                <a:spcPct val="100000"/>
-              </a:lnSpc>
-              <a:spcBef>
-                <a:spcPts val="0"/>
-              </a:spcBef>
-              <a:spcAft>
-                <a:spcPts val="0"/>
-              </a:spcAft>
-              <a:buClr>
-                <a:srgbClr val="000000"/>
-              </a:buClr>
-              <a:buFont typeface="Arial"/>
-              <a:defRPr sz="1400" b="0" i="0" u="none" strike="noStrike" cap="none">
-                <a:solidFill>
-                  <a:schemeClr val="tx1"/>
-                </a:solidFill>
-                <a:latin typeface="+mn-lt"/>
-                <a:ea typeface="+mn-ea"/>
-                <a:cs typeface="+mn-cs"/>
-                <a:sym typeface="Arial"/>
-              </a:defRPr>
-            </a:lvl7pPr>
-            <a:lvl8pPr marR="0" lvl="7" algn="l" rtl="0">
-              <a:lnSpc>
-                <a:spcPct val="100000"/>
-              </a:lnSpc>
-              <a:spcBef>
-                <a:spcPts val="0"/>
-              </a:spcBef>
-              <a:spcAft>
-                <a:spcPts val="0"/>
-              </a:spcAft>
-              <a:buClr>
-                <a:srgbClr val="000000"/>
-              </a:buClr>
-              <a:buFont typeface="Arial"/>
-              <a:defRPr sz="1400" b="0" i="0" u="none" strike="noStrike" cap="none">
-                <a:solidFill>
-                  <a:schemeClr val="tx1"/>
-                </a:solidFill>
-                <a:latin typeface="+mn-lt"/>
-                <a:ea typeface="+mn-ea"/>
-                <a:cs typeface="+mn-cs"/>
-                <a:sym typeface="Arial"/>
-              </a:defRPr>
-            </a:lvl8pPr>
-            <a:lvl9pPr marR="0" lvl="8" algn="l" rtl="0">
-              <a:lnSpc>
-                <a:spcPct val="100000"/>
-              </a:lnSpc>
-              <a:spcBef>
-                <a:spcPts val="0"/>
-              </a:spcBef>
-              <a:spcAft>
-                <a:spcPts val="0"/>
-              </a:spcAft>
-              <a:buClr>
-                <a:srgbClr val="000000"/>
-              </a:buClr>
-              <a:buFont typeface="Arial"/>
-              <a:defRPr sz="1400" b="0" i="0" u="none" strike="noStrike" cap="none">
-                <a:solidFill>
-                  <a:schemeClr val="tx1"/>
-                </a:solidFill>
-                <a:latin typeface="+mn-lt"/>
-                <a:ea typeface="+mn-ea"/>
-                <a:cs typeface="+mn-cs"/>
-                <a:sym typeface="Arial"/>
-              </a:defRPr>
-            </a:lvl9pPr>
-          </a:lstStyle>
-          <a:p>
-            <a:pPr algn="ctr"/>
-            <a:endParaRPr lang="en-US" dirty="0">
-              <a:ln>
-                <a:solidFill>
-                  <a:schemeClr val="tx1"/>
-                </a:solidFill>
-              </a:ln>
-            </a:endParaRPr>
-          </a:p>
-        </p:txBody>
-      </p:sp>
-      <p:sp>
-        <p:nvSpPr>
-          <p:cNvPr id="41" name="TextBox 40">
-            <a:extLst>
-              <a:ext uri="{FF2B5EF4-FFF2-40B4-BE49-F238E27FC236}">
-                <a16:creationId xmlns:a16="http://schemas.microsoft.com/office/drawing/2014/main" id="{6914D681-9A79-F639-B532-ACB57038078A}"/>
-              </a:ext>
-            </a:extLst>
-          </p:cNvPr>
-          <p:cNvSpPr txBox="1"/>
-          <p:nvPr/>
-        </p:nvSpPr>
-        <p:spPr>
-          <a:xfrm>
-            <a:off x="20853669" y="15071660"/>
-            <a:ext cx="3035300" cy="461665"/>
-          </a:xfrm>
-          <a:prstGeom prst="rect">
-            <a:avLst/>
-          </a:prstGeom>
-          <a:noFill/>
-        </p:spPr>
-        <p:txBody>
-          <a:bodyPr wrap="square" rtlCol="0">
-            <a:spAutoFit/>
-          </a:bodyPr>
-          <a:lstStyle/>
-          <a:p>
-            <a:pPr algn="ctr"/>
-            <a:r>
-              <a:rPr lang="en-US" sz="2400" dirty="0"/>
-              <a:t>Mammals</a:t>
-            </a:r>
-          </a:p>
-        </p:txBody>
-      </p:sp>
-      <p:cxnSp>
-        <p:nvCxnSpPr>
-          <p:cNvPr id="43" name="Straight Connector 42">
-            <a:extLst>
-              <a:ext uri="{FF2B5EF4-FFF2-40B4-BE49-F238E27FC236}">
-                <a16:creationId xmlns:a16="http://schemas.microsoft.com/office/drawing/2014/main" id="{99652062-8934-F55C-E4DA-9DC83F94E762}"/>
-              </a:ext>
-            </a:extLst>
-          </p:cNvPr>
-          <p:cNvCxnSpPr>
-            <a:cxnSpLocks/>
-          </p:cNvCxnSpPr>
-          <p:nvPr/>
-        </p:nvCxnSpPr>
-        <p:spPr>
-          <a:xfrm>
-            <a:off x="25575445" y="14565285"/>
-            <a:ext cx="0" cy="461666"/>
-          </a:xfrm>
-          <a:prstGeom prst="line">
-            <a:avLst/>
-          </a:prstGeom>
-          <a:effectLst/>
-        </p:spPr>
-        <p:style>
-          <a:lnRef idx="2">
-            <a:schemeClr val="dk1"/>
-          </a:lnRef>
-          <a:fillRef idx="0">
-            <a:schemeClr val="dk1"/>
-          </a:fillRef>
-          <a:effectRef idx="1">
-            <a:schemeClr val="dk1"/>
-          </a:effectRef>
-          <a:fontRef idx="minor">
-            <a:schemeClr val="tx1"/>
-          </a:fontRef>
-        </p:style>
-      </p:cxnSp>
-      <p:sp>
-        <p:nvSpPr>
-          <p:cNvPr id="44" name="TextBox 43">
-            <a:extLst>
-              <a:ext uri="{FF2B5EF4-FFF2-40B4-BE49-F238E27FC236}">
-                <a16:creationId xmlns:a16="http://schemas.microsoft.com/office/drawing/2014/main" id="{CE49993E-E793-5803-5850-2BBE38DEE648}"/>
-              </a:ext>
-            </a:extLst>
-          </p:cNvPr>
-          <p:cNvSpPr txBox="1"/>
-          <p:nvPr/>
-        </p:nvSpPr>
-        <p:spPr>
-          <a:xfrm>
-            <a:off x="24091565" y="15078060"/>
-            <a:ext cx="3035300" cy="461665"/>
-          </a:xfrm>
-          <a:prstGeom prst="rect">
-            <a:avLst/>
-          </a:prstGeom>
-          <a:noFill/>
-        </p:spPr>
-        <p:txBody>
-          <a:bodyPr wrap="square" rtlCol="0">
-            <a:spAutoFit/>
-          </a:bodyPr>
-          <a:lstStyle/>
-          <a:p>
-            <a:pPr algn="ctr"/>
-            <a:r>
-              <a:rPr lang="en-US" sz="2400" dirty="0"/>
-              <a:t>Reptiles</a:t>
-            </a:r>
-          </a:p>
-        </p:txBody>
-      </p:sp>
-      <p:sp>
-        <p:nvSpPr>
-          <p:cNvPr id="48" name="TextBox 36">
-            <a:extLst>
-              <a:ext uri="{FF2B5EF4-FFF2-40B4-BE49-F238E27FC236}">
-                <a16:creationId xmlns:a16="http://schemas.microsoft.com/office/drawing/2014/main" id="{5E59E414-4A60-D3EF-F742-EBB3C03B7068}"/>
-              </a:ext>
-            </a:extLst>
-          </p:cNvPr>
-          <p:cNvSpPr txBox="1"/>
-          <p:nvPr/>
-        </p:nvSpPr>
-        <p:spPr>
-          <a:xfrm>
-            <a:off x="26324238" y="13233520"/>
-            <a:ext cx="1605253" cy="769441"/>
-          </a:xfrm>
-          <a:prstGeom prst="rect">
-            <a:avLst/>
-          </a:prstGeom>
-          <a:noFill/>
-        </p:spPr>
-        <p:txBody>
-          <a:bodyPr wrap="square" rtlCol="0">
-            <a:spAutoFit/>
-          </a:bodyPr>
-          <a:lstStyle>
-            <a:defPPr marR="0" lvl="0" algn="l" rtl="0">
-              <a:lnSpc>
-                <a:spcPct val="100000"/>
-              </a:lnSpc>
-              <a:spcBef>
-                <a:spcPts val="0"/>
-              </a:spcBef>
-              <a:spcAft>
-                <a:spcPts val="0"/>
-              </a:spcAft>
-            </a:defPPr>
-            <a:lvl1pPr marR="0" lvl="0" algn="l" rtl="0">
-              <a:lnSpc>
-                <a:spcPct val="100000"/>
-              </a:lnSpc>
-              <a:spcBef>
-                <a:spcPts val="0"/>
-              </a:spcBef>
-              <a:spcAft>
-                <a:spcPts val="0"/>
-              </a:spcAft>
-              <a:buClr>
-                <a:srgbClr val="000000"/>
-              </a:buClr>
-              <a:buFont typeface="Arial"/>
-              <a:defRPr sz="1400" b="0" i="0" u="none" strike="noStrike" cap="none">
-                <a:solidFill>
-                  <a:srgbClr val="000000"/>
-                </a:solidFill>
-                <a:latin typeface="Arial"/>
-                <a:ea typeface="Arial"/>
-                <a:cs typeface="Arial"/>
-                <a:sym typeface="Arial"/>
-              </a:defRPr>
-            </a:lvl1pPr>
-            <a:lvl2pPr marR="0" lvl="1" algn="l" rtl="0">
-              <a:lnSpc>
-                <a:spcPct val="100000"/>
-              </a:lnSpc>
-              <a:spcBef>
-                <a:spcPts val="0"/>
-              </a:spcBef>
-              <a:spcAft>
-                <a:spcPts val="0"/>
-              </a:spcAft>
-              <a:buClr>
-                <a:srgbClr val="000000"/>
-              </a:buClr>
-              <a:buFont typeface="Arial"/>
-              <a:defRPr sz="1400" b="0" i="0" u="none" strike="noStrike" cap="none">
-                <a:solidFill>
-                  <a:srgbClr val="000000"/>
-                </a:solidFill>
-                <a:latin typeface="Arial"/>
-                <a:ea typeface="Arial"/>
-                <a:cs typeface="Arial"/>
-                <a:sym typeface="Arial"/>
-              </a:defRPr>
-            </a:lvl2pPr>
-            <a:lvl3pPr marR="0" lvl="2" algn="l" rtl="0">
-              <a:lnSpc>
-                <a:spcPct val="100000"/>
-              </a:lnSpc>
-              <a:spcBef>
-                <a:spcPts val="0"/>
-              </a:spcBef>
-              <a:spcAft>
-                <a:spcPts val="0"/>
-              </a:spcAft>
-              <a:buClr>
-                <a:srgbClr val="000000"/>
-              </a:buClr>
-              <a:buFont typeface="Arial"/>
-              <a:defRPr sz="1400" b="0" i="0" u="none" strike="noStrike" cap="none">
-                <a:solidFill>
-                  <a:srgbClr val="000000"/>
-                </a:solidFill>
-                <a:latin typeface="Arial"/>
-                <a:ea typeface="Arial"/>
-                <a:cs typeface="Arial"/>
-                <a:sym typeface="Arial"/>
-              </a:defRPr>
-            </a:lvl3pPr>
-            <a:lvl4pPr marR="0" lvl="3" algn="l" rtl="0">
-              <a:lnSpc>
-                <a:spcPct val="100000"/>
-              </a:lnSpc>
-              <a:spcBef>
-                <a:spcPts val="0"/>
-              </a:spcBef>
-              <a:spcAft>
-                <a:spcPts val="0"/>
-              </a:spcAft>
-              <a:buClr>
-                <a:srgbClr val="000000"/>
-              </a:buClr>
-              <a:buFont typeface="Arial"/>
-              <a:defRPr sz="1400" b="0" i="0" u="none" strike="noStrike" cap="none">
-                <a:solidFill>
-                  <a:srgbClr val="000000"/>
-                </a:solidFill>
-                <a:latin typeface="Arial"/>
-                <a:ea typeface="Arial"/>
-                <a:cs typeface="Arial"/>
-                <a:sym typeface="Arial"/>
-              </a:defRPr>
-            </a:lvl4pPr>
-            <a:lvl5pPr marR="0" lvl="4" algn="l" rtl="0">
-              <a:lnSpc>
-                <a:spcPct val="100000"/>
-              </a:lnSpc>
-              <a:spcBef>
-                <a:spcPts val="0"/>
-              </a:spcBef>
-              <a:spcAft>
-                <a:spcPts val="0"/>
-              </a:spcAft>
-              <a:buClr>
-                <a:srgbClr val="000000"/>
-              </a:buClr>
-              <a:buFont typeface="Arial"/>
-              <a:defRPr sz="1400" b="0" i="0" u="none" strike="noStrike" cap="none">
-                <a:solidFill>
-                  <a:srgbClr val="000000"/>
-                </a:solidFill>
-                <a:latin typeface="Arial"/>
-                <a:ea typeface="Arial"/>
-                <a:cs typeface="Arial"/>
-                <a:sym typeface="Arial"/>
-              </a:defRPr>
-            </a:lvl5pPr>
-            <a:lvl6pPr marR="0" lvl="5" algn="l" rtl="0">
-              <a:lnSpc>
-                <a:spcPct val="100000"/>
-              </a:lnSpc>
-              <a:spcBef>
-                <a:spcPts val="0"/>
-              </a:spcBef>
-              <a:spcAft>
-                <a:spcPts val="0"/>
-              </a:spcAft>
-              <a:buClr>
-                <a:srgbClr val="000000"/>
-              </a:buClr>
-              <a:buFont typeface="Arial"/>
-              <a:defRPr sz="1400" b="0" i="0" u="none" strike="noStrike" cap="none">
-                <a:solidFill>
-                  <a:srgbClr val="000000"/>
-                </a:solidFill>
-                <a:latin typeface="Arial"/>
-                <a:ea typeface="Arial"/>
-                <a:cs typeface="Arial"/>
-                <a:sym typeface="Arial"/>
-              </a:defRPr>
-            </a:lvl6pPr>
-            <a:lvl7pPr marR="0" lvl="6" algn="l" rtl="0">
-              <a:lnSpc>
-                <a:spcPct val="100000"/>
-              </a:lnSpc>
-              <a:spcBef>
-                <a:spcPts val="0"/>
-              </a:spcBef>
-              <a:spcAft>
-                <a:spcPts val="0"/>
-              </a:spcAft>
-              <a:buClr>
-                <a:srgbClr val="000000"/>
-              </a:buClr>
-              <a:buFont typeface="Arial"/>
-              <a:defRPr sz="1400" b="0" i="0" u="none" strike="noStrike" cap="none">
-                <a:solidFill>
-                  <a:srgbClr val="000000"/>
-                </a:solidFill>
-                <a:latin typeface="Arial"/>
-                <a:ea typeface="Arial"/>
-                <a:cs typeface="Arial"/>
-                <a:sym typeface="Arial"/>
-              </a:defRPr>
-            </a:lvl7pPr>
-            <a:lvl8pPr marR="0" lvl="7" algn="l" rtl="0">
-              <a:lnSpc>
-                <a:spcPct val="100000"/>
-              </a:lnSpc>
-              <a:spcBef>
-                <a:spcPts val="0"/>
-              </a:spcBef>
-              <a:spcAft>
-                <a:spcPts val="0"/>
-              </a:spcAft>
-              <a:buClr>
-                <a:srgbClr val="000000"/>
-              </a:buClr>
-              <a:buFont typeface="Arial"/>
-              <a:defRPr sz="1400" b="0" i="0" u="none" strike="noStrike" cap="none">
-                <a:solidFill>
-                  <a:srgbClr val="000000"/>
-                </a:solidFill>
-                <a:latin typeface="Arial"/>
-                <a:ea typeface="Arial"/>
-                <a:cs typeface="Arial"/>
-                <a:sym typeface="Arial"/>
-              </a:defRPr>
-            </a:lvl8pPr>
-            <a:lvl9pPr marR="0" lvl="8" algn="l" rtl="0">
-              <a:lnSpc>
-                <a:spcPct val="100000"/>
-              </a:lnSpc>
-              <a:spcBef>
-                <a:spcPts val="0"/>
-              </a:spcBef>
-              <a:spcAft>
-                <a:spcPts val="0"/>
-              </a:spcAft>
-              <a:buClr>
-                <a:srgbClr val="000000"/>
-              </a:buClr>
-              <a:buFont typeface="Arial"/>
-              <a:defRPr sz="1400" b="0" i="0" u="none" strike="noStrike" cap="none">
-                <a:solidFill>
-                  <a:srgbClr val="000000"/>
-                </a:solidFill>
-                <a:latin typeface="Arial"/>
-                <a:ea typeface="Arial"/>
-                <a:cs typeface="Arial"/>
-                <a:sym typeface="Arial"/>
-              </a:defRPr>
-            </a:lvl9pPr>
-          </a:lstStyle>
-          <a:p>
-            <a:pPr algn="ctr"/>
-            <a:r>
-              <a:rPr lang="en-US" sz="2200" dirty="0"/>
-              <a:t>Variable importance</a:t>
-            </a:r>
-          </a:p>
-        </p:txBody>
-      </p:sp>
     </p:spTree>
   </p:cSld>
   <p:clrMapOvr>

--- a/figures/fig4.pptx
+++ b/figures/fig4.pptx
@@ -257,7 +257,7 @@
       </p15:sldGuideLst>
     </p:ext>
     <p:ext uri="http://customooxmlschemas.google.com/">
-      <go:slidesCustomData xmlns:go="http://customooxmlschemas.google.com/" xmlns:ahyp="http://schemas.microsoft.com/office/drawing/2018/hyperlinkcolor" xmlns:p15="http://schemas.microsoft.com/office/powerpoint/2012/main" xmlns:p14="http://schemas.microsoft.com/office/powerpoint/2010/main" xmlns:com="http://schemas.openxmlformats.org/drawingml/2006/compatibility" xmlns:pvml="urn:schemas-microsoft-com:office:powerpoint" xmlns:v="urn:schemas-microsoft-com:vml" xmlns:o="urn:schemas-microsoft-com:office:office" xmlns:dgm="http://schemas.openxmlformats.org/drawingml/2006/diagram" xmlns:c="http://schemas.openxmlformats.org/drawingml/2006/chart" xmlns:mv="urn:schemas-microsoft-com:mac:vml" xmlns:mc="http://schemas.openxmlformats.org/markup-compatibility/2006" xmlns="" r:id="rId10" roundtripDataSignature="AMtx7mhiytGPk8UOxiAGs9KaAxakDbg4SQ=="/>
+      <go:slidesCustomData xmlns="" xmlns:mc="http://schemas.openxmlformats.org/markup-compatibility/2006" xmlns:mv="urn:schemas-microsoft-com:mac:vml" xmlns:c="http://schemas.openxmlformats.org/drawingml/2006/chart" xmlns:dgm="http://schemas.openxmlformats.org/drawingml/2006/diagram" xmlns:o="urn:schemas-microsoft-com:office:office" xmlns:v="urn:schemas-microsoft-com:vml" xmlns:pvml="urn:schemas-microsoft-com:office:powerpoint" xmlns:com="http://schemas.openxmlformats.org/drawingml/2006/compatibility" xmlns:p14="http://schemas.microsoft.com/office/powerpoint/2010/main" xmlns:p15="http://schemas.microsoft.com/office/powerpoint/2012/main" xmlns:ahyp="http://schemas.microsoft.com/office/drawing/2018/hyperlinkcolor" xmlns:go="http://customooxmlschemas.google.com/" r:id="rId10" roundtripDataSignature="AMtx7mhiytGPk8UOxiAGs9KaAxakDbg4SQ=="/>
     </p:ext>
   </p:extLst>
 </p:presentation>
@@ -13713,6 +13713,42 @@
           </p:txBody>
         </p:sp>
       </p:grpSp>
+      <p:sp>
+        <p:nvSpPr>
+          <p:cNvPr id="2" name="TextBox 1">
+            <a:extLst>
+              <a:ext uri="{FF2B5EF4-FFF2-40B4-BE49-F238E27FC236}">
+                <a16:creationId xmlns:a16="http://schemas.microsoft.com/office/drawing/2014/main" id="{B143E952-F531-BF43-F2BA-C51CC54C44F7}"/>
+              </a:ext>
+            </a:extLst>
+          </p:cNvPr>
+          <p:cNvSpPr txBox="1"/>
+          <p:nvPr/>
+        </p:nvSpPr>
+        <p:spPr>
+          <a:xfrm>
+            <a:off x="22593391" y="17133290"/>
+            <a:ext cx="1996452" cy="830997"/>
+          </a:xfrm>
+          <a:prstGeom prst="rect">
+            <a:avLst/>
+          </a:prstGeom>
+          <a:noFill/>
+        </p:spPr>
+        <p:txBody>
+          <a:bodyPr wrap="square" rtlCol="0">
+            <a:spAutoFit/>
+          </a:bodyPr>
+          <a:lstStyle/>
+          <a:p>
+            <a:pPr algn="ctr"/>
+            <a:r>
+              <a:rPr lang="en-US" sz="2400" dirty="0"/>
+              <a:t>Variable importance</a:t>
+            </a:r>
+          </a:p>
+        </p:txBody>
+      </p:sp>
     </p:spTree>
   </p:cSld>
   <p:clrMapOvr>

--- a/figures/fig4.pptx
+++ b/figures/fig4.pptx
@@ -257,7 +257,7 @@
       </p15:sldGuideLst>
     </p:ext>
     <p:ext uri="http://customooxmlschemas.google.com/">
-      <go:slidesCustomData xmlns="" xmlns:mc="http://schemas.openxmlformats.org/markup-compatibility/2006" xmlns:mv="urn:schemas-microsoft-com:mac:vml" xmlns:c="http://schemas.openxmlformats.org/drawingml/2006/chart" xmlns:dgm="http://schemas.openxmlformats.org/drawingml/2006/diagram" xmlns:o="urn:schemas-microsoft-com:office:office" xmlns:v="urn:schemas-microsoft-com:vml" xmlns:pvml="urn:schemas-microsoft-com:office:powerpoint" xmlns:com="http://schemas.openxmlformats.org/drawingml/2006/compatibility" xmlns:p14="http://schemas.microsoft.com/office/powerpoint/2010/main" xmlns:p15="http://schemas.microsoft.com/office/powerpoint/2012/main" xmlns:ahyp="http://schemas.microsoft.com/office/drawing/2018/hyperlinkcolor" xmlns:go="http://customooxmlschemas.google.com/" r:id="rId10" roundtripDataSignature="AMtx7mhiytGPk8UOxiAGs9KaAxakDbg4SQ=="/>
+      <go:slidesCustomData xmlns:go="http://customooxmlschemas.google.com/" xmlns:ahyp="http://schemas.microsoft.com/office/drawing/2018/hyperlinkcolor" xmlns:p15="http://schemas.microsoft.com/office/powerpoint/2012/main" xmlns:p14="http://schemas.microsoft.com/office/powerpoint/2010/main" xmlns:com="http://schemas.openxmlformats.org/drawingml/2006/compatibility" xmlns:pvml="urn:schemas-microsoft-com:office:powerpoint" xmlns:v="urn:schemas-microsoft-com:vml" xmlns:o="urn:schemas-microsoft-com:office:office" xmlns:dgm="http://schemas.openxmlformats.org/drawingml/2006/diagram" xmlns:c="http://schemas.openxmlformats.org/drawingml/2006/chart" xmlns:mv="urn:schemas-microsoft-com:mac:vml" xmlns:mc="http://schemas.openxmlformats.org/markup-compatibility/2006" xmlns="" r:id="rId10" roundtripDataSignature="AMtx7mhiytGPk8UOxiAGs9KaAxakDbg4SQ=="/>
     </p:ext>
   </p:extLst>
 </p:presentation>
@@ -12628,10 +12628,10 @@
       </p:grpSpPr>
       <p:grpSp>
         <p:nvGrpSpPr>
-          <p:cNvPr id="59" name="Group 58">
+          <p:cNvPr id="3" name="Group 2">
             <a:extLst>
               <a:ext uri="{FF2B5EF4-FFF2-40B4-BE49-F238E27FC236}">
-                <a16:creationId xmlns:a16="http://schemas.microsoft.com/office/drawing/2014/main" id="{A946B165-18C3-79F2-0D0C-C1FB5CB1A83C}"/>
+                <a16:creationId xmlns:a16="http://schemas.microsoft.com/office/drawing/2014/main" id="{7657A87E-58AD-3D95-23F0-5A8A9ED674DB}"/>
               </a:ext>
             </a:extLst>
           </p:cNvPr>
@@ -12640,652 +12640,1105 @@
         </p:nvGrpSpPr>
         <p:grpSpPr>
           <a:xfrm>
-            <a:off x="14058847" y="11766697"/>
+            <a:off x="21947361" y="790268"/>
             <a:ext cx="10700329" cy="7942276"/>
-            <a:chOff x="5646367" y="14520057"/>
+            <a:chOff x="14058847" y="11766697"/>
             <a:chExt cx="10700329" cy="7942276"/>
           </a:xfrm>
         </p:grpSpPr>
-        <p:pic>
-          <p:nvPicPr>
-            <p:cNvPr id="47" name="Picture 46" descr="A comparison of a comparison of a model&#10;&#10;AI-generated content may be incorrect.">
+        <p:grpSp>
+          <p:nvGrpSpPr>
+            <p:cNvPr id="59" name="Group 58">
               <a:extLst>
                 <a:ext uri="{FF2B5EF4-FFF2-40B4-BE49-F238E27FC236}">
-                  <a16:creationId xmlns:a16="http://schemas.microsoft.com/office/drawing/2014/main" id="{800D97E8-AFFB-95B1-6DF5-A8B29BE40239}"/>
+                  <a16:creationId xmlns:a16="http://schemas.microsoft.com/office/drawing/2014/main" id="{A946B165-18C3-79F2-0D0C-C1FB5CB1A83C}"/>
                 </a:ext>
               </a:extLst>
             </p:cNvPr>
-            <p:cNvPicPr>
-              <a:picLocks noChangeAspect="1"/>
-            </p:cNvPicPr>
+            <p:cNvGrpSpPr/>
             <p:nvPr/>
-          </p:nvPicPr>
-          <p:blipFill>
-            <a:blip r:embed="rId3"/>
-            <a:srcRect t="16391"/>
-            <a:stretch/>
-          </p:blipFill>
-          <p:spPr>
+          </p:nvGrpSpPr>
+          <p:grpSpPr>
             <a:xfrm>
-              <a:off x="5646367" y="15602353"/>
-              <a:ext cx="10700329" cy="6859980"/>
+              <a:off x="14058847" y="11766697"/>
+              <a:ext cx="10700329" cy="7942276"/>
+              <a:chOff x="5646367" y="14520057"/>
+              <a:chExt cx="10700329" cy="7942276"/>
             </a:xfrm>
-            <a:prstGeom prst="rect">
-              <a:avLst/>
-            </a:prstGeom>
-          </p:spPr>
-        </p:pic>
+          </p:grpSpPr>
+          <p:pic>
+            <p:nvPicPr>
+              <p:cNvPr id="47" name="Picture 46" descr="A comparison of a comparison of a model&#10;&#10;AI-generated content may be incorrect.">
+                <a:extLst>
+                  <a:ext uri="{FF2B5EF4-FFF2-40B4-BE49-F238E27FC236}">
+                    <a16:creationId xmlns:a16="http://schemas.microsoft.com/office/drawing/2014/main" id="{800D97E8-AFFB-95B1-6DF5-A8B29BE40239}"/>
+                  </a:ext>
+                </a:extLst>
+              </p:cNvPr>
+              <p:cNvPicPr>
+                <a:picLocks noChangeAspect="1"/>
+              </p:cNvPicPr>
+              <p:nvPr/>
+            </p:nvPicPr>
+            <p:blipFill>
+              <a:blip r:embed="rId3"/>
+              <a:srcRect t="16391"/>
+              <a:stretch/>
+            </p:blipFill>
+            <p:spPr>
+              <a:xfrm>
+                <a:off x="5646367" y="15602353"/>
+                <a:ext cx="10700329" cy="6859980"/>
+              </a:xfrm>
+              <a:prstGeom prst="rect">
+                <a:avLst/>
+              </a:prstGeom>
+            </p:spPr>
+          </p:pic>
+          <p:sp>
+            <p:nvSpPr>
+              <p:cNvPr id="49" name="Left Brace 48">
+                <a:extLst>
+                  <a:ext uri="{FF2B5EF4-FFF2-40B4-BE49-F238E27FC236}">
+                    <a16:creationId xmlns:a16="http://schemas.microsoft.com/office/drawing/2014/main" id="{A152576C-F75B-00FD-FD94-D561C534BB76}"/>
+                  </a:ext>
+                </a:extLst>
+              </p:cNvPr>
+              <p:cNvSpPr/>
+              <p:nvPr/>
+            </p:nvSpPr>
+            <p:spPr>
+              <a:xfrm rot="5400000">
+                <a:off x="8155833" y="14743692"/>
+                <a:ext cx="236606" cy="1519591"/>
+              </a:xfrm>
+              <a:prstGeom prst="leftBrace">
+                <a:avLst>
+                  <a:gd name="adj1" fmla="val 35744"/>
+                  <a:gd name="adj2" fmla="val 50000"/>
+                </a:avLst>
+              </a:prstGeom>
+              <a:ln/>
+              <a:effectLst/>
+            </p:spPr>
+            <p:style>
+              <a:lnRef idx="2">
+                <a:schemeClr val="dk1"/>
+              </a:lnRef>
+              <a:fillRef idx="0">
+                <a:schemeClr val="dk1"/>
+              </a:fillRef>
+              <a:effectRef idx="1">
+                <a:schemeClr val="dk1"/>
+              </a:effectRef>
+              <a:fontRef idx="minor">
+                <a:schemeClr val="tx1"/>
+              </a:fontRef>
+            </p:style>
+            <p:txBody>
+              <a:bodyPr rtlCol="0" anchor="ctr"/>
+              <a:lstStyle>
+                <a:defPPr marR="0" lvl="0" algn="l" rtl="0">
+                  <a:lnSpc>
+                    <a:spcPct val="100000"/>
+                  </a:lnSpc>
+                  <a:spcBef>
+                    <a:spcPts val="0"/>
+                  </a:spcBef>
+                  <a:spcAft>
+                    <a:spcPts val="0"/>
+                  </a:spcAft>
+                </a:defPPr>
+                <a:lvl1pPr marR="0" lvl="0" algn="l" rtl="0">
+                  <a:lnSpc>
+                    <a:spcPct val="100000"/>
+                  </a:lnSpc>
+                  <a:spcBef>
+                    <a:spcPts val="0"/>
+                  </a:spcBef>
+                  <a:spcAft>
+                    <a:spcPts val="0"/>
+                  </a:spcAft>
+                  <a:buClr>
+                    <a:srgbClr val="000000"/>
+                  </a:buClr>
+                  <a:buFont typeface="Arial"/>
+                  <a:defRPr sz="1400" b="0" i="0" u="none" strike="noStrike" cap="none">
+                    <a:solidFill>
+                      <a:schemeClr val="tx1"/>
+                    </a:solidFill>
+                    <a:latin typeface="+mn-lt"/>
+                    <a:ea typeface="+mn-ea"/>
+                    <a:cs typeface="+mn-cs"/>
+                    <a:sym typeface="Arial"/>
+                  </a:defRPr>
+                </a:lvl1pPr>
+                <a:lvl2pPr marR="0" lvl="1" algn="l" rtl="0">
+                  <a:lnSpc>
+                    <a:spcPct val="100000"/>
+                  </a:lnSpc>
+                  <a:spcBef>
+                    <a:spcPts val="0"/>
+                  </a:spcBef>
+                  <a:spcAft>
+                    <a:spcPts val="0"/>
+                  </a:spcAft>
+                  <a:buClr>
+                    <a:srgbClr val="000000"/>
+                  </a:buClr>
+                  <a:buFont typeface="Arial"/>
+                  <a:defRPr sz="1400" b="0" i="0" u="none" strike="noStrike" cap="none">
+                    <a:solidFill>
+                      <a:schemeClr val="tx1"/>
+                    </a:solidFill>
+                    <a:latin typeface="+mn-lt"/>
+                    <a:ea typeface="+mn-ea"/>
+                    <a:cs typeface="+mn-cs"/>
+                    <a:sym typeface="Arial"/>
+                  </a:defRPr>
+                </a:lvl2pPr>
+                <a:lvl3pPr marR="0" lvl="2" algn="l" rtl="0">
+                  <a:lnSpc>
+                    <a:spcPct val="100000"/>
+                  </a:lnSpc>
+                  <a:spcBef>
+                    <a:spcPts val="0"/>
+                  </a:spcBef>
+                  <a:spcAft>
+                    <a:spcPts val="0"/>
+                  </a:spcAft>
+                  <a:buClr>
+                    <a:srgbClr val="000000"/>
+                  </a:buClr>
+                  <a:buFont typeface="Arial"/>
+                  <a:defRPr sz="1400" b="0" i="0" u="none" strike="noStrike" cap="none">
+                    <a:solidFill>
+                      <a:schemeClr val="tx1"/>
+                    </a:solidFill>
+                    <a:latin typeface="+mn-lt"/>
+                    <a:ea typeface="+mn-ea"/>
+                    <a:cs typeface="+mn-cs"/>
+                    <a:sym typeface="Arial"/>
+                  </a:defRPr>
+                </a:lvl3pPr>
+                <a:lvl4pPr marR="0" lvl="3" algn="l" rtl="0">
+                  <a:lnSpc>
+                    <a:spcPct val="100000"/>
+                  </a:lnSpc>
+                  <a:spcBef>
+                    <a:spcPts val="0"/>
+                  </a:spcBef>
+                  <a:spcAft>
+                    <a:spcPts val="0"/>
+                  </a:spcAft>
+                  <a:buClr>
+                    <a:srgbClr val="000000"/>
+                  </a:buClr>
+                  <a:buFont typeface="Arial"/>
+                  <a:defRPr sz="1400" b="0" i="0" u="none" strike="noStrike" cap="none">
+                    <a:solidFill>
+                      <a:schemeClr val="tx1"/>
+                    </a:solidFill>
+                    <a:latin typeface="+mn-lt"/>
+                    <a:ea typeface="+mn-ea"/>
+                    <a:cs typeface="+mn-cs"/>
+                    <a:sym typeface="Arial"/>
+                  </a:defRPr>
+                </a:lvl4pPr>
+                <a:lvl5pPr marR="0" lvl="4" algn="l" rtl="0">
+                  <a:lnSpc>
+                    <a:spcPct val="100000"/>
+                  </a:lnSpc>
+                  <a:spcBef>
+                    <a:spcPts val="0"/>
+                  </a:spcBef>
+                  <a:spcAft>
+                    <a:spcPts val="0"/>
+                  </a:spcAft>
+                  <a:buClr>
+                    <a:srgbClr val="000000"/>
+                  </a:buClr>
+                  <a:buFont typeface="Arial"/>
+                  <a:defRPr sz="1400" b="0" i="0" u="none" strike="noStrike" cap="none">
+                    <a:solidFill>
+                      <a:schemeClr val="tx1"/>
+                    </a:solidFill>
+                    <a:latin typeface="+mn-lt"/>
+                    <a:ea typeface="+mn-ea"/>
+                    <a:cs typeface="+mn-cs"/>
+                    <a:sym typeface="Arial"/>
+                  </a:defRPr>
+                </a:lvl5pPr>
+                <a:lvl6pPr marR="0" lvl="5" algn="l" rtl="0">
+                  <a:lnSpc>
+                    <a:spcPct val="100000"/>
+                  </a:lnSpc>
+                  <a:spcBef>
+                    <a:spcPts val="0"/>
+                  </a:spcBef>
+                  <a:spcAft>
+                    <a:spcPts val="0"/>
+                  </a:spcAft>
+                  <a:buClr>
+                    <a:srgbClr val="000000"/>
+                  </a:buClr>
+                  <a:buFont typeface="Arial"/>
+                  <a:defRPr sz="1400" b="0" i="0" u="none" strike="noStrike" cap="none">
+                    <a:solidFill>
+                      <a:schemeClr val="tx1"/>
+                    </a:solidFill>
+                    <a:latin typeface="+mn-lt"/>
+                    <a:ea typeface="+mn-ea"/>
+                    <a:cs typeface="+mn-cs"/>
+                    <a:sym typeface="Arial"/>
+                  </a:defRPr>
+                </a:lvl6pPr>
+                <a:lvl7pPr marR="0" lvl="6" algn="l" rtl="0">
+                  <a:lnSpc>
+                    <a:spcPct val="100000"/>
+                  </a:lnSpc>
+                  <a:spcBef>
+                    <a:spcPts val="0"/>
+                  </a:spcBef>
+                  <a:spcAft>
+                    <a:spcPts val="0"/>
+                  </a:spcAft>
+                  <a:buClr>
+                    <a:srgbClr val="000000"/>
+                  </a:buClr>
+                  <a:buFont typeface="Arial"/>
+                  <a:defRPr sz="1400" b="0" i="0" u="none" strike="noStrike" cap="none">
+                    <a:solidFill>
+                      <a:schemeClr val="tx1"/>
+                    </a:solidFill>
+                    <a:latin typeface="+mn-lt"/>
+                    <a:ea typeface="+mn-ea"/>
+                    <a:cs typeface="+mn-cs"/>
+                    <a:sym typeface="Arial"/>
+                  </a:defRPr>
+                </a:lvl7pPr>
+                <a:lvl8pPr marR="0" lvl="7" algn="l" rtl="0">
+                  <a:lnSpc>
+                    <a:spcPct val="100000"/>
+                  </a:lnSpc>
+                  <a:spcBef>
+                    <a:spcPts val="0"/>
+                  </a:spcBef>
+                  <a:spcAft>
+                    <a:spcPts val="0"/>
+                  </a:spcAft>
+                  <a:buClr>
+                    <a:srgbClr val="000000"/>
+                  </a:buClr>
+                  <a:buFont typeface="Arial"/>
+                  <a:defRPr sz="1400" b="0" i="0" u="none" strike="noStrike" cap="none">
+                    <a:solidFill>
+                      <a:schemeClr val="tx1"/>
+                    </a:solidFill>
+                    <a:latin typeface="+mn-lt"/>
+                    <a:ea typeface="+mn-ea"/>
+                    <a:cs typeface="+mn-cs"/>
+                    <a:sym typeface="Arial"/>
+                  </a:defRPr>
+                </a:lvl8pPr>
+                <a:lvl9pPr marR="0" lvl="8" algn="l" rtl="0">
+                  <a:lnSpc>
+                    <a:spcPct val="100000"/>
+                  </a:lnSpc>
+                  <a:spcBef>
+                    <a:spcPts val="0"/>
+                  </a:spcBef>
+                  <a:spcAft>
+                    <a:spcPts val="0"/>
+                  </a:spcAft>
+                  <a:buClr>
+                    <a:srgbClr val="000000"/>
+                  </a:buClr>
+                  <a:buFont typeface="Arial"/>
+                  <a:defRPr sz="1400" b="0" i="0" u="none" strike="noStrike" cap="none">
+                    <a:solidFill>
+                      <a:schemeClr val="tx1"/>
+                    </a:solidFill>
+                    <a:latin typeface="+mn-lt"/>
+                    <a:ea typeface="+mn-ea"/>
+                    <a:cs typeface="+mn-cs"/>
+                    <a:sym typeface="Arial"/>
+                  </a:defRPr>
+                </a:lvl9pPr>
+              </a:lstStyle>
+              <a:p>
+                <a:pPr algn="ctr"/>
+                <a:endParaRPr lang="en-US">
+                  <a:ln>
+                    <a:solidFill>
+                      <a:schemeClr val="tx1"/>
+                    </a:solidFill>
+                  </a:ln>
+                </a:endParaRPr>
+              </a:p>
+            </p:txBody>
+          </p:sp>
+          <p:sp>
+            <p:nvSpPr>
+              <p:cNvPr id="51" name="Left Brace 50">
+                <a:extLst>
+                  <a:ext uri="{FF2B5EF4-FFF2-40B4-BE49-F238E27FC236}">
+                    <a16:creationId xmlns:a16="http://schemas.microsoft.com/office/drawing/2014/main" id="{EF32D247-5165-5D77-9141-42289F3160EA}"/>
+                  </a:ext>
+                </a:extLst>
+              </p:cNvPr>
+              <p:cNvSpPr/>
+              <p:nvPr/>
+            </p:nvSpPr>
+            <p:spPr>
+              <a:xfrm rot="5400000">
+                <a:off x="13204502" y="15053144"/>
+                <a:ext cx="236604" cy="900692"/>
+              </a:xfrm>
+              <a:prstGeom prst="leftBrace">
+                <a:avLst>
+                  <a:gd name="adj1" fmla="val 35744"/>
+                  <a:gd name="adj2" fmla="val 50000"/>
+                </a:avLst>
+              </a:prstGeom>
+              <a:ln/>
+              <a:effectLst/>
+            </p:spPr>
+            <p:style>
+              <a:lnRef idx="2">
+                <a:schemeClr val="dk1"/>
+              </a:lnRef>
+              <a:fillRef idx="0">
+                <a:schemeClr val="dk1"/>
+              </a:fillRef>
+              <a:effectRef idx="1">
+                <a:schemeClr val="dk1"/>
+              </a:effectRef>
+              <a:fontRef idx="minor">
+                <a:schemeClr val="tx1"/>
+              </a:fontRef>
+            </p:style>
+            <p:txBody>
+              <a:bodyPr rtlCol="0" anchor="ctr"/>
+              <a:lstStyle>
+                <a:defPPr marR="0" lvl="0" algn="l" rtl="0">
+                  <a:lnSpc>
+                    <a:spcPct val="100000"/>
+                  </a:lnSpc>
+                  <a:spcBef>
+                    <a:spcPts val="0"/>
+                  </a:spcBef>
+                  <a:spcAft>
+                    <a:spcPts val="0"/>
+                  </a:spcAft>
+                </a:defPPr>
+                <a:lvl1pPr marR="0" lvl="0" algn="l" rtl="0">
+                  <a:lnSpc>
+                    <a:spcPct val="100000"/>
+                  </a:lnSpc>
+                  <a:spcBef>
+                    <a:spcPts val="0"/>
+                  </a:spcBef>
+                  <a:spcAft>
+                    <a:spcPts val="0"/>
+                  </a:spcAft>
+                  <a:buClr>
+                    <a:srgbClr val="000000"/>
+                  </a:buClr>
+                  <a:buFont typeface="Arial"/>
+                  <a:defRPr sz="1400" b="0" i="0" u="none" strike="noStrike" cap="none">
+                    <a:solidFill>
+                      <a:schemeClr val="tx1"/>
+                    </a:solidFill>
+                    <a:latin typeface="+mn-lt"/>
+                    <a:ea typeface="+mn-ea"/>
+                    <a:cs typeface="+mn-cs"/>
+                    <a:sym typeface="Arial"/>
+                  </a:defRPr>
+                </a:lvl1pPr>
+                <a:lvl2pPr marR="0" lvl="1" algn="l" rtl="0">
+                  <a:lnSpc>
+                    <a:spcPct val="100000"/>
+                  </a:lnSpc>
+                  <a:spcBef>
+                    <a:spcPts val="0"/>
+                  </a:spcBef>
+                  <a:spcAft>
+                    <a:spcPts val="0"/>
+                  </a:spcAft>
+                  <a:buClr>
+                    <a:srgbClr val="000000"/>
+                  </a:buClr>
+                  <a:buFont typeface="Arial"/>
+                  <a:defRPr sz="1400" b="0" i="0" u="none" strike="noStrike" cap="none">
+                    <a:solidFill>
+                      <a:schemeClr val="tx1"/>
+                    </a:solidFill>
+                    <a:latin typeface="+mn-lt"/>
+                    <a:ea typeface="+mn-ea"/>
+                    <a:cs typeface="+mn-cs"/>
+                    <a:sym typeface="Arial"/>
+                  </a:defRPr>
+                </a:lvl2pPr>
+                <a:lvl3pPr marR="0" lvl="2" algn="l" rtl="0">
+                  <a:lnSpc>
+                    <a:spcPct val="100000"/>
+                  </a:lnSpc>
+                  <a:spcBef>
+                    <a:spcPts val="0"/>
+                  </a:spcBef>
+                  <a:spcAft>
+                    <a:spcPts val="0"/>
+                  </a:spcAft>
+                  <a:buClr>
+                    <a:srgbClr val="000000"/>
+                  </a:buClr>
+                  <a:buFont typeface="Arial"/>
+                  <a:defRPr sz="1400" b="0" i="0" u="none" strike="noStrike" cap="none">
+                    <a:solidFill>
+                      <a:schemeClr val="tx1"/>
+                    </a:solidFill>
+                    <a:latin typeface="+mn-lt"/>
+                    <a:ea typeface="+mn-ea"/>
+                    <a:cs typeface="+mn-cs"/>
+                    <a:sym typeface="Arial"/>
+                  </a:defRPr>
+                </a:lvl3pPr>
+                <a:lvl4pPr marR="0" lvl="3" algn="l" rtl="0">
+                  <a:lnSpc>
+                    <a:spcPct val="100000"/>
+                  </a:lnSpc>
+                  <a:spcBef>
+                    <a:spcPts val="0"/>
+                  </a:spcBef>
+                  <a:spcAft>
+                    <a:spcPts val="0"/>
+                  </a:spcAft>
+                  <a:buClr>
+                    <a:srgbClr val="000000"/>
+                  </a:buClr>
+                  <a:buFont typeface="Arial"/>
+                  <a:defRPr sz="1400" b="0" i="0" u="none" strike="noStrike" cap="none">
+                    <a:solidFill>
+                      <a:schemeClr val="tx1"/>
+                    </a:solidFill>
+                    <a:latin typeface="+mn-lt"/>
+                    <a:ea typeface="+mn-ea"/>
+                    <a:cs typeface="+mn-cs"/>
+                    <a:sym typeface="Arial"/>
+                  </a:defRPr>
+                </a:lvl4pPr>
+                <a:lvl5pPr marR="0" lvl="4" algn="l" rtl="0">
+                  <a:lnSpc>
+                    <a:spcPct val="100000"/>
+                  </a:lnSpc>
+                  <a:spcBef>
+                    <a:spcPts val="0"/>
+                  </a:spcBef>
+                  <a:spcAft>
+                    <a:spcPts val="0"/>
+                  </a:spcAft>
+                  <a:buClr>
+                    <a:srgbClr val="000000"/>
+                  </a:buClr>
+                  <a:buFont typeface="Arial"/>
+                  <a:defRPr sz="1400" b="0" i="0" u="none" strike="noStrike" cap="none">
+                    <a:solidFill>
+                      <a:schemeClr val="tx1"/>
+                    </a:solidFill>
+                    <a:latin typeface="+mn-lt"/>
+                    <a:ea typeface="+mn-ea"/>
+                    <a:cs typeface="+mn-cs"/>
+                    <a:sym typeface="Arial"/>
+                  </a:defRPr>
+                </a:lvl5pPr>
+                <a:lvl6pPr marR="0" lvl="5" algn="l" rtl="0">
+                  <a:lnSpc>
+                    <a:spcPct val="100000"/>
+                  </a:lnSpc>
+                  <a:spcBef>
+                    <a:spcPts val="0"/>
+                  </a:spcBef>
+                  <a:spcAft>
+                    <a:spcPts val="0"/>
+                  </a:spcAft>
+                  <a:buClr>
+                    <a:srgbClr val="000000"/>
+                  </a:buClr>
+                  <a:buFont typeface="Arial"/>
+                  <a:defRPr sz="1400" b="0" i="0" u="none" strike="noStrike" cap="none">
+                    <a:solidFill>
+                      <a:schemeClr val="tx1"/>
+                    </a:solidFill>
+                    <a:latin typeface="+mn-lt"/>
+                    <a:ea typeface="+mn-ea"/>
+                    <a:cs typeface="+mn-cs"/>
+                    <a:sym typeface="Arial"/>
+                  </a:defRPr>
+                </a:lvl6pPr>
+                <a:lvl7pPr marR="0" lvl="6" algn="l" rtl="0">
+                  <a:lnSpc>
+                    <a:spcPct val="100000"/>
+                  </a:lnSpc>
+                  <a:spcBef>
+                    <a:spcPts val="0"/>
+                  </a:spcBef>
+                  <a:spcAft>
+                    <a:spcPts val="0"/>
+                  </a:spcAft>
+                  <a:buClr>
+                    <a:srgbClr val="000000"/>
+                  </a:buClr>
+                  <a:buFont typeface="Arial"/>
+                  <a:defRPr sz="1400" b="0" i="0" u="none" strike="noStrike" cap="none">
+                    <a:solidFill>
+                      <a:schemeClr val="tx1"/>
+                    </a:solidFill>
+                    <a:latin typeface="+mn-lt"/>
+                    <a:ea typeface="+mn-ea"/>
+                    <a:cs typeface="+mn-cs"/>
+                    <a:sym typeface="Arial"/>
+                  </a:defRPr>
+                </a:lvl7pPr>
+                <a:lvl8pPr marR="0" lvl="7" algn="l" rtl="0">
+                  <a:lnSpc>
+                    <a:spcPct val="100000"/>
+                  </a:lnSpc>
+                  <a:spcBef>
+                    <a:spcPts val="0"/>
+                  </a:spcBef>
+                  <a:spcAft>
+                    <a:spcPts val="0"/>
+                  </a:spcAft>
+                  <a:buClr>
+                    <a:srgbClr val="000000"/>
+                  </a:buClr>
+                  <a:buFont typeface="Arial"/>
+                  <a:defRPr sz="1400" b="0" i="0" u="none" strike="noStrike" cap="none">
+                    <a:solidFill>
+                      <a:schemeClr val="tx1"/>
+                    </a:solidFill>
+                    <a:latin typeface="+mn-lt"/>
+                    <a:ea typeface="+mn-ea"/>
+                    <a:cs typeface="+mn-cs"/>
+                    <a:sym typeface="Arial"/>
+                  </a:defRPr>
+                </a:lvl8pPr>
+                <a:lvl9pPr marR="0" lvl="8" algn="l" rtl="0">
+                  <a:lnSpc>
+                    <a:spcPct val="100000"/>
+                  </a:lnSpc>
+                  <a:spcBef>
+                    <a:spcPts val="0"/>
+                  </a:spcBef>
+                  <a:spcAft>
+                    <a:spcPts val="0"/>
+                  </a:spcAft>
+                  <a:buClr>
+                    <a:srgbClr val="000000"/>
+                  </a:buClr>
+                  <a:buFont typeface="Arial"/>
+                  <a:defRPr sz="1400" b="0" i="0" u="none" strike="noStrike" cap="none">
+                    <a:solidFill>
+                      <a:schemeClr val="tx1"/>
+                    </a:solidFill>
+                    <a:latin typeface="+mn-lt"/>
+                    <a:ea typeface="+mn-ea"/>
+                    <a:cs typeface="+mn-cs"/>
+                    <a:sym typeface="Arial"/>
+                  </a:defRPr>
+                </a:lvl9pPr>
+              </a:lstStyle>
+              <a:p>
+                <a:pPr algn="ctr"/>
+                <a:endParaRPr lang="en-US">
+                  <a:ln>
+                    <a:solidFill>
+                      <a:schemeClr val="tx1"/>
+                    </a:solidFill>
+                  </a:ln>
+                </a:endParaRPr>
+              </a:p>
+            </p:txBody>
+          </p:sp>
+          <p:cxnSp>
+            <p:nvCxnSpPr>
+              <p:cNvPr id="52" name="Straight Connector 51">
+                <a:extLst>
+                  <a:ext uri="{FF2B5EF4-FFF2-40B4-BE49-F238E27FC236}">
+                    <a16:creationId xmlns:a16="http://schemas.microsoft.com/office/drawing/2014/main" id="{92C5FB0B-15C3-7441-7A71-26D3CE0909A0}"/>
+                  </a:ext>
+                </a:extLst>
+              </p:cNvPr>
+              <p:cNvCxnSpPr>
+                <a:cxnSpLocks/>
+              </p:cNvCxnSpPr>
+              <p:nvPr/>
+            </p:nvCxnSpPr>
+            <p:spPr>
+              <a:xfrm>
+                <a:off x="10071545" y="15354321"/>
+                <a:ext cx="0" cy="267470"/>
+              </a:xfrm>
+              <a:prstGeom prst="line">
+                <a:avLst/>
+              </a:prstGeom>
+              <a:effectLst/>
+            </p:spPr>
+            <p:style>
+              <a:lnRef idx="2">
+                <a:schemeClr val="dk1"/>
+              </a:lnRef>
+              <a:fillRef idx="0">
+                <a:schemeClr val="dk1"/>
+              </a:fillRef>
+              <a:effectRef idx="1">
+                <a:schemeClr val="dk1"/>
+              </a:effectRef>
+              <a:fontRef idx="minor">
+                <a:schemeClr val="tx1"/>
+              </a:fontRef>
+            </p:style>
+          </p:cxnSp>
+          <p:sp>
+            <p:nvSpPr>
+              <p:cNvPr id="54" name="TextBox 53">
+                <a:extLst>
+                  <a:ext uri="{FF2B5EF4-FFF2-40B4-BE49-F238E27FC236}">
+                    <a16:creationId xmlns:a16="http://schemas.microsoft.com/office/drawing/2014/main" id="{E23C93D1-3BD0-7EC3-0205-AF180D86EC7F}"/>
+                  </a:ext>
+                </a:extLst>
+              </p:cNvPr>
+              <p:cNvSpPr txBox="1"/>
+              <p:nvPr/>
+            </p:nvSpPr>
+            <p:spPr>
+              <a:xfrm>
+                <a:off x="6739146" y="14845795"/>
+                <a:ext cx="3035300" cy="461665"/>
+              </a:xfrm>
+              <a:prstGeom prst="rect">
+                <a:avLst/>
+              </a:prstGeom>
+              <a:noFill/>
+            </p:spPr>
+            <p:txBody>
+              <a:bodyPr wrap="square" rtlCol="0">
+                <a:spAutoFit/>
+              </a:bodyPr>
+              <a:lstStyle/>
+              <a:p>
+                <a:pPr algn="ctr"/>
+                <a:r>
+                  <a:rPr lang="en-US" sz="2400" dirty="0"/>
+                  <a:t>All clades</a:t>
+                </a:r>
+              </a:p>
+            </p:txBody>
+          </p:sp>
+          <p:sp>
+            <p:nvSpPr>
+              <p:cNvPr id="55" name="TextBox 54">
+                <a:extLst>
+                  <a:ext uri="{FF2B5EF4-FFF2-40B4-BE49-F238E27FC236}">
+                    <a16:creationId xmlns:a16="http://schemas.microsoft.com/office/drawing/2014/main" id="{B5E417E1-8757-6B95-4812-2137C912B799}"/>
+                  </a:ext>
+                </a:extLst>
+              </p:cNvPr>
+              <p:cNvSpPr txBox="1"/>
+              <p:nvPr/>
+            </p:nvSpPr>
+            <p:spPr>
+              <a:xfrm>
+                <a:off x="8554473" y="14844940"/>
+                <a:ext cx="3035300" cy="461665"/>
+              </a:xfrm>
+              <a:prstGeom prst="rect">
+                <a:avLst/>
+              </a:prstGeom>
+              <a:noFill/>
+            </p:spPr>
+            <p:txBody>
+              <a:bodyPr wrap="square" rtlCol="0">
+                <a:spAutoFit/>
+              </a:bodyPr>
+              <a:lstStyle/>
+              <a:p>
+                <a:pPr algn="ctr"/>
+                <a:r>
+                  <a:rPr lang="en-US" sz="2400" dirty="0"/>
+                  <a:t>Mammals</a:t>
+                </a:r>
+              </a:p>
+            </p:txBody>
+          </p:sp>
+          <p:sp>
+            <p:nvSpPr>
+              <p:cNvPr id="56" name="TextBox 55">
+                <a:extLst>
+                  <a:ext uri="{FF2B5EF4-FFF2-40B4-BE49-F238E27FC236}">
+                    <a16:creationId xmlns:a16="http://schemas.microsoft.com/office/drawing/2014/main" id="{C6117BF5-AD0E-1A08-F90C-8D69C58F36E4}"/>
+                  </a:ext>
+                </a:extLst>
+              </p:cNvPr>
+              <p:cNvSpPr txBox="1"/>
+              <p:nvPr/>
+            </p:nvSpPr>
+            <p:spPr>
+              <a:xfrm>
+                <a:off x="10931358" y="14520057"/>
+                <a:ext cx="1908789" cy="830997"/>
+              </a:xfrm>
+              <a:prstGeom prst="rect">
+                <a:avLst/>
+              </a:prstGeom>
+              <a:noFill/>
+            </p:spPr>
+            <p:txBody>
+              <a:bodyPr wrap="square" rtlCol="0">
+                <a:spAutoFit/>
+              </a:bodyPr>
+              <a:lstStyle/>
+              <a:p>
+                <a:r>
+                  <a:rPr lang="en-US" sz="2400" dirty="0"/>
+                  <a:t>Ray-finned</a:t>
+                </a:r>
+              </a:p>
+              <a:p>
+                <a:r>
+                  <a:rPr lang="en-US" sz="2400" dirty="0"/>
+                  <a:t>fish</a:t>
+                </a:r>
+              </a:p>
+            </p:txBody>
+          </p:sp>
+          <p:sp>
+            <p:nvSpPr>
+              <p:cNvPr id="57" name="TextBox 56">
+                <a:extLst>
+                  <a:ext uri="{FF2B5EF4-FFF2-40B4-BE49-F238E27FC236}">
+                    <a16:creationId xmlns:a16="http://schemas.microsoft.com/office/drawing/2014/main" id="{BEFBD81A-940F-4CFE-495A-57FD54DA434C}"/>
+                  </a:ext>
+                </a:extLst>
+              </p:cNvPr>
+              <p:cNvSpPr txBox="1"/>
+              <p:nvPr/>
+            </p:nvSpPr>
+            <p:spPr>
+              <a:xfrm>
+                <a:off x="11767332" y="14844939"/>
+                <a:ext cx="3035300" cy="461665"/>
+              </a:xfrm>
+              <a:prstGeom prst="rect">
+                <a:avLst/>
+              </a:prstGeom>
+              <a:noFill/>
+            </p:spPr>
+            <p:txBody>
+              <a:bodyPr wrap="square" rtlCol="0">
+                <a:spAutoFit/>
+              </a:bodyPr>
+              <a:lstStyle/>
+              <a:p>
+                <a:pPr algn="ctr"/>
+                <a:r>
+                  <a:rPr lang="en-US" sz="2400" dirty="0"/>
+                  <a:t>Reptiles</a:t>
+                </a:r>
+              </a:p>
+            </p:txBody>
+          </p:sp>
+          <p:sp>
+            <p:nvSpPr>
+              <p:cNvPr id="58" name="Left Brace 57">
+                <a:extLst>
+                  <a:ext uri="{FF2B5EF4-FFF2-40B4-BE49-F238E27FC236}">
+                    <a16:creationId xmlns:a16="http://schemas.microsoft.com/office/drawing/2014/main" id="{890432E8-D333-71DA-6E0D-47EB31FBEFC2}"/>
+                  </a:ext>
+                </a:extLst>
+              </p:cNvPr>
+              <p:cNvSpPr/>
+              <p:nvPr/>
+            </p:nvSpPr>
+            <p:spPr>
+              <a:xfrm rot="5400000">
+                <a:off x="11401888" y="15067163"/>
+                <a:ext cx="236604" cy="872648"/>
+              </a:xfrm>
+              <a:prstGeom prst="leftBrace">
+                <a:avLst>
+                  <a:gd name="adj1" fmla="val 35744"/>
+                  <a:gd name="adj2" fmla="val 50000"/>
+                </a:avLst>
+              </a:prstGeom>
+              <a:ln/>
+              <a:effectLst/>
+            </p:spPr>
+            <p:style>
+              <a:lnRef idx="2">
+                <a:schemeClr val="dk1"/>
+              </a:lnRef>
+              <a:fillRef idx="0">
+                <a:schemeClr val="dk1"/>
+              </a:fillRef>
+              <a:effectRef idx="1">
+                <a:schemeClr val="dk1"/>
+              </a:effectRef>
+              <a:fontRef idx="minor">
+                <a:schemeClr val="tx1"/>
+              </a:fontRef>
+            </p:style>
+            <p:txBody>
+              <a:bodyPr rtlCol="0" anchor="ctr"/>
+              <a:lstStyle>
+                <a:defPPr marR="0" lvl="0" algn="l" rtl="0">
+                  <a:lnSpc>
+                    <a:spcPct val="100000"/>
+                  </a:lnSpc>
+                  <a:spcBef>
+                    <a:spcPts val="0"/>
+                  </a:spcBef>
+                  <a:spcAft>
+                    <a:spcPts val="0"/>
+                  </a:spcAft>
+                </a:defPPr>
+                <a:lvl1pPr marR="0" lvl="0" algn="l" rtl="0">
+                  <a:lnSpc>
+                    <a:spcPct val="100000"/>
+                  </a:lnSpc>
+                  <a:spcBef>
+                    <a:spcPts val="0"/>
+                  </a:spcBef>
+                  <a:spcAft>
+                    <a:spcPts val="0"/>
+                  </a:spcAft>
+                  <a:buClr>
+                    <a:srgbClr val="000000"/>
+                  </a:buClr>
+                  <a:buFont typeface="Arial"/>
+                  <a:defRPr sz="1400" b="0" i="0" u="none" strike="noStrike" cap="none">
+                    <a:solidFill>
+                      <a:schemeClr val="tx1"/>
+                    </a:solidFill>
+                    <a:latin typeface="+mn-lt"/>
+                    <a:ea typeface="+mn-ea"/>
+                    <a:cs typeface="+mn-cs"/>
+                    <a:sym typeface="Arial"/>
+                  </a:defRPr>
+                </a:lvl1pPr>
+                <a:lvl2pPr marR="0" lvl="1" algn="l" rtl="0">
+                  <a:lnSpc>
+                    <a:spcPct val="100000"/>
+                  </a:lnSpc>
+                  <a:spcBef>
+                    <a:spcPts val="0"/>
+                  </a:spcBef>
+                  <a:spcAft>
+                    <a:spcPts val="0"/>
+                  </a:spcAft>
+                  <a:buClr>
+                    <a:srgbClr val="000000"/>
+                  </a:buClr>
+                  <a:buFont typeface="Arial"/>
+                  <a:defRPr sz="1400" b="0" i="0" u="none" strike="noStrike" cap="none">
+                    <a:solidFill>
+                      <a:schemeClr val="tx1"/>
+                    </a:solidFill>
+                    <a:latin typeface="+mn-lt"/>
+                    <a:ea typeface="+mn-ea"/>
+                    <a:cs typeface="+mn-cs"/>
+                    <a:sym typeface="Arial"/>
+                  </a:defRPr>
+                </a:lvl2pPr>
+                <a:lvl3pPr marR="0" lvl="2" algn="l" rtl="0">
+                  <a:lnSpc>
+                    <a:spcPct val="100000"/>
+                  </a:lnSpc>
+                  <a:spcBef>
+                    <a:spcPts val="0"/>
+                  </a:spcBef>
+                  <a:spcAft>
+                    <a:spcPts val="0"/>
+                  </a:spcAft>
+                  <a:buClr>
+                    <a:srgbClr val="000000"/>
+                  </a:buClr>
+                  <a:buFont typeface="Arial"/>
+                  <a:defRPr sz="1400" b="0" i="0" u="none" strike="noStrike" cap="none">
+                    <a:solidFill>
+                      <a:schemeClr val="tx1"/>
+                    </a:solidFill>
+                    <a:latin typeface="+mn-lt"/>
+                    <a:ea typeface="+mn-ea"/>
+                    <a:cs typeface="+mn-cs"/>
+                    <a:sym typeface="Arial"/>
+                  </a:defRPr>
+                </a:lvl3pPr>
+                <a:lvl4pPr marR="0" lvl="3" algn="l" rtl="0">
+                  <a:lnSpc>
+                    <a:spcPct val="100000"/>
+                  </a:lnSpc>
+                  <a:spcBef>
+                    <a:spcPts val="0"/>
+                  </a:spcBef>
+                  <a:spcAft>
+                    <a:spcPts val="0"/>
+                  </a:spcAft>
+                  <a:buClr>
+                    <a:srgbClr val="000000"/>
+                  </a:buClr>
+                  <a:buFont typeface="Arial"/>
+                  <a:defRPr sz="1400" b="0" i="0" u="none" strike="noStrike" cap="none">
+                    <a:solidFill>
+                      <a:schemeClr val="tx1"/>
+                    </a:solidFill>
+                    <a:latin typeface="+mn-lt"/>
+                    <a:ea typeface="+mn-ea"/>
+                    <a:cs typeface="+mn-cs"/>
+                    <a:sym typeface="Arial"/>
+                  </a:defRPr>
+                </a:lvl4pPr>
+                <a:lvl5pPr marR="0" lvl="4" algn="l" rtl="0">
+                  <a:lnSpc>
+                    <a:spcPct val="100000"/>
+                  </a:lnSpc>
+                  <a:spcBef>
+                    <a:spcPts val="0"/>
+                  </a:spcBef>
+                  <a:spcAft>
+                    <a:spcPts val="0"/>
+                  </a:spcAft>
+                  <a:buClr>
+                    <a:srgbClr val="000000"/>
+                  </a:buClr>
+                  <a:buFont typeface="Arial"/>
+                  <a:defRPr sz="1400" b="0" i="0" u="none" strike="noStrike" cap="none">
+                    <a:solidFill>
+                      <a:schemeClr val="tx1"/>
+                    </a:solidFill>
+                    <a:latin typeface="+mn-lt"/>
+                    <a:ea typeface="+mn-ea"/>
+                    <a:cs typeface="+mn-cs"/>
+                    <a:sym typeface="Arial"/>
+                  </a:defRPr>
+                </a:lvl5pPr>
+                <a:lvl6pPr marR="0" lvl="5" algn="l" rtl="0">
+                  <a:lnSpc>
+                    <a:spcPct val="100000"/>
+                  </a:lnSpc>
+                  <a:spcBef>
+                    <a:spcPts val="0"/>
+                  </a:spcBef>
+                  <a:spcAft>
+                    <a:spcPts val="0"/>
+                  </a:spcAft>
+                  <a:buClr>
+                    <a:srgbClr val="000000"/>
+                  </a:buClr>
+                  <a:buFont typeface="Arial"/>
+                  <a:defRPr sz="1400" b="0" i="0" u="none" strike="noStrike" cap="none">
+                    <a:solidFill>
+                      <a:schemeClr val="tx1"/>
+                    </a:solidFill>
+                    <a:latin typeface="+mn-lt"/>
+                    <a:ea typeface="+mn-ea"/>
+                    <a:cs typeface="+mn-cs"/>
+                    <a:sym typeface="Arial"/>
+                  </a:defRPr>
+                </a:lvl6pPr>
+                <a:lvl7pPr marR="0" lvl="6" algn="l" rtl="0">
+                  <a:lnSpc>
+                    <a:spcPct val="100000"/>
+                  </a:lnSpc>
+                  <a:spcBef>
+                    <a:spcPts val="0"/>
+                  </a:spcBef>
+                  <a:spcAft>
+                    <a:spcPts val="0"/>
+                  </a:spcAft>
+                  <a:buClr>
+                    <a:srgbClr val="000000"/>
+                  </a:buClr>
+                  <a:buFont typeface="Arial"/>
+                  <a:defRPr sz="1400" b="0" i="0" u="none" strike="noStrike" cap="none">
+                    <a:solidFill>
+                      <a:schemeClr val="tx1"/>
+                    </a:solidFill>
+                    <a:latin typeface="+mn-lt"/>
+                    <a:ea typeface="+mn-ea"/>
+                    <a:cs typeface="+mn-cs"/>
+                    <a:sym typeface="Arial"/>
+                  </a:defRPr>
+                </a:lvl7pPr>
+                <a:lvl8pPr marR="0" lvl="7" algn="l" rtl="0">
+                  <a:lnSpc>
+                    <a:spcPct val="100000"/>
+                  </a:lnSpc>
+                  <a:spcBef>
+                    <a:spcPts val="0"/>
+                  </a:spcBef>
+                  <a:spcAft>
+                    <a:spcPts val="0"/>
+                  </a:spcAft>
+                  <a:buClr>
+                    <a:srgbClr val="000000"/>
+                  </a:buClr>
+                  <a:buFont typeface="Arial"/>
+                  <a:defRPr sz="1400" b="0" i="0" u="none" strike="noStrike" cap="none">
+                    <a:solidFill>
+                      <a:schemeClr val="tx1"/>
+                    </a:solidFill>
+                    <a:latin typeface="+mn-lt"/>
+                    <a:ea typeface="+mn-ea"/>
+                    <a:cs typeface="+mn-cs"/>
+                    <a:sym typeface="Arial"/>
+                  </a:defRPr>
+                </a:lvl8pPr>
+                <a:lvl9pPr marR="0" lvl="8" algn="l" rtl="0">
+                  <a:lnSpc>
+                    <a:spcPct val="100000"/>
+                  </a:lnSpc>
+                  <a:spcBef>
+                    <a:spcPts val="0"/>
+                  </a:spcBef>
+                  <a:spcAft>
+                    <a:spcPts val="0"/>
+                  </a:spcAft>
+                  <a:buClr>
+                    <a:srgbClr val="000000"/>
+                  </a:buClr>
+                  <a:buFont typeface="Arial"/>
+                  <a:defRPr sz="1400" b="0" i="0" u="none" strike="noStrike" cap="none">
+                    <a:solidFill>
+                      <a:schemeClr val="tx1"/>
+                    </a:solidFill>
+                    <a:latin typeface="+mn-lt"/>
+                    <a:ea typeface="+mn-ea"/>
+                    <a:cs typeface="+mn-cs"/>
+                    <a:sym typeface="Arial"/>
+                  </a:defRPr>
+                </a:lvl9pPr>
+              </a:lstStyle>
+              <a:p>
+                <a:pPr algn="ctr"/>
+                <a:endParaRPr lang="en-US">
+                  <a:ln>
+                    <a:solidFill>
+                      <a:schemeClr val="tx1"/>
+                    </a:solidFill>
+                  </a:ln>
+                </a:endParaRPr>
+              </a:p>
+            </p:txBody>
+          </p:sp>
+        </p:grpSp>
         <p:sp>
           <p:nvSpPr>
-            <p:cNvPr id="49" name="Left Brace 48">
+            <p:cNvPr id="2" name="TextBox 1">
               <a:extLst>
                 <a:ext uri="{FF2B5EF4-FFF2-40B4-BE49-F238E27FC236}">
-                  <a16:creationId xmlns:a16="http://schemas.microsoft.com/office/drawing/2014/main" id="{A152576C-F75B-00FD-FD94-D561C534BB76}"/>
-                </a:ext>
-              </a:extLst>
-            </p:cNvPr>
-            <p:cNvSpPr/>
-            <p:nvPr/>
-          </p:nvSpPr>
-          <p:spPr>
-            <a:xfrm rot="5400000">
-              <a:off x="8155833" y="14743692"/>
-              <a:ext cx="236606" cy="1519591"/>
-            </a:xfrm>
-            <a:prstGeom prst="leftBrace">
-              <a:avLst>
-                <a:gd name="adj1" fmla="val 35744"/>
-                <a:gd name="adj2" fmla="val 50000"/>
-              </a:avLst>
-            </a:prstGeom>
-            <a:ln/>
-            <a:effectLst/>
-          </p:spPr>
-          <p:style>
-            <a:lnRef idx="2">
-              <a:schemeClr val="dk1"/>
-            </a:lnRef>
-            <a:fillRef idx="0">
-              <a:schemeClr val="dk1"/>
-            </a:fillRef>
-            <a:effectRef idx="1">
-              <a:schemeClr val="dk1"/>
-            </a:effectRef>
-            <a:fontRef idx="minor">
-              <a:schemeClr val="tx1"/>
-            </a:fontRef>
-          </p:style>
-          <p:txBody>
-            <a:bodyPr rtlCol="0" anchor="ctr"/>
-            <a:lstStyle>
-              <a:defPPr marR="0" lvl="0" algn="l" rtl="0">
-                <a:lnSpc>
-                  <a:spcPct val="100000"/>
-                </a:lnSpc>
-                <a:spcBef>
-                  <a:spcPts val="0"/>
-                </a:spcBef>
-                <a:spcAft>
-                  <a:spcPts val="0"/>
-                </a:spcAft>
-              </a:defPPr>
-              <a:lvl1pPr marR="0" lvl="0" algn="l" rtl="0">
-                <a:lnSpc>
-                  <a:spcPct val="100000"/>
-                </a:lnSpc>
-                <a:spcBef>
-                  <a:spcPts val="0"/>
-                </a:spcBef>
-                <a:spcAft>
-                  <a:spcPts val="0"/>
-                </a:spcAft>
-                <a:buClr>
-                  <a:srgbClr val="000000"/>
-                </a:buClr>
-                <a:buFont typeface="Arial"/>
-                <a:defRPr sz="1400" b="0" i="0" u="none" strike="noStrike" cap="none">
-                  <a:solidFill>
-                    <a:schemeClr val="tx1"/>
-                  </a:solidFill>
-                  <a:latin typeface="+mn-lt"/>
-                  <a:ea typeface="+mn-ea"/>
-                  <a:cs typeface="+mn-cs"/>
-                  <a:sym typeface="Arial"/>
-                </a:defRPr>
-              </a:lvl1pPr>
-              <a:lvl2pPr marR="0" lvl="1" algn="l" rtl="0">
-                <a:lnSpc>
-                  <a:spcPct val="100000"/>
-                </a:lnSpc>
-                <a:spcBef>
-                  <a:spcPts val="0"/>
-                </a:spcBef>
-                <a:spcAft>
-                  <a:spcPts val="0"/>
-                </a:spcAft>
-                <a:buClr>
-                  <a:srgbClr val="000000"/>
-                </a:buClr>
-                <a:buFont typeface="Arial"/>
-                <a:defRPr sz="1400" b="0" i="0" u="none" strike="noStrike" cap="none">
-                  <a:solidFill>
-                    <a:schemeClr val="tx1"/>
-                  </a:solidFill>
-                  <a:latin typeface="+mn-lt"/>
-                  <a:ea typeface="+mn-ea"/>
-                  <a:cs typeface="+mn-cs"/>
-                  <a:sym typeface="Arial"/>
-                </a:defRPr>
-              </a:lvl2pPr>
-              <a:lvl3pPr marR="0" lvl="2" algn="l" rtl="0">
-                <a:lnSpc>
-                  <a:spcPct val="100000"/>
-                </a:lnSpc>
-                <a:spcBef>
-                  <a:spcPts val="0"/>
-                </a:spcBef>
-                <a:spcAft>
-                  <a:spcPts val="0"/>
-                </a:spcAft>
-                <a:buClr>
-                  <a:srgbClr val="000000"/>
-                </a:buClr>
-                <a:buFont typeface="Arial"/>
-                <a:defRPr sz="1400" b="0" i="0" u="none" strike="noStrike" cap="none">
-                  <a:solidFill>
-                    <a:schemeClr val="tx1"/>
-                  </a:solidFill>
-                  <a:latin typeface="+mn-lt"/>
-                  <a:ea typeface="+mn-ea"/>
-                  <a:cs typeface="+mn-cs"/>
-                  <a:sym typeface="Arial"/>
-                </a:defRPr>
-              </a:lvl3pPr>
-              <a:lvl4pPr marR="0" lvl="3" algn="l" rtl="0">
-                <a:lnSpc>
-                  <a:spcPct val="100000"/>
-                </a:lnSpc>
-                <a:spcBef>
-                  <a:spcPts val="0"/>
-                </a:spcBef>
-                <a:spcAft>
-                  <a:spcPts val="0"/>
-                </a:spcAft>
-                <a:buClr>
-                  <a:srgbClr val="000000"/>
-                </a:buClr>
-                <a:buFont typeface="Arial"/>
-                <a:defRPr sz="1400" b="0" i="0" u="none" strike="noStrike" cap="none">
-                  <a:solidFill>
-                    <a:schemeClr val="tx1"/>
-                  </a:solidFill>
-                  <a:latin typeface="+mn-lt"/>
-                  <a:ea typeface="+mn-ea"/>
-                  <a:cs typeface="+mn-cs"/>
-                  <a:sym typeface="Arial"/>
-                </a:defRPr>
-              </a:lvl4pPr>
-              <a:lvl5pPr marR="0" lvl="4" algn="l" rtl="0">
-                <a:lnSpc>
-                  <a:spcPct val="100000"/>
-                </a:lnSpc>
-                <a:spcBef>
-                  <a:spcPts val="0"/>
-                </a:spcBef>
-                <a:spcAft>
-                  <a:spcPts val="0"/>
-                </a:spcAft>
-                <a:buClr>
-                  <a:srgbClr val="000000"/>
-                </a:buClr>
-                <a:buFont typeface="Arial"/>
-                <a:defRPr sz="1400" b="0" i="0" u="none" strike="noStrike" cap="none">
-                  <a:solidFill>
-                    <a:schemeClr val="tx1"/>
-                  </a:solidFill>
-                  <a:latin typeface="+mn-lt"/>
-                  <a:ea typeface="+mn-ea"/>
-                  <a:cs typeface="+mn-cs"/>
-                  <a:sym typeface="Arial"/>
-                </a:defRPr>
-              </a:lvl5pPr>
-              <a:lvl6pPr marR="0" lvl="5" algn="l" rtl="0">
-                <a:lnSpc>
-                  <a:spcPct val="100000"/>
-                </a:lnSpc>
-                <a:spcBef>
-                  <a:spcPts val="0"/>
-                </a:spcBef>
-                <a:spcAft>
-                  <a:spcPts val="0"/>
-                </a:spcAft>
-                <a:buClr>
-                  <a:srgbClr val="000000"/>
-                </a:buClr>
-                <a:buFont typeface="Arial"/>
-                <a:defRPr sz="1400" b="0" i="0" u="none" strike="noStrike" cap="none">
-                  <a:solidFill>
-                    <a:schemeClr val="tx1"/>
-                  </a:solidFill>
-                  <a:latin typeface="+mn-lt"/>
-                  <a:ea typeface="+mn-ea"/>
-                  <a:cs typeface="+mn-cs"/>
-                  <a:sym typeface="Arial"/>
-                </a:defRPr>
-              </a:lvl6pPr>
-              <a:lvl7pPr marR="0" lvl="6" algn="l" rtl="0">
-                <a:lnSpc>
-                  <a:spcPct val="100000"/>
-                </a:lnSpc>
-                <a:spcBef>
-                  <a:spcPts val="0"/>
-                </a:spcBef>
-                <a:spcAft>
-                  <a:spcPts val="0"/>
-                </a:spcAft>
-                <a:buClr>
-                  <a:srgbClr val="000000"/>
-                </a:buClr>
-                <a:buFont typeface="Arial"/>
-                <a:defRPr sz="1400" b="0" i="0" u="none" strike="noStrike" cap="none">
-                  <a:solidFill>
-                    <a:schemeClr val="tx1"/>
-                  </a:solidFill>
-                  <a:latin typeface="+mn-lt"/>
-                  <a:ea typeface="+mn-ea"/>
-                  <a:cs typeface="+mn-cs"/>
-                  <a:sym typeface="Arial"/>
-                </a:defRPr>
-              </a:lvl7pPr>
-              <a:lvl8pPr marR="0" lvl="7" algn="l" rtl="0">
-                <a:lnSpc>
-                  <a:spcPct val="100000"/>
-                </a:lnSpc>
-                <a:spcBef>
-                  <a:spcPts val="0"/>
-                </a:spcBef>
-                <a:spcAft>
-                  <a:spcPts val="0"/>
-                </a:spcAft>
-                <a:buClr>
-                  <a:srgbClr val="000000"/>
-                </a:buClr>
-                <a:buFont typeface="Arial"/>
-                <a:defRPr sz="1400" b="0" i="0" u="none" strike="noStrike" cap="none">
-                  <a:solidFill>
-                    <a:schemeClr val="tx1"/>
-                  </a:solidFill>
-                  <a:latin typeface="+mn-lt"/>
-                  <a:ea typeface="+mn-ea"/>
-                  <a:cs typeface="+mn-cs"/>
-                  <a:sym typeface="Arial"/>
-                </a:defRPr>
-              </a:lvl8pPr>
-              <a:lvl9pPr marR="0" lvl="8" algn="l" rtl="0">
-                <a:lnSpc>
-                  <a:spcPct val="100000"/>
-                </a:lnSpc>
-                <a:spcBef>
-                  <a:spcPts val="0"/>
-                </a:spcBef>
-                <a:spcAft>
-                  <a:spcPts val="0"/>
-                </a:spcAft>
-                <a:buClr>
-                  <a:srgbClr val="000000"/>
-                </a:buClr>
-                <a:buFont typeface="Arial"/>
-                <a:defRPr sz="1400" b="0" i="0" u="none" strike="noStrike" cap="none">
-                  <a:solidFill>
-                    <a:schemeClr val="tx1"/>
-                  </a:solidFill>
-                  <a:latin typeface="+mn-lt"/>
-                  <a:ea typeface="+mn-ea"/>
-                  <a:cs typeface="+mn-cs"/>
-                  <a:sym typeface="Arial"/>
-                </a:defRPr>
-              </a:lvl9pPr>
-            </a:lstStyle>
-            <a:p>
-              <a:pPr algn="ctr"/>
-              <a:endParaRPr lang="en-US">
-                <a:ln>
-                  <a:solidFill>
-                    <a:schemeClr val="tx1"/>
-                  </a:solidFill>
-                </a:ln>
-              </a:endParaRPr>
-            </a:p>
-          </p:txBody>
-        </p:sp>
-        <p:sp>
-          <p:nvSpPr>
-            <p:cNvPr id="51" name="Left Brace 50">
-              <a:extLst>
-                <a:ext uri="{FF2B5EF4-FFF2-40B4-BE49-F238E27FC236}">
-                  <a16:creationId xmlns:a16="http://schemas.microsoft.com/office/drawing/2014/main" id="{EF32D247-5165-5D77-9141-42289F3160EA}"/>
-                </a:ext>
-              </a:extLst>
-            </p:cNvPr>
-            <p:cNvSpPr/>
-            <p:nvPr/>
-          </p:nvSpPr>
-          <p:spPr>
-            <a:xfrm rot="5400000">
-              <a:off x="13204502" y="15053144"/>
-              <a:ext cx="236604" cy="900692"/>
-            </a:xfrm>
-            <a:prstGeom prst="leftBrace">
-              <a:avLst>
-                <a:gd name="adj1" fmla="val 35744"/>
-                <a:gd name="adj2" fmla="val 50000"/>
-              </a:avLst>
-            </a:prstGeom>
-            <a:ln/>
-            <a:effectLst/>
-          </p:spPr>
-          <p:style>
-            <a:lnRef idx="2">
-              <a:schemeClr val="dk1"/>
-            </a:lnRef>
-            <a:fillRef idx="0">
-              <a:schemeClr val="dk1"/>
-            </a:fillRef>
-            <a:effectRef idx="1">
-              <a:schemeClr val="dk1"/>
-            </a:effectRef>
-            <a:fontRef idx="minor">
-              <a:schemeClr val="tx1"/>
-            </a:fontRef>
-          </p:style>
-          <p:txBody>
-            <a:bodyPr rtlCol="0" anchor="ctr"/>
-            <a:lstStyle>
-              <a:defPPr marR="0" lvl="0" algn="l" rtl="0">
-                <a:lnSpc>
-                  <a:spcPct val="100000"/>
-                </a:lnSpc>
-                <a:spcBef>
-                  <a:spcPts val="0"/>
-                </a:spcBef>
-                <a:spcAft>
-                  <a:spcPts val="0"/>
-                </a:spcAft>
-              </a:defPPr>
-              <a:lvl1pPr marR="0" lvl="0" algn="l" rtl="0">
-                <a:lnSpc>
-                  <a:spcPct val="100000"/>
-                </a:lnSpc>
-                <a:spcBef>
-                  <a:spcPts val="0"/>
-                </a:spcBef>
-                <a:spcAft>
-                  <a:spcPts val="0"/>
-                </a:spcAft>
-                <a:buClr>
-                  <a:srgbClr val="000000"/>
-                </a:buClr>
-                <a:buFont typeface="Arial"/>
-                <a:defRPr sz="1400" b="0" i="0" u="none" strike="noStrike" cap="none">
-                  <a:solidFill>
-                    <a:schemeClr val="tx1"/>
-                  </a:solidFill>
-                  <a:latin typeface="+mn-lt"/>
-                  <a:ea typeface="+mn-ea"/>
-                  <a:cs typeface="+mn-cs"/>
-                  <a:sym typeface="Arial"/>
-                </a:defRPr>
-              </a:lvl1pPr>
-              <a:lvl2pPr marR="0" lvl="1" algn="l" rtl="0">
-                <a:lnSpc>
-                  <a:spcPct val="100000"/>
-                </a:lnSpc>
-                <a:spcBef>
-                  <a:spcPts val="0"/>
-                </a:spcBef>
-                <a:spcAft>
-                  <a:spcPts val="0"/>
-                </a:spcAft>
-                <a:buClr>
-                  <a:srgbClr val="000000"/>
-                </a:buClr>
-                <a:buFont typeface="Arial"/>
-                <a:defRPr sz="1400" b="0" i="0" u="none" strike="noStrike" cap="none">
-                  <a:solidFill>
-                    <a:schemeClr val="tx1"/>
-                  </a:solidFill>
-                  <a:latin typeface="+mn-lt"/>
-                  <a:ea typeface="+mn-ea"/>
-                  <a:cs typeface="+mn-cs"/>
-                  <a:sym typeface="Arial"/>
-                </a:defRPr>
-              </a:lvl2pPr>
-              <a:lvl3pPr marR="0" lvl="2" algn="l" rtl="0">
-                <a:lnSpc>
-                  <a:spcPct val="100000"/>
-                </a:lnSpc>
-                <a:spcBef>
-                  <a:spcPts val="0"/>
-                </a:spcBef>
-                <a:spcAft>
-                  <a:spcPts val="0"/>
-                </a:spcAft>
-                <a:buClr>
-                  <a:srgbClr val="000000"/>
-                </a:buClr>
-                <a:buFont typeface="Arial"/>
-                <a:defRPr sz="1400" b="0" i="0" u="none" strike="noStrike" cap="none">
-                  <a:solidFill>
-                    <a:schemeClr val="tx1"/>
-                  </a:solidFill>
-                  <a:latin typeface="+mn-lt"/>
-                  <a:ea typeface="+mn-ea"/>
-                  <a:cs typeface="+mn-cs"/>
-                  <a:sym typeface="Arial"/>
-                </a:defRPr>
-              </a:lvl3pPr>
-              <a:lvl4pPr marR="0" lvl="3" algn="l" rtl="0">
-                <a:lnSpc>
-                  <a:spcPct val="100000"/>
-                </a:lnSpc>
-                <a:spcBef>
-                  <a:spcPts val="0"/>
-                </a:spcBef>
-                <a:spcAft>
-                  <a:spcPts val="0"/>
-                </a:spcAft>
-                <a:buClr>
-                  <a:srgbClr val="000000"/>
-                </a:buClr>
-                <a:buFont typeface="Arial"/>
-                <a:defRPr sz="1400" b="0" i="0" u="none" strike="noStrike" cap="none">
-                  <a:solidFill>
-                    <a:schemeClr val="tx1"/>
-                  </a:solidFill>
-                  <a:latin typeface="+mn-lt"/>
-                  <a:ea typeface="+mn-ea"/>
-                  <a:cs typeface="+mn-cs"/>
-                  <a:sym typeface="Arial"/>
-                </a:defRPr>
-              </a:lvl4pPr>
-              <a:lvl5pPr marR="0" lvl="4" algn="l" rtl="0">
-                <a:lnSpc>
-                  <a:spcPct val="100000"/>
-                </a:lnSpc>
-                <a:spcBef>
-                  <a:spcPts val="0"/>
-                </a:spcBef>
-                <a:spcAft>
-                  <a:spcPts val="0"/>
-                </a:spcAft>
-                <a:buClr>
-                  <a:srgbClr val="000000"/>
-                </a:buClr>
-                <a:buFont typeface="Arial"/>
-                <a:defRPr sz="1400" b="0" i="0" u="none" strike="noStrike" cap="none">
-                  <a:solidFill>
-                    <a:schemeClr val="tx1"/>
-                  </a:solidFill>
-                  <a:latin typeface="+mn-lt"/>
-                  <a:ea typeface="+mn-ea"/>
-                  <a:cs typeface="+mn-cs"/>
-                  <a:sym typeface="Arial"/>
-                </a:defRPr>
-              </a:lvl5pPr>
-              <a:lvl6pPr marR="0" lvl="5" algn="l" rtl="0">
-                <a:lnSpc>
-                  <a:spcPct val="100000"/>
-                </a:lnSpc>
-                <a:spcBef>
-                  <a:spcPts val="0"/>
-                </a:spcBef>
-                <a:spcAft>
-                  <a:spcPts val="0"/>
-                </a:spcAft>
-                <a:buClr>
-                  <a:srgbClr val="000000"/>
-                </a:buClr>
-                <a:buFont typeface="Arial"/>
-                <a:defRPr sz="1400" b="0" i="0" u="none" strike="noStrike" cap="none">
-                  <a:solidFill>
-                    <a:schemeClr val="tx1"/>
-                  </a:solidFill>
-                  <a:latin typeface="+mn-lt"/>
-                  <a:ea typeface="+mn-ea"/>
-                  <a:cs typeface="+mn-cs"/>
-                  <a:sym typeface="Arial"/>
-                </a:defRPr>
-              </a:lvl6pPr>
-              <a:lvl7pPr marR="0" lvl="6" algn="l" rtl="0">
-                <a:lnSpc>
-                  <a:spcPct val="100000"/>
-                </a:lnSpc>
-                <a:spcBef>
-                  <a:spcPts val="0"/>
-                </a:spcBef>
-                <a:spcAft>
-                  <a:spcPts val="0"/>
-                </a:spcAft>
-                <a:buClr>
-                  <a:srgbClr val="000000"/>
-                </a:buClr>
-                <a:buFont typeface="Arial"/>
-                <a:defRPr sz="1400" b="0" i="0" u="none" strike="noStrike" cap="none">
-                  <a:solidFill>
-                    <a:schemeClr val="tx1"/>
-                  </a:solidFill>
-                  <a:latin typeface="+mn-lt"/>
-                  <a:ea typeface="+mn-ea"/>
-                  <a:cs typeface="+mn-cs"/>
-                  <a:sym typeface="Arial"/>
-                </a:defRPr>
-              </a:lvl7pPr>
-              <a:lvl8pPr marR="0" lvl="7" algn="l" rtl="0">
-                <a:lnSpc>
-                  <a:spcPct val="100000"/>
-                </a:lnSpc>
-                <a:spcBef>
-                  <a:spcPts val="0"/>
-                </a:spcBef>
-                <a:spcAft>
-                  <a:spcPts val="0"/>
-                </a:spcAft>
-                <a:buClr>
-                  <a:srgbClr val="000000"/>
-                </a:buClr>
-                <a:buFont typeface="Arial"/>
-                <a:defRPr sz="1400" b="0" i="0" u="none" strike="noStrike" cap="none">
-                  <a:solidFill>
-                    <a:schemeClr val="tx1"/>
-                  </a:solidFill>
-                  <a:latin typeface="+mn-lt"/>
-                  <a:ea typeface="+mn-ea"/>
-                  <a:cs typeface="+mn-cs"/>
-                  <a:sym typeface="Arial"/>
-                </a:defRPr>
-              </a:lvl8pPr>
-              <a:lvl9pPr marR="0" lvl="8" algn="l" rtl="0">
-                <a:lnSpc>
-                  <a:spcPct val="100000"/>
-                </a:lnSpc>
-                <a:spcBef>
-                  <a:spcPts val="0"/>
-                </a:spcBef>
-                <a:spcAft>
-                  <a:spcPts val="0"/>
-                </a:spcAft>
-                <a:buClr>
-                  <a:srgbClr val="000000"/>
-                </a:buClr>
-                <a:buFont typeface="Arial"/>
-                <a:defRPr sz="1400" b="0" i="0" u="none" strike="noStrike" cap="none">
-                  <a:solidFill>
-                    <a:schemeClr val="tx1"/>
-                  </a:solidFill>
-                  <a:latin typeface="+mn-lt"/>
-                  <a:ea typeface="+mn-ea"/>
-                  <a:cs typeface="+mn-cs"/>
-                  <a:sym typeface="Arial"/>
-                </a:defRPr>
-              </a:lvl9pPr>
-            </a:lstStyle>
-            <a:p>
-              <a:pPr algn="ctr"/>
-              <a:endParaRPr lang="en-US">
-                <a:ln>
-                  <a:solidFill>
-                    <a:schemeClr val="tx1"/>
-                  </a:solidFill>
-                </a:ln>
-              </a:endParaRPr>
-            </a:p>
-          </p:txBody>
-        </p:sp>
-        <p:cxnSp>
-          <p:nvCxnSpPr>
-            <p:cNvPr id="52" name="Straight Connector 51">
-              <a:extLst>
-                <a:ext uri="{FF2B5EF4-FFF2-40B4-BE49-F238E27FC236}">
-                  <a16:creationId xmlns:a16="http://schemas.microsoft.com/office/drawing/2014/main" id="{92C5FB0B-15C3-7441-7A71-26D3CE0909A0}"/>
-                </a:ext>
-              </a:extLst>
-            </p:cNvPr>
-            <p:cNvCxnSpPr>
-              <a:cxnSpLocks/>
-            </p:cNvCxnSpPr>
-            <p:nvPr/>
-          </p:nvCxnSpPr>
-          <p:spPr>
-            <a:xfrm>
-              <a:off x="10071545" y="15354321"/>
-              <a:ext cx="0" cy="267470"/>
-            </a:xfrm>
-            <a:prstGeom prst="line">
-              <a:avLst/>
-            </a:prstGeom>
-            <a:effectLst/>
-          </p:spPr>
-          <p:style>
-            <a:lnRef idx="2">
-              <a:schemeClr val="dk1"/>
-            </a:lnRef>
-            <a:fillRef idx="0">
-              <a:schemeClr val="dk1"/>
-            </a:fillRef>
-            <a:effectRef idx="1">
-              <a:schemeClr val="dk1"/>
-            </a:effectRef>
-            <a:fontRef idx="minor">
-              <a:schemeClr val="tx1"/>
-            </a:fontRef>
-          </p:style>
-        </p:cxnSp>
-        <p:sp>
-          <p:nvSpPr>
-            <p:cNvPr id="54" name="TextBox 53">
-              <a:extLst>
-                <a:ext uri="{FF2B5EF4-FFF2-40B4-BE49-F238E27FC236}">
-                  <a16:creationId xmlns:a16="http://schemas.microsoft.com/office/drawing/2014/main" id="{E23C93D1-3BD0-7EC3-0205-AF180D86EC7F}"/>
+                  <a16:creationId xmlns:a16="http://schemas.microsoft.com/office/drawing/2014/main" id="{B143E952-F531-BF43-F2BA-C51CC54C44F7}"/>
                 </a:ext>
               </a:extLst>
             </p:cNvPr>
@@ -13294,8 +13747,8 @@
           </p:nvSpPr>
           <p:spPr>
             <a:xfrm>
-              <a:off x="6739146" y="14845795"/>
-              <a:ext cx="3035300" cy="461665"/>
+              <a:off x="22593391" y="17133290"/>
+              <a:ext cx="1996452" cy="830997"/>
             </a:xfrm>
             <a:prstGeom prst="rect">
               <a:avLst/>
@@ -13311,414 +13764,53 @@
               <a:pPr algn="ctr"/>
               <a:r>
                 <a:rPr lang="en-US" sz="2400" dirty="0"/>
-                <a:t>All clades</a:t>
+                <a:t>Variable importance</a:t>
               </a:r>
             </a:p>
           </p:txBody>
         </p:sp>
-        <p:sp>
-          <p:nvSpPr>
-            <p:cNvPr id="55" name="TextBox 54">
-              <a:extLst>
-                <a:ext uri="{FF2B5EF4-FFF2-40B4-BE49-F238E27FC236}">
-                  <a16:creationId xmlns:a16="http://schemas.microsoft.com/office/drawing/2014/main" id="{B5E417E1-8757-6B95-4812-2137C912B799}"/>
-                </a:ext>
-              </a:extLst>
-            </p:cNvPr>
-            <p:cNvSpPr txBox="1"/>
-            <p:nvPr/>
-          </p:nvSpPr>
-          <p:spPr>
-            <a:xfrm>
-              <a:off x="8554473" y="14844940"/>
-              <a:ext cx="3035300" cy="461665"/>
-            </a:xfrm>
-            <a:prstGeom prst="rect">
-              <a:avLst/>
-            </a:prstGeom>
-            <a:noFill/>
-          </p:spPr>
-          <p:txBody>
-            <a:bodyPr wrap="square" rtlCol="0">
-              <a:spAutoFit/>
-            </a:bodyPr>
-            <a:lstStyle/>
-            <a:p>
-              <a:pPr algn="ctr"/>
-              <a:r>
-                <a:rPr lang="en-US" sz="2400" dirty="0"/>
-                <a:t>Mammals</a:t>
-              </a:r>
-            </a:p>
-          </p:txBody>
-        </p:sp>
-        <p:sp>
-          <p:nvSpPr>
-            <p:cNvPr id="56" name="TextBox 55">
-              <a:extLst>
-                <a:ext uri="{FF2B5EF4-FFF2-40B4-BE49-F238E27FC236}">
-                  <a16:creationId xmlns:a16="http://schemas.microsoft.com/office/drawing/2014/main" id="{C6117BF5-AD0E-1A08-F90C-8D69C58F36E4}"/>
-                </a:ext>
-              </a:extLst>
-            </p:cNvPr>
-            <p:cNvSpPr txBox="1"/>
-            <p:nvPr/>
-          </p:nvSpPr>
-          <p:spPr>
-            <a:xfrm>
-              <a:off x="10931358" y="14520057"/>
-              <a:ext cx="1908789" cy="830997"/>
-            </a:xfrm>
-            <a:prstGeom prst="rect">
-              <a:avLst/>
-            </a:prstGeom>
-            <a:noFill/>
-          </p:spPr>
-          <p:txBody>
-            <a:bodyPr wrap="square" rtlCol="0">
-              <a:spAutoFit/>
-            </a:bodyPr>
-            <a:lstStyle/>
-            <a:p>
-              <a:r>
-                <a:rPr lang="en-US" sz="2400" dirty="0"/>
-                <a:t>Ray-finned</a:t>
-              </a:r>
-            </a:p>
-            <a:p>
-              <a:r>
-                <a:rPr lang="en-US" sz="2400" dirty="0"/>
-                <a:t>fish</a:t>
-              </a:r>
-            </a:p>
-          </p:txBody>
-        </p:sp>
-        <p:sp>
-          <p:nvSpPr>
-            <p:cNvPr id="57" name="TextBox 56">
-              <a:extLst>
-                <a:ext uri="{FF2B5EF4-FFF2-40B4-BE49-F238E27FC236}">
-                  <a16:creationId xmlns:a16="http://schemas.microsoft.com/office/drawing/2014/main" id="{BEFBD81A-940F-4CFE-495A-57FD54DA434C}"/>
-                </a:ext>
-              </a:extLst>
-            </p:cNvPr>
-            <p:cNvSpPr txBox="1"/>
-            <p:nvPr/>
-          </p:nvSpPr>
-          <p:spPr>
-            <a:xfrm>
-              <a:off x="11767332" y="14844939"/>
-              <a:ext cx="3035300" cy="461665"/>
-            </a:xfrm>
-            <a:prstGeom prst="rect">
-              <a:avLst/>
-            </a:prstGeom>
-            <a:noFill/>
-          </p:spPr>
-          <p:txBody>
-            <a:bodyPr wrap="square" rtlCol="0">
-              <a:spAutoFit/>
-            </a:bodyPr>
-            <a:lstStyle/>
-            <a:p>
-              <a:pPr algn="ctr"/>
-              <a:r>
-                <a:rPr lang="en-US" sz="2400" dirty="0"/>
-                <a:t>Reptiles</a:t>
-              </a:r>
-            </a:p>
-          </p:txBody>
-        </p:sp>
-        <p:sp>
-          <p:nvSpPr>
-            <p:cNvPr id="58" name="Left Brace 57">
-              <a:extLst>
-                <a:ext uri="{FF2B5EF4-FFF2-40B4-BE49-F238E27FC236}">
-                  <a16:creationId xmlns:a16="http://schemas.microsoft.com/office/drawing/2014/main" id="{890432E8-D333-71DA-6E0D-47EB31FBEFC2}"/>
-                </a:ext>
-              </a:extLst>
-            </p:cNvPr>
-            <p:cNvSpPr/>
-            <p:nvPr/>
-          </p:nvSpPr>
-          <p:spPr>
-            <a:xfrm rot="5400000">
-              <a:off x="11401888" y="15067163"/>
-              <a:ext cx="236604" cy="872648"/>
-            </a:xfrm>
-            <a:prstGeom prst="leftBrace">
-              <a:avLst>
-                <a:gd name="adj1" fmla="val 35744"/>
-                <a:gd name="adj2" fmla="val 50000"/>
-              </a:avLst>
-            </a:prstGeom>
-            <a:ln/>
-            <a:effectLst/>
-          </p:spPr>
-          <p:style>
-            <a:lnRef idx="2">
-              <a:schemeClr val="dk1"/>
-            </a:lnRef>
-            <a:fillRef idx="0">
-              <a:schemeClr val="dk1"/>
-            </a:fillRef>
-            <a:effectRef idx="1">
-              <a:schemeClr val="dk1"/>
-            </a:effectRef>
-            <a:fontRef idx="minor">
-              <a:schemeClr val="tx1"/>
-            </a:fontRef>
-          </p:style>
-          <p:txBody>
-            <a:bodyPr rtlCol="0" anchor="ctr"/>
-            <a:lstStyle>
-              <a:defPPr marR="0" lvl="0" algn="l" rtl="0">
-                <a:lnSpc>
-                  <a:spcPct val="100000"/>
-                </a:lnSpc>
-                <a:spcBef>
-                  <a:spcPts val="0"/>
-                </a:spcBef>
-                <a:spcAft>
-                  <a:spcPts val="0"/>
-                </a:spcAft>
-              </a:defPPr>
-              <a:lvl1pPr marR="0" lvl="0" algn="l" rtl="0">
-                <a:lnSpc>
-                  <a:spcPct val="100000"/>
-                </a:lnSpc>
-                <a:spcBef>
-                  <a:spcPts val="0"/>
-                </a:spcBef>
-                <a:spcAft>
-                  <a:spcPts val="0"/>
-                </a:spcAft>
-                <a:buClr>
-                  <a:srgbClr val="000000"/>
-                </a:buClr>
-                <a:buFont typeface="Arial"/>
-                <a:defRPr sz="1400" b="0" i="0" u="none" strike="noStrike" cap="none">
-                  <a:solidFill>
-                    <a:schemeClr val="tx1"/>
-                  </a:solidFill>
-                  <a:latin typeface="+mn-lt"/>
-                  <a:ea typeface="+mn-ea"/>
-                  <a:cs typeface="+mn-cs"/>
-                  <a:sym typeface="Arial"/>
-                </a:defRPr>
-              </a:lvl1pPr>
-              <a:lvl2pPr marR="0" lvl="1" algn="l" rtl="0">
-                <a:lnSpc>
-                  <a:spcPct val="100000"/>
-                </a:lnSpc>
-                <a:spcBef>
-                  <a:spcPts val="0"/>
-                </a:spcBef>
-                <a:spcAft>
-                  <a:spcPts val="0"/>
-                </a:spcAft>
-                <a:buClr>
-                  <a:srgbClr val="000000"/>
-                </a:buClr>
-                <a:buFont typeface="Arial"/>
-                <a:defRPr sz="1400" b="0" i="0" u="none" strike="noStrike" cap="none">
-                  <a:solidFill>
-                    <a:schemeClr val="tx1"/>
-                  </a:solidFill>
-                  <a:latin typeface="+mn-lt"/>
-                  <a:ea typeface="+mn-ea"/>
-                  <a:cs typeface="+mn-cs"/>
-                  <a:sym typeface="Arial"/>
-                </a:defRPr>
-              </a:lvl2pPr>
-              <a:lvl3pPr marR="0" lvl="2" algn="l" rtl="0">
-                <a:lnSpc>
-                  <a:spcPct val="100000"/>
-                </a:lnSpc>
-                <a:spcBef>
-                  <a:spcPts val="0"/>
-                </a:spcBef>
-                <a:spcAft>
-                  <a:spcPts val="0"/>
-                </a:spcAft>
-                <a:buClr>
-                  <a:srgbClr val="000000"/>
-                </a:buClr>
-                <a:buFont typeface="Arial"/>
-                <a:defRPr sz="1400" b="0" i="0" u="none" strike="noStrike" cap="none">
-                  <a:solidFill>
-                    <a:schemeClr val="tx1"/>
-                  </a:solidFill>
-                  <a:latin typeface="+mn-lt"/>
-                  <a:ea typeface="+mn-ea"/>
-                  <a:cs typeface="+mn-cs"/>
-                  <a:sym typeface="Arial"/>
-                </a:defRPr>
-              </a:lvl3pPr>
-              <a:lvl4pPr marR="0" lvl="3" algn="l" rtl="0">
-                <a:lnSpc>
-                  <a:spcPct val="100000"/>
-                </a:lnSpc>
-                <a:spcBef>
-                  <a:spcPts val="0"/>
-                </a:spcBef>
-                <a:spcAft>
-                  <a:spcPts val="0"/>
-                </a:spcAft>
-                <a:buClr>
-                  <a:srgbClr val="000000"/>
-                </a:buClr>
-                <a:buFont typeface="Arial"/>
-                <a:defRPr sz="1400" b="0" i="0" u="none" strike="noStrike" cap="none">
-                  <a:solidFill>
-                    <a:schemeClr val="tx1"/>
-                  </a:solidFill>
-                  <a:latin typeface="+mn-lt"/>
-                  <a:ea typeface="+mn-ea"/>
-                  <a:cs typeface="+mn-cs"/>
-                  <a:sym typeface="Arial"/>
-                </a:defRPr>
-              </a:lvl4pPr>
-              <a:lvl5pPr marR="0" lvl="4" algn="l" rtl="0">
-                <a:lnSpc>
-                  <a:spcPct val="100000"/>
-                </a:lnSpc>
-                <a:spcBef>
-                  <a:spcPts val="0"/>
-                </a:spcBef>
-                <a:spcAft>
-                  <a:spcPts val="0"/>
-                </a:spcAft>
-                <a:buClr>
-                  <a:srgbClr val="000000"/>
-                </a:buClr>
-                <a:buFont typeface="Arial"/>
-                <a:defRPr sz="1400" b="0" i="0" u="none" strike="noStrike" cap="none">
-                  <a:solidFill>
-                    <a:schemeClr val="tx1"/>
-                  </a:solidFill>
-                  <a:latin typeface="+mn-lt"/>
-                  <a:ea typeface="+mn-ea"/>
-                  <a:cs typeface="+mn-cs"/>
-                  <a:sym typeface="Arial"/>
-                </a:defRPr>
-              </a:lvl5pPr>
-              <a:lvl6pPr marR="0" lvl="5" algn="l" rtl="0">
-                <a:lnSpc>
-                  <a:spcPct val="100000"/>
-                </a:lnSpc>
-                <a:spcBef>
-                  <a:spcPts val="0"/>
-                </a:spcBef>
-                <a:spcAft>
-                  <a:spcPts val="0"/>
-                </a:spcAft>
-                <a:buClr>
-                  <a:srgbClr val="000000"/>
-                </a:buClr>
-                <a:buFont typeface="Arial"/>
-                <a:defRPr sz="1400" b="0" i="0" u="none" strike="noStrike" cap="none">
-                  <a:solidFill>
-                    <a:schemeClr val="tx1"/>
-                  </a:solidFill>
-                  <a:latin typeface="+mn-lt"/>
-                  <a:ea typeface="+mn-ea"/>
-                  <a:cs typeface="+mn-cs"/>
-                  <a:sym typeface="Arial"/>
-                </a:defRPr>
-              </a:lvl6pPr>
-              <a:lvl7pPr marR="0" lvl="6" algn="l" rtl="0">
-                <a:lnSpc>
-                  <a:spcPct val="100000"/>
-                </a:lnSpc>
-                <a:spcBef>
-                  <a:spcPts val="0"/>
-                </a:spcBef>
-                <a:spcAft>
-                  <a:spcPts val="0"/>
-                </a:spcAft>
-                <a:buClr>
-                  <a:srgbClr val="000000"/>
-                </a:buClr>
-                <a:buFont typeface="Arial"/>
-                <a:defRPr sz="1400" b="0" i="0" u="none" strike="noStrike" cap="none">
-                  <a:solidFill>
-                    <a:schemeClr val="tx1"/>
-                  </a:solidFill>
-                  <a:latin typeface="+mn-lt"/>
-                  <a:ea typeface="+mn-ea"/>
-                  <a:cs typeface="+mn-cs"/>
-                  <a:sym typeface="Arial"/>
-                </a:defRPr>
-              </a:lvl7pPr>
-              <a:lvl8pPr marR="0" lvl="7" algn="l" rtl="0">
-                <a:lnSpc>
-                  <a:spcPct val="100000"/>
-                </a:lnSpc>
-                <a:spcBef>
-                  <a:spcPts val="0"/>
-                </a:spcBef>
-                <a:spcAft>
-                  <a:spcPts val="0"/>
-                </a:spcAft>
-                <a:buClr>
-                  <a:srgbClr val="000000"/>
-                </a:buClr>
-                <a:buFont typeface="Arial"/>
-                <a:defRPr sz="1400" b="0" i="0" u="none" strike="noStrike" cap="none">
-                  <a:solidFill>
-                    <a:schemeClr val="tx1"/>
-                  </a:solidFill>
-                  <a:latin typeface="+mn-lt"/>
-                  <a:ea typeface="+mn-ea"/>
-                  <a:cs typeface="+mn-cs"/>
-                  <a:sym typeface="Arial"/>
-                </a:defRPr>
-              </a:lvl8pPr>
-              <a:lvl9pPr marR="0" lvl="8" algn="l" rtl="0">
-                <a:lnSpc>
-                  <a:spcPct val="100000"/>
-                </a:lnSpc>
-                <a:spcBef>
-                  <a:spcPts val="0"/>
-                </a:spcBef>
-                <a:spcAft>
-                  <a:spcPts val="0"/>
-                </a:spcAft>
-                <a:buClr>
-                  <a:srgbClr val="000000"/>
-                </a:buClr>
-                <a:buFont typeface="Arial"/>
-                <a:defRPr sz="1400" b="0" i="0" u="none" strike="noStrike" cap="none">
-                  <a:solidFill>
-                    <a:schemeClr val="tx1"/>
-                  </a:solidFill>
-                  <a:latin typeface="+mn-lt"/>
-                  <a:ea typeface="+mn-ea"/>
-                  <a:cs typeface="+mn-cs"/>
-                  <a:sym typeface="Arial"/>
-                </a:defRPr>
-              </a:lvl9pPr>
-            </a:lstStyle>
-            <a:p>
-              <a:pPr algn="ctr"/>
-              <a:endParaRPr lang="en-US">
-                <a:ln>
-                  <a:solidFill>
-                    <a:schemeClr val="tx1"/>
-                  </a:solidFill>
-                </a:ln>
-              </a:endParaRPr>
-            </a:p>
-          </p:txBody>
-        </p:sp>
       </p:grpSp>
+      <p:pic>
+        <p:nvPicPr>
+          <p:cNvPr id="9" name="Graphic 8">
+            <a:extLst>
+              <a:ext uri="{FF2B5EF4-FFF2-40B4-BE49-F238E27FC236}">
+                <a16:creationId xmlns:a16="http://schemas.microsoft.com/office/drawing/2014/main" id="{E6D644AE-C0E2-FFF6-6964-302B27E1C63E}"/>
+              </a:ext>
+            </a:extLst>
+          </p:cNvPr>
+          <p:cNvPicPr>
+            <a:picLocks noChangeAspect="1"/>
+          </p:cNvPicPr>
+          <p:nvPr/>
+        </p:nvPicPr>
+        <p:blipFill>
+          <a:blip r:embed="rId4">
+            <a:extLst>
+              <a:ext uri="{96DAC541-7B7A-43D3-8B79-37D633B846F1}">
+                <asvg:svgBlip xmlns:asvg="http://schemas.microsoft.com/office/drawing/2016/SVG/main" r:embed="rId5"/>
+              </a:ext>
+            </a:extLst>
+          </a:blip>
+          <a:srcRect t="13127" b="31737"/>
+          <a:stretch/>
+        </p:blipFill>
+        <p:spPr>
+          <a:xfrm>
+            <a:off x="4738347" y="11691258"/>
+            <a:ext cx="27099305" cy="10507262"/>
+          </a:xfrm>
+          <a:prstGeom prst="rect">
+            <a:avLst/>
+          </a:prstGeom>
+        </p:spPr>
+      </p:pic>
       <p:sp>
         <p:nvSpPr>
-          <p:cNvPr id="2" name="TextBox 1">
+          <p:cNvPr id="10" name="TextBox 9">
             <a:extLst>
               <a:ext uri="{FF2B5EF4-FFF2-40B4-BE49-F238E27FC236}">
-                <a16:creationId xmlns:a16="http://schemas.microsoft.com/office/drawing/2014/main" id="{B143E952-F531-BF43-F2BA-C51CC54C44F7}"/>
+                <a16:creationId xmlns:a16="http://schemas.microsoft.com/office/drawing/2014/main" id="{AF9CE0A9-5A18-AB0A-5FDC-3B31DEBF3A87}"/>
               </a:ext>
             </a:extLst>
           </p:cNvPr>
@@ -13726,9 +13818,9 @@
           <p:nvPr/>
         </p:nvSpPr>
         <p:spPr>
-          <a:xfrm>
-            <a:off x="22593391" y="17133290"/>
-            <a:ext cx="1996452" cy="830997"/>
+          <a:xfrm rot="18855518">
+            <a:off x="-166994" y="25778884"/>
+            <a:ext cx="11469949" cy="1015663"/>
           </a:xfrm>
           <a:prstGeom prst="rect">
             <a:avLst/>
@@ -13741,10 +13833,262 @@
           </a:bodyPr>
           <a:lstStyle/>
           <a:p>
-            <a:pPr algn="ctr"/>
+            <a:pPr algn="r"/>
             <a:r>
-              <a:rPr lang="en-US" sz="2400" dirty="0"/>
-              <a:t>Variable importance</a:t>
+              <a:rPr lang="en-US" sz="6000" dirty="0"/>
+              <a:t>Sine age</a:t>
+            </a:r>
+          </a:p>
+        </p:txBody>
+      </p:sp>
+      <p:sp>
+        <p:nvSpPr>
+          <p:cNvPr id="11" name="TextBox 10">
+            <a:extLst>
+              <a:ext uri="{FF2B5EF4-FFF2-40B4-BE49-F238E27FC236}">
+                <a16:creationId xmlns:a16="http://schemas.microsoft.com/office/drawing/2014/main" id="{1BE49D9F-F672-F6CB-1F62-2FA5E7D2BE5D}"/>
+              </a:ext>
+            </a:extLst>
+          </p:cNvPr>
+          <p:cNvSpPr txBox="1"/>
+          <p:nvPr/>
+        </p:nvSpPr>
+        <p:spPr>
+          <a:xfrm rot="18855518">
+            <a:off x="1468765" y="25778884"/>
+            <a:ext cx="11469949" cy="1015663"/>
+          </a:xfrm>
+          <a:prstGeom prst="rect">
+            <a:avLst/>
+          </a:prstGeom>
+          <a:noFill/>
+        </p:spPr>
+        <p:txBody>
+          <a:bodyPr wrap="square" rtlCol="0">
+            <a:spAutoFit/>
+          </a:bodyPr>
+          <a:lstStyle/>
+          <a:p>
+            <a:pPr algn="r"/>
+            <a:r>
+              <a:rPr lang="en-US" sz="6000" dirty="0"/>
+              <a:t>Unknown age</a:t>
+            </a:r>
+          </a:p>
+        </p:txBody>
+      </p:sp>
+      <p:sp>
+        <p:nvSpPr>
+          <p:cNvPr id="12" name="TextBox 11">
+            <a:extLst>
+              <a:ext uri="{FF2B5EF4-FFF2-40B4-BE49-F238E27FC236}">
+                <a16:creationId xmlns:a16="http://schemas.microsoft.com/office/drawing/2014/main" id="{2B39F5A1-F7D6-6E6E-F19E-11A585CFCDA6}"/>
+              </a:ext>
+            </a:extLst>
+          </p:cNvPr>
+          <p:cNvSpPr txBox="1"/>
+          <p:nvPr/>
+        </p:nvSpPr>
+        <p:spPr>
+          <a:xfrm rot="18855518">
+            <a:off x="3104524" y="25778884"/>
+            <a:ext cx="11469949" cy="1015663"/>
+          </a:xfrm>
+          <a:prstGeom prst="rect">
+            <a:avLst/>
+          </a:prstGeom>
+          <a:noFill/>
+        </p:spPr>
+        <p:txBody>
+          <a:bodyPr wrap="square" rtlCol="0">
+            <a:spAutoFit/>
+          </a:bodyPr>
+          <a:lstStyle/>
+          <a:p>
+            <a:pPr algn="r"/>
+            <a:r>
+              <a:rPr lang="en-US" sz="6000" dirty="0"/>
+              <a:t>DNA age x prop.</a:t>
+            </a:r>
+          </a:p>
+        </p:txBody>
+      </p:sp>
+      <p:sp>
+        <p:nvSpPr>
+          <p:cNvPr id="13" name="TextBox 12">
+            <a:extLst>
+              <a:ext uri="{FF2B5EF4-FFF2-40B4-BE49-F238E27FC236}">
+                <a16:creationId xmlns:a16="http://schemas.microsoft.com/office/drawing/2014/main" id="{7A4009D3-0FD7-E42C-EA14-9F4968AD1878}"/>
+              </a:ext>
+            </a:extLst>
+          </p:cNvPr>
+          <p:cNvSpPr txBox="1"/>
+          <p:nvPr/>
+        </p:nvSpPr>
+        <p:spPr>
+          <a:xfrm rot="18855518">
+            <a:off x="6077028" y="25778883"/>
+            <a:ext cx="11469949" cy="1015663"/>
+          </a:xfrm>
+          <a:prstGeom prst="rect">
+            <a:avLst/>
+          </a:prstGeom>
+          <a:noFill/>
+        </p:spPr>
+        <p:txBody>
+          <a:bodyPr wrap="square" rtlCol="0">
+            <a:spAutoFit/>
+          </a:bodyPr>
+          <a:lstStyle/>
+          <a:p>
+            <a:pPr algn="r"/>
+            <a:r>
+              <a:rPr lang="en-US" sz="6000" dirty="0"/>
+              <a:t>SINE age x prop.</a:t>
+            </a:r>
+          </a:p>
+        </p:txBody>
+      </p:sp>
+      <p:sp>
+        <p:nvSpPr>
+          <p:cNvPr id="14" name="TextBox 13">
+            <a:extLst>
+              <a:ext uri="{FF2B5EF4-FFF2-40B4-BE49-F238E27FC236}">
+                <a16:creationId xmlns:a16="http://schemas.microsoft.com/office/drawing/2014/main" id="{111CAFED-A3A5-F9F2-B246-4D0413DAA16F}"/>
+              </a:ext>
+            </a:extLst>
+          </p:cNvPr>
+          <p:cNvSpPr txBox="1"/>
+          <p:nvPr/>
+        </p:nvSpPr>
+        <p:spPr>
+          <a:xfrm rot="18855518">
+            <a:off x="9067966" y="25778881"/>
+            <a:ext cx="11469949" cy="1015663"/>
+          </a:xfrm>
+          <a:prstGeom prst="rect">
+            <a:avLst/>
+          </a:prstGeom>
+          <a:noFill/>
+        </p:spPr>
+        <p:txBody>
+          <a:bodyPr wrap="square" rtlCol="0">
+            <a:spAutoFit/>
+          </a:bodyPr>
+          <a:lstStyle/>
+          <a:p>
+            <a:pPr algn="r"/>
+            <a:r>
+              <a:rPr lang="en-US" sz="6000" dirty="0"/>
+              <a:t>SINE proportion</a:t>
+            </a:r>
+          </a:p>
+        </p:txBody>
+      </p:sp>
+      <p:sp>
+        <p:nvSpPr>
+          <p:cNvPr id="15" name="TextBox 14">
+            <a:extLst>
+              <a:ext uri="{FF2B5EF4-FFF2-40B4-BE49-F238E27FC236}">
+                <a16:creationId xmlns:a16="http://schemas.microsoft.com/office/drawing/2014/main" id="{B14FFE83-B160-14B8-3217-0773966BBDE5}"/>
+              </a:ext>
+            </a:extLst>
+          </p:cNvPr>
+          <p:cNvSpPr txBox="1"/>
+          <p:nvPr/>
+        </p:nvSpPr>
+        <p:spPr>
+          <a:xfrm rot="18855518">
+            <a:off x="10703724" y="25778878"/>
+            <a:ext cx="11469949" cy="1015663"/>
+          </a:xfrm>
+          <a:prstGeom prst="rect">
+            <a:avLst/>
+          </a:prstGeom>
+          <a:noFill/>
+        </p:spPr>
+        <p:txBody>
+          <a:bodyPr wrap="square" rtlCol="0">
+            <a:spAutoFit/>
+          </a:bodyPr>
+          <a:lstStyle/>
+          <a:p>
+            <a:pPr algn="r"/>
+            <a:r>
+              <a:rPr lang="en-US" sz="6000" dirty="0"/>
+              <a:t>Others proportion</a:t>
+            </a:r>
+          </a:p>
+        </p:txBody>
+      </p:sp>
+      <p:sp>
+        <p:nvSpPr>
+          <p:cNvPr id="16" name="TextBox 15">
+            <a:extLst>
+              <a:ext uri="{FF2B5EF4-FFF2-40B4-BE49-F238E27FC236}">
+                <a16:creationId xmlns:a16="http://schemas.microsoft.com/office/drawing/2014/main" id="{53EDF1FD-6700-95A2-C8B0-BF0B8D2C6CDE}"/>
+              </a:ext>
+            </a:extLst>
+          </p:cNvPr>
+          <p:cNvSpPr txBox="1"/>
+          <p:nvPr/>
+        </p:nvSpPr>
+        <p:spPr>
+          <a:xfrm rot="18855518">
+            <a:off x="13670741" y="25778875"/>
+            <a:ext cx="11469949" cy="1015663"/>
+          </a:xfrm>
+          <a:prstGeom prst="rect">
+            <a:avLst/>
+          </a:prstGeom>
+          <a:noFill/>
+        </p:spPr>
+        <p:txBody>
+          <a:bodyPr wrap="square" rtlCol="0">
+            <a:spAutoFit/>
+          </a:bodyPr>
+          <a:lstStyle/>
+          <a:p>
+            <a:pPr algn="r"/>
+            <a:r>
+              <a:rPr lang="en-US" sz="6000" dirty="0"/>
+              <a:t>LTR age</a:t>
+            </a:r>
+          </a:p>
+        </p:txBody>
+      </p:sp>
+      <p:sp>
+        <p:nvSpPr>
+          <p:cNvPr id="17" name="TextBox 16">
+            <a:extLst>
+              <a:ext uri="{FF2B5EF4-FFF2-40B4-BE49-F238E27FC236}">
+                <a16:creationId xmlns:a16="http://schemas.microsoft.com/office/drawing/2014/main" id="{E8903CC0-39F5-14A0-E990-877365983F26}"/>
+              </a:ext>
+            </a:extLst>
+          </p:cNvPr>
+          <p:cNvSpPr txBox="1"/>
+          <p:nvPr/>
+        </p:nvSpPr>
+        <p:spPr>
+          <a:xfrm rot="18855518">
+            <a:off x="15309802" y="25778871"/>
+            <a:ext cx="11469949" cy="1015663"/>
+          </a:xfrm>
+          <a:prstGeom prst="rect">
+            <a:avLst/>
+          </a:prstGeom>
+          <a:noFill/>
+        </p:spPr>
+        <p:txBody>
+          <a:bodyPr wrap="square" rtlCol="0">
+            <a:spAutoFit/>
+          </a:bodyPr>
+          <a:lstStyle/>
+          <a:p>
+            <a:pPr algn="r"/>
+            <a:r>
+              <a:rPr lang="en-US" sz="6000" dirty="0"/>
+              <a:t>Unknown age</a:t>
             </a:r>
           </a:p>
         </p:txBody>

--- a/figures/fig4.pptx
+++ b/figures/fig4.pptx
@@ -5,10 +5,11 @@
     <p:sldMasterId id="2147483648" r:id="rId1"/>
   </p:sldMasterIdLst>
   <p:notesMasterIdLst>
-    <p:notesMasterId r:id="rId3"/>
+    <p:notesMasterId r:id="rId4"/>
   </p:notesMasterIdLst>
   <p:sldIdLst>
     <p:sldId id="256" r:id="rId2"/>
+    <p:sldId id="257" r:id="rId3"/>
   </p:sldIdLst>
   <p:sldSz cx="36576000" cy="32918400"/>
   <p:notesSz cx="7010400" cy="9296400"/>
@@ -12628,10 +12629,10 @@
       </p:grpSpPr>
       <p:grpSp>
         <p:nvGrpSpPr>
-          <p:cNvPr id="3" name="Group 2">
+          <p:cNvPr id="131" name="Group 130">
             <a:extLst>
               <a:ext uri="{FF2B5EF4-FFF2-40B4-BE49-F238E27FC236}">
-                <a16:creationId xmlns:a16="http://schemas.microsoft.com/office/drawing/2014/main" id="{7657A87E-58AD-3D95-23F0-5A8A9ED674DB}"/>
+                <a16:creationId xmlns:a16="http://schemas.microsoft.com/office/drawing/2014/main" id="{C8E67891-9FCD-8E34-9C00-15074446A038}"/>
               </a:ext>
             </a:extLst>
           </p:cNvPr>
@@ -12640,1099 +12641,1078 @@
         </p:nvGrpSpPr>
         <p:grpSpPr>
           <a:xfrm>
-            <a:off x="21947361" y="790268"/>
+            <a:off x="38537190" y="8516924"/>
             <a:ext cx="10700329" cy="7942276"/>
-            <a:chOff x="14058847" y="11766697"/>
+            <a:chOff x="21947361" y="790268"/>
             <a:chExt cx="10700329" cy="7942276"/>
           </a:xfrm>
         </p:grpSpPr>
-        <p:grpSp>
-          <p:nvGrpSpPr>
-            <p:cNvPr id="59" name="Group 58">
+        <p:pic>
+          <p:nvPicPr>
+            <p:cNvPr id="47" name="Picture 46" descr="A comparison of a comparison of a model&#10;&#10;AI-generated content may be incorrect.">
               <a:extLst>
                 <a:ext uri="{FF2B5EF4-FFF2-40B4-BE49-F238E27FC236}">
-                  <a16:creationId xmlns:a16="http://schemas.microsoft.com/office/drawing/2014/main" id="{A946B165-18C3-79F2-0D0C-C1FB5CB1A83C}"/>
+                  <a16:creationId xmlns:a16="http://schemas.microsoft.com/office/drawing/2014/main" id="{800D97E8-AFFB-95B1-6DF5-A8B29BE40239}"/>
                 </a:ext>
               </a:extLst>
             </p:cNvPr>
-            <p:cNvGrpSpPr/>
+            <p:cNvPicPr>
+              <a:picLocks noChangeAspect="1"/>
+            </p:cNvPicPr>
             <p:nvPr/>
-          </p:nvGrpSpPr>
-          <p:grpSpPr>
+          </p:nvPicPr>
+          <p:blipFill>
+            <a:blip r:embed="rId3"/>
+            <a:srcRect t="16391"/>
+            <a:stretch/>
+          </p:blipFill>
+          <p:spPr>
             <a:xfrm>
-              <a:off x="14058847" y="11766697"/>
-              <a:ext cx="10700329" cy="7942276"/>
-              <a:chOff x="5646367" y="14520057"/>
-              <a:chExt cx="10700329" cy="7942276"/>
+              <a:off x="21947361" y="1872564"/>
+              <a:ext cx="10700329" cy="6859980"/>
             </a:xfrm>
-          </p:grpSpPr>
-          <p:pic>
-            <p:nvPicPr>
-              <p:cNvPr id="47" name="Picture 46" descr="A comparison of a comparison of a model&#10;&#10;AI-generated content may be incorrect.">
-                <a:extLst>
-                  <a:ext uri="{FF2B5EF4-FFF2-40B4-BE49-F238E27FC236}">
-                    <a16:creationId xmlns:a16="http://schemas.microsoft.com/office/drawing/2014/main" id="{800D97E8-AFFB-95B1-6DF5-A8B29BE40239}"/>
-                  </a:ext>
-                </a:extLst>
-              </p:cNvPr>
-              <p:cNvPicPr>
-                <a:picLocks noChangeAspect="1"/>
-              </p:cNvPicPr>
-              <p:nvPr/>
-            </p:nvPicPr>
-            <p:blipFill>
-              <a:blip r:embed="rId3"/>
-              <a:srcRect t="16391"/>
-              <a:stretch/>
-            </p:blipFill>
-            <p:spPr>
-              <a:xfrm>
-                <a:off x="5646367" y="15602353"/>
-                <a:ext cx="10700329" cy="6859980"/>
-              </a:xfrm>
-              <a:prstGeom prst="rect">
-                <a:avLst/>
-              </a:prstGeom>
-            </p:spPr>
-          </p:pic>
-          <p:sp>
-            <p:nvSpPr>
-              <p:cNvPr id="49" name="Left Brace 48">
-                <a:extLst>
-                  <a:ext uri="{FF2B5EF4-FFF2-40B4-BE49-F238E27FC236}">
-                    <a16:creationId xmlns:a16="http://schemas.microsoft.com/office/drawing/2014/main" id="{A152576C-F75B-00FD-FD94-D561C534BB76}"/>
-                  </a:ext>
-                </a:extLst>
-              </p:cNvPr>
-              <p:cNvSpPr/>
-              <p:nvPr/>
-            </p:nvSpPr>
-            <p:spPr>
-              <a:xfrm rot="5400000">
-                <a:off x="8155833" y="14743692"/>
-                <a:ext cx="236606" cy="1519591"/>
-              </a:xfrm>
-              <a:prstGeom prst="leftBrace">
-                <a:avLst>
-                  <a:gd name="adj1" fmla="val 35744"/>
-                  <a:gd name="adj2" fmla="val 50000"/>
-                </a:avLst>
-              </a:prstGeom>
-              <a:ln/>
-              <a:effectLst/>
-            </p:spPr>
-            <p:style>
-              <a:lnRef idx="2">
-                <a:schemeClr val="dk1"/>
-              </a:lnRef>
-              <a:fillRef idx="0">
-                <a:schemeClr val="dk1"/>
-              </a:fillRef>
-              <a:effectRef idx="1">
-                <a:schemeClr val="dk1"/>
-              </a:effectRef>
-              <a:fontRef idx="minor">
-                <a:schemeClr val="tx1"/>
-              </a:fontRef>
-            </p:style>
-            <p:txBody>
-              <a:bodyPr rtlCol="0" anchor="ctr"/>
-              <a:lstStyle>
-                <a:defPPr marR="0" lvl="0" algn="l" rtl="0">
-                  <a:lnSpc>
-                    <a:spcPct val="100000"/>
-                  </a:lnSpc>
-                  <a:spcBef>
-                    <a:spcPts val="0"/>
-                  </a:spcBef>
-                  <a:spcAft>
-                    <a:spcPts val="0"/>
-                  </a:spcAft>
-                </a:defPPr>
-                <a:lvl1pPr marR="0" lvl="0" algn="l" rtl="0">
-                  <a:lnSpc>
-                    <a:spcPct val="100000"/>
-                  </a:lnSpc>
-                  <a:spcBef>
-                    <a:spcPts val="0"/>
-                  </a:spcBef>
-                  <a:spcAft>
-                    <a:spcPts val="0"/>
-                  </a:spcAft>
-                  <a:buClr>
-                    <a:srgbClr val="000000"/>
-                  </a:buClr>
-                  <a:buFont typeface="Arial"/>
-                  <a:defRPr sz="1400" b="0" i="0" u="none" strike="noStrike" cap="none">
-                    <a:solidFill>
-                      <a:schemeClr val="tx1"/>
-                    </a:solidFill>
-                    <a:latin typeface="+mn-lt"/>
-                    <a:ea typeface="+mn-ea"/>
-                    <a:cs typeface="+mn-cs"/>
-                    <a:sym typeface="Arial"/>
-                  </a:defRPr>
-                </a:lvl1pPr>
-                <a:lvl2pPr marR="0" lvl="1" algn="l" rtl="0">
-                  <a:lnSpc>
-                    <a:spcPct val="100000"/>
-                  </a:lnSpc>
-                  <a:spcBef>
-                    <a:spcPts val="0"/>
-                  </a:spcBef>
-                  <a:spcAft>
-                    <a:spcPts val="0"/>
-                  </a:spcAft>
-                  <a:buClr>
-                    <a:srgbClr val="000000"/>
-                  </a:buClr>
-                  <a:buFont typeface="Arial"/>
-                  <a:defRPr sz="1400" b="0" i="0" u="none" strike="noStrike" cap="none">
-                    <a:solidFill>
-                      <a:schemeClr val="tx1"/>
-                    </a:solidFill>
-                    <a:latin typeface="+mn-lt"/>
-                    <a:ea typeface="+mn-ea"/>
-                    <a:cs typeface="+mn-cs"/>
-                    <a:sym typeface="Arial"/>
-                  </a:defRPr>
-                </a:lvl2pPr>
-                <a:lvl3pPr marR="0" lvl="2" algn="l" rtl="0">
-                  <a:lnSpc>
-                    <a:spcPct val="100000"/>
-                  </a:lnSpc>
-                  <a:spcBef>
-                    <a:spcPts val="0"/>
-                  </a:spcBef>
-                  <a:spcAft>
-                    <a:spcPts val="0"/>
-                  </a:spcAft>
-                  <a:buClr>
-                    <a:srgbClr val="000000"/>
-                  </a:buClr>
-                  <a:buFont typeface="Arial"/>
-                  <a:defRPr sz="1400" b="0" i="0" u="none" strike="noStrike" cap="none">
-                    <a:solidFill>
-                      <a:schemeClr val="tx1"/>
-                    </a:solidFill>
-                    <a:latin typeface="+mn-lt"/>
-                    <a:ea typeface="+mn-ea"/>
-                    <a:cs typeface="+mn-cs"/>
-                    <a:sym typeface="Arial"/>
-                  </a:defRPr>
-                </a:lvl3pPr>
-                <a:lvl4pPr marR="0" lvl="3" algn="l" rtl="0">
-                  <a:lnSpc>
-                    <a:spcPct val="100000"/>
-                  </a:lnSpc>
-                  <a:spcBef>
-                    <a:spcPts val="0"/>
-                  </a:spcBef>
-                  <a:spcAft>
-                    <a:spcPts val="0"/>
-                  </a:spcAft>
-                  <a:buClr>
-                    <a:srgbClr val="000000"/>
-                  </a:buClr>
-                  <a:buFont typeface="Arial"/>
-                  <a:defRPr sz="1400" b="0" i="0" u="none" strike="noStrike" cap="none">
-                    <a:solidFill>
-                      <a:schemeClr val="tx1"/>
-                    </a:solidFill>
-                    <a:latin typeface="+mn-lt"/>
-                    <a:ea typeface="+mn-ea"/>
-                    <a:cs typeface="+mn-cs"/>
-                    <a:sym typeface="Arial"/>
-                  </a:defRPr>
-                </a:lvl4pPr>
-                <a:lvl5pPr marR="0" lvl="4" algn="l" rtl="0">
-                  <a:lnSpc>
-                    <a:spcPct val="100000"/>
-                  </a:lnSpc>
-                  <a:spcBef>
-                    <a:spcPts val="0"/>
-                  </a:spcBef>
-                  <a:spcAft>
-                    <a:spcPts val="0"/>
-                  </a:spcAft>
-                  <a:buClr>
-                    <a:srgbClr val="000000"/>
-                  </a:buClr>
-                  <a:buFont typeface="Arial"/>
-                  <a:defRPr sz="1400" b="0" i="0" u="none" strike="noStrike" cap="none">
-                    <a:solidFill>
-                      <a:schemeClr val="tx1"/>
-                    </a:solidFill>
-                    <a:latin typeface="+mn-lt"/>
-                    <a:ea typeface="+mn-ea"/>
-                    <a:cs typeface="+mn-cs"/>
-                    <a:sym typeface="Arial"/>
-                  </a:defRPr>
-                </a:lvl5pPr>
-                <a:lvl6pPr marR="0" lvl="5" algn="l" rtl="0">
-                  <a:lnSpc>
-                    <a:spcPct val="100000"/>
-                  </a:lnSpc>
-                  <a:spcBef>
-                    <a:spcPts val="0"/>
-                  </a:spcBef>
-                  <a:spcAft>
-                    <a:spcPts val="0"/>
-                  </a:spcAft>
-                  <a:buClr>
-                    <a:srgbClr val="000000"/>
-                  </a:buClr>
-                  <a:buFont typeface="Arial"/>
-                  <a:defRPr sz="1400" b="0" i="0" u="none" strike="noStrike" cap="none">
-                    <a:solidFill>
-                      <a:schemeClr val="tx1"/>
-                    </a:solidFill>
-                    <a:latin typeface="+mn-lt"/>
-                    <a:ea typeface="+mn-ea"/>
-                    <a:cs typeface="+mn-cs"/>
-                    <a:sym typeface="Arial"/>
-                  </a:defRPr>
-                </a:lvl6pPr>
-                <a:lvl7pPr marR="0" lvl="6" algn="l" rtl="0">
-                  <a:lnSpc>
-                    <a:spcPct val="100000"/>
-                  </a:lnSpc>
-                  <a:spcBef>
-                    <a:spcPts val="0"/>
-                  </a:spcBef>
-                  <a:spcAft>
-                    <a:spcPts val="0"/>
-                  </a:spcAft>
-                  <a:buClr>
-                    <a:srgbClr val="000000"/>
-                  </a:buClr>
-                  <a:buFont typeface="Arial"/>
-                  <a:defRPr sz="1400" b="0" i="0" u="none" strike="noStrike" cap="none">
-                    <a:solidFill>
-                      <a:schemeClr val="tx1"/>
-                    </a:solidFill>
-                    <a:latin typeface="+mn-lt"/>
-                    <a:ea typeface="+mn-ea"/>
-                    <a:cs typeface="+mn-cs"/>
-                    <a:sym typeface="Arial"/>
-                  </a:defRPr>
-                </a:lvl7pPr>
-                <a:lvl8pPr marR="0" lvl="7" algn="l" rtl="0">
-                  <a:lnSpc>
-                    <a:spcPct val="100000"/>
-                  </a:lnSpc>
-                  <a:spcBef>
-                    <a:spcPts val="0"/>
-                  </a:spcBef>
-                  <a:spcAft>
-                    <a:spcPts val="0"/>
-                  </a:spcAft>
-                  <a:buClr>
-                    <a:srgbClr val="000000"/>
-                  </a:buClr>
-                  <a:buFont typeface="Arial"/>
-                  <a:defRPr sz="1400" b="0" i="0" u="none" strike="noStrike" cap="none">
-                    <a:solidFill>
-                      <a:schemeClr val="tx1"/>
-                    </a:solidFill>
-                    <a:latin typeface="+mn-lt"/>
-                    <a:ea typeface="+mn-ea"/>
-                    <a:cs typeface="+mn-cs"/>
-                    <a:sym typeface="Arial"/>
-                  </a:defRPr>
-                </a:lvl8pPr>
-                <a:lvl9pPr marR="0" lvl="8" algn="l" rtl="0">
-                  <a:lnSpc>
-                    <a:spcPct val="100000"/>
-                  </a:lnSpc>
-                  <a:spcBef>
-                    <a:spcPts val="0"/>
-                  </a:spcBef>
-                  <a:spcAft>
-                    <a:spcPts val="0"/>
-                  </a:spcAft>
-                  <a:buClr>
-                    <a:srgbClr val="000000"/>
-                  </a:buClr>
-                  <a:buFont typeface="Arial"/>
-                  <a:defRPr sz="1400" b="0" i="0" u="none" strike="noStrike" cap="none">
-                    <a:solidFill>
-                      <a:schemeClr val="tx1"/>
-                    </a:solidFill>
-                    <a:latin typeface="+mn-lt"/>
-                    <a:ea typeface="+mn-ea"/>
-                    <a:cs typeface="+mn-cs"/>
-                    <a:sym typeface="Arial"/>
-                  </a:defRPr>
-                </a:lvl9pPr>
-              </a:lstStyle>
-              <a:p>
-                <a:pPr algn="ctr"/>
-                <a:endParaRPr lang="en-US">
-                  <a:ln>
-                    <a:solidFill>
-                      <a:schemeClr val="tx1"/>
-                    </a:solidFill>
-                  </a:ln>
-                </a:endParaRPr>
-              </a:p>
-            </p:txBody>
-          </p:sp>
-          <p:sp>
-            <p:nvSpPr>
-              <p:cNvPr id="51" name="Left Brace 50">
-                <a:extLst>
-                  <a:ext uri="{FF2B5EF4-FFF2-40B4-BE49-F238E27FC236}">
-                    <a16:creationId xmlns:a16="http://schemas.microsoft.com/office/drawing/2014/main" id="{EF32D247-5165-5D77-9141-42289F3160EA}"/>
-                  </a:ext>
-                </a:extLst>
-              </p:cNvPr>
-              <p:cNvSpPr/>
-              <p:nvPr/>
-            </p:nvSpPr>
-            <p:spPr>
-              <a:xfrm rot="5400000">
-                <a:off x="13204502" y="15053144"/>
-                <a:ext cx="236604" cy="900692"/>
-              </a:xfrm>
-              <a:prstGeom prst="leftBrace">
-                <a:avLst>
-                  <a:gd name="adj1" fmla="val 35744"/>
-                  <a:gd name="adj2" fmla="val 50000"/>
-                </a:avLst>
-              </a:prstGeom>
-              <a:ln/>
-              <a:effectLst/>
-            </p:spPr>
-            <p:style>
-              <a:lnRef idx="2">
-                <a:schemeClr val="dk1"/>
-              </a:lnRef>
-              <a:fillRef idx="0">
-                <a:schemeClr val="dk1"/>
-              </a:fillRef>
-              <a:effectRef idx="1">
-                <a:schemeClr val="dk1"/>
-              </a:effectRef>
-              <a:fontRef idx="minor">
-                <a:schemeClr val="tx1"/>
-              </a:fontRef>
-            </p:style>
-            <p:txBody>
-              <a:bodyPr rtlCol="0" anchor="ctr"/>
-              <a:lstStyle>
-                <a:defPPr marR="0" lvl="0" algn="l" rtl="0">
-                  <a:lnSpc>
-                    <a:spcPct val="100000"/>
-                  </a:lnSpc>
-                  <a:spcBef>
-                    <a:spcPts val="0"/>
-                  </a:spcBef>
-                  <a:spcAft>
-                    <a:spcPts val="0"/>
-                  </a:spcAft>
-                </a:defPPr>
-                <a:lvl1pPr marR="0" lvl="0" algn="l" rtl="0">
-                  <a:lnSpc>
-                    <a:spcPct val="100000"/>
-                  </a:lnSpc>
-                  <a:spcBef>
-                    <a:spcPts val="0"/>
-                  </a:spcBef>
-                  <a:spcAft>
-                    <a:spcPts val="0"/>
-                  </a:spcAft>
-                  <a:buClr>
-                    <a:srgbClr val="000000"/>
-                  </a:buClr>
-                  <a:buFont typeface="Arial"/>
-                  <a:defRPr sz="1400" b="0" i="0" u="none" strike="noStrike" cap="none">
-                    <a:solidFill>
-                      <a:schemeClr val="tx1"/>
-                    </a:solidFill>
-                    <a:latin typeface="+mn-lt"/>
-                    <a:ea typeface="+mn-ea"/>
-                    <a:cs typeface="+mn-cs"/>
-                    <a:sym typeface="Arial"/>
-                  </a:defRPr>
-                </a:lvl1pPr>
-                <a:lvl2pPr marR="0" lvl="1" algn="l" rtl="0">
-                  <a:lnSpc>
-                    <a:spcPct val="100000"/>
-                  </a:lnSpc>
-                  <a:spcBef>
-                    <a:spcPts val="0"/>
-                  </a:spcBef>
-                  <a:spcAft>
-                    <a:spcPts val="0"/>
-                  </a:spcAft>
-                  <a:buClr>
-                    <a:srgbClr val="000000"/>
-                  </a:buClr>
-                  <a:buFont typeface="Arial"/>
-                  <a:defRPr sz="1400" b="0" i="0" u="none" strike="noStrike" cap="none">
-                    <a:solidFill>
-                      <a:schemeClr val="tx1"/>
-                    </a:solidFill>
-                    <a:latin typeface="+mn-lt"/>
-                    <a:ea typeface="+mn-ea"/>
-                    <a:cs typeface="+mn-cs"/>
-                    <a:sym typeface="Arial"/>
-                  </a:defRPr>
-                </a:lvl2pPr>
-                <a:lvl3pPr marR="0" lvl="2" algn="l" rtl="0">
-                  <a:lnSpc>
-                    <a:spcPct val="100000"/>
-                  </a:lnSpc>
-                  <a:spcBef>
-                    <a:spcPts val="0"/>
-                  </a:spcBef>
-                  <a:spcAft>
-                    <a:spcPts val="0"/>
-                  </a:spcAft>
-                  <a:buClr>
-                    <a:srgbClr val="000000"/>
-                  </a:buClr>
-                  <a:buFont typeface="Arial"/>
-                  <a:defRPr sz="1400" b="0" i="0" u="none" strike="noStrike" cap="none">
-                    <a:solidFill>
-                      <a:schemeClr val="tx1"/>
-                    </a:solidFill>
-                    <a:latin typeface="+mn-lt"/>
-                    <a:ea typeface="+mn-ea"/>
-                    <a:cs typeface="+mn-cs"/>
-                    <a:sym typeface="Arial"/>
-                  </a:defRPr>
-                </a:lvl3pPr>
-                <a:lvl4pPr marR="0" lvl="3" algn="l" rtl="0">
-                  <a:lnSpc>
-                    <a:spcPct val="100000"/>
-                  </a:lnSpc>
-                  <a:spcBef>
-                    <a:spcPts val="0"/>
-                  </a:spcBef>
-                  <a:spcAft>
-                    <a:spcPts val="0"/>
-                  </a:spcAft>
-                  <a:buClr>
-                    <a:srgbClr val="000000"/>
-                  </a:buClr>
-                  <a:buFont typeface="Arial"/>
-                  <a:defRPr sz="1400" b="0" i="0" u="none" strike="noStrike" cap="none">
-                    <a:solidFill>
-                      <a:schemeClr val="tx1"/>
-                    </a:solidFill>
-                    <a:latin typeface="+mn-lt"/>
-                    <a:ea typeface="+mn-ea"/>
-                    <a:cs typeface="+mn-cs"/>
-                    <a:sym typeface="Arial"/>
-                  </a:defRPr>
-                </a:lvl4pPr>
-                <a:lvl5pPr marR="0" lvl="4" algn="l" rtl="0">
-                  <a:lnSpc>
-                    <a:spcPct val="100000"/>
-                  </a:lnSpc>
-                  <a:spcBef>
-                    <a:spcPts val="0"/>
-                  </a:spcBef>
-                  <a:spcAft>
-                    <a:spcPts val="0"/>
-                  </a:spcAft>
-                  <a:buClr>
-                    <a:srgbClr val="000000"/>
-                  </a:buClr>
-                  <a:buFont typeface="Arial"/>
-                  <a:defRPr sz="1400" b="0" i="0" u="none" strike="noStrike" cap="none">
-                    <a:solidFill>
-                      <a:schemeClr val="tx1"/>
-                    </a:solidFill>
-                    <a:latin typeface="+mn-lt"/>
-                    <a:ea typeface="+mn-ea"/>
-                    <a:cs typeface="+mn-cs"/>
-                    <a:sym typeface="Arial"/>
-                  </a:defRPr>
-                </a:lvl5pPr>
-                <a:lvl6pPr marR="0" lvl="5" algn="l" rtl="0">
-                  <a:lnSpc>
-                    <a:spcPct val="100000"/>
-                  </a:lnSpc>
-                  <a:spcBef>
-                    <a:spcPts val="0"/>
-                  </a:spcBef>
-                  <a:spcAft>
-                    <a:spcPts val="0"/>
-                  </a:spcAft>
-                  <a:buClr>
-                    <a:srgbClr val="000000"/>
-                  </a:buClr>
-                  <a:buFont typeface="Arial"/>
-                  <a:defRPr sz="1400" b="0" i="0" u="none" strike="noStrike" cap="none">
-                    <a:solidFill>
-                      <a:schemeClr val="tx1"/>
-                    </a:solidFill>
-                    <a:latin typeface="+mn-lt"/>
-                    <a:ea typeface="+mn-ea"/>
-                    <a:cs typeface="+mn-cs"/>
-                    <a:sym typeface="Arial"/>
-                  </a:defRPr>
-                </a:lvl6pPr>
-                <a:lvl7pPr marR="0" lvl="6" algn="l" rtl="0">
-                  <a:lnSpc>
-                    <a:spcPct val="100000"/>
-                  </a:lnSpc>
-                  <a:spcBef>
-                    <a:spcPts val="0"/>
-                  </a:spcBef>
-                  <a:spcAft>
-                    <a:spcPts val="0"/>
-                  </a:spcAft>
-                  <a:buClr>
-                    <a:srgbClr val="000000"/>
-                  </a:buClr>
-                  <a:buFont typeface="Arial"/>
-                  <a:defRPr sz="1400" b="0" i="0" u="none" strike="noStrike" cap="none">
-                    <a:solidFill>
-                      <a:schemeClr val="tx1"/>
-                    </a:solidFill>
-                    <a:latin typeface="+mn-lt"/>
-                    <a:ea typeface="+mn-ea"/>
-                    <a:cs typeface="+mn-cs"/>
-                    <a:sym typeface="Arial"/>
-                  </a:defRPr>
-                </a:lvl7pPr>
-                <a:lvl8pPr marR="0" lvl="7" algn="l" rtl="0">
-                  <a:lnSpc>
-                    <a:spcPct val="100000"/>
-                  </a:lnSpc>
-                  <a:spcBef>
-                    <a:spcPts val="0"/>
-                  </a:spcBef>
-                  <a:spcAft>
-                    <a:spcPts val="0"/>
-                  </a:spcAft>
-                  <a:buClr>
-                    <a:srgbClr val="000000"/>
-                  </a:buClr>
-                  <a:buFont typeface="Arial"/>
-                  <a:defRPr sz="1400" b="0" i="0" u="none" strike="noStrike" cap="none">
-                    <a:solidFill>
-                      <a:schemeClr val="tx1"/>
-                    </a:solidFill>
-                    <a:latin typeface="+mn-lt"/>
-                    <a:ea typeface="+mn-ea"/>
-                    <a:cs typeface="+mn-cs"/>
-                    <a:sym typeface="Arial"/>
-                  </a:defRPr>
-                </a:lvl8pPr>
-                <a:lvl9pPr marR="0" lvl="8" algn="l" rtl="0">
-                  <a:lnSpc>
-                    <a:spcPct val="100000"/>
-                  </a:lnSpc>
-                  <a:spcBef>
-                    <a:spcPts val="0"/>
-                  </a:spcBef>
-                  <a:spcAft>
-                    <a:spcPts val="0"/>
-                  </a:spcAft>
-                  <a:buClr>
-                    <a:srgbClr val="000000"/>
-                  </a:buClr>
-                  <a:buFont typeface="Arial"/>
-                  <a:defRPr sz="1400" b="0" i="0" u="none" strike="noStrike" cap="none">
-                    <a:solidFill>
-                      <a:schemeClr val="tx1"/>
-                    </a:solidFill>
-                    <a:latin typeface="+mn-lt"/>
-                    <a:ea typeface="+mn-ea"/>
-                    <a:cs typeface="+mn-cs"/>
-                    <a:sym typeface="Arial"/>
-                  </a:defRPr>
-                </a:lvl9pPr>
-              </a:lstStyle>
-              <a:p>
-                <a:pPr algn="ctr"/>
-                <a:endParaRPr lang="en-US">
-                  <a:ln>
-                    <a:solidFill>
-                      <a:schemeClr val="tx1"/>
-                    </a:solidFill>
-                  </a:ln>
-                </a:endParaRPr>
-              </a:p>
-            </p:txBody>
-          </p:sp>
-          <p:cxnSp>
-            <p:nvCxnSpPr>
-              <p:cNvPr id="52" name="Straight Connector 51">
-                <a:extLst>
-                  <a:ext uri="{FF2B5EF4-FFF2-40B4-BE49-F238E27FC236}">
-                    <a16:creationId xmlns:a16="http://schemas.microsoft.com/office/drawing/2014/main" id="{92C5FB0B-15C3-7441-7A71-26D3CE0909A0}"/>
-                  </a:ext>
-                </a:extLst>
-              </p:cNvPr>
-              <p:cNvCxnSpPr>
-                <a:cxnSpLocks/>
-              </p:cNvCxnSpPr>
-              <p:nvPr/>
-            </p:nvCxnSpPr>
-            <p:spPr>
-              <a:xfrm>
-                <a:off x="10071545" y="15354321"/>
-                <a:ext cx="0" cy="267470"/>
-              </a:xfrm>
-              <a:prstGeom prst="line">
-                <a:avLst/>
-              </a:prstGeom>
-              <a:effectLst/>
-            </p:spPr>
-            <p:style>
-              <a:lnRef idx="2">
-                <a:schemeClr val="dk1"/>
-              </a:lnRef>
-              <a:fillRef idx="0">
-                <a:schemeClr val="dk1"/>
-              </a:fillRef>
-              <a:effectRef idx="1">
-                <a:schemeClr val="dk1"/>
-              </a:effectRef>
-              <a:fontRef idx="minor">
-                <a:schemeClr val="tx1"/>
-              </a:fontRef>
-            </p:style>
-          </p:cxnSp>
-          <p:sp>
-            <p:nvSpPr>
-              <p:cNvPr id="54" name="TextBox 53">
-                <a:extLst>
-                  <a:ext uri="{FF2B5EF4-FFF2-40B4-BE49-F238E27FC236}">
-                    <a16:creationId xmlns:a16="http://schemas.microsoft.com/office/drawing/2014/main" id="{E23C93D1-3BD0-7EC3-0205-AF180D86EC7F}"/>
-                  </a:ext>
-                </a:extLst>
-              </p:cNvPr>
-              <p:cNvSpPr txBox="1"/>
-              <p:nvPr/>
-            </p:nvSpPr>
-            <p:spPr>
-              <a:xfrm>
-                <a:off x="6739146" y="14845795"/>
-                <a:ext cx="3035300" cy="461665"/>
-              </a:xfrm>
-              <a:prstGeom prst="rect">
-                <a:avLst/>
-              </a:prstGeom>
-              <a:noFill/>
-            </p:spPr>
-            <p:txBody>
-              <a:bodyPr wrap="square" rtlCol="0">
-                <a:spAutoFit/>
-              </a:bodyPr>
-              <a:lstStyle/>
-              <a:p>
-                <a:pPr algn="ctr"/>
-                <a:r>
-                  <a:rPr lang="en-US" sz="2400" dirty="0"/>
-                  <a:t>All clades</a:t>
-                </a:r>
-              </a:p>
-            </p:txBody>
-          </p:sp>
-          <p:sp>
-            <p:nvSpPr>
-              <p:cNvPr id="55" name="TextBox 54">
-                <a:extLst>
-                  <a:ext uri="{FF2B5EF4-FFF2-40B4-BE49-F238E27FC236}">
-                    <a16:creationId xmlns:a16="http://schemas.microsoft.com/office/drawing/2014/main" id="{B5E417E1-8757-6B95-4812-2137C912B799}"/>
-                  </a:ext>
-                </a:extLst>
-              </p:cNvPr>
-              <p:cNvSpPr txBox="1"/>
-              <p:nvPr/>
-            </p:nvSpPr>
-            <p:spPr>
-              <a:xfrm>
-                <a:off x="8554473" y="14844940"/>
-                <a:ext cx="3035300" cy="461665"/>
-              </a:xfrm>
-              <a:prstGeom prst="rect">
-                <a:avLst/>
-              </a:prstGeom>
-              <a:noFill/>
-            </p:spPr>
-            <p:txBody>
-              <a:bodyPr wrap="square" rtlCol="0">
-                <a:spAutoFit/>
-              </a:bodyPr>
-              <a:lstStyle/>
-              <a:p>
-                <a:pPr algn="ctr"/>
-                <a:r>
-                  <a:rPr lang="en-US" sz="2400" dirty="0"/>
-                  <a:t>Mammals</a:t>
-                </a:r>
-              </a:p>
-            </p:txBody>
-          </p:sp>
-          <p:sp>
-            <p:nvSpPr>
-              <p:cNvPr id="56" name="TextBox 55">
-                <a:extLst>
-                  <a:ext uri="{FF2B5EF4-FFF2-40B4-BE49-F238E27FC236}">
-                    <a16:creationId xmlns:a16="http://schemas.microsoft.com/office/drawing/2014/main" id="{C6117BF5-AD0E-1A08-F90C-8D69C58F36E4}"/>
-                  </a:ext>
-                </a:extLst>
-              </p:cNvPr>
-              <p:cNvSpPr txBox="1"/>
-              <p:nvPr/>
-            </p:nvSpPr>
-            <p:spPr>
-              <a:xfrm>
-                <a:off x="10931358" y="14520057"/>
-                <a:ext cx="1908789" cy="830997"/>
-              </a:xfrm>
-              <a:prstGeom prst="rect">
-                <a:avLst/>
-              </a:prstGeom>
-              <a:noFill/>
-            </p:spPr>
-            <p:txBody>
-              <a:bodyPr wrap="square" rtlCol="0">
-                <a:spAutoFit/>
-              </a:bodyPr>
-              <a:lstStyle/>
-              <a:p>
-                <a:r>
-                  <a:rPr lang="en-US" sz="2400" dirty="0"/>
-                  <a:t>Ray-finned</a:t>
-                </a:r>
-              </a:p>
-              <a:p>
-                <a:r>
-                  <a:rPr lang="en-US" sz="2400" dirty="0"/>
-                  <a:t>fish</a:t>
-                </a:r>
-              </a:p>
-            </p:txBody>
-          </p:sp>
-          <p:sp>
-            <p:nvSpPr>
-              <p:cNvPr id="57" name="TextBox 56">
-                <a:extLst>
-                  <a:ext uri="{FF2B5EF4-FFF2-40B4-BE49-F238E27FC236}">
-                    <a16:creationId xmlns:a16="http://schemas.microsoft.com/office/drawing/2014/main" id="{BEFBD81A-940F-4CFE-495A-57FD54DA434C}"/>
-                  </a:ext>
-                </a:extLst>
-              </p:cNvPr>
-              <p:cNvSpPr txBox="1"/>
-              <p:nvPr/>
-            </p:nvSpPr>
-            <p:spPr>
-              <a:xfrm>
-                <a:off x="11767332" y="14844939"/>
-                <a:ext cx="3035300" cy="461665"/>
-              </a:xfrm>
-              <a:prstGeom prst="rect">
-                <a:avLst/>
-              </a:prstGeom>
-              <a:noFill/>
-            </p:spPr>
-            <p:txBody>
-              <a:bodyPr wrap="square" rtlCol="0">
-                <a:spAutoFit/>
-              </a:bodyPr>
-              <a:lstStyle/>
-              <a:p>
-                <a:pPr algn="ctr"/>
-                <a:r>
-                  <a:rPr lang="en-US" sz="2400" dirty="0"/>
-                  <a:t>Reptiles</a:t>
-                </a:r>
-              </a:p>
-            </p:txBody>
-          </p:sp>
-          <p:sp>
-            <p:nvSpPr>
-              <p:cNvPr id="58" name="Left Brace 57">
-                <a:extLst>
-                  <a:ext uri="{FF2B5EF4-FFF2-40B4-BE49-F238E27FC236}">
-                    <a16:creationId xmlns:a16="http://schemas.microsoft.com/office/drawing/2014/main" id="{890432E8-D333-71DA-6E0D-47EB31FBEFC2}"/>
-                  </a:ext>
-                </a:extLst>
-              </p:cNvPr>
-              <p:cNvSpPr/>
-              <p:nvPr/>
-            </p:nvSpPr>
-            <p:spPr>
-              <a:xfrm rot="5400000">
-                <a:off x="11401888" y="15067163"/>
-                <a:ext cx="236604" cy="872648"/>
-              </a:xfrm>
-              <a:prstGeom prst="leftBrace">
-                <a:avLst>
-                  <a:gd name="adj1" fmla="val 35744"/>
-                  <a:gd name="adj2" fmla="val 50000"/>
-                </a:avLst>
-              </a:prstGeom>
-              <a:ln/>
-              <a:effectLst/>
-            </p:spPr>
-            <p:style>
-              <a:lnRef idx="2">
-                <a:schemeClr val="dk1"/>
-              </a:lnRef>
-              <a:fillRef idx="0">
-                <a:schemeClr val="dk1"/>
-              </a:fillRef>
-              <a:effectRef idx="1">
-                <a:schemeClr val="dk1"/>
-              </a:effectRef>
-              <a:fontRef idx="minor">
-                <a:schemeClr val="tx1"/>
-              </a:fontRef>
-            </p:style>
-            <p:txBody>
-              <a:bodyPr rtlCol="0" anchor="ctr"/>
-              <a:lstStyle>
-                <a:defPPr marR="0" lvl="0" algn="l" rtl="0">
-                  <a:lnSpc>
-                    <a:spcPct val="100000"/>
-                  </a:lnSpc>
-                  <a:spcBef>
-                    <a:spcPts val="0"/>
-                  </a:spcBef>
-                  <a:spcAft>
-                    <a:spcPts val="0"/>
-                  </a:spcAft>
-                </a:defPPr>
-                <a:lvl1pPr marR="0" lvl="0" algn="l" rtl="0">
-                  <a:lnSpc>
-                    <a:spcPct val="100000"/>
-                  </a:lnSpc>
-                  <a:spcBef>
-                    <a:spcPts val="0"/>
-                  </a:spcBef>
-                  <a:spcAft>
-                    <a:spcPts val="0"/>
-                  </a:spcAft>
-                  <a:buClr>
-                    <a:srgbClr val="000000"/>
-                  </a:buClr>
-                  <a:buFont typeface="Arial"/>
-                  <a:defRPr sz="1400" b="0" i="0" u="none" strike="noStrike" cap="none">
-                    <a:solidFill>
-                      <a:schemeClr val="tx1"/>
-                    </a:solidFill>
-                    <a:latin typeface="+mn-lt"/>
-                    <a:ea typeface="+mn-ea"/>
-                    <a:cs typeface="+mn-cs"/>
-                    <a:sym typeface="Arial"/>
-                  </a:defRPr>
-                </a:lvl1pPr>
-                <a:lvl2pPr marR="0" lvl="1" algn="l" rtl="0">
-                  <a:lnSpc>
-                    <a:spcPct val="100000"/>
-                  </a:lnSpc>
-                  <a:spcBef>
-                    <a:spcPts val="0"/>
-                  </a:spcBef>
-                  <a:spcAft>
-                    <a:spcPts val="0"/>
-                  </a:spcAft>
-                  <a:buClr>
-                    <a:srgbClr val="000000"/>
-                  </a:buClr>
-                  <a:buFont typeface="Arial"/>
-                  <a:defRPr sz="1400" b="0" i="0" u="none" strike="noStrike" cap="none">
-                    <a:solidFill>
-                      <a:schemeClr val="tx1"/>
-                    </a:solidFill>
-                    <a:latin typeface="+mn-lt"/>
-                    <a:ea typeface="+mn-ea"/>
-                    <a:cs typeface="+mn-cs"/>
-                    <a:sym typeface="Arial"/>
-                  </a:defRPr>
-                </a:lvl2pPr>
-                <a:lvl3pPr marR="0" lvl="2" algn="l" rtl="0">
-                  <a:lnSpc>
-                    <a:spcPct val="100000"/>
-                  </a:lnSpc>
-                  <a:spcBef>
-                    <a:spcPts val="0"/>
-                  </a:spcBef>
-                  <a:spcAft>
-                    <a:spcPts val="0"/>
-                  </a:spcAft>
-                  <a:buClr>
-                    <a:srgbClr val="000000"/>
-                  </a:buClr>
-                  <a:buFont typeface="Arial"/>
-                  <a:defRPr sz="1400" b="0" i="0" u="none" strike="noStrike" cap="none">
-                    <a:solidFill>
-                      <a:schemeClr val="tx1"/>
-                    </a:solidFill>
-                    <a:latin typeface="+mn-lt"/>
-                    <a:ea typeface="+mn-ea"/>
-                    <a:cs typeface="+mn-cs"/>
-                    <a:sym typeface="Arial"/>
-                  </a:defRPr>
-                </a:lvl3pPr>
-                <a:lvl4pPr marR="0" lvl="3" algn="l" rtl="0">
-                  <a:lnSpc>
-                    <a:spcPct val="100000"/>
-                  </a:lnSpc>
-                  <a:spcBef>
-                    <a:spcPts val="0"/>
-                  </a:spcBef>
-                  <a:spcAft>
-                    <a:spcPts val="0"/>
-                  </a:spcAft>
-                  <a:buClr>
-                    <a:srgbClr val="000000"/>
-                  </a:buClr>
-                  <a:buFont typeface="Arial"/>
-                  <a:defRPr sz="1400" b="0" i="0" u="none" strike="noStrike" cap="none">
-                    <a:solidFill>
-                      <a:schemeClr val="tx1"/>
-                    </a:solidFill>
-                    <a:latin typeface="+mn-lt"/>
-                    <a:ea typeface="+mn-ea"/>
-                    <a:cs typeface="+mn-cs"/>
-                    <a:sym typeface="Arial"/>
-                  </a:defRPr>
-                </a:lvl4pPr>
-                <a:lvl5pPr marR="0" lvl="4" algn="l" rtl="0">
-                  <a:lnSpc>
-                    <a:spcPct val="100000"/>
-                  </a:lnSpc>
-                  <a:spcBef>
-                    <a:spcPts val="0"/>
-                  </a:spcBef>
-                  <a:spcAft>
-                    <a:spcPts val="0"/>
-                  </a:spcAft>
-                  <a:buClr>
-                    <a:srgbClr val="000000"/>
-                  </a:buClr>
-                  <a:buFont typeface="Arial"/>
-                  <a:defRPr sz="1400" b="0" i="0" u="none" strike="noStrike" cap="none">
-                    <a:solidFill>
-                      <a:schemeClr val="tx1"/>
-                    </a:solidFill>
-                    <a:latin typeface="+mn-lt"/>
-                    <a:ea typeface="+mn-ea"/>
-                    <a:cs typeface="+mn-cs"/>
-                    <a:sym typeface="Arial"/>
-                  </a:defRPr>
-                </a:lvl5pPr>
-                <a:lvl6pPr marR="0" lvl="5" algn="l" rtl="0">
-                  <a:lnSpc>
-                    <a:spcPct val="100000"/>
-                  </a:lnSpc>
-                  <a:spcBef>
-                    <a:spcPts val="0"/>
-                  </a:spcBef>
-                  <a:spcAft>
-                    <a:spcPts val="0"/>
-                  </a:spcAft>
-                  <a:buClr>
-                    <a:srgbClr val="000000"/>
-                  </a:buClr>
-                  <a:buFont typeface="Arial"/>
-                  <a:defRPr sz="1400" b="0" i="0" u="none" strike="noStrike" cap="none">
-                    <a:solidFill>
-                      <a:schemeClr val="tx1"/>
-                    </a:solidFill>
-                    <a:latin typeface="+mn-lt"/>
-                    <a:ea typeface="+mn-ea"/>
-                    <a:cs typeface="+mn-cs"/>
-                    <a:sym typeface="Arial"/>
-                  </a:defRPr>
-                </a:lvl6pPr>
-                <a:lvl7pPr marR="0" lvl="6" algn="l" rtl="0">
-                  <a:lnSpc>
-                    <a:spcPct val="100000"/>
-                  </a:lnSpc>
-                  <a:spcBef>
-                    <a:spcPts val="0"/>
-                  </a:spcBef>
-                  <a:spcAft>
-                    <a:spcPts val="0"/>
-                  </a:spcAft>
-                  <a:buClr>
-                    <a:srgbClr val="000000"/>
-                  </a:buClr>
-                  <a:buFont typeface="Arial"/>
-                  <a:defRPr sz="1400" b="0" i="0" u="none" strike="noStrike" cap="none">
-                    <a:solidFill>
-                      <a:schemeClr val="tx1"/>
-                    </a:solidFill>
-                    <a:latin typeface="+mn-lt"/>
-                    <a:ea typeface="+mn-ea"/>
-                    <a:cs typeface="+mn-cs"/>
-                    <a:sym typeface="Arial"/>
-                  </a:defRPr>
-                </a:lvl7pPr>
-                <a:lvl8pPr marR="0" lvl="7" algn="l" rtl="0">
-                  <a:lnSpc>
-                    <a:spcPct val="100000"/>
-                  </a:lnSpc>
-                  <a:spcBef>
-                    <a:spcPts val="0"/>
-                  </a:spcBef>
-                  <a:spcAft>
-                    <a:spcPts val="0"/>
-                  </a:spcAft>
-                  <a:buClr>
-                    <a:srgbClr val="000000"/>
-                  </a:buClr>
-                  <a:buFont typeface="Arial"/>
-                  <a:defRPr sz="1400" b="0" i="0" u="none" strike="noStrike" cap="none">
-                    <a:solidFill>
-                      <a:schemeClr val="tx1"/>
-                    </a:solidFill>
-                    <a:latin typeface="+mn-lt"/>
-                    <a:ea typeface="+mn-ea"/>
-                    <a:cs typeface="+mn-cs"/>
-                    <a:sym typeface="Arial"/>
-                  </a:defRPr>
-                </a:lvl8pPr>
-                <a:lvl9pPr marR="0" lvl="8" algn="l" rtl="0">
-                  <a:lnSpc>
-                    <a:spcPct val="100000"/>
-                  </a:lnSpc>
-                  <a:spcBef>
-                    <a:spcPts val="0"/>
-                  </a:spcBef>
-                  <a:spcAft>
-                    <a:spcPts val="0"/>
-                  </a:spcAft>
-                  <a:buClr>
-                    <a:srgbClr val="000000"/>
-                  </a:buClr>
-                  <a:buFont typeface="Arial"/>
-                  <a:defRPr sz="1400" b="0" i="0" u="none" strike="noStrike" cap="none">
-                    <a:solidFill>
-                      <a:schemeClr val="tx1"/>
-                    </a:solidFill>
-                    <a:latin typeface="+mn-lt"/>
-                    <a:ea typeface="+mn-ea"/>
-                    <a:cs typeface="+mn-cs"/>
-                    <a:sym typeface="Arial"/>
-                  </a:defRPr>
-                </a:lvl9pPr>
-              </a:lstStyle>
-              <a:p>
-                <a:pPr algn="ctr"/>
-                <a:endParaRPr lang="en-US">
-                  <a:ln>
-                    <a:solidFill>
-                      <a:schemeClr val="tx1"/>
-                    </a:solidFill>
-                  </a:ln>
-                </a:endParaRPr>
-              </a:p>
-            </p:txBody>
-          </p:sp>
-        </p:grpSp>
+            <a:prstGeom prst="rect">
+              <a:avLst/>
+            </a:prstGeom>
+          </p:spPr>
+        </p:pic>
+        <p:sp>
+          <p:nvSpPr>
+            <p:cNvPr id="49" name="Left Brace 48">
+              <a:extLst>
+                <a:ext uri="{FF2B5EF4-FFF2-40B4-BE49-F238E27FC236}">
+                  <a16:creationId xmlns:a16="http://schemas.microsoft.com/office/drawing/2014/main" id="{A152576C-F75B-00FD-FD94-D561C534BB76}"/>
+                </a:ext>
+              </a:extLst>
+            </p:cNvPr>
+            <p:cNvSpPr/>
+            <p:nvPr/>
+          </p:nvSpPr>
+          <p:spPr>
+            <a:xfrm rot="5400000">
+              <a:off x="24456827" y="1013903"/>
+              <a:ext cx="236606" cy="1519591"/>
+            </a:xfrm>
+            <a:prstGeom prst="leftBrace">
+              <a:avLst>
+                <a:gd name="adj1" fmla="val 35744"/>
+                <a:gd name="adj2" fmla="val 50000"/>
+              </a:avLst>
+            </a:prstGeom>
+            <a:ln/>
+            <a:effectLst/>
+          </p:spPr>
+          <p:style>
+            <a:lnRef idx="2">
+              <a:schemeClr val="dk1"/>
+            </a:lnRef>
+            <a:fillRef idx="0">
+              <a:schemeClr val="dk1"/>
+            </a:fillRef>
+            <a:effectRef idx="1">
+              <a:schemeClr val="dk1"/>
+            </a:effectRef>
+            <a:fontRef idx="minor">
+              <a:schemeClr val="tx1"/>
+            </a:fontRef>
+          </p:style>
+          <p:txBody>
+            <a:bodyPr rtlCol="0" anchor="ctr"/>
+            <a:lstStyle>
+              <a:defPPr marR="0" lvl="0" algn="l" rtl="0">
+                <a:lnSpc>
+                  <a:spcPct val="100000"/>
+                </a:lnSpc>
+                <a:spcBef>
+                  <a:spcPts val="0"/>
+                </a:spcBef>
+                <a:spcAft>
+                  <a:spcPts val="0"/>
+                </a:spcAft>
+              </a:defPPr>
+              <a:lvl1pPr marR="0" lvl="0" algn="l" rtl="0">
+                <a:lnSpc>
+                  <a:spcPct val="100000"/>
+                </a:lnSpc>
+                <a:spcBef>
+                  <a:spcPts val="0"/>
+                </a:spcBef>
+                <a:spcAft>
+                  <a:spcPts val="0"/>
+                </a:spcAft>
+                <a:buClr>
+                  <a:srgbClr val="000000"/>
+                </a:buClr>
+                <a:buFont typeface="Arial"/>
+                <a:defRPr sz="1400" b="0" i="0" u="none" strike="noStrike" cap="none">
+                  <a:solidFill>
+                    <a:schemeClr val="tx1"/>
+                  </a:solidFill>
+                  <a:latin typeface="+mn-lt"/>
+                  <a:ea typeface="+mn-ea"/>
+                  <a:cs typeface="+mn-cs"/>
+                  <a:sym typeface="Arial"/>
+                </a:defRPr>
+              </a:lvl1pPr>
+              <a:lvl2pPr marR="0" lvl="1" algn="l" rtl="0">
+                <a:lnSpc>
+                  <a:spcPct val="100000"/>
+                </a:lnSpc>
+                <a:spcBef>
+                  <a:spcPts val="0"/>
+                </a:spcBef>
+                <a:spcAft>
+                  <a:spcPts val="0"/>
+                </a:spcAft>
+                <a:buClr>
+                  <a:srgbClr val="000000"/>
+                </a:buClr>
+                <a:buFont typeface="Arial"/>
+                <a:defRPr sz="1400" b="0" i="0" u="none" strike="noStrike" cap="none">
+                  <a:solidFill>
+                    <a:schemeClr val="tx1"/>
+                  </a:solidFill>
+                  <a:latin typeface="+mn-lt"/>
+                  <a:ea typeface="+mn-ea"/>
+                  <a:cs typeface="+mn-cs"/>
+                  <a:sym typeface="Arial"/>
+                </a:defRPr>
+              </a:lvl2pPr>
+              <a:lvl3pPr marR="0" lvl="2" algn="l" rtl="0">
+                <a:lnSpc>
+                  <a:spcPct val="100000"/>
+                </a:lnSpc>
+                <a:spcBef>
+                  <a:spcPts val="0"/>
+                </a:spcBef>
+                <a:spcAft>
+                  <a:spcPts val="0"/>
+                </a:spcAft>
+                <a:buClr>
+                  <a:srgbClr val="000000"/>
+                </a:buClr>
+                <a:buFont typeface="Arial"/>
+                <a:defRPr sz="1400" b="0" i="0" u="none" strike="noStrike" cap="none">
+                  <a:solidFill>
+                    <a:schemeClr val="tx1"/>
+                  </a:solidFill>
+                  <a:latin typeface="+mn-lt"/>
+                  <a:ea typeface="+mn-ea"/>
+                  <a:cs typeface="+mn-cs"/>
+                  <a:sym typeface="Arial"/>
+                </a:defRPr>
+              </a:lvl3pPr>
+              <a:lvl4pPr marR="0" lvl="3" algn="l" rtl="0">
+                <a:lnSpc>
+                  <a:spcPct val="100000"/>
+                </a:lnSpc>
+                <a:spcBef>
+                  <a:spcPts val="0"/>
+                </a:spcBef>
+                <a:spcAft>
+                  <a:spcPts val="0"/>
+                </a:spcAft>
+                <a:buClr>
+                  <a:srgbClr val="000000"/>
+                </a:buClr>
+                <a:buFont typeface="Arial"/>
+                <a:defRPr sz="1400" b="0" i="0" u="none" strike="noStrike" cap="none">
+                  <a:solidFill>
+                    <a:schemeClr val="tx1"/>
+                  </a:solidFill>
+                  <a:latin typeface="+mn-lt"/>
+                  <a:ea typeface="+mn-ea"/>
+                  <a:cs typeface="+mn-cs"/>
+                  <a:sym typeface="Arial"/>
+                </a:defRPr>
+              </a:lvl4pPr>
+              <a:lvl5pPr marR="0" lvl="4" algn="l" rtl="0">
+                <a:lnSpc>
+                  <a:spcPct val="100000"/>
+                </a:lnSpc>
+                <a:spcBef>
+                  <a:spcPts val="0"/>
+                </a:spcBef>
+                <a:spcAft>
+                  <a:spcPts val="0"/>
+                </a:spcAft>
+                <a:buClr>
+                  <a:srgbClr val="000000"/>
+                </a:buClr>
+                <a:buFont typeface="Arial"/>
+                <a:defRPr sz="1400" b="0" i="0" u="none" strike="noStrike" cap="none">
+                  <a:solidFill>
+                    <a:schemeClr val="tx1"/>
+                  </a:solidFill>
+                  <a:latin typeface="+mn-lt"/>
+                  <a:ea typeface="+mn-ea"/>
+                  <a:cs typeface="+mn-cs"/>
+                  <a:sym typeface="Arial"/>
+                </a:defRPr>
+              </a:lvl5pPr>
+              <a:lvl6pPr marR="0" lvl="5" algn="l" rtl="0">
+                <a:lnSpc>
+                  <a:spcPct val="100000"/>
+                </a:lnSpc>
+                <a:spcBef>
+                  <a:spcPts val="0"/>
+                </a:spcBef>
+                <a:spcAft>
+                  <a:spcPts val="0"/>
+                </a:spcAft>
+                <a:buClr>
+                  <a:srgbClr val="000000"/>
+                </a:buClr>
+                <a:buFont typeface="Arial"/>
+                <a:defRPr sz="1400" b="0" i="0" u="none" strike="noStrike" cap="none">
+                  <a:solidFill>
+                    <a:schemeClr val="tx1"/>
+                  </a:solidFill>
+                  <a:latin typeface="+mn-lt"/>
+                  <a:ea typeface="+mn-ea"/>
+                  <a:cs typeface="+mn-cs"/>
+                  <a:sym typeface="Arial"/>
+                </a:defRPr>
+              </a:lvl6pPr>
+              <a:lvl7pPr marR="0" lvl="6" algn="l" rtl="0">
+                <a:lnSpc>
+                  <a:spcPct val="100000"/>
+                </a:lnSpc>
+                <a:spcBef>
+                  <a:spcPts val="0"/>
+                </a:spcBef>
+                <a:spcAft>
+                  <a:spcPts val="0"/>
+                </a:spcAft>
+                <a:buClr>
+                  <a:srgbClr val="000000"/>
+                </a:buClr>
+                <a:buFont typeface="Arial"/>
+                <a:defRPr sz="1400" b="0" i="0" u="none" strike="noStrike" cap="none">
+                  <a:solidFill>
+                    <a:schemeClr val="tx1"/>
+                  </a:solidFill>
+                  <a:latin typeface="+mn-lt"/>
+                  <a:ea typeface="+mn-ea"/>
+                  <a:cs typeface="+mn-cs"/>
+                  <a:sym typeface="Arial"/>
+                </a:defRPr>
+              </a:lvl7pPr>
+              <a:lvl8pPr marR="0" lvl="7" algn="l" rtl="0">
+                <a:lnSpc>
+                  <a:spcPct val="100000"/>
+                </a:lnSpc>
+                <a:spcBef>
+                  <a:spcPts val="0"/>
+                </a:spcBef>
+                <a:spcAft>
+                  <a:spcPts val="0"/>
+                </a:spcAft>
+                <a:buClr>
+                  <a:srgbClr val="000000"/>
+                </a:buClr>
+                <a:buFont typeface="Arial"/>
+                <a:defRPr sz="1400" b="0" i="0" u="none" strike="noStrike" cap="none">
+                  <a:solidFill>
+                    <a:schemeClr val="tx1"/>
+                  </a:solidFill>
+                  <a:latin typeface="+mn-lt"/>
+                  <a:ea typeface="+mn-ea"/>
+                  <a:cs typeface="+mn-cs"/>
+                  <a:sym typeface="Arial"/>
+                </a:defRPr>
+              </a:lvl8pPr>
+              <a:lvl9pPr marR="0" lvl="8" algn="l" rtl="0">
+                <a:lnSpc>
+                  <a:spcPct val="100000"/>
+                </a:lnSpc>
+                <a:spcBef>
+                  <a:spcPts val="0"/>
+                </a:spcBef>
+                <a:spcAft>
+                  <a:spcPts val="0"/>
+                </a:spcAft>
+                <a:buClr>
+                  <a:srgbClr val="000000"/>
+                </a:buClr>
+                <a:buFont typeface="Arial"/>
+                <a:defRPr sz="1400" b="0" i="0" u="none" strike="noStrike" cap="none">
+                  <a:solidFill>
+                    <a:schemeClr val="tx1"/>
+                  </a:solidFill>
+                  <a:latin typeface="+mn-lt"/>
+                  <a:ea typeface="+mn-ea"/>
+                  <a:cs typeface="+mn-cs"/>
+                  <a:sym typeface="Arial"/>
+                </a:defRPr>
+              </a:lvl9pPr>
+            </a:lstStyle>
+            <a:p>
+              <a:pPr algn="ctr"/>
+              <a:endParaRPr lang="en-US">
+                <a:ln>
+                  <a:solidFill>
+                    <a:schemeClr val="tx1"/>
+                  </a:solidFill>
+                </a:ln>
+              </a:endParaRPr>
+            </a:p>
+          </p:txBody>
+        </p:sp>
+        <p:sp>
+          <p:nvSpPr>
+            <p:cNvPr id="51" name="Left Brace 50">
+              <a:extLst>
+                <a:ext uri="{FF2B5EF4-FFF2-40B4-BE49-F238E27FC236}">
+                  <a16:creationId xmlns:a16="http://schemas.microsoft.com/office/drawing/2014/main" id="{EF32D247-5165-5D77-9141-42289F3160EA}"/>
+                </a:ext>
+              </a:extLst>
+            </p:cNvPr>
+            <p:cNvSpPr/>
+            <p:nvPr/>
+          </p:nvSpPr>
+          <p:spPr>
+            <a:xfrm rot="5400000">
+              <a:off x="29505496" y="1323355"/>
+              <a:ext cx="236604" cy="900692"/>
+            </a:xfrm>
+            <a:prstGeom prst="leftBrace">
+              <a:avLst>
+                <a:gd name="adj1" fmla="val 35744"/>
+                <a:gd name="adj2" fmla="val 50000"/>
+              </a:avLst>
+            </a:prstGeom>
+            <a:ln/>
+            <a:effectLst/>
+          </p:spPr>
+          <p:style>
+            <a:lnRef idx="2">
+              <a:schemeClr val="dk1"/>
+            </a:lnRef>
+            <a:fillRef idx="0">
+              <a:schemeClr val="dk1"/>
+            </a:fillRef>
+            <a:effectRef idx="1">
+              <a:schemeClr val="dk1"/>
+            </a:effectRef>
+            <a:fontRef idx="minor">
+              <a:schemeClr val="tx1"/>
+            </a:fontRef>
+          </p:style>
+          <p:txBody>
+            <a:bodyPr rtlCol="0" anchor="ctr"/>
+            <a:lstStyle>
+              <a:defPPr marR="0" lvl="0" algn="l" rtl="0">
+                <a:lnSpc>
+                  <a:spcPct val="100000"/>
+                </a:lnSpc>
+                <a:spcBef>
+                  <a:spcPts val="0"/>
+                </a:spcBef>
+                <a:spcAft>
+                  <a:spcPts val="0"/>
+                </a:spcAft>
+              </a:defPPr>
+              <a:lvl1pPr marR="0" lvl="0" algn="l" rtl="0">
+                <a:lnSpc>
+                  <a:spcPct val="100000"/>
+                </a:lnSpc>
+                <a:spcBef>
+                  <a:spcPts val="0"/>
+                </a:spcBef>
+                <a:spcAft>
+                  <a:spcPts val="0"/>
+                </a:spcAft>
+                <a:buClr>
+                  <a:srgbClr val="000000"/>
+                </a:buClr>
+                <a:buFont typeface="Arial"/>
+                <a:defRPr sz="1400" b="0" i="0" u="none" strike="noStrike" cap="none">
+                  <a:solidFill>
+                    <a:schemeClr val="tx1"/>
+                  </a:solidFill>
+                  <a:latin typeface="+mn-lt"/>
+                  <a:ea typeface="+mn-ea"/>
+                  <a:cs typeface="+mn-cs"/>
+                  <a:sym typeface="Arial"/>
+                </a:defRPr>
+              </a:lvl1pPr>
+              <a:lvl2pPr marR="0" lvl="1" algn="l" rtl="0">
+                <a:lnSpc>
+                  <a:spcPct val="100000"/>
+                </a:lnSpc>
+                <a:spcBef>
+                  <a:spcPts val="0"/>
+                </a:spcBef>
+                <a:spcAft>
+                  <a:spcPts val="0"/>
+                </a:spcAft>
+                <a:buClr>
+                  <a:srgbClr val="000000"/>
+                </a:buClr>
+                <a:buFont typeface="Arial"/>
+                <a:defRPr sz="1400" b="0" i="0" u="none" strike="noStrike" cap="none">
+                  <a:solidFill>
+                    <a:schemeClr val="tx1"/>
+                  </a:solidFill>
+                  <a:latin typeface="+mn-lt"/>
+                  <a:ea typeface="+mn-ea"/>
+                  <a:cs typeface="+mn-cs"/>
+                  <a:sym typeface="Arial"/>
+                </a:defRPr>
+              </a:lvl2pPr>
+              <a:lvl3pPr marR="0" lvl="2" algn="l" rtl="0">
+                <a:lnSpc>
+                  <a:spcPct val="100000"/>
+                </a:lnSpc>
+                <a:spcBef>
+                  <a:spcPts val="0"/>
+                </a:spcBef>
+                <a:spcAft>
+                  <a:spcPts val="0"/>
+                </a:spcAft>
+                <a:buClr>
+                  <a:srgbClr val="000000"/>
+                </a:buClr>
+                <a:buFont typeface="Arial"/>
+                <a:defRPr sz="1400" b="0" i="0" u="none" strike="noStrike" cap="none">
+                  <a:solidFill>
+                    <a:schemeClr val="tx1"/>
+                  </a:solidFill>
+                  <a:latin typeface="+mn-lt"/>
+                  <a:ea typeface="+mn-ea"/>
+                  <a:cs typeface="+mn-cs"/>
+                  <a:sym typeface="Arial"/>
+                </a:defRPr>
+              </a:lvl3pPr>
+              <a:lvl4pPr marR="0" lvl="3" algn="l" rtl="0">
+                <a:lnSpc>
+                  <a:spcPct val="100000"/>
+                </a:lnSpc>
+                <a:spcBef>
+                  <a:spcPts val="0"/>
+                </a:spcBef>
+                <a:spcAft>
+                  <a:spcPts val="0"/>
+                </a:spcAft>
+                <a:buClr>
+                  <a:srgbClr val="000000"/>
+                </a:buClr>
+                <a:buFont typeface="Arial"/>
+                <a:defRPr sz="1400" b="0" i="0" u="none" strike="noStrike" cap="none">
+                  <a:solidFill>
+                    <a:schemeClr val="tx1"/>
+                  </a:solidFill>
+                  <a:latin typeface="+mn-lt"/>
+                  <a:ea typeface="+mn-ea"/>
+                  <a:cs typeface="+mn-cs"/>
+                  <a:sym typeface="Arial"/>
+                </a:defRPr>
+              </a:lvl4pPr>
+              <a:lvl5pPr marR="0" lvl="4" algn="l" rtl="0">
+                <a:lnSpc>
+                  <a:spcPct val="100000"/>
+                </a:lnSpc>
+                <a:spcBef>
+                  <a:spcPts val="0"/>
+                </a:spcBef>
+                <a:spcAft>
+                  <a:spcPts val="0"/>
+                </a:spcAft>
+                <a:buClr>
+                  <a:srgbClr val="000000"/>
+                </a:buClr>
+                <a:buFont typeface="Arial"/>
+                <a:defRPr sz="1400" b="0" i="0" u="none" strike="noStrike" cap="none">
+                  <a:solidFill>
+                    <a:schemeClr val="tx1"/>
+                  </a:solidFill>
+                  <a:latin typeface="+mn-lt"/>
+                  <a:ea typeface="+mn-ea"/>
+                  <a:cs typeface="+mn-cs"/>
+                  <a:sym typeface="Arial"/>
+                </a:defRPr>
+              </a:lvl5pPr>
+              <a:lvl6pPr marR="0" lvl="5" algn="l" rtl="0">
+                <a:lnSpc>
+                  <a:spcPct val="100000"/>
+                </a:lnSpc>
+                <a:spcBef>
+                  <a:spcPts val="0"/>
+                </a:spcBef>
+                <a:spcAft>
+                  <a:spcPts val="0"/>
+                </a:spcAft>
+                <a:buClr>
+                  <a:srgbClr val="000000"/>
+                </a:buClr>
+                <a:buFont typeface="Arial"/>
+                <a:defRPr sz="1400" b="0" i="0" u="none" strike="noStrike" cap="none">
+                  <a:solidFill>
+                    <a:schemeClr val="tx1"/>
+                  </a:solidFill>
+                  <a:latin typeface="+mn-lt"/>
+                  <a:ea typeface="+mn-ea"/>
+                  <a:cs typeface="+mn-cs"/>
+                  <a:sym typeface="Arial"/>
+                </a:defRPr>
+              </a:lvl6pPr>
+              <a:lvl7pPr marR="0" lvl="6" algn="l" rtl="0">
+                <a:lnSpc>
+                  <a:spcPct val="100000"/>
+                </a:lnSpc>
+                <a:spcBef>
+                  <a:spcPts val="0"/>
+                </a:spcBef>
+                <a:spcAft>
+                  <a:spcPts val="0"/>
+                </a:spcAft>
+                <a:buClr>
+                  <a:srgbClr val="000000"/>
+                </a:buClr>
+                <a:buFont typeface="Arial"/>
+                <a:defRPr sz="1400" b="0" i="0" u="none" strike="noStrike" cap="none">
+                  <a:solidFill>
+                    <a:schemeClr val="tx1"/>
+                  </a:solidFill>
+                  <a:latin typeface="+mn-lt"/>
+                  <a:ea typeface="+mn-ea"/>
+                  <a:cs typeface="+mn-cs"/>
+                  <a:sym typeface="Arial"/>
+                </a:defRPr>
+              </a:lvl7pPr>
+              <a:lvl8pPr marR="0" lvl="7" algn="l" rtl="0">
+                <a:lnSpc>
+                  <a:spcPct val="100000"/>
+                </a:lnSpc>
+                <a:spcBef>
+                  <a:spcPts val="0"/>
+                </a:spcBef>
+                <a:spcAft>
+                  <a:spcPts val="0"/>
+                </a:spcAft>
+                <a:buClr>
+                  <a:srgbClr val="000000"/>
+                </a:buClr>
+                <a:buFont typeface="Arial"/>
+                <a:defRPr sz="1400" b="0" i="0" u="none" strike="noStrike" cap="none">
+                  <a:solidFill>
+                    <a:schemeClr val="tx1"/>
+                  </a:solidFill>
+                  <a:latin typeface="+mn-lt"/>
+                  <a:ea typeface="+mn-ea"/>
+                  <a:cs typeface="+mn-cs"/>
+                  <a:sym typeface="Arial"/>
+                </a:defRPr>
+              </a:lvl8pPr>
+              <a:lvl9pPr marR="0" lvl="8" algn="l" rtl="0">
+                <a:lnSpc>
+                  <a:spcPct val="100000"/>
+                </a:lnSpc>
+                <a:spcBef>
+                  <a:spcPts val="0"/>
+                </a:spcBef>
+                <a:spcAft>
+                  <a:spcPts val="0"/>
+                </a:spcAft>
+                <a:buClr>
+                  <a:srgbClr val="000000"/>
+                </a:buClr>
+                <a:buFont typeface="Arial"/>
+                <a:defRPr sz="1400" b="0" i="0" u="none" strike="noStrike" cap="none">
+                  <a:solidFill>
+                    <a:schemeClr val="tx1"/>
+                  </a:solidFill>
+                  <a:latin typeface="+mn-lt"/>
+                  <a:ea typeface="+mn-ea"/>
+                  <a:cs typeface="+mn-cs"/>
+                  <a:sym typeface="Arial"/>
+                </a:defRPr>
+              </a:lvl9pPr>
+            </a:lstStyle>
+            <a:p>
+              <a:pPr algn="ctr"/>
+              <a:endParaRPr lang="en-US">
+                <a:ln>
+                  <a:solidFill>
+                    <a:schemeClr val="tx1"/>
+                  </a:solidFill>
+                </a:ln>
+              </a:endParaRPr>
+            </a:p>
+          </p:txBody>
+        </p:sp>
+        <p:cxnSp>
+          <p:nvCxnSpPr>
+            <p:cNvPr id="52" name="Straight Connector 51">
+              <a:extLst>
+                <a:ext uri="{FF2B5EF4-FFF2-40B4-BE49-F238E27FC236}">
+                  <a16:creationId xmlns:a16="http://schemas.microsoft.com/office/drawing/2014/main" id="{92C5FB0B-15C3-7441-7A71-26D3CE0909A0}"/>
+                </a:ext>
+              </a:extLst>
+            </p:cNvPr>
+            <p:cNvCxnSpPr>
+              <a:cxnSpLocks/>
+            </p:cNvCxnSpPr>
+            <p:nvPr/>
+          </p:nvCxnSpPr>
+          <p:spPr>
+            <a:xfrm>
+              <a:off x="26372539" y="1624532"/>
+              <a:ext cx="0" cy="267470"/>
+            </a:xfrm>
+            <a:prstGeom prst="line">
+              <a:avLst/>
+            </a:prstGeom>
+            <a:effectLst/>
+          </p:spPr>
+          <p:style>
+            <a:lnRef idx="2">
+              <a:schemeClr val="dk1"/>
+            </a:lnRef>
+            <a:fillRef idx="0">
+              <a:schemeClr val="dk1"/>
+            </a:fillRef>
+            <a:effectRef idx="1">
+              <a:schemeClr val="dk1"/>
+            </a:effectRef>
+            <a:fontRef idx="minor">
+              <a:schemeClr val="tx1"/>
+            </a:fontRef>
+          </p:style>
+        </p:cxnSp>
+        <p:sp>
+          <p:nvSpPr>
+            <p:cNvPr id="54" name="TextBox 53">
+              <a:extLst>
+                <a:ext uri="{FF2B5EF4-FFF2-40B4-BE49-F238E27FC236}">
+                  <a16:creationId xmlns:a16="http://schemas.microsoft.com/office/drawing/2014/main" id="{E23C93D1-3BD0-7EC3-0205-AF180D86EC7F}"/>
+                </a:ext>
+              </a:extLst>
+            </p:cNvPr>
+            <p:cNvSpPr txBox="1"/>
+            <p:nvPr/>
+          </p:nvSpPr>
+          <p:spPr>
+            <a:xfrm>
+              <a:off x="23040140" y="1116006"/>
+              <a:ext cx="3035300" cy="461665"/>
+            </a:xfrm>
+            <a:prstGeom prst="rect">
+              <a:avLst/>
+            </a:prstGeom>
+            <a:noFill/>
+          </p:spPr>
+          <p:txBody>
+            <a:bodyPr wrap="square" rtlCol="0">
+              <a:spAutoFit/>
+            </a:bodyPr>
+            <a:lstStyle/>
+            <a:p>
+              <a:pPr algn="ctr"/>
+              <a:r>
+                <a:rPr lang="en-US" sz="2400" dirty="0"/>
+                <a:t>All clades</a:t>
+              </a:r>
+            </a:p>
+          </p:txBody>
+        </p:sp>
+        <p:sp>
+          <p:nvSpPr>
+            <p:cNvPr id="55" name="TextBox 54">
+              <a:extLst>
+                <a:ext uri="{FF2B5EF4-FFF2-40B4-BE49-F238E27FC236}">
+                  <a16:creationId xmlns:a16="http://schemas.microsoft.com/office/drawing/2014/main" id="{B5E417E1-8757-6B95-4812-2137C912B799}"/>
+                </a:ext>
+              </a:extLst>
+            </p:cNvPr>
+            <p:cNvSpPr txBox="1"/>
+            <p:nvPr/>
+          </p:nvSpPr>
+          <p:spPr>
+            <a:xfrm>
+              <a:off x="24855467" y="1115151"/>
+              <a:ext cx="3035300" cy="461665"/>
+            </a:xfrm>
+            <a:prstGeom prst="rect">
+              <a:avLst/>
+            </a:prstGeom>
+            <a:noFill/>
+          </p:spPr>
+          <p:txBody>
+            <a:bodyPr wrap="square" rtlCol="0">
+              <a:spAutoFit/>
+            </a:bodyPr>
+            <a:lstStyle/>
+            <a:p>
+              <a:pPr algn="ctr"/>
+              <a:r>
+                <a:rPr lang="en-US" sz="2400" dirty="0"/>
+                <a:t>Mammals</a:t>
+              </a:r>
+            </a:p>
+          </p:txBody>
+        </p:sp>
+        <p:sp>
+          <p:nvSpPr>
+            <p:cNvPr id="56" name="TextBox 55">
+              <a:extLst>
+                <a:ext uri="{FF2B5EF4-FFF2-40B4-BE49-F238E27FC236}">
+                  <a16:creationId xmlns:a16="http://schemas.microsoft.com/office/drawing/2014/main" id="{C6117BF5-AD0E-1A08-F90C-8D69C58F36E4}"/>
+                </a:ext>
+              </a:extLst>
+            </p:cNvPr>
+            <p:cNvSpPr txBox="1"/>
+            <p:nvPr/>
+          </p:nvSpPr>
+          <p:spPr>
+            <a:xfrm>
+              <a:off x="27232352" y="790268"/>
+              <a:ext cx="1908789" cy="830997"/>
+            </a:xfrm>
+            <a:prstGeom prst="rect">
+              <a:avLst/>
+            </a:prstGeom>
+            <a:noFill/>
+          </p:spPr>
+          <p:txBody>
+            <a:bodyPr wrap="square" rtlCol="0">
+              <a:spAutoFit/>
+            </a:bodyPr>
+            <a:lstStyle/>
+            <a:p>
+              <a:r>
+                <a:rPr lang="en-US" sz="2400" dirty="0"/>
+                <a:t>Ray-finned</a:t>
+              </a:r>
+            </a:p>
+            <a:p>
+              <a:r>
+                <a:rPr lang="en-US" sz="2400" dirty="0"/>
+                <a:t>fish</a:t>
+              </a:r>
+            </a:p>
+          </p:txBody>
+        </p:sp>
+        <p:sp>
+          <p:nvSpPr>
+            <p:cNvPr id="57" name="TextBox 56">
+              <a:extLst>
+                <a:ext uri="{FF2B5EF4-FFF2-40B4-BE49-F238E27FC236}">
+                  <a16:creationId xmlns:a16="http://schemas.microsoft.com/office/drawing/2014/main" id="{BEFBD81A-940F-4CFE-495A-57FD54DA434C}"/>
+                </a:ext>
+              </a:extLst>
+            </p:cNvPr>
+            <p:cNvSpPr txBox="1"/>
+            <p:nvPr/>
+          </p:nvSpPr>
+          <p:spPr>
+            <a:xfrm>
+              <a:off x="28068326" y="1115150"/>
+              <a:ext cx="3035300" cy="461665"/>
+            </a:xfrm>
+            <a:prstGeom prst="rect">
+              <a:avLst/>
+            </a:prstGeom>
+            <a:noFill/>
+          </p:spPr>
+          <p:txBody>
+            <a:bodyPr wrap="square" rtlCol="0">
+              <a:spAutoFit/>
+            </a:bodyPr>
+            <a:lstStyle/>
+            <a:p>
+              <a:pPr algn="ctr"/>
+              <a:r>
+                <a:rPr lang="en-US" sz="2400" dirty="0"/>
+                <a:t>Reptiles</a:t>
+              </a:r>
+            </a:p>
+          </p:txBody>
+        </p:sp>
+        <p:sp>
+          <p:nvSpPr>
+            <p:cNvPr id="58" name="Left Brace 57">
+              <a:extLst>
+                <a:ext uri="{FF2B5EF4-FFF2-40B4-BE49-F238E27FC236}">
+                  <a16:creationId xmlns:a16="http://schemas.microsoft.com/office/drawing/2014/main" id="{890432E8-D333-71DA-6E0D-47EB31FBEFC2}"/>
+                </a:ext>
+              </a:extLst>
+            </p:cNvPr>
+            <p:cNvSpPr/>
+            <p:nvPr/>
+          </p:nvSpPr>
+          <p:spPr>
+            <a:xfrm rot="5400000">
+              <a:off x="27702882" y="1337374"/>
+              <a:ext cx="236604" cy="872648"/>
+            </a:xfrm>
+            <a:prstGeom prst="leftBrace">
+              <a:avLst>
+                <a:gd name="adj1" fmla="val 35744"/>
+                <a:gd name="adj2" fmla="val 50000"/>
+              </a:avLst>
+            </a:prstGeom>
+            <a:ln/>
+            <a:effectLst/>
+          </p:spPr>
+          <p:style>
+            <a:lnRef idx="2">
+              <a:schemeClr val="dk1"/>
+            </a:lnRef>
+            <a:fillRef idx="0">
+              <a:schemeClr val="dk1"/>
+            </a:fillRef>
+            <a:effectRef idx="1">
+              <a:schemeClr val="dk1"/>
+            </a:effectRef>
+            <a:fontRef idx="minor">
+              <a:schemeClr val="tx1"/>
+            </a:fontRef>
+          </p:style>
+          <p:txBody>
+            <a:bodyPr rtlCol="0" anchor="ctr"/>
+            <a:lstStyle>
+              <a:defPPr marR="0" lvl="0" algn="l" rtl="0">
+                <a:lnSpc>
+                  <a:spcPct val="100000"/>
+                </a:lnSpc>
+                <a:spcBef>
+                  <a:spcPts val="0"/>
+                </a:spcBef>
+                <a:spcAft>
+                  <a:spcPts val="0"/>
+                </a:spcAft>
+              </a:defPPr>
+              <a:lvl1pPr marR="0" lvl="0" algn="l" rtl="0">
+                <a:lnSpc>
+                  <a:spcPct val="100000"/>
+                </a:lnSpc>
+                <a:spcBef>
+                  <a:spcPts val="0"/>
+                </a:spcBef>
+                <a:spcAft>
+                  <a:spcPts val="0"/>
+                </a:spcAft>
+                <a:buClr>
+                  <a:srgbClr val="000000"/>
+                </a:buClr>
+                <a:buFont typeface="Arial"/>
+                <a:defRPr sz="1400" b="0" i="0" u="none" strike="noStrike" cap="none">
+                  <a:solidFill>
+                    <a:schemeClr val="tx1"/>
+                  </a:solidFill>
+                  <a:latin typeface="+mn-lt"/>
+                  <a:ea typeface="+mn-ea"/>
+                  <a:cs typeface="+mn-cs"/>
+                  <a:sym typeface="Arial"/>
+                </a:defRPr>
+              </a:lvl1pPr>
+              <a:lvl2pPr marR="0" lvl="1" algn="l" rtl="0">
+                <a:lnSpc>
+                  <a:spcPct val="100000"/>
+                </a:lnSpc>
+                <a:spcBef>
+                  <a:spcPts val="0"/>
+                </a:spcBef>
+                <a:spcAft>
+                  <a:spcPts val="0"/>
+                </a:spcAft>
+                <a:buClr>
+                  <a:srgbClr val="000000"/>
+                </a:buClr>
+                <a:buFont typeface="Arial"/>
+                <a:defRPr sz="1400" b="0" i="0" u="none" strike="noStrike" cap="none">
+                  <a:solidFill>
+                    <a:schemeClr val="tx1"/>
+                  </a:solidFill>
+                  <a:latin typeface="+mn-lt"/>
+                  <a:ea typeface="+mn-ea"/>
+                  <a:cs typeface="+mn-cs"/>
+                  <a:sym typeface="Arial"/>
+                </a:defRPr>
+              </a:lvl2pPr>
+              <a:lvl3pPr marR="0" lvl="2" algn="l" rtl="0">
+                <a:lnSpc>
+                  <a:spcPct val="100000"/>
+                </a:lnSpc>
+                <a:spcBef>
+                  <a:spcPts val="0"/>
+                </a:spcBef>
+                <a:spcAft>
+                  <a:spcPts val="0"/>
+                </a:spcAft>
+                <a:buClr>
+                  <a:srgbClr val="000000"/>
+                </a:buClr>
+                <a:buFont typeface="Arial"/>
+                <a:defRPr sz="1400" b="0" i="0" u="none" strike="noStrike" cap="none">
+                  <a:solidFill>
+                    <a:schemeClr val="tx1"/>
+                  </a:solidFill>
+                  <a:latin typeface="+mn-lt"/>
+                  <a:ea typeface="+mn-ea"/>
+                  <a:cs typeface="+mn-cs"/>
+                  <a:sym typeface="Arial"/>
+                </a:defRPr>
+              </a:lvl3pPr>
+              <a:lvl4pPr marR="0" lvl="3" algn="l" rtl="0">
+                <a:lnSpc>
+                  <a:spcPct val="100000"/>
+                </a:lnSpc>
+                <a:spcBef>
+                  <a:spcPts val="0"/>
+                </a:spcBef>
+                <a:spcAft>
+                  <a:spcPts val="0"/>
+                </a:spcAft>
+                <a:buClr>
+                  <a:srgbClr val="000000"/>
+                </a:buClr>
+                <a:buFont typeface="Arial"/>
+                <a:defRPr sz="1400" b="0" i="0" u="none" strike="noStrike" cap="none">
+                  <a:solidFill>
+                    <a:schemeClr val="tx1"/>
+                  </a:solidFill>
+                  <a:latin typeface="+mn-lt"/>
+                  <a:ea typeface="+mn-ea"/>
+                  <a:cs typeface="+mn-cs"/>
+                  <a:sym typeface="Arial"/>
+                </a:defRPr>
+              </a:lvl4pPr>
+              <a:lvl5pPr marR="0" lvl="4" algn="l" rtl="0">
+                <a:lnSpc>
+                  <a:spcPct val="100000"/>
+                </a:lnSpc>
+                <a:spcBef>
+                  <a:spcPts val="0"/>
+                </a:spcBef>
+                <a:spcAft>
+                  <a:spcPts val="0"/>
+                </a:spcAft>
+                <a:buClr>
+                  <a:srgbClr val="000000"/>
+                </a:buClr>
+                <a:buFont typeface="Arial"/>
+                <a:defRPr sz="1400" b="0" i="0" u="none" strike="noStrike" cap="none">
+                  <a:solidFill>
+                    <a:schemeClr val="tx1"/>
+                  </a:solidFill>
+                  <a:latin typeface="+mn-lt"/>
+                  <a:ea typeface="+mn-ea"/>
+                  <a:cs typeface="+mn-cs"/>
+                  <a:sym typeface="Arial"/>
+                </a:defRPr>
+              </a:lvl5pPr>
+              <a:lvl6pPr marR="0" lvl="5" algn="l" rtl="0">
+                <a:lnSpc>
+                  <a:spcPct val="100000"/>
+                </a:lnSpc>
+                <a:spcBef>
+                  <a:spcPts val="0"/>
+                </a:spcBef>
+                <a:spcAft>
+                  <a:spcPts val="0"/>
+                </a:spcAft>
+                <a:buClr>
+                  <a:srgbClr val="000000"/>
+                </a:buClr>
+                <a:buFont typeface="Arial"/>
+                <a:defRPr sz="1400" b="0" i="0" u="none" strike="noStrike" cap="none">
+                  <a:solidFill>
+                    <a:schemeClr val="tx1"/>
+                  </a:solidFill>
+                  <a:latin typeface="+mn-lt"/>
+                  <a:ea typeface="+mn-ea"/>
+                  <a:cs typeface="+mn-cs"/>
+                  <a:sym typeface="Arial"/>
+                </a:defRPr>
+              </a:lvl6pPr>
+              <a:lvl7pPr marR="0" lvl="6" algn="l" rtl="0">
+                <a:lnSpc>
+                  <a:spcPct val="100000"/>
+                </a:lnSpc>
+                <a:spcBef>
+                  <a:spcPts val="0"/>
+                </a:spcBef>
+                <a:spcAft>
+                  <a:spcPts val="0"/>
+                </a:spcAft>
+                <a:buClr>
+                  <a:srgbClr val="000000"/>
+                </a:buClr>
+                <a:buFont typeface="Arial"/>
+                <a:defRPr sz="1400" b="0" i="0" u="none" strike="noStrike" cap="none">
+                  <a:solidFill>
+                    <a:schemeClr val="tx1"/>
+                  </a:solidFill>
+                  <a:latin typeface="+mn-lt"/>
+                  <a:ea typeface="+mn-ea"/>
+                  <a:cs typeface="+mn-cs"/>
+                  <a:sym typeface="Arial"/>
+                </a:defRPr>
+              </a:lvl7pPr>
+              <a:lvl8pPr marR="0" lvl="7" algn="l" rtl="0">
+                <a:lnSpc>
+                  <a:spcPct val="100000"/>
+                </a:lnSpc>
+                <a:spcBef>
+                  <a:spcPts val="0"/>
+                </a:spcBef>
+                <a:spcAft>
+                  <a:spcPts val="0"/>
+                </a:spcAft>
+                <a:buClr>
+                  <a:srgbClr val="000000"/>
+                </a:buClr>
+                <a:buFont typeface="Arial"/>
+                <a:defRPr sz="1400" b="0" i="0" u="none" strike="noStrike" cap="none">
+                  <a:solidFill>
+                    <a:schemeClr val="tx1"/>
+                  </a:solidFill>
+                  <a:latin typeface="+mn-lt"/>
+                  <a:ea typeface="+mn-ea"/>
+                  <a:cs typeface="+mn-cs"/>
+                  <a:sym typeface="Arial"/>
+                </a:defRPr>
+              </a:lvl8pPr>
+              <a:lvl9pPr marR="0" lvl="8" algn="l" rtl="0">
+                <a:lnSpc>
+                  <a:spcPct val="100000"/>
+                </a:lnSpc>
+                <a:spcBef>
+                  <a:spcPts val="0"/>
+                </a:spcBef>
+                <a:spcAft>
+                  <a:spcPts val="0"/>
+                </a:spcAft>
+                <a:buClr>
+                  <a:srgbClr val="000000"/>
+                </a:buClr>
+                <a:buFont typeface="Arial"/>
+                <a:defRPr sz="1400" b="0" i="0" u="none" strike="noStrike" cap="none">
+                  <a:solidFill>
+                    <a:schemeClr val="tx1"/>
+                  </a:solidFill>
+                  <a:latin typeface="+mn-lt"/>
+                  <a:ea typeface="+mn-ea"/>
+                  <a:cs typeface="+mn-cs"/>
+                  <a:sym typeface="Arial"/>
+                </a:defRPr>
+              </a:lvl9pPr>
+            </a:lstStyle>
+            <a:p>
+              <a:pPr algn="ctr"/>
+              <a:endParaRPr lang="en-US">
+                <a:ln>
+                  <a:solidFill>
+                    <a:schemeClr val="tx1"/>
+                  </a:solidFill>
+                </a:ln>
+              </a:endParaRPr>
+            </a:p>
+          </p:txBody>
+        </p:sp>
         <p:sp>
           <p:nvSpPr>
             <p:cNvPr id="2" name="TextBox 1">
@@ -13747,7 +13727,7 @@
           </p:nvSpPr>
           <p:spPr>
             <a:xfrm>
-              <a:off x="22593391" y="17133290"/>
+              <a:off x="30481905" y="6156861"/>
               <a:ext cx="1996452" cy="830997"/>
             </a:xfrm>
             <a:prstGeom prst="rect">
@@ -13770,12 +13750,1120 @@
           </p:txBody>
         </p:sp>
       </p:grpSp>
+      <p:grpSp>
+        <p:nvGrpSpPr>
+          <p:cNvPr id="130" name="Group 129">
+            <a:extLst>
+              <a:ext uri="{FF2B5EF4-FFF2-40B4-BE49-F238E27FC236}">
+                <a16:creationId xmlns:a16="http://schemas.microsoft.com/office/drawing/2014/main" id="{6F12AA59-4E71-17FF-40CD-E02577BD181C}"/>
+              </a:ext>
+            </a:extLst>
+          </p:cNvPr>
+          <p:cNvGrpSpPr/>
+          <p:nvPr/>
+        </p:nvGrpSpPr>
+        <p:grpSpPr>
+          <a:xfrm>
+            <a:off x="5519398" y="9792759"/>
+            <a:ext cx="4428896" cy="3800474"/>
+            <a:chOff x="5519398" y="9792759"/>
+            <a:chExt cx="4428896" cy="3800474"/>
+          </a:xfrm>
+        </p:grpSpPr>
+        <p:pic>
+          <p:nvPicPr>
+            <p:cNvPr id="84" name="Graphic 83">
+              <a:extLst>
+                <a:ext uri="{FF2B5EF4-FFF2-40B4-BE49-F238E27FC236}">
+                  <a16:creationId xmlns:a16="http://schemas.microsoft.com/office/drawing/2014/main" id="{1B69D7B3-010F-6952-633F-40B11CDBCEAF}"/>
+                </a:ext>
+              </a:extLst>
+            </p:cNvPr>
+            <p:cNvPicPr>
+              <a:picLocks noChangeAspect="1"/>
+            </p:cNvPicPr>
+            <p:nvPr/>
+          </p:nvPicPr>
+          <p:blipFill>
+            <a:blip r:embed="rId4">
+              <a:extLst>
+                <a:ext uri="{96DAC541-7B7A-43D3-8B79-37D633B846F1}">
+                  <asvg:svgBlip xmlns:asvg="http://schemas.microsoft.com/office/drawing/2016/SVG/main" r:embed="rId5"/>
+                </a:ext>
+              </a:extLst>
+            </a:blip>
+            <a:srcRect b="31780"/>
+            <a:stretch/>
+          </p:blipFill>
+          <p:spPr>
+            <a:xfrm>
+              <a:off x="5519398" y="9792759"/>
+              <a:ext cx="4428896" cy="2137522"/>
+            </a:xfrm>
+            <a:prstGeom prst="rect">
+              <a:avLst/>
+            </a:prstGeom>
+          </p:spPr>
+        </p:pic>
+        <p:sp>
+          <p:nvSpPr>
+            <p:cNvPr id="10" name="TextBox 9">
+              <a:extLst>
+                <a:ext uri="{FF2B5EF4-FFF2-40B4-BE49-F238E27FC236}">
+                  <a16:creationId xmlns:a16="http://schemas.microsoft.com/office/drawing/2014/main" id="{AF9CE0A9-5A18-AB0A-5FDC-3B31DEBF3A87}"/>
+                </a:ext>
+              </a:extLst>
+            </p:cNvPr>
+            <p:cNvSpPr txBox="1"/>
+            <p:nvPr/>
+          </p:nvSpPr>
+          <p:spPr>
+            <a:xfrm rot="18449438">
+              <a:off x="4839829" y="12521608"/>
+              <a:ext cx="1897028" cy="246221"/>
+            </a:xfrm>
+            <a:prstGeom prst="rect">
+              <a:avLst/>
+            </a:prstGeom>
+            <a:noFill/>
+          </p:spPr>
+          <p:txBody>
+            <a:bodyPr wrap="square" rtlCol="0">
+              <a:spAutoFit/>
+            </a:bodyPr>
+            <a:lstStyle/>
+            <a:p>
+              <a:pPr algn="r"/>
+              <a:r>
+                <a:rPr lang="en-US" sz="1000" dirty="0"/>
+                <a:t>SINE age</a:t>
+              </a:r>
+            </a:p>
+          </p:txBody>
+        </p:sp>
+        <p:sp>
+          <p:nvSpPr>
+            <p:cNvPr id="11" name="TextBox 10">
+              <a:extLst>
+                <a:ext uri="{FF2B5EF4-FFF2-40B4-BE49-F238E27FC236}">
+                  <a16:creationId xmlns:a16="http://schemas.microsoft.com/office/drawing/2014/main" id="{1BE49D9F-F672-F6CB-1F62-2FA5E7D2BE5D}"/>
+                </a:ext>
+              </a:extLst>
+            </p:cNvPr>
+            <p:cNvSpPr txBox="1"/>
+            <p:nvPr/>
+          </p:nvSpPr>
+          <p:spPr>
+            <a:xfrm rot="18449438">
+              <a:off x="5107178" y="12521608"/>
+              <a:ext cx="1897028" cy="246221"/>
+            </a:xfrm>
+            <a:prstGeom prst="rect">
+              <a:avLst/>
+            </a:prstGeom>
+            <a:noFill/>
+          </p:spPr>
+          <p:txBody>
+            <a:bodyPr wrap="square" rtlCol="0">
+              <a:spAutoFit/>
+            </a:bodyPr>
+            <a:lstStyle/>
+            <a:p>
+              <a:pPr algn="r"/>
+              <a:r>
+                <a:rPr lang="en-US" sz="1000" dirty="0"/>
+                <a:t>Unknown age</a:t>
+              </a:r>
+            </a:p>
+          </p:txBody>
+        </p:sp>
+        <p:sp>
+          <p:nvSpPr>
+            <p:cNvPr id="12" name="TextBox 11">
+              <a:extLst>
+                <a:ext uri="{FF2B5EF4-FFF2-40B4-BE49-F238E27FC236}">
+                  <a16:creationId xmlns:a16="http://schemas.microsoft.com/office/drawing/2014/main" id="{2B39F5A1-F7D6-6E6E-F19E-11A585CFCDA6}"/>
+                </a:ext>
+              </a:extLst>
+            </p:cNvPr>
+            <p:cNvSpPr txBox="1"/>
+            <p:nvPr/>
+          </p:nvSpPr>
+          <p:spPr>
+            <a:xfrm rot="18449438">
+              <a:off x="5374527" y="12521608"/>
+              <a:ext cx="1897028" cy="246221"/>
+            </a:xfrm>
+            <a:prstGeom prst="rect">
+              <a:avLst/>
+            </a:prstGeom>
+            <a:noFill/>
+          </p:spPr>
+          <p:txBody>
+            <a:bodyPr wrap="square" rtlCol="0">
+              <a:spAutoFit/>
+            </a:bodyPr>
+            <a:lstStyle/>
+            <a:p>
+              <a:pPr algn="r"/>
+              <a:r>
+                <a:rPr lang="en-US" sz="1000" dirty="0"/>
+                <a:t>DNA age x prop.</a:t>
+              </a:r>
+            </a:p>
+          </p:txBody>
+        </p:sp>
+        <p:sp>
+          <p:nvSpPr>
+            <p:cNvPr id="13" name="TextBox 12">
+              <a:extLst>
+                <a:ext uri="{FF2B5EF4-FFF2-40B4-BE49-F238E27FC236}">
+                  <a16:creationId xmlns:a16="http://schemas.microsoft.com/office/drawing/2014/main" id="{7A4009D3-0FD7-E42C-EA14-9F4968AD1878}"/>
+                </a:ext>
+              </a:extLst>
+            </p:cNvPr>
+            <p:cNvSpPr txBox="1"/>
+            <p:nvPr/>
+          </p:nvSpPr>
+          <p:spPr>
+            <a:xfrm rot="18449438">
+              <a:off x="5860355" y="12521608"/>
+              <a:ext cx="1897028" cy="246221"/>
+            </a:xfrm>
+            <a:prstGeom prst="rect">
+              <a:avLst/>
+            </a:prstGeom>
+            <a:noFill/>
+          </p:spPr>
+          <p:txBody>
+            <a:bodyPr wrap="square" rtlCol="0">
+              <a:spAutoFit/>
+            </a:bodyPr>
+            <a:lstStyle/>
+            <a:p>
+              <a:pPr algn="r"/>
+              <a:r>
+                <a:rPr lang="en-US" sz="1000" dirty="0"/>
+                <a:t>SINE age x prop.</a:t>
+              </a:r>
+            </a:p>
+          </p:txBody>
+        </p:sp>
+        <p:sp>
+          <p:nvSpPr>
+            <p:cNvPr id="14" name="TextBox 13">
+              <a:extLst>
+                <a:ext uri="{FF2B5EF4-FFF2-40B4-BE49-F238E27FC236}">
+                  <a16:creationId xmlns:a16="http://schemas.microsoft.com/office/drawing/2014/main" id="{111CAFED-A3A5-F9F2-B246-4D0413DAA16F}"/>
+                </a:ext>
+              </a:extLst>
+            </p:cNvPr>
+            <p:cNvSpPr txBox="1"/>
+            <p:nvPr/>
+          </p:nvSpPr>
+          <p:spPr>
+            <a:xfrm rot="18449438">
+              <a:off x="6349195" y="12521608"/>
+              <a:ext cx="1897028" cy="246221"/>
+            </a:xfrm>
+            <a:prstGeom prst="rect">
+              <a:avLst/>
+            </a:prstGeom>
+            <a:noFill/>
+          </p:spPr>
+          <p:txBody>
+            <a:bodyPr wrap="square" rtlCol="0">
+              <a:spAutoFit/>
+            </a:bodyPr>
+            <a:lstStyle/>
+            <a:p>
+              <a:pPr algn="r"/>
+              <a:r>
+                <a:rPr lang="en-US" sz="1000" dirty="0"/>
+                <a:t>SINE proportion</a:t>
+              </a:r>
+            </a:p>
+          </p:txBody>
+        </p:sp>
+        <p:sp>
+          <p:nvSpPr>
+            <p:cNvPr id="15" name="TextBox 14">
+              <a:extLst>
+                <a:ext uri="{FF2B5EF4-FFF2-40B4-BE49-F238E27FC236}">
+                  <a16:creationId xmlns:a16="http://schemas.microsoft.com/office/drawing/2014/main" id="{B14FFE83-B160-14B8-3217-0773966BBDE5}"/>
+                </a:ext>
+              </a:extLst>
+            </p:cNvPr>
+            <p:cNvSpPr txBox="1"/>
+            <p:nvPr/>
+          </p:nvSpPr>
+          <p:spPr>
+            <a:xfrm rot="18449438">
+              <a:off x="6616545" y="12521607"/>
+              <a:ext cx="1897028" cy="246221"/>
+            </a:xfrm>
+            <a:prstGeom prst="rect">
+              <a:avLst/>
+            </a:prstGeom>
+            <a:noFill/>
+          </p:spPr>
+          <p:txBody>
+            <a:bodyPr wrap="square" rtlCol="0">
+              <a:spAutoFit/>
+            </a:bodyPr>
+            <a:lstStyle/>
+            <a:p>
+              <a:pPr algn="r"/>
+              <a:r>
+                <a:rPr lang="en-US" sz="1000" dirty="0"/>
+                <a:t>Others proportion</a:t>
+              </a:r>
+            </a:p>
+          </p:txBody>
+        </p:sp>
+        <p:sp>
+          <p:nvSpPr>
+            <p:cNvPr id="16" name="TextBox 15">
+              <a:extLst>
+                <a:ext uri="{FF2B5EF4-FFF2-40B4-BE49-F238E27FC236}">
+                  <a16:creationId xmlns:a16="http://schemas.microsoft.com/office/drawing/2014/main" id="{53EDF1FD-6700-95A2-C8B0-BF0B8D2C6CDE}"/>
+                </a:ext>
+              </a:extLst>
+            </p:cNvPr>
+            <p:cNvSpPr txBox="1"/>
+            <p:nvPr/>
+          </p:nvSpPr>
+          <p:spPr>
+            <a:xfrm rot="18449438">
+              <a:off x="7101476" y="12521607"/>
+              <a:ext cx="1897028" cy="246221"/>
+            </a:xfrm>
+            <a:prstGeom prst="rect">
+              <a:avLst/>
+            </a:prstGeom>
+            <a:noFill/>
+          </p:spPr>
+          <p:txBody>
+            <a:bodyPr wrap="square" rtlCol="0">
+              <a:spAutoFit/>
+            </a:bodyPr>
+            <a:lstStyle/>
+            <a:p>
+              <a:pPr algn="r"/>
+              <a:r>
+                <a:rPr lang="en-US" sz="1000" dirty="0"/>
+                <a:t>LTR age</a:t>
+              </a:r>
+            </a:p>
+          </p:txBody>
+        </p:sp>
+        <p:sp>
+          <p:nvSpPr>
+            <p:cNvPr id="17" name="TextBox 16">
+              <a:extLst>
+                <a:ext uri="{FF2B5EF4-FFF2-40B4-BE49-F238E27FC236}">
+                  <a16:creationId xmlns:a16="http://schemas.microsoft.com/office/drawing/2014/main" id="{E8903CC0-39F5-14A0-E990-877365983F26}"/>
+                </a:ext>
+              </a:extLst>
+            </p:cNvPr>
+            <p:cNvSpPr txBox="1"/>
+            <p:nvPr/>
+          </p:nvSpPr>
+          <p:spPr>
+            <a:xfrm rot="18449438">
+              <a:off x="7369365" y="12521606"/>
+              <a:ext cx="1897028" cy="246221"/>
+            </a:xfrm>
+            <a:prstGeom prst="rect">
+              <a:avLst/>
+            </a:prstGeom>
+            <a:noFill/>
+          </p:spPr>
+          <p:txBody>
+            <a:bodyPr wrap="square" rtlCol="0">
+              <a:spAutoFit/>
+            </a:bodyPr>
+            <a:lstStyle/>
+            <a:p>
+              <a:pPr algn="r"/>
+              <a:r>
+                <a:rPr lang="en-US" sz="1000" dirty="0"/>
+                <a:t>Unknown age</a:t>
+              </a:r>
+            </a:p>
+          </p:txBody>
+        </p:sp>
+        <p:cxnSp>
+          <p:nvCxnSpPr>
+            <p:cNvPr id="61" name="Straight Connector 60">
+              <a:extLst>
+                <a:ext uri="{FF2B5EF4-FFF2-40B4-BE49-F238E27FC236}">
+                  <a16:creationId xmlns:a16="http://schemas.microsoft.com/office/drawing/2014/main" id="{1E774E3B-8913-668C-9183-CBEE8F01B9ED}"/>
+                </a:ext>
+              </a:extLst>
+            </p:cNvPr>
+            <p:cNvCxnSpPr>
+              <a:cxnSpLocks/>
+            </p:cNvCxnSpPr>
+            <p:nvPr/>
+          </p:nvCxnSpPr>
+          <p:spPr>
+            <a:xfrm>
+              <a:off x="7084284" y="10355263"/>
+              <a:ext cx="0" cy="1461923"/>
+            </a:xfrm>
+            <a:prstGeom prst="line">
+              <a:avLst/>
+            </a:prstGeom>
+            <a:ln w="88900">
+              <a:solidFill>
+                <a:schemeClr val="bg1"/>
+              </a:solidFill>
+              <a:prstDash val="solid"/>
+            </a:ln>
+          </p:spPr>
+          <p:style>
+            <a:lnRef idx="1">
+              <a:schemeClr val="accent1"/>
+            </a:lnRef>
+            <a:fillRef idx="0">
+              <a:schemeClr val="accent1"/>
+            </a:fillRef>
+            <a:effectRef idx="0">
+              <a:schemeClr val="accent1"/>
+            </a:effectRef>
+            <a:fontRef idx="minor">
+              <a:schemeClr val="tx1"/>
+            </a:fontRef>
+          </p:style>
+        </p:cxnSp>
+        <p:cxnSp>
+          <p:nvCxnSpPr>
+            <p:cNvPr id="23" name="Straight Connector 22">
+              <a:extLst>
+                <a:ext uri="{FF2B5EF4-FFF2-40B4-BE49-F238E27FC236}">
+                  <a16:creationId xmlns:a16="http://schemas.microsoft.com/office/drawing/2014/main" id="{672E55B6-83DE-2D07-EA2F-524B647B9590}"/>
+                </a:ext>
+              </a:extLst>
+            </p:cNvPr>
+            <p:cNvCxnSpPr>
+              <a:cxnSpLocks/>
+            </p:cNvCxnSpPr>
+            <p:nvPr/>
+          </p:nvCxnSpPr>
+          <p:spPr>
+            <a:xfrm>
+              <a:off x="7084284" y="10355263"/>
+              <a:ext cx="0" cy="1462087"/>
+            </a:xfrm>
+            <a:prstGeom prst="line">
+              <a:avLst/>
+            </a:prstGeom>
+            <a:ln w="6350">
+              <a:solidFill>
+                <a:schemeClr val="tx1"/>
+              </a:solidFill>
+              <a:prstDash val="dash"/>
+            </a:ln>
+          </p:spPr>
+          <p:style>
+            <a:lnRef idx="1">
+              <a:schemeClr val="accent1"/>
+            </a:lnRef>
+            <a:fillRef idx="0">
+              <a:schemeClr val="accent1"/>
+            </a:fillRef>
+            <a:effectRef idx="0">
+              <a:schemeClr val="accent1"/>
+            </a:effectRef>
+            <a:fontRef idx="minor">
+              <a:schemeClr val="tx1"/>
+            </a:fontRef>
+          </p:style>
+        </p:cxnSp>
+        <p:cxnSp>
+          <p:nvCxnSpPr>
+            <p:cNvPr id="63" name="Straight Connector 62">
+              <a:extLst>
+                <a:ext uri="{FF2B5EF4-FFF2-40B4-BE49-F238E27FC236}">
+                  <a16:creationId xmlns:a16="http://schemas.microsoft.com/office/drawing/2014/main" id="{A5B68262-FE24-AA0A-34D6-263506E252A2}"/>
+                </a:ext>
+              </a:extLst>
+            </p:cNvPr>
+            <p:cNvCxnSpPr>
+              <a:cxnSpLocks/>
+            </p:cNvCxnSpPr>
+            <p:nvPr/>
+          </p:nvCxnSpPr>
+          <p:spPr>
+            <a:xfrm>
+              <a:off x="7566408" y="10355263"/>
+              <a:ext cx="0" cy="1461923"/>
+            </a:xfrm>
+            <a:prstGeom prst="line">
+              <a:avLst/>
+            </a:prstGeom>
+            <a:ln w="88900">
+              <a:solidFill>
+                <a:schemeClr val="bg1"/>
+              </a:solidFill>
+              <a:prstDash val="solid"/>
+            </a:ln>
+          </p:spPr>
+          <p:style>
+            <a:lnRef idx="1">
+              <a:schemeClr val="accent1"/>
+            </a:lnRef>
+            <a:fillRef idx="0">
+              <a:schemeClr val="accent1"/>
+            </a:fillRef>
+            <a:effectRef idx="0">
+              <a:schemeClr val="accent1"/>
+            </a:effectRef>
+            <a:fontRef idx="minor">
+              <a:schemeClr val="tx1"/>
+            </a:fontRef>
+          </p:style>
+        </p:cxnSp>
+        <p:cxnSp>
+          <p:nvCxnSpPr>
+            <p:cNvPr id="32" name="Straight Connector 31">
+              <a:extLst>
+                <a:ext uri="{FF2B5EF4-FFF2-40B4-BE49-F238E27FC236}">
+                  <a16:creationId xmlns:a16="http://schemas.microsoft.com/office/drawing/2014/main" id="{A704A159-0AB7-AAF7-B517-861929E69847}"/>
+                </a:ext>
+              </a:extLst>
+            </p:cNvPr>
+            <p:cNvCxnSpPr>
+              <a:cxnSpLocks/>
+            </p:cNvCxnSpPr>
+            <p:nvPr/>
+          </p:nvCxnSpPr>
+          <p:spPr>
+            <a:xfrm>
+              <a:off x="7565875" y="10355263"/>
+              <a:ext cx="6826" cy="1468437"/>
+            </a:xfrm>
+            <a:prstGeom prst="line">
+              <a:avLst/>
+            </a:prstGeom>
+            <a:ln w="6350">
+              <a:solidFill>
+                <a:schemeClr val="tx1"/>
+              </a:solidFill>
+              <a:prstDash val="dash"/>
+            </a:ln>
+          </p:spPr>
+          <p:style>
+            <a:lnRef idx="1">
+              <a:schemeClr val="accent1"/>
+            </a:lnRef>
+            <a:fillRef idx="0">
+              <a:schemeClr val="accent1"/>
+            </a:fillRef>
+            <a:effectRef idx="0">
+              <a:schemeClr val="accent1"/>
+            </a:effectRef>
+            <a:fontRef idx="minor">
+              <a:schemeClr val="tx1"/>
+            </a:fontRef>
+          </p:style>
+        </p:cxnSp>
+        <p:cxnSp>
+          <p:nvCxnSpPr>
+            <p:cNvPr id="64" name="Straight Connector 63">
+              <a:extLst>
+                <a:ext uri="{FF2B5EF4-FFF2-40B4-BE49-F238E27FC236}">
+                  <a16:creationId xmlns:a16="http://schemas.microsoft.com/office/drawing/2014/main" id="{DB6748AC-D18A-C110-C0ED-B671667119D7}"/>
+                </a:ext>
+              </a:extLst>
+            </p:cNvPr>
+            <p:cNvCxnSpPr>
+              <a:cxnSpLocks/>
+            </p:cNvCxnSpPr>
+            <p:nvPr/>
+          </p:nvCxnSpPr>
+          <p:spPr>
+            <a:xfrm>
+              <a:off x="8306583" y="10355263"/>
+              <a:ext cx="0" cy="1461923"/>
+            </a:xfrm>
+            <a:prstGeom prst="line">
+              <a:avLst/>
+            </a:prstGeom>
+            <a:ln w="88900">
+              <a:solidFill>
+                <a:schemeClr val="bg1"/>
+              </a:solidFill>
+              <a:prstDash val="solid"/>
+            </a:ln>
+          </p:spPr>
+          <p:style>
+            <a:lnRef idx="1">
+              <a:schemeClr val="accent1"/>
+            </a:lnRef>
+            <a:fillRef idx="0">
+              <a:schemeClr val="accent1"/>
+            </a:fillRef>
+            <a:effectRef idx="0">
+              <a:schemeClr val="accent1"/>
+            </a:effectRef>
+            <a:fontRef idx="minor">
+              <a:schemeClr val="tx1"/>
+            </a:fontRef>
+          </p:style>
+        </p:cxnSp>
+        <p:cxnSp>
+          <p:nvCxnSpPr>
+            <p:cNvPr id="39" name="Straight Connector 38">
+              <a:extLst>
+                <a:ext uri="{FF2B5EF4-FFF2-40B4-BE49-F238E27FC236}">
+                  <a16:creationId xmlns:a16="http://schemas.microsoft.com/office/drawing/2014/main" id="{E738360B-7516-FA25-EC42-CE6A8BEF6687}"/>
+                </a:ext>
+              </a:extLst>
+            </p:cNvPr>
+            <p:cNvCxnSpPr>
+              <a:cxnSpLocks/>
+            </p:cNvCxnSpPr>
+            <p:nvPr/>
+          </p:nvCxnSpPr>
+          <p:spPr>
+            <a:xfrm>
+              <a:off x="8306583" y="10355263"/>
+              <a:ext cx="0" cy="1465262"/>
+            </a:xfrm>
+            <a:prstGeom prst="line">
+              <a:avLst/>
+            </a:prstGeom>
+            <a:ln w="6350">
+              <a:solidFill>
+                <a:schemeClr val="tx1"/>
+              </a:solidFill>
+              <a:prstDash val="dash"/>
+            </a:ln>
+          </p:spPr>
+          <p:style>
+            <a:lnRef idx="1">
+              <a:schemeClr val="accent1"/>
+            </a:lnRef>
+            <a:fillRef idx="0">
+              <a:schemeClr val="accent1"/>
+            </a:fillRef>
+            <a:effectRef idx="0">
+              <a:schemeClr val="accent1"/>
+            </a:effectRef>
+            <a:fontRef idx="minor">
+              <a:schemeClr val="tx1"/>
+            </a:fontRef>
+          </p:style>
+        </p:cxnSp>
+        <p:sp>
+          <p:nvSpPr>
+            <p:cNvPr id="73" name="TextBox 72">
+              <a:extLst>
+                <a:ext uri="{FF2B5EF4-FFF2-40B4-BE49-F238E27FC236}">
+                  <a16:creationId xmlns:a16="http://schemas.microsoft.com/office/drawing/2014/main" id="{98122ABB-F797-65E2-92C4-ADB6C1A443C9}"/>
+                </a:ext>
+              </a:extLst>
+            </p:cNvPr>
+            <p:cNvSpPr txBox="1"/>
+            <p:nvPr/>
+          </p:nvSpPr>
+          <p:spPr>
+            <a:xfrm>
+              <a:off x="8889170" y="11922000"/>
+              <a:ext cx="1006433" cy="400110"/>
+            </a:xfrm>
+            <a:prstGeom prst="rect">
+              <a:avLst/>
+            </a:prstGeom>
+            <a:noFill/>
+          </p:spPr>
+          <p:txBody>
+            <a:bodyPr wrap="square" rtlCol="0">
+              <a:spAutoFit/>
+            </a:bodyPr>
+            <a:lstStyle/>
+            <a:p>
+              <a:pPr algn="ctr"/>
+              <a:r>
+                <a:rPr lang="en-US" sz="1000" dirty="0"/>
+                <a:t>Variable</a:t>
+              </a:r>
+            </a:p>
+            <a:p>
+              <a:pPr algn="ctr"/>
+              <a:r>
+                <a:rPr lang="en-US" sz="1000" dirty="0"/>
+                <a:t>importance</a:t>
+              </a:r>
+            </a:p>
+          </p:txBody>
+        </p:sp>
+        <p:pic>
+          <p:nvPicPr>
+            <p:cNvPr id="98" name="Graphic 97" descr="Close with solid fill">
+              <a:extLst>
+                <a:ext uri="{FF2B5EF4-FFF2-40B4-BE49-F238E27FC236}">
+                  <a16:creationId xmlns:a16="http://schemas.microsoft.com/office/drawing/2014/main" id="{D1F505BF-4D39-2233-06AF-2C08D3714367}"/>
+                </a:ext>
+              </a:extLst>
+            </p:cNvPr>
+            <p:cNvPicPr>
+              <a:picLocks noChangeAspect="1"/>
+            </p:cNvPicPr>
+            <p:nvPr/>
+          </p:nvPicPr>
+          <p:blipFill>
+            <a:blip r:embed="rId6">
+              <a:extLst>
+                <a:ext uri="{96DAC541-7B7A-43D3-8B79-37D633B846F1}">
+                  <asvg:svgBlip xmlns:asvg="http://schemas.microsoft.com/office/drawing/2016/SVG/main" r:embed="rId7"/>
+                </a:ext>
+              </a:extLst>
+            </a:blip>
+            <a:stretch>
+              <a:fillRect/>
+            </a:stretch>
+          </p:blipFill>
+          <p:spPr>
+            <a:xfrm>
+              <a:off x="6521282" y="11004712"/>
+              <a:ext cx="90659" cy="90659"/>
+            </a:xfrm>
+            <a:prstGeom prst="rect">
+              <a:avLst/>
+            </a:prstGeom>
+          </p:spPr>
+        </p:pic>
+        <p:pic>
+          <p:nvPicPr>
+            <p:cNvPr id="99" name="Graphic 98" descr="Checkmark with solid fill">
+              <a:extLst>
+                <a:ext uri="{FF2B5EF4-FFF2-40B4-BE49-F238E27FC236}">
+                  <a16:creationId xmlns:a16="http://schemas.microsoft.com/office/drawing/2014/main" id="{5EAD19D7-9B34-2344-4E91-0CB83CD648CF}"/>
+                </a:ext>
+              </a:extLst>
+            </p:cNvPr>
+            <p:cNvPicPr>
+              <a:picLocks noChangeAspect="1"/>
+            </p:cNvPicPr>
+            <p:nvPr/>
+          </p:nvPicPr>
+          <p:blipFill>
+            <a:blip r:embed="rId8">
+              <a:extLst>
+                <a:ext uri="{96DAC541-7B7A-43D3-8B79-37D633B846F1}">
+                  <asvg:svgBlip xmlns:asvg="http://schemas.microsoft.com/office/drawing/2016/SVG/main" r:embed="rId9"/>
+                </a:ext>
+              </a:extLst>
+            </a:blip>
+            <a:stretch>
+              <a:fillRect/>
+            </a:stretch>
+          </p:blipFill>
+          <p:spPr>
+            <a:xfrm>
+              <a:off x="6255990" y="11004214"/>
+              <a:ext cx="90659" cy="90659"/>
+            </a:xfrm>
+            <a:prstGeom prst="rect">
+              <a:avLst/>
+            </a:prstGeom>
+          </p:spPr>
+        </p:pic>
+        <p:pic>
+          <p:nvPicPr>
+            <p:cNvPr id="100" name="Graphic 99" descr="Checkmark with solid fill">
+              <a:extLst>
+                <a:ext uri="{FF2B5EF4-FFF2-40B4-BE49-F238E27FC236}">
+                  <a16:creationId xmlns:a16="http://schemas.microsoft.com/office/drawing/2014/main" id="{E804CCB9-E409-BF0C-D507-648CE051A2FC}"/>
+                </a:ext>
+              </a:extLst>
+            </p:cNvPr>
+            <p:cNvPicPr>
+              <a:picLocks noChangeAspect="1"/>
+            </p:cNvPicPr>
+            <p:nvPr/>
+          </p:nvPicPr>
+          <p:blipFill>
+            <a:blip r:embed="rId8">
+              <a:extLst>
+                <a:ext uri="{96DAC541-7B7A-43D3-8B79-37D633B846F1}">
+                  <asvg:svgBlip xmlns:asvg="http://schemas.microsoft.com/office/drawing/2016/SVG/main" r:embed="rId9"/>
+                </a:ext>
+              </a:extLst>
+            </a:blip>
+            <a:stretch>
+              <a:fillRect/>
+            </a:stretch>
+          </p:blipFill>
+          <p:spPr>
+            <a:xfrm>
+              <a:off x="7765194" y="11004215"/>
+              <a:ext cx="90659" cy="90659"/>
+            </a:xfrm>
+            <a:prstGeom prst="rect">
+              <a:avLst/>
+            </a:prstGeom>
+          </p:spPr>
+        </p:pic>
+        <p:pic>
+          <p:nvPicPr>
+            <p:cNvPr id="101" name="Graphic 100" descr="Checkmark with solid fill">
+              <a:extLst>
+                <a:ext uri="{FF2B5EF4-FFF2-40B4-BE49-F238E27FC236}">
+                  <a16:creationId xmlns:a16="http://schemas.microsoft.com/office/drawing/2014/main" id="{2D5E2C4A-1A03-5ABA-BE4F-987F52FBD788}"/>
+                </a:ext>
+              </a:extLst>
+            </p:cNvPr>
+            <p:cNvPicPr>
+              <a:picLocks noChangeAspect="1"/>
+            </p:cNvPicPr>
+            <p:nvPr/>
+          </p:nvPicPr>
+          <p:blipFill>
+            <a:blip r:embed="rId8">
+              <a:extLst>
+                <a:ext uri="{96DAC541-7B7A-43D3-8B79-37D633B846F1}">
+                  <asvg:svgBlip xmlns:asvg="http://schemas.microsoft.com/office/drawing/2016/SVG/main" r:embed="rId9"/>
+                </a:ext>
+              </a:extLst>
+            </a:blip>
+            <a:stretch>
+              <a:fillRect/>
+            </a:stretch>
+          </p:blipFill>
+          <p:spPr>
+            <a:xfrm>
+              <a:off x="8518736" y="11004216"/>
+              <a:ext cx="90659" cy="90659"/>
+            </a:xfrm>
+            <a:prstGeom prst="rect">
+              <a:avLst/>
+            </a:prstGeom>
+          </p:spPr>
+        </p:pic>
+        <p:pic>
+          <p:nvPicPr>
+            <p:cNvPr id="102" name="Graphic 101" descr="Close with solid fill">
+              <a:extLst>
+                <a:ext uri="{FF2B5EF4-FFF2-40B4-BE49-F238E27FC236}">
+                  <a16:creationId xmlns:a16="http://schemas.microsoft.com/office/drawing/2014/main" id="{85B3AFC0-760E-3516-787E-4B6E997A49FB}"/>
+                </a:ext>
+              </a:extLst>
+            </p:cNvPr>
+            <p:cNvPicPr>
+              <a:picLocks noChangeAspect="1"/>
+            </p:cNvPicPr>
+            <p:nvPr/>
+          </p:nvPicPr>
+          <p:blipFill>
+            <a:blip r:embed="rId6">
+              <a:extLst>
+                <a:ext uri="{96DAC541-7B7A-43D3-8B79-37D633B846F1}">
+                  <asvg:svgBlip xmlns:asvg="http://schemas.microsoft.com/office/drawing/2016/SVG/main" r:embed="rId7"/>
+                </a:ext>
+              </a:extLst>
+            </a:blip>
+            <a:stretch>
+              <a:fillRect/>
+            </a:stretch>
+          </p:blipFill>
+          <p:spPr>
+            <a:xfrm>
+              <a:off x="6786392" y="11004708"/>
+              <a:ext cx="90659" cy="90659"/>
+            </a:xfrm>
+            <a:prstGeom prst="rect">
+              <a:avLst/>
+            </a:prstGeom>
+          </p:spPr>
+        </p:pic>
+        <p:pic>
+          <p:nvPicPr>
+            <p:cNvPr id="103" name="Graphic 102" descr="Close with solid fill">
+              <a:extLst>
+                <a:ext uri="{FF2B5EF4-FFF2-40B4-BE49-F238E27FC236}">
+                  <a16:creationId xmlns:a16="http://schemas.microsoft.com/office/drawing/2014/main" id="{6A66A6A2-63D9-686A-019F-82CF74B28AF6}"/>
+                </a:ext>
+              </a:extLst>
+            </p:cNvPr>
+            <p:cNvPicPr>
+              <a:picLocks noChangeAspect="1"/>
+            </p:cNvPicPr>
+            <p:nvPr/>
+          </p:nvPicPr>
+          <p:blipFill>
+            <a:blip r:embed="rId6">
+              <a:extLst>
+                <a:ext uri="{96DAC541-7B7A-43D3-8B79-37D633B846F1}">
+                  <asvg:svgBlip xmlns:asvg="http://schemas.microsoft.com/office/drawing/2016/SVG/main" r:embed="rId7"/>
+                </a:ext>
+              </a:extLst>
+            </a:blip>
+            <a:stretch>
+              <a:fillRect/>
+            </a:stretch>
+          </p:blipFill>
+          <p:spPr>
+            <a:xfrm>
+              <a:off x="8029422" y="11004706"/>
+              <a:ext cx="90659" cy="90659"/>
+            </a:xfrm>
+            <a:prstGeom prst="rect">
+              <a:avLst/>
+            </a:prstGeom>
+          </p:spPr>
+        </p:pic>
+        <p:pic>
+          <p:nvPicPr>
+            <p:cNvPr id="104" name="Graphic 103" descr="Close with solid fill">
+              <a:extLst>
+                <a:ext uri="{FF2B5EF4-FFF2-40B4-BE49-F238E27FC236}">
+                  <a16:creationId xmlns:a16="http://schemas.microsoft.com/office/drawing/2014/main" id="{5C62A71C-A533-56A6-661F-407349F2D1AA}"/>
+                </a:ext>
+              </a:extLst>
+            </p:cNvPr>
+            <p:cNvPicPr>
+              <a:picLocks noChangeAspect="1"/>
+            </p:cNvPicPr>
+            <p:nvPr/>
+          </p:nvPicPr>
+          <p:blipFill>
+            <a:blip r:embed="rId6">
+              <a:extLst>
+                <a:ext uri="{96DAC541-7B7A-43D3-8B79-37D633B846F1}">
+                  <asvg:svgBlip xmlns:asvg="http://schemas.microsoft.com/office/drawing/2016/SVG/main" r:embed="rId7"/>
+                </a:ext>
+              </a:extLst>
+            </a:blip>
+            <a:stretch>
+              <a:fillRect/>
+            </a:stretch>
+          </p:blipFill>
+          <p:spPr>
+            <a:xfrm>
+              <a:off x="8785084" y="11004702"/>
+              <a:ext cx="90659" cy="90659"/>
+            </a:xfrm>
+            <a:prstGeom prst="rect">
+              <a:avLst/>
+            </a:prstGeom>
+          </p:spPr>
+        </p:pic>
+        <p:pic>
+          <p:nvPicPr>
+            <p:cNvPr id="105" name="Graphic 104" descr="Checkmark with solid fill">
+              <a:extLst>
+                <a:ext uri="{FF2B5EF4-FFF2-40B4-BE49-F238E27FC236}">
+                  <a16:creationId xmlns:a16="http://schemas.microsoft.com/office/drawing/2014/main" id="{EBF0DA14-A75C-5B33-754F-F0552E2C418D}"/>
+                </a:ext>
+              </a:extLst>
+            </p:cNvPr>
+            <p:cNvPicPr>
+              <a:picLocks noChangeAspect="1"/>
+            </p:cNvPicPr>
+            <p:nvPr/>
+          </p:nvPicPr>
+          <p:blipFill>
+            <a:blip r:embed="rId8">
+              <a:extLst>
+                <a:ext uri="{96DAC541-7B7A-43D3-8B79-37D633B846F1}">
+                  <asvg:svgBlip xmlns:asvg="http://schemas.microsoft.com/office/drawing/2016/SVG/main" r:embed="rId9"/>
+                </a:ext>
+              </a:extLst>
+            </a:blip>
+            <a:stretch>
+              <a:fillRect/>
+            </a:stretch>
+          </p:blipFill>
+          <p:spPr>
+            <a:xfrm>
+              <a:off x="7277815" y="10526357"/>
+              <a:ext cx="90659" cy="90659"/>
+            </a:xfrm>
+            <a:prstGeom prst="rect">
+              <a:avLst/>
+            </a:prstGeom>
+          </p:spPr>
+        </p:pic>
+        <p:sp>
+          <p:nvSpPr>
+            <p:cNvPr id="126" name="TextBox 125">
+              <a:extLst>
+                <a:ext uri="{FF2B5EF4-FFF2-40B4-BE49-F238E27FC236}">
+                  <a16:creationId xmlns:a16="http://schemas.microsoft.com/office/drawing/2014/main" id="{C6A5B4A8-117C-A6E5-5FA9-1F58274C0D16}"/>
+                </a:ext>
+              </a:extLst>
+            </p:cNvPr>
+            <p:cNvSpPr txBox="1"/>
+            <p:nvPr/>
+          </p:nvSpPr>
+          <p:spPr>
+            <a:xfrm>
+              <a:off x="8341628" y="10321158"/>
+              <a:ext cx="688393" cy="200055"/>
+            </a:xfrm>
+            <a:prstGeom prst="rect">
+              <a:avLst/>
+            </a:prstGeom>
+            <a:noFill/>
+          </p:spPr>
+          <p:txBody>
+            <a:bodyPr wrap="square" rtlCol="0">
+              <a:spAutoFit/>
+            </a:bodyPr>
+            <a:lstStyle/>
+            <a:p>
+              <a:pPr algn="ctr"/>
+              <a:r>
+                <a:rPr lang="en-US" sz="700" dirty="0"/>
+                <a:t>Reptiles</a:t>
+              </a:r>
+            </a:p>
+          </p:txBody>
+        </p:sp>
+        <p:sp>
+          <p:nvSpPr>
+            <p:cNvPr id="123" name="TextBox 122">
+              <a:extLst>
+                <a:ext uri="{FF2B5EF4-FFF2-40B4-BE49-F238E27FC236}">
+                  <a16:creationId xmlns:a16="http://schemas.microsoft.com/office/drawing/2014/main" id="{6DE5E5D2-0C79-CFC5-6EB8-03D70DBF1ACE}"/>
+                </a:ext>
+              </a:extLst>
+            </p:cNvPr>
+            <p:cNvSpPr txBox="1"/>
+            <p:nvPr/>
+          </p:nvSpPr>
+          <p:spPr>
+            <a:xfrm>
+              <a:off x="6287385" y="10318078"/>
+              <a:ext cx="573461" cy="200055"/>
+            </a:xfrm>
+            <a:prstGeom prst="rect">
+              <a:avLst/>
+            </a:prstGeom>
+            <a:noFill/>
+          </p:spPr>
+          <p:txBody>
+            <a:bodyPr wrap="square" rtlCol="0">
+              <a:spAutoFit/>
+            </a:bodyPr>
+            <a:lstStyle/>
+            <a:p>
+              <a:pPr algn="ctr"/>
+              <a:r>
+                <a:rPr lang="en-US" sz="700" dirty="0"/>
+                <a:t>All clades</a:t>
+              </a:r>
+            </a:p>
+          </p:txBody>
+        </p:sp>
+        <p:sp>
+          <p:nvSpPr>
+            <p:cNvPr id="124" name="TextBox 123">
+              <a:extLst>
+                <a:ext uri="{FF2B5EF4-FFF2-40B4-BE49-F238E27FC236}">
+                  <a16:creationId xmlns:a16="http://schemas.microsoft.com/office/drawing/2014/main" id="{6E798DC7-F0EC-CCDF-0B39-9F0B5441C05C}"/>
+                </a:ext>
+              </a:extLst>
+            </p:cNvPr>
+            <p:cNvSpPr txBox="1"/>
+            <p:nvPr/>
+          </p:nvSpPr>
+          <p:spPr>
+            <a:xfrm>
+              <a:off x="6956173" y="10320302"/>
+              <a:ext cx="747208" cy="200055"/>
+            </a:xfrm>
+            <a:prstGeom prst="rect">
+              <a:avLst/>
+            </a:prstGeom>
+            <a:noFill/>
+          </p:spPr>
+          <p:txBody>
+            <a:bodyPr wrap="square" rtlCol="0">
+              <a:spAutoFit/>
+            </a:bodyPr>
+            <a:lstStyle/>
+            <a:p>
+              <a:pPr algn="ctr"/>
+              <a:r>
+                <a:rPr lang="en-US" sz="700" dirty="0"/>
+                <a:t>Mammals</a:t>
+              </a:r>
+            </a:p>
+          </p:txBody>
+        </p:sp>
+        <p:sp>
+          <p:nvSpPr>
+            <p:cNvPr id="125" name="TextBox 124">
+              <a:extLst>
+                <a:ext uri="{FF2B5EF4-FFF2-40B4-BE49-F238E27FC236}">
+                  <a16:creationId xmlns:a16="http://schemas.microsoft.com/office/drawing/2014/main" id="{6A43B489-BE4D-F25A-8F18-35771C514A8C}"/>
+                </a:ext>
+              </a:extLst>
+            </p:cNvPr>
+            <p:cNvSpPr txBox="1"/>
+            <p:nvPr/>
+          </p:nvSpPr>
+          <p:spPr>
+            <a:xfrm>
+              <a:off x="7535658" y="10322086"/>
+              <a:ext cx="810491" cy="200055"/>
+            </a:xfrm>
+            <a:prstGeom prst="rect">
+              <a:avLst/>
+            </a:prstGeom>
+            <a:noFill/>
+          </p:spPr>
+          <p:txBody>
+            <a:bodyPr wrap="square" rtlCol="0">
+              <a:spAutoFit/>
+            </a:bodyPr>
+            <a:lstStyle/>
+            <a:p>
+              <a:pPr algn="ctr"/>
+              <a:r>
+                <a:rPr lang="en-US" sz="700" dirty="0"/>
+                <a:t>Ray-finned fish</a:t>
+              </a:r>
+            </a:p>
+          </p:txBody>
+        </p:sp>
+      </p:grpSp>
+    </p:spTree>
+  </p:cSld>
+  <p:clrMapOvr>
+    <a:masterClrMapping/>
+  </p:clrMapOvr>
+</p:sld>
+</file>
+
+<file path=ppt/slides/slide2.xml><?xml version="1.0" encoding="utf-8"?>
+<p:sld xmlns:a="http://schemas.openxmlformats.org/drawingml/2006/main" xmlns:r="http://schemas.openxmlformats.org/officeDocument/2006/relationships" xmlns:p="http://schemas.openxmlformats.org/presentationml/2006/main">
+  <p:cSld>
+    <p:spTree>
+      <p:nvGrpSpPr>
+        <p:cNvPr id="1" name=""/>
+        <p:cNvGrpSpPr/>
+        <p:nvPr/>
+      </p:nvGrpSpPr>
+      <p:grpSpPr>
+        <a:xfrm>
+          <a:off x="0" y="0"/>
+          <a:ext cx="0" cy="0"/>
+          <a:chOff x="0" y="0"/>
+          <a:chExt cx="0" cy="0"/>
+        </a:xfrm>
+      </p:grpSpPr>
       <p:pic>
         <p:nvPicPr>
-          <p:cNvPr id="9" name="Graphic 8">
+          <p:cNvPr id="7" name="Graphic 6">
             <a:extLst>
               <a:ext uri="{FF2B5EF4-FFF2-40B4-BE49-F238E27FC236}">
-                <a16:creationId xmlns:a16="http://schemas.microsoft.com/office/drawing/2014/main" id="{E6D644AE-C0E2-FFF6-6964-302B27E1C63E}"/>
+                <a16:creationId xmlns:a16="http://schemas.microsoft.com/office/drawing/2014/main" id="{1FC8C157-6114-113F-CCDA-0A68DCD19FC9}"/>
               </a:ext>
             </a:extLst>
           </p:cNvPr>
@@ -13785,315 +14873,32 @@
           <p:nvPr/>
         </p:nvPicPr>
         <p:blipFill>
-          <a:blip r:embed="rId4">
+          <a:blip r:embed="rId2">
             <a:extLst>
               <a:ext uri="{96DAC541-7B7A-43D3-8B79-37D633B846F1}">
-                <asvg:svgBlip xmlns:asvg="http://schemas.microsoft.com/office/drawing/2016/SVG/main" r:embed="rId5"/>
+                <asvg:svgBlip xmlns:asvg="http://schemas.microsoft.com/office/drawing/2016/SVG/main" r:embed="rId3"/>
               </a:ext>
             </a:extLst>
           </a:blip>
-          <a:srcRect t="13127" b="31737"/>
+          <a:srcRect l="15123" t="31260" r="73309" b="61210"/>
           <a:stretch/>
         </p:blipFill>
         <p:spPr>
           <a:xfrm>
-            <a:off x="4738347" y="11691258"/>
-            <a:ext cx="27099305" cy="10507262"/>
+            <a:off x="0" y="7040881"/>
+            <a:ext cx="36576000" cy="21427440"/>
           </a:xfrm>
           <a:prstGeom prst="rect">
             <a:avLst/>
           </a:prstGeom>
         </p:spPr>
       </p:pic>
-      <p:sp>
-        <p:nvSpPr>
-          <p:cNvPr id="10" name="TextBox 9">
-            <a:extLst>
-              <a:ext uri="{FF2B5EF4-FFF2-40B4-BE49-F238E27FC236}">
-                <a16:creationId xmlns:a16="http://schemas.microsoft.com/office/drawing/2014/main" id="{AF9CE0A9-5A18-AB0A-5FDC-3B31DEBF3A87}"/>
-              </a:ext>
-            </a:extLst>
-          </p:cNvPr>
-          <p:cNvSpPr txBox="1"/>
-          <p:nvPr/>
-        </p:nvSpPr>
-        <p:spPr>
-          <a:xfrm rot="18855518">
-            <a:off x="-166994" y="25778884"/>
-            <a:ext cx="11469949" cy="1015663"/>
-          </a:xfrm>
-          <a:prstGeom prst="rect">
-            <a:avLst/>
-          </a:prstGeom>
-          <a:noFill/>
-        </p:spPr>
-        <p:txBody>
-          <a:bodyPr wrap="square" rtlCol="0">
-            <a:spAutoFit/>
-          </a:bodyPr>
-          <a:lstStyle/>
-          <a:p>
-            <a:pPr algn="r"/>
-            <a:r>
-              <a:rPr lang="en-US" sz="6000" dirty="0"/>
-              <a:t>Sine age</a:t>
-            </a:r>
-          </a:p>
-        </p:txBody>
-      </p:sp>
-      <p:sp>
-        <p:nvSpPr>
-          <p:cNvPr id="11" name="TextBox 10">
-            <a:extLst>
-              <a:ext uri="{FF2B5EF4-FFF2-40B4-BE49-F238E27FC236}">
-                <a16:creationId xmlns:a16="http://schemas.microsoft.com/office/drawing/2014/main" id="{1BE49D9F-F672-F6CB-1F62-2FA5E7D2BE5D}"/>
-              </a:ext>
-            </a:extLst>
-          </p:cNvPr>
-          <p:cNvSpPr txBox="1"/>
-          <p:nvPr/>
-        </p:nvSpPr>
-        <p:spPr>
-          <a:xfrm rot="18855518">
-            <a:off x="1468765" y="25778884"/>
-            <a:ext cx="11469949" cy="1015663"/>
-          </a:xfrm>
-          <a:prstGeom prst="rect">
-            <a:avLst/>
-          </a:prstGeom>
-          <a:noFill/>
-        </p:spPr>
-        <p:txBody>
-          <a:bodyPr wrap="square" rtlCol="0">
-            <a:spAutoFit/>
-          </a:bodyPr>
-          <a:lstStyle/>
-          <a:p>
-            <a:pPr algn="r"/>
-            <a:r>
-              <a:rPr lang="en-US" sz="6000" dirty="0"/>
-              <a:t>Unknown age</a:t>
-            </a:r>
-          </a:p>
-        </p:txBody>
-      </p:sp>
-      <p:sp>
-        <p:nvSpPr>
-          <p:cNvPr id="12" name="TextBox 11">
-            <a:extLst>
-              <a:ext uri="{FF2B5EF4-FFF2-40B4-BE49-F238E27FC236}">
-                <a16:creationId xmlns:a16="http://schemas.microsoft.com/office/drawing/2014/main" id="{2B39F5A1-F7D6-6E6E-F19E-11A585CFCDA6}"/>
-              </a:ext>
-            </a:extLst>
-          </p:cNvPr>
-          <p:cNvSpPr txBox="1"/>
-          <p:nvPr/>
-        </p:nvSpPr>
-        <p:spPr>
-          <a:xfrm rot="18855518">
-            <a:off x="3104524" y="25778884"/>
-            <a:ext cx="11469949" cy="1015663"/>
-          </a:xfrm>
-          <a:prstGeom prst="rect">
-            <a:avLst/>
-          </a:prstGeom>
-          <a:noFill/>
-        </p:spPr>
-        <p:txBody>
-          <a:bodyPr wrap="square" rtlCol="0">
-            <a:spAutoFit/>
-          </a:bodyPr>
-          <a:lstStyle/>
-          <a:p>
-            <a:pPr algn="r"/>
-            <a:r>
-              <a:rPr lang="en-US" sz="6000" dirty="0"/>
-              <a:t>DNA age x prop.</a:t>
-            </a:r>
-          </a:p>
-        </p:txBody>
-      </p:sp>
-      <p:sp>
-        <p:nvSpPr>
-          <p:cNvPr id="13" name="TextBox 12">
-            <a:extLst>
-              <a:ext uri="{FF2B5EF4-FFF2-40B4-BE49-F238E27FC236}">
-                <a16:creationId xmlns:a16="http://schemas.microsoft.com/office/drawing/2014/main" id="{7A4009D3-0FD7-E42C-EA14-9F4968AD1878}"/>
-              </a:ext>
-            </a:extLst>
-          </p:cNvPr>
-          <p:cNvSpPr txBox="1"/>
-          <p:nvPr/>
-        </p:nvSpPr>
-        <p:spPr>
-          <a:xfrm rot="18855518">
-            <a:off x="6077028" y="25778883"/>
-            <a:ext cx="11469949" cy="1015663"/>
-          </a:xfrm>
-          <a:prstGeom prst="rect">
-            <a:avLst/>
-          </a:prstGeom>
-          <a:noFill/>
-        </p:spPr>
-        <p:txBody>
-          <a:bodyPr wrap="square" rtlCol="0">
-            <a:spAutoFit/>
-          </a:bodyPr>
-          <a:lstStyle/>
-          <a:p>
-            <a:pPr algn="r"/>
-            <a:r>
-              <a:rPr lang="en-US" sz="6000" dirty="0"/>
-              <a:t>SINE age x prop.</a:t>
-            </a:r>
-          </a:p>
-        </p:txBody>
-      </p:sp>
-      <p:sp>
-        <p:nvSpPr>
-          <p:cNvPr id="14" name="TextBox 13">
-            <a:extLst>
-              <a:ext uri="{FF2B5EF4-FFF2-40B4-BE49-F238E27FC236}">
-                <a16:creationId xmlns:a16="http://schemas.microsoft.com/office/drawing/2014/main" id="{111CAFED-A3A5-F9F2-B246-4D0413DAA16F}"/>
-              </a:ext>
-            </a:extLst>
-          </p:cNvPr>
-          <p:cNvSpPr txBox="1"/>
-          <p:nvPr/>
-        </p:nvSpPr>
-        <p:spPr>
-          <a:xfrm rot="18855518">
-            <a:off x="9067966" y="25778881"/>
-            <a:ext cx="11469949" cy="1015663"/>
-          </a:xfrm>
-          <a:prstGeom prst="rect">
-            <a:avLst/>
-          </a:prstGeom>
-          <a:noFill/>
-        </p:spPr>
-        <p:txBody>
-          <a:bodyPr wrap="square" rtlCol="0">
-            <a:spAutoFit/>
-          </a:bodyPr>
-          <a:lstStyle/>
-          <a:p>
-            <a:pPr algn="r"/>
-            <a:r>
-              <a:rPr lang="en-US" sz="6000" dirty="0"/>
-              <a:t>SINE proportion</a:t>
-            </a:r>
-          </a:p>
-        </p:txBody>
-      </p:sp>
-      <p:sp>
-        <p:nvSpPr>
-          <p:cNvPr id="15" name="TextBox 14">
-            <a:extLst>
-              <a:ext uri="{FF2B5EF4-FFF2-40B4-BE49-F238E27FC236}">
-                <a16:creationId xmlns:a16="http://schemas.microsoft.com/office/drawing/2014/main" id="{B14FFE83-B160-14B8-3217-0773966BBDE5}"/>
-              </a:ext>
-            </a:extLst>
-          </p:cNvPr>
-          <p:cNvSpPr txBox="1"/>
-          <p:nvPr/>
-        </p:nvSpPr>
-        <p:spPr>
-          <a:xfrm rot="18855518">
-            <a:off x="10703724" y="25778878"/>
-            <a:ext cx="11469949" cy="1015663"/>
-          </a:xfrm>
-          <a:prstGeom prst="rect">
-            <a:avLst/>
-          </a:prstGeom>
-          <a:noFill/>
-        </p:spPr>
-        <p:txBody>
-          <a:bodyPr wrap="square" rtlCol="0">
-            <a:spAutoFit/>
-          </a:bodyPr>
-          <a:lstStyle/>
-          <a:p>
-            <a:pPr algn="r"/>
-            <a:r>
-              <a:rPr lang="en-US" sz="6000" dirty="0"/>
-              <a:t>Others proportion</a:t>
-            </a:r>
-          </a:p>
-        </p:txBody>
-      </p:sp>
-      <p:sp>
-        <p:nvSpPr>
-          <p:cNvPr id="16" name="TextBox 15">
-            <a:extLst>
-              <a:ext uri="{FF2B5EF4-FFF2-40B4-BE49-F238E27FC236}">
-                <a16:creationId xmlns:a16="http://schemas.microsoft.com/office/drawing/2014/main" id="{53EDF1FD-6700-95A2-C8B0-BF0B8D2C6CDE}"/>
-              </a:ext>
-            </a:extLst>
-          </p:cNvPr>
-          <p:cNvSpPr txBox="1"/>
-          <p:nvPr/>
-        </p:nvSpPr>
-        <p:spPr>
-          <a:xfrm rot="18855518">
-            <a:off x="13670741" y="25778875"/>
-            <a:ext cx="11469949" cy="1015663"/>
-          </a:xfrm>
-          <a:prstGeom prst="rect">
-            <a:avLst/>
-          </a:prstGeom>
-          <a:noFill/>
-        </p:spPr>
-        <p:txBody>
-          <a:bodyPr wrap="square" rtlCol="0">
-            <a:spAutoFit/>
-          </a:bodyPr>
-          <a:lstStyle/>
-          <a:p>
-            <a:pPr algn="r"/>
-            <a:r>
-              <a:rPr lang="en-US" sz="6000" dirty="0"/>
-              <a:t>LTR age</a:t>
-            </a:r>
-          </a:p>
-        </p:txBody>
-      </p:sp>
-      <p:sp>
-        <p:nvSpPr>
-          <p:cNvPr id="17" name="TextBox 16">
-            <a:extLst>
-              <a:ext uri="{FF2B5EF4-FFF2-40B4-BE49-F238E27FC236}">
-                <a16:creationId xmlns:a16="http://schemas.microsoft.com/office/drawing/2014/main" id="{E8903CC0-39F5-14A0-E990-877365983F26}"/>
-              </a:ext>
-            </a:extLst>
-          </p:cNvPr>
-          <p:cNvSpPr txBox="1"/>
-          <p:nvPr/>
-        </p:nvSpPr>
-        <p:spPr>
-          <a:xfrm rot="18855518">
-            <a:off x="15309802" y="25778871"/>
-            <a:ext cx="11469949" cy="1015663"/>
-          </a:xfrm>
-          <a:prstGeom prst="rect">
-            <a:avLst/>
-          </a:prstGeom>
-          <a:noFill/>
-        </p:spPr>
-        <p:txBody>
-          <a:bodyPr wrap="square" rtlCol="0">
-            <a:spAutoFit/>
-          </a:bodyPr>
-          <a:lstStyle/>
-          <a:p>
-            <a:pPr algn="r"/>
-            <a:r>
-              <a:rPr lang="en-US" sz="6000" dirty="0"/>
-              <a:t>Unknown age</a:t>
-            </a:r>
-          </a:p>
-        </p:txBody>
-      </p:sp>
     </p:spTree>
+    <p:extLst>
+      <p:ext uri="{BB962C8B-B14F-4D97-AF65-F5344CB8AC3E}">
+        <p14:creationId xmlns:p14="http://schemas.microsoft.com/office/powerpoint/2010/main" val="571551724"/>
+      </p:ext>
+    </p:extLst>
   </p:cSld>
   <p:clrMapOvr>
     <a:masterClrMapping/>

--- a/figures/fig4.pptx
+++ b/figures/fig4.pptx
@@ -13764,7 +13764,7 @@
         </p:nvGrpSpPr>
         <p:grpSpPr>
           <a:xfrm>
-            <a:off x="5519398" y="9792759"/>
+            <a:off x="-10071122" y="9618656"/>
             <a:ext cx="4428896" cy="3800474"/>
             <a:chOff x="5519398" y="9792759"/>
             <a:chExt cx="4428896" cy="3800474"/>
@@ -14833,6 +14833,3691 @@
           </p:txBody>
         </p:sp>
       </p:grpSp>
+      <p:pic>
+        <p:nvPicPr>
+          <p:cNvPr id="86" name="Graphic 85">
+            <a:extLst>
+              <a:ext uri="{FF2B5EF4-FFF2-40B4-BE49-F238E27FC236}">
+                <a16:creationId xmlns:a16="http://schemas.microsoft.com/office/drawing/2014/main" id="{C1BC0C4F-5A28-0024-0114-CB333CC16B22}"/>
+              </a:ext>
+            </a:extLst>
+          </p:cNvPr>
+          <p:cNvPicPr>
+            <a:picLocks noChangeAspect="1"/>
+          </p:cNvPicPr>
+          <p:nvPr/>
+        </p:nvPicPr>
+        <p:blipFill>
+          <a:blip r:embed="rId10">
+            <a:extLst>
+              <a:ext uri="{96DAC541-7B7A-43D3-8B79-37D633B846F1}">
+                <asvg:svgBlip xmlns:asvg="http://schemas.microsoft.com/office/drawing/2016/SVG/main" r:embed="rId11"/>
+              </a:ext>
+            </a:extLst>
+          </a:blip>
+          <a:srcRect l="83125" t="15718" b="22700"/>
+          <a:stretch/>
+        </p:blipFill>
+        <p:spPr>
+          <a:xfrm>
+            <a:off x="-4402243" y="14413654"/>
+            <a:ext cx="385833" cy="1084068"/>
+          </a:xfrm>
+          <a:prstGeom prst="rect">
+            <a:avLst/>
+          </a:prstGeom>
+        </p:spPr>
+      </p:pic>
+      <p:grpSp>
+        <p:nvGrpSpPr>
+          <p:cNvPr id="171" name="Group 170">
+            <a:extLst>
+              <a:ext uri="{FF2B5EF4-FFF2-40B4-BE49-F238E27FC236}">
+                <a16:creationId xmlns:a16="http://schemas.microsoft.com/office/drawing/2014/main" id="{F921BB20-C86F-902B-A3E5-896931EC32D7}"/>
+              </a:ext>
+            </a:extLst>
+          </p:cNvPr>
+          <p:cNvGrpSpPr/>
+          <p:nvPr/>
+        </p:nvGrpSpPr>
+        <p:grpSpPr>
+          <a:xfrm>
+            <a:off x="-6514175" y="17605998"/>
+            <a:ext cx="1083733" cy="399639"/>
+            <a:chOff x="13340106" y="16662708"/>
+            <a:chExt cx="1202598" cy="443473"/>
+          </a:xfrm>
+        </p:grpSpPr>
+        <p:sp>
+          <p:nvSpPr>
+            <p:cNvPr id="169" name="Rectangle 168">
+              <a:extLst>
+                <a:ext uri="{FF2B5EF4-FFF2-40B4-BE49-F238E27FC236}">
+                  <a16:creationId xmlns:a16="http://schemas.microsoft.com/office/drawing/2014/main" id="{C185EEBE-BC3B-C884-9925-15D6D18AE714}"/>
+                </a:ext>
+              </a:extLst>
+            </p:cNvPr>
+            <p:cNvSpPr/>
+            <p:nvPr/>
+          </p:nvSpPr>
+          <p:spPr>
+            <a:xfrm>
+              <a:off x="13434067" y="16676603"/>
+              <a:ext cx="932483" cy="397100"/>
+            </a:xfrm>
+            <a:prstGeom prst="rect">
+              <a:avLst/>
+            </a:prstGeom>
+            <a:solidFill>
+              <a:schemeClr val="bg1"/>
+            </a:solidFill>
+            <a:ln w="3175">
+              <a:solidFill>
+                <a:schemeClr val="tx1"/>
+              </a:solidFill>
+            </a:ln>
+          </p:spPr>
+          <p:style>
+            <a:lnRef idx="2">
+              <a:schemeClr val="accent1">
+                <a:shade val="15000"/>
+              </a:schemeClr>
+            </a:lnRef>
+            <a:fillRef idx="1">
+              <a:schemeClr val="accent1"/>
+            </a:fillRef>
+            <a:effectRef idx="0">
+              <a:schemeClr val="accent1"/>
+            </a:effectRef>
+            <a:fontRef idx="minor">
+              <a:schemeClr val="lt1"/>
+            </a:fontRef>
+          </p:style>
+          <p:txBody>
+            <a:bodyPr rtlCol="0" anchor="ctr"/>
+            <a:lstStyle/>
+            <a:p>
+              <a:pPr algn="ctr"/>
+              <a:endParaRPr lang="en-US"/>
+            </a:p>
+          </p:txBody>
+        </p:sp>
+        <p:grpSp>
+          <p:nvGrpSpPr>
+            <p:cNvPr id="168" name="Group 167">
+              <a:extLst>
+                <a:ext uri="{FF2B5EF4-FFF2-40B4-BE49-F238E27FC236}">
+                  <a16:creationId xmlns:a16="http://schemas.microsoft.com/office/drawing/2014/main" id="{0DBE40C6-B5ED-1D36-6DBB-78EBCF18502C}"/>
+                </a:ext>
+              </a:extLst>
+            </p:cNvPr>
+            <p:cNvGrpSpPr/>
+            <p:nvPr/>
+          </p:nvGrpSpPr>
+          <p:grpSpPr>
+            <a:xfrm>
+              <a:off x="13340106" y="16662708"/>
+              <a:ext cx="1202598" cy="443473"/>
+              <a:chOff x="13231988" y="16318464"/>
+              <a:chExt cx="1202598" cy="443473"/>
+            </a:xfrm>
+          </p:grpSpPr>
+          <p:grpSp>
+            <p:nvGrpSpPr>
+              <p:cNvPr id="163" name="Group 162">
+                <a:extLst>
+                  <a:ext uri="{FF2B5EF4-FFF2-40B4-BE49-F238E27FC236}">
+                    <a16:creationId xmlns:a16="http://schemas.microsoft.com/office/drawing/2014/main" id="{FE7AA234-DCB0-2375-9A9D-1570E3BC15AC}"/>
+                  </a:ext>
+                </a:extLst>
+              </p:cNvPr>
+              <p:cNvGrpSpPr/>
+              <p:nvPr/>
+            </p:nvGrpSpPr>
+            <p:grpSpPr>
+              <a:xfrm>
+                <a:off x="13272355" y="16507414"/>
+                <a:ext cx="1162231" cy="254523"/>
+                <a:chOff x="12201429" y="17033626"/>
+                <a:chExt cx="1162231" cy="254523"/>
+              </a:xfrm>
+            </p:grpSpPr>
+            <p:grpSp>
+              <p:nvGrpSpPr>
+                <p:cNvPr id="146" name="Group 145">
+                  <a:extLst>
+                    <a:ext uri="{FF2B5EF4-FFF2-40B4-BE49-F238E27FC236}">
+                      <a16:creationId xmlns:a16="http://schemas.microsoft.com/office/drawing/2014/main" id="{3856DAAF-7FBE-5E16-004F-17C6152FA476}"/>
+                    </a:ext>
+                  </a:extLst>
+                </p:cNvPr>
+                <p:cNvGrpSpPr/>
+                <p:nvPr/>
+              </p:nvGrpSpPr>
+              <p:grpSpPr>
+                <a:xfrm>
+                  <a:off x="12357349" y="17033626"/>
+                  <a:ext cx="706718" cy="98234"/>
+                  <a:chOff x="13641319" y="16225636"/>
+                  <a:chExt cx="801394" cy="111394"/>
+                </a:xfrm>
+              </p:grpSpPr>
+              <p:pic>
+                <p:nvPicPr>
+                  <p:cNvPr id="111" name="Graphic 110">
+                    <a:extLst>
+                      <a:ext uri="{FF2B5EF4-FFF2-40B4-BE49-F238E27FC236}">
+                        <a16:creationId xmlns:a16="http://schemas.microsoft.com/office/drawing/2014/main" id="{DB1B69F8-C1B8-01CD-4C0B-7F7764C60239}"/>
+                      </a:ext>
+                    </a:extLst>
+                  </p:cNvPr>
+                  <p:cNvPicPr>
+                    <a:picLocks noChangeAspect="1"/>
+                  </p:cNvPicPr>
+                  <p:nvPr/>
+                </p:nvPicPr>
+                <p:blipFill>
+                  <a:blip r:embed="rId10">
+                    <a:extLst>
+                      <a:ext uri="{96DAC541-7B7A-43D3-8B79-37D633B846F1}">
+                        <asvg:svgBlip xmlns:asvg="http://schemas.microsoft.com/office/drawing/2016/SVG/main" r:embed="rId11"/>
+                      </a:ext>
+                    </a:extLst>
+                  </a:blip>
+                  <a:srcRect l="84135" t="17435" r="14314" b="26092"/>
+                  <a:stretch/>
+                </p:blipFill>
+                <p:spPr>
+                  <a:xfrm rot="5400000">
+                    <a:off x="14013738" y="15856317"/>
+                    <a:ext cx="57530" cy="796168"/>
+                  </a:xfrm>
+                  <a:prstGeom prst="rect">
+                    <a:avLst/>
+                  </a:prstGeom>
+                </p:spPr>
+              </p:pic>
+              <p:grpSp>
+                <p:nvGrpSpPr>
+                  <p:cNvPr id="145" name="Group 144">
+                    <a:extLst>
+                      <a:ext uri="{FF2B5EF4-FFF2-40B4-BE49-F238E27FC236}">
+                        <a16:creationId xmlns:a16="http://schemas.microsoft.com/office/drawing/2014/main" id="{F4ADCA9D-9163-4CF1-F51F-FAA88321937F}"/>
+                      </a:ext>
+                    </a:extLst>
+                  </p:cNvPr>
+                  <p:cNvGrpSpPr/>
+                  <p:nvPr/>
+                </p:nvGrpSpPr>
+                <p:grpSpPr>
+                  <a:xfrm>
+                    <a:off x="13641319" y="16292791"/>
+                    <a:ext cx="801394" cy="44239"/>
+                    <a:chOff x="13641319" y="16292791"/>
+                    <a:chExt cx="801394" cy="44239"/>
+                  </a:xfrm>
+                </p:grpSpPr>
+                <p:cxnSp>
+                  <p:nvCxnSpPr>
+                    <p:cNvPr id="116" name="Straight Connector 115">
+                      <a:extLst>
+                        <a:ext uri="{FF2B5EF4-FFF2-40B4-BE49-F238E27FC236}">
+                          <a16:creationId xmlns:a16="http://schemas.microsoft.com/office/drawing/2014/main" id="{1E48B636-34ED-424C-818E-B214EC621E7D}"/>
+                        </a:ext>
+                      </a:extLst>
+                    </p:cNvPr>
+                    <p:cNvCxnSpPr>
+                      <a:cxnSpLocks/>
+                    </p:cNvCxnSpPr>
+                    <p:nvPr/>
+                  </p:nvCxnSpPr>
+                  <p:spPr>
+                    <a:xfrm flipV="1">
+                      <a:off x="14040536" y="16293826"/>
+                      <a:ext cx="0" cy="43204"/>
+                    </a:xfrm>
+                    <a:prstGeom prst="line">
+                      <a:avLst/>
+                    </a:prstGeom>
+                    <a:ln w="12700">
+                      <a:solidFill>
+                        <a:schemeClr val="tx1"/>
+                      </a:solidFill>
+                    </a:ln>
+                  </p:spPr>
+                  <p:style>
+                    <a:lnRef idx="1">
+                      <a:schemeClr val="accent1"/>
+                    </a:lnRef>
+                    <a:fillRef idx="0">
+                      <a:schemeClr val="accent1"/>
+                    </a:fillRef>
+                    <a:effectRef idx="0">
+                      <a:schemeClr val="accent1"/>
+                    </a:effectRef>
+                    <a:fontRef idx="minor">
+                      <a:schemeClr val="tx1"/>
+                    </a:fontRef>
+                  </p:style>
+                </p:cxnSp>
+                <p:cxnSp>
+                  <p:nvCxnSpPr>
+                    <p:cNvPr id="117" name="Straight Connector 116">
+                      <a:extLst>
+                        <a:ext uri="{FF2B5EF4-FFF2-40B4-BE49-F238E27FC236}">
+                          <a16:creationId xmlns:a16="http://schemas.microsoft.com/office/drawing/2014/main" id="{EC9A4706-6124-D85D-6698-3EDE14B8373F}"/>
+                        </a:ext>
+                      </a:extLst>
+                    </p:cNvPr>
+                    <p:cNvCxnSpPr>
+                      <a:cxnSpLocks/>
+                    </p:cNvCxnSpPr>
+                    <p:nvPr/>
+                  </p:nvCxnSpPr>
+                  <p:spPr>
+                    <a:xfrm flipV="1">
+                      <a:off x="14440456" y="16293640"/>
+                      <a:ext cx="131" cy="43390"/>
+                    </a:xfrm>
+                    <a:prstGeom prst="line">
+                      <a:avLst/>
+                    </a:prstGeom>
+                    <a:ln w="12700">
+                      <a:solidFill>
+                        <a:schemeClr val="tx1"/>
+                      </a:solidFill>
+                    </a:ln>
+                  </p:spPr>
+                  <p:style>
+                    <a:lnRef idx="1">
+                      <a:schemeClr val="accent1"/>
+                    </a:lnRef>
+                    <a:fillRef idx="0">
+                      <a:schemeClr val="accent1"/>
+                    </a:fillRef>
+                    <a:effectRef idx="0">
+                      <a:schemeClr val="accent1"/>
+                    </a:effectRef>
+                    <a:fontRef idx="minor">
+                      <a:schemeClr val="tx1"/>
+                    </a:fontRef>
+                  </p:style>
+                </p:cxnSp>
+                <p:cxnSp>
+                  <p:nvCxnSpPr>
+                    <p:cNvPr id="118" name="Straight Connector 117">
+                      <a:extLst>
+                        <a:ext uri="{FF2B5EF4-FFF2-40B4-BE49-F238E27FC236}">
+                          <a16:creationId xmlns:a16="http://schemas.microsoft.com/office/drawing/2014/main" id="{7074596B-68B2-0444-AF17-D09A0321EDE5}"/>
+                        </a:ext>
+                      </a:extLst>
+                    </p:cNvPr>
+                    <p:cNvCxnSpPr>
+                      <a:cxnSpLocks/>
+                    </p:cNvCxnSpPr>
+                    <p:nvPr/>
+                  </p:nvCxnSpPr>
+                  <p:spPr>
+                    <a:xfrm flipV="1">
+                      <a:off x="13643884" y="16293596"/>
+                      <a:ext cx="0" cy="43434"/>
+                    </a:xfrm>
+                    <a:prstGeom prst="line">
+                      <a:avLst/>
+                    </a:prstGeom>
+                    <a:ln w="12700">
+                      <a:solidFill>
+                        <a:schemeClr val="tx1"/>
+                      </a:solidFill>
+                    </a:ln>
+                  </p:spPr>
+                  <p:style>
+                    <a:lnRef idx="1">
+                      <a:schemeClr val="accent1"/>
+                    </a:lnRef>
+                    <a:fillRef idx="0">
+                      <a:schemeClr val="accent1"/>
+                    </a:fillRef>
+                    <a:effectRef idx="0">
+                      <a:schemeClr val="accent1"/>
+                    </a:effectRef>
+                    <a:fontRef idx="minor">
+                      <a:schemeClr val="tx1"/>
+                    </a:fontRef>
+                  </p:style>
+                </p:cxnSp>
+                <p:cxnSp>
+                  <p:nvCxnSpPr>
+                    <p:cNvPr id="121" name="Straight Connector 120">
+                      <a:extLst>
+                        <a:ext uri="{FF2B5EF4-FFF2-40B4-BE49-F238E27FC236}">
+                          <a16:creationId xmlns:a16="http://schemas.microsoft.com/office/drawing/2014/main" id="{5D207773-C870-5906-E8E2-992EB51ED732}"/>
+                        </a:ext>
+                      </a:extLst>
+                    </p:cNvPr>
+                    <p:cNvCxnSpPr>
+                      <a:cxnSpLocks/>
+                    </p:cNvCxnSpPr>
+                    <p:nvPr/>
+                  </p:nvCxnSpPr>
+                  <p:spPr>
+                    <a:xfrm flipV="1">
+                      <a:off x="14238973" y="16293722"/>
+                      <a:ext cx="0" cy="43308"/>
+                    </a:xfrm>
+                    <a:prstGeom prst="line">
+                      <a:avLst/>
+                    </a:prstGeom>
+                    <a:ln w="12700">
+                      <a:solidFill>
+                        <a:schemeClr val="tx1"/>
+                      </a:solidFill>
+                    </a:ln>
+                  </p:spPr>
+                  <p:style>
+                    <a:lnRef idx="1">
+                      <a:schemeClr val="accent1"/>
+                    </a:lnRef>
+                    <a:fillRef idx="0">
+                      <a:schemeClr val="accent1"/>
+                    </a:fillRef>
+                    <a:effectRef idx="0">
+                      <a:schemeClr val="accent1"/>
+                    </a:effectRef>
+                    <a:fontRef idx="minor">
+                      <a:schemeClr val="tx1"/>
+                    </a:fontRef>
+                  </p:style>
+                </p:cxnSp>
+                <p:cxnSp>
+                  <p:nvCxnSpPr>
+                    <p:cNvPr id="122" name="Straight Connector 121">
+                      <a:extLst>
+                        <a:ext uri="{FF2B5EF4-FFF2-40B4-BE49-F238E27FC236}">
+                          <a16:creationId xmlns:a16="http://schemas.microsoft.com/office/drawing/2014/main" id="{465AA00B-93EC-B5F0-0FEF-E1FEEDA07F64}"/>
+                        </a:ext>
+                      </a:extLst>
+                    </p:cNvPr>
+                    <p:cNvCxnSpPr>
+                      <a:cxnSpLocks/>
+                    </p:cNvCxnSpPr>
+                    <p:nvPr/>
+                  </p:nvCxnSpPr>
+                  <p:spPr>
+                    <a:xfrm flipV="1">
+                      <a:off x="13843670" y="16293934"/>
+                      <a:ext cx="0" cy="43096"/>
+                    </a:xfrm>
+                    <a:prstGeom prst="line">
+                      <a:avLst/>
+                    </a:prstGeom>
+                    <a:ln w="12700">
+                      <a:solidFill>
+                        <a:schemeClr val="tx1"/>
+                      </a:solidFill>
+                    </a:ln>
+                  </p:spPr>
+                  <p:style>
+                    <a:lnRef idx="1">
+                      <a:schemeClr val="accent1"/>
+                    </a:lnRef>
+                    <a:fillRef idx="0">
+                      <a:schemeClr val="accent1"/>
+                    </a:fillRef>
+                    <a:effectRef idx="0">
+                      <a:schemeClr val="accent1"/>
+                    </a:effectRef>
+                    <a:fontRef idx="minor">
+                      <a:schemeClr val="tx1"/>
+                    </a:fontRef>
+                  </p:style>
+                </p:cxnSp>
+                <p:cxnSp>
+                  <p:nvCxnSpPr>
+                    <p:cNvPr id="136" name="Straight Connector 135">
+                      <a:extLst>
+                        <a:ext uri="{FF2B5EF4-FFF2-40B4-BE49-F238E27FC236}">
+                          <a16:creationId xmlns:a16="http://schemas.microsoft.com/office/drawing/2014/main" id="{2073539D-3859-70FC-C733-A4E299FFA421}"/>
+                        </a:ext>
+                      </a:extLst>
+                    </p:cNvPr>
+                    <p:cNvCxnSpPr>
+                      <a:cxnSpLocks/>
+                    </p:cNvCxnSpPr>
+                    <p:nvPr/>
+                  </p:nvCxnSpPr>
+                  <p:spPr>
+                    <a:xfrm flipV="1">
+                      <a:off x="13641319" y="16292791"/>
+                      <a:ext cx="801394" cy="1101"/>
+                    </a:xfrm>
+                    <a:prstGeom prst="line">
+                      <a:avLst/>
+                    </a:prstGeom>
+                    <a:ln w="12700">
+                      <a:solidFill>
+                        <a:schemeClr val="tx1"/>
+                      </a:solidFill>
+                    </a:ln>
+                  </p:spPr>
+                  <p:style>
+                    <a:lnRef idx="1">
+                      <a:schemeClr val="accent1"/>
+                    </a:lnRef>
+                    <a:fillRef idx="0">
+                      <a:schemeClr val="accent1"/>
+                    </a:fillRef>
+                    <a:effectRef idx="0">
+                      <a:schemeClr val="accent1"/>
+                    </a:effectRef>
+                    <a:fontRef idx="minor">
+                      <a:schemeClr val="tx1"/>
+                    </a:fontRef>
+                  </p:style>
+                </p:cxnSp>
+              </p:grpSp>
+            </p:grpSp>
+            <p:sp>
+              <p:nvSpPr>
+                <p:cNvPr id="162" name="TextBox 161">
+                  <a:extLst>
+                    <a:ext uri="{FF2B5EF4-FFF2-40B4-BE49-F238E27FC236}">
+                      <a16:creationId xmlns:a16="http://schemas.microsoft.com/office/drawing/2014/main" id="{CC8F5FD7-D31A-ED4F-DB75-981ED1BDBE1F}"/>
+                    </a:ext>
+                  </a:extLst>
+                </p:cNvPr>
+                <p:cNvSpPr txBox="1"/>
+                <p:nvPr/>
+              </p:nvSpPr>
+              <p:spPr>
+                <a:xfrm>
+                  <a:off x="12201429" y="17100306"/>
+                  <a:ext cx="1162231" cy="187843"/>
+                </a:xfrm>
+                <a:prstGeom prst="rect">
+                  <a:avLst/>
+                </a:prstGeom>
+                <a:noFill/>
+              </p:spPr>
+              <p:txBody>
+                <a:bodyPr wrap="square" rtlCol="0">
+                  <a:spAutoFit/>
+                </a:bodyPr>
+                <a:lstStyle/>
+                <a:p>
+                  <a:r>
+                    <a:rPr lang="en-US" sz="500" dirty="0"/>
+                    <a:t>0.8   0.85   0.9   0.95   0.99</a:t>
+                  </a:r>
+                </a:p>
+              </p:txBody>
+            </p:sp>
+          </p:grpSp>
+          <p:sp>
+            <p:nvSpPr>
+              <p:cNvPr id="167" name="TextBox 166">
+                <a:extLst>
+                  <a:ext uri="{FF2B5EF4-FFF2-40B4-BE49-F238E27FC236}">
+                    <a16:creationId xmlns:a16="http://schemas.microsoft.com/office/drawing/2014/main" id="{2D1ED562-7B87-2337-8B52-A6A25AD10149}"/>
+                  </a:ext>
+                </a:extLst>
+              </p:cNvPr>
+              <p:cNvSpPr txBox="1"/>
+              <p:nvPr/>
+            </p:nvSpPr>
+            <p:spPr>
+              <a:xfrm>
+                <a:off x="13231988" y="16318464"/>
+                <a:ext cx="1112310" cy="192358"/>
+              </a:xfrm>
+              <a:prstGeom prst="rect">
+                <a:avLst/>
+              </a:prstGeom>
+              <a:noFill/>
+            </p:spPr>
+            <p:txBody>
+              <a:bodyPr wrap="square" rtlCol="0">
+                <a:spAutoFit/>
+              </a:bodyPr>
+              <a:lstStyle/>
+              <a:p>
+                <a:pPr algn="ctr"/>
+                <a:r>
+                  <a:rPr lang="en-US" sz="650" dirty="0"/>
+                  <a:t>Variable importance</a:t>
+                </a:r>
+              </a:p>
+            </p:txBody>
+          </p:sp>
+        </p:grpSp>
+      </p:grpSp>
+      <p:grpSp>
+        <p:nvGrpSpPr>
+          <p:cNvPr id="213" name="Group 212">
+            <a:extLst>
+              <a:ext uri="{FF2B5EF4-FFF2-40B4-BE49-F238E27FC236}">
+                <a16:creationId xmlns:a16="http://schemas.microsoft.com/office/drawing/2014/main" id="{41C95BD2-B764-31DB-3F71-917B7D846CC5}"/>
+              </a:ext>
+            </a:extLst>
+          </p:cNvPr>
+          <p:cNvGrpSpPr/>
+          <p:nvPr/>
+        </p:nvGrpSpPr>
+        <p:grpSpPr>
+          <a:xfrm>
+            <a:off x="-6149255" y="17041927"/>
+            <a:ext cx="1351355" cy="483204"/>
+            <a:chOff x="8333982" y="17270387"/>
+            <a:chExt cx="1351355" cy="483204"/>
+          </a:xfrm>
+        </p:grpSpPr>
+        <p:sp>
+          <p:nvSpPr>
+            <p:cNvPr id="184" name="Rectangle 183">
+              <a:extLst>
+                <a:ext uri="{FF2B5EF4-FFF2-40B4-BE49-F238E27FC236}">
+                  <a16:creationId xmlns:a16="http://schemas.microsoft.com/office/drawing/2014/main" id="{F92E7665-A014-C1F3-7F6B-2C2DCE00B4E1}"/>
+                </a:ext>
+              </a:extLst>
+            </p:cNvPr>
+            <p:cNvSpPr/>
+            <p:nvPr/>
+          </p:nvSpPr>
+          <p:spPr>
+            <a:xfrm>
+              <a:off x="8367847" y="17270387"/>
+              <a:ext cx="1178319" cy="446338"/>
+            </a:xfrm>
+            <a:prstGeom prst="rect">
+              <a:avLst/>
+            </a:prstGeom>
+            <a:solidFill>
+              <a:schemeClr val="bg1"/>
+            </a:solidFill>
+            <a:ln w="3175">
+              <a:solidFill>
+                <a:schemeClr val="tx1"/>
+              </a:solidFill>
+            </a:ln>
+          </p:spPr>
+          <p:style>
+            <a:lnRef idx="2">
+              <a:schemeClr val="accent1">
+                <a:shade val="15000"/>
+              </a:schemeClr>
+            </a:lnRef>
+            <a:fillRef idx="1">
+              <a:schemeClr val="accent1"/>
+            </a:fillRef>
+            <a:effectRef idx="0">
+              <a:schemeClr val="accent1"/>
+            </a:effectRef>
+            <a:fontRef idx="minor">
+              <a:schemeClr val="lt1"/>
+            </a:fontRef>
+          </p:style>
+          <p:txBody>
+            <a:bodyPr rtlCol="0" anchor="ctr"/>
+            <a:lstStyle/>
+            <a:p>
+              <a:pPr algn="ctr"/>
+              <a:endParaRPr lang="en-US" dirty="0"/>
+            </a:p>
+          </p:txBody>
+        </p:sp>
+        <p:pic>
+          <p:nvPicPr>
+            <p:cNvPr id="190" name="Graphic 189">
+              <a:extLst>
+                <a:ext uri="{FF2B5EF4-FFF2-40B4-BE49-F238E27FC236}">
+                  <a16:creationId xmlns:a16="http://schemas.microsoft.com/office/drawing/2014/main" id="{F755537F-C54D-C28F-EBE4-8AA43D85244E}"/>
+                </a:ext>
+              </a:extLst>
+            </p:cNvPr>
+            <p:cNvPicPr>
+              <a:picLocks noChangeAspect="1"/>
+            </p:cNvPicPr>
+            <p:nvPr/>
+          </p:nvPicPr>
+          <p:blipFill>
+            <a:blip r:embed="rId10">
+              <a:extLst>
+                <a:ext uri="{96DAC541-7B7A-43D3-8B79-37D633B846F1}">
+                  <asvg:svgBlip xmlns:asvg="http://schemas.microsoft.com/office/drawing/2016/SVG/main" r:embed="rId11"/>
+                </a:ext>
+              </a:extLst>
+            </a:blip>
+            <a:srcRect l="84135" t="17435" r="14314" b="26092"/>
+            <a:stretch/>
+          </p:blipFill>
+          <p:spPr>
+            <a:xfrm rot="5400000">
+              <a:off x="8916564" y="17014225"/>
+              <a:ext cx="68802" cy="920901"/>
+            </a:xfrm>
+            <a:prstGeom prst="rect">
+              <a:avLst/>
+            </a:prstGeom>
+          </p:spPr>
+        </p:pic>
+        <p:cxnSp>
+          <p:nvCxnSpPr>
+            <p:cNvPr id="192" name="Straight Connector 191">
+              <a:extLst>
+                <a:ext uri="{FF2B5EF4-FFF2-40B4-BE49-F238E27FC236}">
+                  <a16:creationId xmlns:a16="http://schemas.microsoft.com/office/drawing/2014/main" id="{509D304D-45F8-A39B-83C6-BA1DBA0CB1DF}"/>
+                </a:ext>
+              </a:extLst>
+            </p:cNvPr>
+            <p:cNvCxnSpPr>
+              <a:cxnSpLocks/>
+            </p:cNvCxnSpPr>
+            <p:nvPr/>
+          </p:nvCxnSpPr>
+          <p:spPr>
+            <a:xfrm flipV="1">
+              <a:off x="8948690" y="17535676"/>
+              <a:ext cx="0" cy="49491"/>
+            </a:xfrm>
+            <a:prstGeom prst="line">
+              <a:avLst/>
+            </a:prstGeom>
+            <a:ln w="12700">
+              <a:solidFill>
+                <a:schemeClr val="tx1"/>
+              </a:solidFill>
+            </a:ln>
+          </p:spPr>
+          <p:style>
+            <a:lnRef idx="1">
+              <a:schemeClr val="accent1"/>
+            </a:lnRef>
+            <a:fillRef idx="0">
+              <a:schemeClr val="accent1"/>
+            </a:fillRef>
+            <a:effectRef idx="0">
+              <a:schemeClr val="accent1"/>
+            </a:effectRef>
+            <a:fontRef idx="minor">
+              <a:schemeClr val="tx1"/>
+            </a:fontRef>
+          </p:style>
+        </p:cxnSp>
+        <p:cxnSp>
+          <p:nvCxnSpPr>
+            <p:cNvPr id="193" name="Straight Connector 192">
+              <a:extLst>
+                <a:ext uri="{FF2B5EF4-FFF2-40B4-BE49-F238E27FC236}">
+                  <a16:creationId xmlns:a16="http://schemas.microsoft.com/office/drawing/2014/main" id="{C670982E-3B79-61E3-80FB-AF69EFFEA0AF}"/>
+                </a:ext>
+              </a:extLst>
+            </p:cNvPr>
+            <p:cNvCxnSpPr>
+              <a:cxnSpLocks/>
+            </p:cNvCxnSpPr>
+            <p:nvPr/>
+          </p:nvCxnSpPr>
+          <p:spPr>
+            <a:xfrm flipV="1">
+              <a:off x="9411264" y="17535463"/>
+              <a:ext cx="152" cy="49704"/>
+            </a:xfrm>
+            <a:prstGeom prst="line">
+              <a:avLst/>
+            </a:prstGeom>
+            <a:ln w="12700">
+              <a:solidFill>
+                <a:schemeClr val="tx1"/>
+              </a:solidFill>
+            </a:ln>
+          </p:spPr>
+          <p:style>
+            <a:lnRef idx="1">
+              <a:schemeClr val="accent1"/>
+            </a:lnRef>
+            <a:fillRef idx="0">
+              <a:schemeClr val="accent1"/>
+            </a:fillRef>
+            <a:effectRef idx="0">
+              <a:schemeClr val="accent1"/>
+            </a:effectRef>
+            <a:fontRef idx="minor">
+              <a:schemeClr val="tx1"/>
+            </a:fontRef>
+          </p:style>
+        </p:cxnSp>
+        <p:cxnSp>
+          <p:nvCxnSpPr>
+            <p:cNvPr id="194" name="Straight Connector 193">
+              <a:extLst>
+                <a:ext uri="{FF2B5EF4-FFF2-40B4-BE49-F238E27FC236}">
+                  <a16:creationId xmlns:a16="http://schemas.microsoft.com/office/drawing/2014/main" id="{D62F2211-1E8F-57CE-C7A3-1D4A9CAA1FE1}"/>
+                </a:ext>
+              </a:extLst>
+            </p:cNvPr>
+            <p:cNvCxnSpPr>
+              <a:cxnSpLocks/>
+            </p:cNvCxnSpPr>
+            <p:nvPr/>
+          </p:nvCxnSpPr>
+          <p:spPr>
+            <a:xfrm flipV="1">
+              <a:off x="8489896" y="17535412"/>
+              <a:ext cx="0" cy="49755"/>
+            </a:xfrm>
+            <a:prstGeom prst="line">
+              <a:avLst/>
+            </a:prstGeom>
+            <a:ln w="12700">
+              <a:solidFill>
+                <a:schemeClr val="tx1"/>
+              </a:solidFill>
+            </a:ln>
+          </p:spPr>
+          <p:style>
+            <a:lnRef idx="1">
+              <a:schemeClr val="accent1"/>
+            </a:lnRef>
+            <a:fillRef idx="0">
+              <a:schemeClr val="accent1"/>
+            </a:fillRef>
+            <a:effectRef idx="0">
+              <a:schemeClr val="accent1"/>
+            </a:effectRef>
+            <a:fontRef idx="minor">
+              <a:schemeClr val="tx1"/>
+            </a:fontRef>
+          </p:style>
+        </p:cxnSp>
+        <p:cxnSp>
+          <p:nvCxnSpPr>
+            <p:cNvPr id="195" name="Straight Connector 194">
+              <a:extLst>
+                <a:ext uri="{FF2B5EF4-FFF2-40B4-BE49-F238E27FC236}">
+                  <a16:creationId xmlns:a16="http://schemas.microsoft.com/office/drawing/2014/main" id="{901F568A-2F33-81DD-03CE-10EA2B338B14}"/>
+                </a:ext>
+              </a:extLst>
+            </p:cNvPr>
+            <p:cNvCxnSpPr>
+              <a:cxnSpLocks/>
+            </p:cNvCxnSpPr>
+            <p:nvPr/>
+          </p:nvCxnSpPr>
+          <p:spPr>
+            <a:xfrm flipV="1">
+              <a:off x="9178215" y="17535556"/>
+              <a:ext cx="0" cy="49611"/>
+            </a:xfrm>
+            <a:prstGeom prst="line">
+              <a:avLst/>
+            </a:prstGeom>
+            <a:ln w="12700">
+              <a:solidFill>
+                <a:schemeClr val="tx1"/>
+              </a:solidFill>
+            </a:ln>
+          </p:spPr>
+          <p:style>
+            <a:lnRef idx="1">
+              <a:schemeClr val="accent1"/>
+            </a:lnRef>
+            <a:fillRef idx="0">
+              <a:schemeClr val="accent1"/>
+            </a:fillRef>
+            <a:effectRef idx="0">
+              <a:schemeClr val="accent1"/>
+            </a:effectRef>
+            <a:fontRef idx="minor">
+              <a:schemeClr val="tx1"/>
+            </a:fontRef>
+          </p:style>
+        </p:cxnSp>
+        <p:cxnSp>
+          <p:nvCxnSpPr>
+            <p:cNvPr id="196" name="Straight Connector 195">
+              <a:extLst>
+                <a:ext uri="{FF2B5EF4-FFF2-40B4-BE49-F238E27FC236}">
+                  <a16:creationId xmlns:a16="http://schemas.microsoft.com/office/drawing/2014/main" id="{B53F2D92-AC9B-6590-ED59-89F0FBAEFEFA}"/>
+                </a:ext>
+              </a:extLst>
+            </p:cNvPr>
+            <p:cNvCxnSpPr>
+              <a:cxnSpLocks/>
+            </p:cNvCxnSpPr>
+            <p:nvPr/>
+          </p:nvCxnSpPr>
+          <p:spPr>
+            <a:xfrm flipV="1">
+              <a:off x="8720982" y="17535799"/>
+              <a:ext cx="0" cy="49368"/>
+            </a:xfrm>
+            <a:prstGeom prst="line">
+              <a:avLst/>
+            </a:prstGeom>
+            <a:ln w="12700">
+              <a:solidFill>
+                <a:schemeClr val="tx1"/>
+              </a:solidFill>
+            </a:ln>
+          </p:spPr>
+          <p:style>
+            <a:lnRef idx="1">
+              <a:schemeClr val="accent1"/>
+            </a:lnRef>
+            <a:fillRef idx="0">
+              <a:schemeClr val="accent1"/>
+            </a:fillRef>
+            <a:effectRef idx="0">
+              <a:schemeClr val="accent1"/>
+            </a:effectRef>
+            <a:fontRef idx="minor">
+              <a:schemeClr val="tx1"/>
+            </a:fontRef>
+          </p:style>
+        </p:cxnSp>
+        <p:cxnSp>
+          <p:nvCxnSpPr>
+            <p:cNvPr id="197" name="Straight Connector 196">
+              <a:extLst>
+                <a:ext uri="{FF2B5EF4-FFF2-40B4-BE49-F238E27FC236}">
+                  <a16:creationId xmlns:a16="http://schemas.microsoft.com/office/drawing/2014/main" id="{8091966C-EF5C-E2B6-EC81-0DBEE4C2E818}"/>
+                </a:ext>
+              </a:extLst>
+            </p:cNvPr>
+            <p:cNvCxnSpPr>
+              <a:cxnSpLocks/>
+            </p:cNvCxnSpPr>
+            <p:nvPr/>
+          </p:nvCxnSpPr>
+          <p:spPr>
+            <a:xfrm flipV="1">
+              <a:off x="8486929" y="17534490"/>
+              <a:ext cx="926946" cy="1261"/>
+            </a:xfrm>
+            <a:prstGeom prst="line">
+              <a:avLst/>
+            </a:prstGeom>
+            <a:ln w="12700">
+              <a:solidFill>
+                <a:schemeClr val="tx1"/>
+              </a:solidFill>
+            </a:ln>
+          </p:spPr>
+          <p:style>
+            <a:lnRef idx="1">
+              <a:schemeClr val="accent1"/>
+            </a:lnRef>
+            <a:fillRef idx="0">
+              <a:schemeClr val="accent1"/>
+            </a:fillRef>
+            <a:effectRef idx="0">
+              <a:schemeClr val="accent1"/>
+            </a:effectRef>
+            <a:fontRef idx="minor">
+              <a:schemeClr val="tx1"/>
+            </a:fontRef>
+          </p:style>
+        </p:cxnSp>
+        <p:sp>
+          <p:nvSpPr>
+            <p:cNvPr id="189" name="TextBox 188">
+              <a:extLst>
+                <a:ext uri="{FF2B5EF4-FFF2-40B4-BE49-F238E27FC236}">
+                  <a16:creationId xmlns:a16="http://schemas.microsoft.com/office/drawing/2014/main" id="{66E89508-34D3-8952-484D-07BACB6FDDAE}"/>
+                </a:ext>
+              </a:extLst>
+            </p:cNvPr>
+            <p:cNvSpPr txBox="1"/>
+            <p:nvPr/>
+          </p:nvSpPr>
+          <p:spPr>
+            <a:xfrm>
+              <a:off x="8333982" y="17553536"/>
+              <a:ext cx="1351355" cy="200055"/>
+            </a:xfrm>
+            <a:prstGeom prst="rect">
+              <a:avLst/>
+            </a:prstGeom>
+            <a:noFill/>
+          </p:spPr>
+          <p:txBody>
+            <a:bodyPr wrap="square" rtlCol="0">
+              <a:spAutoFit/>
+            </a:bodyPr>
+            <a:lstStyle/>
+            <a:p>
+              <a:r>
+                <a:rPr lang="en-US" sz="700" dirty="0"/>
+                <a:t>0.8   0.85   0.9   0.95   0.99</a:t>
+              </a:r>
+            </a:p>
+          </p:txBody>
+        </p:sp>
+        <p:sp>
+          <p:nvSpPr>
+            <p:cNvPr id="187" name="TextBox 186">
+              <a:extLst>
+                <a:ext uri="{FF2B5EF4-FFF2-40B4-BE49-F238E27FC236}">
+                  <a16:creationId xmlns:a16="http://schemas.microsoft.com/office/drawing/2014/main" id="{6A686649-040E-5411-8E60-C0D6AA5BF270}"/>
+                </a:ext>
+              </a:extLst>
+            </p:cNvPr>
+            <p:cNvSpPr txBox="1"/>
+            <p:nvPr/>
+          </p:nvSpPr>
+          <p:spPr>
+            <a:xfrm>
+              <a:off x="8400251" y="17274620"/>
+              <a:ext cx="1096878" cy="200055"/>
+            </a:xfrm>
+            <a:prstGeom prst="rect">
+              <a:avLst/>
+            </a:prstGeom>
+            <a:noFill/>
+          </p:spPr>
+          <p:txBody>
+            <a:bodyPr wrap="square" rtlCol="0">
+              <a:spAutoFit/>
+            </a:bodyPr>
+            <a:lstStyle/>
+            <a:p>
+              <a:pPr algn="ctr"/>
+              <a:r>
+                <a:rPr lang="en-US" sz="700" dirty="0"/>
+                <a:t>Variable importance</a:t>
+              </a:r>
+            </a:p>
+          </p:txBody>
+        </p:sp>
+      </p:grpSp>
+      <p:grpSp>
+        <p:nvGrpSpPr>
+          <p:cNvPr id="215" name="Group 214">
+            <a:extLst>
+              <a:ext uri="{FF2B5EF4-FFF2-40B4-BE49-F238E27FC236}">
+                <a16:creationId xmlns:a16="http://schemas.microsoft.com/office/drawing/2014/main" id="{C4EBB1BC-7B77-C61C-99FD-80F003DE1B40}"/>
+              </a:ext>
+            </a:extLst>
+          </p:cNvPr>
+          <p:cNvGrpSpPr/>
+          <p:nvPr/>
+        </p:nvGrpSpPr>
+        <p:grpSpPr>
+          <a:xfrm>
+            <a:off x="-8354485" y="16839884"/>
+            <a:ext cx="1351355" cy="478971"/>
+            <a:chOff x="8333982" y="17274620"/>
+            <a:chExt cx="1351355" cy="478971"/>
+          </a:xfrm>
+        </p:grpSpPr>
+        <p:sp>
+          <p:nvSpPr>
+            <p:cNvPr id="216" name="Rectangle 215">
+              <a:extLst>
+                <a:ext uri="{FF2B5EF4-FFF2-40B4-BE49-F238E27FC236}">
+                  <a16:creationId xmlns:a16="http://schemas.microsoft.com/office/drawing/2014/main" id="{B6651BA8-A21F-2D24-BCBC-410FB9FEA02A}"/>
+                </a:ext>
+              </a:extLst>
+            </p:cNvPr>
+            <p:cNvSpPr/>
+            <p:nvPr/>
+          </p:nvSpPr>
+          <p:spPr>
+            <a:xfrm>
+              <a:off x="8419126" y="17319943"/>
+              <a:ext cx="1084355" cy="374400"/>
+            </a:xfrm>
+            <a:prstGeom prst="rect">
+              <a:avLst/>
+            </a:prstGeom>
+            <a:solidFill>
+              <a:schemeClr val="bg1"/>
+            </a:solidFill>
+            <a:ln w="3175">
+              <a:noFill/>
+            </a:ln>
+          </p:spPr>
+          <p:style>
+            <a:lnRef idx="2">
+              <a:schemeClr val="accent1">
+                <a:shade val="15000"/>
+              </a:schemeClr>
+            </a:lnRef>
+            <a:fillRef idx="1">
+              <a:schemeClr val="accent1"/>
+            </a:fillRef>
+            <a:effectRef idx="0">
+              <a:schemeClr val="accent1"/>
+            </a:effectRef>
+            <a:fontRef idx="minor">
+              <a:schemeClr val="lt1"/>
+            </a:fontRef>
+          </p:style>
+          <p:txBody>
+            <a:bodyPr rtlCol="0" anchor="ctr"/>
+            <a:lstStyle/>
+            <a:p>
+              <a:pPr algn="ctr"/>
+              <a:endParaRPr lang="en-US" dirty="0"/>
+            </a:p>
+          </p:txBody>
+        </p:sp>
+        <p:pic>
+          <p:nvPicPr>
+            <p:cNvPr id="217" name="Graphic 216">
+              <a:extLst>
+                <a:ext uri="{FF2B5EF4-FFF2-40B4-BE49-F238E27FC236}">
+                  <a16:creationId xmlns:a16="http://schemas.microsoft.com/office/drawing/2014/main" id="{99DE8EB3-30C9-0290-3D9A-4EBF859A618E}"/>
+                </a:ext>
+              </a:extLst>
+            </p:cNvPr>
+            <p:cNvPicPr>
+              <a:picLocks noChangeAspect="1"/>
+            </p:cNvPicPr>
+            <p:nvPr/>
+          </p:nvPicPr>
+          <p:blipFill>
+            <a:blip r:embed="rId10">
+              <a:extLst>
+                <a:ext uri="{96DAC541-7B7A-43D3-8B79-37D633B846F1}">
+                  <asvg:svgBlip xmlns:asvg="http://schemas.microsoft.com/office/drawing/2016/SVG/main" r:embed="rId11"/>
+                </a:ext>
+              </a:extLst>
+            </a:blip>
+            <a:srcRect l="84135" t="17435" r="14314" b="26092"/>
+            <a:stretch/>
+          </p:blipFill>
+          <p:spPr>
+            <a:xfrm rot="5400000">
+              <a:off x="8916564" y="17014225"/>
+              <a:ext cx="68802" cy="920901"/>
+            </a:xfrm>
+            <a:prstGeom prst="rect">
+              <a:avLst/>
+            </a:prstGeom>
+          </p:spPr>
+        </p:pic>
+        <p:cxnSp>
+          <p:nvCxnSpPr>
+            <p:cNvPr id="218" name="Straight Connector 217">
+              <a:extLst>
+                <a:ext uri="{FF2B5EF4-FFF2-40B4-BE49-F238E27FC236}">
+                  <a16:creationId xmlns:a16="http://schemas.microsoft.com/office/drawing/2014/main" id="{8A78B521-FFF4-FE06-349A-E14B710ACE02}"/>
+                </a:ext>
+              </a:extLst>
+            </p:cNvPr>
+            <p:cNvCxnSpPr>
+              <a:cxnSpLocks/>
+            </p:cNvCxnSpPr>
+            <p:nvPr/>
+          </p:nvCxnSpPr>
+          <p:spPr>
+            <a:xfrm flipV="1">
+              <a:off x="8948690" y="17535676"/>
+              <a:ext cx="0" cy="49491"/>
+            </a:xfrm>
+            <a:prstGeom prst="line">
+              <a:avLst/>
+            </a:prstGeom>
+            <a:ln w="12700">
+              <a:solidFill>
+                <a:schemeClr val="tx1"/>
+              </a:solidFill>
+            </a:ln>
+          </p:spPr>
+          <p:style>
+            <a:lnRef idx="1">
+              <a:schemeClr val="accent1"/>
+            </a:lnRef>
+            <a:fillRef idx="0">
+              <a:schemeClr val="accent1"/>
+            </a:fillRef>
+            <a:effectRef idx="0">
+              <a:schemeClr val="accent1"/>
+            </a:effectRef>
+            <a:fontRef idx="minor">
+              <a:schemeClr val="tx1"/>
+            </a:fontRef>
+          </p:style>
+        </p:cxnSp>
+        <p:cxnSp>
+          <p:nvCxnSpPr>
+            <p:cNvPr id="219" name="Straight Connector 218">
+              <a:extLst>
+                <a:ext uri="{FF2B5EF4-FFF2-40B4-BE49-F238E27FC236}">
+                  <a16:creationId xmlns:a16="http://schemas.microsoft.com/office/drawing/2014/main" id="{DC35E22F-D2B1-C793-CFCF-9AF1E3C8ECA1}"/>
+                </a:ext>
+              </a:extLst>
+            </p:cNvPr>
+            <p:cNvCxnSpPr>
+              <a:cxnSpLocks/>
+            </p:cNvCxnSpPr>
+            <p:nvPr/>
+          </p:nvCxnSpPr>
+          <p:spPr>
+            <a:xfrm flipV="1">
+              <a:off x="9411264" y="17535463"/>
+              <a:ext cx="152" cy="49704"/>
+            </a:xfrm>
+            <a:prstGeom prst="line">
+              <a:avLst/>
+            </a:prstGeom>
+            <a:ln w="12700">
+              <a:solidFill>
+                <a:schemeClr val="tx1"/>
+              </a:solidFill>
+            </a:ln>
+          </p:spPr>
+          <p:style>
+            <a:lnRef idx="1">
+              <a:schemeClr val="accent1"/>
+            </a:lnRef>
+            <a:fillRef idx="0">
+              <a:schemeClr val="accent1"/>
+            </a:fillRef>
+            <a:effectRef idx="0">
+              <a:schemeClr val="accent1"/>
+            </a:effectRef>
+            <a:fontRef idx="minor">
+              <a:schemeClr val="tx1"/>
+            </a:fontRef>
+          </p:style>
+        </p:cxnSp>
+        <p:cxnSp>
+          <p:nvCxnSpPr>
+            <p:cNvPr id="220" name="Straight Connector 219">
+              <a:extLst>
+                <a:ext uri="{FF2B5EF4-FFF2-40B4-BE49-F238E27FC236}">
+                  <a16:creationId xmlns:a16="http://schemas.microsoft.com/office/drawing/2014/main" id="{0A9DEB83-9D5E-9901-BDD2-1E6ABBAABD8D}"/>
+                </a:ext>
+              </a:extLst>
+            </p:cNvPr>
+            <p:cNvCxnSpPr>
+              <a:cxnSpLocks/>
+            </p:cNvCxnSpPr>
+            <p:nvPr/>
+          </p:nvCxnSpPr>
+          <p:spPr>
+            <a:xfrm flipV="1">
+              <a:off x="8489896" y="17535412"/>
+              <a:ext cx="0" cy="49755"/>
+            </a:xfrm>
+            <a:prstGeom prst="line">
+              <a:avLst/>
+            </a:prstGeom>
+            <a:ln w="12700">
+              <a:solidFill>
+                <a:schemeClr val="tx1"/>
+              </a:solidFill>
+            </a:ln>
+          </p:spPr>
+          <p:style>
+            <a:lnRef idx="1">
+              <a:schemeClr val="accent1"/>
+            </a:lnRef>
+            <a:fillRef idx="0">
+              <a:schemeClr val="accent1"/>
+            </a:fillRef>
+            <a:effectRef idx="0">
+              <a:schemeClr val="accent1"/>
+            </a:effectRef>
+            <a:fontRef idx="minor">
+              <a:schemeClr val="tx1"/>
+            </a:fontRef>
+          </p:style>
+        </p:cxnSp>
+        <p:cxnSp>
+          <p:nvCxnSpPr>
+            <p:cNvPr id="221" name="Straight Connector 220">
+              <a:extLst>
+                <a:ext uri="{FF2B5EF4-FFF2-40B4-BE49-F238E27FC236}">
+                  <a16:creationId xmlns:a16="http://schemas.microsoft.com/office/drawing/2014/main" id="{47863671-4812-A2A1-FCF8-1440F3A29666}"/>
+                </a:ext>
+              </a:extLst>
+            </p:cNvPr>
+            <p:cNvCxnSpPr>
+              <a:cxnSpLocks/>
+            </p:cNvCxnSpPr>
+            <p:nvPr/>
+          </p:nvCxnSpPr>
+          <p:spPr>
+            <a:xfrm flipV="1">
+              <a:off x="9178215" y="17535556"/>
+              <a:ext cx="0" cy="49611"/>
+            </a:xfrm>
+            <a:prstGeom prst="line">
+              <a:avLst/>
+            </a:prstGeom>
+            <a:ln w="12700">
+              <a:solidFill>
+                <a:schemeClr val="tx1"/>
+              </a:solidFill>
+            </a:ln>
+          </p:spPr>
+          <p:style>
+            <a:lnRef idx="1">
+              <a:schemeClr val="accent1"/>
+            </a:lnRef>
+            <a:fillRef idx="0">
+              <a:schemeClr val="accent1"/>
+            </a:fillRef>
+            <a:effectRef idx="0">
+              <a:schemeClr val="accent1"/>
+            </a:effectRef>
+            <a:fontRef idx="minor">
+              <a:schemeClr val="tx1"/>
+            </a:fontRef>
+          </p:style>
+        </p:cxnSp>
+        <p:cxnSp>
+          <p:nvCxnSpPr>
+            <p:cNvPr id="222" name="Straight Connector 221">
+              <a:extLst>
+                <a:ext uri="{FF2B5EF4-FFF2-40B4-BE49-F238E27FC236}">
+                  <a16:creationId xmlns:a16="http://schemas.microsoft.com/office/drawing/2014/main" id="{5DC2BDAE-7279-9D81-B8F2-01ADED60D6F5}"/>
+                </a:ext>
+              </a:extLst>
+            </p:cNvPr>
+            <p:cNvCxnSpPr>
+              <a:cxnSpLocks/>
+            </p:cNvCxnSpPr>
+            <p:nvPr/>
+          </p:nvCxnSpPr>
+          <p:spPr>
+            <a:xfrm flipV="1">
+              <a:off x="8720982" y="17535799"/>
+              <a:ext cx="0" cy="49368"/>
+            </a:xfrm>
+            <a:prstGeom prst="line">
+              <a:avLst/>
+            </a:prstGeom>
+            <a:ln w="12700">
+              <a:solidFill>
+                <a:schemeClr val="tx1"/>
+              </a:solidFill>
+            </a:ln>
+          </p:spPr>
+          <p:style>
+            <a:lnRef idx="1">
+              <a:schemeClr val="accent1"/>
+            </a:lnRef>
+            <a:fillRef idx="0">
+              <a:schemeClr val="accent1"/>
+            </a:fillRef>
+            <a:effectRef idx="0">
+              <a:schemeClr val="accent1"/>
+            </a:effectRef>
+            <a:fontRef idx="minor">
+              <a:schemeClr val="tx1"/>
+            </a:fontRef>
+          </p:style>
+        </p:cxnSp>
+        <p:cxnSp>
+          <p:nvCxnSpPr>
+            <p:cNvPr id="223" name="Straight Connector 222">
+              <a:extLst>
+                <a:ext uri="{FF2B5EF4-FFF2-40B4-BE49-F238E27FC236}">
+                  <a16:creationId xmlns:a16="http://schemas.microsoft.com/office/drawing/2014/main" id="{962C193C-BEDF-DB8B-C3C0-44C4B264C64E}"/>
+                </a:ext>
+              </a:extLst>
+            </p:cNvPr>
+            <p:cNvCxnSpPr>
+              <a:cxnSpLocks/>
+            </p:cNvCxnSpPr>
+            <p:nvPr/>
+          </p:nvCxnSpPr>
+          <p:spPr>
+            <a:xfrm flipV="1">
+              <a:off x="8486929" y="17534490"/>
+              <a:ext cx="926946" cy="1261"/>
+            </a:xfrm>
+            <a:prstGeom prst="line">
+              <a:avLst/>
+            </a:prstGeom>
+            <a:ln w="12700">
+              <a:solidFill>
+                <a:schemeClr val="tx1"/>
+              </a:solidFill>
+            </a:ln>
+          </p:spPr>
+          <p:style>
+            <a:lnRef idx="1">
+              <a:schemeClr val="accent1"/>
+            </a:lnRef>
+            <a:fillRef idx="0">
+              <a:schemeClr val="accent1"/>
+            </a:fillRef>
+            <a:effectRef idx="0">
+              <a:schemeClr val="accent1"/>
+            </a:effectRef>
+            <a:fontRef idx="minor">
+              <a:schemeClr val="tx1"/>
+            </a:fontRef>
+          </p:style>
+        </p:cxnSp>
+        <p:sp>
+          <p:nvSpPr>
+            <p:cNvPr id="224" name="TextBox 223">
+              <a:extLst>
+                <a:ext uri="{FF2B5EF4-FFF2-40B4-BE49-F238E27FC236}">
+                  <a16:creationId xmlns:a16="http://schemas.microsoft.com/office/drawing/2014/main" id="{7E8447A5-84F5-AE24-8C37-88220858AF40}"/>
+                </a:ext>
+              </a:extLst>
+            </p:cNvPr>
+            <p:cNvSpPr txBox="1"/>
+            <p:nvPr/>
+          </p:nvSpPr>
+          <p:spPr>
+            <a:xfrm>
+              <a:off x="8333982" y="17553536"/>
+              <a:ext cx="1351355" cy="200055"/>
+            </a:xfrm>
+            <a:prstGeom prst="rect">
+              <a:avLst/>
+            </a:prstGeom>
+            <a:noFill/>
+          </p:spPr>
+          <p:txBody>
+            <a:bodyPr wrap="square" rtlCol="0">
+              <a:spAutoFit/>
+            </a:bodyPr>
+            <a:lstStyle/>
+            <a:p>
+              <a:r>
+                <a:rPr lang="en-US" sz="700" dirty="0"/>
+                <a:t>0.8   0.85   0.9   0.95   0.99</a:t>
+              </a:r>
+            </a:p>
+          </p:txBody>
+        </p:sp>
+        <p:sp>
+          <p:nvSpPr>
+            <p:cNvPr id="225" name="TextBox 224">
+              <a:extLst>
+                <a:ext uri="{FF2B5EF4-FFF2-40B4-BE49-F238E27FC236}">
+                  <a16:creationId xmlns:a16="http://schemas.microsoft.com/office/drawing/2014/main" id="{5C6FBB04-D3FF-C3A0-46A5-60ABBDEE1AFC}"/>
+                </a:ext>
+              </a:extLst>
+            </p:cNvPr>
+            <p:cNvSpPr txBox="1"/>
+            <p:nvPr/>
+          </p:nvSpPr>
+          <p:spPr>
+            <a:xfrm>
+              <a:off x="8400251" y="17274620"/>
+              <a:ext cx="1096878" cy="200055"/>
+            </a:xfrm>
+            <a:prstGeom prst="rect">
+              <a:avLst/>
+            </a:prstGeom>
+            <a:noFill/>
+          </p:spPr>
+          <p:txBody>
+            <a:bodyPr wrap="square" rtlCol="0">
+              <a:spAutoFit/>
+            </a:bodyPr>
+            <a:lstStyle/>
+            <a:p>
+              <a:pPr algn="ctr"/>
+              <a:r>
+                <a:rPr lang="en-US" sz="700" dirty="0"/>
+                <a:t>Variable importance</a:t>
+              </a:r>
+            </a:p>
+          </p:txBody>
+        </p:sp>
+      </p:grpSp>
+      <p:grpSp>
+        <p:nvGrpSpPr>
+          <p:cNvPr id="226" name="Group 225">
+            <a:extLst>
+              <a:ext uri="{FF2B5EF4-FFF2-40B4-BE49-F238E27FC236}">
+                <a16:creationId xmlns:a16="http://schemas.microsoft.com/office/drawing/2014/main" id="{FC0A64AA-B1FD-88DB-E497-BE10967EE3B5}"/>
+              </a:ext>
+            </a:extLst>
+          </p:cNvPr>
+          <p:cNvGrpSpPr/>
+          <p:nvPr/>
+        </p:nvGrpSpPr>
+        <p:grpSpPr>
+          <a:xfrm>
+            <a:off x="-11814887" y="15713326"/>
+            <a:ext cx="1083733" cy="399630"/>
+            <a:chOff x="13340106" y="16662708"/>
+            <a:chExt cx="1202598" cy="443463"/>
+          </a:xfrm>
+        </p:grpSpPr>
+        <p:sp>
+          <p:nvSpPr>
+            <p:cNvPr id="227" name="Rectangle 226">
+              <a:extLst>
+                <a:ext uri="{FF2B5EF4-FFF2-40B4-BE49-F238E27FC236}">
+                  <a16:creationId xmlns:a16="http://schemas.microsoft.com/office/drawing/2014/main" id="{E1D98FF0-F413-4240-20D3-C2A2798B29BA}"/>
+                </a:ext>
+              </a:extLst>
+            </p:cNvPr>
+            <p:cNvSpPr/>
+            <p:nvPr/>
+          </p:nvSpPr>
+          <p:spPr>
+            <a:xfrm>
+              <a:off x="13434067" y="16676603"/>
+              <a:ext cx="932483" cy="397100"/>
+            </a:xfrm>
+            <a:prstGeom prst="rect">
+              <a:avLst/>
+            </a:prstGeom>
+            <a:solidFill>
+              <a:schemeClr val="bg1"/>
+            </a:solidFill>
+            <a:ln w="3175">
+              <a:solidFill>
+                <a:schemeClr val="tx1"/>
+              </a:solidFill>
+            </a:ln>
+          </p:spPr>
+          <p:style>
+            <a:lnRef idx="2">
+              <a:schemeClr val="accent1">
+                <a:shade val="15000"/>
+              </a:schemeClr>
+            </a:lnRef>
+            <a:fillRef idx="1">
+              <a:schemeClr val="accent1"/>
+            </a:fillRef>
+            <a:effectRef idx="0">
+              <a:schemeClr val="accent1"/>
+            </a:effectRef>
+            <a:fontRef idx="minor">
+              <a:schemeClr val="lt1"/>
+            </a:fontRef>
+          </p:style>
+          <p:txBody>
+            <a:bodyPr rtlCol="0" anchor="ctr"/>
+            <a:lstStyle/>
+            <a:p>
+              <a:pPr algn="ctr"/>
+              <a:endParaRPr lang="en-US"/>
+            </a:p>
+          </p:txBody>
+        </p:sp>
+        <p:grpSp>
+          <p:nvGrpSpPr>
+            <p:cNvPr id="228" name="Group 227">
+              <a:extLst>
+                <a:ext uri="{FF2B5EF4-FFF2-40B4-BE49-F238E27FC236}">
+                  <a16:creationId xmlns:a16="http://schemas.microsoft.com/office/drawing/2014/main" id="{3C3F7176-D247-C944-72E3-23DD38D0B71C}"/>
+                </a:ext>
+              </a:extLst>
+            </p:cNvPr>
+            <p:cNvGrpSpPr/>
+            <p:nvPr/>
+          </p:nvGrpSpPr>
+          <p:grpSpPr>
+            <a:xfrm>
+              <a:off x="13340106" y="16662708"/>
+              <a:ext cx="1202598" cy="443463"/>
+              <a:chOff x="13231988" y="16318464"/>
+              <a:chExt cx="1202598" cy="443463"/>
+            </a:xfrm>
+          </p:grpSpPr>
+          <p:grpSp>
+            <p:nvGrpSpPr>
+              <p:cNvPr id="229" name="Group 228">
+                <a:extLst>
+                  <a:ext uri="{FF2B5EF4-FFF2-40B4-BE49-F238E27FC236}">
+                    <a16:creationId xmlns:a16="http://schemas.microsoft.com/office/drawing/2014/main" id="{8A867081-624F-B1A7-9E0E-AD81CBBC56C7}"/>
+                  </a:ext>
+                </a:extLst>
+              </p:cNvPr>
+              <p:cNvGrpSpPr/>
+              <p:nvPr/>
+            </p:nvGrpSpPr>
+            <p:grpSpPr>
+              <a:xfrm>
+                <a:off x="13272355" y="16507435"/>
+                <a:ext cx="1162231" cy="254492"/>
+                <a:chOff x="12201429" y="17033647"/>
+                <a:chExt cx="1162231" cy="254492"/>
+              </a:xfrm>
+            </p:grpSpPr>
+            <p:grpSp>
+              <p:nvGrpSpPr>
+                <p:cNvPr id="231" name="Group 230">
+                  <a:extLst>
+                    <a:ext uri="{FF2B5EF4-FFF2-40B4-BE49-F238E27FC236}">
+                      <a16:creationId xmlns:a16="http://schemas.microsoft.com/office/drawing/2014/main" id="{50DA4D81-544F-69CE-8F0F-CC5021085E15}"/>
+                    </a:ext>
+                  </a:extLst>
+                </p:cNvPr>
+                <p:cNvGrpSpPr/>
+                <p:nvPr/>
+              </p:nvGrpSpPr>
+              <p:grpSpPr>
+                <a:xfrm>
+                  <a:off x="12357349" y="17033647"/>
+                  <a:ext cx="706718" cy="98283"/>
+                  <a:chOff x="13641319" y="16225581"/>
+                  <a:chExt cx="801394" cy="111449"/>
+                </a:xfrm>
+              </p:grpSpPr>
+              <p:pic>
+                <p:nvPicPr>
+                  <p:cNvPr id="233" name="Graphic 232">
+                    <a:extLst>
+                      <a:ext uri="{FF2B5EF4-FFF2-40B4-BE49-F238E27FC236}">
+                        <a16:creationId xmlns:a16="http://schemas.microsoft.com/office/drawing/2014/main" id="{868D2491-6452-BB9E-C660-FCDD6707EE28}"/>
+                      </a:ext>
+                    </a:extLst>
+                  </p:cNvPr>
+                  <p:cNvPicPr>
+                    <a:picLocks noChangeAspect="1"/>
+                  </p:cNvPicPr>
+                  <p:nvPr/>
+                </p:nvPicPr>
+                <p:blipFill>
+                  <a:blip r:embed="rId10">
+                    <a:extLst>
+                      <a:ext uri="{96DAC541-7B7A-43D3-8B79-37D633B846F1}">
+                        <asvg:svgBlip xmlns:asvg="http://schemas.microsoft.com/office/drawing/2016/SVG/main" r:embed="rId11"/>
+                      </a:ext>
+                    </a:extLst>
+                  </a:blip>
+                  <a:srcRect l="84135" t="17435" r="14314" b="26092"/>
+                  <a:stretch/>
+                </p:blipFill>
+                <p:spPr>
+                  <a:xfrm rot="5400000">
+                    <a:off x="14013739" y="15856262"/>
+                    <a:ext cx="57530" cy="796168"/>
+                  </a:xfrm>
+                  <a:prstGeom prst="rect">
+                    <a:avLst/>
+                  </a:prstGeom>
+                </p:spPr>
+              </p:pic>
+              <p:grpSp>
+                <p:nvGrpSpPr>
+                  <p:cNvPr id="234" name="Group 233">
+                    <a:extLst>
+                      <a:ext uri="{FF2B5EF4-FFF2-40B4-BE49-F238E27FC236}">
+                        <a16:creationId xmlns:a16="http://schemas.microsoft.com/office/drawing/2014/main" id="{74766E11-00E0-3E23-B2B5-07A53C33FBDB}"/>
+                      </a:ext>
+                    </a:extLst>
+                  </p:cNvPr>
+                  <p:cNvGrpSpPr/>
+                  <p:nvPr/>
+                </p:nvGrpSpPr>
+                <p:grpSpPr>
+                  <a:xfrm>
+                    <a:off x="13641319" y="16292791"/>
+                    <a:ext cx="801394" cy="44239"/>
+                    <a:chOff x="13641319" y="16292791"/>
+                    <a:chExt cx="801394" cy="44239"/>
+                  </a:xfrm>
+                </p:grpSpPr>
+                <p:cxnSp>
+                  <p:nvCxnSpPr>
+                    <p:cNvPr id="235" name="Straight Connector 234">
+                      <a:extLst>
+                        <a:ext uri="{FF2B5EF4-FFF2-40B4-BE49-F238E27FC236}">
+                          <a16:creationId xmlns:a16="http://schemas.microsoft.com/office/drawing/2014/main" id="{E8513AD1-EA07-553B-4A40-3C0C7A224149}"/>
+                        </a:ext>
+                      </a:extLst>
+                    </p:cNvPr>
+                    <p:cNvCxnSpPr>
+                      <a:cxnSpLocks/>
+                    </p:cNvCxnSpPr>
+                    <p:nvPr/>
+                  </p:nvCxnSpPr>
+                  <p:spPr>
+                    <a:xfrm flipV="1">
+                      <a:off x="14040536" y="16293826"/>
+                      <a:ext cx="0" cy="43204"/>
+                    </a:xfrm>
+                    <a:prstGeom prst="line">
+                      <a:avLst/>
+                    </a:prstGeom>
+                    <a:ln w="12700">
+                      <a:solidFill>
+                        <a:schemeClr val="tx1"/>
+                      </a:solidFill>
+                    </a:ln>
+                  </p:spPr>
+                  <p:style>
+                    <a:lnRef idx="1">
+                      <a:schemeClr val="accent1"/>
+                    </a:lnRef>
+                    <a:fillRef idx="0">
+                      <a:schemeClr val="accent1"/>
+                    </a:fillRef>
+                    <a:effectRef idx="0">
+                      <a:schemeClr val="accent1"/>
+                    </a:effectRef>
+                    <a:fontRef idx="minor">
+                      <a:schemeClr val="tx1"/>
+                    </a:fontRef>
+                  </p:style>
+                </p:cxnSp>
+                <p:cxnSp>
+                  <p:nvCxnSpPr>
+                    <p:cNvPr id="236" name="Straight Connector 235">
+                      <a:extLst>
+                        <a:ext uri="{FF2B5EF4-FFF2-40B4-BE49-F238E27FC236}">
+                          <a16:creationId xmlns:a16="http://schemas.microsoft.com/office/drawing/2014/main" id="{EDB5BBE8-A742-3482-2539-1FC8DD8445A2}"/>
+                        </a:ext>
+                      </a:extLst>
+                    </p:cNvPr>
+                    <p:cNvCxnSpPr>
+                      <a:cxnSpLocks/>
+                    </p:cNvCxnSpPr>
+                    <p:nvPr/>
+                  </p:nvCxnSpPr>
+                  <p:spPr>
+                    <a:xfrm flipV="1">
+                      <a:off x="14440456" y="16293640"/>
+                      <a:ext cx="131" cy="43390"/>
+                    </a:xfrm>
+                    <a:prstGeom prst="line">
+                      <a:avLst/>
+                    </a:prstGeom>
+                    <a:ln w="12700">
+                      <a:solidFill>
+                        <a:schemeClr val="tx1"/>
+                      </a:solidFill>
+                    </a:ln>
+                  </p:spPr>
+                  <p:style>
+                    <a:lnRef idx="1">
+                      <a:schemeClr val="accent1"/>
+                    </a:lnRef>
+                    <a:fillRef idx="0">
+                      <a:schemeClr val="accent1"/>
+                    </a:fillRef>
+                    <a:effectRef idx="0">
+                      <a:schemeClr val="accent1"/>
+                    </a:effectRef>
+                    <a:fontRef idx="minor">
+                      <a:schemeClr val="tx1"/>
+                    </a:fontRef>
+                  </p:style>
+                </p:cxnSp>
+                <p:cxnSp>
+                  <p:nvCxnSpPr>
+                    <p:cNvPr id="237" name="Straight Connector 236">
+                      <a:extLst>
+                        <a:ext uri="{FF2B5EF4-FFF2-40B4-BE49-F238E27FC236}">
+                          <a16:creationId xmlns:a16="http://schemas.microsoft.com/office/drawing/2014/main" id="{3E0EE2A9-BC05-410B-9A3F-19FBCAF29355}"/>
+                        </a:ext>
+                      </a:extLst>
+                    </p:cNvPr>
+                    <p:cNvCxnSpPr>
+                      <a:cxnSpLocks/>
+                    </p:cNvCxnSpPr>
+                    <p:nvPr/>
+                  </p:nvCxnSpPr>
+                  <p:spPr>
+                    <a:xfrm flipV="1">
+                      <a:off x="13643884" y="16293596"/>
+                      <a:ext cx="0" cy="43434"/>
+                    </a:xfrm>
+                    <a:prstGeom prst="line">
+                      <a:avLst/>
+                    </a:prstGeom>
+                    <a:ln w="12700">
+                      <a:solidFill>
+                        <a:schemeClr val="tx1"/>
+                      </a:solidFill>
+                    </a:ln>
+                  </p:spPr>
+                  <p:style>
+                    <a:lnRef idx="1">
+                      <a:schemeClr val="accent1"/>
+                    </a:lnRef>
+                    <a:fillRef idx="0">
+                      <a:schemeClr val="accent1"/>
+                    </a:fillRef>
+                    <a:effectRef idx="0">
+                      <a:schemeClr val="accent1"/>
+                    </a:effectRef>
+                    <a:fontRef idx="minor">
+                      <a:schemeClr val="tx1"/>
+                    </a:fontRef>
+                  </p:style>
+                </p:cxnSp>
+                <p:cxnSp>
+                  <p:nvCxnSpPr>
+                    <p:cNvPr id="238" name="Straight Connector 237">
+                      <a:extLst>
+                        <a:ext uri="{FF2B5EF4-FFF2-40B4-BE49-F238E27FC236}">
+                          <a16:creationId xmlns:a16="http://schemas.microsoft.com/office/drawing/2014/main" id="{F1C890F4-ECD4-C35C-C3CA-267636B6733E}"/>
+                        </a:ext>
+                      </a:extLst>
+                    </p:cNvPr>
+                    <p:cNvCxnSpPr>
+                      <a:cxnSpLocks/>
+                    </p:cNvCxnSpPr>
+                    <p:nvPr/>
+                  </p:nvCxnSpPr>
+                  <p:spPr>
+                    <a:xfrm flipV="1">
+                      <a:off x="14238973" y="16293722"/>
+                      <a:ext cx="0" cy="43308"/>
+                    </a:xfrm>
+                    <a:prstGeom prst="line">
+                      <a:avLst/>
+                    </a:prstGeom>
+                    <a:ln w="12700">
+                      <a:solidFill>
+                        <a:schemeClr val="tx1"/>
+                      </a:solidFill>
+                    </a:ln>
+                  </p:spPr>
+                  <p:style>
+                    <a:lnRef idx="1">
+                      <a:schemeClr val="accent1"/>
+                    </a:lnRef>
+                    <a:fillRef idx="0">
+                      <a:schemeClr val="accent1"/>
+                    </a:fillRef>
+                    <a:effectRef idx="0">
+                      <a:schemeClr val="accent1"/>
+                    </a:effectRef>
+                    <a:fontRef idx="minor">
+                      <a:schemeClr val="tx1"/>
+                    </a:fontRef>
+                  </p:style>
+                </p:cxnSp>
+                <p:cxnSp>
+                  <p:nvCxnSpPr>
+                    <p:cNvPr id="239" name="Straight Connector 238">
+                      <a:extLst>
+                        <a:ext uri="{FF2B5EF4-FFF2-40B4-BE49-F238E27FC236}">
+                          <a16:creationId xmlns:a16="http://schemas.microsoft.com/office/drawing/2014/main" id="{FDB95984-2166-B8CD-9C69-21CD64D6E3B4}"/>
+                        </a:ext>
+                      </a:extLst>
+                    </p:cNvPr>
+                    <p:cNvCxnSpPr>
+                      <a:cxnSpLocks/>
+                    </p:cNvCxnSpPr>
+                    <p:nvPr/>
+                  </p:nvCxnSpPr>
+                  <p:spPr>
+                    <a:xfrm flipV="1">
+                      <a:off x="13843670" y="16293934"/>
+                      <a:ext cx="0" cy="43096"/>
+                    </a:xfrm>
+                    <a:prstGeom prst="line">
+                      <a:avLst/>
+                    </a:prstGeom>
+                    <a:ln w="12700">
+                      <a:solidFill>
+                        <a:schemeClr val="tx1"/>
+                      </a:solidFill>
+                    </a:ln>
+                  </p:spPr>
+                  <p:style>
+                    <a:lnRef idx="1">
+                      <a:schemeClr val="accent1"/>
+                    </a:lnRef>
+                    <a:fillRef idx="0">
+                      <a:schemeClr val="accent1"/>
+                    </a:fillRef>
+                    <a:effectRef idx="0">
+                      <a:schemeClr val="accent1"/>
+                    </a:effectRef>
+                    <a:fontRef idx="minor">
+                      <a:schemeClr val="tx1"/>
+                    </a:fontRef>
+                  </p:style>
+                </p:cxnSp>
+                <p:cxnSp>
+                  <p:nvCxnSpPr>
+                    <p:cNvPr id="240" name="Straight Connector 239">
+                      <a:extLst>
+                        <a:ext uri="{FF2B5EF4-FFF2-40B4-BE49-F238E27FC236}">
+                          <a16:creationId xmlns:a16="http://schemas.microsoft.com/office/drawing/2014/main" id="{512ED649-CF5E-EC7D-E552-1C0F41AE3DD7}"/>
+                        </a:ext>
+                      </a:extLst>
+                    </p:cNvPr>
+                    <p:cNvCxnSpPr>
+                      <a:cxnSpLocks/>
+                    </p:cNvCxnSpPr>
+                    <p:nvPr/>
+                  </p:nvCxnSpPr>
+                  <p:spPr>
+                    <a:xfrm flipV="1">
+                      <a:off x="13641319" y="16292791"/>
+                      <a:ext cx="801394" cy="1101"/>
+                    </a:xfrm>
+                    <a:prstGeom prst="line">
+                      <a:avLst/>
+                    </a:prstGeom>
+                    <a:ln w="12700">
+                      <a:solidFill>
+                        <a:schemeClr val="tx1"/>
+                      </a:solidFill>
+                    </a:ln>
+                  </p:spPr>
+                  <p:style>
+                    <a:lnRef idx="1">
+                      <a:schemeClr val="accent1"/>
+                    </a:lnRef>
+                    <a:fillRef idx="0">
+                      <a:schemeClr val="accent1"/>
+                    </a:fillRef>
+                    <a:effectRef idx="0">
+                      <a:schemeClr val="accent1"/>
+                    </a:effectRef>
+                    <a:fontRef idx="minor">
+                      <a:schemeClr val="tx1"/>
+                    </a:fontRef>
+                  </p:style>
+                </p:cxnSp>
+              </p:grpSp>
+            </p:grpSp>
+            <p:sp>
+              <p:nvSpPr>
+                <p:cNvPr id="232" name="TextBox 231">
+                  <a:extLst>
+                    <a:ext uri="{FF2B5EF4-FFF2-40B4-BE49-F238E27FC236}">
+                      <a16:creationId xmlns:a16="http://schemas.microsoft.com/office/drawing/2014/main" id="{48D0B2C8-8680-2C4A-B188-9F8A6A8B478F}"/>
+                    </a:ext>
+                  </a:extLst>
+                </p:cNvPr>
+                <p:cNvSpPr txBox="1"/>
+                <p:nvPr/>
+              </p:nvSpPr>
+              <p:spPr>
+                <a:xfrm>
+                  <a:off x="12201429" y="17100298"/>
+                  <a:ext cx="1162231" cy="187841"/>
+                </a:xfrm>
+                <a:prstGeom prst="rect">
+                  <a:avLst/>
+                </a:prstGeom>
+                <a:noFill/>
+              </p:spPr>
+              <p:txBody>
+                <a:bodyPr wrap="square" rtlCol="0">
+                  <a:spAutoFit/>
+                </a:bodyPr>
+                <a:lstStyle/>
+                <a:p>
+                  <a:r>
+                    <a:rPr lang="en-US" sz="500" dirty="0"/>
+                    <a:t>0.8   0.85   0.9   0.95   0.99</a:t>
+                  </a:r>
+                </a:p>
+              </p:txBody>
+            </p:sp>
+          </p:grpSp>
+          <p:sp>
+            <p:nvSpPr>
+              <p:cNvPr id="230" name="TextBox 229">
+                <a:extLst>
+                  <a:ext uri="{FF2B5EF4-FFF2-40B4-BE49-F238E27FC236}">
+                    <a16:creationId xmlns:a16="http://schemas.microsoft.com/office/drawing/2014/main" id="{35B6D447-6004-48DA-4506-46A62DC199C3}"/>
+                  </a:ext>
+                </a:extLst>
+              </p:cNvPr>
+              <p:cNvSpPr txBox="1"/>
+              <p:nvPr/>
+            </p:nvSpPr>
+            <p:spPr>
+              <a:xfrm>
+                <a:off x="13231988" y="16318464"/>
+                <a:ext cx="1112310" cy="192358"/>
+              </a:xfrm>
+              <a:prstGeom prst="rect">
+                <a:avLst/>
+              </a:prstGeom>
+              <a:noFill/>
+            </p:spPr>
+            <p:txBody>
+              <a:bodyPr wrap="square" rtlCol="0">
+                <a:spAutoFit/>
+              </a:bodyPr>
+              <a:lstStyle/>
+              <a:p>
+                <a:pPr algn="ctr"/>
+                <a:r>
+                  <a:rPr lang="en-US" sz="650" dirty="0"/>
+                  <a:t>Variable importance</a:t>
+                </a:r>
+              </a:p>
+            </p:txBody>
+          </p:sp>
+        </p:grpSp>
+      </p:grpSp>
+      <p:grpSp>
+        <p:nvGrpSpPr>
+          <p:cNvPr id="257" name="Group 256">
+            <a:extLst>
+              <a:ext uri="{FF2B5EF4-FFF2-40B4-BE49-F238E27FC236}">
+                <a16:creationId xmlns:a16="http://schemas.microsoft.com/office/drawing/2014/main" id="{CB8B52D2-B270-ED98-8B1E-3958E4185659}"/>
+              </a:ext>
+            </a:extLst>
+          </p:cNvPr>
+          <p:cNvGrpSpPr/>
+          <p:nvPr/>
+        </p:nvGrpSpPr>
+        <p:grpSpPr>
+          <a:xfrm>
+            <a:off x="-10930967" y="16611577"/>
+            <a:ext cx="1083733" cy="408093"/>
+            <a:chOff x="13340106" y="16639223"/>
+            <a:chExt cx="1202598" cy="452854"/>
+          </a:xfrm>
+        </p:grpSpPr>
+        <p:sp>
+          <p:nvSpPr>
+            <p:cNvPr id="258" name="Rectangle 257">
+              <a:extLst>
+                <a:ext uri="{FF2B5EF4-FFF2-40B4-BE49-F238E27FC236}">
+                  <a16:creationId xmlns:a16="http://schemas.microsoft.com/office/drawing/2014/main" id="{8804ECAE-F6A3-A9DE-B5D3-0CE952E6330D}"/>
+                </a:ext>
+              </a:extLst>
+            </p:cNvPr>
+            <p:cNvSpPr/>
+            <p:nvPr/>
+          </p:nvSpPr>
+          <p:spPr>
+            <a:xfrm>
+              <a:off x="13434067" y="16655460"/>
+              <a:ext cx="932483" cy="397100"/>
+            </a:xfrm>
+            <a:prstGeom prst="rect">
+              <a:avLst/>
+            </a:prstGeom>
+            <a:solidFill>
+              <a:schemeClr val="bg1"/>
+            </a:solidFill>
+            <a:ln w="3175">
+              <a:solidFill>
+                <a:schemeClr val="tx1"/>
+              </a:solidFill>
+            </a:ln>
+          </p:spPr>
+          <p:style>
+            <a:lnRef idx="2">
+              <a:schemeClr val="accent1">
+                <a:shade val="15000"/>
+              </a:schemeClr>
+            </a:lnRef>
+            <a:fillRef idx="1">
+              <a:schemeClr val="accent1"/>
+            </a:fillRef>
+            <a:effectRef idx="0">
+              <a:schemeClr val="accent1"/>
+            </a:effectRef>
+            <a:fontRef idx="minor">
+              <a:schemeClr val="lt1"/>
+            </a:fontRef>
+          </p:style>
+          <p:txBody>
+            <a:bodyPr rtlCol="0" anchor="ctr"/>
+            <a:lstStyle/>
+            <a:p>
+              <a:pPr algn="ctr"/>
+              <a:endParaRPr lang="en-US"/>
+            </a:p>
+          </p:txBody>
+        </p:sp>
+        <p:grpSp>
+          <p:nvGrpSpPr>
+            <p:cNvPr id="259" name="Group 258">
+              <a:extLst>
+                <a:ext uri="{FF2B5EF4-FFF2-40B4-BE49-F238E27FC236}">
+                  <a16:creationId xmlns:a16="http://schemas.microsoft.com/office/drawing/2014/main" id="{731F3B61-145D-2F2D-9DEF-6E9814D9E274}"/>
+                </a:ext>
+              </a:extLst>
+            </p:cNvPr>
+            <p:cNvGrpSpPr/>
+            <p:nvPr/>
+          </p:nvGrpSpPr>
+          <p:grpSpPr>
+            <a:xfrm>
+              <a:off x="13340106" y="16639223"/>
+              <a:ext cx="1202598" cy="452854"/>
+              <a:chOff x="13231988" y="16294979"/>
+              <a:chExt cx="1202598" cy="452854"/>
+            </a:xfrm>
+          </p:grpSpPr>
+          <p:grpSp>
+            <p:nvGrpSpPr>
+              <p:cNvPr id="260" name="Group 259">
+                <a:extLst>
+                  <a:ext uri="{FF2B5EF4-FFF2-40B4-BE49-F238E27FC236}">
+                    <a16:creationId xmlns:a16="http://schemas.microsoft.com/office/drawing/2014/main" id="{4D990740-AC9A-0F22-5FEB-594485060A89}"/>
+                  </a:ext>
+                </a:extLst>
+              </p:cNvPr>
+              <p:cNvGrpSpPr/>
+              <p:nvPr/>
+            </p:nvGrpSpPr>
+            <p:grpSpPr>
+              <a:xfrm>
+                <a:off x="13272355" y="16476493"/>
+                <a:ext cx="1162231" cy="271340"/>
+                <a:chOff x="12201429" y="17002705"/>
+                <a:chExt cx="1162231" cy="271340"/>
+              </a:xfrm>
+            </p:grpSpPr>
+            <p:grpSp>
+              <p:nvGrpSpPr>
+                <p:cNvPr id="262" name="Group 261">
+                  <a:extLst>
+                    <a:ext uri="{FF2B5EF4-FFF2-40B4-BE49-F238E27FC236}">
+                      <a16:creationId xmlns:a16="http://schemas.microsoft.com/office/drawing/2014/main" id="{6ED08651-122A-3B72-FEF9-D9302FD85F53}"/>
+                    </a:ext>
+                  </a:extLst>
+                </p:cNvPr>
+                <p:cNvGrpSpPr/>
+                <p:nvPr/>
+              </p:nvGrpSpPr>
+              <p:grpSpPr>
+                <a:xfrm>
+                  <a:off x="12357349" y="17002705"/>
+                  <a:ext cx="706718" cy="129322"/>
+                  <a:chOff x="13641319" y="16190385"/>
+                  <a:chExt cx="801394" cy="146645"/>
+                </a:xfrm>
+              </p:grpSpPr>
+              <p:pic>
+                <p:nvPicPr>
+                  <p:cNvPr id="264" name="Graphic 263">
+                    <a:extLst>
+                      <a:ext uri="{FF2B5EF4-FFF2-40B4-BE49-F238E27FC236}">
+                        <a16:creationId xmlns:a16="http://schemas.microsoft.com/office/drawing/2014/main" id="{D4378B94-5B43-4BA5-231A-57BBE52747FE}"/>
+                      </a:ext>
+                    </a:extLst>
+                  </p:cNvPr>
+                  <p:cNvPicPr>
+                    <a:picLocks noChangeAspect="1"/>
+                  </p:cNvPicPr>
+                  <p:nvPr/>
+                </p:nvPicPr>
+                <p:blipFill>
+                  <a:blip r:embed="rId10">
+                    <a:extLst>
+                      <a:ext uri="{96DAC541-7B7A-43D3-8B79-37D633B846F1}">
+                        <asvg:svgBlip xmlns:asvg="http://schemas.microsoft.com/office/drawing/2016/SVG/main" r:embed="rId11"/>
+                      </a:ext>
+                    </a:extLst>
+                  </a:blip>
+                  <a:srcRect l="84135" t="17435" r="14314" b="26092"/>
+                  <a:stretch/>
+                </p:blipFill>
+                <p:spPr>
+                  <a:xfrm rot="5400000">
+                    <a:off x="13993476" y="15841328"/>
+                    <a:ext cx="98053" cy="796168"/>
+                  </a:xfrm>
+                  <a:prstGeom prst="rect">
+                    <a:avLst/>
+                  </a:prstGeom>
+                </p:spPr>
+              </p:pic>
+              <p:grpSp>
+                <p:nvGrpSpPr>
+                  <p:cNvPr id="265" name="Group 264">
+                    <a:extLst>
+                      <a:ext uri="{FF2B5EF4-FFF2-40B4-BE49-F238E27FC236}">
+                        <a16:creationId xmlns:a16="http://schemas.microsoft.com/office/drawing/2014/main" id="{9D1CF9F3-78B7-7425-E962-38BAA55C1133}"/>
+                      </a:ext>
+                    </a:extLst>
+                  </p:cNvPr>
+                  <p:cNvGrpSpPr/>
+                  <p:nvPr/>
+                </p:nvGrpSpPr>
+                <p:grpSpPr>
+                  <a:xfrm>
+                    <a:off x="13641319" y="16292791"/>
+                    <a:ext cx="801394" cy="44239"/>
+                    <a:chOff x="13641319" y="16292791"/>
+                    <a:chExt cx="801394" cy="44239"/>
+                  </a:xfrm>
+                </p:grpSpPr>
+                <p:cxnSp>
+                  <p:nvCxnSpPr>
+                    <p:cNvPr id="266" name="Straight Connector 265">
+                      <a:extLst>
+                        <a:ext uri="{FF2B5EF4-FFF2-40B4-BE49-F238E27FC236}">
+                          <a16:creationId xmlns:a16="http://schemas.microsoft.com/office/drawing/2014/main" id="{4F6E76B1-9EC7-05D6-5DC7-75B5B8A6AF0B}"/>
+                        </a:ext>
+                      </a:extLst>
+                    </p:cNvPr>
+                    <p:cNvCxnSpPr>
+                      <a:cxnSpLocks/>
+                    </p:cNvCxnSpPr>
+                    <p:nvPr/>
+                  </p:nvCxnSpPr>
+                  <p:spPr>
+                    <a:xfrm flipV="1">
+                      <a:off x="14040536" y="16293826"/>
+                      <a:ext cx="0" cy="43204"/>
+                    </a:xfrm>
+                    <a:prstGeom prst="line">
+                      <a:avLst/>
+                    </a:prstGeom>
+                    <a:ln w="12700">
+                      <a:solidFill>
+                        <a:schemeClr val="tx1"/>
+                      </a:solidFill>
+                    </a:ln>
+                  </p:spPr>
+                  <p:style>
+                    <a:lnRef idx="1">
+                      <a:schemeClr val="accent1"/>
+                    </a:lnRef>
+                    <a:fillRef idx="0">
+                      <a:schemeClr val="accent1"/>
+                    </a:fillRef>
+                    <a:effectRef idx="0">
+                      <a:schemeClr val="accent1"/>
+                    </a:effectRef>
+                    <a:fontRef idx="minor">
+                      <a:schemeClr val="tx1"/>
+                    </a:fontRef>
+                  </p:style>
+                </p:cxnSp>
+                <p:cxnSp>
+                  <p:nvCxnSpPr>
+                    <p:cNvPr id="267" name="Straight Connector 266">
+                      <a:extLst>
+                        <a:ext uri="{FF2B5EF4-FFF2-40B4-BE49-F238E27FC236}">
+                          <a16:creationId xmlns:a16="http://schemas.microsoft.com/office/drawing/2014/main" id="{F86FC7BA-1C2A-FDCE-27F7-5E81BCDC1C6F}"/>
+                        </a:ext>
+                      </a:extLst>
+                    </p:cNvPr>
+                    <p:cNvCxnSpPr>
+                      <a:cxnSpLocks/>
+                    </p:cNvCxnSpPr>
+                    <p:nvPr/>
+                  </p:nvCxnSpPr>
+                  <p:spPr>
+                    <a:xfrm flipV="1">
+                      <a:off x="14440456" y="16293640"/>
+                      <a:ext cx="131" cy="43390"/>
+                    </a:xfrm>
+                    <a:prstGeom prst="line">
+                      <a:avLst/>
+                    </a:prstGeom>
+                    <a:ln w="12700">
+                      <a:solidFill>
+                        <a:schemeClr val="tx1"/>
+                      </a:solidFill>
+                    </a:ln>
+                  </p:spPr>
+                  <p:style>
+                    <a:lnRef idx="1">
+                      <a:schemeClr val="accent1"/>
+                    </a:lnRef>
+                    <a:fillRef idx="0">
+                      <a:schemeClr val="accent1"/>
+                    </a:fillRef>
+                    <a:effectRef idx="0">
+                      <a:schemeClr val="accent1"/>
+                    </a:effectRef>
+                    <a:fontRef idx="minor">
+                      <a:schemeClr val="tx1"/>
+                    </a:fontRef>
+                  </p:style>
+                </p:cxnSp>
+                <p:cxnSp>
+                  <p:nvCxnSpPr>
+                    <p:cNvPr id="268" name="Straight Connector 267">
+                      <a:extLst>
+                        <a:ext uri="{FF2B5EF4-FFF2-40B4-BE49-F238E27FC236}">
+                          <a16:creationId xmlns:a16="http://schemas.microsoft.com/office/drawing/2014/main" id="{63EBA173-4B7A-C920-F307-79B51B4F0811}"/>
+                        </a:ext>
+                      </a:extLst>
+                    </p:cNvPr>
+                    <p:cNvCxnSpPr>
+                      <a:cxnSpLocks/>
+                    </p:cNvCxnSpPr>
+                    <p:nvPr/>
+                  </p:nvCxnSpPr>
+                  <p:spPr>
+                    <a:xfrm flipV="1">
+                      <a:off x="13643884" y="16293596"/>
+                      <a:ext cx="0" cy="43434"/>
+                    </a:xfrm>
+                    <a:prstGeom prst="line">
+                      <a:avLst/>
+                    </a:prstGeom>
+                    <a:ln w="12700">
+                      <a:solidFill>
+                        <a:schemeClr val="tx1"/>
+                      </a:solidFill>
+                    </a:ln>
+                  </p:spPr>
+                  <p:style>
+                    <a:lnRef idx="1">
+                      <a:schemeClr val="accent1"/>
+                    </a:lnRef>
+                    <a:fillRef idx="0">
+                      <a:schemeClr val="accent1"/>
+                    </a:fillRef>
+                    <a:effectRef idx="0">
+                      <a:schemeClr val="accent1"/>
+                    </a:effectRef>
+                    <a:fontRef idx="minor">
+                      <a:schemeClr val="tx1"/>
+                    </a:fontRef>
+                  </p:style>
+                </p:cxnSp>
+                <p:cxnSp>
+                  <p:nvCxnSpPr>
+                    <p:cNvPr id="269" name="Straight Connector 268">
+                      <a:extLst>
+                        <a:ext uri="{FF2B5EF4-FFF2-40B4-BE49-F238E27FC236}">
+                          <a16:creationId xmlns:a16="http://schemas.microsoft.com/office/drawing/2014/main" id="{799560ED-1185-6231-DB63-653C7D1688A2}"/>
+                        </a:ext>
+                      </a:extLst>
+                    </p:cNvPr>
+                    <p:cNvCxnSpPr>
+                      <a:cxnSpLocks/>
+                    </p:cNvCxnSpPr>
+                    <p:nvPr/>
+                  </p:nvCxnSpPr>
+                  <p:spPr>
+                    <a:xfrm flipV="1">
+                      <a:off x="14238973" y="16293722"/>
+                      <a:ext cx="0" cy="43308"/>
+                    </a:xfrm>
+                    <a:prstGeom prst="line">
+                      <a:avLst/>
+                    </a:prstGeom>
+                    <a:ln w="12700">
+                      <a:solidFill>
+                        <a:schemeClr val="tx1"/>
+                      </a:solidFill>
+                    </a:ln>
+                  </p:spPr>
+                  <p:style>
+                    <a:lnRef idx="1">
+                      <a:schemeClr val="accent1"/>
+                    </a:lnRef>
+                    <a:fillRef idx="0">
+                      <a:schemeClr val="accent1"/>
+                    </a:fillRef>
+                    <a:effectRef idx="0">
+                      <a:schemeClr val="accent1"/>
+                    </a:effectRef>
+                    <a:fontRef idx="minor">
+                      <a:schemeClr val="tx1"/>
+                    </a:fontRef>
+                  </p:style>
+                </p:cxnSp>
+                <p:cxnSp>
+                  <p:nvCxnSpPr>
+                    <p:cNvPr id="270" name="Straight Connector 269">
+                      <a:extLst>
+                        <a:ext uri="{FF2B5EF4-FFF2-40B4-BE49-F238E27FC236}">
+                          <a16:creationId xmlns:a16="http://schemas.microsoft.com/office/drawing/2014/main" id="{B63B70DC-B6A3-0AB1-65C7-5A9520FFCD73}"/>
+                        </a:ext>
+                      </a:extLst>
+                    </p:cNvPr>
+                    <p:cNvCxnSpPr>
+                      <a:cxnSpLocks/>
+                    </p:cNvCxnSpPr>
+                    <p:nvPr/>
+                  </p:nvCxnSpPr>
+                  <p:spPr>
+                    <a:xfrm flipV="1">
+                      <a:off x="13843670" y="16293934"/>
+                      <a:ext cx="0" cy="43096"/>
+                    </a:xfrm>
+                    <a:prstGeom prst="line">
+                      <a:avLst/>
+                    </a:prstGeom>
+                    <a:ln w="12700">
+                      <a:solidFill>
+                        <a:schemeClr val="tx1"/>
+                      </a:solidFill>
+                    </a:ln>
+                  </p:spPr>
+                  <p:style>
+                    <a:lnRef idx="1">
+                      <a:schemeClr val="accent1"/>
+                    </a:lnRef>
+                    <a:fillRef idx="0">
+                      <a:schemeClr val="accent1"/>
+                    </a:fillRef>
+                    <a:effectRef idx="0">
+                      <a:schemeClr val="accent1"/>
+                    </a:effectRef>
+                    <a:fontRef idx="minor">
+                      <a:schemeClr val="tx1"/>
+                    </a:fontRef>
+                  </p:style>
+                </p:cxnSp>
+                <p:cxnSp>
+                  <p:nvCxnSpPr>
+                    <p:cNvPr id="271" name="Straight Connector 270">
+                      <a:extLst>
+                        <a:ext uri="{FF2B5EF4-FFF2-40B4-BE49-F238E27FC236}">
+                          <a16:creationId xmlns:a16="http://schemas.microsoft.com/office/drawing/2014/main" id="{8991C79E-D678-792F-CAF2-9DD7BE48E563}"/>
+                        </a:ext>
+                      </a:extLst>
+                    </p:cNvPr>
+                    <p:cNvCxnSpPr>
+                      <a:cxnSpLocks/>
+                    </p:cNvCxnSpPr>
+                    <p:nvPr/>
+                  </p:nvCxnSpPr>
+                  <p:spPr>
+                    <a:xfrm flipV="1">
+                      <a:off x="13641319" y="16292791"/>
+                      <a:ext cx="801394" cy="1101"/>
+                    </a:xfrm>
+                    <a:prstGeom prst="line">
+                      <a:avLst/>
+                    </a:prstGeom>
+                    <a:ln w="12700">
+                      <a:solidFill>
+                        <a:schemeClr val="tx1"/>
+                      </a:solidFill>
+                    </a:ln>
+                  </p:spPr>
+                  <p:style>
+                    <a:lnRef idx="1">
+                      <a:schemeClr val="accent1"/>
+                    </a:lnRef>
+                    <a:fillRef idx="0">
+                      <a:schemeClr val="accent1"/>
+                    </a:fillRef>
+                    <a:effectRef idx="0">
+                      <a:schemeClr val="accent1"/>
+                    </a:effectRef>
+                    <a:fontRef idx="minor">
+                      <a:schemeClr val="tx1"/>
+                    </a:fontRef>
+                  </p:style>
+                </p:cxnSp>
+              </p:grpSp>
+            </p:grpSp>
+            <p:sp>
+              <p:nvSpPr>
+                <p:cNvPr id="263" name="TextBox 262">
+                  <a:extLst>
+                    <a:ext uri="{FF2B5EF4-FFF2-40B4-BE49-F238E27FC236}">
+                      <a16:creationId xmlns:a16="http://schemas.microsoft.com/office/drawing/2014/main" id="{34D2F68E-6ABE-66DF-3B64-8916B9E7A2D9}"/>
+                    </a:ext>
+                  </a:extLst>
+                </p:cNvPr>
+                <p:cNvSpPr txBox="1"/>
+                <p:nvPr/>
+              </p:nvSpPr>
+              <p:spPr>
+                <a:xfrm>
+                  <a:off x="12201429" y="17086203"/>
+                  <a:ext cx="1162231" cy="187842"/>
+                </a:xfrm>
+                <a:prstGeom prst="rect">
+                  <a:avLst/>
+                </a:prstGeom>
+                <a:noFill/>
+              </p:spPr>
+              <p:txBody>
+                <a:bodyPr wrap="square" rtlCol="0">
+                  <a:spAutoFit/>
+                </a:bodyPr>
+                <a:lstStyle/>
+                <a:p>
+                  <a:r>
+                    <a:rPr lang="en-US" sz="500" dirty="0"/>
+                    <a:t>0.8   0.85   0.9   0.95   0.99</a:t>
+                  </a:r>
+                </a:p>
+              </p:txBody>
+            </p:sp>
+          </p:grpSp>
+          <p:sp>
+            <p:nvSpPr>
+              <p:cNvPr id="261" name="TextBox 260">
+                <a:extLst>
+                  <a:ext uri="{FF2B5EF4-FFF2-40B4-BE49-F238E27FC236}">
+                    <a16:creationId xmlns:a16="http://schemas.microsoft.com/office/drawing/2014/main" id="{DAE15377-B905-BF3E-67F4-B306D62FCAD1}"/>
+                  </a:ext>
+                </a:extLst>
+              </p:cNvPr>
+              <p:cNvSpPr txBox="1"/>
+              <p:nvPr/>
+            </p:nvSpPr>
+            <p:spPr>
+              <a:xfrm>
+                <a:off x="13231988" y="16294979"/>
+                <a:ext cx="1112310" cy="192357"/>
+              </a:xfrm>
+              <a:prstGeom prst="rect">
+                <a:avLst/>
+              </a:prstGeom>
+              <a:noFill/>
+            </p:spPr>
+            <p:txBody>
+              <a:bodyPr wrap="square" rtlCol="0">
+                <a:spAutoFit/>
+              </a:bodyPr>
+              <a:lstStyle/>
+              <a:p>
+                <a:pPr algn="ctr"/>
+                <a:r>
+                  <a:rPr lang="en-US" sz="650" dirty="0"/>
+                  <a:t>Variable importance</a:t>
+                </a:r>
+              </a:p>
+            </p:txBody>
+          </p:sp>
+        </p:grpSp>
+      </p:grpSp>
+      <p:grpSp>
+        <p:nvGrpSpPr>
+          <p:cNvPr id="53" name="Group 52">
+            <a:extLst>
+              <a:ext uri="{FF2B5EF4-FFF2-40B4-BE49-F238E27FC236}">
+                <a16:creationId xmlns:a16="http://schemas.microsoft.com/office/drawing/2014/main" id="{74121BE8-1AA4-A05D-0650-4FDA22F9F559}"/>
+              </a:ext>
+            </a:extLst>
+          </p:cNvPr>
+          <p:cNvGrpSpPr/>
+          <p:nvPr/>
+        </p:nvGrpSpPr>
+        <p:grpSpPr>
+          <a:xfrm>
+            <a:off x="17793736" y="14955688"/>
+            <a:ext cx="6605505" cy="3554447"/>
+            <a:chOff x="9678443" y="14274800"/>
+            <a:chExt cx="4232372" cy="2277454"/>
+          </a:xfrm>
+        </p:grpSpPr>
+        <p:pic>
+          <p:nvPicPr>
+            <p:cNvPr id="59" name="Graphic 58">
+              <a:extLst>
+                <a:ext uri="{FF2B5EF4-FFF2-40B4-BE49-F238E27FC236}">
+                  <a16:creationId xmlns:a16="http://schemas.microsoft.com/office/drawing/2014/main" id="{7E45CCBA-3622-159B-2B8F-BB57DC78ADD3}"/>
+                </a:ext>
+              </a:extLst>
+            </p:cNvPr>
+            <p:cNvPicPr>
+              <a:picLocks noChangeAspect="1"/>
+            </p:cNvPicPr>
+            <p:nvPr/>
+          </p:nvPicPr>
+          <p:blipFill>
+            <a:blip r:embed="rId10">
+              <a:extLst>
+                <a:ext uri="{96DAC541-7B7A-43D3-8B79-37D633B846F1}">
+                  <asvg:svgBlip xmlns:asvg="http://schemas.microsoft.com/office/drawing/2016/SVG/main" r:embed="rId11"/>
+                </a:ext>
+              </a:extLst>
+            </a:blip>
+            <a:srcRect t="15718" r="18858" b="16666"/>
+            <a:stretch/>
+          </p:blipFill>
+          <p:spPr>
+            <a:xfrm>
+              <a:off x="9771592" y="14274800"/>
+              <a:ext cx="3292475" cy="2112433"/>
+            </a:xfrm>
+            <a:prstGeom prst="rect">
+              <a:avLst/>
+            </a:prstGeom>
+          </p:spPr>
+        </p:pic>
+        <p:sp>
+          <p:nvSpPr>
+            <p:cNvPr id="60" name="Rectangle 59">
+              <a:extLst>
+                <a:ext uri="{FF2B5EF4-FFF2-40B4-BE49-F238E27FC236}">
+                  <a16:creationId xmlns:a16="http://schemas.microsoft.com/office/drawing/2014/main" id="{7E23F3FC-0AED-724F-D14D-DEC70C59A82D}"/>
+                </a:ext>
+              </a:extLst>
+            </p:cNvPr>
+            <p:cNvSpPr/>
+            <p:nvPr/>
+          </p:nvSpPr>
+          <p:spPr>
+            <a:xfrm>
+              <a:off x="10883901" y="15529087"/>
+              <a:ext cx="2120898" cy="51330"/>
+            </a:xfrm>
+            <a:prstGeom prst="rect">
+              <a:avLst/>
+            </a:prstGeom>
+            <a:solidFill>
+              <a:schemeClr val="bg1"/>
+            </a:solidFill>
+            <a:ln>
+              <a:noFill/>
+            </a:ln>
+          </p:spPr>
+          <p:style>
+            <a:lnRef idx="2">
+              <a:schemeClr val="accent1">
+                <a:shade val="15000"/>
+              </a:schemeClr>
+            </a:lnRef>
+            <a:fillRef idx="1">
+              <a:schemeClr val="accent1"/>
+            </a:fillRef>
+            <a:effectRef idx="0">
+              <a:schemeClr val="accent1"/>
+            </a:effectRef>
+            <a:fontRef idx="minor">
+              <a:schemeClr val="lt1"/>
+            </a:fontRef>
+          </p:style>
+          <p:txBody>
+            <a:bodyPr rtlCol="0" anchor="ctr"/>
+            <a:lstStyle/>
+            <a:p>
+              <a:pPr algn="ctr"/>
+              <a:endParaRPr lang="en-US"/>
+            </a:p>
+          </p:txBody>
+        </p:sp>
+        <p:sp>
+          <p:nvSpPr>
+            <p:cNvPr id="62" name="Rectangle 61">
+              <a:extLst>
+                <a:ext uri="{FF2B5EF4-FFF2-40B4-BE49-F238E27FC236}">
+                  <a16:creationId xmlns:a16="http://schemas.microsoft.com/office/drawing/2014/main" id="{451902C0-BB49-84E3-46E9-9E9B19DBFA59}"/>
+                </a:ext>
+              </a:extLst>
+            </p:cNvPr>
+            <p:cNvSpPr/>
+            <p:nvPr/>
+          </p:nvSpPr>
+          <p:spPr>
+            <a:xfrm>
+              <a:off x="10883906" y="15184067"/>
+              <a:ext cx="2120898" cy="51330"/>
+            </a:xfrm>
+            <a:prstGeom prst="rect">
+              <a:avLst/>
+            </a:prstGeom>
+            <a:solidFill>
+              <a:schemeClr val="bg1"/>
+            </a:solidFill>
+            <a:ln>
+              <a:noFill/>
+            </a:ln>
+          </p:spPr>
+          <p:style>
+            <a:lnRef idx="2">
+              <a:schemeClr val="accent1">
+                <a:shade val="15000"/>
+              </a:schemeClr>
+            </a:lnRef>
+            <a:fillRef idx="1">
+              <a:schemeClr val="accent1"/>
+            </a:fillRef>
+            <a:effectRef idx="0">
+              <a:schemeClr val="accent1"/>
+            </a:effectRef>
+            <a:fontRef idx="minor">
+              <a:schemeClr val="lt1"/>
+            </a:fontRef>
+          </p:style>
+          <p:txBody>
+            <a:bodyPr rtlCol="0" anchor="ctr"/>
+            <a:lstStyle/>
+            <a:p>
+              <a:pPr algn="ctr"/>
+              <a:endParaRPr lang="en-US"/>
+            </a:p>
+          </p:txBody>
+        </p:sp>
+        <p:sp>
+          <p:nvSpPr>
+            <p:cNvPr id="65" name="Rectangle 64">
+              <a:extLst>
+                <a:ext uri="{FF2B5EF4-FFF2-40B4-BE49-F238E27FC236}">
+                  <a16:creationId xmlns:a16="http://schemas.microsoft.com/office/drawing/2014/main" id="{59E64F15-4317-7A72-55AB-148BB50AFE46}"/>
+                </a:ext>
+              </a:extLst>
+            </p:cNvPr>
+            <p:cNvSpPr/>
+            <p:nvPr/>
+          </p:nvSpPr>
+          <p:spPr>
+            <a:xfrm>
+              <a:off x="10883905" y="14843284"/>
+              <a:ext cx="2120898" cy="51330"/>
+            </a:xfrm>
+            <a:prstGeom prst="rect">
+              <a:avLst/>
+            </a:prstGeom>
+            <a:solidFill>
+              <a:schemeClr val="bg1"/>
+            </a:solidFill>
+            <a:ln>
+              <a:noFill/>
+            </a:ln>
+          </p:spPr>
+          <p:style>
+            <a:lnRef idx="2">
+              <a:schemeClr val="accent1">
+                <a:shade val="15000"/>
+              </a:schemeClr>
+            </a:lnRef>
+            <a:fillRef idx="1">
+              <a:schemeClr val="accent1"/>
+            </a:fillRef>
+            <a:effectRef idx="0">
+              <a:schemeClr val="accent1"/>
+            </a:effectRef>
+            <a:fontRef idx="minor">
+              <a:schemeClr val="lt1"/>
+            </a:fontRef>
+          </p:style>
+          <p:txBody>
+            <a:bodyPr rtlCol="0" anchor="ctr"/>
+            <a:lstStyle/>
+            <a:p>
+              <a:pPr algn="ctr"/>
+              <a:endParaRPr lang="en-US"/>
+            </a:p>
+          </p:txBody>
+        </p:sp>
+        <p:cxnSp>
+          <p:nvCxnSpPr>
+            <p:cNvPr id="66" name="Straight Connector 65">
+              <a:extLst>
+                <a:ext uri="{FF2B5EF4-FFF2-40B4-BE49-F238E27FC236}">
+                  <a16:creationId xmlns:a16="http://schemas.microsoft.com/office/drawing/2014/main" id="{C5BD8E19-EDF1-0CE8-2B51-7A0CE400EE43}"/>
+                </a:ext>
+              </a:extLst>
+            </p:cNvPr>
+            <p:cNvCxnSpPr>
+              <a:cxnSpLocks/>
+            </p:cNvCxnSpPr>
+            <p:nvPr/>
+          </p:nvCxnSpPr>
+          <p:spPr>
+            <a:xfrm flipH="1">
+              <a:off x="10913533" y="15554959"/>
+              <a:ext cx="2055878" cy="0"/>
+            </a:xfrm>
+            <a:prstGeom prst="line">
+              <a:avLst/>
+            </a:prstGeom>
+            <a:ln w="6350">
+              <a:solidFill>
+                <a:schemeClr val="tx1"/>
+              </a:solidFill>
+              <a:prstDash val="solid"/>
+            </a:ln>
+          </p:spPr>
+          <p:style>
+            <a:lnRef idx="1">
+              <a:schemeClr val="accent1"/>
+            </a:lnRef>
+            <a:fillRef idx="0">
+              <a:schemeClr val="accent1"/>
+            </a:fillRef>
+            <a:effectRef idx="0">
+              <a:schemeClr val="accent1"/>
+            </a:effectRef>
+            <a:fontRef idx="minor">
+              <a:schemeClr val="tx1"/>
+            </a:fontRef>
+          </p:style>
+        </p:cxnSp>
+        <p:cxnSp>
+          <p:nvCxnSpPr>
+            <p:cNvPr id="67" name="Straight Connector 66">
+              <a:extLst>
+                <a:ext uri="{FF2B5EF4-FFF2-40B4-BE49-F238E27FC236}">
+                  <a16:creationId xmlns:a16="http://schemas.microsoft.com/office/drawing/2014/main" id="{D7F39E45-CD60-E872-BB7C-C443FB342966}"/>
+                </a:ext>
+              </a:extLst>
+            </p:cNvPr>
+            <p:cNvCxnSpPr>
+              <a:cxnSpLocks/>
+            </p:cNvCxnSpPr>
+            <p:nvPr/>
+          </p:nvCxnSpPr>
+          <p:spPr>
+            <a:xfrm flipH="1">
+              <a:off x="10913533" y="15209839"/>
+              <a:ext cx="2055878" cy="0"/>
+            </a:xfrm>
+            <a:prstGeom prst="line">
+              <a:avLst/>
+            </a:prstGeom>
+            <a:ln w="6350">
+              <a:solidFill>
+                <a:schemeClr val="tx1"/>
+              </a:solidFill>
+              <a:prstDash val="solid"/>
+            </a:ln>
+          </p:spPr>
+          <p:style>
+            <a:lnRef idx="1">
+              <a:schemeClr val="accent1"/>
+            </a:lnRef>
+            <a:fillRef idx="0">
+              <a:schemeClr val="accent1"/>
+            </a:fillRef>
+            <a:effectRef idx="0">
+              <a:schemeClr val="accent1"/>
+            </a:effectRef>
+            <a:fontRef idx="minor">
+              <a:schemeClr val="tx1"/>
+            </a:fontRef>
+          </p:style>
+        </p:cxnSp>
+        <p:cxnSp>
+          <p:nvCxnSpPr>
+            <p:cNvPr id="68" name="Straight Connector 67">
+              <a:extLst>
+                <a:ext uri="{FF2B5EF4-FFF2-40B4-BE49-F238E27FC236}">
+                  <a16:creationId xmlns:a16="http://schemas.microsoft.com/office/drawing/2014/main" id="{48ABC163-96E2-5DA5-AC1A-AB53B58F7E6B}"/>
+                </a:ext>
+              </a:extLst>
+            </p:cNvPr>
+            <p:cNvCxnSpPr>
+              <a:cxnSpLocks/>
+            </p:cNvCxnSpPr>
+            <p:nvPr/>
+          </p:nvCxnSpPr>
+          <p:spPr>
+            <a:xfrm flipH="1">
+              <a:off x="10915054" y="14866417"/>
+              <a:ext cx="2055878" cy="0"/>
+            </a:xfrm>
+            <a:prstGeom prst="line">
+              <a:avLst/>
+            </a:prstGeom>
+            <a:ln w="6350">
+              <a:solidFill>
+                <a:schemeClr val="tx1"/>
+              </a:solidFill>
+              <a:prstDash val="solid"/>
+            </a:ln>
+          </p:spPr>
+          <p:style>
+            <a:lnRef idx="1">
+              <a:schemeClr val="accent1"/>
+            </a:lnRef>
+            <a:fillRef idx="0">
+              <a:schemeClr val="accent1"/>
+            </a:fillRef>
+            <a:effectRef idx="0">
+              <a:schemeClr val="accent1"/>
+            </a:effectRef>
+            <a:fontRef idx="minor">
+              <a:schemeClr val="tx1"/>
+            </a:fontRef>
+          </p:style>
+        </p:cxnSp>
+        <p:sp>
+          <p:nvSpPr>
+            <p:cNvPr id="69" name="TextBox 68">
+              <a:extLst>
+                <a:ext uri="{FF2B5EF4-FFF2-40B4-BE49-F238E27FC236}">
+                  <a16:creationId xmlns:a16="http://schemas.microsoft.com/office/drawing/2014/main" id="{BCF075BA-E765-7EA3-3AF7-2D02606167C6}"/>
+                </a:ext>
+              </a:extLst>
+            </p:cNvPr>
+            <p:cNvSpPr txBox="1"/>
+            <p:nvPr/>
+          </p:nvSpPr>
+          <p:spPr>
+            <a:xfrm>
+              <a:off x="13013983" y="15235446"/>
+              <a:ext cx="896832" cy="295804"/>
+            </a:xfrm>
+            <a:prstGeom prst="rect">
+              <a:avLst/>
+            </a:prstGeom>
+            <a:noFill/>
+          </p:spPr>
+          <p:txBody>
+            <a:bodyPr wrap="square" rtlCol="0">
+              <a:spAutoFit/>
+            </a:bodyPr>
+            <a:lstStyle/>
+            <a:p>
+              <a:r>
+                <a:rPr lang="en-US" sz="1200" dirty="0"/>
+                <a:t>Ray-finned</a:t>
+              </a:r>
+            </a:p>
+            <a:p>
+              <a:r>
+                <a:rPr lang="en-US" sz="1200" dirty="0"/>
+                <a:t>fish</a:t>
+              </a:r>
+            </a:p>
+          </p:txBody>
+        </p:sp>
+        <p:sp>
+          <p:nvSpPr>
+            <p:cNvPr id="70" name="TextBox 69">
+              <a:extLst>
+                <a:ext uri="{FF2B5EF4-FFF2-40B4-BE49-F238E27FC236}">
+                  <a16:creationId xmlns:a16="http://schemas.microsoft.com/office/drawing/2014/main" id="{EF35CC93-D504-06AB-EECE-DA5CBA644654}"/>
+                </a:ext>
+              </a:extLst>
+            </p:cNvPr>
+            <p:cNvSpPr txBox="1"/>
+            <p:nvPr/>
+          </p:nvSpPr>
+          <p:spPr>
+            <a:xfrm>
+              <a:off x="13013983" y="15728893"/>
+              <a:ext cx="896832" cy="177483"/>
+            </a:xfrm>
+            <a:prstGeom prst="rect">
+              <a:avLst/>
+            </a:prstGeom>
+            <a:noFill/>
+          </p:spPr>
+          <p:txBody>
+            <a:bodyPr wrap="square" rtlCol="0">
+              <a:spAutoFit/>
+            </a:bodyPr>
+            <a:lstStyle/>
+            <a:p>
+              <a:r>
+                <a:rPr lang="en-US" sz="1200" dirty="0"/>
+                <a:t>Reptiles</a:t>
+              </a:r>
+            </a:p>
+          </p:txBody>
+        </p:sp>
+        <p:sp>
+          <p:nvSpPr>
+            <p:cNvPr id="71" name="TextBox 70">
+              <a:extLst>
+                <a:ext uri="{FF2B5EF4-FFF2-40B4-BE49-F238E27FC236}">
+                  <a16:creationId xmlns:a16="http://schemas.microsoft.com/office/drawing/2014/main" id="{5548680C-513A-0E94-6BC6-34386805ADE5}"/>
+                </a:ext>
+              </a:extLst>
+            </p:cNvPr>
+            <p:cNvSpPr txBox="1"/>
+            <p:nvPr/>
+          </p:nvSpPr>
+          <p:spPr>
+            <a:xfrm>
+              <a:off x="13013983" y="14952705"/>
+              <a:ext cx="896832" cy="177483"/>
+            </a:xfrm>
+            <a:prstGeom prst="rect">
+              <a:avLst/>
+            </a:prstGeom>
+            <a:noFill/>
+          </p:spPr>
+          <p:txBody>
+            <a:bodyPr wrap="square" rtlCol="0">
+              <a:spAutoFit/>
+            </a:bodyPr>
+            <a:lstStyle/>
+            <a:p>
+              <a:r>
+                <a:rPr lang="en-US" sz="1200" dirty="0"/>
+                <a:t>Mammals</a:t>
+              </a:r>
+            </a:p>
+          </p:txBody>
+        </p:sp>
+        <p:sp>
+          <p:nvSpPr>
+            <p:cNvPr id="72" name="TextBox 71">
+              <a:extLst>
+                <a:ext uri="{FF2B5EF4-FFF2-40B4-BE49-F238E27FC236}">
+                  <a16:creationId xmlns:a16="http://schemas.microsoft.com/office/drawing/2014/main" id="{6DF0DC4F-41A7-309F-566A-B40A506243FC}"/>
+                </a:ext>
+              </a:extLst>
+            </p:cNvPr>
+            <p:cNvSpPr txBox="1"/>
+            <p:nvPr/>
+          </p:nvSpPr>
+          <p:spPr>
+            <a:xfrm>
+              <a:off x="13013979" y="14455695"/>
+              <a:ext cx="896832" cy="295804"/>
+            </a:xfrm>
+            <a:prstGeom prst="rect">
+              <a:avLst/>
+            </a:prstGeom>
+            <a:noFill/>
+          </p:spPr>
+          <p:txBody>
+            <a:bodyPr wrap="square" rtlCol="0">
+              <a:spAutoFit/>
+            </a:bodyPr>
+            <a:lstStyle/>
+            <a:p>
+              <a:r>
+                <a:rPr lang="en-US" sz="1200" dirty="0"/>
+                <a:t>All</a:t>
+              </a:r>
+            </a:p>
+            <a:p>
+              <a:r>
+                <a:rPr lang="en-US" sz="1200" dirty="0"/>
+                <a:t>species</a:t>
+              </a:r>
+            </a:p>
+          </p:txBody>
+        </p:sp>
+        <p:pic>
+          <p:nvPicPr>
+            <p:cNvPr id="74" name="Graphic 73">
+              <a:extLst>
+                <a:ext uri="{FF2B5EF4-FFF2-40B4-BE49-F238E27FC236}">
+                  <a16:creationId xmlns:a16="http://schemas.microsoft.com/office/drawing/2014/main" id="{CCD98DAE-F255-24B7-2CCB-C8EE9A777512}"/>
+                </a:ext>
+              </a:extLst>
+            </p:cNvPr>
+            <p:cNvPicPr>
+              <a:picLocks noChangeAspect="1"/>
+            </p:cNvPicPr>
+            <p:nvPr/>
+          </p:nvPicPr>
+          <p:blipFill>
+            <a:blip r:embed="rId10">
+              <a:extLst>
+                <a:ext uri="{96DAC541-7B7A-43D3-8B79-37D633B846F1}">
+                  <asvg:svgBlip xmlns:asvg="http://schemas.microsoft.com/office/drawing/2016/SVG/main" r:embed="rId11"/>
+                </a:ext>
+              </a:extLst>
+            </a:blip>
+            <a:srcRect l="26709" t="77869" r="22613" b="17309"/>
+            <a:stretch/>
+          </p:blipFill>
+          <p:spPr>
+            <a:xfrm>
+              <a:off x="10858500" y="16196795"/>
+              <a:ext cx="2056342" cy="150645"/>
+            </a:xfrm>
+            <a:prstGeom prst="rect">
+              <a:avLst/>
+            </a:prstGeom>
+          </p:spPr>
+        </p:pic>
+        <p:sp>
+          <p:nvSpPr>
+            <p:cNvPr id="77" name="TextBox 76">
+              <a:extLst>
+                <a:ext uri="{FF2B5EF4-FFF2-40B4-BE49-F238E27FC236}">
+                  <a16:creationId xmlns:a16="http://schemas.microsoft.com/office/drawing/2014/main" id="{0CFD9132-23EB-E44B-E396-FE23EA111FFE}"/>
+                </a:ext>
+              </a:extLst>
+            </p:cNvPr>
+            <p:cNvSpPr txBox="1"/>
+            <p:nvPr/>
+          </p:nvSpPr>
+          <p:spPr>
+            <a:xfrm>
+              <a:off x="11545233" y="16345191"/>
+              <a:ext cx="1002368" cy="207063"/>
+            </a:xfrm>
+            <a:prstGeom prst="rect">
+              <a:avLst/>
+            </a:prstGeom>
+            <a:noFill/>
+          </p:spPr>
+          <p:txBody>
+            <a:bodyPr wrap="square" rtlCol="0">
+              <a:spAutoFit/>
+            </a:bodyPr>
+            <a:lstStyle/>
+            <a:p>
+              <a:r>
+                <a:rPr lang="el-GR" sz="1500" dirty="0"/>
+                <a:t>β </a:t>
+              </a:r>
+              <a:r>
+                <a:rPr lang="en-US" sz="1500" dirty="0"/>
+                <a:t>coefficient</a:t>
+              </a:r>
+            </a:p>
+          </p:txBody>
+        </p:sp>
+        <p:sp>
+          <p:nvSpPr>
+            <p:cNvPr id="78" name="Rectangle 77">
+              <a:extLst>
+                <a:ext uri="{FF2B5EF4-FFF2-40B4-BE49-F238E27FC236}">
+                  <a16:creationId xmlns:a16="http://schemas.microsoft.com/office/drawing/2014/main" id="{1756326F-CD82-B259-E29F-A08729C73DB2}"/>
+                </a:ext>
+              </a:extLst>
+            </p:cNvPr>
+            <p:cNvSpPr/>
+            <p:nvPr/>
+          </p:nvSpPr>
+          <p:spPr>
+            <a:xfrm>
+              <a:off x="12030401" y="15638916"/>
+              <a:ext cx="840316" cy="357850"/>
+            </a:xfrm>
+            <a:prstGeom prst="rect">
+              <a:avLst/>
+            </a:prstGeom>
+            <a:solidFill>
+              <a:schemeClr val="bg1"/>
+            </a:solidFill>
+            <a:ln w="3175">
+              <a:solidFill>
+                <a:schemeClr val="tx1"/>
+              </a:solidFill>
+            </a:ln>
+          </p:spPr>
+          <p:style>
+            <a:lnRef idx="2">
+              <a:schemeClr val="accent1">
+                <a:shade val="15000"/>
+              </a:schemeClr>
+            </a:lnRef>
+            <a:fillRef idx="1">
+              <a:schemeClr val="accent1"/>
+            </a:fillRef>
+            <a:effectRef idx="0">
+              <a:schemeClr val="accent1"/>
+            </a:effectRef>
+            <a:fontRef idx="minor">
+              <a:schemeClr val="lt1"/>
+            </a:fontRef>
+          </p:style>
+          <p:txBody>
+            <a:bodyPr rtlCol="0" anchor="ctr"/>
+            <a:lstStyle/>
+            <a:p>
+              <a:pPr algn="ctr"/>
+              <a:endParaRPr lang="en-US"/>
+            </a:p>
+          </p:txBody>
+        </p:sp>
+        <p:pic>
+          <p:nvPicPr>
+            <p:cNvPr id="79" name="Graphic 78">
+              <a:extLst>
+                <a:ext uri="{FF2B5EF4-FFF2-40B4-BE49-F238E27FC236}">
+                  <a16:creationId xmlns:a16="http://schemas.microsoft.com/office/drawing/2014/main" id="{52E56E48-8443-D15C-BB8D-E5F6DD64EDA9}"/>
+                </a:ext>
+              </a:extLst>
+            </p:cNvPr>
+            <p:cNvPicPr>
+              <a:picLocks noChangeAspect="1"/>
+            </p:cNvPicPr>
+            <p:nvPr/>
+          </p:nvPicPr>
+          <p:blipFill>
+            <a:blip r:embed="rId10">
+              <a:extLst>
+                <a:ext uri="{96DAC541-7B7A-43D3-8B79-37D633B846F1}">
+                  <asvg:svgBlip xmlns:asvg="http://schemas.microsoft.com/office/drawing/2016/SVG/main" r:embed="rId11"/>
+                </a:ext>
+              </a:extLst>
+            </a:blip>
+            <a:srcRect l="84135" t="17435" r="14314" b="26092"/>
+            <a:stretch/>
+          </p:blipFill>
+          <p:spPr>
+            <a:xfrm rot="5400000">
+              <a:off x="12402471" y="15502326"/>
+              <a:ext cx="77923" cy="632713"/>
+            </a:xfrm>
+            <a:prstGeom prst="rect">
+              <a:avLst/>
+            </a:prstGeom>
+          </p:spPr>
+        </p:pic>
+        <p:cxnSp>
+          <p:nvCxnSpPr>
+            <p:cNvPr id="80" name="Straight Connector 79">
+              <a:extLst>
+                <a:ext uri="{FF2B5EF4-FFF2-40B4-BE49-F238E27FC236}">
+                  <a16:creationId xmlns:a16="http://schemas.microsoft.com/office/drawing/2014/main" id="{6BE374FB-6D00-7E2E-91F9-7446F1456A60}"/>
+                </a:ext>
+              </a:extLst>
+            </p:cNvPr>
+            <p:cNvCxnSpPr>
+              <a:cxnSpLocks/>
+            </p:cNvCxnSpPr>
+            <p:nvPr/>
+          </p:nvCxnSpPr>
+          <p:spPr>
+            <a:xfrm flipV="1">
+              <a:off x="12439870" y="15864979"/>
+              <a:ext cx="0" cy="34334"/>
+            </a:xfrm>
+            <a:prstGeom prst="line">
+              <a:avLst/>
+            </a:prstGeom>
+            <a:ln w="12700">
+              <a:solidFill>
+                <a:schemeClr val="tx1"/>
+              </a:solidFill>
+            </a:ln>
+          </p:spPr>
+          <p:style>
+            <a:lnRef idx="1">
+              <a:schemeClr val="accent1"/>
+            </a:lnRef>
+            <a:fillRef idx="0">
+              <a:schemeClr val="accent1"/>
+            </a:fillRef>
+            <a:effectRef idx="0">
+              <a:schemeClr val="accent1"/>
+            </a:effectRef>
+            <a:fontRef idx="minor">
+              <a:schemeClr val="tx1"/>
+            </a:fontRef>
+          </p:style>
+        </p:cxnSp>
+        <p:cxnSp>
+          <p:nvCxnSpPr>
+            <p:cNvPr id="81" name="Straight Connector 80">
+              <a:extLst>
+                <a:ext uri="{FF2B5EF4-FFF2-40B4-BE49-F238E27FC236}">
+                  <a16:creationId xmlns:a16="http://schemas.microsoft.com/office/drawing/2014/main" id="{1A15031E-115A-21B5-0CD1-6EBC04F26B3D}"/>
+                </a:ext>
+              </a:extLst>
+            </p:cNvPr>
+            <p:cNvCxnSpPr>
+              <a:cxnSpLocks/>
+            </p:cNvCxnSpPr>
+            <p:nvPr/>
+          </p:nvCxnSpPr>
+          <p:spPr>
+            <a:xfrm flipV="1">
+              <a:off x="12757685" y="15864831"/>
+              <a:ext cx="104" cy="34482"/>
+            </a:xfrm>
+            <a:prstGeom prst="line">
+              <a:avLst/>
+            </a:prstGeom>
+            <a:ln w="12700">
+              <a:solidFill>
+                <a:schemeClr val="tx1"/>
+              </a:solidFill>
+            </a:ln>
+          </p:spPr>
+          <p:style>
+            <a:lnRef idx="1">
+              <a:schemeClr val="accent1"/>
+            </a:lnRef>
+            <a:fillRef idx="0">
+              <a:schemeClr val="accent1"/>
+            </a:fillRef>
+            <a:effectRef idx="0">
+              <a:schemeClr val="accent1"/>
+            </a:effectRef>
+            <a:fontRef idx="minor">
+              <a:schemeClr val="tx1"/>
+            </a:fontRef>
+          </p:style>
+        </p:cxnSp>
+        <p:cxnSp>
+          <p:nvCxnSpPr>
+            <p:cNvPr id="82" name="Straight Connector 81">
+              <a:extLst>
+                <a:ext uri="{FF2B5EF4-FFF2-40B4-BE49-F238E27FC236}">
+                  <a16:creationId xmlns:a16="http://schemas.microsoft.com/office/drawing/2014/main" id="{1B7229F0-8E83-622A-CAA6-5E40E0CA44F7}"/>
+                </a:ext>
+              </a:extLst>
+            </p:cNvPr>
+            <p:cNvCxnSpPr>
+              <a:cxnSpLocks/>
+            </p:cNvCxnSpPr>
+            <p:nvPr/>
+          </p:nvCxnSpPr>
+          <p:spPr>
+            <a:xfrm flipV="1">
+              <a:off x="12124651" y="15864796"/>
+              <a:ext cx="0" cy="34517"/>
+            </a:xfrm>
+            <a:prstGeom prst="line">
+              <a:avLst/>
+            </a:prstGeom>
+            <a:ln w="12700">
+              <a:solidFill>
+                <a:schemeClr val="tx1"/>
+              </a:solidFill>
+            </a:ln>
+          </p:spPr>
+          <p:style>
+            <a:lnRef idx="1">
+              <a:schemeClr val="accent1"/>
+            </a:lnRef>
+            <a:fillRef idx="0">
+              <a:schemeClr val="accent1"/>
+            </a:fillRef>
+            <a:effectRef idx="0">
+              <a:schemeClr val="accent1"/>
+            </a:effectRef>
+            <a:fontRef idx="minor">
+              <a:schemeClr val="tx1"/>
+            </a:fontRef>
+          </p:style>
+        </p:cxnSp>
+        <p:cxnSp>
+          <p:nvCxnSpPr>
+            <p:cNvPr id="83" name="Straight Connector 82">
+              <a:extLst>
+                <a:ext uri="{FF2B5EF4-FFF2-40B4-BE49-F238E27FC236}">
+                  <a16:creationId xmlns:a16="http://schemas.microsoft.com/office/drawing/2014/main" id="{F16510CF-9F39-2943-D99B-B6A3C9A09167}"/>
+                </a:ext>
+              </a:extLst>
+            </p:cNvPr>
+            <p:cNvCxnSpPr>
+              <a:cxnSpLocks/>
+            </p:cNvCxnSpPr>
+            <p:nvPr/>
+          </p:nvCxnSpPr>
+          <p:spPr>
+            <a:xfrm flipV="1">
+              <a:off x="12597567" y="15864896"/>
+              <a:ext cx="0" cy="34417"/>
+            </a:xfrm>
+            <a:prstGeom prst="line">
+              <a:avLst/>
+            </a:prstGeom>
+            <a:ln w="12700">
+              <a:solidFill>
+                <a:schemeClr val="tx1"/>
+              </a:solidFill>
+            </a:ln>
+          </p:spPr>
+          <p:style>
+            <a:lnRef idx="1">
+              <a:schemeClr val="accent1"/>
+            </a:lnRef>
+            <a:fillRef idx="0">
+              <a:schemeClr val="accent1"/>
+            </a:fillRef>
+            <a:effectRef idx="0">
+              <a:schemeClr val="accent1"/>
+            </a:effectRef>
+            <a:fontRef idx="minor">
+              <a:schemeClr val="tx1"/>
+            </a:fontRef>
+          </p:style>
+        </p:cxnSp>
+        <p:cxnSp>
+          <p:nvCxnSpPr>
+            <p:cNvPr id="85" name="Straight Connector 84">
+              <a:extLst>
+                <a:ext uri="{FF2B5EF4-FFF2-40B4-BE49-F238E27FC236}">
+                  <a16:creationId xmlns:a16="http://schemas.microsoft.com/office/drawing/2014/main" id="{09E786DA-7331-71ED-BE73-4A7E72ED77BC}"/>
+                </a:ext>
+              </a:extLst>
+            </p:cNvPr>
+            <p:cNvCxnSpPr>
+              <a:cxnSpLocks/>
+            </p:cNvCxnSpPr>
+            <p:nvPr/>
+          </p:nvCxnSpPr>
+          <p:spPr>
+            <a:xfrm flipV="1">
+              <a:off x="12283421" y="15865064"/>
+              <a:ext cx="0" cy="34249"/>
+            </a:xfrm>
+            <a:prstGeom prst="line">
+              <a:avLst/>
+            </a:prstGeom>
+            <a:ln w="12700">
+              <a:solidFill>
+                <a:schemeClr val="tx1"/>
+              </a:solidFill>
+            </a:ln>
+          </p:spPr>
+          <p:style>
+            <a:lnRef idx="1">
+              <a:schemeClr val="accent1"/>
+            </a:lnRef>
+            <a:fillRef idx="0">
+              <a:schemeClr val="accent1"/>
+            </a:fillRef>
+            <a:effectRef idx="0">
+              <a:schemeClr val="accent1"/>
+            </a:effectRef>
+            <a:fontRef idx="minor">
+              <a:schemeClr val="tx1"/>
+            </a:fontRef>
+          </p:style>
+        </p:cxnSp>
+        <p:cxnSp>
+          <p:nvCxnSpPr>
+            <p:cNvPr id="87" name="Straight Connector 86">
+              <a:extLst>
+                <a:ext uri="{FF2B5EF4-FFF2-40B4-BE49-F238E27FC236}">
+                  <a16:creationId xmlns:a16="http://schemas.microsoft.com/office/drawing/2014/main" id="{F5AFB665-2403-3450-8D72-E1FDB0C94D3C}"/>
+                </a:ext>
+              </a:extLst>
+            </p:cNvPr>
+            <p:cNvCxnSpPr>
+              <a:cxnSpLocks/>
+            </p:cNvCxnSpPr>
+            <p:nvPr/>
+          </p:nvCxnSpPr>
+          <p:spPr>
+            <a:xfrm flipV="1">
+              <a:off x="12122613" y="15865172"/>
+              <a:ext cx="636866" cy="875"/>
+            </a:xfrm>
+            <a:prstGeom prst="line">
+              <a:avLst/>
+            </a:prstGeom>
+            <a:ln w="12700">
+              <a:solidFill>
+                <a:schemeClr val="tx1"/>
+              </a:solidFill>
+            </a:ln>
+          </p:spPr>
+          <p:style>
+            <a:lnRef idx="1">
+              <a:schemeClr val="accent1"/>
+            </a:lnRef>
+            <a:fillRef idx="0">
+              <a:schemeClr val="accent1"/>
+            </a:fillRef>
+            <a:effectRef idx="0">
+              <a:schemeClr val="accent1"/>
+            </a:effectRef>
+            <a:fontRef idx="minor">
+              <a:schemeClr val="tx1"/>
+            </a:fontRef>
+          </p:style>
+        </p:cxnSp>
+        <p:sp>
+          <p:nvSpPr>
+            <p:cNvPr id="88" name="TextBox 87">
+              <a:extLst>
+                <a:ext uri="{FF2B5EF4-FFF2-40B4-BE49-F238E27FC236}">
+                  <a16:creationId xmlns:a16="http://schemas.microsoft.com/office/drawing/2014/main" id="{707307CC-31F9-2E08-273B-128D22EA9206}"/>
+                </a:ext>
+              </a:extLst>
+            </p:cNvPr>
+            <p:cNvSpPr txBox="1"/>
+            <p:nvPr/>
+          </p:nvSpPr>
+          <p:spPr>
+            <a:xfrm>
+              <a:off x="11786810" y="15873953"/>
+              <a:ext cx="1326277" cy="134098"/>
+            </a:xfrm>
+            <a:prstGeom prst="rect">
+              <a:avLst/>
+            </a:prstGeom>
+            <a:noFill/>
+          </p:spPr>
+          <p:txBody>
+            <a:bodyPr wrap="square" rtlCol="0">
+              <a:spAutoFit/>
+            </a:bodyPr>
+            <a:lstStyle/>
+            <a:p>
+              <a:pPr algn="ctr"/>
+              <a:r>
+                <a:rPr lang="en-US" sz="760" dirty="0"/>
+                <a:t>0.8   0.85   0.9   0.95   0.99</a:t>
+              </a:r>
+            </a:p>
+          </p:txBody>
+        </p:sp>
+        <p:sp>
+          <p:nvSpPr>
+            <p:cNvPr id="89" name="TextBox 88">
+              <a:extLst>
+                <a:ext uri="{FF2B5EF4-FFF2-40B4-BE49-F238E27FC236}">
+                  <a16:creationId xmlns:a16="http://schemas.microsoft.com/office/drawing/2014/main" id="{4D762305-73B6-94D5-3E30-FE4A14D5FD5C}"/>
+                </a:ext>
+              </a:extLst>
+            </p:cNvPr>
+            <p:cNvSpPr txBox="1"/>
+            <p:nvPr/>
+          </p:nvSpPr>
+          <p:spPr>
+            <a:xfrm>
+              <a:off x="11951151" y="15645984"/>
+              <a:ext cx="1002369" cy="147902"/>
+            </a:xfrm>
+            <a:prstGeom prst="rect">
+              <a:avLst/>
+            </a:prstGeom>
+            <a:noFill/>
+          </p:spPr>
+          <p:txBody>
+            <a:bodyPr wrap="square" rtlCol="0">
+              <a:spAutoFit/>
+            </a:bodyPr>
+            <a:lstStyle/>
+            <a:p>
+              <a:pPr algn="ctr"/>
+              <a:r>
+                <a:rPr lang="en-US" sz="900" dirty="0"/>
+                <a:t>Variable importance</a:t>
+              </a:r>
+            </a:p>
+          </p:txBody>
+        </p:sp>
+        <p:pic>
+          <p:nvPicPr>
+            <p:cNvPr id="90" name="Graphic 89" descr="Checkmark with solid fill">
+              <a:extLst>
+                <a:ext uri="{FF2B5EF4-FFF2-40B4-BE49-F238E27FC236}">
+                  <a16:creationId xmlns:a16="http://schemas.microsoft.com/office/drawing/2014/main" id="{4A18341D-1B6E-037E-E206-4760F6133796}"/>
+                </a:ext>
+              </a:extLst>
+            </p:cNvPr>
+            <p:cNvPicPr>
+              <a:picLocks noChangeAspect="1"/>
+            </p:cNvPicPr>
+            <p:nvPr/>
+          </p:nvPicPr>
+          <p:blipFill>
+            <a:blip r:embed="rId8">
+              <a:extLst>
+                <a:ext uri="{96DAC541-7B7A-43D3-8B79-37D633B846F1}">
+                  <asvg:svgBlip xmlns:asvg="http://schemas.microsoft.com/office/drawing/2016/SVG/main" r:embed="rId9"/>
+                </a:ext>
+              </a:extLst>
+            </a:blip>
+            <a:stretch>
+              <a:fillRect/>
+            </a:stretch>
+          </p:blipFill>
+          <p:spPr>
+            <a:xfrm>
+              <a:off x="10081664" y="14465032"/>
+              <a:ext cx="109008" cy="109008"/>
+            </a:xfrm>
+            <a:prstGeom prst="rect">
+              <a:avLst/>
+            </a:prstGeom>
+          </p:spPr>
+        </p:pic>
+        <p:pic>
+          <p:nvPicPr>
+            <p:cNvPr id="91" name="Graphic 90" descr="Checkmark with solid fill">
+              <a:extLst>
+                <a:ext uri="{FF2B5EF4-FFF2-40B4-BE49-F238E27FC236}">
+                  <a16:creationId xmlns:a16="http://schemas.microsoft.com/office/drawing/2014/main" id="{9F650582-1339-931A-A8AC-42191D198B65}"/>
+                </a:ext>
+              </a:extLst>
+            </p:cNvPr>
+            <p:cNvPicPr>
+              <a:picLocks noChangeAspect="1"/>
+            </p:cNvPicPr>
+            <p:nvPr/>
+          </p:nvPicPr>
+          <p:blipFill>
+            <a:blip r:embed="rId8">
+              <a:extLst>
+                <a:ext uri="{96DAC541-7B7A-43D3-8B79-37D633B846F1}">
+                  <asvg:svgBlip xmlns:asvg="http://schemas.microsoft.com/office/drawing/2016/SVG/main" r:embed="rId9"/>
+                </a:ext>
+              </a:extLst>
+            </a:blip>
+            <a:stretch>
+              <a:fillRect/>
+            </a:stretch>
+          </p:blipFill>
+          <p:spPr>
+            <a:xfrm>
+              <a:off x="9700672" y="14982028"/>
+              <a:ext cx="109008" cy="109008"/>
+            </a:xfrm>
+            <a:prstGeom prst="rect">
+              <a:avLst/>
+            </a:prstGeom>
+          </p:spPr>
+        </p:pic>
+        <p:pic>
+          <p:nvPicPr>
+            <p:cNvPr id="92" name="Graphic 91" descr="Checkmark with solid fill">
+              <a:extLst>
+                <a:ext uri="{FF2B5EF4-FFF2-40B4-BE49-F238E27FC236}">
+                  <a16:creationId xmlns:a16="http://schemas.microsoft.com/office/drawing/2014/main" id="{66ADA7A9-66DA-3F88-BE75-44B32A5608E8}"/>
+                </a:ext>
+              </a:extLst>
+            </p:cNvPr>
+            <p:cNvPicPr>
+              <a:picLocks noChangeAspect="1"/>
+            </p:cNvPicPr>
+            <p:nvPr/>
+          </p:nvPicPr>
+          <p:blipFill>
+            <a:blip r:embed="rId8">
+              <a:extLst>
+                <a:ext uri="{96DAC541-7B7A-43D3-8B79-37D633B846F1}">
+                  <asvg:svgBlip xmlns:asvg="http://schemas.microsoft.com/office/drawing/2016/SVG/main" r:embed="rId9"/>
+                </a:ext>
+              </a:extLst>
+            </a:blip>
+            <a:stretch>
+              <a:fillRect/>
+            </a:stretch>
+          </p:blipFill>
+          <p:spPr>
+            <a:xfrm>
+              <a:off x="9678443" y="15327306"/>
+              <a:ext cx="109008" cy="109008"/>
+            </a:xfrm>
+            <a:prstGeom prst="rect">
+              <a:avLst/>
+            </a:prstGeom>
+          </p:spPr>
+        </p:pic>
+        <p:pic>
+          <p:nvPicPr>
+            <p:cNvPr id="93" name="Graphic 92" descr="Checkmark with solid fill">
+              <a:extLst>
+                <a:ext uri="{FF2B5EF4-FFF2-40B4-BE49-F238E27FC236}">
+                  <a16:creationId xmlns:a16="http://schemas.microsoft.com/office/drawing/2014/main" id="{6598D40C-69AE-8245-37AA-7CDD3821E85A}"/>
+                </a:ext>
+              </a:extLst>
+            </p:cNvPr>
+            <p:cNvPicPr>
+              <a:picLocks noChangeAspect="1"/>
+            </p:cNvPicPr>
+            <p:nvPr/>
+          </p:nvPicPr>
+          <p:blipFill>
+            <a:blip r:embed="rId8">
+              <a:extLst>
+                <a:ext uri="{96DAC541-7B7A-43D3-8B79-37D633B846F1}">
+                  <asvg:svgBlip xmlns:asvg="http://schemas.microsoft.com/office/drawing/2016/SVG/main" r:embed="rId9"/>
+                </a:ext>
+              </a:extLst>
+            </a:blip>
+            <a:stretch>
+              <a:fillRect/>
+            </a:stretch>
+          </p:blipFill>
+          <p:spPr>
+            <a:xfrm>
+              <a:off x="10130889" y="15669283"/>
+              <a:ext cx="109008" cy="109008"/>
+            </a:xfrm>
+            <a:prstGeom prst="rect">
+              <a:avLst/>
+            </a:prstGeom>
+          </p:spPr>
+        </p:pic>
+        <p:pic>
+          <p:nvPicPr>
+            <p:cNvPr id="94" name="Graphic 93" descr="Close with solid fill">
+              <a:extLst>
+                <a:ext uri="{FF2B5EF4-FFF2-40B4-BE49-F238E27FC236}">
+                  <a16:creationId xmlns:a16="http://schemas.microsoft.com/office/drawing/2014/main" id="{CB4828F7-2E36-02B9-B30D-3931C9B67516}"/>
+                </a:ext>
+              </a:extLst>
+            </p:cNvPr>
+            <p:cNvPicPr>
+              <a:picLocks noChangeAspect="1"/>
+            </p:cNvPicPr>
+            <p:nvPr/>
+          </p:nvPicPr>
+          <p:blipFill>
+            <a:blip r:embed="rId6">
+              <a:extLst>
+                <a:ext uri="{96DAC541-7B7A-43D3-8B79-37D633B846F1}">
+                  <asvg:svgBlip xmlns:asvg="http://schemas.microsoft.com/office/drawing/2016/SVG/main" r:embed="rId7"/>
+                </a:ext>
+              </a:extLst>
+            </a:blip>
+            <a:stretch>
+              <a:fillRect/>
+            </a:stretch>
+          </p:blipFill>
+          <p:spPr>
+            <a:xfrm>
+              <a:off x="9881931" y="15845357"/>
+              <a:ext cx="109008" cy="109008"/>
+            </a:xfrm>
+            <a:prstGeom prst="rect">
+              <a:avLst/>
+            </a:prstGeom>
+          </p:spPr>
+        </p:pic>
+        <p:pic>
+          <p:nvPicPr>
+            <p:cNvPr id="95" name="Graphic 94" descr="Close with solid fill">
+              <a:extLst>
+                <a:ext uri="{FF2B5EF4-FFF2-40B4-BE49-F238E27FC236}">
+                  <a16:creationId xmlns:a16="http://schemas.microsoft.com/office/drawing/2014/main" id="{07955844-2F11-5CBF-E233-2DCC9782CABF}"/>
+                </a:ext>
+              </a:extLst>
+            </p:cNvPr>
+            <p:cNvPicPr>
+              <a:picLocks noChangeAspect="1"/>
+            </p:cNvPicPr>
+            <p:nvPr/>
+          </p:nvPicPr>
+          <p:blipFill>
+            <a:blip r:embed="rId6">
+              <a:extLst>
+                <a:ext uri="{96DAC541-7B7A-43D3-8B79-37D633B846F1}">
+                  <asvg:svgBlip xmlns:asvg="http://schemas.microsoft.com/office/drawing/2016/SVG/main" r:embed="rId7"/>
+                </a:ext>
+              </a:extLst>
+            </a:blip>
+            <a:stretch>
+              <a:fillRect/>
+            </a:stretch>
+          </p:blipFill>
+          <p:spPr>
+            <a:xfrm>
+              <a:off x="9883262" y="14636020"/>
+              <a:ext cx="109008" cy="109008"/>
+            </a:xfrm>
+            <a:prstGeom prst="rect">
+              <a:avLst/>
+            </a:prstGeom>
+          </p:spPr>
+        </p:pic>
+      </p:grpSp>
     </p:spTree>
   </p:cSld>
   <p:clrMapOvr>
@@ -14860,10 +18545,10 @@
       </p:grpSpPr>
       <p:pic>
         <p:nvPicPr>
-          <p:cNvPr id="7" name="Graphic 6">
+          <p:cNvPr id="9" name="Graphic 8">
             <a:extLst>
               <a:ext uri="{FF2B5EF4-FFF2-40B4-BE49-F238E27FC236}">
-                <a16:creationId xmlns:a16="http://schemas.microsoft.com/office/drawing/2014/main" id="{1FC8C157-6114-113F-CCDA-0A68DCD19FC9}"/>
+                <a16:creationId xmlns:a16="http://schemas.microsoft.com/office/drawing/2014/main" id="{46B21FE3-CD44-F346-1CC2-BE3FED7355A0}"/>
               </a:ext>
             </a:extLst>
           </p:cNvPr>
@@ -14880,13 +18565,13 @@
               </a:ext>
             </a:extLst>
           </a:blip>
-          <a:srcRect l="15123" t="31260" r="73309" b="61210"/>
+          <a:srcRect l="48415" t="45470" r="34793" b="43803"/>
           <a:stretch/>
         </p:blipFill>
         <p:spPr>
           <a:xfrm>
-            <a:off x="0" y="7040881"/>
-            <a:ext cx="36576000" cy="21427440"/>
+            <a:off x="434340" y="9692639"/>
+            <a:ext cx="35707320" cy="20528281"/>
           </a:xfrm>
           <a:prstGeom prst="rect">
             <a:avLst/>

--- a/figures/fig4.pptx
+++ b/figures/fig4.pptx
@@ -12627,6 +12627,41 @@
           <a:chExt cx="0" cy="0"/>
         </a:xfrm>
       </p:grpSpPr>
+      <p:pic>
+        <p:nvPicPr>
+          <p:cNvPr id="27" name="Graphic 26">
+            <a:extLst>
+              <a:ext uri="{FF2B5EF4-FFF2-40B4-BE49-F238E27FC236}">
+                <a16:creationId xmlns:a16="http://schemas.microsoft.com/office/drawing/2014/main" id="{89DADBEB-343B-B172-F29A-CB253DF1AEB7}"/>
+              </a:ext>
+            </a:extLst>
+          </p:cNvPr>
+          <p:cNvPicPr>
+            <a:picLocks noChangeAspect="1"/>
+          </p:cNvPicPr>
+          <p:nvPr/>
+        </p:nvPicPr>
+        <p:blipFill>
+          <a:blip r:embed="rId3">
+            <a:extLst>
+              <a:ext uri="{96DAC541-7B7A-43D3-8B79-37D633B846F1}">
+                <asvg:svgBlip xmlns:asvg="http://schemas.microsoft.com/office/drawing/2016/SVG/main" r:embed="rId4"/>
+              </a:ext>
+            </a:extLst>
+          </a:blip>
+          <a:srcRect l="1582" t="15379" r="19757" b="17306"/>
+          <a:stretch/>
+        </p:blipFill>
+        <p:spPr>
+          <a:xfrm>
+            <a:off x="20639288" y="20705292"/>
+            <a:ext cx="4876849" cy="3257550"/>
+          </a:xfrm>
+          <a:prstGeom prst="rect">
+            <a:avLst/>
+          </a:prstGeom>
+        </p:spPr>
+      </p:pic>
       <p:grpSp>
         <p:nvGrpSpPr>
           <p:cNvPr id="131" name="Group 130">
@@ -12662,7 +12697,7 @@
             <p:nvPr/>
           </p:nvPicPr>
           <p:blipFill>
-            <a:blip r:embed="rId3"/>
+            <a:blip r:embed="rId5"/>
             <a:srcRect t="16391"/>
             <a:stretch/>
           </p:blipFill>
@@ -13785,10 +13820,10 @@
             <p:nvPr/>
           </p:nvPicPr>
           <p:blipFill>
-            <a:blip r:embed="rId4">
+            <a:blip r:embed="rId6">
               <a:extLst>
                 <a:ext uri="{96DAC541-7B7A-43D3-8B79-37D633B846F1}">
-                  <asvg:svgBlip xmlns:asvg="http://schemas.microsoft.com/office/drawing/2016/SVG/main" r:embed="rId5"/>
+                  <asvg:svgBlip xmlns:asvg="http://schemas.microsoft.com/office/drawing/2016/SVG/main" r:embed="rId7"/>
                 </a:ext>
               </a:extLst>
             </a:blip>
@@ -14415,10 +14450,10 @@
             <p:nvPr/>
           </p:nvPicPr>
           <p:blipFill>
-            <a:blip r:embed="rId6">
+            <a:blip r:embed="rId8">
               <a:extLst>
                 <a:ext uri="{96DAC541-7B7A-43D3-8B79-37D633B846F1}">
-                  <asvg:svgBlip xmlns:asvg="http://schemas.microsoft.com/office/drawing/2016/SVG/main" r:embed="rId7"/>
+                  <asvg:svgBlip xmlns:asvg="http://schemas.microsoft.com/office/drawing/2016/SVG/main" r:embed="rId9"/>
                 </a:ext>
               </a:extLst>
             </a:blip>
@@ -14451,10 +14486,10 @@
             <p:nvPr/>
           </p:nvPicPr>
           <p:blipFill>
-            <a:blip r:embed="rId8">
+            <a:blip r:embed="rId10">
               <a:extLst>
                 <a:ext uri="{96DAC541-7B7A-43D3-8B79-37D633B846F1}">
-                  <asvg:svgBlip xmlns:asvg="http://schemas.microsoft.com/office/drawing/2016/SVG/main" r:embed="rId9"/>
+                  <asvg:svgBlip xmlns:asvg="http://schemas.microsoft.com/office/drawing/2016/SVG/main" r:embed="rId11"/>
                 </a:ext>
               </a:extLst>
             </a:blip>
@@ -14487,10 +14522,10 @@
             <p:nvPr/>
           </p:nvPicPr>
           <p:blipFill>
-            <a:blip r:embed="rId8">
+            <a:blip r:embed="rId10">
               <a:extLst>
                 <a:ext uri="{96DAC541-7B7A-43D3-8B79-37D633B846F1}">
-                  <asvg:svgBlip xmlns:asvg="http://schemas.microsoft.com/office/drawing/2016/SVG/main" r:embed="rId9"/>
+                  <asvg:svgBlip xmlns:asvg="http://schemas.microsoft.com/office/drawing/2016/SVG/main" r:embed="rId11"/>
                 </a:ext>
               </a:extLst>
             </a:blip>
@@ -14523,10 +14558,10 @@
             <p:nvPr/>
           </p:nvPicPr>
           <p:blipFill>
-            <a:blip r:embed="rId8">
+            <a:blip r:embed="rId10">
               <a:extLst>
                 <a:ext uri="{96DAC541-7B7A-43D3-8B79-37D633B846F1}">
-                  <asvg:svgBlip xmlns:asvg="http://schemas.microsoft.com/office/drawing/2016/SVG/main" r:embed="rId9"/>
+                  <asvg:svgBlip xmlns:asvg="http://schemas.microsoft.com/office/drawing/2016/SVG/main" r:embed="rId11"/>
                 </a:ext>
               </a:extLst>
             </a:blip>
@@ -14559,10 +14594,10 @@
             <p:nvPr/>
           </p:nvPicPr>
           <p:blipFill>
-            <a:blip r:embed="rId6">
+            <a:blip r:embed="rId8">
               <a:extLst>
                 <a:ext uri="{96DAC541-7B7A-43D3-8B79-37D633B846F1}">
-                  <asvg:svgBlip xmlns:asvg="http://schemas.microsoft.com/office/drawing/2016/SVG/main" r:embed="rId7"/>
+                  <asvg:svgBlip xmlns:asvg="http://schemas.microsoft.com/office/drawing/2016/SVG/main" r:embed="rId9"/>
                 </a:ext>
               </a:extLst>
             </a:blip>
@@ -14595,10 +14630,10 @@
             <p:nvPr/>
           </p:nvPicPr>
           <p:blipFill>
-            <a:blip r:embed="rId6">
+            <a:blip r:embed="rId8">
               <a:extLst>
                 <a:ext uri="{96DAC541-7B7A-43D3-8B79-37D633B846F1}">
-                  <asvg:svgBlip xmlns:asvg="http://schemas.microsoft.com/office/drawing/2016/SVG/main" r:embed="rId7"/>
+                  <asvg:svgBlip xmlns:asvg="http://schemas.microsoft.com/office/drawing/2016/SVG/main" r:embed="rId9"/>
                 </a:ext>
               </a:extLst>
             </a:blip>
@@ -14631,10 +14666,10 @@
             <p:nvPr/>
           </p:nvPicPr>
           <p:blipFill>
-            <a:blip r:embed="rId6">
+            <a:blip r:embed="rId8">
               <a:extLst>
                 <a:ext uri="{96DAC541-7B7A-43D3-8B79-37D633B846F1}">
-                  <asvg:svgBlip xmlns:asvg="http://schemas.microsoft.com/office/drawing/2016/SVG/main" r:embed="rId7"/>
+                  <asvg:svgBlip xmlns:asvg="http://schemas.microsoft.com/office/drawing/2016/SVG/main" r:embed="rId9"/>
                 </a:ext>
               </a:extLst>
             </a:blip>
@@ -14667,10 +14702,10 @@
             <p:nvPr/>
           </p:nvPicPr>
           <p:blipFill>
-            <a:blip r:embed="rId8">
+            <a:blip r:embed="rId10">
               <a:extLst>
                 <a:ext uri="{96DAC541-7B7A-43D3-8B79-37D633B846F1}">
-                  <asvg:svgBlip xmlns:asvg="http://schemas.microsoft.com/office/drawing/2016/SVG/main" r:embed="rId9"/>
+                  <asvg:svgBlip xmlns:asvg="http://schemas.microsoft.com/office/drawing/2016/SVG/main" r:embed="rId11"/>
                 </a:ext>
               </a:extLst>
             </a:blip>
@@ -14848,10 +14883,10 @@
           <p:nvPr/>
         </p:nvPicPr>
         <p:blipFill>
-          <a:blip r:embed="rId10">
+          <a:blip r:embed="rId12">
             <a:extLst>
               <a:ext uri="{96DAC541-7B7A-43D3-8B79-37D633B846F1}">
-                <asvg:svgBlip xmlns:asvg="http://schemas.microsoft.com/office/drawing/2016/SVG/main" r:embed="rId11"/>
+                <asvg:svgBlip xmlns:asvg="http://schemas.microsoft.com/office/drawing/2016/SVG/main" r:embed="rId13"/>
               </a:ext>
             </a:extLst>
           </a:blip>
@@ -15017,10 +15052,10 @@
                   <p:nvPr/>
                 </p:nvPicPr>
                 <p:blipFill>
-                  <a:blip r:embed="rId10">
+                  <a:blip r:embed="rId12">
                     <a:extLst>
                       <a:ext uri="{96DAC541-7B7A-43D3-8B79-37D633B846F1}">
-                        <asvg:svgBlip xmlns:asvg="http://schemas.microsoft.com/office/drawing/2016/SVG/main" r:embed="rId11"/>
+                        <asvg:svgBlip xmlns:asvg="http://schemas.microsoft.com/office/drawing/2016/SVG/main" r:embed="rId13"/>
                       </a:ext>
                     </a:extLst>
                   </a:blip>
@@ -15480,10 +15515,10 @@
             <p:nvPr/>
           </p:nvPicPr>
           <p:blipFill>
-            <a:blip r:embed="rId10">
+            <a:blip r:embed="rId12">
               <a:extLst>
                 <a:ext uri="{96DAC541-7B7A-43D3-8B79-37D633B846F1}">
-                  <asvg:svgBlip xmlns:asvg="http://schemas.microsoft.com/office/drawing/2016/SVG/main" r:embed="rId11"/>
+                  <asvg:svgBlip xmlns:asvg="http://schemas.microsoft.com/office/drawing/2016/SVG/main" r:embed="rId13"/>
                 </a:ext>
               </a:extLst>
             </a:blip>
@@ -15917,10 +15952,10 @@
             <p:nvPr/>
           </p:nvPicPr>
           <p:blipFill>
-            <a:blip r:embed="rId10">
+            <a:blip r:embed="rId12">
               <a:extLst>
                 <a:ext uri="{96DAC541-7B7A-43D3-8B79-37D633B846F1}">
-                  <asvg:svgBlip xmlns:asvg="http://schemas.microsoft.com/office/drawing/2016/SVG/main" r:embed="rId11"/>
+                  <asvg:svgBlip xmlns:asvg="http://schemas.microsoft.com/office/drawing/2016/SVG/main" r:embed="rId13"/>
                 </a:ext>
               </a:extLst>
             </a:blip>
@@ -16416,10 +16451,10 @@
                   <p:nvPr/>
                 </p:nvPicPr>
                 <p:blipFill>
-                  <a:blip r:embed="rId10">
+                  <a:blip r:embed="rId12">
                     <a:extLst>
                       <a:ext uri="{96DAC541-7B7A-43D3-8B79-37D633B846F1}">
-                        <asvg:svgBlip xmlns:asvg="http://schemas.microsoft.com/office/drawing/2016/SVG/main" r:embed="rId11"/>
+                        <asvg:svgBlip xmlns:asvg="http://schemas.microsoft.com/office/drawing/2016/SVG/main" r:embed="rId13"/>
                       </a:ext>
                     </a:extLst>
                   </a:blip>
@@ -16939,10 +16974,10 @@
                   <p:nvPr/>
                 </p:nvPicPr>
                 <p:blipFill>
-                  <a:blip r:embed="rId10">
+                  <a:blip r:embed="rId12">
                     <a:extLst>
                       <a:ext uri="{96DAC541-7B7A-43D3-8B79-37D633B846F1}">
-                        <asvg:svgBlip xmlns:asvg="http://schemas.microsoft.com/office/drawing/2016/SVG/main" r:embed="rId11"/>
+                        <asvg:svgBlip xmlns:asvg="http://schemas.microsoft.com/office/drawing/2016/SVG/main" r:embed="rId13"/>
                       </a:ext>
                     </a:extLst>
                   </a:blip>
@@ -17313,12 +17348,414 @@
           </p:sp>
         </p:grpSp>
       </p:grpSp>
+      <p:sp>
+        <p:nvSpPr>
+          <p:cNvPr id="138" name="Rectangle 137">
+            <a:extLst>
+              <a:ext uri="{FF2B5EF4-FFF2-40B4-BE49-F238E27FC236}">
+                <a16:creationId xmlns:a16="http://schemas.microsoft.com/office/drawing/2014/main" id="{CC47D0C6-163B-F587-2162-D782FD100B21}"/>
+              </a:ext>
+            </a:extLst>
+          </p:cNvPr>
+          <p:cNvSpPr/>
+          <p:nvPr/>
+        </p:nvSpPr>
+        <p:spPr>
+          <a:xfrm>
+            <a:off x="22166066" y="21582398"/>
+            <a:ext cx="3320196" cy="80111"/>
+          </a:xfrm>
+          <a:prstGeom prst="rect">
+            <a:avLst/>
+          </a:prstGeom>
+          <a:solidFill>
+            <a:schemeClr val="bg1"/>
+          </a:solidFill>
+          <a:ln>
+            <a:noFill/>
+          </a:ln>
+        </p:spPr>
+        <p:style>
+          <a:lnRef idx="2">
+            <a:schemeClr val="accent1">
+              <a:shade val="15000"/>
+            </a:schemeClr>
+          </a:lnRef>
+          <a:fillRef idx="1">
+            <a:schemeClr val="accent1"/>
+          </a:fillRef>
+          <a:effectRef idx="0">
+            <a:schemeClr val="accent1"/>
+          </a:effectRef>
+          <a:fontRef idx="minor">
+            <a:schemeClr val="lt1"/>
+          </a:fontRef>
+        </p:style>
+        <p:txBody>
+          <a:bodyPr rtlCol="0" anchor="ctr"/>
+          <a:lstStyle/>
+          <a:p>
+            <a:pPr algn="ctr"/>
+            <a:endParaRPr lang="en-US"/>
+          </a:p>
+        </p:txBody>
+      </p:sp>
+      <p:cxnSp>
+        <p:nvCxnSpPr>
+          <p:cNvPr id="36" name="Straight Connector 35">
+            <a:extLst>
+              <a:ext uri="{FF2B5EF4-FFF2-40B4-BE49-F238E27FC236}">
+                <a16:creationId xmlns:a16="http://schemas.microsoft.com/office/drawing/2014/main" id="{10C3F415-7D17-33B8-0776-71E0181FF03E}"/>
+              </a:ext>
+            </a:extLst>
+          </p:cNvPr>
+          <p:cNvCxnSpPr>
+            <a:cxnSpLocks/>
+            <a:stCxn id="138" idx="3"/>
+            <a:endCxn id="138" idx="1"/>
+          </p:cNvCxnSpPr>
+          <p:nvPr/>
+        </p:nvCxnSpPr>
+        <p:spPr>
+          <a:xfrm flipH="1">
+            <a:off x="22166066" y="21622454"/>
+            <a:ext cx="3320196" cy="0"/>
+          </a:xfrm>
+          <a:prstGeom prst="line">
+            <a:avLst/>
+          </a:prstGeom>
+          <a:ln w="6350">
+            <a:solidFill>
+              <a:schemeClr val="tx1"/>
+            </a:solidFill>
+            <a:prstDash val="solid"/>
+          </a:ln>
+        </p:spPr>
+        <p:style>
+          <a:lnRef idx="1">
+            <a:schemeClr val="accent1"/>
+          </a:lnRef>
+          <a:fillRef idx="0">
+            <a:schemeClr val="accent1"/>
+          </a:fillRef>
+          <a:effectRef idx="0">
+            <a:schemeClr val="accent1"/>
+          </a:effectRef>
+          <a:fontRef idx="minor">
+            <a:schemeClr val="tx1"/>
+          </a:fontRef>
+        </p:style>
+      </p:cxnSp>
+      <p:sp>
+        <p:nvSpPr>
+          <p:cNvPr id="141" name="Rectangle 140">
+            <a:extLst>
+              <a:ext uri="{FF2B5EF4-FFF2-40B4-BE49-F238E27FC236}">
+                <a16:creationId xmlns:a16="http://schemas.microsoft.com/office/drawing/2014/main" id="{D9A7BF34-8C6F-EFC0-BA02-0BF15B68593F}"/>
+              </a:ext>
+            </a:extLst>
+          </p:cNvPr>
+          <p:cNvSpPr/>
+          <p:nvPr/>
+        </p:nvSpPr>
+        <p:spPr>
+          <a:xfrm>
+            <a:off x="22166064" y="22137710"/>
+            <a:ext cx="3320196" cy="80111"/>
+          </a:xfrm>
+          <a:prstGeom prst="rect">
+            <a:avLst/>
+          </a:prstGeom>
+          <a:solidFill>
+            <a:schemeClr val="bg1"/>
+          </a:solidFill>
+          <a:ln>
+            <a:noFill/>
+          </a:ln>
+        </p:spPr>
+        <p:style>
+          <a:lnRef idx="2">
+            <a:schemeClr val="accent1">
+              <a:shade val="15000"/>
+            </a:schemeClr>
+          </a:lnRef>
+          <a:fillRef idx="1">
+            <a:schemeClr val="accent1"/>
+          </a:fillRef>
+          <a:effectRef idx="0">
+            <a:schemeClr val="accent1"/>
+          </a:effectRef>
+          <a:fontRef idx="minor">
+            <a:schemeClr val="lt1"/>
+          </a:fontRef>
+        </p:style>
+        <p:txBody>
+          <a:bodyPr rtlCol="0" anchor="ctr"/>
+          <a:lstStyle/>
+          <a:p>
+            <a:pPr algn="ctr"/>
+            <a:endParaRPr lang="en-US"/>
+          </a:p>
+        </p:txBody>
+      </p:sp>
+      <p:cxnSp>
+        <p:nvCxnSpPr>
+          <p:cNvPr id="142" name="Straight Connector 141">
+            <a:extLst>
+              <a:ext uri="{FF2B5EF4-FFF2-40B4-BE49-F238E27FC236}">
+                <a16:creationId xmlns:a16="http://schemas.microsoft.com/office/drawing/2014/main" id="{3EE20B89-AC9B-C378-E90A-1386E21FBE5C}"/>
+              </a:ext>
+            </a:extLst>
+          </p:cNvPr>
+          <p:cNvCxnSpPr>
+            <a:cxnSpLocks/>
+            <a:stCxn id="141" idx="3"/>
+            <a:endCxn id="141" idx="1"/>
+          </p:cNvCxnSpPr>
+          <p:nvPr/>
+        </p:nvCxnSpPr>
+        <p:spPr>
+          <a:xfrm flipH="1">
+            <a:off x="22166064" y="22177766"/>
+            <a:ext cx="3320196" cy="0"/>
+          </a:xfrm>
+          <a:prstGeom prst="line">
+            <a:avLst/>
+          </a:prstGeom>
+          <a:ln w="6350">
+            <a:solidFill>
+              <a:schemeClr val="tx1"/>
+            </a:solidFill>
+            <a:prstDash val="solid"/>
+          </a:ln>
+        </p:spPr>
+        <p:style>
+          <a:lnRef idx="1">
+            <a:schemeClr val="accent1"/>
+          </a:lnRef>
+          <a:fillRef idx="0">
+            <a:schemeClr val="accent1"/>
+          </a:fillRef>
+          <a:effectRef idx="0">
+            <a:schemeClr val="accent1"/>
+          </a:effectRef>
+          <a:fontRef idx="minor">
+            <a:schemeClr val="tx1"/>
+          </a:fontRef>
+        </p:style>
+      </p:cxnSp>
+      <p:sp>
+        <p:nvSpPr>
+          <p:cNvPr id="143" name="Rectangle 142">
+            <a:extLst>
+              <a:ext uri="{FF2B5EF4-FFF2-40B4-BE49-F238E27FC236}">
+                <a16:creationId xmlns:a16="http://schemas.microsoft.com/office/drawing/2014/main" id="{283D99D1-A1FA-40A5-8589-D6B851D3A6C1}"/>
+              </a:ext>
+            </a:extLst>
+          </p:cNvPr>
+          <p:cNvSpPr/>
+          <p:nvPr/>
+        </p:nvSpPr>
+        <p:spPr>
+          <a:xfrm>
+            <a:off x="22166064" y="22693493"/>
+            <a:ext cx="3320196" cy="80111"/>
+          </a:xfrm>
+          <a:prstGeom prst="rect">
+            <a:avLst/>
+          </a:prstGeom>
+          <a:solidFill>
+            <a:schemeClr val="bg1"/>
+          </a:solidFill>
+          <a:ln>
+            <a:noFill/>
+          </a:ln>
+        </p:spPr>
+        <p:style>
+          <a:lnRef idx="2">
+            <a:schemeClr val="accent1">
+              <a:shade val="15000"/>
+            </a:schemeClr>
+          </a:lnRef>
+          <a:fillRef idx="1">
+            <a:schemeClr val="accent1"/>
+          </a:fillRef>
+          <a:effectRef idx="0">
+            <a:schemeClr val="accent1"/>
+          </a:effectRef>
+          <a:fontRef idx="minor">
+            <a:schemeClr val="lt1"/>
+          </a:fontRef>
+        </p:style>
+        <p:txBody>
+          <a:bodyPr rtlCol="0" anchor="ctr"/>
+          <a:lstStyle/>
+          <a:p>
+            <a:pPr algn="ctr"/>
+            <a:endParaRPr lang="en-US"/>
+          </a:p>
+        </p:txBody>
+      </p:sp>
+      <p:cxnSp>
+        <p:nvCxnSpPr>
+          <p:cNvPr id="144" name="Straight Connector 143">
+            <a:extLst>
+              <a:ext uri="{FF2B5EF4-FFF2-40B4-BE49-F238E27FC236}">
+                <a16:creationId xmlns:a16="http://schemas.microsoft.com/office/drawing/2014/main" id="{A8049191-D628-2BCE-D151-3082893F7EA9}"/>
+              </a:ext>
+            </a:extLst>
+          </p:cNvPr>
+          <p:cNvCxnSpPr>
+            <a:cxnSpLocks/>
+            <a:stCxn id="143" idx="3"/>
+            <a:endCxn id="143" idx="1"/>
+          </p:cNvCxnSpPr>
+          <p:nvPr/>
+        </p:nvCxnSpPr>
+        <p:spPr>
+          <a:xfrm flipH="1">
+            <a:off x="22166064" y="22733549"/>
+            <a:ext cx="3320196" cy="0"/>
+          </a:xfrm>
+          <a:prstGeom prst="line">
+            <a:avLst/>
+          </a:prstGeom>
+          <a:ln w="6350">
+            <a:solidFill>
+              <a:schemeClr val="tx1"/>
+            </a:solidFill>
+            <a:prstDash val="solid"/>
+          </a:ln>
+        </p:spPr>
+        <p:style>
+          <a:lnRef idx="1">
+            <a:schemeClr val="accent1"/>
+          </a:lnRef>
+          <a:fillRef idx="0">
+            <a:schemeClr val="accent1"/>
+          </a:fillRef>
+          <a:effectRef idx="0">
+            <a:schemeClr val="accent1"/>
+          </a:effectRef>
+          <a:fontRef idx="minor">
+            <a:schemeClr val="tx1"/>
+          </a:fontRef>
+        </p:style>
+      </p:cxnSp>
+      <p:sp>
+        <p:nvSpPr>
+          <p:cNvPr id="30" name="Rectangle 29">
+            <a:extLst>
+              <a:ext uri="{FF2B5EF4-FFF2-40B4-BE49-F238E27FC236}">
+                <a16:creationId xmlns:a16="http://schemas.microsoft.com/office/drawing/2014/main" id="{B2D2CC17-B9B3-E551-2EE1-1C73F0517D59}"/>
+              </a:ext>
+            </a:extLst>
+          </p:cNvPr>
+          <p:cNvSpPr/>
+          <p:nvPr/>
+        </p:nvSpPr>
+        <p:spPr>
+          <a:xfrm flipH="1">
+            <a:off x="22165529" y="20782027"/>
+            <a:ext cx="54429" cy="2785809"/>
+          </a:xfrm>
+          <a:prstGeom prst="rect">
+            <a:avLst/>
+          </a:prstGeom>
+          <a:solidFill>
+            <a:schemeClr val="bg1"/>
+          </a:solidFill>
+          <a:ln>
+            <a:noFill/>
+          </a:ln>
+        </p:spPr>
+        <p:style>
+          <a:lnRef idx="2">
+            <a:schemeClr val="accent1">
+              <a:shade val="15000"/>
+            </a:schemeClr>
+          </a:lnRef>
+          <a:fillRef idx="1">
+            <a:schemeClr val="accent1"/>
+          </a:fillRef>
+          <a:effectRef idx="0">
+            <a:schemeClr val="accent1"/>
+          </a:effectRef>
+          <a:fontRef idx="minor">
+            <a:schemeClr val="lt1"/>
+          </a:fontRef>
+        </p:style>
+        <p:txBody>
+          <a:bodyPr rtlCol="0" anchor="ctr"/>
+          <a:lstStyle/>
+          <a:p>
+            <a:pPr algn="ctr"/>
+            <a:endParaRPr lang="en-US"/>
+          </a:p>
+        </p:txBody>
+      </p:sp>
+      <p:sp>
+        <p:nvSpPr>
+          <p:cNvPr id="31" name="Rectangle 30">
+            <a:extLst>
+              <a:ext uri="{FF2B5EF4-FFF2-40B4-BE49-F238E27FC236}">
+                <a16:creationId xmlns:a16="http://schemas.microsoft.com/office/drawing/2014/main" id="{0D0201B4-9493-909E-4CED-3DA871AFB647}"/>
+              </a:ext>
+            </a:extLst>
+          </p:cNvPr>
+          <p:cNvSpPr/>
+          <p:nvPr/>
+        </p:nvSpPr>
+        <p:spPr>
+          <a:xfrm flipH="1">
+            <a:off x="25423533" y="20782027"/>
+            <a:ext cx="70855" cy="2785809"/>
+          </a:xfrm>
+          <a:prstGeom prst="rect">
+            <a:avLst/>
+          </a:prstGeom>
+          <a:solidFill>
+            <a:schemeClr val="bg1"/>
+          </a:solidFill>
+          <a:ln>
+            <a:noFill/>
+          </a:ln>
+        </p:spPr>
+        <p:style>
+          <a:lnRef idx="2">
+            <a:schemeClr val="accent1">
+              <a:shade val="15000"/>
+            </a:schemeClr>
+          </a:lnRef>
+          <a:fillRef idx="1">
+            <a:schemeClr val="accent1"/>
+          </a:fillRef>
+          <a:effectRef idx="0">
+            <a:schemeClr val="accent1"/>
+          </a:effectRef>
+          <a:fontRef idx="minor">
+            <a:schemeClr val="lt1"/>
+          </a:fontRef>
+        </p:style>
+        <p:txBody>
+          <a:bodyPr rtlCol="0" anchor="ctr"/>
+          <a:lstStyle/>
+          <a:p>
+            <a:pPr algn="ctr"/>
+            <a:endParaRPr lang="en-US" dirty="0">
+              <a:highlight>
+                <a:srgbClr val="FFFF00"/>
+              </a:highlight>
+            </a:endParaRPr>
+          </a:p>
+        </p:txBody>
+      </p:sp>
       <p:grpSp>
         <p:nvGrpSpPr>
-          <p:cNvPr id="53" name="Group 52">
+          <p:cNvPr id="166" name="Group 165">
             <a:extLst>
               <a:ext uri="{FF2B5EF4-FFF2-40B4-BE49-F238E27FC236}">
-                <a16:creationId xmlns:a16="http://schemas.microsoft.com/office/drawing/2014/main" id="{74121BE8-1AA4-A05D-0650-4FDA22F9F559}"/>
+                <a16:creationId xmlns:a16="http://schemas.microsoft.com/office/drawing/2014/main" id="{FCB8266E-BF89-83C9-D1C9-97F080F07BA5}"/>
               </a:ext>
             </a:extLst>
           </p:cNvPr>
@@ -17327,564 +17764,15 @@
         </p:nvGrpSpPr>
         <p:grpSpPr>
           <a:xfrm>
-            <a:off x="17793736" y="14955688"/>
-            <a:ext cx="6605505" cy="3554447"/>
-            <a:chOff x="9678443" y="14274800"/>
-            <a:chExt cx="4232372" cy="2277454"/>
+            <a:off x="23772479" y="22882470"/>
+            <a:ext cx="1315114" cy="575666"/>
+            <a:chOff x="27761094" y="18808949"/>
+            <a:chExt cx="1315114" cy="575666"/>
           </a:xfrm>
         </p:grpSpPr>
-        <p:pic>
-          <p:nvPicPr>
-            <p:cNvPr id="59" name="Graphic 58">
-              <a:extLst>
-                <a:ext uri="{FF2B5EF4-FFF2-40B4-BE49-F238E27FC236}">
-                  <a16:creationId xmlns:a16="http://schemas.microsoft.com/office/drawing/2014/main" id="{7E45CCBA-3622-159B-2B8F-BB57DC78ADD3}"/>
-                </a:ext>
-              </a:extLst>
-            </p:cNvPr>
-            <p:cNvPicPr>
-              <a:picLocks noChangeAspect="1"/>
-            </p:cNvPicPr>
-            <p:nvPr/>
-          </p:nvPicPr>
-          <p:blipFill>
-            <a:blip r:embed="rId10">
-              <a:extLst>
-                <a:ext uri="{96DAC541-7B7A-43D3-8B79-37D633B846F1}">
-                  <asvg:svgBlip xmlns:asvg="http://schemas.microsoft.com/office/drawing/2016/SVG/main" r:embed="rId11"/>
-                </a:ext>
-              </a:extLst>
-            </a:blip>
-            <a:srcRect t="15718" r="18858" b="16666"/>
-            <a:stretch/>
-          </p:blipFill>
-          <p:spPr>
-            <a:xfrm>
-              <a:off x="9771592" y="14274800"/>
-              <a:ext cx="3292475" cy="2112433"/>
-            </a:xfrm>
-            <a:prstGeom prst="rect">
-              <a:avLst/>
-            </a:prstGeom>
-          </p:spPr>
-        </p:pic>
         <p:sp>
           <p:nvSpPr>
-            <p:cNvPr id="60" name="Rectangle 59">
-              <a:extLst>
-                <a:ext uri="{FF2B5EF4-FFF2-40B4-BE49-F238E27FC236}">
-                  <a16:creationId xmlns:a16="http://schemas.microsoft.com/office/drawing/2014/main" id="{7E23F3FC-0AED-724F-D14D-DEC70C59A82D}"/>
-                </a:ext>
-              </a:extLst>
-            </p:cNvPr>
-            <p:cNvSpPr/>
-            <p:nvPr/>
-          </p:nvSpPr>
-          <p:spPr>
-            <a:xfrm>
-              <a:off x="10883901" y="15529087"/>
-              <a:ext cx="2120898" cy="51330"/>
-            </a:xfrm>
-            <a:prstGeom prst="rect">
-              <a:avLst/>
-            </a:prstGeom>
-            <a:solidFill>
-              <a:schemeClr val="bg1"/>
-            </a:solidFill>
-            <a:ln>
-              <a:noFill/>
-            </a:ln>
-          </p:spPr>
-          <p:style>
-            <a:lnRef idx="2">
-              <a:schemeClr val="accent1">
-                <a:shade val="15000"/>
-              </a:schemeClr>
-            </a:lnRef>
-            <a:fillRef idx="1">
-              <a:schemeClr val="accent1"/>
-            </a:fillRef>
-            <a:effectRef idx="0">
-              <a:schemeClr val="accent1"/>
-            </a:effectRef>
-            <a:fontRef idx="minor">
-              <a:schemeClr val="lt1"/>
-            </a:fontRef>
-          </p:style>
-          <p:txBody>
-            <a:bodyPr rtlCol="0" anchor="ctr"/>
-            <a:lstStyle/>
-            <a:p>
-              <a:pPr algn="ctr"/>
-              <a:endParaRPr lang="en-US"/>
-            </a:p>
-          </p:txBody>
-        </p:sp>
-        <p:sp>
-          <p:nvSpPr>
-            <p:cNvPr id="62" name="Rectangle 61">
-              <a:extLst>
-                <a:ext uri="{FF2B5EF4-FFF2-40B4-BE49-F238E27FC236}">
-                  <a16:creationId xmlns:a16="http://schemas.microsoft.com/office/drawing/2014/main" id="{451902C0-BB49-84E3-46E9-9E9B19DBFA59}"/>
-                </a:ext>
-              </a:extLst>
-            </p:cNvPr>
-            <p:cNvSpPr/>
-            <p:nvPr/>
-          </p:nvSpPr>
-          <p:spPr>
-            <a:xfrm>
-              <a:off x="10883906" y="15184067"/>
-              <a:ext cx="2120898" cy="51330"/>
-            </a:xfrm>
-            <a:prstGeom prst="rect">
-              <a:avLst/>
-            </a:prstGeom>
-            <a:solidFill>
-              <a:schemeClr val="bg1"/>
-            </a:solidFill>
-            <a:ln>
-              <a:noFill/>
-            </a:ln>
-          </p:spPr>
-          <p:style>
-            <a:lnRef idx="2">
-              <a:schemeClr val="accent1">
-                <a:shade val="15000"/>
-              </a:schemeClr>
-            </a:lnRef>
-            <a:fillRef idx="1">
-              <a:schemeClr val="accent1"/>
-            </a:fillRef>
-            <a:effectRef idx="0">
-              <a:schemeClr val="accent1"/>
-            </a:effectRef>
-            <a:fontRef idx="minor">
-              <a:schemeClr val="lt1"/>
-            </a:fontRef>
-          </p:style>
-          <p:txBody>
-            <a:bodyPr rtlCol="0" anchor="ctr"/>
-            <a:lstStyle/>
-            <a:p>
-              <a:pPr algn="ctr"/>
-              <a:endParaRPr lang="en-US"/>
-            </a:p>
-          </p:txBody>
-        </p:sp>
-        <p:sp>
-          <p:nvSpPr>
-            <p:cNvPr id="65" name="Rectangle 64">
-              <a:extLst>
-                <a:ext uri="{FF2B5EF4-FFF2-40B4-BE49-F238E27FC236}">
-                  <a16:creationId xmlns:a16="http://schemas.microsoft.com/office/drawing/2014/main" id="{59E64F15-4317-7A72-55AB-148BB50AFE46}"/>
-                </a:ext>
-              </a:extLst>
-            </p:cNvPr>
-            <p:cNvSpPr/>
-            <p:nvPr/>
-          </p:nvSpPr>
-          <p:spPr>
-            <a:xfrm>
-              <a:off x="10883905" y="14843284"/>
-              <a:ext cx="2120898" cy="51330"/>
-            </a:xfrm>
-            <a:prstGeom prst="rect">
-              <a:avLst/>
-            </a:prstGeom>
-            <a:solidFill>
-              <a:schemeClr val="bg1"/>
-            </a:solidFill>
-            <a:ln>
-              <a:noFill/>
-            </a:ln>
-          </p:spPr>
-          <p:style>
-            <a:lnRef idx="2">
-              <a:schemeClr val="accent1">
-                <a:shade val="15000"/>
-              </a:schemeClr>
-            </a:lnRef>
-            <a:fillRef idx="1">
-              <a:schemeClr val="accent1"/>
-            </a:fillRef>
-            <a:effectRef idx="0">
-              <a:schemeClr val="accent1"/>
-            </a:effectRef>
-            <a:fontRef idx="minor">
-              <a:schemeClr val="lt1"/>
-            </a:fontRef>
-          </p:style>
-          <p:txBody>
-            <a:bodyPr rtlCol="0" anchor="ctr"/>
-            <a:lstStyle/>
-            <a:p>
-              <a:pPr algn="ctr"/>
-              <a:endParaRPr lang="en-US"/>
-            </a:p>
-          </p:txBody>
-        </p:sp>
-        <p:cxnSp>
-          <p:nvCxnSpPr>
-            <p:cNvPr id="66" name="Straight Connector 65">
-              <a:extLst>
-                <a:ext uri="{FF2B5EF4-FFF2-40B4-BE49-F238E27FC236}">
-                  <a16:creationId xmlns:a16="http://schemas.microsoft.com/office/drawing/2014/main" id="{C5BD8E19-EDF1-0CE8-2B51-7A0CE400EE43}"/>
-                </a:ext>
-              </a:extLst>
-            </p:cNvPr>
-            <p:cNvCxnSpPr>
-              <a:cxnSpLocks/>
-            </p:cNvCxnSpPr>
-            <p:nvPr/>
-          </p:nvCxnSpPr>
-          <p:spPr>
-            <a:xfrm flipH="1">
-              <a:off x="10913533" y="15554959"/>
-              <a:ext cx="2055878" cy="0"/>
-            </a:xfrm>
-            <a:prstGeom prst="line">
-              <a:avLst/>
-            </a:prstGeom>
-            <a:ln w="6350">
-              <a:solidFill>
-                <a:schemeClr val="tx1"/>
-              </a:solidFill>
-              <a:prstDash val="solid"/>
-            </a:ln>
-          </p:spPr>
-          <p:style>
-            <a:lnRef idx="1">
-              <a:schemeClr val="accent1"/>
-            </a:lnRef>
-            <a:fillRef idx="0">
-              <a:schemeClr val="accent1"/>
-            </a:fillRef>
-            <a:effectRef idx="0">
-              <a:schemeClr val="accent1"/>
-            </a:effectRef>
-            <a:fontRef idx="minor">
-              <a:schemeClr val="tx1"/>
-            </a:fontRef>
-          </p:style>
-        </p:cxnSp>
-        <p:cxnSp>
-          <p:nvCxnSpPr>
-            <p:cNvPr id="67" name="Straight Connector 66">
-              <a:extLst>
-                <a:ext uri="{FF2B5EF4-FFF2-40B4-BE49-F238E27FC236}">
-                  <a16:creationId xmlns:a16="http://schemas.microsoft.com/office/drawing/2014/main" id="{D7F39E45-CD60-E872-BB7C-C443FB342966}"/>
-                </a:ext>
-              </a:extLst>
-            </p:cNvPr>
-            <p:cNvCxnSpPr>
-              <a:cxnSpLocks/>
-            </p:cNvCxnSpPr>
-            <p:nvPr/>
-          </p:nvCxnSpPr>
-          <p:spPr>
-            <a:xfrm flipH="1">
-              <a:off x="10913533" y="15209839"/>
-              <a:ext cx="2055878" cy="0"/>
-            </a:xfrm>
-            <a:prstGeom prst="line">
-              <a:avLst/>
-            </a:prstGeom>
-            <a:ln w="6350">
-              <a:solidFill>
-                <a:schemeClr val="tx1"/>
-              </a:solidFill>
-              <a:prstDash val="solid"/>
-            </a:ln>
-          </p:spPr>
-          <p:style>
-            <a:lnRef idx="1">
-              <a:schemeClr val="accent1"/>
-            </a:lnRef>
-            <a:fillRef idx="0">
-              <a:schemeClr val="accent1"/>
-            </a:fillRef>
-            <a:effectRef idx="0">
-              <a:schemeClr val="accent1"/>
-            </a:effectRef>
-            <a:fontRef idx="minor">
-              <a:schemeClr val="tx1"/>
-            </a:fontRef>
-          </p:style>
-        </p:cxnSp>
-        <p:cxnSp>
-          <p:nvCxnSpPr>
-            <p:cNvPr id="68" name="Straight Connector 67">
-              <a:extLst>
-                <a:ext uri="{FF2B5EF4-FFF2-40B4-BE49-F238E27FC236}">
-                  <a16:creationId xmlns:a16="http://schemas.microsoft.com/office/drawing/2014/main" id="{48ABC163-96E2-5DA5-AC1A-AB53B58F7E6B}"/>
-                </a:ext>
-              </a:extLst>
-            </p:cNvPr>
-            <p:cNvCxnSpPr>
-              <a:cxnSpLocks/>
-            </p:cNvCxnSpPr>
-            <p:nvPr/>
-          </p:nvCxnSpPr>
-          <p:spPr>
-            <a:xfrm flipH="1">
-              <a:off x="10915054" y="14866417"/>
-              <a:ext cx="2055878" cy="0"/>
-            </a:xfrm>
-            <a:prstGeom prst="line">
-              <a:avLst/>
-            </a:prstGeom>
-            <a:ln w="6350">
-              <a:solidFill>
-                <a:schemeClr val="tx1"/>
-              </a:solidFill>
-              <a:prstDash val="solid"/>
-            </a:ln>
-          </p:spPr>
-          <p:style>
-            <a:lnRef idx="1">
-              <a:schemeClr val="accent1"/>
-            </a:lnRef>
-            <a:fillRef idx="0">
-              <a:schemeClr val="accent1"/>
-            </a:fillRef>
-            <a:effectRef idx="0">
-              <a:schemeClr val="accent1"/>
-            </a:effectRef>
-            <a:fontRef idx="minor">
-              <a:schemeClr val="tx1"/>
-            </a:fontRef>
-          </p:style>
-        </p:cxnSp>
-        <p:sp>
-          <p:nvSpPr>
-            <p:cNvPr id="69" name="TextBox 68">
-              <a:extLst>
-                <a:ext uri="{FF2B5EF4-FFF2-40B4-BE49-F238E27FC236}">
-                  <a16:creationId xmlns:a16="http://schemas.microsoft.com/office/drawing/2014/main" id="{BCF075BA-E765-7EA3-3AF7-2D02606167C6}"/>
-                </a:ext>
-              </a:extLst>
-            </p:cNvPr>
-            <p:cNvSpPr txBox="1"/>
-            <p:nvPr/>
-          </p:nvSpPr>
-          <p:spPr>
-            <a:xfrm>
-              <a:off x="13013983" y="15235446"/>
-              <a:ext cx="896832" cy="295804"/>
-            </a:xfrm>
-            <a:prstGeom prst="rect">
-              <a:avLst/>
-            </a:prstGeom>
-            <a:noFill/>
-          </p:spPr>
-          <p:txBody>
-            <a:bodyPr wrap="square" rtlCol="0">
-              <a:spAutoFit/>
-            </a:bodyPr>
-            <a:lstStyle/>
-            <a:p>
-              <a:r>
-                <a:rPr lang="en-US" sz="1200" dirty="0"/>
-                <a:t>Ray-finned</a:t>
-              </a:r>
-            </a:p>
-            <a:p>
-              <a:r>
-                <a:rPr lang="en-US" sz="1200" dirty="0"/>
-                <a:t>fish</a:t>
-              </a:r>
-            </a:p>
-          </p:txBody>
-        </p:sp>
-        <p:sp>
-          <p:nvSpPr>
-            <p:cNvPr id="70" name="TextBox 69">
-              <a:extLst>
-                <a:ext uri="{FF2B5EF4-FFF2-40B4-BE49-F238E27FC236}">
-                  <a16:creationId xmlns:a16="http://schemas.microsoft.com/office/drawing/2014/main" id="{EF35CC93-D504-06AB-EECE-DA5CBA644654}"/>
-                </a:ext>
-              </a:extLst>
-            </p:cNvPr>
-            <p:cNvSpPr txBox="1"/>
-            <p:nvPr/>
-          </p:nvSpPr>
-          <p:spPr>
-            <a:xfrm>
-              <a:off x="13013983" y="15728893"/>
-              <a:ext cx="896832" cy="177483"/>
-            </a:xfrm>
-            <a:prstGeom prst="rect">
-              <a:avLst/>
-            </a:prstGeom>
-            <a:noFill/>
-          </p:spPr>
-          <p:txBody>
-            <a:bodyPr wrap="square" rtlCol="0">
-              <a:spAutoFit/>
-            </a:bodyPr>
-            <a:lstStyle/>
-            <a:p>
-              <a:r>
-                <a:rPr lang="en-US" sz="1200" dirty="0"/>
-                <a:t>Reptiles</a:t>
-              </a:r>
-            </a:p>
-          </p:txBody>
-        </p:sp>
-        <p:sp>
-          <p:nvSpPr>
-            <p:cNvPr id="71" name="TextBox 70">
-              <a:extLst>
-                <a:ext uri="{FF2B5EF4-FFF2-40B4-BE49-F238E27FC236}">
-                  <a16:creationId xmlns:a16="http://schemas.microsoft.com/office/drawing/2014/main" id="{5548680C-513A-0E94-6BC6-34386805ADE5}"/>
-                </a:ext>
-              </a:extLst>
-            </p:cNvPr>
-            <p:cNvSpPr txBox="1"/>
-            <p:nvPr/>
-          </p:nvSpPr>
-          <p:spPr>
-            <a:xfrm>
-              <a:off x="13013983" y="14952705"/>
-              <a:ext cx="896832" cy="177483"/>
-            </a:xfrm>
-            <a:prstGeom prst="rect">
-              <a:avLst/>
-            </a:prstGeom>
-            <a:noFill/>
-          </p:spPr>
-          <p:txBody>
-            <a:bodyPr wrap="square" rtlCol="0">
-              <a:spAutoFit/>
-            </a:bodyPr>
-            <a:lstStyle/>
-            <a:p>
-              <a:r>
-                <a:rPr lang="en-US" sz="1200" dirty="0"/>
-                <a:t>Mammals</a:t>
-              </a:r>
-            </a:p>
-          </p:txBody>
-        </p:sp>
-        <p:sp>
-          <p:nvSpPr>
-            <p:cNvPr id="72" name="TextBox 71">
-              <a:extLst>
-                <a:ext uri="{FF2B5EF4-FFF2-40B4-BE49-F238E27FC236}">
-                  <a16:creationId xmlns:a16="http://schemas.microsoft.com/office/drawing/2014/main" id="{6DF0DC4F-41A7-309F-566A-B40A506243FC}"/>
-                </a:ext>
-              </a:extLst>
-            </p:cNvPr>
-            <p:cNvSpPr txBox="1"/>
-            <p:nvPr/>
-          </p:nvSpPr>
-          <p:spPr>
-            <a:xfrm>
-              <a:off x="13013979" y="14455695"/>
-              <a:ext cx="896832" cy="295804"/>
-            </a:xfrm>
-            <a:prstGeom prst="rect">
-              <a:avLst/>
-            </a:prstGeom>
-            <a:noFill/>
-          </p:spPr>
-          <p:txBody>
-            <a:bodyPr wrap="square" rtlCol="0">
-              <a:spAutoFit/>
-            </a:bodyPr>
-            <a:lstStyle/>
-            <a:p>
-              <a:r>
-                <a:rPr lang="en-US" sz="1200" dirty="0"/>
-                <a:t>All</a:t>
-              </a:r>
-            </a:p>
-            <a:p>
-              <a:r>
-                <a:rPr lang="en-US" sz="1200" dirty="0"/>
-                <a:t>species</a:t>
-              </a:r>
-            </a:p>
-          </p:txBody>
-        </p:sp>
-        <p:pic>
-          <p:nvPicPr>
-            <p:cNvPr id="74" name="Graphic 73">
-              <a:extLst>
-                <a:ext uri="{FF2B5EF4-FFF2-40B4-BE49-F238E27FC236}">
-                  <a16:creationId xmlns:a16="http://schemas.microsoft.com/office/drawing/2014/main" id="{CCD98DAE-F255-24B7-2CCB-C8EE9A777512}"/>
-                </a:ext>
-              </a:extLst>
-            </p:cNvPr>
-            <p:cNvPicPr>
-              <a:picLocks noChangeAspect="1"/>
-            </p:cNvPicPr>
-            <p:nvPr/>
-          </p:nvPicPr>
-          <p:blipFill>
-            <a:blip r:embed="rId10">
-              <a:extLst>
-                <a:ext uri="{96DAC541-7B7A-43D3-8B79-37D633B846F1}">
-                  <asvg:svgBlip xmlns:asvg="http://schemas.microsoft.com/office/drawing/2016/SVG/main" r:embed="rId11"/>
-                </a:ext>
-              </a:extLst>
-            </a:blip>
-            <a:srcRect l="26709" t="77869" r="22613" b="17309"/>
-            <a:stretch/>
-          </p:blipFill>
-          <p:spPr>
-            <a:xfrm>
-              <a:off x="10858500" y="16196795"/>
-              <a:ext cx="2056342" cy="150645"/>
-            </a:xfrm>
-            <a:prstGeom prst="rect">
-              <a:avLst/>
-            </a:prstGeom>
-          </p:spPr>
-        </p:pic>
-        <p:sp>
-          <p:nvSpPr>
-            <p:cNvPr id="77" name="TextBox 76">
-              <a:extLst>
-                <a:ext uri="{FF2B5EF4-FFF2-40B4-BE49-F238E27FC236}">
-                  <a16:creationId xmlns:a16="http://schemas.microsoft.com/office/drawing/2014/main" id="{0CFD9132-23EB-E44B-E396-FE23EA111FFE}"/>
-                </a:ext>
-              </a:extLst>
-            </p:cNvPr>
-            <p:cNvSpPr txBox="1"/>
-            <p:nvPr/>
-          </p:nvSpPr>
-          <p:spPr>
-            <a:xfrm>
-              <a:off x="11545233" y="16345191"/>
-              <a:ext cx="1002368" cy="207063"/>
-            </a:xfrm>
-            <a:prstGeom prst="rect">
-              <a:avLst/>
-            </a:prstGeom>
-            <a:noFill/>
-          </p:spPr>
-          <p:txBody>
-            <a:bodyPr wrap="square" rtlCol="0">
-              <a:spAutoFit/>
-            </a:bodyPr>
-            <a:lstStyle/>
-            <a:p>
-              <a:r>
-                <a:rPr lang="el-GR" sz="1500" dirty="0"/>
-                <a:t>β </a:t>
-              </a:r>
-              <a:r>
-                <a:rPr lang="en-US" sz="1500" dirty="0"/>
-                <a:t>coefficient</a:t>
-              </a:r>
-            </a:p>
-          </p:txBody>
-        </p:sp>
-        <p:sp>
-          <p:nvSpPr>
-            <p:cNvPr id="78" name="Rectangle 77">
+            <p:cNvPr id="157" name="Rectangle 156">
               <a:extLst>
                 <a:ext uri="{FF2B5EF4-FFF2-40B4-BE49-F238E27FC236}">
                   <a16:creationId xmlns:a16="http://schemas.microsoft.com/office/drawing/2014/main" id="{1756326F-CD82-B259-E29F-A08729C73DB2}"/>
@@ -17896,8 +17784,8 @@
           </p:nvSpPr>
           <p:spPr>
             <a:xfrm>
-              <a:off x="12030401" y="15638916"/>
-              <a:ext cx="840316" cy="357850"/>
+              <a:off x="27764718" y="18808949"/>
+              <a:ext cx="1311490" cy="558500"/>
             </a:xfrm>
             <a:prstGeom prst="rect">
               <a:avLst/>
@@ -17938,10 +17826,10 @@
         </p:sp>
         <p:pic>
           <p:nvPicPr>
-            <p:cNvPr id="79" name="Graphic 78">
+            <p:cNvPr id="147" name="Graphic 146">
               <a:extLst>
                 <a:ext uri="{FF2B5EF4-FFF2-40B4-BE49-F238E27FC236}">
-                  <a16:creationId xmlns:a16="http://schemas.microsoft.com/office/drawing/2014/main" id="{52E56E48-8443-D15C-BB8D-E5F6DD64EDA9}"/>
+                  <a16:creationId xmlns:a16="http://schemas.microsoft.com/office/drawing/2014/main" id="{ED10B28C-3C9F-B4AF-3810-7CE452193BB4}"/>
                 </a:ext>
               </a:extLst>
             </p:cNvPr>
@@ -17951,10 +17839,10 @@
             <p:nvPr/>
           </p:nvPicPr>
           <p:blipFill>
-            <a:blip r:embed="rId10">
+            <a:blip r:embed="rId12">
               <a:extLst>
                 <a:ext uri="{96DAC541-7B7A-43D3-8B79-37D633B846F1}">
-                  <asvg:svgBlip xmlns:asvg="http://schemas.microsoft.com/office/drawing/2016/SVG/main" r:embed="rId11"/>
+                  <asvg:svgBlip xmlns:asvg="http://schemas.microsoft.com/office/drawing/2016/SVG/main" r:embed="rId13"/>
                 </a:ext>
               </a:extLst>
             </a:blip>
@@ -17963,8 +17851,8 @@
           </p:blipFill>
           <p:spPr>
             <a:xfrm rot="5400000">
-              <a:off x="12402471" y="15502326"/>
-              <a:ext cx="77923" cy="632713"/>
+              <a:off x="28354721" y="18594265"/>
+              <a:ext cx="121615" cy="987481"/>
             </a:xfrm>
             <a:prstGeom prst="rect">
               <a:avLst/>
@@ -17973,10 +17861,10 @@
         </p:pic>
         <p:cxnSp>
           <p:nvCxnSpPr>
-            <p:cNvPr id="80" name="Straight Connector 79">
+            <p:cNvPr id="148" name="Straight Connector 147">
               <a:extLst>
                 <a:ext uri="{FF2B5EF4-FFF2-40B4-BE49-F238E27FC236}">
-                  <a16:creationId xmlns:a16="http://schemas.microsoft.com/office/drawing/2014/main" id="{6BE374FB-6D00-7E2E-91F9-7446F1456A60}"/>
+                  <a16:creationId xmlns:a16="http://schemas.microsoft.com/office/drawing/2014/main" id="{58EAFF1D-34C9-7DCF-3D56-58518476C8A1}"/>
                 </a:ext>
               </a:extLst>
             </p:cNvPr>
@@ -17987,8 +17875,123 @@
           </p:nvCxnSpPr>
           <p:spPr>
             <a:xfrm flipV="1">
-              <a:off x="12439870" y="15864979"/>
-              <a:ext cx="0" cy="34334"/>
+              <a:off x="27917943" y="19160563"/>
+              <a:ext cx="993963" cy="1366"/>
+            </a:xfrm>
+            <a:prstGeom prst="line">
+              <a:avLst/>
+            </a:prstGeom>
+            <a:ln w="12700">
+              <a:solidFill>
+                <a:schemeClr val="tx1"/>
+              </a:solidFill>
+            </a:ln>
+          </p:spPr>
+          <p:style>
+            <a:lnRef idx="1">
+              <a:schemeClr val="accent1"/>
+            </a:lnRef>
+            <a:fillRef idx="0">
+              <a:schemeClr val="accent1"/>
+            </a:fillRef>
+            <a:effectRef idx="0">
+              <a:schemeClr val="accent1"/>
+            </a:effectRef>
+            <a:fontRef idx="minor">
+              <a:schemeClr val="tx1"/>
+            </a:fontRef>
+          </p:style>
+        </p:cxnSp>
+        <p:sp>
+          <p:nvSpPr>
+            <p:cNvPr id="149" name="TextBox 148">
+              <a:extLst>
+                <a:ext uri="{FF2B5EF4-FFF2-40B4-BE49-F238E27FC236}">
+                  <a16:creationId xmlns:a16="http://schemas.microsoft.com/office/drawing/2014/main" id="{42005357-0CC0-8903-1943-4976112B2A99}"/>
+                </a:ext>
+              </a:extLst>
+            </p:cNvPr>
+            <p:cNvSpPr txBox="1"/>
+            <p:nvPr/>
+          </p:nvSpPr>
+          <p:spPr>
+            <a:xfrm>
+              <a:off x="27761094" y="19175327"/>
+              <a:ext cx="321538" cy="209288"/>
+            </a:xfrm>
+            <a:prstGeom prst="rect">
+              <a:avLst/>
+            </a:prstGeom>
+            <a:noFill/>
+          </p:spPr>
+          <p:txBody>
+            <a:bodyPr wrap="square" rtlCol="0">
+              <a:spAutoFit/>
+            </a:bodyPr>
+            <a:lstStyle/>
+            <a:p>
+              <a:pPr algn="ctr"/>
+              <a:r>
+                <a:rPr lang="en-US" sz="750" dirty="0"/>
+                <a:t>0.8</a:t>
+              </a:r>
+            </a:p>
+          </p:txBody>
+        </p:sp>
+        <p:sp>
+          <p:nvSpPr>
+            <p:cNvPr id="150" name="TextBox 149">
+              <a:extLst>
+                <a:ext uri="{FF2B5EF4-FFF2-40B4-BE49-F238E27FC236}">
+                  <a16:creationId xmlns:a16="http://schemas.microsoft.com/office/drawing/2014/main" id="{3EF088A4-1012-69EA-3DAF-489F5EC7D7F7}"/>
+                </a:ext>
+              </a:extLst>
+            </p:cNvPr>
+            <p:cNvSpPr txBox="1"/>
+            <p:nvPr/>
+          </p:nvSpPr>
+          <p:spPr>
+            <a:xfrm>
+              <a:off x="27802742" y="18821649"/>
+              <a:ext cx="1229458" cy="230832"/>
+            </a:xfrm>
+            <a:prstGeom prst="rect">
+              <a:avLst/>
+            </a:prstGeom>
+            <a:noFill/>
+          </p:spPr>
+          <p:txBody>
+            <a:bodyPr wrap="square" rtlCol="0">
+              <a:spAutoFit/>
+            </a:bodyPr>
+            <a:lstStyle/>
+            <a:p>
+              <a:pPr algn="ctr"/>
+              <a:r>
+                <a:rPr lang="en-US" sz="900" dirty="0"/>
+                <a:t>Variable importance</a:t>
+              </a:r>
+            </a:p>
+          </p:txBody>
+        </p:sp>
+        <p:cxnSp>
+          <p:nvCxnSpPr>
+            <p:cNvPr id="151" name="Straight Connector 150">
+              <a:extLst>
+                <a:ext uri="{FF2B5EF4-FFF2-40B4-BE49-F238E27FC236}">
+                  <a16:creationId xmlns:a16="http://schemas.microsoft.com/office/drawing/2014/main" id="{C41725FA-75BA-A167-DE09-98C80F759B3D}"/>
+                </a:ext>
+              </a:extLst>
+            </p:cNvPr>
+            <p:cNvCxnSpPr>
+              <a:cxnSpLocks/>
+            </p:cNvCxnSpPr>
+            <p:nvPr/>
+          </p:nvCxnSpPr>
+          <p:spPr>
+            <a:xfrm flipV="1">
+              <a:off x="28413090" y="19160616"/>
+              <a:ext cx="0" cy="53585"/>
             </a:xfrm>
             <a:prstGeom prst="line">
               <a:avLst/>
@@ -18016,10 +18019,10 @@
         </p:cxnSp>
         <p:cxnSp>
           <p:nvCxnSpPr>
-            <p:cNvPr id="81" name="Straight Connector 80">
+            <p:cNvPr id="152" name="Straight Connector 151">
               <a:extLst>
                 <a:ext uri="{FF2B5EF4-FFF2-40B4-BE49-F238E27FC236}">
-                  <a16:creationId xmlns:a16="http://schemas.microsoft.com/office/drawing/2014/main" id="{1A15031E-115A-21B5-0CD1-6EBC04F26B3D}"/>
+                  <a16:creationId xmlns:a16="http://schemas.microsoft.com/office/drawing/2014/main" id="{C99A6D63-A814-55D2-0148-E8EE51F03051}"/>
                 </a:ext>
               </a:extLst>
             </p:cNvPr>
@@ -18030,8 +18033,8 @@
           </p:nvCxnSpPr>
           <p:spPr>
             <a:xfrm flipV="1">
-              <a:off x="12757685" y="15864831"/>
-              <a:ext cx="104" cy="34482"/>
+              <a:off x="28907519" y="19160385"/>
+              <a:ext cx="162" cy="53816"/>
             </a:xfrm>
             <a:prstGeom prst="line">
               <a:avLst/>
@@ -18059,10 +18062,10 @@
         </p:cxnSp>
         <p:cxnSp>
           <p:nvCxnSpPr>
-            <p:cNvPr id="82" name="Straight Connector 81">
+            <p:cNvPr id="153" name="Straight Connector 152">
               <a:extLst>
                 <a:ext uri="{FF2B5EF4-FFF2-40B4-BE49-F238E27FC236}">
-                  <a16:creationId xmlns:a16="http://schemas.microsoft.com/office/drawing/2014/main" id="{1B7229F0-8E83-622A-CAA6-5E40E0CA44F7}"/>
+                  <a16:creationId xmlns:a16="http://schemas.microsoft.com/office/drawing/2014/main" id="{BA87C16C-FE0E-995E-E00C-CDE098C19117}"/>
                 </a:ext>
               </a:extLst>
             </p:cNvPr>
@@ -18073,8 +18076,8 @@
           </p:nvCxnSpPr>
           <p:spPr>
             <a:xfrm flipV="1">
-              <a:off x="12124651" y="15864796"/>
-              <a:ext cx="0" cy="34517"/>
+              <a:off x="27922712" y="19160330"/>
+              <a:ext cx="0" cy="53871"/>
             </a:xfrm>
             <a:prstGeom prst="line">
               <a:avLst/>
@@ -18102,10 +18105,10 @@
         </p:cxnSp>
         <p:cxnSp>
           <p:nvCxnSpPr>
-            <p:cNvPr id="83" name="Straight Connector 82">
+            <p:cNvPr id="154" name="Straight Connector 153">
               <a:extLst>
                 <a:ext uri="{FF2B5EF4-FFF2-40B4-BE49-F238E27FC236}">
-                  <a16:creationId xmlns:a16="http://schemas.microsoft.com/office/drawing/2014/main" id="{F16510CF-9F39-2943-D99B-B6A3C9A09167}"/>
+                  <a16:creationId xmlns:a16="http://schemas.microsoft.com/office/drawing/2014/main" id="{ADFCB725-BD37-A5F3-BBF3-348F997962BF}"/>
                 </a:ext>
               </a:extLst>
             </p:cNvPr>
@@ -18116,8 +18119,8 @@
           </p:nvCxnSpPr>
           <p:spPr>
             <a:xfrm flipV="1">
-              <a:off x="12597567" y="15864896"/>
-              <a:ext cx="0" cy="34417"/>
+              <a:off x="28659209" y="19160486"/>
+              <a:ext cx="0" cy="53715"/>
             </a:xfrm>
             <a:prstGeom prst="line">
               <a:avLst/>
@@ -18145,10 +18148,10 @@
         </p:cxnSp>
         <p:cxnSp>
           <p:nvCxnSpPr>
-            <p:cNvPr id="85" name="Straight Connector 84">
+            <p:cNvPr id="155" name="Straight Connector 154">
               <a:extLst>
                 <a:ext uri="{FF2B5EF4-FFF2-40B4-BE49-F238E27FC236}">
-                  <a16:creationId xmlns:a16="http://schemas.microsoft.com/office/drawing/2014/main" id="{09E786DA-7331-71ED-BE73-4A7E72ED77BC}"/>
+                  <a16:creationId xmlns:a16="http://schemas.microsoft.com/office/drawing/2014/main" id="{91FB3C6A-1AC2-C6D7-4CED-32F21607FDB7}"/>
                 </a:ext>
               </a:extLst>
             </p:cNvPr>
@@ -18159,8 +18162,8 @@
           </p:nvCxnSpPr>
           <p:spPr>
             <a:xfrm flipV="1">
-              <a:off x="12283421" y="15865064"/>
-              <a:ext cx="0" cy="34249"/>
+              <a:off x="28170506" y="19160748"/>
+              <a:ext cx="0" cy="53453"/>
             </a:xfrm>
             <a:prstGeom prst="line">
               <a:avLst/>
@@ -18186,338 +18189,611 @@
             </a:fontRef>
           </p:style>
         </p:cxnSp>
-        <p:cxnSp>
-          <p:nvCxnSpPr>
-            <p:cNvPr id="87" name="Straight Connector 86">
-              <a:extLst>
-                <a:ext uri="{FF2B5EF4-FFF2-40B4-BE49-F238E27FC236}">
-                  <a16:creationId xmlns:a16="http://schemas.microsoft.com/office/drawing/2014/main" id="{F5AFB665-2403-3450-8D72-E1FDB0C94D3C}"/>
-                </a:ext>
-              </a:extLst>
-            </p:cNvPr>
-            <p:cNvCxnSpPr>
-              <a:cxnSpLocks/>
-            </p:cNvCxnSpPr>
-            <p:nvPr/>
-          </p:nvCxnSpPr>
-          <p:spPr>
-            <a:xfrm flipV="1">
-              <a:off x="12122613" y="15865172"/>
-              <a:ext cx="636866" cy="875"/>
-            </a:xfrm>
-            <a:prstGeom prst="line">
-              <a:avLst/>
-            </a:prstGeom>
-            <a:ln w="12700">
-              <a:solidFill>
-                <a:schemeClr val="tx1"/>
-              </a:solidFill>
-            </a:ln>
-          </p:spPr>
-          <p:style>
-            <a:lnRef idx="1">
-              <a:schemeClr val="accent1"/>
-            </a:lnRef>
-            <a:fillRef idx="0">
-              <a:schemeClr val="accent1"/>
-            </a:fillRef>
-            <a:effectRef idx="0">
-              <a:schemeClr val="accent1"/>
-            </a:effectRef>
-            <a:fontRef idx="minor">
-              <a:schemeClr val="tx1"/>
-            </a:fontRef>
-          </p:style>
-        </p:cxnSp>
-        <p:sp>
-          <p:nvSpPr>
-            <p:cNvPr id="88" name="TextBox 87">
-              <a:extLst>
-                <a:ext uri="{FF2B5EF4-FFF2-40B4-BE49-F238E27FC236}">
-                  <a16:creationId xmlns:a16="http://schemas.microsoft.com/office/drawing/2014/main" id="{707307CC-31F9-2E08-273B-128D22EA9206}"/>
-                </a:ext>
-              </a:extLst>
-            </p:cNvPr>
-            <p:cNvSpPr txBox="1"/>
-            <p:nvPr/>
-          </p:nvSpPr>
-          <p:spPr>
-            <a:xfrm>
-              <a:off x="11786810" y="15873953"/>
-              <a:ext cx="1326277" cy="134098"/>
-            </a:xfrm>
-            <a:prstGeom prst="rect">
-              <a:avLst/>
-            </a:prstGeom>
+      </p:grpSp>
+      <p:pic>
+        <p:nvPicPr>
+          <p:cNvPr id="185" name="Graphic 184" descr="Checkmark with solid fill">
+            <a:extLst>
+              <a:ext uri="{FF2B5EF4-FFF2-40B4-BE49-F238E27FC236}">
+                <a16:creationId xmlns:a16="http://schemas.microsoft.com/office/drawing/2014/main" id="{DCA27A5C-FBBE-5048-B662-459BE66B6EC3}"/>
+              </a:ext>
+            </a:extLst>
+          </p:cNvPr>
+          <p:cNvPicPr>
+            <a:picLocks noChangeAspect="1"/>
+          </p:cNvPicPr>
+          <p:nvPr/>
+        </p:nvPicPr>
+        <p:blipFill>
+          <a:blip r:embed="rId10">
+            <a:extLst>
+              <a:ext uri="{96DAC541-7B7A-43D3-8B79-37D633B846F1}">
+                <asvg:svgBlip xmlns:asvg="http://schemas.microsoft.com/office/drawing/2016/SVG/main" r:embed="rId11"/>
+              </a:ext>
+            </a:extLst>
+          </a:blip>
+          <a:stretch>
+            <a:fillRect/>
+          </a:stretch>
+        </p:blipFill>
+        <p:spPr>
+          <a:xfrm>
+            <a:off x="20988424" y="20977931"/>
+            <a:ext cx="170130" cy="170130"/>
+          </a:xfrm>
+          <a:prstGeom prst="rect">
+            <a:avLst/>
+          </a:prstGeom>
+        </p:spPr>
+      </p:pic>
+      <p:pic>
+        <p:nvPicPr>
+          <p:cNvPr id="186" name="Graphic 185" descr="Close with solid fill">
+            <a:extLst>
+              <a:ext uri="{FF2B5EF4-FFF2-40B4-BE49-F238E27FC236}">
+                <a16:creationId xmlns:a16="http://schemas.microsoft.com/office/drawing/2014/main" id="{9CF423A5-3B5C-6831-87A1-8518A3063BE5}"/>
+              </a:ext>
+            </a:extLst>
+          </p:cNvPr>
+          <p:cNvPicPr>
+            <a:picLocks noChangeAspect="1"/>
+          </p:cNvPicPr>
+          <p:nvPr/>
+        </p:nvPicPr>
+        <p:blipFill>
+          <a:blip r:embed="rId8">
+            <a:extLst>
+              <a:ext uri="{96DAC541-7B7A-43D3-8B79-37D633B846F1}">
+                <asvg:svgBlip xmlns:asvg="http://schemas.microsoft.com/office/drawing/2016/SVG/main" r:embed="rId9"/>
+              </a:ext>
+            </a:extLst>
+          </a:blip>
+          <a:stretch>
+            <a:fillRect/>
+          </a:stretch>
+        </p:blipFill>
+        <p:spPr>
+          <a:xfrm>
+            <a:off x="20684856" y="23201731"/>
+            <a:ext cx="170130" cy="170130"/>
+          </a:xfrm>
+          <a:prstGeom prst="rect">
+            <a:avLst/>
+          </a:prstGeom>
+        </p:spPr>
+      </p:pic>
+      <p:pic>
+        <p:nvPicPr>
+          <p:cNvPr id="188" name="Graphic 187" descr="Close with solid fill">
+            <a:extLst>
+              <a:ext uri="{FF2B5EF4-FFF2-40B4-BE49-F238E27FC236}">
+                <a16:creationId xmlns:a16="http://schemas.microsoft.com/office/drawing/2014/main" id="{779FDD90-9EAF-BCDA-F31C-068DD154F1C2}"/>
+              </a:ext>
+            </a:extLst>
+          </p:cNvPr>
+          <p:cNvPicPr>
+            <a:picLocks noChangeAspect="1"/>
+          </p:cNvPicPr>
+          <p:nvPr/>
+        </p:nvPicPr>
+        <p:blipFill>
+          <a:blip r:embed="rId8">
+            <a:extLst>
+              <a:ext uri="{96DAC541-7B7A-43D3-8B79-37D633B846F1}">
+                <asvg:svgBlip xmlns:asvg="http://schemas.microsoft.com/office/drawing/2016/SVG/main" r:embed="rId9"/>
+              </a:ext>
+            </a:extLst>
+          </a:blip>
+          <a:stretch>
+            <a:fillRect/>
+          </a:stretch>
+        </p:blipFill>
+        <p:spPr>
+          <a:xfrm>
+            <a:off x="20683496" y="21257262"/>
+            <a:ext cx="170130" cy="170130"/>
+          </a:xfrm>
+          <a:prstGeom prst="rect">
+            <a:avLst/>
+          </a:prstGeom>
+        </p:spPr>
+      </p:pic>
+      <p:pic>
+        <p:nvPicPr>
+          <p:cNvPr id="191" name="Graphic 190" descr="Checkmark with solid fill">
+            <a:extLst>
+              <a:ext uri="{FF2B5EF4-FFF2-40B4-BE49-F238E27FC236}">
+                <a16:creationId xmlns:a16="http://schemas.microsoft.com/office/drawing/2014/main" id="{45B2AA1C-2005-7495-C00B-187ADC42C46F}"/>
+              </a:ext>
+            </a:extLst>
+          </p:cNvPr>
+          <p:cNvPicPr>
+            <a:picLocks noChangeAspect="1"/>
+          </p:cNvPicPr>
+          <p:nvPr/>
+        </p:nvPicPr>
+        <p:blipFill>
+          <a:blip r:embed="rId10">
+            <a:extLst>
+              <a:ext uri="{96DAC541-7B7A-43D3-8B79-37D633B846F1}">
+                <asvg:svgBlip xmlns:asvg="http://schemas.microsoft.com/office/drawing/2016/SVG/main" r:embed="rId11"/>
+              </a:ext>
+            </a:extLst>
+          </a:blip>
+          <a:stretch>
+            <a:fillRect/>
+          </a:stretch>
+        </p:blipFill>
+        <p:spPr>
+          <a:xfrm>
+            <a:off x="21066646" y="22925149"/>
+            <a:ext cx="170130" cy="170130"/>
+          </a:xfrm>
+          <a:prstGeom prst="rect">
+            <a:avLst/>
+          </a:prstGeom>
+        </p:spPr>
+      </p:pic>
+      <p:pic>
+        <p:nvPicPr>
+          <p:cNvPr id="198" name="Graphic 197" descr="Checkmark with solid fill">
+            <a:extLst>
+              <a:ext uri="{FF2B5EF4-FFF2-40B4-BE49-F238E27FC236}">
+                <a16:creationId xmlns:a16="http://schemas.microsoft.com/office/drawing/2014/main" id="{36980361-4218-5E26-8269-F3A9CB31A788}"/>
+              </a:ext>
+            </a:extLst>
+          </p:cNvPr>
+          <p:cNvPicPr>
+            <a:picLocks noChangeAspect="1"/>
+          </p:cNvPicPr>
+          <p:nvPr/>
+        </p:nvPicPr>
+        <p:blipFill>
+          <a:blip r:embed="rId10">
+            <a:extLst>
+              <a:ext uri="{96DAC541-7B7A-43D3-8B79-37D633B846F1}">
+                <asvg:svgBlip xmlns:asvg="http://schemas.microsoft.com/office/drawing/2016/SVG/main" r:embed="rId11"/>
+              </a:ext>
+            </a:extLst>
+          </a:blip>
+          <a:stretch>
+            <a:fillRect/>
+          </a:stretch>
+        </p:blipFill>
+        <p:spPr>
+          <a:xfrm>
+            <a:off x="20399449" y="22371466"/>
+            <a:ext cx="170130" cy="170130"/>
+          </a:xfrm>
+          <a:prstGeom prst="rect">
+            <a:avLst/>
+          </a:prstGeom>
+        </p:spPr>
+      </p:pic>
+      <p:pic>
+        <p:nvPicPr>
+          <p:cNvPr id="199" name="Graphic 198" descr="Checkmark with solid fill">
+            <a:extLst>
+              <a:ext uri="{FF2B5EF4-FFF2-40B4-BE49-F238E27FC236}">
+                <a16:creationId xmlns:a16="http://schemas.microsoft.com/office/drawing/2014/main" id="{58C350FE-7A57-656E-8C30-D3586FB310A7}"/>
+              </a:ext>
+            </a:extLst>
+          </p:cNvPr>
+          <p:cNvPicPr>
+            <a:picLocks noChangeAspect="1"/>
+          </p:cNvPicPr>
+          <p:nvPr/>
+        </p:nvPicPr>
+        <p:blipFill>
+          <a:blip r:embed="rId10">
+            <a:extLst>
+              <a:ext uri="{96DAC541-7B7A-43D3-8B79-37D633B846F1}">
+                <asvg:svgBlip xmlns:asvg="http://schemas.microsoft.com/office/drawing/2016/SVG/main" r:embed="rId11"/>
+              </a:ext>
+            </a:extLst>
+          </a:blip>
+          <a:stretch>
+            <a:fillRect/>
+          </a:stretch>
+        </p:blipFill>
+        <p:spPr>
+          <a:xfrm>
+            <a:off x="20427824" y="21812785"/>
+            <a:ext cx="170130" cy="170130"/>
+          </a:xfrm>
+          <a:prstGeom prst="rect">
+            <a:avLst/>
+          </a:prstGeom>
+        </p:spPr>
+      </p:pic>
+      <p:sp>
+        <p:nvSpPr>
+          <p:cNvPr id="200" name="TextBox 199">
+            <a:extLst>
+              <a:ext uri="{FF2B5EF4-FFF2-40B4-BE49-F238E27FC236}">
+                <a16:creationId xmlns:a16="http://schemas.microsoft.com/office/drawing/2014/main" id="{027478C3-612E-1B93-7503-BCD8187E41D7}"/>
+              </a:ext>
+            </a:extLst>
+          </p:cNvPr>
+          <p:cNvSpPr txBox="1"/>
+          <p:nvPr/>
+        </p:nvSpPr>
+        <p:spPr>
+          <a:xfrm>
+            <a:off x="23071514" y="24005455"/>
+            <a:ext cx="1564406" cy="323165"/>
+          </a:xfrm>
+          <a:prstGeom prst="rect">
+            <a:avLst/>
+          </a:prstGeom>
+          <a:noFill/>
+        </p:spPr>
+        <p:txBody>
+          <a:bodyPr wrap="square" rtlCol="0">
+            <a:spAutoFit/>
+          </a:bodyPr>
+          <a:lstStyle/>
+          <a:p>
+            <a:pPr algn="ctr"/>
+            <a:r>
+              <a:rPr lang="el-GR" sz="1500" dirty="0"/>
+              <a:t>β </a:t>
+            </a:r>
+            <a:r>
+              <a:rPr lang="en-US" sz="1500" dirty="0"/>
+              <a:t>coefficient</a:t>
+            </a:r>
+          </a:p>
+        </p:txBody>
+      </p:sp>
+      <p:sp>
+        <p:nvSpPr>
+          <p:cNvPr id="206" name="TextBox 205">
+            <a:extLst>
+              <a:ext uri="{FF2B5EF4-FFF2-40B4-BE49-F238E27FC236}">
+                <a16:creationId xmlns:a16="http://schemas.microsoft.com/office/drawing/2014/main" id="{11B7FD89-FE7D-DB85-49CB-1E8CB2222211}"/>
+              </a:ext>
+            </a:extLst>
+          </p:cNvPr>
+          <p:cNvSpPr txBox="1"/>
+          <p:nvPr/>
+        </p:nvSpPr>
+        <p:spPr>
+          <a:xfrm>
+            <a:off x="25488482" y="22222093"/>
+            <a:ext cx="1399695" cy="461664"/>
+          </a:xfrm>
+          <a:prstGeom prst="rect">
+            <a:avLst/>
+          </a:prstGeom>
+          <a:noFill/>
+        </p:spPr>
+        <p:txBody>
+          <a:bodyPr wrap="square" rtlCol="0">
+            <a:spAutoFit/>
+          </a:bodyPr>
+          <a:lstStyle/>
+          <a:p>
+            <a:r>
+              <a:rPr lang="en-US" sz="1200" dirty="0"/>
+              <a:t>Ray-finned</a:t>
+            </a:r>
+          </a:p>
+          <a:p>
+            <a:r>
+              <a:rPr lang="en-US" sz="1200" dirty="0"/>
+              <a:t>fish</a:t>
+            </a:r>
+          </a:p>
+        </p:txBody>
+      </p:sp>
+      <p:sp>
+        <p:nvSpPr>
+          <p:cNvPr id="207" name="TextBox 206">
+            <a:extLst>
+              <a:ext uri="{FF2B5EF4-FFF2-40B4-BE49-F238E27FC236}">
+                <a16:creationId xmlns:a16="http://schemas.microsoft.com/office/drawing/2014/main" id="{925AE177-65D3-3126-BCDA-CF0A651C31D1}"/>
+              </a:ext>
+            </a:extLst>
+          </p:cNvPr>
+          <p:cNvSpPr txBox="1"/>
+          <p:nvPr/>
+        </p:nvSpPr>
+        <p:spPr>
+          <a:xfrm>
+            <a:off x="25489178" y="23019321"/>
+            <a:ext cx="1399695" cy="277000"/>
+          </a:xfrm>
+          <a:prstGeom prst="rect">
+            <a:avLst/>
+          </a:prstGeom>
+          <a:noFill/>
+        </p:spPr>
+        <p:txBody>
+          <a:bodyPr wrap="square" rtlCol="0">
+            <a:spAutoFit/>
+          </a:bodyPr>
+          <a:lstStyle/>
+          <a:p>
+            <a:r>
+              <a:rPr lang="en-US" sz="1200" dirty="0"/>
+              <a:t>Reptiles</a:t>
+            </a:r>
+          </a:p>
+        </p:txBody>
+      </p:sp>
+      <p:sp>
+        <p:nvSpPr>
+          <p:cNvPr id="208" name="TextBox 207">
+            <a:extLst>
+              <a:ext uri="{FF2B5EF4-FFF2-40B4-BE49-F238E27FC236}">
+                <a16:creationId xmlns:a16="http://schemas.microsoft.com/office/drawing/2014/main" id="{4399FA22-C302-FB97-08DA-9C271D00257B}"/>
+              </a:ext>
+            </a:extLst>
+          </p:cNvPr>
+          <p:cNvSpPr txBox="1"/>
+          <p:nvPr/>
+        </p:nvSpPr>
+        <p:spPr>
+          <a:xfrm>
+            <a:off x="25488082" y="21762472"/>
+            <a:ext cx="1399695" cy="277000"/>
+          </a:xfrm>
+          <a:prstGeom prst="rect">
+            <a:avLst/>
+          </a:prstGeom>
+          <a:noFill/>
+        </p:spPr>
+        <p:txBody>
+          <a:bodyPr wrap="square" rtlCol="0">
+            <a:spAutoFit/>
+          </a:bodyPr>
+          <a:lstStyle/>
+          <a:p>
+            <a:r>
+              <a:rPr lang="en-US" sz="1200" dirty="0"/>
+              <a:t>Mammals</a:t>
+            </a:r>
+          </a:p>
+        </p:txBody>
+      </p:sp>
+      <p:sp>
+        <p:nvSpPr>
+          <p:cNvPr id="209" name="TextBox 208">
+            <a:extLst>
+              <a:ext uri="{FF2B5EF4-FFF2-40B4-BE49-F238E27FC236}">
+                <a16:creationId xmlns:a16="http://schemas.microsoft.com/office/drawing/2014/main" id="{73992C6E-3463-1E80-B34B-F9C3B2CA167D}"/>
+              </a:ext>
+            </a:extLst>
+          </p:cNvPr>
+          <p:cNvSpPr txBox="1"/>
+          <p:nvPr/>
+        </p:nvSpPr>
+        <p:spPr>
+          <a:xfrm>
+            <a:off x="25489225" y="20968903"/>
+            <a:ext cx="1399695" cy="461664"/>
+          </a:xfrm>
+          <a:prstGeom prst="rect">
+            <a:avLst/>
+          </a:prstGeom>
+          <a:noFill/>
+        </p:spPr>
+        <p:txBody>
+          <a:bodyPr wrap="square" rtlCol="0">
+            <a:spAutoFit/>
+          </a:bodyPr>
+          <a:lstStyle/>
+          <a:p>
+            <a:r>
+              <a:rPr lang="en-US" sz="1200" dirty="0"/>
+              <a:t>All</a:t>
+            </a:r>
+          </a:p>
+          <a:p>
+            <a:r>
+              <a:rPr lang="en-US" sz="1200" dirty="0"/>
+              <a:t>species</a:t>
+            </a:r>
+          </a:p>
+        </p:txBody>
+      </p:sp>
+      <p:sp>
+        <p:nvSpPr>
+          <p:cNvPr id="210" name="Rectangle 209">
+            <a:extLst>
+              <a:ext uri="{FF2B5EF4-FFF2-40B4-BE49-F238E27FC236}">
+                <a16:creationId xmlns:a16="http://schemas.microsoft.com/office/drawing/2014/main" id="{B15FD20E-F24E-96D8-C57F-0CFD9E792225}"/>
+              </a:ext>
+            </a:extLst>
+          </p:cNvPr>
+          <p:cNvSpPr/>
+          <p:nvPr/>
+        </p:nvSpPr>
+        <p:spPr>
+          <a:xfrm flipH="1">
+            <a:off x="22173144" y="20790559"/>
+            <a:ext cx="64679" cy="2759105"/>
+          </a:xfrm>
+          <a:prstGeom prst="rect">
+            <a:avLst/>
+          </a:prstGeom>
+          <a:solidFill>
+            <a:schemeClr val="bg1"/>
+          </a:solidFill>
+          <a:ln>
             <a:noFill/>
-          </p:spPr>
-          <p:txBody>
-            <a:bodyPr wrap="square" rtlCol="0">
-              <a:spAutoFit/>
-            </a:bodyPr>
-            <a:lstStyle/>
-            <a:p>
-              <a:pPr algn="ctr"/>
-              <a:r>
-                <a:rPr lang="en-US" sz="760" dirty="0"/>
-                <a:t>0.8   0.85   0.9   0.95   0.99</a:t>
-              </a:r>
-            </a:p>
-          </p:txBody>
-        </p:sp>
-        <p:sp>
-          <p:nvSpPr>
-            <p:cNvPr id="89" name="TextBox 88">
-              <a:extLst>
-                <a:ext uri="{FF2B5EF4-FFF2-40B4-BE49-F238E27FC236}">
-                  <a16:creationId xmlns:a16="http://schemas.microsoft.com/office/drawing/2014/main" id="{4D762305-73B6-94D5-3E30-FE4A14D5FD5C}"/>
-                </a:ext>
-              </a:extLst>
-            </p:cNvPr>
-            <p:cNvSpPr txBox="1"/>
-            <p:nvPr/>
-          </p:nvSpPr>
-          <p:spPr>
-            <a:xfrm>
-              <a:off x="11951151" y="15645984"/>
-              <a:ext cx="1002369" cy="147902"/>
-            </a:xfrm>
-            <a:prstGeom prst="rect">
-              <a:avLst/>
-            </a:prstGeom>
-            <a:noFill/>
-          </p:spPr>
-          <p:txBody>
-            <a:bodyPr wrap="square" rtlCol="0">
-              <a:spAutoFit/>
-            </a:bodyPr>
-            <a:lstStyle/>
-            <a:p>
-              <a:pPr algn="ctr"/>
-              <a:r>
-                <a:rPr lang="en-US" sz="900" dirty="0"/>
-                <a:t>Variable importance</a:t>
-              </a:r>
-            </a:p>
-          </p:txBody>
-        </p:sp>
-        <p:pic>
-          <p:nvPicPr>
-            <p:cNvPr id="90" name="Graphic 89" descr="Checkmark with solid fill">
-              <a:extLst>
-                <a:ext uri="{FF2B5EF4-FFF2-40B4-BE49-F238E27FC236}">
-                  <a16:creationId xmlns:a16="http://schemas.microsoft.com/office/drawing/2014/main" id="{4A18341D-1B6E-037E-E206-4760F6133796}"/>
-                </a:ext>
-              </a:extLst>
-            </p:cNvPr>
-            <p:cNvPicPr>
-              <a:picLocks noChangeAspect="1"/>
-            </p:cNvPicPr>
-            <p:nvPr/>
-          </p:nvPicPr>
-          <p:blipFill>
-            <a:blip r:embed="rId8">
-              <a:extLst>
-                <a:ext uri="{96DAC541-7B7A-43D3-8B79-37D633B846F1}">
-                  <asvg:svgBlip xmlns:asvg="http://schemas.microsoft.com/office/drawing/2016/SVG/main" r:embed="rId9"/>
-                </a:ext>
-              </a:extLst>
-            </a:blip>
-            <a:stretch>
-              <a:fillRect/>
-            </a:stretch>
-          </p:blipFill>
-          <p:spPr>
-            <a:xfrm>
-              <a:off x="10081664" y="14465032"/>
-              <a:ext cx="109008" cy="109008"/>
-            </a:xfrm>
-            <a:prstGeom prst="rect">
-              <a:avLst/>
-            </a:prstGeom>
-          </p:spPr>
-        </p:pic>
-        <p:pic>
-          <p:nvPicPr>
-            <p:cNvPr id="91" name="Graphic 90" descr="Checkmark with solid fill">
-              <a:extLst>
-                <a:ext uri="{FF2B5EF4-FFF2-40B4-BE49-F238E27FC236}">
-                  <a16:creationId xmlns:a16="http://schemas.microsoft.com/office/drawing/2014/main" id="{9F650582-1339-931A-A8AC-42191D198B65}"/>
-                </a:ext>
-              </a:extLst>
-            </p:cNvPr>
-            <p:cNvPicPr>
-              <a:picLocks noChangeAspect="1"/>
-            </p:cNvPicPr>
-            <p:nvPr/>
-          </p:nvPicPr>
-          <p:blipFill>
-            <a:blip r:embed="rId8">
-              <a:extLst>
-                <a:ext uri="{96DAC541-7B7A-43D3-8B79-37D633B846F1}">
-                  <asvg:svgBlip xmlns:asvg="http://schemas.microsoft.com/office/drawing/2016/SVG/main" r:embed="rId9"/>
-                </a:ext>
-              </a:extLst>
-            </a:blip>
-            <a:stretch>
-              <a:fillRect/>
-            </a:stretch>
-          </p:blipFill>
-          <p:spPr>
-            <a:xfrm>
-              <a:off x="9700672" y="14982028"/>
-              <a:ext cx="109008" cy="109008"/>
-            </a:xfrm>
-            <a:prstGeom prst="rect">
-              <a:avLst/>
-            </a:prstGeom>
-          </p:spPr>
-        </p:pic>
-        <p:pic>
-          <p:nvPicPr>
-            <p:cNvPr id="92" name="Graphic 91" descr="Checkmark with solid fill">
-              <a:extLst>
-                <a:ext uri="{FF2B5EF4-FFF2-40B4-BE49-F238E27FC236}">
-                  <a16:creationId xmlns:a16="http://schemas.microsoft.com/office/drawing/2014/main" id="{66ADA7A9-66DA-3F88-BE75-44B32A5608E8}"/>
-                </a:ext>
-              </a:extLst>
-            </p:cNvPr>
-            <p:cNvPicPr>
-              <a:picLocks noChangeAspect="1"/>
-            </p:cNvPicPr>
-            <p:nvPr/>
-          </p:nvPicPr>
-          <p:blipFill>
-            <a:blip r:embed="rId8">
-              <a:extLst>
-                <a:ext uri="{96DAC541-7B7A-43D3-8B79-37D633B846F1}">
-                  <asvg:svgBlip xmlns:asvg="http://schemas.microsoft.com/office/drawing/2016/SVG/main" r:embed="rId9"/>
-                </a:ext>
-              </a:extLst>
-            </a:blip>
-            <a:stretch>
-              <a:fillRect/>
-            </a:stretch>
-          </p:blipFill>
-          <p:spPr>
-            <a:xfrm>
-              <a:off x="9678443" y="15327306"/>
-              <a:ext cx="109008" cy="109008"/>
-            </a:xfrm>
-            <a:prstGeom prst="rect">
-              <a:avLst/>
-            </a:prstGeom>
-          </p:spPr>
-        </p:pic>
-        <p:pic>
-          <p:nvPicPr>
-            <p:cNvPr id="93" name="Graphic 92" descr="Checkmark with solid fill">
-              <a:extLst>
-                <a:ext uri="{FF2B5EF4-FFF2-40B4-BE49-F238E27FC236}">
-                  <a16:creationId xmlns:a16="http://schemas.microsoft.com/office/drawing/2014/main" id="{6598D40C-69AE-8245-37AA-7CDD3821E85A}"/>
-                </a:ext>
-              </a:extLst>
-            </p:cNvPr>
-            <p:cNvPicPr>
-              <a:picLocks noChangeAspect="1"/>
-            </p:cNvPicPr>
-            <p:nvPr/>
-          </p:nvPicPr>
-          <p:blipFill>
-            <a:blip r:embed="rId8">
-              <a:extLst>
-                <a:ext uri="{96DAC541-7B7A-43D3-8B79-37D633B846F1}">
-                  <asvg:svgBlip xmlns:asvg="http://schemas.microsoft.com/office/drawing/2016/SVG/main" r:embed="rId9"/>
-                </a:ext>
-              </a:extLst>
-            </a:blip>
-            <a:stretch>
-              <a:fillRect/>
-            </a:stretch>
-          </p:blipFill>
-          <p:spPr>
-            <a:xfrm>
-              <a:off x="10130889" y="15669283"/>
-              <a:ext cx="109008" cy="109008"/>
-            </a:xfrm>
-            <a:prstGeom prst="rect">
-              <a:avLst/>
-            </a:prstGeom>
-          </p:spPr>
-        </p:pic>
-        <p:pic>
-          <p:nvPicPr>
-            <p:cNvPr id="94" name="Graphic 93" descr="Close with solid fill">
-              <a:extLst>
-                <a:ext uri="{FF2B5EF4-FFF2-40B4-BE49-F238E27FC236}">
-                  <a16:creationId xmlns:a16="http://schemas.microsoft.com/office/drawing/2014/main" id="{CB4828F7-2E36-02B9-B30D-3931C9B67516}"/>
-                </a:ext>
-              </a:extLst>
-            </p:cNvPr>
-            <p:cNvPicPr>
-              <a:picLocks noChangeAspect="1"/>
-            </p:cNvPicPr>
-            <p:nvPr/>
-          </p:nvPicPr>
-          <p:blipFill>
-            <a:blip r:embed="rId6">
-              <a:extLst>
-                <a:ext uri="{96DAC541-7B7A-43D3-8B79-37D633B846F1}">
-                  <asvg:svgBlip xmlns:asvg="http://schemas.microsoft.com/office/drawing/2016/SVG/main" r:embed="rId7"/>
-                </a:ext>
-              </a:extLst>
-            </a:blip>
-            <a:stretch>
-              <a:fillRect/>
-            </a:stretch>
-          </p:blipFill>
-          <p:spPr>
-            <a:xfrm>
-              <a:off x="9881931" y="15845357"/>
-              <a:ext cx="109008" cy="109008"/>
-            </a:xfrm>
-            <a:prstGeom prst="rect">
-              <a:avLst/>
-            </a:prstGeom>
-          </p:spPr>
-        </p:pic>
-        <p:pic>
-          <p:nvPicPr>
-            <p:cNvPr id="95" name="Graphic 94" descr="Close with solid fill">
-              <a:extLst>
-                <a:ext uri="{FF2B5EF4-FFF2-40B4-BE49-F238E27FC236}">
-                  <a16:creationId xmlns:a16="http://schemas.microsoft.com/office/drawing/2014/main" id="{07955844-2F11-5CBF-E233-2DCC9782CABF}"/>
-                </a:ext>
-              </a:extLst>
-            </p:cNvPr>
-            <p:cNvPicPr>
-              <a:picLocks noChangeAspect="1"/>
-            </p:cNvPicPr>
-            <p:nvPr/>
-          </p:nvPicPr>
-          <p:blipFill>
-            <a:blip r:embed="rId6">
-              <a:extLst>
-                <a:ext uri="{96DAC541-7B7A-43D3-8B79-37D633B846F1}">
-                  <asvg:svgBlip xmlns:asvg="http://schemas.microsoft.com/office/drawing/2016/SVG/main" r:embed="rId7"/>
-                </a:ext>
-              </a:extLst>
-            </a:blip>
-            <a:stretch>
-              <a:fillRect/>
-            </a:stretch>
-          </p:blipFill>
-          <p:spPr>
-            <a:xfrm>
-              <a:off x="9883262" y="14636020"/>
-              <a:ext cx="109008" cy="109008"/>
-            </a:xfrm>
-            <a:prstGeom prst="rect">
-              <a:avLst/>
-            </a:prstGeom>
-          </p:spPr>
-        </p:pic>
-      </p:grpSp>
+          </a:ln>
+        </p:spPr>
+        <p:style>
+          <a:lnRef idx="2">
+            <a:schemeClr val="accent1">
+              <a:shade val="15000"/>
+            </a:schemeClr>
+          </a:lnRef>
+          <a:fillRef idx="1">
+            <a:schemeClr val="accent1"/>
+          </a:fillRef>
+          <a:effectRef idx="0">
+            <a:schemeClr val="accent1"/>
+          </a:effectRef>
+          <a:fontRef idx="minor">
+            <a:schemeClr val="lt1"/>
+          </a:fontRef>
+        </p:style>
+        <p:txBody>
+          <a:bodyPr rtlCol="0" anchor="ctr"/>
+          <a:lstStyle/>
+          <a:p>
+            <a:pPr algn="ctr"/>
+            <a:endParaRPr lang="en-US"/>
+          </a:p>
+        </p:txBody>
+      </p:sp>
+      <p:sp>
+        <p:nvSpPr>
+          <p:cNvPr id="5" name="TextBox 4">
+            <a:extLst>
+              <a:ext uri="{FF2B5EF4-FFF2-40B4-BE49-F238E27FC236}">
+                <a16:creationId xmlns:a16="http://schemas.microsoft.com/office/drawing/2014/main" id="{8D0AB730-2F68-76DF-60F1-08DC5BFE06A9}"/>
+              </a:ext>
+            </a:extLst>
+          </p:cNvPr>
+          <p:cNvSpPr txBox="1"/>
+          <p:nvPr/>
+        </p:nvSpPr>
+        <p:spPr>
+          <a:xfrm>
+            <a:off x="23988379" y="23248339"/>
+            <a:ext cx="385037" cy="207749"/>
+          </a:xfrm>
+          <a:prstGeom prst="rect">
+            <a:avLst/>
+          </a:prstGeom>
+          <a:noFill/>
+        </p:spPr>
+        <p:txBody>
+          <a:bodyPr wrap="square" rtlCol="0">
+            <a:spAutoFit/>
+          </a:bodyPr>
+          <a:lstStyle/>
+          <a:p>
+            <a:pPr algn="ctr"/>
+            <a:r>
+              <a:rPr lang="en-US" sz="750" dirty="0"/>
+              <a:t>0.85</a:t>
+            </a:r>
+          </a:p>
+        </p:txBody>
+      </p:sp>
+      <p:sp>
+        <p:nvSpPr>
+          <p:cNvPr id="7" name="TextBox 6">
+            <a:extLst>
+              <a:ext uri="{FF2B5EF4-FFF2-40B4-BE49-F238E27FC236}">
+                <a16:creationId xmlns:a16="http://schemas.microsoft.com/office/drawing/2014/main" id="{676FC20B-7079-C74A-50B9-C3E6C603D307}"/>
+              </a:ext>
+            </a:extLst>
+          </p:cNvPr>
+          <p:cNvSpPr txBox="1"/>
+          <p:nvPr/>
+        </p:nvSpPr>
+        <p:spPr>
+          <a:xfrm>
+            <a:off x="24231798" y="23248340"/>
+            <a:ext cx="385037" cy="207749"/>
+          </a:xfrm>
+          <a:prstGeom prst="rect">
+            <a:avLst/>
+          </a:prstGeom>
+          <a:noFill/>
+        </p:spPr>
+        <p:txBody>
+          <a:bodyPr wrap="square" rtlCol="0">
+            <a:spAutoFit/>
+          </a:bodyPr>
+          <a:lstStyle/>
+          <a:p>
+            <a:pPr algn="ctr"/>
+            <a:r>
+              <a:rPr lang="en-US" sz="750" dirty="0"/>
+              <a:t>0.9</a:t>
+            </a:r>
+          </a:p>
+        </p:txBody>
+      </p:sp>
+      <p:sp>
+        <p:nvSpPr>
+          <p:cNvPr id="8" name="TextBox 7">
+            <a:extLst>
+              <a:ext uri="{FF2B5EF4-FFF2-40B4-BE49-F238E27FC236}">
+                <a16:creationId xmlns:a16="http://schemas.microsoft.com/office/drawing/2014/main" id="{D73D0DB3-387D-4317-E1B2-32D739185916}"/>
+              </a:ext>
+            </a:extLst>
+          </p:cNvPr>
+          <p:cNvSpPr txBox="1"/>
+          <p:nvPr/>
+        </p:nvSpPr>
+        <p:spPr>
+          <a:xfrm>
+            <a:off x="24477335" y="23248337"/>
+            <a:ext cx="385037" cy="207749"/>
+          </a:xfrm>
+          <a:prstGeom prst="rect">
+            <a:avLst/>
+          </a:prstGeom>
+          <a:noFill/>
+        </p:spPr>
+        <p:txBody>
+          <a:bodyPr wrap="square" rtlCol="0">
+            <a:spAutoFit/>
+          </a:bodyPr>
+          <a:lstStyle/>
+          <a:p>
+            <a:pPr algn="ctr"/>
+            <a:r>
+              <a:rPr lang="en-US" sz="750" dirty="0"/>
+              <a:t>0.95</a:t>
+            </a:r>
+          </a:p>
+        </p:txBody>
+      </p:sp>
+      <p:sp>
+        <p:nvSpPr>
+          <p:cNvPr id="9" name="TextBox 8">
+            <a:extLst>
+              <a:ext uri="{FF2B5EF4-FFF2-40B4-BE49-F238E27FC236}">
+                <a16:creationId xmlns:a16="http://schemas.microsoft.com/office/drawing/2014/main" id="{DC595573-2F64-6B8C-03D9-749277B9057D}"/>
+              </a:ext>
+            </a:extLst>
+          </p:cNvPr>
+          <p:cNvSpPr txBox="1"/>
+          <p:nvPr/>
+        </p:nvSpPr>
+        <p:spPr>
+          <a:xfrm>
+            <a:off x="24726063" y="23248334"/>
+            <a:ext cx="385037" cy="207749"/>
+          </a:xfrm>
+          <a:prstGeom prst="rect">
+            <a:avLst/>
+          </a:prstGeom>
+          <a:noFill/>
+        </p:spPr>
+        <p:txBody>
+          <a:bodyPr wrap="square" rtlCol="0">
+            <a:spAutoFit/>
+          </a:bodyPr>
+          <a:lstStyle/>
+          <a:p>
+            <a:pPr algn="ctr"/>
+            <a:r>
+              <a:rPr lang="en-US" sz="750" dirty="0"/>
+              <a:t>0.99</a:t>
+            </a:r>
+          </a:p>
+        </p:txBody>
+      </p:sp>
     </p:spTree>
   </p:cSld>
   <p:clrMapOvr>
@@ -18545,10 +18821,10 @@
       </p:grpSpPr>
       <p:pic>
         <p:nvPicPr>
-          <p:cNvPr id="9" name="Graphic 8">
+          <p:cNvPr id="12" name="Graphic 11">
             <a:extLst>
               <a:ext uri="{FF2B5EF4-FFF2-40B4-BE49-F238E27FC236}">
-                <a16:creationId xmlns:a16="http://schemas.microsoft.com/office/drawing/2014/main" id="{46B21FE3-CD44-F346-1CC2-BE3FED7355A0}"/>
+                <a16:creationId xmlns:a16="http://schemas.microsoft.com/office/drawing/2014/main" id="{3D930603-D5CD-1149-06A4-4D93E558CDAA}"/>
               </a:ext>
             </a:extLst>
           </p:cNvPr>
@@ -18565,13 +18841,13 @@
               </a:ext>
             </a:extLst>
           </a:blip>
-          <a:srcRect l="48415" t="45470" r="34793" b="43803"/>
+          <a:srcRect l="55159" t="59445" r="27453" b="23749"/>
           <a:stretch/>
         </p:blipFill>
         <p:spPr>
           <a:xfrm>
-            <a:off x="434340" y="9692639"/>
-            <a:ext cx="35707320" cy="20528281"/>
+            <a:off x="0" y="532086"/>
+            <a:ext cx="36576000" cy="31814814"/>
           </a:xfrm>
           <a:prstGeom prst="rect">
             <a:avLst/>

--- a/figures/fig4.pptx
+++ b/figures/fig4.pptx
@@ -258,7 +258,7 @@
       </p15:sldGuideLst>
     </p:ext>
     <p:ext uri="http://customooxmlschemas.google.com/">
-      <go:slidesCustomData xmlns:go="http://customooxmlschemas.google.com/" xmlns:ahyp="http://schemas.microsoft.com/office/drawing/2018/hyperlinkcolor" xmlns:p15="http://schemas.microsoft.com/office/powerpoint/2012/main" xmlns:p14="http://schemas.microsoft.com/office/powerpoint/2010/main" xmlns:com="http://schemas.openxmlformats.org/drawingml/2006/compatibility" xmlns:pvml="urn:schemas-microsoft-com:office:powerpoint" xmlns:v="urn:schemas-microsoft-com:vml" xmlns:o="urn:schemas-microsoft-com:office:office" xmlns:dgm="http://schemas.openxmlformats.org/drawingml/2006/diagram" xmlns:c="http://schemas.openxmlformats.org/drawingml/2006/chart" xmlns:mv="urn:schemas-microsoft-com:mac:vml" xmlns:mc="http://schemas.openxmlformats.org/markup-compatibility/2006" xmlns="" r:id="rId10" roundtripDataSignature="AMtx7mhiytGPk8UOxiAGs9KaAxakDbg4SQ=="/>
+      <go:slidesCustomData xmlns="" xmlns:mc="http://schemas.openxmlformats.org/markup-compatibility/2006" xmlns:mv="urn:schemas-microsoft-com:mac:vml" xmlns:c="http://schemas.openxmlformats.org/drawingml/2006/chart" xmlns:dgm="http://schemas.openxmlformats.org/drawingml/2006/diagram" xmlns:o="urn:schemas-microsoft-com:office:office" xmlns:v="urn:schemas-microsoft-com:vml" xmlns:pvml="urn:schemas-microsoft-com:office:powerpoint" xmlns:com="http://schemas.openxmlformats.org/drawingml/2006/compatibility" xmlns:p14="http://schemas.microsoft.com/office/powerpoint/2010/main" xmlns:p15="http://schemas.microsoft.com/office/powerpoint/2012/main" xmlns:ahyp="http://schemas.microsoft.com/office/drawing/2018/hyperlinkcolor" xmlns:go="http://customooxmlschemas.google.com/" r:id="rId10" roundtripDataSignature="AMtx7mhiytGPk8UOxiAGs9KaAxakDbg4SQ=="/>
     </p:ext>
   </p:extLst>
 </p:presentation>
@@ -12627,47 +12627,12 @@
           <a:chExt cx="0" cy="0"/>
         </a:xfrm>
       </p:grpSpPr>
-      <p:pic>
-        <p:nvPicPr>
-          <p:cNvPr id="27" name="Graphic 26">
+      <p:grpSp>
+        <p:nvGrpSpPr>
+          <p:cNvPr id="6" name="Group 5">
             <a:extLst>
               <a:ext uri="{FF2B5EF4-FFF2-40B4-BE49-F238E27FC236}">
-                <a16:creationId xmlns:a16="http://schemas.microsoft.com/office/drawing/2014/main" id="{89DADBEB-343B-B172-F29A-CB253DF1AEB7}"/>
-              </a:ext>
-            </a:extLst>
-          </p:cNvPr>
-          <p:cNvPicPr>
-            <a:picLocks noChangeAspect="1"/>
-          </p:cNvPicPr>
-          <p:nvPr/>
-        </p:nvPicPr>
-        <p:blipFill>
-          <a:blip r:embed="rId3">
-            <a:extLst>
-              <a:ext uri="{96DAC541-7B7A-43D3-8B79-37D633B846F1}">
-                <asvg:svgBlip xmlns:asvg="http://schemas.microsoft.com/office/drawing/2016/SVG/main" r:embed="rId4"/>
-              </a:ext>
-            </a:extLst>
-          </a:blip>
-          <a:srcRect l="1582" t="15379" r="19757" b="17306"/>
-          <a:stretch/>
-        </p:blipFill>
-        <p:spPr>
-          <a:xfrm>
-            <a:off x="20639288" y="20705292"/>
-            <a:ext cx="4876849" cy="3257550"/>
-          </a:xfrm>
-          <a:prstGeom prst="rect">
-            <a:avLst/>
-          </a:prstGeom>
-        </p:spPr>
-      </p:pic>
-      <p:grpSp>
-        <p:nvGrpSpPr>
-          <p:cNvPr id="131" name="Group 130">
-            <a:extLst>
-              <a:ext uri="{FF2B5EF4-FFF2-40B4-BE49-F238E27FC236}">
-                <a16:creationId xmlns:a16="http://schemas.microsoft.com/office/drawing/2014/main" id="{C8E67891-9FCD-8E34-9C00-15074446A038}"/>
+                <a16:creationId xmlns:a16="http://schemas.microsoft.com/office/drawing/2014/main" id="{610F067C-8271-E1A4-A0DC-1F088F8BD5BD}"/>
               </a:ext>
             </a:extLst>
           </p:cNvPr>
@@ -12676,18 +12641,18 @@
         </p:nvGrpSpPr>
         <p:grpSpPr>
           <a:xfrm>
-            <a:off x="38537190" y="8516924"/>
-            <a:ext cx="10700329" cy="7942276"/>
-            <a:chOff x="21947361" y="790268"/>
-            <a:chExt cx="10700329" cy="7942276"/>
+            <a:off x="334345" y="2792441"/>
+            <a:ext cx="35699192" cy="28587410"/>
+            <a:chOff x="15418888" y="14109699"/>
+            <a:chExt cx="6710626" cy="5276073"/>
           </a:xfrm>
         </p:grpSpPr>
         <p:pic>
           <p:nvPicPr>
-            <p:cNvPr id="47" name="Picture 46" descr="A comparison of a comparison of a model&#10;&#10;AI-generated content may be incorrect.">
+            <p:cNvPr id="4" name="Graphic 3">
               <a:extLst>
                 <a:ext uri="{FF2B5EF4-FFF2-40B4-BE49-F238E27FC236}">
-                  <a16:creationId xmlns:a16="http://schemas.microsoft.com/office/drawing/2014/main" id="{800D97E8-AFFB-95B1-6DF5-A8B29BE40239}"/>
+                  <a16:creationId xmlns:a16="http://schemas.microsoft.com/office/drawing/2014/main" id="{C53BF965-4E10-37C8-BDD9-C8BC76A11342}"/>
                 </a:ext>
               </a:extLst>
             </p:cNvPr>
@@ -12697,1120 +12662,33 @@
             <p:nvPr/>
           </p:nvPicPr>
           <p:blipFill>
-            <a:blip r:embed="rId5"/>
-            <a:srcRect t="16391"/>
-            <a:stretch/>
+            <a:blip r:embed="rId3">
+              <a:extLst>
+                <a:ext uri="{96DAC541-7B7A-43D3-8B79-37D633B846F1}">
+                  <asvg:svgBlip xmlns:asvg="http://schemas.microsoft.com/office/drawing/2016/SVG/main" r:embed="rId4"/>
+                </a:ext>
+              </a:extLst>
+            </a:blip>
+            <a:stretch>
+              <a:fillRect/>
+            </a:stretch>
           </p:blipFill>
           <p:spPr>
             <a:xfrm>
-              <a:off x="21947361" y="1872564"/>
-              <a:ext cx="10700329" cy="6859980"/>
+              <a:off x="15652260" y="14109699"/>
+              <a:ext cx="6477254" cy="5276073"/>
             </a:xfrm>
             <a:prstGeom prst="rect">
               <a:avLst/>
             </a:prstGeom>
           </p:spPr>
         </p:pic>
-        <p:sp>
-          <p:nvSpPr>
-            <p:cNvPr id="49" name="Left Brace 48">
+        <p:pic>
+          <p:nvPicPr>
+            <p:cNvPr id="185" name="Graphic 184" descr="Checkmark with solid fill">
               <a:extLst>
                 <a:ext uri="{FF2B5EF4-FFF2-40B4-BE49-F238E27FC236}">
-                  <a16:creationId xmlns:a16="http://schemas.microsoft.com/office/drawing/2014/main" id="{A152576C-F75B-00FD-FD94-D561C534BB76}"/>
-                </a:ext>
-              </a:extLst>
-            </p:cNvPr>
-            <p:cNvSpPr/>
-            <p:nvPr/>
-          </p:nvSpPr>
-          <p:spPr>
-            <a:xfrm rot="5400000">
-              <a:off x="24456827" y="1013903"/>
-              <a:ext cx="236606" cy="1519591"/>
-            </a:xfrm>
-            <a:prstGeom prst="leftBrace">
-              <a:avLst>
-                <a:gd name="adj1" fmla="val 35744"/>
-                <a:gd name="adj2" fmla="val 50000"/>
-              </a:avLst>
-            </a:prstGeom>
-            <a:ln/>
-            <a:effectLst/>
-          </p:spPr>
-          <p:style>
-            <a:lnRef idx="2">
-              <a:schemeClr val="dk1"/>
-            </a:lnRef>
-            <a:fillRef idx="0">
-              <a:schemeClr val="dk1"/>
-            </a:fillRef>
-            <a:effectRef idx="1">
-              <a:schemeClr val="dk1"/>
-            </a:effectRef>
-            <a:fontRef idx="minor">
-              <a:schemeClr val="tx1"/>
-            </a:fontRef>
-          </p:style>
-          <p:txBody>
-            <a:bodyPr rtlCol="0" anchor="ctr"/>
-            <a:lstStyle>
-              <a:defPPr marR="0" lvl="0" algn="l" rtl="0">
-                <a:lnSpc>
-                  <a:spcPct val="100000"/>
-                </a:lnSpc>
-                <a:spcBef>
-                  <a:spcPts val="0"/>
-                </a:spcBef>
-                <a:spcAft>
-                  <a:spcPts val="0"/>
-                </a:spcAft>
-              </a:defPPr>
-              <a:lvl1pPr marR="0" lvl="0" algn="l" rtl="0">
-                <a:lnSpc>
-                  <a:spcPct val="100000"/>
-                </a:lnSpc>
-                <a:spcBef>
-                  <a:spcPts val="0"/>
-                </a:spcBef>
-                <a:spcAft>
-                  <a:spcPts val="0"/>
-                </a:spcAft>
-                <a:buClr>
-                  <a:srgbClr val="000000"/>
-                </a:buClr>
-                <a:buFont typeface="Arial"/>
-                <a:defRPr sz="1400" b="0" i="0" u="none" strike="noStrike" cap="none">
-                  <a:solidFill>
-                    <a:schemeClr val="tx1"/>
-                  </a:solidFill>
-                  <a:latin typeface="+mn-lt"/>
-                  <a:ea typeface="+mn-ea"/>
-                  <a:cs typeface="+mn-cs"/>
-                  <a:sym typeface="Arial"/>
-                </a:defRPr>
-              </a:lvl1pPr>
-              <a:lvl2pPr marR="0" lvl="1" algn="l" rtl="0">
-                <a:lnSpc>
-                  <a:spcPct val="100000"/>
-                </a:lnSpc>
-                <a:spcBef>
-                  <a:spcPts val="0"/>
-                </a:spcBef>
-                <a:spcAft>
-                  <a:spcPts val="0"/>
-                </a:spcAft>
-                <a:buClr>
-                  <a:srgbClr val="000000"/>
-                </a:buClr>
-                <a:buFont typeface="Arial"/>
-                <a:defRPr sz="1400" b="0" i="0" u="none" strike="noStrike" cap="none">
-                  <a:solidFill>
-                    <a:schemeClr val="tx1"/>
-                  </a:solidFill>
-                  <a:latin typeface="+mn-lt"/>
-                  <a:ea typeface="+mn-ea"/>
-                  <a:cs typeface="+mn-cs"/>
-                  <a:sym typeface="Arial"/>
-                </a:defRPr>
-              </a:lvl2pPr>
-              <a:lvl3pPr marR="0" lvl="2" algn="l" rtl="0">
-                <a:lnSpc>
-                  <a:spcPct val="100000"/>
-                </a:lnSpc>
-                <a:spcBef>
-                  <a:spcPts val="0"/>
-                </a:spcBef>
-                <a:spcAft>
-                  <a:spcPts val="0"/>
-                </a:spcAft>
-                <a:buClr>
-                  <a:srgbClr val="000000"/>
-                </a:buClr>
-                <a:buFont typeface="Arial"/>
-                <a:defRPr sz="1400" b="0" i="0" u="none" strike="noStrike" cap="none">
-                  <a:solidFill>
-                    <a:schemeClr val="tx1"/>
-                  </a:solidFill>
-                  <a:latin typeface="+mn-lt"/>
-                  <a:ea typeface="+mn-ea"/>
-                  <a:cs typeface="+mn-cs"/>
-                  <a:sym typeface="Arial"/>
-                </a:defRPr>
-              </a:lvl3pPr>
-              <a:lvl4pPr marR="0" lvl="3" algn="l" rtl="0">
-                <a:lnSpc>
-                  <a:spcPct val="100000"/>
-                </a:lnSpc>
-                <a:spcBef>
-                  <a:spcPts val="0"/>
-                </a:spcBef>
-                <a:spcAft>
-                  <a:spcPts val="0"/>
-                </a:spcAft>
-                <a:buClr>
-                  <a:srgbClr val="000000"/>
-                </a:buClr>
-                <a:buFont typeface="Arial"/>
-                <a:defRPr sz="1400" b="0" i="0" u="none" strike="noStrike" cap="none">
-                  <a:solidFill>
-                    <a:schemeClr val="tx1"/>
-                  </a:solidFill>
-                  <a:latin typeface="+mn-lt"/>
-                  <a:ea typeface="+mn-ea"/>
-                  <a:cs typeface="+mn-cs"/>
-                  <a:sym typeface="Arial"/>
-                </a:defRPr>
-              </a:lvl4pPr>
-              <a:lvl5pPr marR="0" lvl="4" algn="l" rtl="0">
-                <a:lnSpc>
-                  <a:spcPct val="100000"/>
-                </a:lnSpc>
-                <a:spcBef>
-                  <a:spcPts val="0"/>
-                </a:spcBef>
-                <a:spcAft>
-                  <a:spcPts val="0"/>
-                </a:spcAft>
-                <a:buClr>
-                  <a:srgbClr val="000000"/>
-                </a:buClr>
-                <a:buFont typeface="Arial"/>
-                <a:defRPr sz="1400" b="0" i="0" u="none" strike="noStrike" cap="none">
-                  <a:solidFill>
-                    <a:schemeClr val="tx1"/>
-                  </a:solidFill>
-                  <a:latin typeface="+mn-lt"/>
-                  <a:ea typeface="+mn-ea"/>
-                  <a:cs typeface="+mn-cs"/>
-                  <a:sym typeface="Arial"/>
-                </a:defRPr>
-              </a:lvl5pPr>
-              <a:lvl6pPr marR="0" lvl="5" algn="l" rtl="0">
-                <a:lnSpc>
-                  <a:spcPct val="100000"/>
-                </a:lnSpc>
-                <a:spcBef>
-                  <a:spcPts val="0"/>
-                </a:spcBef>
-                <a:spcAft>
-                  <a:spcPts val="0"/>
-                </a:spcAft>
-                <a:buClr>
-                  <a:srgbClr val="000000"/>
-                </a:buClr>
-                <a:buFont typeface="Arial"/>
-                <a:defRPr sz="1400" b="0" i="0" u="none" strike="noStrike" cap="none">
-                  <a:solidFill>
-                    <a:schemeClr val="tx1"/>
-                  </a:solidFill>
-                  <a:latin typeface="+mn-lt"/>
-                  <a:ea typeface="+mn-ea"/>
-                  <a:cs typeface="+mn-cs"/>
-                  <a:sym typeface="Arial"/>
-                </a:defRPr>
-              </a:lvl6pPr>
-              <a:lvl7pPr marR="0" lvl="6" algn="l" rtl="0">
-                <a:lnSpc>
-                  <a:spcPct val="100000"/>
-                </a:lnSpc>
-                <a:spcBef>
-                  <a:spcPts val="0"/>
-                </a:spcBef>
-                <a:spcAft>
-                  <a:spcPts val="0"/>
-                </a:spcAft>
-                <a:buClr>
-                  <a:srgbClr val="000000"/>
-                </a:buClr>
-                <a:buFont typeface="Arial"/>
-                <a:defRPr sz="1400" b="0" i="0" u="none" strike="noStrike" cap="none">
-                  <a:solidFill>
-                    <a:schemeClr val="tx1"/>
-                  </a:solidFill>
-                  <a:latin typeface="+mn-lt"/>
-                  <a:ea typeface="+mn-ea"/>
-                  <a:cs typeface="+mn-cs"/>
-                  <a:sym typeface="Arial"/>
-                </a:defRPr>
-              </a:lvl7pPr>
-              <a:lvl8pPr marR="0" lvl="7" algn="l" rtl="0">
-                <a:lnSpc>
-                  <a:spcPct val="100000"/>
-                </a:lnSpc>
-                <a:spcBef>
-                  <a:spcPts val="0"/>
-                </a:spcBef>
-                <a:spcAft>
-                  <a:spcPts val="0"/>
-                </a:spcAft>
-                <a:buClr>
-                  <a:srgbClr val="000000"/>
-                </a:buClr>
-                <a:buFont typeface="Arial"/>
-                <a:defRPr sz="1400" b="0" i="0" u="none" strike="noStrike" cap="none">
-                  <a:solidFill>
-                    <a:schemeClr val="tx1"/>
-                  </a:solidFill>
-                  <a:latin typeface="+mn-lt"/>
-                  <a:ea typeface="+mn-ea"/>
-                  <a:cs typeface="+mn-cs"/>
-                  <a:sym typeface="Arial"/>
-                </a:defRPr>
-              </a:lvl8pPr>
-              <a:lvl9pPr marR="0" lvl="8" algn="l" rtl="0">
-                <a:lnSpc>
-                  <a:spcPct val="100000"/>
-                </a:lnSpc>
-                <a:spcBef>
-                  <a:spcPts val="0"/>
-                </a:spcBef>
-                <a:spcAft>
-                  <a:spcPts val="0"/>
-                </a:spcAft>
-                <a:buClr>
-                  <a:srgbClr val="000000"/>
-                </a:buClr>
-                <a:buFont typeface="Arial"/>
-                <a:defRPr sz="1400" b="0" i="0" u="none" strike="noStrike" cap="none">
-                  <a:solidFill>
-                    <a:schemeClr val="tx1"/>
-                  </a:solidFill>
-                  <a:latin typeface="+mn-lt"/>
-                  <a:ea typeface="+mn-ea"/>
-                  <a:cs typeface="+mn-cs"/>
-                  <a:sym typeface="Arial"/>
-                </a:defRPr>
-              </a:lvl9pPr>
-            </a:lstStyle>
-            <a:p>
-              <a:pPr algn="ctr"/>
-              <a:endParaRPr lang="en-US">
-                <a:ln>
-                  <a:solidFill>
-                    <a:schemeClr val="tx1"/>
-                  </a:solidFill>
-                </a:ln>
-              </a:endParaRPr>
-            </a:p>
-          </p:txBody>
-        </p:sp>
-        <p:sp>
-          <p:nvSpPr>
-            <p:cNvPr id="51" name="Left Brace 50">
-              <a:extLst>
-                <a:ext uri="{FF2B5EF4-FFF2-40B4-BE49-F238E27FC236}">
-                  <a16:creationId xmlns:a16="http://schemas.microsoft.com/office/drawing/2014/main" id="{EF32D247-5165-5D77-9141-42289F3160EA}"/>
-                </a:ext>
-              </a:extLst>
-            </p:cNvPr>
-            <p:cNvSpPr/>
-            <p:nvPr/>
-          </p:nvSpPr>
-          <p:spPr>
-            <a:xfrm rot="5400000">
-              <a:off x="29505496" y="1323355"/>
-              <a:ext cx="236604" cy="900692"/>
-            </a:xfrm>
-            <a:prstGeom prst="leftBrace">
-              <a:avLst>
-                <a:gd name="adj1" fmla="val 35744"/>
-                <a:gd name="adj2" fmla="val 50000"/>
-              </a:avLst>
-            </a:prstGeom>
-            <a:ln/>
-            <a:effectLst/>
-          </p:spPr>
-          <p:style>
-            <a:lnRef idx="2">
-              <a:schemeClr val="dk1"/>
-            </a:lnRef>
-            <a:fillRef idx="0">
-              <a:schemeClr val="dk1"/>
-            </a:fillRef>
-            <a:effectRef idx="1">
-              <a:schemeClr val="dk1"/>
-            </a:effectRef>
-            <a:fontRef idx="minor">
-              <a:schemeClr val="tx1"/>
-            </a:fontRef>
-          </p:style>
-          <p:txBody>
-            <a:bodyPr rtlCol="0" anchor="ctr"/>
-            <a:lstStyle>
-              <a:defPPr marR="0" lvl="0" algn="l" rtl="0">
-                <a:lnSpc>
-                  <a:spcPct val="100000"/>
-                </a:lnSpc>
-                <a:spcBef>
-                  <a:spcPts val="0"/>
-                </a:spcBef>
-                <a:spcAft>
-                  <a:spcPts val="0"/>
-                </a:spcAft>
-              </a:defPPr>
-              <a:lvl1pPr marR="0" lvl="0" algn="l" rtl="0">
-                <a:lnSpc>
-                  <a:spcPct val="100000"/>
-                </a:lnSpc>
-                <a:spcBef>
-                  <a:spcPts val="0"/>
-                </a:spcBef>
-                <a:spcAft>
-                  <a:spcPts val="0"/>
-                </a:spcAft>
-                <a:buClr>
-                  <a:srgbClr val="000000"/>
-                </a:buClr>
-                <a:buFont typeface="Arial"/>
-                <a:defRPr sz="1400" b="0" i="0" u="none" strike="noStrike" cap="none">
-                  <a:solidFill>
-                    <a:schemeClr val="tx1"/>
-                  </a:solidFill>
-                  <a:latin typeface="+mn-lt"/>
-                  <a:ea typeface="+mn-ea"/>
-                  <a:cs typeface="+mn-cs"/>
-                  <a:sym typeface="Arial"/>
-                </a:defRPr>
-              </a:lvl1pPr>
-              <a:lvl2pPr marR="0" lvl="1" algn="l" rtl="0">
-                <a:lnSpc>
-                  <a:spcPct val="100000"/>
-                </a:lnSpc>
-                <a:spcBef>
-                  <a:spcPts val="0"/>
-                </a:spcBef>
-                <a:spcAft>
-                  <a:spcPts val="0"/>
-                </a:spcAft>
-                <a:buClr>
-                  <a:srgbClr val="000000"/>
-                </a:buClr>
-                <a:buFont typeface="Arial"/>
-                <a:defRPr sz="1400" b="0" i="0" u="none" strike="noStrike" cap="none">
-                  <a:solidFill>
-                    <a:schemeClr val="tx1"/>
-                  </a:solidFill>
-                  <a:latin typeface="+mn-lt"/>
-                  <a:ea typeface="+mn-ea"/>
-                  <a:cs typeface="+mn-cs"/>
-                  <a:sym typeface="Arial"/>
-                </a:defRPr>
-              </a:lvl2pPr>
-              <a:lvl3pPr marR="0" lvl="2" algn="l" rtl="0">
-                <a:lnSpc>
-                  <a:spcPct val="100000"/>
-                </a:lnSpc>
-                <a:spcBef>
-                  <a:spcPts val="0"/>
-                </a:spcBef>
-                <a:spcAft>
-                  <a:spcPts val="0"/>
-                </a:spcAft>
-                <a:buClr>
-                  <a:srgbClr val="000000"/>
-                </a:buClr>
-                <a:buFont typeface="Arial"/>
-                <a:defRPr sz="1400" b="0" i="0" u="none" strike="noStrike" cap="none">
-                  <a:solidFill>
-                    <a:schemeClr val="tx1"/>
-                  </a:solidFill>
-                  <a:latin typeface="+mn-lt"/>
-                  <a:ea typeface="+mn-ea"/>
-                  <a:cs typeface="+mn-cs"/>
-                  <a:sym typeface="Arial"/>
-                </a:defRPr>
-              </a:lvl3pPr>
-              <a:lvl4pPr marR="0" lvl="3" algn="l" rtl="0">
-                <a:lnSpc>
-                  <a:spcPct val="100000"/>
-                </a:lnSpc>
-                <a:spcBef>
-                  <a:spcPts val="0"/>
-                </a:spcBef>
-                <a:spcAft>
-                  <a:spcPts val="0"/>
-                </a:spcAft>
-                <a:buClr>
-                  <a:srgbClr val="000000"/>
-                </a:buClr>
-                <a:buFont typeface="Arial"/>
-                <a:defRPr sz="1400" b="0" i="0" u="none" strike="noStrike" cap="none">
-                  <a:solidFill>
-                    <a:schemeClr val="tx1"/>
-                  </a:solidFill>
-                  <a:latin typeface="+mn-lt"/>
-                  <a:ea typeface="+mn-ea"/>
-                  <a:cs typeface="+mn-cs"/>
-                  <a:sym typeface="Arial"/>
-                </a:defRPr>
-              </a:lvl4pPr>
-              <a:lvl5pPr marR="0" lvl="4" algn="l" rtl="0">
-                <a:lnSpc>
-                  <a:spcPct val="100000"/>
-                </a:lnSpc>
-                <a:spcBef>
-                  <a:spcPts val="0"/>
-                </a:spcBef>
-                <a:spcAft>
-                  <a:spcPts val="0"/>
-                </a:spcAft>
-                <a:buClr>
-                  <a:srgbClr val="000000"/>
-                </a:buClr>
-                <a:buFont typeface="Arial"/>
-                <a:defRPr sz="1400" b="0" i="0" u="none" strike="noStrike" cap="none">
-                  <a:solidFill>
-                    <a:schemeClr val="tx1"/>
-                  </a:solidFill>
-                  <a:latin typeface="+mn-lt"/>
-                  <a:ea typeface="+mn-ea"/>
-                  <a:cs typeface="+mn-cs"/>
-                  <a:sym typeface="Arial"/>
-                </a:defRPr>
-              </a:lvl5pPr>
-              <a:lvl6pPr marR="0" lvl="5" algn="l" rtl="0">
-                <a:lnSpc>
-                  <a:spcPct val="100000"/>
-                </a:lnSpc>
-                <a:spcBef>
-                  <a:spcPts val="0"/>
-                </a:spcBef>
-                <a:spcAft>
-                  <a:spcPts val="0"/>
-                </a:spcAft>
-                <a:buClr>
-                  <a:srgbClr val="000000"/>
-                </a:buClr>
-                <a:buFont typeface="Arial"/>
-                <a:defRPr sz="1400" b="0" i="0" u="none" strike="noStrike" cap="none">
-                  <a:solidFill>
-                    <a:schemeClr val="tx1"/>
-                  </a:solidFill>
-                  <a:latin typeface="+mn-lt"/>
-                  <a:ea typeface="+mn-ea"/>
-                  <a:cs typeface="+mn-cs"/>
-                  <a:sym typeface="Arial"/>
-                </a:defRPr>
-              </a:lvl6pPr>
-              <a:lvl7pPr marR="0" lvl="6" algn="l" rtl="0">
-                <a:lnSpc>
-                  <a:spcPct val="100000"/>
-                </a:lnSpc>
-                <a:spcBef>
-                  <a:spcPts val="0"/>
-                </a:spcBef>
-                <a:spcAft>
-                  <a:spcPts val="0"/>
-                </a:spcAft>
-                <a:buClr>
-                  <a:srgbClr val="000000"/>
-                </a:buClr>
-                <a:buFont typeface="Arial"/>
-                <a:defRPr sz="1400" b="0" i="0" u="none" strike="noStrike" cap="none">
-                  <a:solidFill>
-                    <a:schemeClr val="tx1"/>
-                  </a:solidFill>
-                  <a:latin typeface="+mn-lt"/>
-                  <a:ea typeface="+mn-ea"/>
-                  <a:cs typeface="+mn-cs"/>
-                  <a:sym typeface="Arial"/>
-                </a:defRPr>
-              </a:lvl7pPr>
-              <a:lvl8pPr marR="0" lvl="7" algn="l" rtl="0">
-                <a:lnSpc>
-                  <a:spcPct val="100000"/>
-                </a:lnSpc>
-                <a:spcBef>
-                  <a:spcPts val="0"/>
-                </a:spcBef>
-                <a:spcAft>
-                  <a:spcPts val="0"/>
-                </a:spcAft>
-                <a:buClr>
-                  <a:srgbClr val="000000"/>
-                </a:buClr>
-                <a:buFont typeface="Arial"/>
-                <a:defRPr sz="1400" b="0" i="0" u="none" strike="noStrike" cap="none">
-                  <a:solidFill>
-                    <a:schemeClr val="tx1"/>
-                  </a:solidFill>
-                  <a:latin typeface="+mn-lt"/>
-                  <a:ea typeface="+mn-ea"/>
-                  <a:cs typeface="+mn-cs"/>
-                  <a:sym typeface="Arial"/>
-                </a:defRPr>
-              </a:lvl8pPr>
-              <a:lvl9pPr marR="0" lvl="8" algn="l" rtl="0">
-                <a:lnSpc>
-                  <a:spcPct val="100000"/>
-                </a:lnSpc>
-                <a:spcBef>
-                  <a:spcPts val="0"/>
-                </a:spcBef>
-                <a:spcAft>
-                  <a:spcPts val="0"/>
-                </a:spcAft>
-                <a:buClr>
-                  <a:srgbClr val="000000"/>
-                </a:buClr>
-                <a:buFont typeface="Arial"/>
-                <a:defRPr sz="1400" b="0" i="0" u="none" strike="noStrike" cap="none">
-                  <a:solidFill>
-                    <a:schemeClr val="tx1"/>
-                  </a:solidFill>
-                  <a:latin typeface="+mn-lt"/>
-                  <a:ea typeface="+mn-ea"/>
-                  <a:cs typeface="+mn-cs"/>
-                  <a:sym typeface="Arial"/>
-                </a:defRPr>
-              </a:lvl9pPr>
-            </a:lstStyle>
-            <a:p>
-              <a:pPr algn="ctr"/>
-              <a:endParaRPr lang="en-US">
-                <a:ln>
-                  <a:solidFill>
-                    <a:schemeClr val="tx1"/>
-                  </a:solidFill>
-                </a:ln>
-              </a:endParaRPr>
-            </a:p>
-          </p:txBody>
-        </p:sp>
-        <p:cxnSp>
-          <p:nvCxnSpPr>
-            <p:cNvPr id="52" name="Straight Connector 51">
-              <a:extLst>
-                <a:ext uri="{FF2B5EF4-FFF2-40B4-BE49-F238E27FC236}">
-                  <a16:creationId xmlns:a16="http://schemas.microsoft.com/office/drawing/2014/main" id="{92C5FB0B-15C3-7441-7A71-26D3CE0909A0}"/>
-                </a:ext>
-              </a:extLst>
-            </p:cNvPr>
-            <p:cNvCxnSpPr>
-              <a:cxnSpLocks/>
-            </p:cNvCxnSpPr>
-            <p:nvPr/>
-          </p:nvCxnSpPr>
-          <p:spPr>
-            <a:xfrm>
-              <a:off x="26372539" y="1624532"/>
-              <a:ext cx="0" cy="267470"/>
-            </a:xfrm>
-            <a:prstGeom prst="line">
-              <a:avLst/>
-            </a:prstGeom>
-            <a:effectLst/>
-          </p:spPr>
-          <p:style>
-            <a:lnRef idx="2">
-              <a:schemeClr val="dk1"/>
-            </a:lnRef>
-            <a:fillRef idx="0">
-              <a:schemeClr val="dk1"/>
-            </a:fillRef>
-            <a:effectRef idx="1">
-              <a:schemeClr val="dk1"/>
-            </a:effectRef>
-            <a:fontRef idx="minor">
-              <a:schemeClr val="tx1"/>
-            </a:fontRef>
-          </p:style>
-        </p:cxnSp>
-        <p:sp>
-          <p:nvSpPr>
-            <p:cNvPr id="54" name="TextBox 53">
-              <a:extLst>
-                <a:ext uri="{FF2B5EF4-FFF2-40B4-BE49-F238E27FC236}">
-                  <a16:creationId xmlns:a16="http://schemas.microsoft.com/office/drawing/2014/main" id="{E23C93D1-3BD0-7EC3-0205-AF180D86EC7F}"/>
-                </a:ext>
-              </a:extLst>
-            </p:cNvPr>
-            <p:cNvSpPr txBox="1"/>
-            <p:nvPr/>
-          </p:nvSpPr>
-          <p:spPr>
-            <a:xfrm>
-              <a:off x="23040140" y="1116006"/>
-              <a:ext cx="3035300" cy="461665"/>
-            </a:xfrm>
-            <a:prstGeom prst="rect">
-              <a:avLst/>
-            </a:prstGeom>
-            <a:noFill/>
-          </p:spPr>
-          <p:txBody>
-            <a:bodyPr wrap="square" rtlCol="0">
-              <a:spAutoFit/>
-            </a:bodyPr>
-            <a:lstStyle/>
-            <a:p>
-              <a:pPr algn="ctr"/>
-              <a:r>
-                <a:rPr lang="en-US" sz="2400" dirty="0"/>
-                <a:t>All clades</a:t>
-              </a:r>
-            </a:p>
-          </p:txBody>
-        </p:sp>
-        <p:sp>
-          <p:nvSpPr>
-            <p:cNvPr id="55" name="TextBox 54">
-              <a:extLst>
-                <a:ext uri="{FF2B5EF4-FFF2-40B4-BE49-F238E27FC236}">
-                  <a16:creationId xmlns:a16="http://schemas.microsoft.com/office/drawing/2014/main" id="{B5E417E1-8757-6B95-4812-2137C912B799}"/>
-                </a:ext>
-              </a:extLst>
-            </p:cNvPr>
-            <p:cNvSpPr txBox="1"/>
-            <p:nvPr/>
-          </p:nvSpPr>
-          <p:spPr>
-            <a:xfrm>
-              <a:off x="24855467" y="1115151"/>
-              <a:ext cx="3035300" cy="461665"/>
-            </a:xfrm>
-            <a:prstGeom prst="rect">
-              <a:avLst/>
-            </a:prstGeom>
-            <a:noFill/>
-          </p:spPr>
-          <p:txBody>
-            <a:bodyPr wrap="square" rtlCol="0">
-              <a:spAutoFit/>
-            </a:bodyPr>
-            <a:lstStyle/>
-            <a:p>
-              <a:pPr algn="ctr"/>
-              <a:r>
-                <a:rPr lang="en-US" sz="2400" dirty="0"/>
-                <a:t>Mammals</a:t>
-              </a:r>
-            </a:p>
-          </p:txBody>
-        </p:sp>
-        <p:sp>
-          <p:nvSpPr>
-            <p:cNvPr id="56" name="TextBox 55">
-              <a:extLst>
-                <a:ext uri="{FF2B5EF4-FFF2-40B4-BE49-F238E27FC236}">
-                  <a16:creationId xmlns:a16="http://schemas.microsoft.com/office/drawing/2014/main" id="{C6117BF5-AD0E-1A08-F90C-8D69C58F36E4}"/>
-                </a:ext>
-              </a:extLst>
-            </p:cNvPr>
-            <p:cNvSpPr txBox="1"/>
-            <p:nvPr/>
-          </p:nvSpPr>
-          <p:spPr>
-            <a:xfrm>
-              <a:off x="27232352" y="790268"/>
-              <a:ext cx="1908789" cy="830997"/>
-            </a:xfrm>
-            <a:prstGeom prst="rect">
-              <a:avLst/>
-            </a:prstGeom>
-            <a:noFill/>
-          </p:spPr>
-          <p:txBody>
-            <a:bodyPr wrap="square" rtlCol="0">
-              <a:spAutoFit/>
-            </a:bodyPr>
-            <a:lstStyle/>
-            <a:p>
-              <a:r>
-                <a:rPr lang="en-US" sz="2400" dirty="0"/>
-                <a:t>Ray-finned</a:t>
-              </a:r>
-            </a:p>
-            <a:p>
-              <a:r>
-                <a:rPr lang="en-US" sz="2400" dirty="0"/>
-                <a:t>fish</a:t>
-              </a:r>
-            </a:p>
-          </p:txBody>
-        </p:sp>
-        <p:sp>
-          <p:nvSpPr>
-            <p:cNvPr id="57" name="TextBox 56">
-              <a:extLst>
-                <a:ext uri="{FF2B5EF4-FFF2-40B4-BE49-F238E27FC236}">
-                  <a16:creationId xmlns:a16="http://schemas.microsoft.com/office/drawing/2014/main" id="{BEFBD81A-940F-4CFE-495A-57FD54DA434C}"/>
-                </a:ext>
-              </a:extLst>
-            </p:cNvPr>
-            <p:cNvSpPr txBox="1"/>
-            <p:nvPr/>
-          </p:nvSpPr>
-          <p:spPr>
-            <a:xfrm>
-              <a:off x="28068326" y="1115150"/>
-              <a:ext cx="3035300" cy="461665"/>
-            </a:xfrm>
-            <a:prstGeom prst="rect">
-              <a:avLst/>
-            </a:prstGeom>
-            <a:noFill/>
-          </p:spPr>
-          <p:txBody>
-            <a:bodyPr wrap="square" rtlCol="0">
-              <a:spAutoFit/>
-            </a:bodyPr>
-            <a:lstStyle/>
-            <a:p>
-              <a:pPr algn="ctr"/>
-              <a:r>
-                <a:rPr lang="en-US" sz="2400" dirty="0"/>
-                <a:t>Reptiles</a:t>
-              </a:r>
-            </a:p>
-          </p:txBody>
-        </p:sp>
-        <p:sp>
-          <p:nvSpPr>
-            <p:cNvPr id="58" name="Left Brace 57">
-              <a:extLst>
-                <a:ext uri="{FF2B5EF4-FFF2-40B4-BE49-F238E27FC236}">
-                  <a16:creationId xmlns:a16="http://schemas.microsoft.com/office/drawing/2014/main" id="{890432E8-D333-71DA-6E0D-47EB31FBEFC2}"/>
-                </a:ext>
-              </a:extLst>
-            </p:cNvPr>
-            <p:cNvSpPr/>
-            <p:nvPr/>
-          </p:nvSpPr>
-          <p:spPr>
-            <a:xfrm rot="5400000">
-              <a:off x="27702882" y="1337374"/>
-              <a:ext cx="236604" cy="872648"/>
-            </a:xfrm>
-            <a:prstGeom prst="leftBrace">
-              <a:avLst>
-                <a:gd name="adj1" fmla="val 35744"/>
-                <a:gd name="adj2" fmla="val 50000"/>
-              </a:avLst>
-            </a:prstGeom>
-            <a:ln/>
-            <a:effectLst/>
-          </p:spPr>
-          <p:style>
-            <a:lnRef idx="2">
-              <a:schemeClr val="dk1"/>
-            </a:lnRef>
-            <a:fillRef idx="0">
-              <a:schemeClr val="dk1"/>
-            </a:fillRef>
-            <a:effectRef idx="1">
-              <a:schemeClr val="dk1"/>
-            </a:effectRef>
-            <a:fontRef idx="minor">
-              <a:schemeClr val="tx1"/>
-            </a:fontRef>
-          </p:style>
-          <p:txBody>
-            <a:bodyPr rtlCol="0" anchor="ctr"/>
-            <a:lstStyle>
-              <a:defPPr marR="0" lvl="0" algn="l" rtl="0">
-                <a:lnSpc>
-                  <a:spcPct val="100000"/>
-                </a:lnSpc>
-                <a:spcBef>
-                  <a:spcPts val="0"/>
-                </a:spcBef>
-                <a:spcAft>
-                  <a:spcPts val="0"/>
-                </a:spcAft>
-              </a:defPPr>
-              <a:lvl1pPr marR="0" lvl="0" algn="l" rtl="0">
-                <a:lnSpc>
-                  <a:spcPct val="100000"/>
-                </a:lnSpc>
-                <a:spcBef>
-                  <a:spcPts val="0"/>
-                </a:spcBef>
-                <a:spcAft>
-                  <a:spcPts val="0"/>
-                </a:spcAft>
-                <a:buClr>
-                  <a:srgbClr val="000000"/>
-                </a:buClr>
-                <a:buFont typeface="Arial"/>
-                <a:defRPr sz="1400" b="0" i="0" u="none" strike="noStrike" cap="none">
-                  <a:solidFill>
-                    <a:schemeClr val="tx1"/>
-                  </a:solidFill>
-                  <a:latin typeface="+mn-lt"/>
-                  <a:ea typeface="+mn-ea"/>
-                  <a:cs typeface="+mn-cs"/>
-                  <a:sym typeface="Arial"/>
-                </a:defRPr>
-              </a:lvl1pPr>
-              <a:lvl2pPr marR="0" lvl="1" algn="l" rtl="0">
-                <a:lnSpc>
-                  <a:spcPct val="100000"/>
-                </a:lnSpc>
-                <a:spcBef>
-                  <a:spcPts val="0"/>
-                </a:spcBef>
-                <a:spcAft>
-                  <a:spcPts val="0"/>
-                </a:spcAft>
-                <a:buClr>
-                  <a:srgbClr val="000000"/>
-                </a:buClr>
-                <a:buFont typeface="Arial"/>
-                <a:defRPr sz="1400" b="0" i="0" u="none" strike="noStrike" cap="none">
-                  <a:solidFill>
-                    <a:schemeClr val="tx1"/>
-                  </a:solidFill>
-                  <a:latin typeface="+mn-lt"/>
-                  <a:ea typeface="+mn-ea"/>
-                  <a:cs typeface="+mn-cs"/>
-                  <a:sym typeface="Arial"/>
-                </a:defRPr>
-              </a:lvl2pPr>
-              <a:lvl3pPr marR="0" lvl="2" algn="l" rtl="0">
-                <a:lnSpc>
-                  <a:spcPct val="100000"/>
-                </a:lnSpc>
-                <a:spcBef>
-                  <a:spcPts val="0"/>
-                </a:spcBef>
-                <a:spcAft>
-                  <a:spcPts val="0"/>
-                </a:spcAft>
-                <a:buClr>
-                  <a:srgbClr val="000000"/>
-                </a:buClr>
-                <a:buFont typeface="Arial"/>
-                <a:defRPr sz="1400" b="0" i="0" u="none" strike="noStrike" cap="none">
-                  <a:solidFill>
-                    <a:schemeClr val="tx1"/>
-                  </a:solidFill>
-                  <a:latin typeface="+mn-lt"/>
-                  <a:ea typeface="+mn-ea"/>
-                  <a:cs typeface="+mn-cs"/>
-                  <a:sym typeface="Arial"/>
-                </a:defRPr>
-              </a:lvl3pPr>
-              <a:lvl4pPr marR="0" lvl="3" algn="l" rtl="0">
-                <a:lnSpc>
-                  <a:spcPct val="100000"/>
-                </a:lnSpc>
-                <a:spcBef>
-                  <a:spcPts val="0"/>
-                </a:spcBef>
-                <a:spcAft>
-                  <a:spcPts val="0"/>
-                </a:spcAft>
-                <a:buClr>
-                  <a:srgbClr val="000000"/>
-                </a:buClr>
-                <a:buFont typeface="Arial"/>
-                <a:defRPr sz="1400" b="0" i="0" u="none" strike="noStrike" cap="none">
-                  <a:solidFill>
-                    <a:schemeClr val="tx1"/>
-                  </a:solidFill>
-                  <a:latin typeface="+mn-lt"/>
-                  <a:ea typeface="+mn-ea"/>
-                  <a:cs typeface="+mn-cs"/>
-                  <a:sym typeface="Arial"/>
-                </a:defRPr>
-              </a:lvl4pPr>
-              <a:lvl5pPr marR="0" lvl="4" algn="l" rtl="0">
-                <a:lnSpc>
-                  <a:spcPct val="100000"/>
-                </a:lnSpc>
-                <a:spcBef>
-                  <a:spcPts val="0"/>
-                </a:spcBef>
-                <a:spcAft>
-                  <a:spcPts val="0"/>
-                </a:spcAft>
-                <a:buClr>
-                  <a:srgbClr val="000000"/>
-                </a:buClr>
-                <a:buFont typeface="Arial"/>
-                <a:defRPr sz="1400" b="0" i="0" u="none" strike="noStrike" cap="none">
-                  <a:solidFill>
-                    <a:schemeClr val="tx1"/>
-                  </a:solidFill>
-                  <a:latin typeface="+mn-lt"/>
-                  <a:ea typeface="+mn-ea"/>
-                  <a:cs typeface="+mn-cs"/>
-                  <a:sym typeface="Arial"/>
-                </a:defRPr>
-              </a:lvl5pPr>
-              <a:lvl6pPr marR="0" lvl="5" algn="l" rtl="0">
-                <a:lnSpc>
-                  <a:spcPct val="100000"/>
-                </a:lnSpc>
-                <a:spcBef>
-                  <a:spcPts val="0"/>
-                </a:spcBef>
-                <a:spcAft>
-                  <a:spcPts val="0"/>
-                </a:spcAft>
-                <a:buClr>
-                  <a:srgbClr val="000000"/>
-                </a:buClr>
-                <a:buFont typeface="Arial"/>
-                <a:defRPr sz="1400" b="0" i="0" u="none" strike="noStrike" cap="none">
-                  <a:solidFill>
-                    <a:schemeClr val="tx1"/>
-                  </a:solidFill>
-                  <a:latin typeface="+mn-lt"/>
-                  <a:ea typeface="+mn-ea"/>
-                  <a:cs typeface="+mn-cs"/>
-                  <a:sym typeface="Arial"/>
-                </a:defRPr>
-              </a:lvl6pPr>
-              <a:lvl7pPr marR="0" lvl="6" algn="l" rtl="0">
-                <a:lnSpc>
-                  <a:spcPct val="100000"/>
-                </a:lnSpc>
-                <a:spcBef>
-                  <a:spcPts val="0"/>
-                </a:spcBef>
-                <a:spcAft>
-                  <a:spcPts val="0"/>
-                </a:spcAft>
-                <a:buClr>
-                  <a:srgbClr val="000000"/>
-                </a:buClr>
-                <a:buFont typeface="Arial"/>
-                <a:defRPr sz="1400" b="0" i="0" u="none" strike="noStrike" cap="none">
-                  <a:solidFill>
-                    <a:schemeClr val="tx1"/>
-                  </a:solidFill>
-                  <a:latin typeface="+mn-lt"/>
-                  <a:ea typeface="+mn-ea"/>
-                  <a:cs typeface="+mn-cs"/>
-                  <a:sym typeface="Arial"/>
-                </a:defRPr>
-              </a:lvl7pPr>
-              <a:lvl8pPr marR="0" lvl="7" algn="l" rtl="0">
-                <a:lnSpc>
-                  <a:spcPct val="100000"/>
-                </a:lnSpc>
-                <a:spcBef>
-                  <a:spcPts val="0"/>
-                </a:spcBef>
-                <a:spcAft>
-                  <a:spcPts val="0"/>
-                </a:spcAft>
-                <a:buClr>
-                  <a:srgbClr val="000000"/>
-                </a:buClr>
-                <a:buFont typeface="Arial"/>
-                <a:defRPr sz="1400" b="0" i="0" u="none" strike="noStrike" cap="none">
-                  <a:solidFill>
-                    <a:schemeClr val="tx1"/>
-                  </a:solidFill>
-                  <a:latin typeface="+mn-lt"/>
-                  <a:ea typeface="+mn-ea"/>
-                  <a:cs typeface="+mn-cs"/>
-                  <a:sym typeface="Arial"/>
-                </a:defRPr>
-              </a:lvl8pPr>
-              <a:lvl9pPr marR="0" lvl="8" algn="l" rtl="0">
-                <a:lnSpc>
-                  <a:spcPct val="100000"/>
-                </a:lnSpc>
-                <a:spcBef>
-                  <a:spcPts val="0"/>
-                </a:spcBef>
-                <a:spcAft>
-                  <a:spcPts val="0"/>
-                </a:spcAft>
-                <a:buClr>
-                  <a:srgbClr val="000000"/>
-                </a:buClr>
-                <a:buFont typeface="Arial"/>
-                <a:defRPr sz="1400" b="0" i="0" u="none" strike="noStrike" cap="none">
-                  <a:solidFill>
-                    <a:schemeClr val="tx1"/>
-                  </a:solidFill>
-                  <a:latin typeface="+mn-lt"/>
-                  <a:ea typeface="+mn-ea"/>
-                  <a:cs typeface="+mn-cs"/>
-                  <a:sym typeface="Arial"/>
-                </a:defRPr>
-              </a:lvl9pPr>
-            </a:lstStyle>
-            <a:p>
-              <a:pPr algn="ctr"/>
-              <a:endParaRPr lang="en-US">
-                <a:ln>
-                  <a:solidFill>
-                    <a:schemeClr val="tx1"/>
-                  </a:solidFill>
-                </a:ln>
-              </a:endParaRPr>
-            </a:p>
-          </p:txBody>
-        </p:sp>
-        <p:sp>
-          <p:nvSpPr>
-            <p:cNvPr id="2" name="TextBox 1">
-              <a:extLst>
-                <a:ext uri="{FF2B5EF4-FFF2-40B4-BE49-F238E27FC236}">
-                  <a16:creationId xmlns:a16="http://schemas.microsoft.com/office/drawing/2014/main" id="{B143E952-F531-BF43-F2BA-C51CC54C44F7}"/>
-                </a:ext>
-              </a:extLst>
-            </p:cNvPr>
-            <p:cNvSpPr txBox="1"/>
-            <p:nvPr/>
-          </p:nvSpPr>
-          <p:spPr>
-            <a:xfrm>
-              <a:off x="30481905" y="6156861"/>
-              <a:ext cx="1996452" cy="830997"/>
-            </a:xfrm>
-            <a:prstGeom prst="rect">
-              <a:avLst/>
-            </a:prstGeom>
-            <a:noFill/>
-          </p:spPr>
-          <p:txBody>
-            <a:bodyPr wrap="square" rtlCol="0">
-              <a:spAutoFit/>
-            </a:bodyPr>
-            <a:lstStyle/>
-            <a:p>
-              <a:pPr algn="ctr"/>
-              <a:r>
-                <a:rPr lang="en-US" sz="2400" dirty="0"/>
-                <a:t>Variable importance</a:t>
-              </a:r>
-            </a:p>
-          </p:txBody>
-        </p:sp>
-      </p:grpSp>
-      <p:grpSp>
-        <p:nvGrpSpPr>
-          <p:cNvPr id="130" name="Group 129">
-            <a:extLst>
-              <a:ext uri="{FF2B5EF4-FFF2-40B4-BE49-F238E27FC236}">
-                <a16:creationId xmlns:a16="http://schemas.microsoft.com/office/drawing/2014/main" id="{6F12AA59-4E71-17FF-40CD-E02577BD181C}"/>
-              </a:ext>
-            </a:extLst>
-          </p:cNvPr>
-          <p:cNvGrpSpPr/>
-          <p:nvPr/>
-        </p:nvGrpSpPr>
-        <p:grpSpPr>
-          <a:xfrm>
-            <a:off x="-10071122" y="9618656"/>
-            <a:ext cx="4428896" cy="3800474"/>
-            <a:chOff x="5519398" y="9792759"/>
-            <a:chExt cx="4428896" cy="3800474"/>
-          </a:xfrm>
-        </p:grpSpPr>
-        <p:pic>
-          <p:nvPicPr>
-            <p:cNvPr id="84" name="Graphic 83">
-              <a:extLst>
-                <a:ext uri="{FF2B5EF4-FFF2-40B4-BE49-F238E27FC236}">
-                  <a16:creationId xmlns:a16="http://schemas.microsoft.com/office/drawing/2014/main" id="{1B69D7B3-010F-6952-633F-40B11CDBCEAF}"/>
+                  <a16:creationId xmlns:a16="http://schemas.microsoft.com/office/drawing/2014/main" id="{DCA27A5C-FBBE-5048-B662-459BE66B6EC3}"/>
                 </a:ext>
               </a:extLst>
             </p:cNvPr>
@@ -13820,627 +12698,33 @@
             <p:nvPr/>
           </p:nvPicPr>
           <p:blipFill>
-            <a:blip r:embed="rId6">
+            <a:blip r:embed="rId5">
               <a:extLst>
                 <a:ext uri="{96DAC541-7B7A-43D3-8B79-37D633B846F1}">
-                  <asvg:svgBlip xmlns:asvg="http://schemas.microsoft.com/office/drawing/2016/SVG/main" r:embed="rId7"/>
+                  <asvg:svgBlip xmlns:asvg="http://schemas.microsoft.com/office/drawing/2016/SVG/main" r:embed="rId6"/>
                 </a:ext>
               </a:extLst>
             </a:blip>
-            <a:srcRect b="31780"/>
-            <a:stretch/>
+            <a:stretch>
+              <a:fillRect/>
+            </a:stretch>
           </p:blipFill>
           <p:spPr>
             <a:xfrm>
-              <a:off x="5519398" y="9792759"/>
-              <a:ext cx="4428896" cy="2137522"/>
+              <a:off x="16007863" y="15222628"/>
+              <a:ext cx="170130" cy="170130"/>
             </a:xfrm>
             <a:prstGeom prst="rect">
               <a:avLst/>
             </a:prstGeom>
           </p:spPr>
         </p:pic>
-        <p:sp>
-          <p:nvSpPr>
-            <p:cNvPr id="10" name="TextBox 9">
+        <p:pic>
+          <p:nvPicPr>
+            <p:cNvPr id="186" name="Graphic 185" descr="Close with solid fill">
               <a:extLst>
                 <a:ext uri="{FF2B5EF4-FFF2-40B4-BE49-F238E27FC236}">
-                  <a16:creationId xmlns:a16="http://schemas.microsoft.com/office/drawing/2014/main" id="{AF9CE0A9-5A18-AB0A-5FDC-3B31DEBF3A87}"/>
-                </a:ext>
-              </a:extLst>
-            </p:cNvPr>
-            <p:cNvSpPr txBox="1"/>
-            <p:nvPr/>
-          </p:nvSpPr>
-          <p:spPr>
-            <a:xfrm rot="18449438">
-              <a:off x="4839829" y="12521608"/>
-              <a:ext cx="1897028" cy="246221"/>
-            </a:xfrm>
-            <a:prstGeom prst="rect">
-              <a:avLst/>
-            </a:prstGeom>
-            <a:noFill/>
-          </p:spPr>
-          <p:txBody>
-            <a:bodyPr wrap="square" rtlCol="0">
-              <a:spAutoFit/>
-            </a:bodyPr>
-            <a:lstStyle/>
-            <a:p>
-              <a:pPr algn="r"/>
-              <a:r>
-                <a:rPr lang="en-US" sz="1000" dirty="0"/>
-                <a:t>SINE age</a:t>
-              </a:r>
-            </a:p>
-          </p:txBody>
-        </p:sp>
-        <p:sp>
-          <p:nvSpPr>
-            <p:cNvPr id="11" name="TextBox 10">
-              <a:extLst>
-                <a:ext uri="{FF2B5EF4-FFF2-40B4-BE49-F238E27FC236}">
-                  <a16:creationId xmlns:a16="http://schemas.microsoft.com/office/drawing/2014/main" id="{1BE49D9F-F672-F6CB-1F62-2FA5E7D2BE5D}"/>
-                </a:ext>
-              </a:extLst>
-            </p:cNvPr>
-            <p:cNvSpPr txBox="1"/>
-            <p:nvPr/>
-          </p:nvSpPr>
-          <p:spPr>
-            <a:xfrm rot="18449438">
-              <a:off x="5107178" y="12521608"/>
-              <a:ext cx="1897028" cy="246221"/>
-            </a:xfrm>
-            <a:prstGeom prst="rect">
-              <a:avLst/>
-            </a:prstGeom>
-            <a:noFill/>
-          </p:spPr>
-          <p:txBody>
-            <a:bodyPr wrap="square" rtlCol="0">
-              <a:spAutoFit/>
-            </a:bodyPr>
-            <a:lstStyle/>
-            <a:p>
-              <a:pPr algn="r"/>
-              <a:r>
-                <a:rPr lang="en-US" sz="1000" dirty="0"/>
-                <a:t>Unknown age</a:t>
-              </a:r>
-            </a:p>
-          </p:txBody>
-        </p:sp>
-        <p:sp>
-          <p:nvSpPr>
-            <p:cNvPr id="12" name="TextBox 11">
-              <a:extLst>
-                <a:ext uri="{FF2B5EF4-FFF2-40B4-BE49-F238E27FC236}">
-                  <a16:creationId xmlns:a16="http://schemas.microsoft.com/office/drawing/2014/main" id="{2B39F5A1-F7D6-6E6E-F19E-11A585CFCDA6}"/>
-                </a:ext>
-              </a:extLst>
-            </p:cNvPr>
-            <p:cNvSpPr txBox="1"/>
-            <p:nvPr/>
-          </p:nvSpPr>
-          <p:spPr>
-            <a:xfrm rot="18449438">
-              <a:off x="5374527" y="12521608"/>
-              <a:ext cx="1897028" cy="246221"/>
-            </a:xfrm>
-            <a:prstGeom prst="rect">
-              <a:avLst/>
-            </a:prstGeom>
-            <a:noFill/>
-          </p:spPr>
-          <p:txBody>
-            <a:bodyPr wrap="square" rtlCol="0">
-              <a:spAutoFit/>
-            </a:bodyPr>
-            <a:lstStyle/>
-            <a:p>
-              <a:pPr algn="r"/>
-              <a:r>
-                <a:rPr lang="en-US" sz="1000" dirty="0"/>
-                <a:t>DNA age x prop.</a:t>
-              </a:r>
-            </a:p>
-          </p:txBody>
-        </p:sp>
-        <p:sp>
-          <p:nvSpPr>
-            <p:cNvPr id="13" name="TextBox 12">
-              <a:extLst>
-                <a:ext uri="{FF2B5EF4-FFF2-40B4-BE49-F238E27FC236}">
-                  <a16:creationId xmlns:a16="http://schemas.microsoft.com/office/drawing/2014/main" id="{7A4009D3-0FD7-E42C-EA14-9F4968AD1878}"/>
-                </a:ext>
-              </a:extLst>
-            </p:cNvPr>
-            <p:cNvSpPr txBox="1"/>
-            <p:nvPr/>
-          </p:nvSpPr>
-          <p:spPr>
-            <a:xfrm rot="18449438">
-              <a:off x="5860355" y="12521608"/>
-              <a:ext cx="1897028" cy="246221"/>
-            </a:xfrm>
-            <a:prstGeom prst="rect">
-              <a:avLst/>
-            </a:prstGeom>
-            <a:noFill/>
-          </p:spPr>
-          <p:txBody>
-            <a:bodyPr wrap="square" rtlCol="0">
-              <a:spAutoFit/>
-            </a:bodyPr>
-            <a:lstStyle/>
-            <a:p>
-              <a:pPr algn="r"/>
-              <a:r>
-                <a:rPr lang="en-US" sz="1000" dirty="0"/>
-                <a:t>SINE age x prop.</a:t>
-              </a:r>
-            </a:p>
-          </p:txBody>
-        </p:sp>
-        <p:sp>
-          <p:nvSpPr>
-            <p:cNvPr id="14" name="TextBox 13">
-              <a:extLst>
-                <a:ext uri="{FF2B5EF4-FFF2-40B4-BE49-F238E27FC236}">
-                  <a16:creationId xmlns:a16="http://schemas.microsoft.com/office/drawing/2014/main" id="{111CAFED-A3A5-F9F2-B246-4D0413DAA16F}"/>
-                </a:ext>
-              </a:extLst>
-            </p:cNvPr>
-            <p:cNvSpPr txBox="1"/>
-            <p:nvPr/>
-          </p:nvSpPr>
-          <p:spPr>
-            <a:xfrm rot="18449438">
-              <a:off x="6349195" y="12521608"/>
-              <a:ext cx="1897028" cy="246221"/>
-            </a:xfrm>
-            <a:prstGeom prst="rect">
-              <a:avLst/>
-            </a:prstGeom>
-            <a:noFill/>
-          </p:spPr>
-          <p:txBody>
-            <a:bodyPr wrap="square" rtlCol="0">
-              <a:spAutoFit/>
-            </a:bodyPr>
-            <a:lstStyle/>
-            <a:p>
-              <a:pPr algn="r"/>
-              <a:r>
-                <a:rPr lang="en-US" sz="1000" dirty="0"/>
-                <a:t>SINE proportion</a:t>
-              </a:r>
-            </a:p>
-          </p:txBody>
-        </p:sp>
-        <p:sp>
-          <p:nvSpPr>
-            <p:cNvPr id="15" name="TextBox 14">
-              <a:extLst>
-                <a:ext uri="{FF2B5EF4-FFF2-40B4-BE49-F238E27FC236}">
-                  <a16:creationId xmlns:a16="http://schemas.microsoft.com/office/drawing/2014/main" id="{B14FFE83-B160-14B8-3217-0773966BBDE5}"/>
-                </a:ext>
-              </a:extLst>
-            </p:cNvPr>
-            <p:cNvSpPr txBox="1"/>
-            <p:nvPr/>
-          </p:nvSpPr>
-          <p:spPr>
-            <a:xfrm rot="18449438">
-              <a:off x="6616545" y="12521607"/>
-              <a:ext cx="1897028" cy="246221"/>
-            </a:xfrm>
-            <a:prstGeom prst="rect">
-              <a:avLst/>
-            </a:prstGeom>
-            <a:noFill/>
-          </p:spPr>
-          <p:txBody>
-            <a:bodyPr wrap="square" rtlCol="0">
-              <a:spAutoFit/>
-            </a:bodyPr>
-            <a:lstStyle/>
-            <a:p>
-              <a:pPr algn="r"/>
-              <a:r>
-                <a:rPr lang="en-US" sz="1000" dirty="0"/>
-                <a:t>Others proportion</a:t>
-              </a:r>
-            </a:p>
-          </p:txBody>
-        </p:sp>
-        <p:sp>
-          <p:nvSpPr>
-            <p:cNvPr id="16" name="TextBox 15">
-              <a:extLst>
-                <a:ext uri="{FF2B5EF4-FFF2-40B4-BE49-F238E27FC236}">
-                  <a16:creationId xmlns:a16="http://schemas.microsoft.com/office/drawing/2014/main" id="{53EDF1FD-6700-95A2-C8B0-BF0B8D2C6CDE}"/>
-                </a:ext>
-              </a:extLst>
-            </p:cNvPr>
-            <p:cNvSpPr txBox="1"/>
-            <p:nvPr/>
-          </p:nvSpPr>
-          <p:spPr>
-            <a:xfrm rot="18449438">
-              <a:off x="7101476" y="12521607"/>
-              <a:ext cx="1897028" cy="246221"/>
-            </a:xfrm>
-            <a:prstGeom prst="rect">
-              <a:avLst/>
-            </a:prstGeom>
-            <a:noFill/>
-          </p:spPr>
-          <p:txBody>
-            <a:bodyPr wrap="square" rtlCol="0">
-              <a:spAutoFit/>
-            </a:bodyPr>
-            <a:lstStyle/>
-            <a:p>
-              <a:pPr algn="r"/>
-              <a:r>
-                <a:rPr lang="en-US" sz="1000" dirty="0"/>
-                <a:t>LTR age</a:t>
-              </a:r>
-            </a:p>
-          </p:txBody>
-        </p:sp>
-        <p:sp>
-          <p:nvSpPr>
-            <p:cNvPr id="17" name="TextBox 16">
-              <a:extLst>
-                <a:ext uri="{FF2B5EF4-FFF2-40B4-BE49-F238E27FC236}">
-                  <a16:creationId xmlns:a16="http://schemas.microsoft.com/office/drawing/2014/main" id="{E8903CC0-39F5-14A0-E990-877365983F26}"/>
-                </a:ext>
-              </a:extLst>
-            </p:cNvPr>
-            <p:cNvSpPr txBox="1"/>
-            <p:nvPr/>
-          </p:nvSpPr>
-          <p:spPr>
-            <a:xfrm rot="18449438">
-              <a:off x="7369365" y="12521606"/>
-              <a:ext cx="1897028" cy="246221"/>
-            </a:xfrm>
-            <a:prstGeom prst="rect">
-              <a:avLst/>
-            </a:prstGeom>
-            <a:noFill/>
-          </p:spPr>
-          <p:txBody>
-            <a:bodyPr wrap="square" rtlCol="0">
-              <a:spAutoFit/>
-            </a:bodyPr>
-            <a:lstStyle/>
-            <a:p>
-              <a:pPr algn="r"/>
-              <a:r>
-                <a:rPr lang="en-US" sz="1000" dirty="0"/>
-                <a:t>Unknown age</a:t>
-              </a:r>
-            </a:p>
-          </p:txBody>
-        </p:sp>
-        <p:cxnSp>
-          <p:nvCxnSpPr>
-            <p:cNvPr id="61" name="Straight Connector 60">
-              <a:extLst>
-                <a:ext uri="{FF2B5EF4-FFF2-40B4-BE49-F238E27FC236}">
-                  <a16:creationId xmlns:a16="http://schemas.microsoft.com/office/drawing/2014/main" id="{1E774E3B-8913-668C-9183-CBEE8F01B9ED}"/>
-                </a:ext>
-              </a:extLst>
-            </p:cNvPr>
-            <p:cNvCxnSpPr>
-              <a:cxnSpLocks/>
-            </p:cNvCxnSpPr>
-            <p:nvPr/>
-          </p:nvCxnSpPr>
-          <p:spPr>
-            <a:xfrm>
-              <a:off x="7084284" y="10355263"/>
-              <a:ext cx="0" cy="1461923"/>
-            </a:xfrm>
-            <a:prstGeom prst="line">
-              <a:avLst/>
-            </a:prstGeom>
-            <a:ln w="88900">
-              <a:solidFill>
-                <a:schemeClr val="bg1"/>
-              </a:solidFill>
-              <a:prstDash val="solid"/>
-            </a:ln>
-          </p:spPr>
-          <p:style>
-            <a:lnRef idx="1">
-              <a:schemeClr val="accent1"/>
-            </a:lnRef>
-            <a:fillRef idx="0">
-              <a:schemeClr val="accent1"/>
-            </a:fillRef>
-            <a:effectRef idx="0">
-              <a:schemeClr val="accent1"/>
-            </a:effectRef>
-            <a:fontRef idx="minor">
-              <a:schemeClr val="tx1"/>
-            </a:fontRef>
-          </p:style>
-        </p:cxnSp>
-        <p:cxnSp>
-          <p:nvCxnSpPr>
-            <p:cNvPr id="23" name="Straight Connector 22">
-              <a:extLst>
-                <a:ext uri="{FF2B5EF4-FFF2-40B4-BE49-F238E27FC236}">
-                  <a16:creationId xmlns:a16="http://schemas.microsoft.com/office/drawing/2014/main" id="{672E55B6-83DE-2D07-EA2F-524B647B9590}"/>
-                </a:ext>
-              </a:extLst>
-            </p:cNvPr>
-            <p:cNvCxnSpPr>
-              <a:cxnSpLocks/>
-            </p:cNvCxnSpPr>
-            <p:nvPr/>
-          </p:nvCxnSpPr>
-          <p:spPr>
-            <a:xfrm>
-              <a:off x="7084284" y="10355263"/>
-              <a:ext cx="0" cy="1462087"/>
-            </a:xfrm>
-            <a:prstGeom prst="line">
-              <a:avLst/>
-            </a:prstGeom>
-            <a:ln w="6350">
-              <a:solidFill>
-                <a:schemeClr val="tx1"/>
-              </a:solidFill>
-              <a:prstDash val="dash"/>
-            </a:ln>
-          </p:spPr>
-          <p:style>
-            <a:lnRef idx="1">
-              <a:schemeClr val="accent1"/>
-            </a:lnRef>
-            <a:fillRef idx="0">
-              <a:schemeClr val="accent1"/>
-            </a:fillRef>
-            <a:effectRef idx="0">
-              <a:schemeClr val="accent1"/>
-            </a:effectRef>
-            <a:fontRef idx="minor">
-              <a:schemeClr val="tx1"/>
-            </a:fontRef>
-          </p:style>
-        </p:cxnSp>
-        <p:cxnSp>
-          <p:nvCxnSpPr>
-            <p:cNvPr id="63" name="Straight Connector 62">
-              <a:extLst>
-                <a:ext uri="{FF2B5EF4-FFF2-40B4-BE49-F238E27FC236}">
-                  <a16:creationId xmlns:a16="http://schemas.microsoft.com/office/drawing/2014/main" id="{A5B68262-FE24-AA0A-34D6-263506E252A2}"/>
-                </a:ext>
-              </a:extLst>
-            </p:cNvPr>
-            <p:cNvCxnSpPr>
-              <a:cxnSpLocks/>
-            </p:cNvCxnSpPr>
-            <p:nvPr/>
-          </p:nvCxnSpPr>
-          <p:spPr>
-            <a:xfrm>
-              <a:off x="7566408" y="10355263"/>
-              <a:ext cx="0" cy="1461923"/>
-            </a:xfrm>
-            <a:prstGeom prst="line">
-              <a:avLst/>
-            </a:prstGeom>
-            <a:ln w="88900">
-              <a:solidFill>
-                <a:schemeClr val="bg1"/>
-              </a:solidFill>
-              <a:prstDash val="solid"/>
-            </a:ln>
-          </p:spPr>
-          <p:style>
-            <a:lnRef idx="1">
-              <a:schemeClr val="accent1"/>
-            </a:lnRef>
-            <a:fillRef idx="0">
-              <a:schemeClr val="accent1"/>
-            </a:fillRef>
-            <a:effectRef idx="0">
-              <a:schemeClr val="accent1"/>
-            </a:effectRef>
-            <a:fontRef idx="minor">
-              <a:schemeClr val="tx1"/>
-            </a:fontRef>
-          </p:style>
-        </p:cxnSp>
-        <p:cxnSp>
-          <p:nvCxnSpPr>
-            <p:cNvPr id="32" name="Straight Connector 31">
-              <a:extLst>
-                <a:ext uri="{FF2B5EF4-FFF2-40B4-BE49-F238E27FC236}">
-                  <a16:creationId xmlns:a16="http://schemas.microsoft.com/office/drawing/2014/main" id="{A704A159-0AB7-AAF7-B517-861929E69847}"/>
-                </a:ext>
-              </a:extLst>
-            </p:cNvPr>
-            <p:cNvCxnSpPr>
-              <a:cxnSpLocks/>
-            </p:cNvCxnSpPr>
-            <p:nvPr/>
-          </p:nvCxnSpPr>
-          <p:spPr>
-            <a:xfrm>
-              <a:off x="7565875" y="10355263"/>
-              <a:ext cx="6826" cy="1468437"/>
-            </a:xfrm>
-            <a:prstGeom prst="line">
-              <a:avLst/>
-            </a:prstGeom>
-            <a:ln w="6350">
-              <a:solidFill>
-                <a:schemeClr val="tx1"/>
-              </a:solidFill>
-              <a:prstDash val="dash"/>
-            </a:ln>
-          </p:spPr>
-          <p:style>
-            <a:lnRef idx="1">
-              <a:schemeClr val="accent1"/>
-            </a:lnRef>
-            <a:fillRef idx="0">
-              <a:schemeClr val="accent1"/>
-            </a:fillRef>
-            <a:effectRef idx="0">
-              <a:schemeClr val="accent1"/>
-            </a:effectRef>
-            <a:fontRef idx="minor">
-              <a:schemeClr val="tx1"/>
-            </a:fontRef>
-          </p:style>
-        </p:cxnSp>
-        <p:cxnSp>
-          <p:nvCxnSpPr>
-            <p:cNvPr id="64" name="Straight Connector 63">
-              <a:extLst>
-                <a:ext uri="{FF2B5EF4-FFF2-40B4-BE49-F238E27FC236}">
-                  <a16:creationId xmlns:a16="http://schemas.microsoft.com/office/drawing/2014/main" id="{DB6748AC-D18A-C110-C0ED-B671667119D7}"/>
-                </a:ext>
-              </a:extLst>
-            </p:cNvPr>
-            <p:cNvCxnSpPr>
-              <a:cxnSpLocks/>
-            </p:cNvCxnSpPr>
-            <p:nvPr/>
-          </p:nvCxnSpPr>
-          <p:spPr>
-            <a:xfrm>
-              <a:off x="8306583" y="10355263"/>
-              <a:ext cx="0" cy="1461923"/>
-            </a:xfrm>
-            <a:prstGeom prst="line">
-              <a:avLst/>
-            </a:prstGeom>
-            <a:ln w="88900">
-              <a:solidFill>
-                <a:schemeClr val="bg1"/>
-              </a:solidFill>
-              <a:prstDash val="solid"/>
-            </a:ln>
-          </p:spPr>
-          <p:style>
-            <a:lnRef idx="1">
-              <a:schemeClr val="accent1"/>
-            </a:lnRef>
-            <a:fillRef idx="0">
-              <a:schemeClr val="accent1"/>
-            </a:fillRef>
-            <a:effectRef idx="0">
-              <a:schemeClr val="accent1"/>
-            </a:effectRef>
-            <a:fontRef idx="minor">
-              <a:schemeClr val="tx1"/>
-            </a:fontRef>
-          </p:style>
-        </p:cxnSp>
-        <p:cxnSp>
-          <p:nvCxnSpPr>
-            <p:cNvPr id="39" name="Straight Connector 38">
-              <a:extLst>
-                <a:ext uri="{FF2B5EF4-FFF2-40B4-BE49-F238E27FC236}">
-                  <a16:creationId xmlns:a16="http://schemas.microsoft.com/office/drawing/2014/main" id="{E738360B-7516-FA25-EC42-CE6A8BEF6687}"/>
-                </a:ext>
-              </a:extLst>
-            </p:cNvPr>
-            <p:cNvCxnSpPr>
-              <a:cxnSpLocks/>
-            </p:cNvCxnSpPr>
-            <p:nvPr/>
-          </p:nvCxnSpPr>
-          <p:spPr>
-            <a:xfrm>
-              <a:off x="8306583" y="10355263"/>
-              <a:ext cx="0" cy="1465262"/>
-            </a:xfrm>
-            <a:prstGeom prst="line">
-              <a:avLst/>
-            </a:prstGeom>
-            <a:ln w="6350">
-              <a:solidFill>
-                <a:schemeClr val="tx1"/>
-              </a:solidFill>
-              <a:prstDash val="dash"/>
-            </a:ln>
-          </p:spPr>
-          <p:style>
-            <a:lnRef idx="1">
-              <a:schemeClr val="accent1"/>
-            </a:lnRef>
-            <a:fillRef idx="0">
-              <a:schemeClr val="accent1"/>
-            </a:fillRef>
-            <a:effectRef idx="0">
-              <a:schemeClr val="accent1"/>
-            </a:effectRef>
-            <a:fontRef idx="minor">
-              <a:schemeClr val="tx1"/>
-            </a:fontRef>
-          </p:style>
-        </p:cxnSp>
-        <p:sp>
-          <p:nvSpPr>
-            <p:cNvPr id="73" name="TextBox 72">
-              <a:extLst>
-                <a:ext uri="{FF2B5EF4-FFF2-40B4-BE49-F238E27FC236}">
-                  <a16:creationId xmlns:a16="http://schemas.microsoft.com/office/drawing/2014/main" id="{98122ABB-F797-65E2-92C4-ADB6C1A443C9}"/>
-                </a:ext>
-              </a:extLst>
-            </p:cNvPr>
-            <p:cNvSpPr txBox="1"/>
-            <p:nvPr/>
-          </p:nvSpPr>
-          <p:spPr>
-            <a:xfrm>
-              <a:off x="8889170" y="11922000"/>
-              <a:ext cx="1006433" cy="400110"/>
-            </a:xfrm>
-            <a:prstGeom prst="rect">
-              <a:avLst/>
-            </a:prstGeom>
-            <a:noFill/>
-          </p:spPr>
-          <p:txBody>
-            <a:bodyPr wrap="square" rtlCol="0">
-              <a:spAutoFit/>
-            </a:bodyPr>
-            <a:lstStyle/>
-            <a:p>
-              <a:pPr algn="ctr"/>
-              <a:r>
-                <a:rPr lang="en-US" sz="1000" dirty="0"/>
-                <a:t>Variable</a:t>
-              </a:r>
-            </a:p>
-            <a:p>
-              <a:pPr algn="ctr"/>
-              <a:r>
-                <a:rPr lang="en-US" sz="1000" dirty="0"/>
-                <a:t>importance</a:t>
-              </a:r>
-            </a:p>
-          </p:txBody>
-        </p:sp>
-        <p:pic>
-          <p:nvPicPr>
-            <p:cNvPr id="98" name="Graphic 97" descr="Close with solid fill">
-              <a:extLst>
-                <a:ext uri="{FF2B5EF4-FFF2-40B4-BE49-F238E27FC236}">
-                  <a16:creationId xmlns:a16="http://schemas.microsoft.com/office/drawing/2014/main" id="{D1F505BF-4D39-2233-06AF-2C08D3714367}"/>
+                  <a16:creationId xmlns:a16="http://schemas.microsoft.com/office/drawing/2014/main" id="{9CF423A5-3B5C-6831-87A1-8518A3063BE5}"/>
                 </a:ext>
               </a:extLst>
             </p:cNvPr>
@@ -14450,10 +12734,10 @@
             <p:nvPr/>
           </p:nvPicPr>
           <p:blipFill>
-            <a:blip r:embed="rId8">
+            <a:blip r:embed="rId7">
               <a:extLst>
                 <a:ext uri="{96DAC541-7B7A-43D3-8B79-37D633B846F1}">
-                  <asvg:svgBlip xmlns:asvg="http://schemas.microsoft.com/office/drawing/2016/SVG/main" r:embed="rId9"/>
+                  <asvg:svgBlip xmlns:asvg="http://schemas.microsoft.com/office/drawing/2016/SVG/main" r:embed="rId8"/>
                 </a:ext>
               </a:extLst>
             </a:blip>
@@ -14463,8 +12747,8 @@
           </p:blipFill>
           <p:spPr>
             <a:xfrm>
-              <a:off x="6521282" y="11004712"/>
-              <a:ext cx="90659" cy="90659"/>
+              <a:off x="15704295" y="17446005"/>
+              <a:ext cx="170130" cy="170130"/>
             </a:xfrm>
             <a:prstGeom prst="rect">
               <a:avLst/>
@@ -14473,10 +12757,10 @@
         </p:pic>
         <p:pic>
           <p:nvPicPr>
-            <p:cNvPr id="99" name="Graphic 98" descr="Checkmark with solid fill">
+            <p:cNvPr id="188" name="Graphic 187" descr="Close with solid fill">
               <a:extLst>
                 <a:ext uri="{FF2B5EF4-FFF2-40B4-BE49-F238E27FC236}">
-                  <a16:creationId xmlns:a16="http://schemas.microsoft.com/office/drawing/2014/main" id="{5EAD19D7-9B34-2344-4E91-0CB83CD648CF}"/>
+                  <a16:creationId xmlns:a16="http://schemas.microsoft.com/office/drawing/2014/main" id="{779FDD90-9EAF-BCDA-F31C-068DD154F1C2}"/>
                 </a:ext>
               </a:extLst>
             </p:cNvPr>
@@ -14486,10 +12770,10 @@
             <p:nvPr/>
           </p:nvPicPr>
           <p:blipFill>
-            <a:blip r:embed="rId10">
+            <a:blip r:embed="rId7">
               <a:extLst>
                 <a:ext uri="{96DAC541-7B7A-43D3-8B79-37D633B846F1}">
-                  <asvg:svgBlip xmlns:asvg="http://schemas.microsoft.com/office/drawing/2016/SVG/main" r:embed="rId11"/>
+                  <asvg:svgBlip xmlns:asvg="http://schemas.microsoft.com/office/drawing/2016/SVG/main" r:embed="rId8"/>
                 </a:ext>
               </a:extLst>
             </a:blip>
@@ -14499,8 +12783,8 @@
           </p:blipFill>
           <p:spPr>
             <a:xfrm>
-              <a:off x="6255990" y="11004214"/>
-              <a:ext cx="90659" cy="90659"/>
+              <a:off x="15702935" y="15498405"/>
+              <a:ext cx="170130" cy="170130"/>
             </a:xfrm>
             <a:prstGeom prst="rect">
               <a:avLst/>
@@ -14509,10 +12793,10 @@
         </p:pic>
         <p:pic>
           <p:nvPicPr>
-            <p:cNvPr id="100" name="Graphic 99" descr="Checkmark with solid fill">
+            <p:cNvPr id="191" name="Graphic 190" descr="Checkmark with solid fill">
               <a:extLst>
                 <a:ext uri="{FF2B5EF4-FFF2-40B4-BE49-F238E27FC236}">
-                  <a16:creationId xmlns:a16="http://schemas.microsoft.com/office/drawing/2014/main" id="{E804CCB9-E409-BF0C-D507-648CE051A2FC}"/>
+                  <a16:creationId xmlns:a16="http://schemas.microsoft.com/office/drawing/2014/main" id="{45B2AA1C-2005-7495-C00B-187ADC42C46F}"/>
                 </a:ext>
               </a:extLst>
             </p:cNvPr>
@@ -14522,10 +12806,10 @@
             <p:nvPr/>
           </p:nvPicPr>
           <p:blipFill>
-            <a:blip r:embed="rId10">
+            <a:blip r:embed="rId5">
               <a:extLst>
                 <a:ext uri="{96DAC541-7B7A-43D3-8B79-37D633B846F1}">
-                  <asvg:svgBlip xmlns:asvg="http://schemas.microsoft.com/office/drawing/2016/SVG/main" r:embed="rId11"/>
+                  <asvg:svgBlip xmlns:asvg="http://schemas.microsoft.com/office/drawing/2016/SVG/main" r:embed="rId6"/>
                 </a:ext>
               </a:extLst>
             </a:blip>
@@ -14535,8 +12819,8 @@
           </p:blipFill>
           <p:spPr>
             <a:xfrm>
-              <a:off x="7765194" y="11004215"/>
-              <a:ext cx="90659" cy="90659"/>
+              <a:off x="16086085" y="17166587"/>
+              <a:ext cx="170130" cy="170130"/>
             </a:xfrm>
             <a:prstGeom prst="rect">
               <a:avLst/>
@@ -14545,10 +12829,10 @@
         </p:pic>
         <p:pic>
           <p:nvPicPr>
-            <p:cNvPr id="101" name="Graphic 100" descr="Checkmark with solid fill">
+            <p:cNvPr id="198" name="Graphic 197" descr="Checkmark with solid fill">
               <a:extLst>
                 <a:ext uri="{FF2B5EF4-FFF2-40B4-BE49-F238E27FC236}">
-                  <a16:creationId xmlns:a16="http://schemas.microsoft.com/office/drawing/2014/main" id="{2D5E2C4A-1A03-5ABA-BE4F-987F52FBD788}"/>
+                  <a16:creationId xmlns:a16="http://schemas.microsoft.com/office/drawing/2014/main" id="{36980361-4218-5E26-8269-F3A9CB31A788}"/>
                 </a:ext>
               </a:extLst>
             </p:cNvPr>
@@ -14558,10 +12842,10 @@
             <p:nvPr/>
           </p:nvPicPr>
           <p:blipFill>
-            <a:blip r:embed="rId10">
+            <a:blip r:embed="rId5">
               <a:extLst>
                 <a:ext uri="{96DAC541-7B7A-43D3-8B79-37D633B846F1}">
-                  <asvg:svgBlip xmlns:asvg="http://schemas.microsoft.com/office/drawing/2016/SVG/main" r:embed="rId11"/>
+                  <asvg:svgBlip xmlns:asvg="http://schemas.microsoft.com/office/drawing/2016/SVG/main" r:embed="rId6"/>
                 </a:ext>
               </a:extLst>
             </a:blip>
@@ -14571,8 +12855,8 @@
           </p:blipFill>
           <p:spPr>
             <a:xfrm>
-              <a:off x="8518736" y="11004216"/>
-              <a:ext cx="90659" cy="90659"/>
+              <a:off x="15418888" y="16616161"/>
+              <a:ext cx="170130" cy="170130"/>
             </a:xfrm>
             <a:prstGeom prst="rect">
               <a:avLst/>
@@ -14581,10 +12865,10 @@
         </p:pic>
         <p:pic>
           <p:nvPicPr>
-            <p:cNvPr id="102" name="Graphic 101" descr="Close with solid fill">
+            <p:cNvPr id="199" name="Graphic 198" descr="Checkmark with solid fill">
               <a:extLst>
                 <a:ext uri="{FF2B5EF4-FFF2-40B4-BE49-F238E27FC236}">
-                  <a16:creationId xmlns:a16="http://schemas.microsoft.com/office/drawing/2014/main" id="{85B3AFC0-760E-3516-787E-4B6E997A49FB}"/>
+                  <a16:creationId xmlns:a16="http://schemas.microsoft.com/office/drawing/2014/main" id="{58C350FE-7A57-656E-8C30-D3586FB310A7}"/>
                 </a:ext>
               </a:extLst>
             </p:cNvPr>
@@ -14594,10 +12878,10 @@
             <p:nvPr/>
           </p:nvPicPr>
           <p:blipFill>
-            <a:blip r:embed="rId8">
+            <a:blip r:embed="rId5">
               <a:extLst>
                 <a:ext uri="{96DAC541-7B7A-43D3-8B79-37D633B846F1}">
-                  <asvg:svgBlip xmlns:asvg="http://schemas.microsoft.com/office/drawing/2016/SVG/main" r:embed="rId9"/>
+                  <asvg:svgBlip xmlns:asvg="http://schemas.microsoft.com/office/drawing/2016/SVG/main" r:embed="rId6"/>
                 </a:ext>
               </a:extLst>
             </a:blip>
@@ -14607,4193 +12891,15 @@
           </p:blipFill>
           <p:spPr>
             <a:xfrm>
-              <a:off x="6786392" y="11004708"/>
-              <a:ext cx="90659" cy="90659"/>
+              <a:off x="15447263" y="16055706"/>
+              <a:ext cx="170130" cy="170130"/>
             </a:xfrm>
             <a:prstGeom prst="rect">
               <a:avLst/>
             </a:prstGeom>
           </p:spPr>
         </p:pic>
-        <p:pic>
-          <p:nvPicPr>
-            <p:cNvPr id="103" name="Graphic 102" descr="Close with solid fill">
-              <a:extLst>
-                <a:ext uri="{FF2B5EF4-FFF2-40B4-BE49-F238E27FC236}">
-                  <a16:creationId xmlns:a16="http://schemas.microsoft.com/office/drawing/2014/main" id="{6A66A6A2-63D9-686A-019F-82CF74B28AF6}"/>
-                </a:ext>
-              </a:extLst>
-            </p:cNvPr>
-            <p:cNvPicPr>
-              <a:picLocks noChangeAspect="1"/>
-            </p:cNvPicPr>
-            <p:nvPr/>
-          </p:nvPicPr>
-          <p:blipFill>
-            <a:blip r:embed="rId8">
-              <a:extLst>
-                <a:ext uri="{96DAC541-7B7A-43D3-8B79-37D633B846F1}">
-                  <asvg:svgBlip xmlns:asvg="http://schemas.microsoft.com/office/drawing/2016/SVG/main" r:embed="rId9"/>
-                </a:ext>
-              </a:extLst>
-            </a:blip>
-            <a:stretch>
-              <a:fillRect/>
-            </a:stretch>
-          </p:blipFill>
-          <p:spPr>
-            <a:xfrm>
-              <a:off x="8029422" y="11004706"/>
-              <a:ext cx="90659" cy="90659"/>
-            </a:xfrm>
-            <a:prstGeom prst="rect">
-              <a:avLst/>
-            </a:prstGeom>
-          </p:spPr>
-        </p:pic>
-        <p:pic>
-          <p:nvPicPr>
-            <p:cNvPr id="104" name="Graphic 103" descr="Close with solid fill">
-              <a:extLst>
-                <a:ext uri="{FF2B5EF4-FFF2-40B4-BE49-F238E27FC236}">
-                  <a16:creationId xmlns:a16="http://schemas.microsoft.com/office/drawing/2014/main" id="{5C62A71C-A533-56A6-661F-407349F2D1AA}"/>
-                </a:ext>
-              </a:extLst>
-            </p:cNvPr>
-            <p:cNvPicPr>
-              <a:picLocks noChangeAspect="1"/>
-            </p:cNvPicPr>
-            <p:nvPr/>
-          </p:nvPicPr>
-          <p:blipFill>
-            <a:blip r:embed="rId8">
-              <a:extLst>
-                <a:ext uri="{96DAC541-7B7A-43D3-8B79-37D633B846F1}">
-                  <asvg:svgBlip xmlns:asvg="http://schemas.microsoft.com/office/drawing/2016/SVG/main" r:embed="rId9"/>
-                </a:ext>
-              </a:extLst>
-            </a:blip>
-            <a:stretch>
-              <a:fillRect/>
-            </a:stretch>
-          </p:blipFill>
-          <p:spPr>
-            <a:xfrm>
-              <a:off x="8785084" y="11004702"/>
-              <a:ext cx="90659" cy="90659"/>
-            </a:xfrm>
-            <a:prstGeom prst="rect">
-              <a:avLst/>
-            </a:prstGeom>
-          </p:spPr>
-        </p:pic>
-        <p:pic>
-          <p:nvPicPr>
-            <p:cNvPr id="105" name="Graphic 104" descr="Checkmark with solid fill">
-              <a:extLst>
-                <a:ext uri="{FF2B5EF4-FFF2-40B4-BE49-F238E27FC236}">
-                  <a16:creationId xmlns:a16="http://schemas.microsoft.com/office/drawing/2014/main" id="{EBF0DA14-A75C-5B33-754F-F0552E2C418D}"/>
-                </a:ext>
-              </a:extLst>
-            </p:cNvPr>
-            <p:cNvPicPr>
-              <a:picLocks noChangeAspect="1"/>
-            </p:cNvPicPr>
-            <p:nvPr/>
-          </p:nvPicPr>
-          <p:blipFill>
-            <a:blip r:embed="rId10">
-              <a:extLst>
-                <a:ext uri="{96DAC541-7B7A-43D3-8B79-37D633B846F1}">
-                  <asvg:svgBlip xmlns:asvg="http://schemas.microsoft.com/office/drawing/2016/SVG/main" r:embed="rId11"/>
-                </a:ext>
-              </a:extLst>
-            </a:blip>
-            <a:stretch>
-              <a:fillRect/>
-            </a:stretch>
-          </p:blipFill>
-          <p:spPr>
-            <a:xfrm>
-              <a:off x="7277815" y="10526357"/>
-              <a:ext cx="90659" cy="90659"/>
-            </a:xfrm>
-            <a:prstGeom prst="rect">
-              <a:avLst/>
-            </a:prstGeom>
-          </p:spPr>
-        </p:pic>
-        <p:sp>
-          <p:nvSpPr>
-            <p:cNvPr id="126" name="TextBox 125">
-              <a:extLst>
-                <a:ext uri="{FF2B5EF4-FFF2-40B4-BE49-F238E27FC236}">
-                  <a16:creationId xmlns:a16="http://schemas.microsoft.com/office/drawing/2014/main" id="{C6A5B4A8-117C-A6E5-5FA9-1F58274C0D16}"/>
-                </a:ext>
-              </a:extLst>
-            </p:cNvPr>
-            <p:cNvSpPr txBox="1"/>
-            <p:nvPr/>
-          </p:nvSpPr>
-          <p:spPr>
-            <a:xfrm>
-              <a:off x="8341628" y="10321158"/>
-              <a:ext cx="688393" cy="200055"/>
-            </a:xfrm>
-            <a:prstGeom prst="rect">
-              <a:avLst/>
-            </a:prstGeom>
-            <a:noFill/>
-          </p:spPr>
-          <p:txBody>
-            <a:bodyPr wrap="square" rtlCol="0">
-              <a:spAutoFit/>
-            </a:bodyPr>
-            <a:lstStyle/>
-            <a:p>
-              <a:pPr algn="ctr"/>
-              <a:r>
-                <a:rPr lang="en-US" sz="700" dirty="0"/>
-                <a:t>Reptiles</a:t>
-              </a:r>
-            </a:p>
-          </p:txBody>
-        </p:sp>
-        <p:sp>
-          <p:nvSpPr>
-            <p:cNvPr id="123" name="TextBox 122">
-              <a:extLst>
-                <a:ext uri="{FF2B5EF4-FFF2-40B4-BE49-F238E27FC236}">
-                  <a16:creationId xmlns:a16="http://schemas.microsoft.com/office/drawing/2014/main" id="{6DE5E5D2-0C79-CFC5-6EB8-03D70DBF1ACE}"/>
-                </a:ext>
-              </a:extLst>
-            </p:cNvPr>
-            <p:cNvSpPr txBox="1"/>
-            <p:nvPr/>
-          </p:nvSpPr>
-          <p:spPr>
-            <a:xfrm>
-              <a:off x="6287385" y="10318078"/>
-              <a:ext cx="573461" cy="200055"/>
-            </a:xfrm>
-            <a:prstGeom prst="rect">
-              <a:avLst/>
-            </a:prstGeom>
-            <a:noFill/>
-          </p:spPr>
-          <p:txBody>
-            <a:bodyPr wrap="square" rtlCol="0">
-              <a:spAutoFit/>
-            </a:bodyPr>
-            <a:lstStyle/>
-            <a:p>
-              <a:pPr algn="ctr"/>
-              <a:r>
-                <a:rPr lang="en-US" sz="700" dirty="0"/>
-                <a:t>All clades</a:t>
-              </a:r>
-            </a:p>
-          </p:txBody>
-        </p:sp>
-        <p:sp>
-          <p:nvSpPr>
-            <p:cNvPr id="124" name="TextBox 123">
-              <a:extLst>
-                <a:ext uri="{FF2B5EF4-FFF2-40B4-BE49-F238E27FC236}">
-                  <a16:creationId xmlns:a16="http://schemas.microsoft.com/office/drawing/2014/main" id="{6E798DC7-F0EC-CCDF-0B39-9F0B5441C05C}"/>
-                </a:ext>
-              </a:extLst>
-            </p:cNvPr>
-            <p:cNvSpPr txBox="1"/>
-            <p:nvPr/>
-          </p:nvSpPr>
-          <p:spPr>
-            <a:xfrm>
-              <a:off x="6956173" y="10320302"/>
-              <a:ext cx="747208" cy="200055"/>
-            </a:xfrm>
-            <a:prstGeom prst="rect">
-              <a:avLst/>
-            </a:prstGeom>
-            <a:noFill/>
-          </p:spPr>
-          <p:txBody>
-            <a:bodyPr wrap="square" rtlCol="0">
-              <a:spAutoFit/>
-            </a:bodyPr>
-            <a:lstStyle/>
-            <a:p>
-              <a:pPr algn="ctr"/>
-              <a:r>
-                <a:rPr lang="en-US" sz="700" dirty="0"/>
-                <a:t>Mammals</a:t>
-              </a:r>
-            </a:p>
-          </p:txBody>
-        </p:sp>
-        <p:sp>
-          <p:nvSpPr>
-            <p:cNvPr id="125" name="TextBox 124">
-              <a:extLst>
-                <a:ext uri="{FF2B5EF4-FFF2-40B4-BE49-F238E27FC236}">
-                  <a16:creationId xmlns:a16="http://schemas.microsoft.com/office/drawing/2014/main" id="{6A43B489-BE4D-F25A-8F18-35771C514A8C}"/>
-                </a:ext>
-              </a:extLst>
-            </p:cNvPr>
-            <p:cNvSpPr txBox="1"/>
-            <p:nvPr/>
-          </p:nvSpPr>
-          <p:spPr>
-            <a:xfrm>
-              <a:off x="7535658" y="10322086"/>
-              <a:ext cx="810491" cy="200055"/>
-            </a:xfrm>
-            <a:prstGeom prst="rect">
-              <a:avLst/>
-            </a:prstGeom>
-            <a:noFill/>
-          </p:spPr>
-          <p:txBody>
-            <a:bodyPr wrap="square" rtlCol="0">
-              <a:spAutoFit/>
-            </a:bodyPr>
-            <a:lstStyle/>
-            <a:p>
-              <a:pPr algn="ctr"/>
-              <a:r>
-                <a:rPr lang="en-US" sz="700" dirty="0"/>
-                <a:t>Ray-finned fish</a:t>
-              </a:r>
-            </a:p>
-          </p:txBody>
-        </p:sp>
       </p:grpSp>
-      <p:pic>
-        <p:nvPicPr>
-          <p:cNvPr id="86" name="Graphic 85">
-            <a:extLst>
-              <a:ext uri="{FF2B5EF4-FFF2-40B4-BE49-F238E27FC236}">
-                <a16:creationId xmlns:a16="http://schemas.microsoft.com/office/drawing/2014/main" id="{C1BC0C4F-5A28-0024-0114-CB333CC16B22}"/>
-              </a:ext>
-            </a:extLst>
-          </p:cNvPr>
-          <p:cNvPicPr>
-            <a:picLocks noChangeAspect="1"/>
-          </p:cNvPicPr>
-          <p:nvPr/>
-        </p:nvPicPr>
-        <p:blipFill>
-          <a:blip r:embed="rId12">
-            <a:extLst>
-              <a:ext uri="{96DAC541-7B7A-43D3-8B79-37D633B846F1}">
-                <asvg:svgBlip xmlns:asvg="http://schemas.microsoft.com/office/drawing/2016/SVG/main" r:embed="rId13"/>
-              </a:ext>
-            </a:extLst>
-          </a:blip>
-          <a:srcRect l="83125" t="15718" b="22700"/>
-          <a:stretch/>
-        </p:blipFill>
-        <p:spPr>
-          <a:xfrm>
-            <a:off x="-4402243" y="14413654"/>
-            <a:ext cx="385833" cy="1084068"/>
-          </a:xfrm>
-          <a:prstGeom prst="rect">
-            <a:avLst/>
-          </a:prstGeom>
-        </p:spPr>
-      </p:pic>
-      <p:grpSp>
-        <p:nvGrpSpPr>
-          <p:cNvPr id="171" name="Group 170">
-            <a:extLst>
-              <a:ext uri="{FF2B5EF4-FFF2-40B4-BE49-F238E27FC236}">
-                <a16:creationId xmlns:a16="http://schemas.microsoft.com/office/drawing/2014/main" id="{F921BB20-C86F-902B-A3E5-896931EC32D7}"/>
-              </a:ext>
-            </a:extLst>
-          </p:cNvPr>
-          <p:cNvGrpSpPr/>
-          <p:nvPr/>
-        </p:nvGrpSpPr>
-        <p:grpSpPr>
-          <a:xfrm>
-            <a:off x="-6514175" y="17605998"/>
-            <a:ext cx="1083733" cy="399639"/>
-            <a:chOff x="13340106" y="16662708"/>
-            <a:chExt cx="1202598" cy="443473"/>
-          </a:xfrm>
-        </p:grpSpPr>
-        <p:sp>
-          <p:nvSpPr>
-            <p:cNvPr id="169" name="Rectangle 168">
-              <a:extLst>
-                <a:ext uri="{FF2B5EF4-FFF2-40B4-BE49-F238E27FC236}">
-                  <a16:creationId xmlns:a16="http://schemas.microsoft.com/office/drawing/2014/main" id="{C185EEBE-BC3B-C884-9925-15D6D18AE714}"/>
-                </a:ext>
-              </a:extLst>
-            </p:cNvPr>
-            <p:cNvSpPr/>
-            <p:nvPr/>
-          </p:nvSpPr>
-          <p:spPr>
-            <a:xfrm>
-              <a:off x="13434067" y="16676603"/>
-              <a:ext cx="932483" cy="397100"/>
-            </a:xfrm>
-            <a:prstGeom prst="rect">
-              <a:avLst/>
-            </a:prstGeom>
-            <a:solidFill>
-              <a:schemeClr val="bg1"/>
-            </a:solidFill>
-            <a:ln w="3175">
-              <a:solidFill>
-                <a:schemeClr val="tx1"/>
-              </a:solidFill>
-            </a:ln>
-          </p:spPr>
-          <p:style>
-            <a:lnRef idx="2">
-              <a:schemeClr val="accent1">
-                <a:shade val="15000"/>
-              </a:schemeClr>
-            </a:lnRef>
-            <a:fillRef idx="1">
-              <a:schemeClr val="accent1"/>
-            </a:fillRef>
-            <a:effectRef idx="0">
-              <a:schemeClr val="accent1"/>
-            </a:effectRef>
-            <a:fontRef idx="minor">
-              <a:schemeClr val="lt1"/>
-            </a:fontRef>
-          </p:style>
-          <p:txBody>
-            <a:bodyPr rtlCol="0" anchor="ctr"/>
-            <a:lstStyle/>
-            <a:p>
-              <a:pPr algn="ctr"/>
-              <a:endParaRPr lang="en-US"/>
-            </a:p>
-          </p:txBody>
-        </p:sp>
-        <p:grpSp>
-          <p:nvGrpSpPr>
-            <p:cNvPr id="168" name="Group 167">
-              <a:extLst>
-                <a:ext uri="{FF2B5EF4-FFF2-40B4-BE49-F238E27FC236}">
-                  <a16:creationId xmlns:a16="http://schemas.microsoft.com/office/drawing/2014/main" id="{0DBE40C6-B5ED-1D36-6DBB-78EBCF18502C}"/>
-                </a:ext>
-              </a:extLst>
-            </p:cNvPr>
-            <p:cNvGrpSpPr/>
-            <p:nvPr/>
-          </p:nvGrpSpPr>
-          <p:grpSpPr>
-            <a:xfrm>
-              <a:off x="13340106" y="16662708"/>
-              <a:ext cx="1202598" cy="443473"/>
-              <a:chOff x="13231988" y="16318464"/>
-              <a:chExt cx="1202598" cy="443473"/>
-            </a:xfrm>
-          </p:grpSpPr>
-          <p:grpSp>
-            <p:nvGrpSpPr>
-              <p:cNvPr id="163" name="Group 162">
-                <a:extLst>
-                  <a:ext uri="{FF2B5EF4-FFF2-40B4-BE49-F238E27FC236}">
-                    <a16:creationId xmlns:a16="http://schemas.microsoft.com/office/drawing/2014/main" id="{FE7AA234-DCB0-2375-9A9D-1570E3BC15AC}"/>
-                  </a:ext>
-                </a:extLst>
-              </p:cNvPr>
-              <p:cNvGrpSpPr/>
-              <p:nvPr/>
-            </p:nvGrpSpPr>
-            <p:grpSpPr>
-              <a:xfrm>
-                <a:off x="13272355" y="16507414"/>
-                <a:ext cx="1162231" cy="254523"/>
-                <a:chOff x="12201429" y="17033626"/>
-                <a:chExt cx="1162231" cy="254523"/>
-              </a:xfrm>
-            </p:grpSpPr>
-            <p:grpSp>
-              <p:nvGrpSpPr>
-                <p:cNvPr id="146" name="Group 145">
-                  <a:extLst>
-                    <a:ext uri="{FF2B5EF4-FFF2-40B4-BE49-F238E27FC236}">
-                      <a16:creationId xmlns:a16="http://schemas.microsoft.com/office/drawing/2014/main" id="{3856DAAF-7FBE-5E16-004F-17C6152FA476}"/>
-                    </a:ext>
-                  </a:extLst>
-                </p:cNvPr>
-                <p:cNvGrpSpPr/>
-                <p:nvPr/>
-              </p:nvGrpSpPr>
-              <p:grpSpPr>
-                <a:xfrm>
-                  <a:off x="12357349" y="17033626"/>
-                  <a:ext cx="706718" cy="98234"/>
-                  <a:chOff x="13641319" y="16225636"/>
-                  <a:chExt cx="801394" cy="111394"/>
-                </a:xfrm>
-              </p:grpSpPr>
-              <p:pic>
-                <p:nvPicPr>
-                  <p:cNvPr id="111" name="Graphic 110">
-                    <a:extLst>
-                      <a:ext uri="{FF2B5EF4-FFF2-40B4-BE49-F238E27FC236}">
-                        <a16:creationId xmlns:a16="http://schemas.microsoft.com/office/drawing/2014/main" id="{DB1B69F8-C1B8-01CD-4C0B-7F7764C60239}"/>
-                      </a:ext>
-                    </a:extLst>
-                  </p:cNvPr>
-                  <p:cNvPicPr>
-                    <a:picLocks noChangeAspect="1"/>
-                  </p:cNvPicPr>
-                  <p:nvPr/>
-                </p:nvPicPr>
-                <p:blipFill>
-                  <a:blip r:embed="rId12">
-                    <a:extLst>
-                      <a:ext uri="{96DAC541-7B7A-43D3-8B79-37D633B846F1}">
-                        <asvg:svgBlip xmlns:asvg="http://schemas.microsoft.com/office/drawing/2016/SVG/main" r:embed="rId13"/>
-                      </a:ext>
-                    </a:extLst>
-                  </a:blip>
-                  <a:srcRect l="84135" t="17435" r="14314" b="26092"/>
-                  <a:stretch/>
-                </p:blipFill>
-                <p:spPr>
-                  <a:xfrm rot="5400000">
-                    <a:off x="14013738" y="15856317"/>
-                    <a:ext cx="57530" cy="796168"/>
-                  </a:xfrm>
-                  <a:prstGeom prst="rect">
-                    <a:avLst/>
-                  </a:prstGeom>
-                </p:spPr>
-              </p:pic>
-              <p:grpSp>
-                <p:nvGrpSpPr>
-                  <p:cNvPr id="145" name="Group 144">
-                    <a:extLst>
-                      <a:ext uri="{FF2B5EF4-FFF2-40B4-BE49-F238E27FC236}">
-                        <a16:creationId xmlns:a16="http://schemas.microsoft.com/office/drawing/2014/main" id="{F4ADCA9D-9163-4CF1-F51F-FAA88321937F}"/>
-                      </a:ext>
-                    </a:extLst>
-                  </p:cNvPr>
-                  <p:cNvGrpSpPr/>
-                  <p:nvPr/>
-                </p:nvGrpSpPr>
-                <p:grpSpPr>
-                  <a:xfrm>
-                    <a:off x="13641319" y="16292791"/>
-                    <a:ext cx="801394" cy="44239"/>
-                    <a:chOff x="13641319" y="16292791"/>
-                    <a:chExt cx="801394" cy="44239"/>
-                  </a:xfrm>
-                </p:grpSpPr>
-                <p:cxnSp>
-                  <p:nvCxnSpPr>
-                    <p:cNvPr id="116" name="Straight Connector 115">
-                      <a:extLst>
-                        <a:ext uri="{FF2B5EF4-FFF2-40B4-BE49-F238E27FC236}">
-                          <a16:creationId xmlns:a16="http://schemas.microsoft.com/office/drawing/2014/main" id="{1E48B636-34ED-424C-818E-B214EC621E7D}"/>
-                        </a:ext>
-                      </a:extLst>
-                    </p:cNvPr>
-                    <p:cNvCxnSpPr>
-                      <a:cxnSpLocks/>
-                    </p:cNvCxnSpPr>
-                    <p:nvPr/>
-                  </p:nvCxnSpPr>
-                  <p:spPr>
-                    <a:xfrm flipV="1">
-                      <a:off x="14040536" y="16293826"/>
-                      <a:ext cx="0" cy="43204"/>
-                    </a:xfrm>
-                    <a:prstGeom prst="line">
-                      <a:avLst/>
-                    </a:prstGeom>
-                    <a:ln w="12700">
-                      <a:solidFill>
-                        <a:schemeClr val="tx1"/>
-                      </a:solidFill>
-                    </a:ln>
-                  </p:spPr>
-                  <p:style>
-                    <a:lnRef idx="1">
-                      <a:schemeClr val="accent1"/>
-                    </a:lnRef>
-                    <a:fillRef idx="0">
-                      <a:schemeClr val="accent1"/>
-                    </a:fillRef>
-                    <a:effectRef idx="0">
-                      <a:schemeClr val="accent1"/>
-                    </a:effectRef>
-                    <a:fontRef idx="minor">
-                      <a:schemeClr val="tx1"/>
-                    </a:fontRef>
-                  </p:style>
-                </p:cxnSp>
-                <p:cxnSp>
-                  <p:nvCxnSpPr>
-                    <p:cNvPr id="117" name="Straight Connector 116">
-                      <a:extLst>
-                        <a:ext uri="{FF2B5EF4-FFF2-40B4-BE49-F238E27FC236}">
-                          <a16:creationId xmlns:a16="http://schemas.microsoft.com/office/drawing/2014/main" id="{EC9A4706-6124-D85D-6698-3EDE14B8373F}"/>
-                        </a:ext>
-                      </a:extLst>
-                    </p:cNvPr>
-                    <p:cNvCxnSpPr>
-                      <a:cxnSpLocks/>
-                    </p:cNvCxnSpPr>
-                    <p:nvPr/>
-                  </p:nvCxnSpPr>
-                  <p:spPr>
-                    <a:xfrm flipV="1">
-                      <a:off x="14440456" y="16293640"/>
-                      <a:ext cx="131" cy="43390"/>
-                    </a:xfrm>
-                    <a:prstGeom prst="line">
-                      <a:avLst/>
-                    </a:prstGeom>
-                    <a:ln w="12700">
-                      <a:solidFill>
-                        <a:schemeClr val="tx1"/>
-                      </a:solidFill>
-                    </a:ln>
-                  </p:spPr>
-                  <p:style>
-                    <a:lnRef idx="1">
-                      <a:schemeClr val="accent1"/>
-                    </a:lnRef>
-                    <a:fillRef idx="0">
-                      <a:schemeClr val="accent1"/>
-                    </a:fillRef>
-                    <a:effectRef idx="0">
-                      <a:schemeClr val="accent1"/>
-                    </a:effectRef>
-                    <a:fontRef idx="minor">
-                      <a:schemeClr val="tx1"/>
-                    </a:fontRef>
-                  </p:style>
-                </p:cxnSp>
-                <p:cxnSp>
-                  <p:nvCxnSpPr>
-                    <p:cNvPr id="118" name="Straight Connector 117">
-                      <a:extLst>
-                        <a:ext uri="{FF2B5EF4-FFF2-40B4-BE49-F238E27FC236}">
-                          <a16:creationId xmlns:a16="http://schemas.microsoft.com/office/drawing/2014/main" id="{7074596B-68B2-0444-AF17-D09A0321EDE5}"/>
-                        </a:ext>
-                      </a:extLst>
-                    </p:cNvPr>
-                    <p:cNvCxnSpPr>
-                      <a:cxnSpLocks/>
-                    </p:cNvCxnSpPr>
-                    <p:nvPr/>
-                  </p:nvCxnSpPr>
-                  <p:spPr>
-                    <a:xfrm flipV="1">
-                      <a:off x="13643884" y="16293596"/>
-                      <a:ext cx="0" cy="43434"/>
-                    </a:xfrm>
-                    <a:prstGeom prst="line">
-                      <a:avLst/>
-                    </a:prstGeom>
-                    <a:ln w="12700">
-                      <a:solidFill>
-                        <a:schemeClr val="tx1"/>
-                      </a:solidFill>
-                    </a:ln>
-                  </p:spPr>
-                  <p:style>
-                    <a:lnRef idx="1">
-                      <a:schemeClr val="accent1"/>
-                    </a:lnRef>
-                    <a:fillRef idx="0">
-                      <a:schemeClr val="accent1"/>
-                    </a:fillRef>
-                    <a:effectRef idx="0">
-                      <a:schemeClr val="accent1"/>
-                    </a:effectRef>
-                    <a:fontRef idx="minor">
-                      <a:schemeClr val="tx1"/>
-                    </a:fontRef>
-                  </p:style>
-                </p:cxnSp>
-                <p:cxnSp>
-                  <p:nvCxnSpPr>
-                    <p:cNvPr id="121" name="Straight Connector 120">
-                      <a:extLst>
-                        <a:ext uri="{FF2B5EF4-FFF2-40B4-BE49-F238E27FC236}">
-                          <a16:creationId xmlns:a16="http://schemas.microsoft.com/office/drawing/2014/main" id="{5D207773-C870-5906-E8E2-992EB51ED732}"/>
-                        </a:ext>
-                      </a:extLst>
-                    </p:cNvPr>
-                    <p:cNvCxnSpPr>
-                      <a:cxnSpLocks/>
-                    </p:cNvCxnSpPr>
-                    <p:nvPr/>
-                  </p:nvCxnSpPr>
-                  <p:spPr>
-                    <a:xfrm flipV="1">
-                      <a:off x="14238973" y="16293722"/>
-                      <a:ext cx="0" cy="43308"/>
-                    </a:xfrm>
-                    <a:prstGeom prst="line">
-                      <a:avLst/>
-                    </a:prstGeom>
-                    <a:ln w="12700">
-                      <a:solidFill>
-                        <a:schemeClr val="tx1"/>
-                      </a:solidFill>
-                    </a:ln>
-                  </p:spPr>
-                  <p:style>
-                    <a:lnRef idx="1">
-                      <a:schemeClr val="accent1"/>
-                    </a:lnRef>
-                    <a:fillRef idx="0">
-                      <a:schemeClr val="accent1"/>
-                    </a:fillRef>
-                    <a:effectRef idx="0">
-                      <a:schemeClr val="accent1"/>
-                    </a:effectRef>
-                    <a:fontRef idx="minor">
-                      <a:schemeClr val="tx1"/>
-                    </a:fontRef>
-                  </p:style>
-                </p:cxnSp>
-                <p:cxnSp>
-                  <p:nvCxnSpPr>
-                    <p:cNvPr id="122" name="Straight Connector 121">
-                      <a:extLst>
-                        <a:ext uri="{FF2B5EF4-FFF2-40B4-BE49-F238E27FC236}">
-                          <a16:creationId xmlns:a16="http://schemas.microsoft.com/office/drawing/2014/main" id="{465AA00B-93EC-B5F0-0FEF-E1FEEDA07F64}"/>
-                        </a:ext>
-                      </a:extLst>
-                    </p:cNvPr>
-                    <p:cNvCxnSpPr>
-                      <a:cxnSpLocks/>
-                    </p:cNvCxnSpPr>
-                    <p:nvPr/>
-                  </p:nvCxnSpPr>
-                  <p:spPr>
-                    <a:xfrm flipV="1">
-                      <a:off x="13843670" y="16293934"/>
-                      <a:ext cx="0" cy="43096"/>
-                    </a:xfrm>
-                    <a:prstGeom prst="line">
-                      <a:avLst/>
-                    </a:prstGeom>
-                    <a:ln w="12700">
-                      <a:solidFill>
-                        <a:schemeClr val="tx1"/>
-                      </a:solidFill>
-                    </a:ln>
-                  </p:spPr>
-                  <p:style>
-                    <a:lnRef idx="1">
-                      <a:schemeClr val="accent1"/>
-                    </a:lnRef>
-                    <a:fillRef idx="0">
-                      <a:schemeClr val="accent1"/>
-                    </a:fillRef>
-                    <a:effectRef idx="0">
-                      <a:schemeClr val="accent1"/>
-                    </a:effectRef>
-                    <a:fontRef idx="minor">
-                      <a:schemeClr val="tx1"/>
-                    </a:fontRef>
-                  </p:style>
-                </p:cxnSp>
-                <p:cxnSp>
-                  <p:nvCxnSpPr>
-                    <p:cNvPr id="136" name="Straight Connector 135">
-                      <a:extLst>
-                        <a:ext uri="{FF2B5EF4-FFF2-40B4-BE49-F238E27FC236}">
-                          <a16:creationId xmlns:a16="http://schemas.microsoft.com/office/drawing/2014/main" id="{2073539D-3859-70FC-C733-A4E299FFA421}"/>
-                        </a:ext>
-                      </a:extLst>
-                    </p:cNvPr>
-                    <p:cNvCxnSpPr>
-                      <a:cxnSpLocks/>
-                    </p:cNvCxnSpPr>
-                    <p:nvPr/>
-                  </p:nvCxnSpPr>
-                  <p:spPr>
-                    <a:xfrm flipV="1">
-                      <a:off x="13641319" y="16292791"/>
-                      <a:ext cx="801394" cy="1101"/>
-                    </a:xfrm>
-                    <a:prstGeom prst="line">
-                      <a:avLst/>
-                    </a:prstGeom>
-                    <a:ln w="12700">
-                      <a:solidFill>
-                        <a:schemeClr val="tx1"/>
-                      </a:solidFill>
-                    </a:ln>
-                  </p:spPr>
-                  <p:style>
-                    <a:lnRef idx="1">
-                      <a:schemeClr val="accent1"/>
-                    </a:lnRef>
-                    <a:fillRef idx="0">
-                      <a:schemeClr val="accent1"/>
-                    </a:fillRef>
-                    <a:effectRef idx="0">
-                      <a:schemeClr val="accent1"/>
-                    </a:effectRef>
-                    <a:fontRef idx="minor">
-                      <a:schemeClr val="tx1"/>
-                    </a:fontRef>
-                  </p:style>
-                </p:cxnSp>
-              </p:grpSp>
-            </p:grpSp>
-            <p:sp>
-              <p:nvSpPr>
-                <p:cNvPr id="162" name="TextBox 161">
-                  <a:extLst>
-                    <a:ext uri="{FF2B5EF4-FFF2-40B4-BE49-F238E27FC236}">
-                      <a16:creationId xmlns:a16="http://schemas.microsoft.com/office/drawing/2014/main" id="{CC8F5FD7-D31A-ED4F-DB75-981ED1BDBE1F}"/>
-                    </a:ext>
-                  </a:extLst>
-                </p:cNvPr>
-                <p:cNvSpPr txBox="1"/>
-                <p:nvPr/>
-              </p:nvSpPr>
-              <p:spPr>
-                <a:xfrm>
-                  <a:off x="12201429" y="17100306"/>
-                  <a:ext cx="1162231" cy="187843"/>
-                </a:xfrm>
-                <a:prstGeom prst="rect">
-                  <a:avLst/>
-                </a:prstGeom>
-                <a:noFill/>
-              </p:spPr>
-              <p:txBody>
-                <a:bodyPr wrap="square" rtlCol="0">
-                  <a:spAutoFit/>
-                </a:bodyPr>
-                <a:lstStyle/>
-                <a:p>
-                  <a:r>
-                    <a:rPr lang="en-US" sz="500" dirty="0"/>
-                    <a:t>0.8   0.85   0.9   0.95   0.99</a:t>
-                  </a:r>
-                </a:p>
-              </p:txBody>
-            </p:sp>
-          </p:grpSp>
-          <p:sp>
-            <p:nvSpPr>
-              <p:cNvPr id="167" name="TextBox 166">
-                <a:extLst>
-                  <a:ext uri="{FF2B5EF4-FFF2-40B4-BE49-F238E27FC236}">
-                    <a16:creationId xmlns:a16="http://schemas.microsoft.com/office/drawing/2014/main" id="{2D1ED562-7B87-2337-8B52-A6A25AD10149}"/>
-                  </a:ext>
-                </a:extLst>
-              </p:cNvPr>
-              <p:cNvSpPr txBox="1"/>
-              <p:nvPr/>
-            </p:nvSpPr>
-            <p:spPr>
-              <a:xfrm>
-                <a:off x="13231988" y="16318464"/>
-                <a:ext cx="1112310" cy="192358"/>
-              </a:xfrm>
-              <a:prstGeom prst="rect">
-                <a:avLst/>
-              </a:prstGeom>
-              <a:noFill/>
-            </p:spPr>
-            <p:txBody>
-              <a:bodyPr wrap="square" rtlCol="0">
-                <a:spAutoFit/>
-              </a:bodyPr>
-              <a:lstStyle/>
-              <a:p>
-                <a:pPr algn="ctr"/>
-                <a:r>
-                  <a:rPr lang="en-US" sz="650" dirty="0"/>
-                  <a:t>Variable importance</a:t>
-                </a:r>
-              </a:p>
-            </p:txBody>
-          </p:sp>
-        </p:grpSp>
-      </p:grpSp>
-      <p:grpSp>
-        <p:nvGrpSpPr>
-          <p:cNvPr id="213" name="Group 212">
-            <a:extLst>
-              <a:ext uri="{FF2B5EF4-FFF2-40B4-BE49-F238E27FC236}">
-                <a16:creationId xmlns:a16="http://schemas.microsoft.com/office/drawing/2014/main" id="{41C95BD2-B764-31DB-3F71-917B7D846CC5}"/>
-              </a:ext>
-            </a:extLst>
-          </p:cNvPr>
-          <p:cNvGrpSpPr/>
-          <p:nvPr/>
-        </p:nvGrpSpPr>
-        <p:grpSpPr>
-          <a:xfrm>
-            <a:off x="-6149255" y="17041927"/>
-            <a:ext cx="1351355" cy="483204"/>
-            <a:chOff x="8333982" y="17270387"/>
-            <a:chExt cx="1351355" cy="483204"/>
-          </a:xfrm>
-        </p:grpSpPr>
-        <p:sp>
-          <p:nvSpPr>
-            <p:cNvPr id="184" name="Rectangle 183">
-              <a:extLst>
-                <a:ext uri="{FF2B5EF4-FFF2-40B4-BE49-F238E27FC236}">
-                  <a16:creationId xmlns:a16="http://schemas.microsoft.com/office/drawing/2014/main" id="{F92E7665-A014-C1F3-7F6B-2C2DCE00B4E1}"/>
-                </a:ext>
-              </a:extLst>
-            </p:cNvPr>
-            <p:cNvSpPr/>
-            <p:nvPr/>
-          </p:nvSpPr>
-          <p:spPr>
-            <a:xfrm>
-              <a:off x="8367847" y="17270387"/>
-              <a:ext cx="1178319" cy="446338"/>
-            </a:xfrm>
-            <a:prstGeom prst="rect">
-              <a:avLst/>
-            </a:prstGeom>
-            <a:solidFill>
-              <a:schemeClr val="bg1"/>
-            </a:solidFill>
-            <a:ln w="3175">
-              <a:solidFill>
-                <a:schemeClr val="tx1"/>
-              </a:solidFill>
-            </a:ln>
-          </p:spPr>
-          <p:style>
-            <a:lnRef idx="2">
-              <a:schemeClr val="accent1">
-                <a:shade val="15000"/>
-              </a:schemeClr>
-            </a:lnRef>
-            <a:fillRef idx="1">
-              <a:schemeClr val="accent1"/>
-            </a:fillRef>
-            <a:effectRef idx="0">
-              <a:schemeClr val="accent1"/>
-            </a:effectRef>
-            <a:fontRef idx="minor">
-              <a:schemeClr val="lt1"/>
-            </a:fontRef>
-          </p:style>
-          <p:txBody>
-            <a:bodyPr rtlCol="0" anchor="ctr"/>
-            <a:lstStyle/>
-            <a:p>
-              <a:pPr algn="ctr"/>
-              <a:endParaRPr lang="en-US" dirty="0"/>
-            </a:p>
-          </p:txBody>
-        </p:sp>
-        <p:pic>
-          <p:nvPicPr>
-            <p:cNvPr id="190" name="Graphic 189">
-              <a:extLst>
-                <a:ext uri="{FF2B5EF4-FFF2-40B4-BE49-F238E27FC236}">
-                  <a16:creationId xmlns:a16="http://schemas.microsoft.com/office/drawing/2014/main" id="{F755537F-C54D-C28F-EBE4-8AA43D85244E}"/>
-                </a:ext>
-              </a:extLst>
-            </p:cNvPr>
-            <p:cNvPicPr>
-              <a:picLocks noChangeAspect="1"/>
-            </p:cNvPicPr>
-            <p:nvPr/>
-          </p:nvPicPr>
-          <p:blipFill>
-            <a:blip r:embed="rId12">
-              <a:extLst>
-                <a:ext uri="{96DAC541-7B7A-43D3-8B79-37D633B846F1}">
-                  <asvg:svgBlip xmlns:asvg="http://schemas.microsoft.com/office/drawing/2016/SVG/main" r:embed="rId13"/>
-                </a:ext>
-              </a:extLst>
-            </a:blip>
-            <a:srcRect l="84135" t="17435" r="14314" b="26092"/>
-            <a:stretch/>
-          </p:blipFill>
-          <p:spPr>
-            <a:xfrm rot="5400000">
-              <a:off x="8916564" y="17014225"/>
-              <a:ext cx="68802" cy="920901"/>
-            </a:xfrm>
-            <a:prstGeom prst="rect">
-              <a:avLst/>
-            </a:prstGeom>
-          </p:spPr>
-        </p:pic>
-        <p:cxnSp>
-          <p:nvCxnSpPr>
-            <p:cNvPr id="192" name="Straight Connector 191">
-              <a:extLst>
-                <a:ext uri="{FF2B5EF4-FFF2-40B4-BE49-F238E27FC236}">
-                  <a16:creationId xmlns:a16="http://schemas.microsoft.com/office/drawing/2014/main" id="{509D304D-45F8-A39B-83C6-BA1DBA0CB1DF}"/>
-                </a:ext>
-              </a:extLst>
-            </p:cNvPr>
-            <p:cNvCxnSpPr>
-              <a:cxnSpLocks/>
-            </p:cNvCxnSpPr>
-            <p:nvPr/>
-          </p:nvCxnSpPr>
-          <p:spPr>
-            <a:xfrm flipV="1">
-              <a:off x="8948690" y="17535676"/>
-              <a:ext cx="0" cy="49491"/>
-            </a:xfrm>
-            <a:prstGeom prst="line">
-              <a:avLst/>
-            </a:prstGeom>
-            <a:ln w="12700">
-              <a:solidFill>
-                <a:schemeClr val="tx1"/>
-              </a:solidFill>
-            </a:ln>
-          </p:spPr>
-          <p:style>
-            <a:lnRef idx="1">
-              <a:schemeClr val="accent1"/>
-            </a:lnRef>
-            <a:fillRef idx="0">
-              <a:schemeClr val="accent1"/>
-            </a:fillRef>
-            <a:effectRef idx="0">
-              <a:schemeClr val="accent1"/>
-            </a:effectRef>
-            <a:fontRef idx="minor">
-              <a:schemeClr val="tx1"/>
-            </a:fontRef>
-          </p:style>
-        </p:cxnSp>
-        <p:cxnSp>
-          <p:nvCxnSpPr>
-            <p:cNvPr id="193" name="Straight Connector 192">
-              <a:extLst>
-                <a:ext uri="{FF2B5EF4-FFF2-40B4-BE49-F238E27FC236}">
-                  <a16:creationId xmlns:a16="http://schemas.microsoft.com/office/drawing/2014/main" id="{C670982E-3B79-61E3-80FB-AF69EFFEA0AF}"/>
-                </a:ext>
-              </a:extLst>
-            </p:cNvPr>
-            <p:cNvCxnSpPr>
-              <a:cxnSpLocks/>
-            </p:cNvCxnSpPr>
-            <p:nvPr/>
-          </p:nvCxnSpPr>
-          <p:spPr>
-            <a:xfrm flipV="1">
-              <a:off x="9411264" y="17535463"/>
-              <a:ext cx="152" cy="49704"/>
-            </a:xfrm>
-            <a:prstGeom prst="line">
-              <a:avLst/>
-            </a:prstGeom>
-            <a:ln w="12700">
-              <a:solidFill>
-                <a:schemeClr val="tx1"/>
-              </a:solidFill>
-            </a:ln>
-          </p:spPr>
-          <p:style>
-            <a:lnRef idx="1">
-              <a:schemeClr val="accent1"/>
-            </a:lnRef>
-            <a:fillRef idx="0">
-              <a:schemeClr val="accent1"/>
-            </a:fillRef>
-            <a:effectRef idx="0">
-              <a:schemeClr val="accent1"/>
-            </a:effectRef>
-            <a:fontRef idx="minor">
-              <a:schemeClr val="tx1"/>
-            </a:fontRef>
-          </p:style>
-        </p:cxnSp>
-        <p:cxnSp>
-          <p:nvCxnSpPr>
-            <p:cNvPr id="194" name="Straight Connector 193">
-              <a:extLst>
-                <a:ext uri="{FF2B5EF4-FFF2-40B4-BE49-F238E27FC236}">
-                  <a16:creationId xmlns:a16="http://schemas.microsoft.com/office/drawing/2014/main" id="{D62F2211-1E8F-57CE-C7A3-1D4A9CAA1FE1}"/>
-                </a:ext>
-              </a:extLst>
-            </p:cNvPr>
-            <p:cNvCxnSpPr>
-              <a:cxnSpLocks/>
-            </p:cNvCxnSpPr>
-            <p:nvPr/>
-          </p:nvCxnSpPr>
-          <p:spPr>
-            <a:xfrm flipV="1">
-              <a:off x="8489896" y="17535412"/>
-              <a:ext cx="0" cy="49755"/>
-            </a:xfrm>
-            <a:prstGeom prst="line">
-              <a:avLst/>
-            </a:prstGeom>
-            <a:ln w="12700">
-              <a:solidFill>
-                <a:schemeClr val="tx1"/>
-              </a:solidFill>
-            </a:ln>
-          </p:spPr>
-          <p:style>
-            <a:lnRef idx="1">
-              <a:schemeClr val="accent1"/>
-            </a:lnRef>
-            <a:fillRef idx="0">
-              <a:schemeClr val="accent1"/>
-            </a:fillRef>
-            <a:effectRef idx="0">
-              <a:schemeClr val="accent1"/>
-            </a:effectRef>
-            <a:fontRef idx="minor">
-              <a:schemeClr val="tx1"/>
-            </a:fontRef>
-          </p:style>
-        </p:cxnSp>
-        <p:cxnSp>
-          <p:nvCxnSpPr>
-            <p:cNvPr id="195" name="Straight Connector 194">
-              <a:extLst>
-                <a:ext uri="{FF2B5EF4-FFF2-40B4-BE49-F238E27FC236}">
-                  <a16:creationId xmlns:a16="http://schemas.microsoft.com/office/drawing/2014/main" id="{901F568A-2F33-81DD-03CE-10EA2B338B14}"/>
-                </a:ext>
-              </a:extLst>
-            </p:cNvPr>
-            <p:cNvCxnSpPr>
-              <a:cxnSpLocks/>
-            </p:cNvCxnSpPr>
-            <p:nvPr/>
-          </p:nvCxnSpPr>
-          <p:spPr>
-            <a:xfrm flipV="1">
-              <a:off x="9178215" y="17535556"/>
-              <a:ext cx="0" cy="49611"/>
-            </a:xfrm>
-            <a:prstGeom prst="line">
-              <a:avLst/>
-            </a:prstGeom>
-            <a:ln w="12700">
-              <a:solidFill>
-                <a:schemeClr val="tx1"/>
-              </a:solidFill>
-            </a:ln>
-          </p:spPr>
-          <p:style>
-            <a:lnRef idx="1">
-              <a:schemeClr val="accent1"/>
-            </a:lnRef>
-            <a:fillRef idx="0">
-              <a:schemeClr val="accent1"/>
-            </a:fillRef>
-            <a:effectRef idx="0">
-              <a:schemeClr val="accent1"/>
-            </a:effectRef>
-            <a:fontRef idx="minor">
-              <a:schemeClr val="tx1"/>
-            </a:fontRef>
-          </p:style>
-        </p:cxnSp>
-        <p:cxnSp>
-          <p:nvCxnSpPr>
-            <p:cNvPr id="196" name="Straight Connector 195">
-              <a:extLst>
-                <a:ext uri="{FF2B5EF4-FFF2-40B4-BE49-F238E27FC236}">
-                  <a16:creationId xmlns:a16="http://schemas.microsoft.com/office/drawing/2014/main" id="{B53F2D92-AC9B-6590-ED59-89F0FBAEFEFA}"/>
-                </a:ext>
-              </a:extLst>
-            </p:cNvPr>
-            <p:cNvCxnSpPr>
-              <a:cxnSpLocks/>
-            </p:cNvCxnSpPr>
-            <p:nvPr/>
-          </p:nvCxnSpPr>
-          <p:spPr>
-            <a:xfrm flipV="1">
-              <a:off x="8720982" y="17535799"/>
-              <a:ext cx="0" cy="49368"/>
-            </a:xfrm>
-            <a:prstGeom prst="line">
-              <a:avLst/>
-            </a:prstGeom>
-            <a:ln w="12700">
-              <a:solidFill>
-                <a:schemeClr val="tx1"/>
-              </a:solidFill>
-            </a:ln>
-          </p:spPr>
-          <p:style>
-            <a:lnRef idx="1">
-              <a:schemeClr val="accent1"/>
-            </a:lnRef>
-            <a:fillRef idx="0">
-              <a:schemeClr val="accent1"/>
-            </a:fillRef>
-            <a:effectRef idx="0">
-              <a:schemeClr val="accent1"/>
-            </a:effectRef>
-            <a:fontRef idx="minor">
-              <a:schemeClr val="tx1"/>
-            </a:fontRef>
-          </p:style>
-        </p:cxnSp>
-        <p:cxnSp>
-          <p:nvCxnSpPr>
-            <p:cNvPr id="197" name="Straight Connector 196">
-              <a:extLst>
-                <a:ext uri="{FF2B5EF4-FFF2-40B4-BE49-F238E27FC236}">
-                  <a16:creationId xmlns:a16="http://schemas.microsoft.com/office/drawing/2014/main" id="{8091966C-EF5C-E2B6-EC81-0DBEE4C2E818}"/>
-                </a:ext>
-              </a:extLst>
-            </p:cNvPr>
-            <p:cNvCxnSpPr>
-              <a:cxnSpLocks/>
-            </p:cNvCxnSpPr>
-            <p:nvPr/>
-          </p:nvCxnSpPr>
-          <p:spPr>
-            <a:xfrm flipV="1">
-              <a:off x="8486929" y="17534490"/>
-              <a:ext cx="926946" cy="1261"/>
-            </a:xfrm>
-            <a:prstGeom prst="line">
-              <a:avLst/>
-            </a:prstGeom>
-            <a:ln w="12700">
-              <a:solidFill>
-                <a:schemeClr val="tx1"/>
-              </a:solidFill>
-            </a:ln>
-          </p:spPr>
-          <p:style>
-            <a:lnRef idx="1">
-              <a:schemeClr val="accent1"/>
-            </a:lnRef>
-            <a:fillRef idx="0">
-              <a:schemeClr val="accent1"/>
-            </a:fillRef>
-            <a:effectRef idx="0">
-              <a:schemeClr val="accent1"/>
-            </a:effectRef>
-            <a:fontRef idx="minor">
-              <a:schemeClr val="tx1"/>
-            </a:fontRef>
-          </p:style>
-        </p:cxnSp>
-        <p:sp>
-          <p:nvSpPr>
-            <p:cNvPr id="189" name="TextBox 188">
-              <a:extLst>
-                <a:ext uri="{FF2B5EF4-FFF2-40B4-BE49-F238E27FC236}">
-                  <a16:creationId xmlns:a16="http://schemas.microsoft.com/office/drawing/2014/main" id="{66E89508-34D3-8952-484D-07BACB6FDDAE}"/>
-                </a:ext>
-              </a:extLst>
-            </p:cNvPr>
-            <p:cNvSpPr txBox="1"/>
-            <p:nvPr/>
-          </p:nvSpPr>
-          <p:spPr>
-            <a:xfrm>
-              <a:off x="8333982" y="17553536"/>
-              <a:ext cx="1351355" cy="200055"/>
-            </a:xfrm>
-            <a:prstGeom prst="rect">
-              <a:avLst/>
-            </a:prstGeom>
-            <a:noFill/>
-          </p:spPr>
-          <p:txBody>
-            <a:bodyPr wrap="square" rtlCol="0">
-              <a:spAutoFit/>
-            </a:bodyPr>
-            <a:lstStyle/>
-            <a:p>
-              <a:r>
-                <a:rPr lang="en-US" sz="700" dirty="0"/>
-                <a:t>0.8   0.85   0.9   0.95   0.99</a:t>
-              </a:r>
-            </a:p>
-          </p:txBody>
-        </p:sp>
-        <p:sp>
-          <p:nvSpPr>
-            <p:cNvPr id="187" name="TextBox 186">
-              <a:extLst>
-                <a:ext uri="{FF2B5EF4-FFF2-40B4-BE49-F238E27FC236}">
-                  <a16:creationId xmlns:a16="http://schemas.microsoft.com/office/drawing/2014/main" id="{6A686649-040E-5411-8E60-C0D6AA5BF270}"/>
-                </a:ext>
-              </a:extLst>
-            </p:cNvPr>
-            <p:cNvSpPr txBox="1"/>
-            <p:nvPr/>
-          </p:nvSpPr>
-          <p:spPr>
-            <a:xfrm>
-              <a:off x="8400251" y="17274620"/>
-              <a:ext cx="1096878" cy="200055"/>
-            </a:xfrm>
-            <a:prstGeom prst="rect">
-              <a:avLst/>
-            </a:prstGeom>
-            <a:noFill/>
-          </p:spPr>
-          <p:txBody>
-            <a:bodyPr wrap="square" rtlCol="0">
-              <a:spAutoFit/>
-            </a:bodyPr>
-            <a:lstStyle/>
-            <a:p>
-              <a:pPr algn="ctr"/>
-              <a:r>
-                <a:rPr lang="en-US" sz="700" dirty="0"/>
-                <a:t>Variable importance</a:t>
-              </a:r>
-            </a:p>
-          </p:txBody>
-        </p:sp>
-      </p:grpSp>
-      <p:grpSp>
-        <p:nvGrpSpPr>
-          <p:cNvPr id="215" name="Group 214">
-            <a:extLst>
-              <a:ext uri="{FF2B5EF4-FFF2-40B4-BE49-F238E27FC236}">
-                <a16:creationId xmlns:a16="http://schemas.microsoft.com/office/drawing/2014/main" id="{C4EBB1BC-7B77-C61C-99FD-80F003DE1B40}"/>
-              </a:ext>
-            </a:extLst>
-          </p:cNvPr>
-          <p:cNvGrpSpPr/>
-          <p:nvPr/>
-        </p:nvGrpSpPr>
-        <p:grpSpPr>
-          <a:xfrm>
-            <a:off x="-8354485" y="16839884"/>
-            <a:ext cx="1351355" cy="478971"/>
-            <a:chOff x="8333982" y="17274620"/>
-            <a:chExt cx="1351355" cy="478971"/>
-          </a:xfrm>
-        </p:grpSpPr>
-        <p:sp>
-          <p:nvSpPr>
-            <p:cNvPr id="216" name="Rectangle 215">
-              <a:extLst>
-                <a:ext uri="{FF2B5EF4-FFF2-40B4-BE49-F238E27FC236}">
-                  <a16:creationId xmlns:a16="http://schemas.microsoft.com/office/drawing/2014/main" id="{B6651BA8-A21F-2D24-BCBC-410FB9FEA02A}"/>
-                </a:ext>
-              </a:extLst>
-            </p:cNvPr>
-            <p:cNvSpPr/>
-            <p:nvPr/>
-          </p:nvSpPr>
-          <p:spPr>
-            <a:xfrm>
-              <a:off x="8419126" y="17319943"/>
-              <a:ext cx="1084355" cy="374400"/>
-            </a:xfrm>
-            <a:prstGeom prst="rect">
-              <a:avLst/>
-            </a:prstGeom>
-            <a:solidFill>
-              <a:schemeClr val="bg1"/>
-            </a:solidFill>
-            <a:ln w="3175">
-              <a:noFill/>
-            </a:ln>
-          </p:spPr>
-          <p:style>
-            <a:lnRef idx="2">
-              <a:schemeClr val="accent1">
-                <a:shade val="15000"/>
-              </a:schemeClr>
-            </a:lnRef>
-            <a:fillRef idx="1">
-              <a:schemeClr val="accent1"/>
-            </a:fillRef>
-            <a:effectRef idx="0">
-              <a:schemeClr val="accent1"/>
-            </a:effectRef>
-            <a:fontRef idx="minor">
-              <a:schemeClr val="lt1"/>
-            </a:fontRef>
-          </p:style>
-          <p:txBody>
-            <a:bodyPr rtlCol="0" anchor="ctr"/>
-            <a:lstStyle/>
-            <a:p>
-              <a:pPr algn="ctr"/>
-              <a:endParaRPr lang="en-US" dirty="0"/>
-            </a:p>
-          </p:txBody>
-        </p:sp>
-        <p:pic>
-          <p:nvPicPr>
-            <p:cNvPr id="217" name="Graphic 216">
-              <a:extLst>
-                <a:ext uri="{FF2B5EF4-FFF2-40B4-BE49-F238E27FC236}">
-                  <a16:creationId xmlns:a16="http://schemas.microsoft.com/office/drawing/2014/main" id="{99DE8EB3-30C9-0290-3D9A-4EBF859A618E}"/>
-                </a:ext>
-              </a:extLst>
-            </p:cNvPr>
-            <p:cNvPicPr>
-              <a:picLocks noChangeAspect="1"/>
-            </p:cNvPicPr>
-            <p:nvPr/>
-          </p:nvPicPr>
-          <p:blipFill>
-            <a:blip r:embed="rId12">
-              <a:extLst>
-                <a:ext uri="{96DAC541-7B7A-43D3-8B79-37D633B846F1}">
-                  <asvg:svgBlip xmlns:asvg="http://schemas.microsoft.com/office/drawing/2016/SVG/main" r:embed="rId13"/>
-                </a:ext>
-              </a:extLst>
-            </a:blip>
-            <a:srcRect l="84135" t="17435" r="14314" b="26092"/>
-            <a:stretch/>
-          </p:blipFill>
-          <p:spPr>
-            <a:xfrm rot="5400000">
-              <a:off x="8916564" y="17014225"/>
-              <a:ext cx="68802" cy="920901"/>
-            </a:xfrm>
-            <a:prstGeom prst="rect">
-              <a:avLst/>
-            </a:prstGeom>
-          </p:spPr>
-        </p:pic>
-        <p:cxnSp>
-          <p:nvCxnSpPr>
-            <p:cNvPr id="218" name="Straight Connector 217">
-              <a:extLst>
-                <a:ext uri="{FF2B5EF4-FFF2-40B4-BE49-F238E27FC236}">
-                  <a16:creationId xmlns:a16="http://schemas.microsoft.com/office/drawing/2014/main" id="{8A78B521-FFF4-FE06-349A-E14B710ACE02}"/>
-                </a:ext>
-              </a:extLst>
-            </p:cNvPr>
-            <p:cNvCxnSpPr>
-              <a:cxnSpLocks/>
-            </p:cNvCxnSpPr>
-            <p:nvPr/>
-          </p:nvCxnSpPr>
-          <p:spPr>
-            <a:xfrm flipV="1">
-              <a:off x="8948690" y="17535676"/>
-              <a:ext cx="0" cy="49491"/>
-            </a:xfrm>
-            <a:prstGeom prst="line">
-              <a:avLst/>
-            </a:prstGeom>
-            <a:ln w="12700">
-              <a:solidFill>
-                <a:schemeClr val="tx1"/>
-              </a:solidFill>
-            </a:ln>
-          </p:spPr>
-          <p:style>
-            <a:lnRef idx="1">
-              <a:schemeClr val="accent1"/>
-            </a:lnRef>
-            <a:fillRef idx="0">
-              <a:schemeClr val="accent1"/>
-            </a:fillRef>
-            <a:effectRef idx="0">
-              <a:schemeClr val="accent1"/>
-            </a:effectRef>
-            <a:fontRef idx="minor">
-              <a:schemeClr val="tx1"/>
-            </a:fontRef>
-          </p:style>
-        </p:cxnSp>
-        <p:cxnSp>
-          <p:nvCxnSpPr>
-            <p:cNvPr id="219" name="Straight Connector 218">
-              <a:extLst>
-                <a:ext uri="{FF2B5EF4-FFF2-40B4-BE49-F238E27FC236}">
-                  <a16:creationId xmlns:a16="http://schemas.microsoft.com/office/drawing/2014/main" id="{DC35E22F-D2B1-C793-CFCF-9AF1E3C8ECA1}"/>
-                </a:ext>
-              </a:extLst>
-            </p:cNvPr>
-            <p:cNvCxnSpPr>
-              <a:cxnSpLocks/>
-            </p:cNvCxnSpPr>
-            <p:nvPr/>
-          </p:nvCxnSpPr>
-          <p:spPr>
-            <a:xfrm flipV="1">
-              <a:off x="9411264" y="17535463"/>
-              <a:ext cx="152" cy="49704"/>
-            </a:xfrm>
-            <a:prstGeom prst="line">
-              <a:avLst/>
-            </a:prstGeom>
-            <a:ln w="12700">
-              <a:solidFill>
-                <a:schemeClr val="tx1"/>
-              </a:solidFill>
-            </a:ln>
-          </p:spPr>
-          <p:style>
-            <a:lnRef idx="1">
-              <a:schemeClr val="accent1"/>
-            </a:lnRef>
-            <a:fillRef idx="0">
-              <a:schemeClr val="accent1"/>
-            </a:fillRef>
-            <a:effectRef idx="0">
-              <a:schemeClr val="accent1"/>
-            </a:effectRef>
-            <a:fontRef idx="minor">
-              <a:schemeClr val="tx1"/>
-            </a:fontRef>
-          </p:style>
-        </p:cxnSp>
-        <p:cxnSp>
-          <p:nvCxnSpPr>
-            <p:cNvPr id="220" name="Straight Connector 219">
-              <a:extLst>
-                <a:ext uri="{FF2B5EF4-FFF2-40B4-BE49-F238E27FC236}">
-                  <a16:creationId xmlns:a16="http://schemas.microsoft.com/office/drawing/2014/main" id="{0A9DEB83-9D5E-9901-BDD2-1E6ABBAABD8D}"/>
-                </a:ext>
-              </a:extLst>
-            </p:cNvPr>
-            <p:cNvCxnSpPr>
-              <a:cxnSpLocks/>
-            </p:cNvCxnSpPr>
-            <p:nvPr/>
-          </p:nvCxnSpPr>
-          <p:spPr>
-            <a:xfrm flipV="1">
-              <a:off x="8489896" y="17535412"/>
-              <a:ext cx="0" cy="49755"/>
-            </a:xfrm>
-            <a:prstGeom prst="line">
-              <a:avLst/>
-            </a:prstGeom>
-            <a:ln w="12700">
-              <a:solidFill>
-                <a:schemeClr val="tx1"/>
-              </a:solidFill>
-            </a:ln>
-          </p:spPr>
-          <p:style>
-            <a:lnRef idx="1">
-              <a:schemeClr val="accent1"/>
-            </a:lnRef>
-            <a:fillRef idx="0">
-              <a:schemeClr val="accent1"/>
-            </a:fillRef>
-            <a:effectRef idx="0">
-              <a:schemeClr val="accent1"/>
-            </a:effectRef>
-            <a:fontRef idx="minor">
-              <a:schemeClr val="tx1"/>
-            </a:fontRef>
-          </p:style>
-        </p:cxnSp>
-        <p:cxnSp>
-          <p:nvCxnSpPr>
-            <p:cNvPr id="221" name="Straight Connector 220">
-              <a:extLst>
-                <a:ext uri="{FF2B5EF4-FFF2-40B4-BE49-F238E27FC236}">
-                  <a16:creationId xmlns:a16="http://schemas.microsoft.com/office/drawing/2014/main" id="{47863671-4812-A2A1-FCF8-1440F3A29666}"/>
-                </a:ext>
-              </a:extLst>
-            </p:cNvPr>
-            <p:cNvCxnSpPr>
-              <a:cxnSpLocks/>
-            </p:cNvCxnSpPr>
-            <p:nvPr/>
-          </p:nvCxnSpPr>
-          <p:spPr>
-            <a:xfrm flipV="1">
-              <a:off x="9178215" y="17535556"/>
-              <a:ext cx="0" cy="49611"/>
-            </a:xfrm>
-            <a:prstGeom prst="line">
-              <a:avLst/>
-            </a:prstGeom>
-            <a:ln w="12700">
-              <a:solidFill>
-                <a:schemeClr val="tx1"/>
-              </a:solidFill>
-            </a:ln>
-          </p:spPr>
-          <p:style>
-            <a:lnRef idx="1">
-              <a:schemeClr val="accent1"/>
-            </a:lnRef>
-            <a:fillRef idx="0">
-              <a:schemeClr val="accent1"/>
-            </a:fillRef>
-            <a:effectRef idx="0">
-              <a:schemeClr val="accent1"/>
-            </a:effectRef>
-            <a:fontRef idx="minor">
-              <a:schemeClr val="tx1"/>
-            </a:fontRef>
-          </p:style>
-        </p:cxnSp>
-        <p:cxnSp>
-          <p:nvCxnSpPr>
-            <p:cNvPr id="222" name="Straight Connector 221">
-              <a:extLst>
-                <a:ext uri="{FF2B5EF4-FFF2-40B4-BE49-F238E27FC236}">
-                  <a16:creationId xmlns:a16="http://schemas.microsoft.com/office/drawing/2014/main" id="{5DC2BDAE-7279-9D81-B8F2-01ADED60D6F5}"/>
-                </a:ext>
-              </a:extLst>
-            </p:cNvPr>
-            <p:cNvCxnSpPr>
-              <a:cxnSpLocks/>
-            </p:cNvCxnSpPr>
-            <p:nvPr/>
-          </p:nvCxnSpPr>
-          <p:spPr>
-            <a:xfrm flipV="1">
-              <a:off x="8720982" y="17535799"/>
-              <a:ext cx="0" cy="49368"/>
-            </a:xfrm>
-            <a:prstGeom prst="line">
-              <a:avLst/>
-            </a:prstGeom>
-            <a:ln w="12700">
-              <a:solidFill>
-                <a:schemeClr val="tx1"/>
-              </a:solidFill>
-            </a:ln>
-          </p:spPr>
-          <p:style>
-            <a:lnRef idx="1">
-              <a:schemeClr val="accent1"/>
-            </a:lnRef>
-            <a:fillRef idx="0">
-              <a:schemeClr val="accent1"/>
-            </a:fillRef>
-            <a:effectRef idx="0">
-              <a:schemeClr val="accent1"/>
-            </a:effectRef>
-            <a:fontRef idx="minor">
-              <a:schemeClr val="tx1"/>
-            </a:fontRef>
-          </p:style>
-        </p:cxnSp>
-        <p:cxnSp>
-          <p:nvCxnSpPr>
-            <p:cNvPr id="223" name="Straight Connector 222">
-              <a:extLst>
-                <a:ext uri="{FF2B5EF4-FFF2-40B4-BE49-F238E27FC236}">
-                  <a16:creationId xmlns:a16="http://schemas.microsoft.com/office/drawing/2014/main" id="{962C193C-BEDF-DB8B-C3C0-44C4B264C64E}"/>
-                </a:ext>
-              </a:extLst>
-            </p:cNvPr>
-            <p:cNvCxnSpPr>
-              <a:cxnSpLocks/>
-            </p:cNvCxnSpPr>
-            <p:nvPr/>
-          </p:nvCxnSpPr>
-          <p:spPr>
-            <a:xfrm flipV="1">
-              <a:off x="8486929" y="17534490"/>
-              <a:ext cx="926946" cy="1261"/>
-            </a:xfrm>
-            <a:prstGeom prst="line">
-              <a:avLst/>
-            </a:prstGeom>
-            <a:ln w="12700">
-              <a:solidFill>
-                <a:schemeClr val="tx1"/>
-              </a:solidFill>
-            </a:ln>
-          </p:spPr>
-          <p:style>
-            <a:lnRef idx="1">
-              <a:schemeClr val="accent1"/>
-            </a:lnRef>
-            <a:fillRef idx="0">
-              <a:schemeClr val="accent1"/>
-            </a:fillRef>
-            <a:effectRef idx="0">
-              <a:schemeClr val="accent1"/>
-            </a:effectRef>
-            <a:fontRef idx="minor">
-              <a:schemeClr val="tx1"/>
-            </a:fontRef>
-          </p:style>
-        </p:cxnSp>
-        <p:sp>
-          <p:nvSpPr>
-            <p:cNvPr id="224" name="TextBox 223">
-              <a:extLst>
-                <a:ext uri="{FF2B5EF4-FFF2-40B4-BE49-F238E27FC236}">
-                  <a16:creationId xmlns:a16="http://schemas.microsoft.com/office/drawing/2014/main" id="{7E8447A5-84F5-AE24-8C37-88220858AF40}"/>
-                </a:ext>
-              </a:extLst>
-            </p:cNvPr>
-            <p:cNvSpPr txBox="1"/>
-            <p:nvPr/>
-          </p:nvSpPr>
-          <p:spPr>
-            <a:xfrm>
-              <a:off x="8333982" y="17553536"/>
-              <a:ext cx="1351355" cy="200055"/>
-            </a:xfrm>
-            <a:prstGeom prst="rect">
-              <a:avLst/>
-            </a:prstGeom>
-            <a:noFill/>
-          </p:spPr>
-          <p:txBody>
-            <a:bodyPr wrap="square" rtlCol="0">
-              <a:spAutoFit/>
-            </a:bodyPr>
-            <a:lstStyle/>
-            <a:p>
-              <a:r>
-                <a:rPr lang="en-US" sz="700" dirty="0"/>
-                <a:t>0.8   0.85   0.9   0.95   0.99</a:t>
-              </a:r>
-            </a:p>
-          </p:txBody>
-        </p:sp>
-        <p:sp>
-          <p:nvSpPr>
-            <p:cNvPr id="225" name="TextBox 224">
-              <a:extLst>
-                <a:ext uri="{FF2B5EF4-FFF2-40B4-BE49-F238E27FC236}">
-                  <a16:creationId xmlns:a16="http://schemas.microsoft.com/office/drawing/2014/main" id="{5C6FBB04-D3FF-C3A0-46A5-60ABBDEE1AFC}"/>
-                </a:ext>
-              </a:extLst>
-            </p:cNvPr>
-            <p:cNvSpPr txBox="1"/>
-            <p:nvPr/>
-          </p:nvSpPr>
-          <p:spPr>
-            <a:xfrm>
-              <a:off x="8400251" y="17274620"/>
-              <a:ext cx="1096878" cy="200055"/>
-            </a:xfrm>
-            <a:prstGeom prst="rect">
-              <a:avLst/>
-            </a:prstGeom>
-            <a:noFill/>
-          </p:spPr>
-          <p:txBody>
-            <a:bodyPr wrap="square" rtlCol="0">
-              <a:spAutoFit/>
-            </a:bodyPr>
-            <a:lstStyle/>
-            <a:p>
-              <a:pPr algn="ctr"/>
-              <a:r>
-                <a:rPr lang="en-US" sz="700" dirty="0"/>
-                <a:t>Variable importance</a:t>
-              </a:r>
-            </a:p>
-          </p:txBody>
-        </p:sp>
-      </p:grpSp>
-      <p:grpSp>
-        <p:nvGrpSpPr>
-          <p:cNvPr id="226" name="Group 225">
-            <a:extLst>
-              <a:ext uri="{FF2B5EF4-FFF2-40B4-BE49-F238E27FC236}">
-                <a16:creationId xmlns:a16="http://schemas.microsoft.com/office/drawing/2014/main" id="{FC0A64AA-B1FD-88DB-E497-BE10967EE3B5}"/>
-              </a:ext>
-            </a:extLst>
-          </p:cNvPr>
-          <p:cNvGrpSpPr/>
-          <p:nvPr/>
-        </p:nvGrpSpPr>
-        <p:grpSpPr>
-          <a:xfrm>
-            <a:off x="-11814887" y="15713326"/>
-            <a:ext cx="1083733" cy="399630"/>
-            <a:chOff x="13340106" y="16662708"/>
-            <a:chExt cx="1202598" cy="443463"/>
-          </a:xfrm>
-        </p:grpSpPr>
-        <p:sp>
-          <p:nvSpPr>
-            <p:cNvPr id="227" name="Rectangle 226">
-              <a:extLst>
-                <a:ext uri="{FF2B5EF4-FFF2-40B4-BE49-F238E27FC236}">
-                  <a16:creationId xmlns:a16="http://schemas.microsoft.com/office/drawing/2014/main" id="{E1D98FF0-F413-4240-20D3-C2A2798B29BA}"/>
-                </a:ext>
-              </a:extLst>
-            </p:cNvPr>
-            <p:cNvSpPr/>
-            <p:nvPr/>
-          </p:nvSpPr>
-          <p:spPr>
-            <a:xfrm>
-              <a:off x="13434067" y="16676603"/>
-              <a:ext cx="932483" cy="397100"/>
-            </a:xfrm>
-            <a:prstGeom prst="rect">
-              <a:avLst/>
-            </a:prstGeom>
-            <a:solidFill>
-              <a:schemeClr val="bg1"/>
-            </a:solidFill>
-            <a:ln w="3175">
-              <a:solidFill>
-                <a:schemeClr val="tx1"/>
-              </a:solidFill>
-            </a:ln>
-          </p:spPr>
-          <p:style>
-            <a:lnRef idx="2">
-              <a:schemeClr val="accent1">
-                <a:shade val="15000"/>
-              </a:schemeClr>
-            </a:lnRef>
-            <a:fillRef idx="1">
-              <a:schemeClr val="accent1"/>
-            </a:fillRef>
-            <a:effectRef idx="0">
-              <a:schemeClr val="accent1"/>
-            </a:effectRef>
-            <a:fontRef idx="minor">
-              <a:schemeClr val="lt1"/>
-            </a:fontRef>
-          </p:style>
-          <p:txBody>
-            <a:bodyPr rtlCol="0" anchor="ctr"/>
-            <a:lstStyle/>
-            <a:p>
-              <a:pPr algn="ctr"/>
-              <a:endParaRPr lang="en-US"/>
-            </a:p>
-          </p:txBody>
-        </p:sp>
-        <p:grpSp>
-          <p:nvGrpSpPr>
-            <p:cNvPr id="228" name="Group 227">
-              <a:extLst>
-                <a:ext uri="{FF2B5EF4-FFF2-40B4-BE49-F238E27FC236}">
-                  <a16:creationId xmlns:a16="http://schemas.microsoft.com/office/drawing/2014/main" id="{3C3F7176-D247-C944-72E3-23DD38D0B71C}"/>
-                </a:ext>
-              </a:extLst>
-            </p:cNvPr>
-            <p:cNvGrpSpPr/>
-            <p:nvPr/>
-          </p:nvGrpSpPr>
-          <p:grpSpPr>
-            <a:xfrm>
-              <a:off x="13340106" y="16662708"/>
-              <a:ext cx="1202598" cy="443463"/>
-              <a:chOff x="13231988" y="16318464"/>
-              <a:chExt cx="1202598" cy="443463"/>
-            </a:xfrm>
-          </p:grpSpPr>
-          <p:grpSp>
-            <p:nvGrpSpPr>
-              <p:cNvPr id="229" name="Group 228">
-                <a:extLst>
-                  <a:ext uri="{FF2B5EF4-FFF2-40B4-BE49-F238E27FC236}">
-                    <a16:creationId xmlns:a16="http://schemas.microsoft.com/office/drawing/2014/main" id="{8A867081-624F-B1A7-9E0E-AD81CBBC56C7}"/>
-                  </a:ext>
-                </a:extLst>
-              </p:cNvPr>
-              <p:cNvGrpSpPr/>
-              <p:nvPr/>
-            </p:nvGrpSpPr>
-            <p:grpSpPr>
-              <a:xfrm>
-                <a:off x="13272355" y="16507435"/>
-                <a:ext cx="1162231" cy="254492"/>
-                <a:chOff x="12201429" y="17033647"/>
-                <a:chExt cx="1162231" cy="254492"/>
-              </a:xfrm>
-            </p:grpSpPr>
-            <p:grpSp>
-              <p:nvGrpSpPr>
-                <p:cNvPr id="231" name="Group 230">
-                  <a:extLst>
-                    <a:ext uri="{FF2B5EF4-FFF2-40B4-BE49-F238E27FC236}">
-                      <a16:creationId xmlns:a16="http://schemas.microsoft.com/office/drawing/2014/main" id="{50DA4D81-544F-69CE-8F0F-CC5021085E15}"/>
-                    </a:ext>
-                  </a:extLst>
-                </p:cNvPr>
-                <p:cNvGrpSpPr/>
-                <p:nvPr/>
-              </p:nvGrpSpPr>
-              <p:grpSpPr>
-                <a:xfrm>
-                  <a:off x="12357349" y="17033647"/>
-                  <a:ext cx="706718" cy="98283"/>
-                  <a:chOff x="13641319" y="16225581"/>
-                  <a:chExt cx="801394" cy="111449"/>
-                </a:xfrm>
-              </p:grpSpPr>
-              <p:pic>
-                <p:nvPicPr>
-                  <p:cNvPr id="233" name="Graphic 232">
-                    <a:extLst>
-                      <a:ext uri="{FF2B5EF4-FFF2-40B4-BE49-F238E27FC236}">
-                        <a16:creationId xmlns:a16="http://schemas.microsoft.com/office/drawing/2014/main" id="{868D2491-6452-BB9E-C660-FCDD6707EE28}"/>
-                      </a:ext>
-                    </a:extLst>
-                  </p:cNvPr>
-                  <p:cNvPicPr>
-                    <a:picLocks noChangeAspect="1"/>
-                  </p:cNvPicPr>
-                  <p:nvPr/>
-                </p:nvPicPr>
-                <p:blipFill>
-                  <a:blip r:embed="rId12">
-                    <a:extLst>
-                      <a:ext uri="{96DAC541-7B7A-43D3-8B79-37D633B846F1}">
-                        <asvg:svgBlip xmlns:asvg="http://schemas.microsoft.com/office/drawing/2016/SVG/main" r:embed="rId13"/>
-                      </a:ext>
-                    </a:extLst>
-                  </a:blip>
-                  <a:srcRect l="84135" t="17435" r="14314" b="26092"/>
-                  <a:stretch/>
-                </p:blipFill>
-                <p:spPr>
-                  <a:xfrm rot="5400000">
-                    <a:off x="14013739" y="15856262"/>
-                    <a:ext cx="57530" cy="796168"/>
-                  </a:xfrm>
-                  <a:prstGeom prst="rect">
-                    <a:avLst/>
-                  </a:prstGeom>
-                </p:spPr>
-              </p:pic>
-              <p:grpSp>
-                <p:nvGrpSpPr>
-                  <p:cNvPr id="234" name="Group 233">
-                    <a:extLst>
-                      <a:ext uri="{FF2B5EF4-FFF2-40B4-BE49-F238E27FC236}">
-                        <a16:creationId xmlns:a16="http://schemas.microsoft.com/office/drawing/2014/main" id="{74766E11-00E0-3E23-B2B5-07A53C33FBDB}"/>
-                      </a:ext>
-                    </a:extLst>
-                  </p:cNvPr>
-                  <p:cNvGrpSpPr/>
-                  <p:nvPr/>
-                </p:nvGrpSpPr>
-                <p:grpSpPr>
-                  <a:xfrm>
-                    <a:off x="13641319" y="16292791"/>
-                    <a:ext cx="801394" cy="44239"/>
-                    <a:chOff x="13641319" y="16292791"/>
-                    <a:chExt cx="801394" cy="44239"/>
-                  </a:xfrm>
-                </p:grpSpPr>
-                <p:cxnSp>
-                  <p:nvCxnSpPr>
-                    <p:cNvPr id="235" name="Straight Connector 234">
-                      <a:extLst>
-                        <a:ext uri="{FF2B5EF4-FFF2-40B4-BE49-F238E27FC236}">
-                          <a16:creationId xmlns:a16="http://schemas.microsoft.com/office/drawing/2014/main" id="{E8513AD1-EA07-553B-4A40-3C0C7A224149}"/>
-                        </a:ext>
-                      </a:extLst>
-                    </p:cNvPr>
-                    <p:cNvCxnSpPr>
-                      <a:cxnSpLocks/>
-                    </p:cNvCxnSpPr>
-                    <p:nvPr/>
-                  </p:nvCxnSpPr>
-                  <p:spPr>
-                    <a:xfrm flipV="1">
-                      <a:off x="14040536" y="16293826"/>
-                      <a:ext cx="0" cy="43204"/>
-                    </a:xfrm>
-                    <a:prstGeom prst="line">
-                      <a:avLst/>
-                    </a:prstGeom>
-                    <a:ln w="12700">
-                      <a:solidFill>
-                        <a:schemeClr val="tx1"/>
-                      </a:solidFill>
-                    </a:ln>
-                  </p:spPr>
-                  <p:style>
-                    <a:lnRef idx="1">
-                      <a:schemeClr val="accent1"/>
-                    </a:lnRef>
-                    <a:fillRef idx="0">
-                      <a:schemeClr val="accent1"/>
-                    </a:fillRef>
-                    <a:effectRef idx="0">
-                      <a:schemeClr val="accent1"/>
-                    </a:effectRef>
-                    <a:fontRef idx="minor">
-                      <a:schemeClr val="tx1"/>
-                    </a:fontRef>
-                  </p:style>
-                </p:cxnSp>
-                <p:cxnSp>
-                  <p:nvCxnSpPr>
-                    <p:cNvPr id="236" name="Straight Connector 235">
-                      <a:extLst>
-                        <a:ext uri="{FF2B5EF4-FFF2-40B4-BE49-F238E27FC236}">
-                          <a16:creationId xmlns:a16="http://schemas.microsoft.com/office/drawing/2014/main" id="{EDB5BBE8-A742-3482-2539-1FC8DD8445A2}"/>
-                        </a:ext>
-                      </a:extLst>
-                    </p:cNvPr>
-                    <p:cNvCxnSpPr>
-                      <a:cxnSpLocks/>
-                    </p:cNvCxnSpPr>
-                    <p:nvPr/>
-                  </p:nvCxnSpPr>
-                  <p:spPr>
-                    <a:xfrm flipV="1">
-                      <a:off x="14440456" y="16293640"/>
-                      <a:ext cx="131" cy="43390"/>
-                    </a:xfrm>
-                    <a:prstGeom prst="line">
-                      <a:avLst/>
-                    </a:prstGeom>
-                    <a:ln w="12700">
-                      <a:solidFill>
-                        <a:schemeClr val="tx1"/>
-                      </a:solidFill>
-                    </a:ln>
-                  </p:spPr>
-                  <p:style>
-                    <a:lnRef idx="1">
-                      <a:schemeClr val="accent1"/>
-                    </a:lnRef>
-                    <a:fillRef idx="0">
-                      <a:schemeClr val="accent1"/>
-                    </a:fillRef>
-                    <a:effectRef idx="0">
-                      <a:schemeClr val="accent1"/>
-                    </a:effectRef>
-                    <a:fontRef idx="minor">
-                      <a:schemeClr val="tx1"/>
-                    </a:fontRef>
-                  </p:style>
-                </p:cxnSp>
-                <p:cxnSp>
-                  <p:nvCxnSpPr>
-                    <p:cNvPr id="237" name="Straight Connector 236">
-                      <a:extLst>
-                        <a:ext uri="{FF2B5EF4-FFF2-40B4-BE49-F238E27FC236}">
-                          <a16:creationId xmlns:a16="http://schemas.microsoft.com/office/drawing/2014/main" id="{3E0EE2A9-BC05-410B-9A3F-19FBCAF29355}"/>
-                        </a:ext>
-                      </a:extLst>
-                    </p:cNvPr>
-                    <p:cNvCxnSpPr>
-                      <a:cxnSpLocks/>
-                    </p:cNvCxnSpPr>
-                    <p:nvPr/>
-                  </p:nvCxnSpPr>
-                  <p:spPr>
-                    <a:xfrm flipV="1">
-                      <a:off x="13643884" y="16293596"/>
-                      <a:ext cx="0" cy="43434"/>
-                    </a:xfrm>
-                    <a:prstGeom prst="line">
-                      <a:avLst/>
-                    </a:prstGeom>
-                    <a:ln w="12700">
-                      <a:solidFill>
-                        <a:schemeClr val="tx1"/>
-                      </a:solidFill>
-                    </a:ln>
-                  </p:spPr>
-                  <p:style>
-                    <a:lnRef idx="1">
-                      <a:schemeClr val="accent1"/>
-                    </a:lnRef>
-                    <a:fillRef idx="0">
-                      <a:schemeClr val="accent1"/>
-                    </a:fillRef>
-                    <a:effectRef idx="0">
-                      <a:schemeClr val="accent1"/>
-                    </a:effectRef>
-                    <a:fontRef idx="minor">
-                      <a:schemeClr val="tx1"/>
-                    </a:fontRef>
-                  </p:style>
-                </p:cxnSp>
-                <p:cxnSp>
-                  <p:nvCxnSpPr>
-                    <p:cNvPr id="238" name="Straight Connector 237">
-                      <a:extLst>
-                        <a:ext uri="{FF2B5EF4-FFF2-40B4-BE49-F238E27FC236}">
-                          <a16:creationId xmlns:a16="http://schemas.microsoft.com/office/drawing/2014/main" id="{F1C890F4-ECD4-C35C-C3CA-267636B6733E}"/>
-                        </a:ext>
-                      </a:extLst>
-                    </p:cNvPr>
-                    <p:cNvCxnSpPr>
-                      <a:cxnSpLocks/>
-                    </p:cNvCxnSpPr>
-                    <p:nvPr/>
-                  </p:nvCxnSpPr>
-                  <p:spPr>
-                    <a:xfrm flipV="1">
-                      <a:off x="14238973" y="16293722"/>
-                      <a:ext cx="0" cy="43308"/>
-                    </a:xfrm>
-                    <a:prstGeom prst="line">
-                      <a:avLst/>
-                    </a:prstGeom>
-                    <a:ln w="12700">
-                      <a:solidFill>
-                        <a:schemeClr val="tx1"/>
-                      </a:solidFill>
-                    </a:ln>
-                  </p:spPr>
-                  <p:style>
-                    <a:lnRef idx="1">
-                      <a:schemeClr val="accent1"/>
-                    </a:lnRef>
-                    <a:fillRef idx="0">
-                      <a:schemeClr val="accent1"/>
-                    </a:fillRef>
-                    <a:effectRef idx="0">
-                      <a:schemeClr val="accent1"/>
-                    </a:effectRef>
-                    <a:fontRef idx="minor">
-                      <a:schemeClr val="tx1"/>
-                    </a:fontRef>
-                  </p:style>
-                </p:cxnSp>
-                <p:cxnSp>
-                  <p:nvCxnSpPr>
-                    <p:cNvPr id="239" name="Straight Connector 238">
-                      <a:extLst>
-                        <a:ext uri="{FF2B5EF4-FFF2-40B4-BE49-F238E27FC236}">
-                          <a16:creationId xmlns:a16="http://schemas.microsoft.com/office/drawing/2014/main" id="{FDB95984-2166-B8CD-9C69-21CD64D6E3B4}"/>
-                        </a:ext>
-                      </a:extLst>
-                    </p:cNvPr>
-                    <p:cNvCxnSpPr>
-                      <a:cxnSpLocks/>
-                    </p:cNvCxnSpPr>
-                    <p:nvPr/>
-                  </p:nvCxnSpPr>
-                  <p:spPr>
-                    <a:xfrm flipV="1">
-                      <a:off x="13843670" y="16293934"/>
-                      <a:ext cx="0" cy="43096"/>
-                    </a:xfrm>
-                    <a:prstGeom prst="line">
-                      <a:avLst/>
-                    </a:prstGeom>
-                    <a:ln w="12700">
-                      <a:solidFill>
-                        <a:schemeClr val="tx1"/>
-                      </a:solidFill>
-                    </a:ln>
-                  </p:spPr>
-                  <p:style>
-                    <a:lnRef idx="1">
-                      <a:schemeClr val="accent1"/>
-                    </a:lnRef>
-                    <a:fillRef idx="0">
-                      <a:schemeClr val="accent1"/>
-                    </a:fillRef>
-                    <a:effectRef idx="0">
-                      <a:schemeClr val="accent1"/>
-                    </a:effectRef>
-                    <a:fontRef idx="minor">
-                      <a:schemeClr val="tx1"/>
-                    </a:fontRef>
-                  </p:style>
-                </p:cxnSp>
-                <p:cxnSp>
-                  <p:nvCxnSpPr>
-                    <p:cNvPr id="240" name="Straight Connector 239">
-                      <a:extLst>
-                        <a:ext uri="{FF2B5EF4-FFF2-40B4-BE49-F238E27FC236}">
-                          <a16:creationId xmlns:a16="http://schemas.microsoft.com/office/drawing/2014/main" id="{512ED649-CF5E-EC7D-E552-1C0F41AE3DD7}"/>
-                        </a:ext>
-                      </a:extLst>
-                    </p:cNvPr>
-                    <p:cNvCxnSpPr>
-                      <a:cxnSpLocks/>
-                    </p:cNvCxnSpPr>
-                    <p:nvPr/>
-                  </p:nvCxnSpPr>
-                  <p:spPr>
-                    <a:xfrm flipV="1">
-                      <a:off x="13641319" y="16292791"/>
-                      <a:ext cx="801394" cy="1101"/>
-                    </a:xfrm>
-                    <a:prstGeom prst="line">
-                      <a:avLst/>
-                    </a:prstGeom>
-                    <a:ln w="12700">
-                      <a:solidFill>
-                        <a:schemeClr val="tx1"/>
-                      </a:solidFill>
-                    </a:ln>
-                  </p:spPr>
-                  <p:style>
-                    <a:lnRef idx="1">
-                      <a:schemeClr val="accent1"/>
-                    </a:lnRef>
-                    <a:fillRef idx="0">
-                      <a:schemeClr val="accent1"/>
-                    </a:fillRef>
-                    <a:effectRef idx="0">
-                      <a:schemeClr val="accent1"/>
-                    </a:effectRef>
-                    <a:fontRef idx="minor">
-                      <a:schemeClr val="tx1"/>
-                    </a:fontRef>
-                  </p:style>
-                </p:cxnSp>
-              </p:grpSp>
-            </p:grpSp>
-            <p:sp>
-              <p:nvSpPr>
-                <p:cNvPr id="232" name="TextBox 231">
-                  <a:extLst>
-                    <a:ext uri="{FF2B5EF4-FFF2-40B4-BE49-F238E27FC236}">
-                      <a16:creationId xmlns:a16="http://schemas.microsoft.com/office/drawing/2014/main" id="{48D0B2C8-8680-2C4A-B188-9F8A6A8B478F}"/>
-                    </a:ext>
-                  </a:extLst>
-                </p:cNvPr>
-                <p:cNvSpPr txBox="1"/>
-                <p:nvPr/>
-              </p:nvSpPr>
-              <p:spPr>
-                <a:xfrm>
-                  <a:off x="12201429" y="17100298"/>
-                  <a:ext cx="1162231" cy="187841"/>
-                </a:xfrm>
-                <a:prstGeom prst="rect">
-                  <a:avLst/>
-                </a:prstGeom>
-                <a:noFill/>
-              </p:spPr>
-              <p:txBody>
-                <a:bodyPr wrap="square" rtlCol="0">
-                  <a:spAutoFit/>
-                </a:bodyPr>
-                <a:lstStyle/>
-                <a:p>
-                  <a:r>
-                    <a:rPr lang="en-US" sz="500" dirty="0"/>
-                    <a:t>0.8   0.85   0.9   0.95   0.99</a:t>
-                  </a:r>
-                </a:p>
-              </p:txBody>
-            </p:sp>
-          </p:grpSp>
-          <p:sp>
-            <p:nvSpPr>
-              <p:cNvPr id="230" name="TextBox 229">
-                <a:extLst>
-                  <a:ext uri="{FF2B5EF4-FFF2-40B4-BE49-F238E27FC236}">
-                    <a16:creationId xmlns:a16="http://schemas.microsoft.com/office/drawing/2014/main" id="{35B6D447-6004-48DA-4506-46A62DC199C3}"/>
-                  </a:ext>
-                </a:extLst>
-              </p:cNvPr>
-              <p:cNvSpPr txBox="1"/>
-              <p:nvPr/>
-            </p:nvSpPr>
-            <p:spPr>
-              <a:xfrm>
-                <a:off x="13231988" y="16318464"/>
-                <a:ext cx="1112310" cy="192358"/>
-              </a:xfrm>
-              <a:prstGeom prst="rect">
-                <a:avLst/>
-              </a:prstGeom>
-              <a:noFill/>
-            </p:spPr>
-            <p:txBody>
-              <a:bodyPr wrap="square" rtlCol="0">
-                <a:spAutoFit/>
-              </a:bodyPr>
-              <a:lstStyle/>
-              <a:p>
-                <a:pPr algn="ctr"/>
-                <a:r>
-                  <a:rPr lang="en-US" sz="650" dirty="0"/>
-                  <a:t>Variable importance</a:t>
-                </a:r>
-              </a:p>
-            </p:txBody>
-          </p:sp>
-        </p:grpSp>
-      </p:grpSp>
-      <p:grpSp>
-        <p:nvGrpSpPr>
-          <p:cNvPr id="257" name="Group 256">
-            <a:extLst>
-              <a:ext uri="{FF2B5EF4-FFF2-40B4-BE49-F238E27FC236}">
-                <a16:creationId xmlns:a16="http://schemas.microsoft.com/office/drawing/2014/main" id="{CB8B52D2-B270-ED98-8B1E-3958E4185659}"/>
-              </a:ext>
-            </a:extLst>
-          </p:cNvPr>
-          <p:cNvGrpSpPr/>
-          <p:nvPr/>
-        </p:nvGrpSpPr>
-        <p:grpSpPr>
-          <a:xfrm>
-            <a:off x="-10930967" y="16611577"/>
-            <a:ext cx="1083733" cy="408093"/>
-            <a:chOff x="13340106" y="16639223"/>
-            <a:chExt cx="1202598" cy="452854"/>
-          </a:xfrm>
-        </p:grpSpPr>
-        <p:sp>
-          <p:nvSpPr>
-            <p:cNvPr id="258" name="Rectangle 257">
-              <a:extLst>
-                <a:ext uri="{FF2B5EF4-FFF2-40B4-BE49-F238E27FC236}">
-                  <a16:creationId xmlns:a16="http://schemas.microsoft.com/office/drawing/2014/main" id="{8804ECAE-F6A3-A9DE-B5D3-0CE952E6330D}"/>
-                </a:ext>
-              </a:extLst>
-            </p:cNvPr>
-            <p:cNvSpPr/>
-            <p:nvPr/>
-          </p:nvSpPr>
-          <p:spPr>
-            <a:xfrm>
-              <a:off x="13434067" y="16655460"/>
-              <a:ext cx="932483" cy="397100"/>
-            </a:xfrm>
-            <a:prstGeom prst="rect">
-              <a:avLst/>
-            </a:prstGeom>
-            <a:solidFill>
-              <a:schemeClr val="bg1"/>
-            </a:solidFill>
-            <a:ln w="3175">
-              <a:solidFill>
-                <a:schemeClr val="tx1"/>
-              </a:solidFill>
-            </a:ln>
-          </p:spPr>
-          <p:style>
-            <a:lnRef idx="2">
-              <a:schemeClr val="accent1">
-                <a:shade val="15000"/>
-              </a:schemeClr>
-            </a:lnRef>
-            <a:fillRef idx="1">
-              <a:schemeClr val="accent1"/>
-            </a:fillRef>
-            <a:effectRef idx="0">
-              <a:schemeClr val="accent1"/>
-            </a:effectRef>
-            <a:fontRef idx="minor">
-              <a:schemeClr val="lt1"/>
-            </a:fontRef>
-          </p:style>
-          <p:txBody>
-            <a:bodyPr rtlCol="0" anchor="ctr"/>
-            <a:lstStyle/>
-            <a:p>
-              <a:pPr algn="ctr"/>
-              <a:endParaRPr lang="en-US"/>
-            </a:p>
-          </p:txBody>
-        </p:sp>
-        <p:grpSp>
-          <p:nvGrpSpPr>
-            <p:cNvPr id="259" name="Group 258">
-              <a:extLst>
-                <a:ext uri="{FF2B5EF4-FFF2-40B4-BE49-F238E27FC236}">
-                  <a16:creationId xmlns:a16="http://schemas.microsoft.com/office/drawing/2014/main" id="{731F3B61-145D-2F2D-9DEF-6E9814D9E274}"/>
-                </a:ext>
-              </a:extLst>
-            </p:cNvPr>
-            <p:cNvGrpSpPr/>
-            <p:nvPr/>
-          </p:nvGrpSpPr>
-          <p:grpSpPr>
-            <a:xfrm>
-              <a:off x="13340106" y="16639223"/>
-              <a:ext cx="1202598" cy="452854"/>
-              <a:chOff x="13231988" y="16294979"/>
-              <a:chExt cx="1202598" cy="452854"/>
-            </a:xfrm>
-          </p:grpSpPr>
-          <p:grpSp>
-            <p:nvGrpSpPr>
-              <p:cNvPr id="260" name="Group 259">
-                <a:extLst>
-                  <a:ext uri="{FF2B5EF4-FFF2-40B4-BE49-F238E27FC236}">
-                    <a16:creationId xmlns:a16="http://schemas.microsoft.com/office/drawing/2014/main" id="{4D990740-AC9A-0F22-5FEB-594485060A89}"/>
-                  </a:ext>
-                </a:extLst>
-              </p:cNvPr>
-              <p:cNvGrpSpPr/>
-              <p:nvPr/>
-            </p:nvGrpSpPr>
-            <p:grpSpPr>
-              <a:xfrm>
-                <a:off x="13272355" y="16476493"/>
-                <a:ext cx="1162231" cy="271340"/>
-                <a:chOff x="12201429" y="17002705"/>
-                <a:chExt cx="1162231" cy="271340"/>
-              </a:xfrm>
-            </p:grpSpPr>
-            <p:grpSp>
-              <p:nvGrpSpPr>
-                <p:cNvPr id="262" name="Group 261">
-                  <a:extLst>
-                    <a:ext uri="{FF2B5EF4-FFF2-40B4-BE49-F238E27FC236}">
-                      <a16:creationId xmlns:a16="http://schemas.microsoft.com/office/drawing/2014/main" id="{6ED08651-122A-3B72-FEF9-D9302FD85F53}"/>
-                    </a:ext>
-                  </a:extLst>
-                </p:cNvPr>
-                <p:cNvGrpSpPr/>
-                <p:nvPr/>
-              </p:nvGrpSpPr>
-              <p:grpSpPr>
-                <a:xfrm>
-                  <a:off x="12357349" y="17002705"/>
-                  <a:ext cx="706718" cy="129322"/>
-                  <a:chOff x="13641319" y="16190385"/>
-                  <a:chExt cx="801394" cy="146645"/>
-                </a:xfrm>
-              </p:grpSpPr>
-              <p:pic>
-                <p:nvPicPr>
-                  <p:cNvPr id="264" name="Graphic 263">
-                    <a:extLst>
-                      <a:ext uri="{FF2B5EF4-FFF2-40B4-BE49-F238E27FC236}">
-                        <a16:creationId xmlns:a16="http://schemas.microsoft.com/office/drawing/2014/main" id="{D4378B94-5B43-4BA5-231A-57BBE52747FE}"/>
-                      </a:ext>
-                    </a:extLst>
-                  </p:cNvPr>
-                  <p:cNvPicPr>
-                    <a:picLocks noChangeAspect="1"/>
-                  </p:cNvPicPr>
-                  <p:nvPr/>
-                </p:nvPicPr>
-                <p:blipFill>
-                  <a:blip r:embed="rId12">
-                    <a:extLst>
-                      <a:ext uri="{96DAC541-7B7A-43D3-8B79-37D633B846F1}">
-                        <asvg:svgBlip xmlns:asvg="http://schemas.microsoft.com/office/drawing/2016/SVG/main" r:embed="rId13"/>
-                      </a:ext>
-                    </a:extLst>
-                  </a:blip>
-                  <a:srcRect l="84135" t="17435" r="14314" b="26092"/>
-                  <a:stretch/>
-                </p:blipFill>
-                <p:spPr>
-                  <a:xfrm rot="5400000">
-                    <a:off x="13993476" y="15841328"/>
-                    <a:ext cx="98053" cy="796168"/>
-                  </a:xfrm>
-                  <a:prstGeom prst="rect">
-                    <a:avLst/>
-                  </a:prstGeom>
-                </p:spPr>
-              </p:pic>
-              <p:grpSp>
-                <p:nvGrpSpPr>
-                  <p:cNvPr id="265" name="Group 264">
-                    <a:extLst>
-                      <a:ext uri="{FF2B5EF4-FFF2-40B4-BE49-F238E27FC236}">
-                        <a16:creationId xmlns:a16="http://schemas.microsoft.com/office/drawing/2014/main" id="{9D1CF9F3-78B7-7425-E962-38BAA55C1133}"/>
-                      </a:ext>
-                    </a:extLst>
-                  </p:cNvPr>
-                  <p:cNvGrpSpPr/>
-                  <p:nvPr/>
-                </p:nvGrpSpPr>
-                <p:grpSpPr>
-                  <a:xfrm>
-                    <a:off x="13641319" y="16292791"/>
-                    <a:ext cx="801394" cy="44239"/>
-                    <a:chOff x="13641319" y="16292791"/>
-                    <a:chExt cx="801394" cy="44239"/>
-                  </a:xfrm>
-                </p:grpSpPr>
-                <p:cxnSp>
-                  <p:nvCxnSpPr>
-                    <p:cNvPr id="266" name="Straight Connector 265">
-                      <a:extLst>
-                        <a:ext uri="{FF2B5EF4-FFF2-40B4-BE49-F238E27FC236}">
-                          <a16:creationId xmlns:a16="http://schemas.microsoft.com/office/drawing/2014/main" id="{4F6E76B1-9EC7-05D6-5DC7-75B5B8A6AF0B}"/>
-                        </a:ext>
-                      </a:extLst>
-                    </p:cNvPr>
-                    <p:cNvCxnSpPr>
-                      <a:cxnSpLocks/>
-                    </p:cNvCxnSpPr>
-                    <p:nvPr/>
-                  </p:nvCxnSpPr>
-                  <p:spPr>
-                    <a:xfrm flipV="1">
-                      <a:off x="14040536" y="16293826"/>
-                      <a:ext cx="0" cy="43204"/>
-                    </a:xfrm>
-                    <a:prstGeom prst="line">
-                      <a:avLst/>
-                    </a:prstGeom>
-                    <a:ln w="12700">
-                      <a:solidFill>
-                        <a:schemeClr val="tx1"/>
-                      </a:solidFill>
-                    </a:ln>
-                  </p:spPr>
-                  <p:style>
-                    <a:lnRef idx="1">
-                      <a:schemeClr val="accent1"/>
-                    </a:lnRef>
-                    <a:fillRef idx="0">
-                      <a:schemeClr val="accent1"/>
-                    </a:fillRef>
-                    <a:effectRef idx="0">
-                      <a:schemeClr val="accent1"/>
-                    </a:effectRef>
-                    <a:fontRef idx="minor">
-                      <a:schemeClr val="tx1"/>
-                    </a:fontRef>
-                  </p:style>
-                </p:cxnSp>
-                <p:cxnSp>
-                  <p:nvCxnSpPr>
-                    <p:cNvPr id="267" name="Straight Connector 266">
-                      <a:extLst>
-                        <a:ext uri="{FF2B5EF4-FFF2-40B4-BE49-F238E27FC236}">
-                          <a16:creationId xmlns:a16="http://schemas.microsoft.com/office/drawing/2014/main" id="{F86FC7BA-1C2A-FDCE-27F7-5E81BCDC1C6F}"/>
-                        </a:ext>
-                      </a:extLst>
-                    </p:cNvPr>
-                    <p:cNvCxnSpPr>
-                      <a:cxnSpLocks/>
-                    </p:cNvCxnSpPr>
-                    <p:nvPr/>
-                  </p:nvCxnSpPr>
-                  <p:spPr>
-                    <a:xfrm flipV="1">
-                      <a:off x="14440456" y="16293640"/>
-                      <a:ext cx="131" cy="43390"/>
-                    </a:xfrm>
-                    <a:prstGeom prst="line">
-                      <a:avLst/>
-                    </a:prstGeom>
-                    <a:ln w="12700">
-                      <a:solidFill>
-                        <a:schemeClr val="tx1"/>
-                      </a:solidFill>
-                    </a:ln>
-                  </p:spPr>
-                  <p:style>
-                    <a:lnRef idx="1">
-                      <a:schemeClr val="accent1"/>
-                    </a:lnRef>
-                    <a:fillRef idx="0">
-                      <a:schemeClr val="accent1"/>
-                    </a:fillRef>
-                    <a:effectRef idx="0">
-                      <a:schemeClr val="accent1"/>
-                    </a:effectRef>
-                    <a:fontRef idx="minor">
-                      <a:schemeClr val="tx1"/>
-                    </a:fontRef>
-                  </p:style>
-                </p:cxnSp>
-                <p:cxnSp>
-                  <p:nvCxnSpPr>
-                    <p:cNvPr id="268" name="Straight Connector 267">
-                      <a:extLst>
-                        <a:ext uri="{FF2B5EF4-FFF2-40B4-BE49-F238E27FC236}">
-                          <a16:creationId xmlns:a16="http://schemas.microsoft.com/office/drawing/2014/main" id="{63EBA173-4B7A-C920-F307-79B51B4F0811}"/>
-                        </a:ext>
-                      </a:extLst>
-                    </p:cNvPr>
-                    <p:cNvCxnSpPr>
-                      <a:cxnSpLocks/>
-                    </p:cNvCxnSpPr>
-                    <p:nvPr/>
-                  </p:nvCxnSpPr>
-                  <p:spPr>
-                    <a:xfrm flipV="1">
-                      <a:off x="13643884" y="16293596"/>
-                      <a:ext cx="0" cy="43434"/>
-                    </a:xfrm>
-                    <a:prstGeom prst="line">
-                      <a:avLst/>
-                    </a:prstGeom>
-                    <a:ln w="12700">
-                      <a:solidFill>
-                        <a:schemeClr val="tx1"/>
-                      </a:solidFill>
-                    </a:ln>
-                  </p:spPr>
-                  <p:style>
-                    <a:lnRef idx="1">
-                      <a:schemeClr val="accent1"/>
-                    </a:lnRef>
-                    <a:fillRef idx="0">
-                      <a:schemeClr val="accent1"/>
-                    </a:fillRef>
-                    <a:effectRef idx="0">
-                      <a:schemeClr val="accent1"/>
-                    </a:effectRef>
-                    <a:fontRef idx="minor">
-                      <a:schemeClr val="tx1"/>
-                    </a:fontRef>
-                  </p:style>
-                </p:cxnSp>
-                <p:cxnSp>
-                  <p:nvCxnSpPr>
-                    <p:cNvPr id="269" name="Straight Connector 268">
-                      <a:extLst>
-                        <a:ext uri="{FF2B5EF4-FFF2-40B4-BE49-F238E27FC236}">
-                          <a16:creationId xmlns:a16="http://schemas.microsoft.com/office/drawing/2014/main" id="{799560ED-1185-6231-DB63-653C7D1688A2}"/>
-                        </a:ext>
-                      </a:extLst>
-                    </p:cNvPr>
-                    <p:cNvCxnSpPr>
-                      <a:cxnSpLocks/>
-                    </p:cNvCxnSpPr>
-                    <p:nvPr/>
-                  </p:nvCxnSpPr>
-                  <p:spPr>
-                    <a:xfrm flipV="1">
-                      <a:off x="14238973" y="16293722"/>
-                      <a:ext cx="0" cy="43308"/>
-                    </a:xfrm>
-                    <a:prstGeom prst="line">
-                      <a:avLst/>
-                    </a:prstGeom>
-                    <a:ln w="12700">
-                      <a:solidFill>
-                        <a:schemeClr val="tx1"/>
-                      </a:solidFill>
-                    </a:ln>
-                  </p:spPr>
-                  <p:style>
-                    <a:lnRef idx="1">
-                      <a:schemeClr val="accent1"/>
-                    </a:lnRef>
-                    <a:fillRef idx="0">
-                      <a:schemeClr val="accent1"/>
-                    </a:fillRef>
-                    <a:effectRef idx="0">
-                      <a:schemeClr val="accent1"/>
-                    </a:effectRef>
-                    <a:fontRef idx="minor">
-                      <a:schemeClr val="tx1"/>
-                    </a:fontRef>
-                  </p:style>
-                </p:cxnSp>
-                <p:cxnSp>
-                  <p:nvCxnSpPr>
-                    <p:cNvPr id="270" name="Straight Connector 269">
-                      <a:extLst>
-                        <a:ext uri="{FF2B5EF4-FFF2-40B4-BE49-F238E27FC236}">
-                          <a16:creationId xmlns:a16="http://schemas.microsoft.com/office/drawing/2014/main" id="{B63B70DC-B6A3-0AB1-65C7-5A9520FFCD73}"/>
-                        </a:ext>
-                      </a:extLst>
-                    </p:cNvPr>
-                    <p:cNvCxnSpPr>
-                      <a:cxnSpLocks/>
-                    </p:cNvCxnSpPr>
-                    <p:nvPr/>
-                  </p:nvCxnSpPr>
-                  <p:spPr>
-                    <a:xfrm flipV="1">
-                      <a:off x="13843670" y="16293934"/>
-                      <a:ext cx="0" cy="43096"/>
-                    </a:xfrm>
-                    <a:prstGeom prst="line">
-                      <a:avLst/>
-                    </a:prstGeom>
-                    <a:ln w="12700">
-                      <a:solidFill>
-                        <a:schemeClr val="tx1"/>
-                      </a:solidFill>
-                    </a:ln>
-                  </p:spPr>
-                  <p:style>
-                    <a:lnRef idx="1">
-                      <a:schemeClr val="accent1"/>
-                    </a:lnRef>
-                    <a:fillRef idx="0">
-                      <a:schemeClr val="accent1"/>
-                    </a:fillRef>
-                    <a:effectRef idx="0">
-                      <a:schemeClr val="accent1"/>
-                    </a:effectRef>
-                    <a:fontRef idx="minor">
-                      <a:schemeClr val="tx1"/>
-                    </a:fontRef>
-                  </p:style>
-                </p:cxnSp>
-                <p:cxnSp>
-                  <p:nvCxnSpPr>
-                    <p:cNvPr id="271" name="Straight Connector 270">
-                      <a:extLst>
-                        <a:ext uri="{FF2B5EF4-FFF2-40B4-BE49-F238E27FC236}">
-                          <a16:creationId xmlns:a16="http://schemas.microsoft.com/office/drawing/2014/main" id="{8991C79E-D678-792F-CAF2-9DD7BE48E563}"/>
-                        </a:ext>
-                      </a:extLst>
-                    </p:cNvPr>
-                    <p:cNvCxnSpPr>
-                      <a:cxnSpLocks/>
-                    </p:cNvCxnSpPr>
-                    <p:nvPr/>
-                  </p:nvCxnSpPr>
-                  <p:spPr>
-                    <a:xfrm flipV="1">
-                      <a:off x="13641319" y="16292791"/>
-                      <a:ext cx="801394" cy="1101"/>
-                    </a:xfrm>
-                    <a:prstGeom prst="line">
-                      <a:avLst/>
-                    </a:prstGeom>
-                    <a:ln w="12700">
-                      <a:solidFill>
-                        <a:schemeClr val="tx1"/>
-                      </a:solidFill>
-                    </a:ln>
-                  </p:spPr>
-                  <p:style>
-                    <a:lnRef idx="1">
-                      <a:schemeClr val="accent1"/>
-                    </a:lnRef>
-                    <a:fillRef idx="0">
-                      <a:schemeClr val="accent1"/>
-                    </a:fillRef>
-                    <a:effectRef idx="0">
-                      <a:schemeClr val="accent1"/>
-                    </a:effectRef>
-                    <a:fontRef idx="minor">
-                      <a:schemeClr val="tx1"/>
-                    </a:fontRef>
-                  </p:style>
-                </p:cxnSp>
-              </p:grpSp>
-            </p:grpSp>
-            <p:sp>
-              <p:nvSpPr>
-                <p:cNvPr id="263" name="TextBox 262">
-                  <a:extLst>
-                    <a:ext uri="{FF2B5EF4-FFF2-40B4-BE49-F238E27FC236}">
-                      <a16:creationId xmlns:a16="http://schemas.microsoft.com/office/drawing/2014/main" id="{34D2F68E-6ABE-66DF-3B64-8916B9E7A2D9}"/>
-                    </a:ext>
-                  </a:extLst>
-                </p:cNvPr>
-                <p:cNvSpPr txBox="1"/>
-                <p:nvPr/>
-              </p:nvSpPr>
-              <p:spPr>
-                <a:xfrm>
-                  <a:off x="12201429" y="17086203"/>
-                  <a:ext cx="1162231" cy="187842"/>
-                </a:xfrm>
-                <a:prstGeom prst="rect">
-                  <a:avLst/>
-                </a:prstGeom>
-                <a:noFill/>
-              </p:spPr>
-              <p:txBody>
-                <a:bodyPr wrap="square" rtlCol="0">
-                  <a:spAutoFit/>
-                </a:bodyPr>
-                <a:lstStyle/>
-                <a:p>
-                  <a:r>
-                    <a:rPr lang="en-US" sz="500" dirty="0"/>
-                    <a:t>0.8   0.85   0.9   0.95   0.99</a:t>
-                  </a:r>
-                </a:p>
-              </p:txBody>
-            </p:sp>
-          </p:grpSp>
-          <p:sp>
-            <p:nvSpPr>
-              <p:cNvPr id="261" name="TextBox 260">
-                <a:extLst>
-                  <a:ext uri="{FF2B5EF4-FFF2-40B4-BE49-F238E27FC236}">
-                    <a16:creationId xmlns:a16="http://schemas.microsoft.com/office/drawing/2014/main" id="{DAE15377-B905-BF3E-67F4-B306D62FCAD1}"/>
-                  </a:ext>
-                </a:extLst>
-              </p:cNvPr>
-              <p:cNvSpPr txBox="1"/>
-              <p:nvPr/>
-            </p:nvSpPr>
-            <p:spPr>
-              <a:xfrm>
-                <a:off x="13231988" y="16294979"/>
-                <a:ext cx="1112310" cy="192357"/>
-              </a:xfrm>
-              <a:prstGeom prst="rect">
-                <a:avLst/>
-              </a:prstGeom>
-              <a:noFill/>
-            </p:spPr>
-            <p:txBody>
-              <a:bodyPr wrap="square" rtlCol="0">
-                <a:spAutoFit/>
-              </a:bodyPr>
-              <a:lstStyle/>
-              <a:p>
-                <a:pPr algn="ctr"/>
-                <a:r>
-                  <a:rPr lang="en-US" sz="650" dirty="0"/>
-                  <a:t>Variable importance</a:t>
-                </a:r>
-              </a:p>
-            </p:txBody>
-          </p:sp>
-        </p:grpSp>
-      </p:grpSp>
-      <p:sp>
-        <p:nvSpPr>
-          <p:cNvPr id="138" name="Rectangle 137">
-            <a:extLst>
-              <a:ext uri="{FF2B5EF4-FFF2-40B4-BE49-F238E27FC236}">
-                <a16:creationId xmlns:a16="http://schemas.microsoft.com/office/drawing/2014/main" id="{CC47D0C6-163B-F587-2162-D782FD100B21}"/>
-              </a:ext>
-            </a:extLst>
-          </p:cNvPr>
-          <p:cNvSpPr/>
-          <p:nvPr/>
-        </p:nvSpPr>
-        <p:spPr>
-          <a:xfrm>
-            <a:off x="22166066" y="21582398"/>
-            <a:ext cx="3320196" cy="80111"/>
-          </a:xfrm>
-          <a:prstGeom prst="rect">
-            <a:avLst/>
-          </a:prstGeom>
-          <a:solidFill>
-            <a:schemeClr val="bg1"/>
-          </a:solidFill>
-          <a:ln>
-            <a:noFill/>
-          </a:ln>
-        </p:spPr>
-        <p:style>
-          <a:lnRef idx="2">
-            <a:schemeClr val="accent1">
-              <a:shade val="15000"/>
-            </a:schemeClr>
-          </a:lnRef>
-          <a:fillRef idx="1">
-            <a:schemeClr val="accent1"/>
-          </a:fillRef>
-          <a:effectRef idx="0">
-            <a:schemeClr val="accent1"/>
-          </a:effectRef>
-          <a:fontRef idx="minor">
-            <a:schemeClr val="lt1"/>
-          </a:fontRef>
-        </p:style>
-        <p:txBody>
-          <a:bodyPr rtlCol="0" anchor="ctr"/>
-          <a:lstStyle/>
-          <a:p>
-            <a:pPr algn="ctr"/>
-            <a:endParaRPr lang="en-US"/>
-          </a:p>
-        </p:txBody>
-      </p:sp>
-      <p:cxnSp>
-        <p:nvCxnSpPr>
-          <p:cNvPr id="36" name="Straight Connector 35">
-            <a:extLst>
-              <a:ext uri="{FF2B5EF4-FFF2-40B4-BE49-F238E27FC236}">
-                <a16:creationId xmlns:a16="http://schemas.microsoft.com/office/drawing/2014/main" id="{10C3F415-7D17-33B8-0776-71E0181FF03E}"/>
-              </a:ext>
-            </a:extLst>
-          </p:cNvPr>
-          <p:cNvCxnSpPr>
-            <a:cxnSpLocks/>
-            <a:stCxn id="138" idx="3"/>
-            <a:endCxn id="138" idx="1"/>
-          </p:cNvCxnSpPr>
-          <p:nvPr/>
-        </p:nvCxnSpPr>
-        <p:spPr>
-          <a:xfrm flipH="1">
-            <a:off x="22166066" y="21622454"/>
-            <a:ext cx="3320196" cy="0"/>
-          </a:xfrm>
-          <a:prstGeom prst="line">
-            <a:avLst/>
-          </a:prstGeom>
-          <a:ln w="6350">
-            <a:solidFill>
-              <a:schemeClr val="tx1"/>
-            </a:solidFill>
-            <a:prstDash val="solid"/>
-          </a:ln>
-        </p:spPr>
-        <p:style>
-          <a:lnRef idx="1">
-            <a:schemeClr val="accent1"/>
-          </a:lnRef>
-          <a:fillRef idx="0">
-            <a:schemeClr val="accent1"/>
-          </a:fillRef>
-          <a:effectRef idx="0">
-            <a:schemeClr val="accent1"/>
-          </a:effectRef>
-          <a:fontRef idx="minor">
-            <a:schemeClr val="tx1"/>
-          </a:fontRef>
-        </p:style>
-      </p:cxnSp>
-      <p:sp>
-        <p:nvSpPr>
-          <p:cNvPr id="141" name="Rectangle 140">
-            <a:extLst>
-              <a:ext uri="{FF2B5EF4-FFF2-40B4-BE49-F238E27FC236}">
-                <a16:creationId xmlns:a16="http://schemas.microsoft.com/office/drawing/2014/main" id="{D9A7BF34-8C6F-EFC0-BA02-0BF15B68593F}"/>
-              </a:ext>
-            </a:extLst>
-          </p:cNvPr>
-          <p:cNvSpPr/>
-          <p:nvPr/>
-        </p:nvSpPr>
-        <p:spPr>
-          <a:xfrm>
-            <a:off x="22166064" y="22137710"/>
-            <a:ext cx="3320196" cy="80111"/>
-          </a:xfrm>
-          <a:prstGeom prst="rect">
-            <a:avLst/>
-          </a:prstGeom>
-          <a:solidFill>
-            <a:schemeClr val="bg1"/>
-          </a:solidFill>
-          <a:ln>
-            <a:noFill/>
-          </a:ln>
-        </p:spPr>
-        <p:style>
-          <a:lnRef idx="2">
-            <a:schemeClr val="accent1">
-              <a:shade val="15000"/>
-            </a:schemeClr>
-          </a:lnRef>
-          <a:fillRef idx="1">
-            <a:schemeClr val="accent1"/>
-          </a:fillRef>
-          <a:effectRef idx="0">
-            <a:schemeClr val="accent1"/>
-          </a:effectRef>
-          <a:fontRef idx="minor">
-            <a:schemeClr val="lt1"/>
-          </a:fontRef>
-        </p:style>
-        <p:txBody>
-          <a:bodyPr rtlCol="0" anchor="ctr"/>
-          <a:lstStyle/>
-          <a:p>
-            <a:pPr algn="ctr"/>
-            <a:endParaRPr lang="en-US"/>
-          </a:p>
-        </p:txBody>
-      </p:sp>
-      <p:cxnSp>
-        <p:nvCxnSpPr>
-          <p:cNvPr id="142" name="Straight Connector 141">
-            <a:extLst>
-              <a:ext uri="{FF2B5EF4-FFF2-40B4-BE49-F238E27FC236}">
-                <a16:creationId xmlns:a16="http://schemas.microsoft.com/office/drawing/2014/main" id="{3EE20B89-AC9B-C378-E90A-1386E21FBE5C}"/>
-              </a:ext>
-            </a:extLst>
-          </p:cNvPr>
-          <p:cNvCxnSpPr>
-            <a:cxnSpLocks/>
-            <a:stCxn id="141" idx="3"/>
-            <a:endCxn id="141" idx="1"/>
-          </p:cNvCxnSpPr>
-          <p:nvPr/>
-        </p:nvCxnSpPr>
-        <p:spPr>
-          <a:xfrm flipH="1">
-            <a:off x="22166064" y="22177766"/>
-            <a:ext cx="3320196" cy="0"/>
-          </a:xfrm>
-          <a:prstGeom prst="line">
-            <a:avLst/>
-          </a:prstGeom>
-          <a:ln w="6350">
-            <a:solidFill>
-              <a:schemeClr val="tx1"/>
-            </a:solidFill>
-            <a:prstDash val="solid"/>
-          </a:ln>
-        </p:spPr>
-        <p:style>
-          <a:lnRef idx="1">
-            <a:schemeClr val="accent1"/>
-          </a:lnRef>
-          <a:fillRef idx="0">
-            <a:schemeClr val="accent1"/>
-          </a:fillRef>
-          <a:effectRef idx="0">
-            <a:schemeClr val="accent1"/>
-          </a:effectRef>
-          <a:fontRef idx="minor">
-            <a:schemeClr val="tx1"/>
-          </a:fontRef>
-        </p:style>
-      </p:cxnSp>
-      <p:sp>
-        <p:nvSpPr>
-          <p:cNvPr id="143" name="Rectangle 142">
-            <a:extLst>
-              <a:ext uri="{FF2B5EF4-FFF2-40B4-BE49-F238E27FC236}">
-                <a16:creationId xmlns:a16="http://schemas.microsoft.com/office/drawing/2014/main" id="{283D99D1-A1FA-40A5-8589-D6B851D3A6C1}"/>
-              </a:ext>
-            </a:extLst>
-          </p:cNvPr>
-          <p:cNvSpPr/>
-          <p:nvPr/>
-        </p:nvSpPr>
-        <p:spPr>
-          <a:xfrm>
-            <a:off x="22166064" y="22693493"/>
-            <a:ext cx="3320196" cy="80111"/>
-          </a:xfrm>
-          <a:prstGeom prst="rect">
-            <a:avLst/>
-          </a:prstGeom>
-          <a:solidFill>
-            <a:schemeClr val="bg1"/>
-          </a:solidFill>
-          <a:ln>
-            <a:noFill/>
-          </a:ln>
-        </p:spPr>
-        <p:style>
-          <a:lnRef idx="2">
-            <a:schemeClr val="accent1">
-              <a:shade val="15000"/>
-            </a:schemeClr>
-          </a:lnRef>
-          <a:fillRef idx="1">
-            <a:schemeClr val="accent1"/>
-          </a:fillRef>
-          <a:effectRef idx="0">
-            <a:schemeClr val="accent1"/>
-          </a:effectRef>
-          <a:fontRef idx="minor">
-            <a:schemeClr val="lt1"/>
-          </a:fontRef>
-        </p:style>
-        <p:txBody>
-          <a:bodyPr rtlCol="0" anchor="ctr"/>
-          <a:lstStyle/>
-          <a:p>
-            <a:pPr algn="ctr"/>
-            <a:endParaRPr lang="en-US"/>
-          </a:p>
-        </p:txBody>
-      </p:sp>
-      <p:cxnSp>
-        <p:nvCxnSpPr>
-          <p:cNvPr id="144" name="Straight Connector 143">
-            <a:extLst>
-              <a:ext uri="{FF2B5EF4-FFF2-40B4-BE49-F238E27FC236}">
-                <a16:creationId xmlns:a16="http://schemas.microsoft.com/office/drawing/2014/main" id="{A8049191-D628-2BCE-D151-3082893F7EA9}"/>
-              </a:ext>
-            </a:extLst>
-          </p:cNvPr>
-          <p:cNvCxnSpPr>
-            <a:cxnSpLocks/>
-            <a:stCxn id="143" idx="3"/>
-            <a:endCxn id="143" idx="1"/>
-          </p:cNvCxnSpPr>
-          <p:nvPr/>
-        </p:nvCxnSpPr>
-        <p:spPr>
-          <a:xfrm flipH="1">
-            <a:off x="22166064" y="22733549"/>
-            <a:ext cx="3320196" cy="0"/>
-          </a:xfrm>
-          <a:prstGeom prst="line">
-            <a:avLst/>
-          </a:prstGeom>
-          <a:ln w="6350">
-            <a:solidFill>
-              <a:schemeClr val="tx1"/>
-            </a:solidFill>
-            <a:prstDash val="solid"/>
-          </a:ln>
-        </p:spPr>
-        <p:style>
-          <a:lnRef idx="1">
-            <a:schemeClr val="accent1"/>
-          </a:lnRef>
-          <a:fillRef idx="0">
-            <a:schemeClr val="accent1"/>
-          </a:fillRef>
-          <a:effectRef idx="0">
-            <a:schemeClr val="accent1"/>
-          </a:effectRef>
-          <a:fontRef idx="minor">
-            <a:schemeClr val="tx1"/>
-          </a:fontRef>
-        </p:style>
-      </p:cxnSp>
-      <p:sp>
-        <p:nvSpPr>
-          <p:cNvPr id="30" name="Rectangle 29">
-            <a:extLst>
-              <a:ext uri="{FF2B5EF4-FFF2-40B4-BE49-F238E27FC236}">
-                <a16:creationId xmlns:a16="http://schemas.microsoft.com/office/drawing/2014/main" id="{B2D2CC17-B9B3-E551-2EE1-1C73F0517D59}"/>
-              </a:ext>
-            </a:extLst>
-          </p:cNvPr>
-          <p:cNvSpPr/>
-          <p:nvPr/>
-        </p:nvSpPr>
-        <p:spPr>
-          <a:xfrm flipH="1">
-            <a:off x="22165529" y="20782027"/>
-            <a:ext cx="54429" cy="2785809"/>
-          </a:xfrm>
-          <a:prstGeom prst="rect">
-            <a:avLst/>
-          </a:prstGeom>
-          <a:solidFill>
-            <a:schemeClr val="bg1"/>
-          </a:solidFill>
-          <a:ln>
-            <a:noFill/>
-          </a:ln>
-        </p:spPr>
-        <p:style>
-          <a:lnRef idx="2">
-            <a:schemeClr val="accent1">
-              <a:shade val="15000"/>
-            </a:schemeClr>
-          </a:lnRef>
-          <a:fillRef idx="1">
-            <a:schemeClr val="accent1"/>
-          </a:fillRef>
-          <a:effectRef idx="0">
-            <a:schemeClr val="accent1"/>
-          </a:effectRef>
-          <a:fontRef idx="minor">
-            <a:schemeClr val="lt1"/>
-          </a:fontRef>
-        </p:style>
-        <p:txBody>
-          <a:bodyPr rtlCol="0" anchor="ctr"/>
-          <a:lstStyle/>
-          <a:p>
-            <a:pPr algn="ctr"/>
-            <a:endParaRPr lang="en-US"/>
-          </a:p>
-        </p:txBody>
-      </p:sp>
-      <p:sp>
-        <p:nvSpPr>
-          <p:cNvPr id="31" name="Rectangle 30">
-            <a:extLst>
-              <a:ext uri="{FF2B5EF4-FFF2-40B4-BE49-F238E27FC236}">
-                <a16:creationId xmlns:a16="http://schemas.microsoft.com/office/drawing/2014/main" id="{0D0201B4-9493-909E-4CED-3DA871AFB647}"/>
-              </a:ext>
-            </a:extLst>
-          </p:cNvPr>
-          <p:cNvSpPr/>
-          <p:nvPr/>
-        </p:nvSpPr>
-        <p:spPr>
-          <a:xfrm flipH="1">
-            <a:off x="25423533" y="20782027"/>
-            <a:ext cx="70855" cy="2785809"/>
-          </a:xfrm>
-          <a:prstGeom prst="rect">
-            <a:avLst/>
-          </a:prstGeom>
-          <a:solidFill>
-            <a:schemeClr val="bg1"/>
-          </a:solidFill>
-          <a:ln>
-            <a:noFill/>
-          </a:ln>
-        </p:spPr>
-        <p:style>
-          <a:lnRef idx="2">
-            <a:schemeClr val="accent1">
-              <a:shade val="15000"/>
-            </a:schemeClr>
-          </a:lnRef>
-          <a:fillRef idx="1">
-            <a:schemeClr val="accent1"/>
-          </a:fillRef>
-          <a:effectRef idx="0">
-            <a:schemeClr val="accent1"/>
-          </a:effectRef>
-          <a:fontRef idx="minor">
-            <a:schemeClr val="lt1"/>
-          </a:fontRef>
-        </p:style>
-        <p:txBody>
-          <a:bodyPr rtlCol="0" anchor="ctr"/>
-          <a:lstStyle/>
-          <a:p>
-            <a:pPr algn="ctr"/>
-            <a:endParaRPr lang="en-US" dirty="0">
-              <a:highlight>
-                <a:srgbClr val="FFFF00"/>
-              </a:highlight>
-            </a:endParaRPr>
-          </a:p>
-        </p:txBody>
-      </p:sp>
-      <p:grpSp>
-        <p:nvGrpSpPr>
-          <p:cNvPr id="166" name="Group 165">
-            <a:extLst>
-              <a:ext uri="{FF2B5EF4-FFF2-40B4-BE49-F238E27FC236}">
-                <a16:creationId xmlns:a16="http://schemas.microsoft.com/office/drawing/2014/main" id="{FCB8266E-BF89-83C9-D1C9-97F080F07BA5}"/>
-              </a:ext>
-            </a:extLst>
-          </p:cNvPr>
-          <p:cNvGrpSpPr/>
-          <p:nvPr/>
-        </p:nvGrpSpPr>
-        <p:grpSpPr>
-          <a:xfrm>
-            <a:off x="23772479" y="22882470"/>
-            <a:ext cx="1315114" cy="575666"/>
-            <a:chOff x="27761094" y="18808949"/>
-            <a:chExt cx="1315114" cy="575666"/>
-          </a:xfrm>
-        </p:grpSpPr>
-        <p:sp>
-          <p:nvSpPr>
-            <p:cNvPr id="157" name="Rectangle 156">
-              <a:extLst>
-                <a:ext uri="{FF2B5EF4-FFF2-40B4-BE49-F238E27FC236}">
-                  <a16:creationId xmlns:a16="http://schemas.microsoft.com/office/drawing/2014/main" id="{1756326F-CD82-B259-E29F-A08729C73DB2}"/>
-                </a:ext>
-              </a:extLst>
-            </p:cNvPr>
-            <p:cNvSpPr/>
-            <p:nvPr/>
-          </p:nvSpPr>
-          <p:spPr>
-            <a:xfrm>
-              <a:off x="27764718" y="18808949"/>
-              <a:ext cx="1311490" cy="558500"/>
-            </a:xfrm>
-            <a:prstGeom prst="rect">
-              <a:avLst/>
-            </a:prstGeom>
-            <a:solidFill>
-              <a:schemeClr val="bg1"/>
-            </a:solidFill>
-            <a:ln w="3175">
-              <a:solidFill>
-                <a:schemeClr val="tx1"/>
-              </a:solidFill>
-            </a:ln>
-          </p:spPr>
-          <p:style>
-            <a:lnRef idx="2">
-              <a:schemeClr val="accent1">
-                <a:shade val="15000"/>
-              </a:schemeClr>
-            </a:lnRef>
-            <a:fillRef idx="1">
-              <a:schemeClr val="accent1"/>
-            </a:fillRef>
-            <a:effectRef idx="0">
-              <a:schemeClr val="accent1"/>
-            </a:effectRef>
-            <a:fontRef idx="minor">
-              <a:schemeClr val="lt1"/>
-            </a:fontRef>
-          </p:style>
-          <p:txBody>
-            <a:bodyPr rtlCol="0" anchor="ctr"/>
-            <a:lstStyle/>
-            <a:p>
-              <a:pPr algn="ctr"/>
-              <a:endParaRPr lang="en-US"/>
-            </a:p>
-          </p:txBody>
-        </p:sp>
-        <p:pic>
-          <p:nvPicPr>
-            <p:cNvPr id="147" name="Graphic 146">
-              <a:extLst>
-                <a:ext uri="{FF2B5EF4-FFF2-40B4-BE49-F238E27FC236}">
-                  <a16:creationId xmlns:a16="http://schemas.microsoft.com/office/drawing/2014/main" id="{ED10B28C-3C9F-B4AF-3810-7CE452193BB4}"/>
-                </a:ext>
-              </a:extLst>
-            </p:cNvPr>
-            <p:cNvPicPr>
-              <a:picLocks noChangeAspect="1"/>
-            </p:cNvPicPr>
-            <p:nvPr/>
-          </p:nvPicPr>
-          <p:blipFill>
-            <a:blip r:embed="rId12">
-              <a:extLst>
-                <a:ext uri="{96DAC541-7B7A-43D3-8B79-37D633B846F1}">
-                  <asvg:svgBlip xmlns:asvg="http://schemas.microsoft.com/office/drawing/2016/SVG/main" r:embed="rId13"/>
-                </a:ext>
-              </a:extLst>
-            </a:blip>
-            <a:srcRect l="84135" t="17435" r="14314" b="26092"/>
-            <a:stretch/>
-          </p:blipFill>
-          <p:spPr>
-            <a:xfrm rot="5400000">
-              <a:off x="28354721" y="18594265"/>
-              <a:ext cx="121615" cy="987481"/>
-            </a:xfrm>
-            <a:prstGeom prst="rect">
-              <a:avLst/>
-            </a:prstGeom>
-          </p:spPr>
-        </p:pic>
-        <p:cxnSp>
-          <p:nvCxnSpPr>
-            <p:cNvPr id="148" name="Straight Connector 147">
-              <a:extLst>
-                <a:ext uri="{FF2B5EF4-FFF2-40B4-BE49-F238E27FC236}">
-                  <a16:creationId xmlns:a16="http://schemas.microsoft.com/office/drawing/2014/main" id="{58EAFF1D-34C9-7DCF-3D56-58518476C8A1}"/>
-                </a:ext>
-              </a:extLst>
-            </p:cNvPr>
-            <p:cNvCxnSpPr>
-              <a:cxnSpLocks/>
-            </p:cNvCxnSpPr>
-            <p:nvPr/>
-          </p:nvCxnSpPr>
-          <p:spPr>
-            <a:xfrm flipV="1">
-              <a:off x="27917943" y="19160563"/>
-              <a:ext cx="993963" cy="1366"/>
-            </a:xfrm>
-            <a:prstGeom prst="line">
-              <a:avLst/>
-            </a:prstGeom>
-            <a:ln w="12700">
-              <a:solidFill>
-                <a:schemeClr val="tx1"/>
-              </a:solidFill>
-            </a:ln>
-          </p:spPr>
-          <p:style>
-            <a:lnRef idx="1">
-              <a:schemeClr val="accent1"/>
-            </a:lnRef>
-            <a:fillRef idx="0">
-              <a:schemeClr val="accent1"/>
-            </a:fillRef>
-            <a:effectRef idx="0">
-              <a:schemeClr val="accent1"/>
-            </a:effectRef>
-            <a:fontRef idx="minor">
-              <a:schemeClr val="tx1"/>
-            </a:fontRef>
-          </p:style>
-        </p:cxnSp>
-        <p:sp>
-          <p:nvSpPr>
-            <p:cNvPr id="149" name="TextBox 148">
-              <a:extLst>
-                <a:ext uri="{FF2B5EF4-FFF2-40B4-BE49-F238E27FC236}">
-                  <a16:creationId xmlns:a16="http://schemas.microsoft.com/office/drawing/2014/main" id="{42005357-0CC0-8903-1943-4976112B2A99}"/>
-                </a:ext>
-              </a:extLst>
-            </p:cNvPr>
-            <p:cNvSpPr txBox="1"/>
-            <p:nvPr/>
-          </p:nvSpPr>
-          <p:spPr>
-            <a:xfrm>
-              <a:off x="27761094" y="19175327"/>
-              <a:ext cx="321538" cy="209288"/>
-            </a:xfrm>
-            <a:prstGeom prst="rect">
-              <a:avLst/>
-            </a:prstGeom>
-            <a:noFill/>
-          </p:spPr>
-          <p:txBody>
-            <a:bodyPr wrap="square" rtlCol="0">
-              <a:spAutoFit/>
-            </a:bodyPr>
-            <a:lstStyle/>
-            <a:p>
-              <a:pPr algn="ctr"/>
-              <a:r>
-                <a:rPr lang="en-US" sz="750" dirty="0"/>
-                <a:t>0.8</a:t>
-              </a:r>
-            </a:p>
-          </p:txBody>
-        </p:sp>
-        <p:sp>
-          <p:nvSpPr>
-            <p:cNvPr id="150" name="TextBox 149">
-              <a:extLst>
-                <a:ext uri="{FF2B5EF4-FFF2-40B4-BE49-F238E27FC236}">
-                  <a16:creationId xmlns:a16="http://schemas.microsoft.com/office/drawing/2014/main" id="{3EF088A4-1012-69EA-3DAF-489F5EC7D7F7}"/>
-                </a:ext>
-              </a:extLst>
-            </p:cNvPr>
-            <p:cNvSpPr txBox="1"/>
-            <p:nvPr/>
-          </p:nvSpPr>
-          <p:spPr>
-            <a:xfrm>
-              <a:off x="27802742" y="18821649"/>
-              <a:ext cx="1229458" cy="230832"/>
-            </a:xfrm>
-            <a:prstGeom prst="rect">
-              <a:avLst/>
-            </a:prstGeom>
-            <a:noFill/>
-          </p:spPr>
-          <p:txBody>
-            <a:bodyPr wrap="square" rtlCol="0">
-              <a:spAutoFit/>
-            </a:bodyPr>
-            <a:lstStyle/>
-            <a:p>
-              <a:pPr algn="ctr"/>
-              <a:r>
-                <a:rPr lang="en-US" sz="900" dirty="0"/>
-                <a:t>Variable importance</a:t>
-              </a:r>
-            </a:p>
-          </p:txBody>
-        </p:sp>
-        <p:cxnSp>
-          <p:nvCxnSpPr>
-            <p:cNvPr id="151" name="Straight Connector 150">
-              <a:extLst>
-                <a:ext uri="{FF2B5EF4-FFF2-40B4-BE49-F238E27FC236}">
-                  <a16:creationId xmlns:a16="http://schemas.microsoft.com/office/drawing/2014/main" id="{C41725FA-75BA-A167-DE09-98C80F759B3D}"/>
-                </a:ext>
-              </a:extLst>
-            </p:cNvPr>
-            <p:cNvCxnSpPr>
-              <a:cxnSpLocks/>
-            </p:cNvCxnSpPr>
-            <p:nvPr/>
-          </p:nvCxnSpPr>
-          <p:spPr>
-            <a:xfrm flipV="1">
-              <a:off x="28413090" y="19160616"/>
-              <a:ext cx="0" cy="53585"/>
-            </a:xfrm>
-            <a:prstGeom prst="line">
-              <a:avLst/>
-            </a:prstGeom>
-            <a:ln w="12700">
-              <a:solidFill>
-                <a:schemeClr val="tx1"/>
-              </a:solidFill>
-            </a:ln>
-          </p:spPr>
-          <p:style>
-            <a:lnRef idx="1">
-              <a:schemeClr val="accent1"/>
-            </a:lnRef>
-            <a:fillRef idx="0">
-              <a:schemeClr val="accent1"/>
-            </a:fillRef>
-            <a:effectRef idx="0">
-              <a:schemeClr val="accent1"/>
-            </a:effectRef>
-            <a:fontRef idx="minor">
-              <a:schemeClr val="tx1"/>
-            </a:fontRef>
-          </p:style>
-        </p:cxnSp>
-        <p:cxnSp>
-          <p:nvCxnSpPr>
-            <p:cNvPr id="152" name="Straight Connector 151">
-              <a:extLst>
-                <a:ext uri="{FF2B5EF4-FFF2-40B4-BE49-F238E27FC236}">
-                  <a16:creationId xmlns:a16="http://schemas.microsoft.com/office/drawing/2014/main" id="{C99A6D63-A814-55D2-0148-E8EE51F03051}"/>
-                </a:ext>
-              </a:extLst>
-            </p:cNvPr>
-            <p:cNvCxnSpPr>
-              <a:cxnSpLocks/>
-            </p:cNvCxnSpPr>
-            <p:nvPr/>
-          </p:nvCxnSpPr>
-          <p:spPr>
-            <a:xfrm flipV="1">
-              <a:off x="28907519" y="19160385"/>
-              <a:ext cx="162" cy="53816"/>
-            </a:xfrm>
-            <a:prstGeom prst="line">
-              <a:avLst/>
-            </a:prstGeom>
-            <a:ln w="12700">
-              <a:solidFill>
-                <a:schemeClr val="tx1"/>
-              </a:solidFill>
-            </a:ln>
-          </p:spPr>
-          <p:style>
-            <a:lnRef idx="1">
-              <a:schemeClr val="accent1"/>
-            </a:lnRef>
-            <a:fillRef idx="0">
-              <a:schemeClr val="accent1"/>
-            </a:fillRef>
-            <a:effectRef idx="0">
-              <a:schemeClr val="accent1"/>
-            </a:effectRef>
-            <a:fontRef idx="minor">
-              <a:schemeClr val="tx1"/>
-            </a:fontRef>
-          </p:style>
-        </p:cxnSp>
-        <p:cxnSp>
-          <p:nvCxnSpPr>
-            <p:cNvPr id="153" name="Straight Connector 152">
-              <a:extLst>
-                <a:ext uri="{FF2B5EF4-FFF2-40B4-BE49-F238E27FC236}">
-                  <a16:creationId xmlns:a16="http://schemas.microsoft.com/office/drawing/2014/main" id="{BA87C16C-FE0E-995E-E00C-CDE098C19117}"/>
-                </a:ext>
-              </a:extLst>
-            </p:cNvPr>
-            <p:cNvCxnSpPr>
-              <a:cxnSpLocks/>
-            </p:cNvCxnSpPr>
-            <p:nvPr/>
-          </p:nvCxnSpPr>
-          <p:spPr>
-            <a:xfrm flipV="1">
-              <a:off x="27922712" y="19160330"/>
-              <a:ext cx="0" cy="53871"/>
-            </a:xfrm>
-            <a:prstGeom prst="line">
-              <a:avLst/>
-            </a:prstGeom>
-            <a:ln w="12700">
-              <a:solidFill>
-                <a:schemeClr val="tx1"/>
-              </a:solidFill>
-            </a:ln>
-          </p:spPr>
-          <p:style>
-            <a:lnRef idx="1">
-              <a:schemeClr val="accent1"/>
-            </a:lnRef>
-            <a:fillRef idx="0">
-              <a:schemeClr val="accent1"/>
-            </a:fillRef>
-            <a:effectRef idx="0">
-              <a:schemeClr val="accent1"/>
-            </a:effectRef>
-            <a:fontRef idx="minor">
-              <a:schemeClr val="tx1"/>
-            </a:fontRef>
-          </p:style>
-        </p:cxnSp>
-        <p:cxnSp>
-          <p:nvCxnSpPr>
-            <p:cNvPr id="154" name="Straight Connector 153">
-              <a:extLst>
-                <a:ext uri="{FF2B5EF4-FFF2-40B4-BE49-F238E27FC236}">
-                  <a16:creationId xmlns:a16="http://schemas.microsoft.com/office/drawing/2014/main" id="{ADFCB725-BD37-A5F3-BBF3-348F997962BF}"/>
-                </a:ext>
-              </a:extLst>
-            </p:cNvPr>
-            <p:cNvCxnSpPr>
-              <a:cxnSpLocks/>
-            </p:cNvCxnSpPr>
-            <p:nvPr/>
-          </p:nvCxnSpPr>
-          <p:spPr>
-            <a:xfrm flipV="1">
-              <a:off x="28659209" y="19160486"/>
-              <a:ext cx="0" cy="53715"/>
-            </a:xfrm>
-            <a:prstGeom prst="line">
-              <a:avLst/>
-            </a:prstGeom>
-            <a:ln w="12700">
-              <a:solidFill>
-                <a:schemeClr val="tx1"/>
-              </a:solidFill>
-            </a:ln>
-          </p:spPr>
-          <p:style>
-            <a:lnRef idx="1">
-              <a:schemeClr val="accent1"/>
-            </a:lnRef>
-            <a:fillRef idx="0">
-              <a:schemeClr val="accent1"/>
-            </a:fillRef>
-            <a:effectRef idx="0">
-              <a:schemeClr val="accent1"/>
-            </a:effectRef>
-            <a:fontRef idx="minor">
-              <a:schemeClr val="tx1"/>
-            </a:fontRef>
-          </p:style>
-        </p:cxnSp>
-        <p:cxnSp>
-          <p:nvCxnSpPr>
-            <p:cNvPr id="155" name="Straight Connector 154">
-              <a:extLst>
-                <a:ext uri="{FF2B5EF4-FFF2-40B4-BE49-F238E27FC236}">
-                  <a16:creationId xmlns:a16="http://schemas.microsoft.com/office/drawing/2014/main" id="{91FB3C6A-1AC2-C6D7-4CED-32F21607FDB7}"/>
-                </a:ext>
-              </a:extLst>
-            </p:cNvPr>
-            <p:cNvCxnSpPr>
-              <a:cxnSpLocks/>
-            </p:cNvCxnSpPr>
-            <p:nvPr/>
-          </p:nvCxnSpPr>
-          <p:spPr>
-            <a:xfrm flipV="1">
-              <a:off x="28170506" y="19160748"/>
-              <a:ext cx="0" cy="53453"/>
-            </a:xfrm>
-            <a:prstGeom prst="line">
-              <a:avLst/>
-            </a:prstGeom>
-            <a:ln w="12700">
-              <a:solidFill>
-                <a:schemeClr val="tx1"/>
-              </a:solidFill>
-            </a:ln>
-          </p:spPr>
-          <p:style>
-            <a:lnRef idx="1">
-              <a:schemeClr val="accent1"/>
-            </a:lnRef>
-            <a:fillRef idx="0">
-              <a:schemeClr val="accent1"/>
-            </a:fillRef>
-            <a:effectRef idx="0">
-              <a:schemeClr val="accent1"/>
-            </a:effectRef>
-            <a:fontRef idx="minor">
-              <a:schemeClr val="tx1"/>
-            </a:fontRef>
-          </p:style>
-        </p:cxnSp>
-      </p:grpSp>
-      <p:pic>
-        <p:nvPicPr>
-          <p:cNvPr id="185" name="Graphic 184" descr="Checkmark with solid fill">
-            <a:extLst>
-              <a:ext uri="{FF2B5EF4-FFF2-40B4-BE49-F238E27FC236}">
-                <a16:creationId xmlns:a16="http://schemas.microsoft.com/office/drawing/2014/main" id="{DCA27A5C-FBBE-5048-B662-459BE66B6EC3}"/>
-              </a:ext>
-            </a:extLst>
-          </p:cNvPr>
-          <p:cNvPicPr>
-            <a:picLocks noChangeAspect="1"/>
-          </p:cNvPicPr>
-          <p:nvPr/>
-        </p:nvPicPr>
-        <p:blipFill>
-          <a:blip r:embed="rId10">
-            <a:extLst>
-              <a:ext uri="{96DAC541-7B7A-43D3-8B79-37D633B846F1}">
-                <asvg:svgBlip xmlns:asvg="http://schemas.microsoft.com/office/drawing/2016/SVG/main" r:embed="rId11"/>
-              </a:ext>
-            </a:extLst>
-          </a:blip>
-          <a:stretch>
-            <a:fillRect/>
-          </a:stretch>
-        </p:blipFill>
-        <p:spPr>
-          <a:xfrm>
-            <a:off x="20988424" y="20977931"/>
-            <a:ext cx="170130" cy="170130"/>
-          </a:xfrm>
-          <a:prstGeom prst="rect">
-            <a:avLst/>
-          </a:prstGeom>
-        </p:spPr>
-      </p:pic>
-      <p:pic>
-        <p:nvPicPr>
-          <p:cNvPr id="186" name="Graphic 185" descr="Close with solid fill">
-            <a:extLst>
-              <a:ext uri="{FF2B5EF4-FFF2-40B4-BE49-F238E27FC236}">
-                <a16:creationId xmlns:a16="http://schemas.microsoft.com/office/drawing/2014/main" id="{9CF423A5-3B5C-6831-87A1-8518A3063BE5}"/>
-              </a:ext>
-            </a:extLst>
-          </p:cNvPr>
-          <p:cNvPicPr>
-            <a:picLocks noChangeAspect="1"/>
-          </p:cNvPicPr>
-          <p:nvPr/>
-        </p:nvPicPr>
-        <p:blipFill>
-          <a:blip r:embed="rId8">
-            <a:extLst>
-              <a:ext uri="{96DAC541-7B7A-43D3-8B79-37D633B846F1}">
-                <asvg:svgBlip xmlns:asvg="http://schemas.microsoft.com/office/drawing/2016/SVG/main" r:embed="rId9"/>
-              </a:ext>
-            </a:extLst>
-          </a:blip>
-          <a:stretch>
-            <a:fillRect/>
-          </a:stretch>
-        </p:blipFill>
-        <p:spPr>
-          <a:xfrm>
-            <a:off x="20684856" y="23201731"/>
-            <a:ext cx="170130" cy="170130"/>
-          </a:xfrm>
-          <a:prstGeom prst="rect">
-            <a:avLst/>
-          </a:prstGeom>
-        </p:spPr>
-      </p:pic>
-      <p:pic>
-        <p:nvPicPr>
-          <p:cNvPr id="188" name="Graphic 187" descr="Close with solid fill">
-            <a:extLst>
-              <a:ext uri="{FF2B5EF4-FFF2-40B4-BE49-F238E27FC236}">
-                <a16:creationId xmlns:a16="http://schemas.microsoft.com/office/drawing/2014/main" id="{779FDD90-9EAF-BCDA-F31C-068DD154F1C2}"/>
-              </a:ext>
-            </a:extLst>
-          </p:cNvPr>
-          <p:cNvPicPr>
-            <a:picLocks noChangeAspect="1"/>
-          </p:cNvPicPr>
-          <p:nvPr/>
-        </p:nvPicPr>
-        <p:blipFill>
-          <a:blip r:embed="rId8">
-            <a:extLst>
-              <a:ext uri="{96DAC541-7B7A-43D3-8B79-37D633B846F1}">
-                <asvg:svgBlip xmlns:asvg="http://schemas.microsoft.com/office/drawing/2016/SVG/main" r:embed="rId9"/>
-              </a:ext>
-            </a:extLst>
-          </a:blip>
-          <a:stretch>
-            <a:fillRect/>
-          </a:stretch>
-        </p:blipFill>
-        <p:spPr>
-          <a:xfrm>
-            <a:off x="20683496" y="21257262"/>
-            <a:ext cx="170130" cy="170130"/>
-          </a:xfrm>
-          <a:prstGeom prst="rect">
-            <a:avLst/>
-          </a:prstGeom>
-        </p:spPr>
-      </p:pic>
-      <p:pic>
-        <p:nvPicPr>
-          <p:cNvPr id="191" name="Graphic 190" descr="Checkmark with solid fill">
-            <a:extLst>
-              <a:ext uri="{FF2B5EF4-FFF2-40B4-BE49-F238E27FC236}">
-                <a16:creationId xmlns:a16="http://schemas.microsoft.com/office/drawing/2014/main" id="{45B2AA1C-2005-7495-C00B-187ADC42C46F}"/>
-              </a:ext>
-            </a:extLst>
-          </p:cNvPr>
-          <p:cNvPicPr>
-            <a:picLocks noChangeAspect="1"/>
-          </p:cNvPicPr>
-          <p:nvPr/>
-        </p:nvPicPr>
-        <p:blipFill>
-          <a:blip r:embed="rId10">
-            <a:extLst>
-              <a:ext uri="{96DAC541-7B7A-43D3-8B79-37D633B846F1}">
-                <asvg:svgBlip xmlns:asvg="http://schemas.microsoft.com/office/drawing/2016/SVG/main" r:embed="rId11"/>
-              </a:ext>
-            </a:extLst>
-          </a:blip>
-          <a:stretch>
-            <a:fillRect/>
-          </a:stretch>
-        </p:blipFill>
-        <p:spPr>
-          <a:xfrm>
-            <a:off x="21066646" y="22925149"/>
-            <a:ext cx="170130" cy="170130"/>
-          </a:xfrm>
-          <a:prstGeom prst="rect">
-            <a:avLst/>
-          </a:prstGeom>
-        </p:spPr>
-      </p:pic>
-      <p:pic>
-        <p:nvPicPr>
-          <p:cNvPr id="198" name="Graphic 197" descr="Checkmark with solid fill">
-            <a:extLst>
-              <a:ext uri="{FF2B5EF4-FFF2-40B4-BE49-F238E27FC236}">
-                <a16:creationId xmlns:a16="http://schemas.microsoft.com/office/drawing/2014/main" id="{36980361-4218-5E26-8269-F3A9CB31A788}"/>
-              </a:ext>
-            </a:extLst>
-          </p:cNvPr>
-          <p:cNvPicPr>
-            <a:picLocks noChangeAspect="1"/>
-          </p:cNvPicPr>
-          <p:nvPr/>
-        </p:nvPicPr>
-        <p:blipFill>
-          <a:blip r:embed="rId10">
-            <a:extLst>
-              <a:ext uri="{96DAC541-7B7A-43D3-8B79-37D633B846F1}">
-                <asvg:svgBlip xmlns:asvg="http://schemas.microsoft.com/office/drawing/2016/SVG/main" r:embed="rId11"/>
-              </a:ext>
-            </a:extLst>
-          </a:blip>
-          <a:stretch>
-            <a:fillRect/>
-          </a:stretch>
-        </p:blipFill>
-        <p:spPr>
-          <a:xfrm>
-            <a:off x="20399449" y="22371466"/>
-            <a:ext cx="170130" cy="170130"/>
-          </a:xfrm>
-          <a:prstGeom prst="rect">
-            <a:avLst/>
-          </a:prstGeom>
-        </p:spPr>
-      </p:pic>
-      <p:pic>
-        <p:nvPicPr>
-          <p:cNvPr id="199" name="Graphic 198" descr="Checkmark with solid fill">
-            <a:extLst>
-              <a:ext uri="{FF2B5EF4-FFF2-40B4-BE49-F238E27FC236}">
-                <a16:creationId xmlns:a16="http://schemas.microsoft.com/office/drawing/2014/main" id="{58C350FE-7A57-656E-8C30-D3586FB310A7}"/>
-              </a:ext>
-            </a:extLst>
-          </p:cNvPr>
-          <p:cNvPicPr>
-            <a:picLocks noChangeAspect="1"/>
-          </p:cNvPicPr>
-          <p:nvPr/>
-        </p:nvPicPr>
-        <p:blipFill>
-          <a:blip r:embed="rId10">
-            <a:extLst>
-              <a:ext uri="{96DAC541-7B7A-43D3-8B79-37D633B846F1}">
-                <asvg:svgBlip xmlns:asvg="http://schemas.microsoft.com/office/drawing/2016/SVG/main" r:embed="rId11"/>
-              </a:ext>
-            </a:extLst>
-          </a:blip>
-          <a:stretch>
-            <a:fillRect/>
-          </a:stretch>
-        </p:blipFill>
-        <p:spPr>
-          <a:xfrm>
-            <a:off x="20427824" y="21812785"/>
-            <a:ext cx="170130" cy="170130"/>
-          </a:xfrm>
-          <a:prstGeom prst="rect">
-            <a:avLst/>
-          </a:prstGeom>
-        </p:spPr>
-      </p:pic>
-      <p:sp>
-        <p:nvSpPr>
-          <p:cNvPr id="200" name="TextBox 199">
-            <a:extLst>
-              <a:ext uri="{FF2B5EF4-FFF2-40B4-BE49-F238E27FC236}">
-                <a16:creationId xmlns:a16="http://schemas.microsoft.com/office/drawing/2014/main" id="{027478C3-612E-1B93-7503-BCD8187E41D7}"/>
-              </a:ext>
-            </a:extLst>
-          </p:cNvPr>
-          <p:cNvSpPr txBox="1"/>
-          <p:nvPr/>
-        </p:nvSpPr>
-        <p:spPr>
-          <a:xfrm>
-            <a:off x="23071514" y="24005455"/>
-            <a:ext cx="1564406" cy="323165"/>
-          </a:xfrm>
-          <a:prstGeom prst="rect">
-            <a:avLst/>
-          </a:prstGeom>
-          <a:noFill/>
-        </p:spPr>
-        <p:txBody>
-          <a:bodyPr wrap="square" rtlCol="0">
-            <a:spAutoFit/>
-          </a:bodyPr>
-          <a:lstStyle/>
-          <a:p>
-            <a:pPr algn="ctr"/>
-            <a:r>
-              <a:rPr lang="el-GR" sz="1500" dirty="0"/>
-              <a:t>β </a:t>
-            </a:r>
-            <a:r>
-              <a:rPr lang="en-US" sz="1500" dirty="0"/>
-              <a:t>coefficient</a:t>
-            </a:r>
-          </a:p>
-        </p:txBody>
-      </p:sp>
-      <p:sp>
-        <p:nvSpPr>
-          <p:cNvPr id="206" name="TextBox 205">
-            <a:extLst>
-              <a:ext uri="{FF2B5EF4-FFF2-40B4-BE49-F238E27FC236}">
-                <a16:creationId xmlns:a16="http://schemas.microsoft.com/office/drawing/2014/main" id="{11B7FD89-FE7D-DB85-49CB-1E8CB2222211}"/>
-              </a:ext>
-            </a:extLst>
-          </p:cNvPr>
-          <p:cNvSpPr txBox="1"/>
-          <p:nvPr/>
-        </p:nvSpPr>
-        <p:spPr>
-          <a:xfrm>
-            <a:off x="25488482" y="22222093"/>
-            <a:ext cx="1399695" cy="461664"/>
-          </a:xfrm>
-          <a:prstGeom prst="rect">
-            <a:avLst/>
-          </a:prstGeom>
-          <a:noFill/>
-        </p:spPr>
-        <p:txBody>
-          <a:bodyPr wrap="square" rtlCol="0">
-            <a:spAutoFit/>
-          </a:bodyPr>
-          <a:lstStyle/>
-          <a:p>
-            <a:r>
-              <a:rPr lang="en-US" sz="1200" dirty="0"/>
-              <a:t>Ray-finned</a:t>
-            </a:r>
-          </a:p>
-          <a:p>
-            <a:r>
-              <a:rPr lang="en-US" sz="1200" dirty="0"/>
-              <a:t>fish</a:t>
-            </a:r>
-          </a:p>
-        </p:txBody>
-      </p:sp>
-      <p:sp>
-        <p:nvSpPr>
-          <p:cNvPr id="207" name="TextBox 206">
-            <a:extLst>
-              <a:ext uri="{FF2B5EF4-FFF2-40B4-BE49-F238E27FC236}">
-                <a16:creationId xmlns:a16="http://schemas.microsoft.com/office/drawing/2014/main" id="{925AE177-65D3-3126-BCDA-CF0A651C31D1}"/>
-              </a:ext>
-            </a:extLst>
-          </p:cNvPr>
-          <p:cNvSpPr txBox="1"/>
-          <p:nvPr/>
-        </p:nvSpPr>
-        <p:spPr>
-          <a:xfrm>
-            <a:off x="25489178" y="23019321"/>
-            <a:ext cx="1399695" cy="277000"/>
-          </a:xfrm>
-          <a:prstGeom prst="rect">
-            <a:avLst/>
-          </a:prstGeom>
-          <a:noFill/>
-        </p:spPr>
-        <p:txBody>
-          <a:bodyPr wrap="square" rtlCol="0">
-            <a:spAutoFit/>
-          </a:bodyPr>
-          <a:lstStyle/>
-          <a:p>
-            <a:r>
-              <a:rPr lang="en-US" sz="1200" dirty="0"/>
-              <a:t>Reptiles</a:t>
-            </a:r>
-          </a:p>
-        </p:txBody>
-      </p:sp>
-      <p:sp>
-        <p:nvSpPr>
-          <p:cNvPr id="208" name="TextBox 207">
-            <a:extLst>
-              <a:ext uri="{FF2B5EF4-FFF2-40B4-BE49-F238E27FC236}">
-                <a16:creationId xmlns:a16="http://schemas.microsoft.com/office/drawing/2014/main" id="{4399FA22-C302-FB97-08DA-9C271D00257B}"/>
-              </a:ext>
-            </a:extLst>
-          </p:cNvPr>
-          <p:cNvSpPr txBox="1"/>
-          <p:nvPr/>
-        </p:nvSpPr>
-        <p:spPr>
-          <a:xfrm>
-            <a:off x="25488082" y="21762472"/>
-            <a:ext cx="1399695" cy="277000"/>
-          </a:xfrm>
-          <a:prstGeom prst="rect">
-            <a:avLst/>
-          </a:prstGeom>
-          <a:noFill/>
-        </p:spPr>
-        <p:txBody>
-          <a:bodyPr wrap="square" rtlCol="0">
-            <a:spAutoFit/>
-          </a:bodyPr>
-          <a:lstStyle/>
-          <a:p>
-            <a:r>
-              <a:rPr lang="en-US" sz="1200" dirty="0"/>
-              <a:t>Mammals</a:t>
-            </a:r>
-          </a:p>
-        </p:txBody>
-      </p:sp>
-      <p:sp>
-        <p:nvSpPr>
-          <p:cNvPr id="209" name="TextBox 208">
-            <a:extLst>
-              <a:ext uri="{FF2B5EF4-FFF2-40B4-BE49-F238E27FC236}">
-                <a16:creationId xmlns:a16="http://schemas.microsoft.com/office/drawing/2014/main" id="{73992C6E-3463-1E80-B34B-F9C3B2CA167D}"/>
-              </a:ext>
-            </a:extLst>
-          </p:cNvPr>
-          <p:cNvSpPr txBox="1"/>
-          <p:nvPr/>
-        </p:nvSpPr>
-        <p:spPr>
-          <a:xfrm>
-            <a:off x="25489225" y="20968903"/>
-            <a:ext cx="1399695" cy="461664"/>
-          </a:xfrm>
-          <a:prstGeom prst="rect">
-            <a:avLst/>
-          </a:prstGeom>
-          <a:noFill/>
-        </p:spPr>
-        <p:txBody>
-          <a:bodyPr wrap="square" rtlCol="0">
-            <a:spAutoFit/>
-          </a:bodyPr>
-          <a:lstStyle/>
-          <a:p>
-            <a:r>
-              <a:rPr lang="en-US" sz="1200" dirty="0"/>
-              <a:t>All</a:t>
-            </a:r>
-          </a:p>
-          <a:p>
-            <a:r>
-              <a:rPr lang="en-US" sz="1200" dirty="0"/>
-              <a:t>species</a:t>
-            </a:r>
-          </a:p>
-        </p:txBody>
-      </p:sp>
-      <p:sp>
-        <p:nvSpPr>
-          <p:cNvPr id="210" name="Rectangle 209">
-            <a:extLst>
-              <a:ext uri="{FF2B5EF4-FFF2-40B4-BE49-F238E27FC236}">
-                <a16:creationId xmlns:a16="http://schemas.microsoft.com/office/drawing/2014/main" id="{B15FD20E-F24E-96D8-C57F-0CFD9E792225}"/>
-              </a:ext>
-            </a:extLst>
-          </p:cNvPr>
-          <p:cNvSpPr/>
-          <p:nvPr/>
-        </p:nvSpPr>
-        <p:spPr>
-          <a:xfrm flipH="1">
-            <a:off x="22173144" y="20790559"/>
-            <a:ext cx="64679" cy="2759105"/>
-          </a:xfrm>
-          <a:prstGeom prst="rect">
-            <a:avLst/>
-          </a:prstGeom>
-          <a:solidFill>
-            <a:schemeClr val="bg1"/>
-          </a:solidFill>
-          <a:ln>
-            <a:noFill/>
-          </a:ln>
-        </p:spPr>
-        <p:style>
-          <a:lnRef idx="2">
-            <a:schemeClr val="accent1">
-              <a:shade val="15000"/>
-            </a:schemeClr>
-          </a:lnRef>
-          <a:fillRef idx="1">
-            <a:schemeClr val="accent1"/>
-          </a:fillRef>
-          <a:effectRef idx="0">
-            <a:schemeClr val="accent1"/>
-          </a:effectRef>
-          <a:fontRef idx="minor">
-            <a:schemeClr val="lt1"/>
-          </a:fontRef>
-        </p:style>
-        <p:txBody>
-          <a:bodyPr rtlCol="0" anchor="ctr"/>
-          <a:lstStyle/>
-          <a:p>
-            <a:pPr algn="ctr"/>
-            <a:endParaRPr lang="en-US"/>
-          </a:p>
-        </p:txBody>
-      </p:sp>
-      <p:sp>
-        <p:nvSpPr>
-          <p:cNvPr id="5" name="TextBox 4">
-            <a:extLst>
-              <a:ext uri="{FF2B5EF4-FFF2-40B4-BE49-F238E27FC236}">
-                <a16:creationId xmlns:a16="http://schemas.microsoft.com/office/drawing/2014/main" id="{8D0AB730-2F68-76DF-60F1-08DC5BFE06A9}"/>
-              </a:ext>
-            </a:extLst>
-          </p:cNvPr>
-          <p:cNvSpPr txBox="1"/>
-          <p:nvPr/>
-        </p:nvSpPr>
-        <p:spPr>
-          <a:xfrm>
-            <a:off x="23988379" y="23248339"/>
-            <a:ext cx="385037" cy="207749"/>
-          </a:xfrm>
-          <a:prstGeom prst="rect">
-            <a:avLst/>
-          </a:prstGeom>
-          <a:noFill/>
-        </p:spPr>
-        <p:txBody>
-          <a:bodyPr wrap="square" rtlCol="0">
-            <a:spAutoFit/>
-          </a:bodyPr>
-          <a:lstStyle/>
-          <a:p>
-            <a:pPr algn="ctr"/>
-            <a:r>
-              <a:rPr lang="en-US" sz="750" dirty="0"/>
-              <a:t>0.85</a:t>
-            </a:r>
-          </a:p>
-        </p:txBody>
-      </p:sp>
-      <p:sp>
-        <p:nvSpPr>
-          <p:cNvPr id="7" name="TextBox 6">
-            <a:extLst>
-              <a:ext uri="{FF2B5EF4-FFF2-40B4-BE49-F238E27FC236}">
-                <a16:creationId xmlns:a16="http://schemas.microsoft.com/office/drawing/2014/main" id="{676FC20B-7079-C74A-50B9-C3E6C603D307}"/>
-              </a:ext>
-            </a:extLst>
-          </p:cNvPr>
-          <p:cNvSpPr txBox="1"/>
-          <p:nvPr/>
-        </p:nvSpPr>
-        <p:spPr>
-          <a:xfrm>
-            <a:off x="24231798" y="23248340"/>
-            <a:ext cx="385037" cy="207749"/>
-          </a:xfrm>
-          <a:prstGeom prst="rect">
-            <a:avLst/>
-          </a:prstGeom>
-          <a:noFill/>
-        </p:spPr>
-        <p:txBody>
-          <a:bodyPr wrap="square" rtlCol="0">
-            <a:spAutoFit/>
-          </a:bodyPr>
-          <a:lstStyle/>
-          <a:p>
-            <a:pPr algn="ctr"/>
-            <a:r>
-              <a:rPr lang="en-US" sz="750" dirty="0"/>
-              <a:t>0.9</a:t>
-            </a:r>
-          </a:p>
-        </p:txBody>
-      </p:sp>
-      <p:sp>
-        <p:nvSpPr>
-          <p:cNvPr id="8" name="TextBox 7">
-            <a:extLst>
-              <a:ext uri="{FF2B5EF4-FFF2-40B4-BE49-F238E27FC236}">
-                <a16:creationId xmlns:a16="http://schemas.microsoft.com/office/drawing/2014/main" id="{D73D0DB3-387D-4317-E1B2-32D739185916}"/>
-              </a:ext>
-            </a:extLst>
-          </p:cNvPr>
-          <p:cNvSpPr txBox="1"/>
-          <p:nvPr/>
-        </p:nvSpPr>
-        <p:spPr>
-          <a:xfrm>
-            <a:off x="24477335" y="23248337"/>
-            <a:ext cx="385037" cy="207749"/>
-          </a:xfrm>
-          <a:prstGeom prst="rect">
-            <a:avLst/>
-          </a:prstGeom>
-          <a:noFill/>
-        </p:spPr>
-        <p:txBody>
-          <a:bodyPr wrap="square" rtlCol="0">
-            <a:spAutoFit/>
-          </a:bodyPr>
-          <a:lstStyle/>
-          <a:p>
-            <a:pPr algn="ctr"/>
-            <a:r>
-              <a:rPr lang="en-US" sz="750" dirty="0"/>
-              <a:t>0.95</a:t>
-            </a:r>
-          </a:p>
-        </p:txBody>
-      </p:sp>
-      <p:sp>
-        <p:nvSpPr>
-          <p:cNvPr id="9" name="TextBox 8">
-            <a:extLst>
-              <a:ext uri="{FF2B5EF4-FFF2-40B4-BE49-F238E27FC236}">
-                <a16:creationId xmlns:a16="http://schemas.microsoft.com/office/drawing/2014/main" id="{DC595573-2F64-6B8C-03D9-749277B9057D}"/>
-              </a:ext>
-            </a:extLst>
-          </p:cNvPr>
-          <p:cNvSpPr txBox="1"/>
-          <p:nvPr/>
-        </p:nvSpPr>
-        <p:spPr>
-          <a:xfrm>
-            <a:off x="24726063" y="23248334"/>
-            <a:ext cx="385037" cy="207749"/>
-          </a:xfrm>
-          <a:prstGeom prst="rect">
-            <a:avLst/>
-          </a:prstGeom>
-          <a:noFill/>
-        </p:spPr>
-        <p:txBody>
-          <a:bodyPr wrap="square" rtlCol="0">
-            <a:spAutoFit/>
-          </a:bodyPr>
-          <a:lstStyle/>
-          <a:p>
-            <a:pPr algn="ctr"/>
-            <a:r>
-              <a:rPr lang="en-US" sz="750" dirty="0"/>
-              <a:t>0.99</a:t>
-            </a:r>
-          </a:p>
-        </p:txBody>
-      </p:sp>
     </p:spTree>
   </p:cSld>
   <p:clrMapOvr>
@@ -18819,41 +12925,6 @@
           <a:chExt cx="0" cy="0"/>
         </a:xfrm>
       </p:grpSpPr>
-      <p:pic>
-        <p:nvPicPr>
-          <p:cNvPr id="12" name="Graphic 11">
-            <a:extLst>
-              <a:ext uri="{FF2B5EF4-FFF2-40B4-BE49-F238E27FC236}">
-                <a16:creationId xmlns:a16="http://schemas.microsoft.com/office/drawing/2014/main" id="{3D930603-D5CD-1149-06A4-4D93E558CDAA}"/>
-              </a:ext>
-            </a:extLst>
-          </p:cNvPr>
-          <p:cNvPicPr>
-            <a:picLocks noChangeAspect="1"/>
-          </p:cNvPicPr>
-          <p:nvPr/>
-        </p:nvPicPr>
-        <p:blipFill>
-          <a:blip r:embed="rId2">
-            <a:extLst>
-              <a:ext uri="{96DAC541-7B7A-43D3-8B79-37D633B846F1}">
-                <asvg:svgBlip xmlns:asvg="http://schemas.microsoft.com/office/drawing/2016/SVG/main" r:embed="rId3"/>
-              </a:ext>
-            </a:extLst>
-          </a:blip>
-          <a:srcRect l="55159" t="59445" r="27453" b="23749"/>
-          <a:stretch/>
-        </p:blipFill>
-        <p:spPr>
-          <a:xfrm>
-            <a:off x="0" y="532086"/>
-            <a:ext cx="36576000" cy="31814814"/>
-          </a:xfrm>
-          <a:prstGeom prst="rect">
-            <a:avLst/>
-          </a:prstGeom>
-        </p:spPr>
-      </p:pic>
     </p:spTree>
     <p:extLst>
       <p:ext uri="{BB962C8B-B14F-4D97-AF65-F5344CB8AC3E}">
